--- a/ReactHooks.pptx
+++ b/ReactHooks.pptx
@@ -7,6 +7,8 @@
   <p:sldIdLst>
     <p:sldId id="256" r:id="rId2"/>
     <p:sldId id="257" r:id="rId3"/>
+    <p:sldId id="258" r:id="rId4"/>
+    <p:sldId id="259" r:id="rId5"/>
   </p:sldIdLst>
   <p:sldSz cx="12192000" cy="6858000"/>
   <p:notesSz cx="6858000" cy="9144000"/>
@@ -105,6 +107,11 @@
       </a:defRPr>
     </a:lvl9pPr>
   </p:defaultTextStyle>
+  <p:extLst>
+    <p:ext uri="{EFAFB233-063F-42B5-8137-9DF3F51BA10A}">
+      <p15:sldGuideLst xmlns:p15="http://schemas.microsoft.com/office/powerpoint/2012/main"/>
+    </p:ext>
+  </p:extLst>
 </p:presentation>
 </file>
 
@@ -239,7 +246,7 @@
           <a:p>
             <a:fld id="{7C748A7E-DDFB-4289-8D37-2F2F1B28B67B}" type="datetimeFigureOut">
               <a:rPr lang="en-US" smtClean="0"/>
-              <a:t>5/5/2019</a:t>
+              <a:t>5/6/2019</a:t>
             </a:fld>
             <a:endParaRPr lang="en-US"/>
           </a:p>
@@ -409,7 +416,7 @@
           <a:p>
             <a:fld id="{7C748A7E-DDFB-4289-8D37-2F2F1B28B67B}" type="datetimeFigureOut">
               <a:rPr lang="en-US" smtClean="0"/>
-              <a:t>5/5/2019</a:t>
+              <a:t>5/6/2019</a:t>
             </a:fld>
             <a:endParaRPr lang="en-US"/>
           </a:p>
@@ -589,7 +596,7 @@
           <a:p>
             <a:fld id="{7C748A7E-DDFB-4289-8D37-2F2F1B28B67B}" type="datetimeFigureOut">
               <a:rPr lang="en-US" smtClean="0"/>
-              <a:t>5/5/2019</a:t>
+              <a:t>5/6/2019</a:t>
             </a:fld>
             <a:endParaRPr lang="en-US"/>
           </a:p>
@@ -759,7 +766,7 @@
           <a:p>
             <a:fld id="{7C748A7E-DDFB-4289-8D37-2F2F1B28B67B}" type="datetimeFigureOut">
               <a:rPr lang="en-US" smtClean="0"/>
-              <a:t>5/5/2019</a:t>
+              <a:t>5/6/2019</a:t>
             </a:fld>
             <a:endParaRPr lang="en-US"/>
           </a:p>
@@ -1005,7 +1012,7 @@
           <a:p>
             <a:fld id="{7C748A7E-DDFB-4289-8D37-2F2F1B28B67B}" type="datetimeFigureOut">
               <a:rPr lang="en-US" smtClean="0"/>
-              <a:t>5/5/2019</a:t>
+              <a:t>5/6/2019</a:t>
             </a:fld>
             <a:endParaRPr lang="en-US"/>
           </a:p>
@@ -1237,7 +1244,7 @@
           <a:p>
             <a:fld id="{7C748A7E-DDFB-4289-8D37-2F2F1B28B67B}" type="datetimeFigureOut">
               <a:rPr lang="en-US" smtClean="0"/>
-              <a:t>5/5/2019</a:t>
+              <a:t>5/6/2019</a:t>
             </a:fld>
             <a:endParaRPr lang="en-US"/>
           </a:p>
@@ -1604,7 +1611,7 @@
           <a:p>
             <a:fld id="{7C748A7E-DDFB-4289-8D37-2F2F1B28B67B}" type="datetimeFigureOut">
               <a:rPr lang="en-US" smtClean="0"/>
-              <a:t>5/5/2019</a:t>
+              <a:t>5/6/2019</a:t>
             </a:fld>
             <a:endParaRPr lang="en-US"/>
           </a:p>
@@ -1722,7 +1729,7 @@
           <a:p>
             <a:fld id="{7C748A7E-DDFB-4289-8D37-2F2F1B28B67B}" type="datetimeFigureOut">
               <a:rPr lang="en-US" smtClean="0"/>
-              <a:t>5/5/2019</a:t>
+              <a:t>5/6/2019</a:t>
             </a:fld>
             <a:endParaRPr lang="en-US"/>
           </a:p>
@@ -1817,7 +1824,7 @@
           <a:p>
             <a:fld id="{7C748A7E-DDFB-4289-8D37-2F2F1B28B67B}" type="datetimeFigureOut">
               <a:rPr lang="en-US" smtClean="0"/>
-              <a:t>5/5/2019</a:t>
+              <a:t>5/6/2019</a:t>
             </a:fld>
             <a:endParaRPr lang="en-US"/>
           </a:p>
@@ -2094,7 +2101,7 @@
           <a:p>
             <a:fld id="{7C748A7E-DDFB-4289-8D37-2F2F1B28B67B}" type="datetimeFigureOut">
               <a:rPr lang="en-US" smtClean="0"/>
-              <a:t>5/5/2019</a:t>
+              <a:t>5/6/2019</a:t>
             </a:fld>
             <a:endParaRPr lang="en-US"/>
           </a:p>
@@ -2347,7 +2354,7 @@
           <a:p>
             <a:fld id="{7C748A7E-DDFB-4289-8D37-2F2F1B28B67B}" type="datetimeFigureOut">
               <a:rPr lang="en-US" smtClean="0"/>
-              <a:t>5/5/2019</a:t>
+              <a:t>5/6/2019</a:t>
             </a:fld>
             <a:endParaRPr lang="en-US"/>
           </a:p>
@@ -2560,7 +2567,7 @@
           <a:p>
             <a:fld id="{7C748A7E-DDFB-4289-8D37-2F2F1B28B67B}" type="datetimeFigureOut">
               <a:rPr lang="en-US" smtClean="0"/>
-              <a:t>5/5/2019</a:t>
+              <a:t>5/6/2019</a:t>
             </a:fld>
             <a:endParaRPr lang="en-US"/>
           </a:p>
@@ -3041,7 +3048,6 @@
               <a:rPr lang="en-US" dirty="0" smtClean="0"/>
               <a:t>Where to use hooks ?</a:t>
             </a:r>
-            <a:endParaRPr lang="en-US" dirty="0" smtClean="0"/>
           </a:p>
           <a:p>
             <a:pPr marL="457200" indent="-457200" algn="l">
@@ -3151,9 +3157,39 @@
             </a:r>
             <a:r>
               <a:rPr lang="en-US" dirty="0" smtClean="0"/>
-              <a:t> is a Hook that lets you add React state to function components.</a:t>
-            </a:r>
-            <a:endParaRPr lang="en-US" dirty="0"/>
+              <a:t> is a Hook that lets you add React state to function components</a:t>
+            </a:r>
+            <a:r>
+              <a:rPr lang="en-US" dirty="0" smtClean="0"/>
+              <a:t>.</a:t>
+            </a:r>
+          </a:p>
+          <a:p>
+            <a:r>
+              <a:rPr lang="en-US" dirty="0" smtClean="0"/>
+              <a:t>Basic hooks: </a:t>
+            </a:r>
+            <a:r>
+              <a:rPr lang="en-US" b="1" i="1" dirty="0" err="1" smtClean="0"/>
+              <a:t>useState</a:t>
+            </a:r>
+            <a:r>
+              <a:rPr lang="en-US" b="1" i="1" dirty="0" smtClean="0"/>
+              <a:t>, </a:t>
+            </a:r>
+            <a:r>
+              <a:rPr lang="en-US" b="1" i="1" dirty="0" err="1" smtClean="0"/>
+              <a:t>useEffect</a:t>
+            </a:r>
+            <a:r>
+              <a:rPr lang="en-US" b="1" i="1" dirty="0" smtClean="0"/>
+              <a:t>, </a:t>
+            </a:r>
+            <a:r>
+              <a:rPr lang="en-US" b="1" i="1" dirty="0" err="1" smtClean="0"/>
+              <a:t>useContext</a:t>
+            </a:r>
+            <a:endParaRPr lang="en-US" i="1" dirty="0"/>
           </a:p>
         </p:txBody>
       </p:sp>
@@ -3161,6 +3197,336 @@
     <p:extLst>
       <p:ext uri="{BB962C8B-B14F-4D97-AF65-F5344CB8AC3E}">
         <p14:creationId xmlns:p14="http://schemas.microsoft.com/office/powerpoint/2010/main" val="2638453489"/>
+      </p:ext>
+    </p:extLst>
+  </p:cSld>
+  <p:clrMapOvr>
+    <a:masterClrMapping/>
+  </p:clrMapOvr>
+</p:sld>
+</file>
+
+<file path=ppt/slides/slide3.xml><?xml version="1.0" encoding="utf-8"?>
+<p:sld xmlns:a="http://schemas.openxmlformats.org/drawingml/2006/main" xmlns:r="http://schemas.openxmlformats.org/officeDocument/2006/relationships" xmlns:p="http://schemas.openxmlformats.org/presentationml/2006/main">
+  <p:cSld>
+    <p:spTree>
+      <p:nvGrpSpPr>
+        <p:cNvPr id="1" name=""/>
+        <p:cNvGrpSpPr/>
+        <p:nvPr/>
+      </p:nvGrpSpPr>
+      <p:grpSpPr>
+        <a:xfrm>
+          <a:off x="0" y="0"/>
+          <a:ext cx="0" cy="0"/>
+          <a:chOff x="0" y="0"/>
+          <a:chExt cx="0" cy="0"/>
+        </a:xfrm>
+      </p:grpSpPr>
+      <p:sp>
+        <p:nvSpPr>
+          <p:cNvPr id="2" name="Title 1"/>
+          <p:cNvSpPr>
+            <a:spLocks noGrp="1"/>
+          </p:cNvSpPr>
+          <p:nvPr>
+            <p:ph type="title"/>
+          </p:nvPr>
+        </p:nvSpPr>
+        <p:spPr/>
+        <p:txBody>
+          <a:bodyPr/>
+          <a:lstStyle/>
+          <a:p>
+            <a:r>
+              <a:rPr lang="en-US" dirty="0" smtClean="0"/>
+              <a:t>2. Why use hooks?</a:t>
+            </a:r>
+            <a:endParaRPr lang="en-US" dirty="0"/>
+          </a:p>
+        </p:txBody>
+      </p:sp>
+      <p:sp>
+        <p:nvSpPr>
+          <p:cNvPr id="3" name="Content Placeholder 2"/>
+          <p:cNvSpPr>
+            <a:spLocks noGrp="1"/>
+          </p:cNvSpPr>
+          <p:nvPr>
+            <p:ph idx="1"/>
+          </p:nvPr>
+        </p:nvSpPr>
+        <p:spPr/>
+        <p:txBody>
+          <a:bodyPr>
+            <a:normAutofit lnSpcReduction="10000"/>
+          </a:bodyPr>
+          <a:lstStyle/>
+          <a:p>
+            <a:pPr marL="514350" indent="-514350">
+              <a:buFont typeface="+mj-lt"/>
+              <a:buAutoNum type="alphaLcPeriod"/>
+            </a:pPr>
+            <a:r>
+              <a:rPr lang="en-US" b="1" dirty="0" smtClean="0"/>
+              <a:t>Class is hard to Reuse </a:t>
+            </a:r>
+            <a:r>
+              <a:rPr lang="en-US" b="1" dirty="0" err="1"/>
+              <a:t>stateful</a:t>
+            </a:r>
+            <a:r>
+              <a:rPr lang="en-US" b="1" dirty="0"/>
+              <a:t> logic between </a:t>
+            </a:r>
+            <a:r>
+              <a:rPr lang="en-US" b="1" dirty="0" smtClean="0"/>
+              <a:t>components.</a:t>
+            </a:r>
+            <a:br>
+              <a:rPr lang="en-US" b="1" dirty="0" smtClean="0"/>
+            </a:br>
+            <a:r>
+              <a:rPr lang="en-US" dirty="0" smtClean="0"/>
+              <a:t>- </a:t>
+            </a:r>
+            <a:r>
+              <a:rPr lang="en-US" sz="2400" dirty="0" smtClean="0"/>
+              <a:t>Require </a:t>
+            </a:r>
+            <a:r>
+              <a:rPr lang="en-US" sz="2400" dirty="0"/>
+              <a:t>you to restructure your </a:t>
+            </a:r>
+            <a:r>
+              <a:rPr lang="en-US" sz="2400" dirty="0" smtClean="0"/>
+              <a:t>components.</a:t>
+            </a:r>
+            <a:br>
+              <a:rPr lang="en-US" sz="2400" dirty="0" smtClean="0"/>
+            </a:br>
+            <a:r>
+              <a:rPr lang="en-US" sz="2400" dirty="0" smtClean="0"/>
+              <a:t>- Cumbersome, code hard to follow.</a:t>
+            </a:r>
+            <a:br>
+              <a:rPr lang="en-US" sz="2400" dirty="0" smtClean="0"/>
+            </a:br>
+            <a:r>
+              <a:rPr lang="en-US" sz="2400" dirty="0" smtClean="0"/>
+              <a:t>- With Hooks, Can be tested </a:t>
+            </a:r>
+            <a:r>
+              <a:rPr lang="en-US" sz="2400" dirty="0"/>
+              <a:t>independently and reused</a:t>
+            </a:r>
+            <a:r>
+              <a:rPr lang="en-US" dirty="0"/>
+              <a:t>. </a:t>
+            </a:r>
+            <a:endParaRPr lang="en-US" sz="2400" dirty="0"/>
+          </a:p>
+          <a:p>
+            <a:pPr marL="514350" indent="-514350">
+              <a:buFont typeface="+mj-lt"/>
+              <a:buAutoNum type="alphaLcPeriod"/>
+            </a:pPr>
+            <a:r>
+              <a:rPr lang="en-US" b="1" dirty="0" smtClean="0"/>
+              <a:t>Complex </a:t>
+            </a:r>
+            <a:r>
+              <a:rPr lang="en-US" b="1" dirty="0"/>
+              <a:t>components become hard to </a:t>
+            </a:r>
+            <a:r>
+              <a:rPr lang="en-US" b="1" dirty="0" smtClean="0"/>
+              <a:t>understand.</a:t>
+            </a:r>
+            <a:r>
+              <a:rPr lang="en-US" dirty="0" smtClean="0"/>
+              <a:t/>
+            </a:r>
+            <a:br>
+              <a:rPr lang="en-US" dirty="0" smtClean="0"/>
+            </a:br>
+            <a:r>
+              <a:rPr lang="en-US" sz="2400" dirty="0" smtClean="0"/>
+              <a:t>- Hooks </a:t>
+            </a:r>
+            <a:r>
+              <a:rPr lang="en-US" sz="2400" dirty="0"/>
+              <a:t>let you split one component into smaller functions based on what pieces are related (such as setting up a subscription or fetching data)</a:t>
+            </a:r>
+            <a:endParaRPr lang="en-US" sz="2400" dirty="0"/>
+          </a:p>
+          <a:p>
+            <a:pPr marL="514350" indent="-514350">
+              <a:buFont typeface="+mj-lt"/>
+              <a:buAutoNum type="alphaLcPeriod"/>
+            </a:pPr>
+            <a:r>
+              <a:rPr lang="en-US" b="1" dirty="0"/>
+              <a:t>C</a:t>
+            </a:r>
+            <a:r>
+              <a:rPr lang="en-US" b="1" dirty="0" smtClean="0"/>
+              <a:t>lasses </a:t>
+            </a:r>
+            <a:r>
+              <a:rPr lang="en-US" b="1" dirty="0"/>
+              <a:t>confuse both people and </a:t>
+            </a:r>
+            <a:r>
+              <a:rPr lang="en-US" b="1" dirty="0" smtClean="0"/>
+              <a:t>machines.</a:t>
+            </a:r>
+            <a:br>
+              <a:rPr lang="en-US" b="1" dirty="0" smtClean="0"/>
+            </a:br>
+            <a:r>
+              <a:rPr lang="en-US" dirty="0" smtClean="0"/>
+              <a:t>- How </a:t>
+            </a:r>
+            <a:r>
+              <a:rPr lang="en-US" i="1" dirty="0" smtClean="0"/>
+              <a:t>this</a:t>
+            </a:r>
+            <a:r>
+              <a:rPr lang="en-US" dirty="0" smtClean="0"/>
+              <a:t> works, remember bind the event handlers…</a:t>
+            </a:r>
+            <a:r>
+              <a:rPr lang="en-US" b="1" dirty="0" smtClean="0"/>
+              <a:t/>
+            </a:r>
+            <a:br>
+              <a:rPr lang="en-US" b="1" dirty="0" smtClean="0"/>
+            </a:br>
+            <a:r>
+              <a:rPr lang="en-US" sz="2400" dirty="0" smtClean="0"/>
+              <a:t>- </a:t>
+            </a:r>
+            <a:r>
+              <a:rPr lang="en-US" sz="2400" dirty="0"/>
+              <a:t>Hooks let you use more of </a:t>
+            </a:r>
+            <a:r>
+              <a:rPr lang="en-US" sz="2400" dirty="0" err="1" smtClean="0"/>
+              <a:t>React’s</a:t>
+            </a:r>
+            <a:r>
+              <a:rPr lang="en-US" sz="2400" dirty="0" smtClean="0"/>
+              <a:t> </a:t>
+            </a:r>
+            <a:r>
+              <a:rPr lang="en-US" sz="2400" dirty="0"/>
+              <a:t>features without classes</a:t>
+            </a:r>
+            <a:r>
+              <a:rPr lang="en-US" sz="2400" dirty="0" smtClean="0"/>
+              <a:t>.</a:t>
+            </a:r>
+            <a:br>
+              <a:rPr lang="en-US" sz="2400" dirty="0" smtClean="0"/>
+            </a:br>
+            <a:r>
+              <a:rPr lang="en-US" sz="2400" dirty="0" smtClean="0"/>
+              <a:t/>
+            </a:r>
+            <a:br>
+              <a:rPr lang="en-US" sz="2400" dirty="0" smtClean="0"/>
+            </a:br>
+            <a:r>
+              <a:rPr lang="en-US" sz="2400" dirty="0" err="1" smtClean="0"/>
+              <a:t>Src</a:t>
+            </a:r>
+            <a:r>
+              <a:rPr lang="en-US" sz="2400" dirty="0" smtClean="0"/>
+              <a:t>: </a:t>
+            </a:r>
+            <a:r>
+              <a:rPr lang="en-US" sz="2400" dirty="0">
+                <a:hlinkClick r:id="rId2"/>
+              </a:rPr>
+              <a:t>https://reactjs.org/docs/hooks-intro.html#motivation</a:t>
+            </a:r>
+            <a:endParaRPr lang="en-US" sz="2400" dirty="0"/>
+          </a:p>
+        </p:txBody>
+      </p:sp>
+    </p:spTree>
+    <p:extLst>
+      <p:ext uri="{BB962C8B-B14F-4D97-AF65-F5344CB8AC3E}">
+        <p14:creationId xmlns:p14="http://schemas.microsoft.com/office/powerpoint/2010/main" val="2472684257"/>
+      </p:ext>
+    </p:extLst>
+  </p:cSld>
+  <p:clrMapOvr>
+    <a:masterClrMapping/>
+  </p:clrMapOvr>
+</p:sld>
+</file>
+
+<file path=ppt/slides/slide4.xml><?xml version="1.0" encoding="utf-8"?>
+<p:sld xmlns:a="http://schemas.openxmlformats.org/drawingml/2006/main" xmlns:r="http://schemas.openxmlformats.org/officeDocument/2006/relationships" xmlns:p="http://schemas.openxmlformats.org/presentationml/2006/main">
+  <p:cSld>
+    <p:spTree>
+      <p:nvGrpSpPr>
+        <p:cNvPr id="1" name=""/>
+        <p:cNvGrpSpPr/>
+        <p:nvPr/>
+      </p:nvGrpSpPr>
+      <p:grpSpPr>
+        <a:xfrm>
+          <a:off x="0" y="0"/>
+          <a:ext cx="0" cy="0"/>
+          <a:chOff x="0" y="0"/>
+          <a:chExt cx="0" cy="0"/>
+        </a:xfrm>
+      </p:grpSpPr>
+      <p:sp>
+        <p:nvSpPr>
+          <p:cNvPr id="2" name="Title 1"/>
+          <p:cNvSpPr>
+            <a:spLocks noGrp="1"/>
+          </p:cNvSpPr>
+          <p:nvPr>
+            <p:ph type="title"/>
+          </p:nvPr>
+        </p:nvSpPr>
+        <p:spPr/>
+        <p:txBody>
+          <a:bodyPr/>
+          <a:lstStyle/>
+          <a:p>
+            <a:endParaRPr lang="en-US"/>
+          </a:p>
+        </p:txBody>
+      </p:sp>
+      <p:sp>
+        <p:nvSpPr>
+          <p:cNvPr id="3" name="Content Placeholder 2"/>
+          <p:cNvSpPr>
+            <a:spLocks noGrp="1"/>
+          </p:cNvSpPr>
+          <p:nvPr>
+            <p:ph idx="1"/>
+          </p:nvPr>
+        </p:nvSpPr>
+        <p:spPr/>
+        <p:txBody>
+          <a:bodyPr/>
+          <a:lstStyle/>
+          <a:p>
+            <a:endParaRPr lang="en-US"/>
+          </a:p>
+        </p:txBody>
+      </p:sp>
+    </p:spTree>
+    <p:extLst>
+      <p:ext uri="{BB962C8B-B14F-4D97-AF65-F5344CB8AC3E}">
+        <p14:creationId xmlns:p14="http://schemas.microsoft.com/office/powerpoint/2010/main" val="830363449"/>
       </p:ext>
     </p:extLst>
   </p:cSld>

--- a/ReactHooks.pptx
+++ b/ReactHooks.pptx
@@ -4,11 +4,20 @@
   <p:sldMasterIdLst>
     <p:sldMasterId id="2147483648" r:id="rId1"/>
   </p:sldMasterIdLst>
+  <p:notesMasterIdLst>
+    <p:notesMasterId r:id="rId12"/>
+  </p:notesMasterIdLst>
   <p:sldIdLst>
-    <p:sldId id="256" r:id="rId2"/>
-    <p:sldId id="257" r:id="rId3"/>
-    <p:sldId id="258" r:id="rId4"/>
-    <p:sldId id="259" r:id="rId5"/>
+    <p:sldId id="269" r:id="rId2"/>
+    <p:sldId id="256" r:id="rId3"/>
+    <p:sldId id="268" r:id="rId4"/>
+    <p:sldId id="257" r:id="rId5"/>
+    <p:sldId id="258" r:id="rId6"/>
+    <p:sldId id="261" r:id="rId7"/>
+    <p:sldId id="262" r:id="rId8"/>
+    <p:sldId id="264" r:id="rId9"/>
+    <p:sldId id="265" r:id="rId10"/>
+    <p:sldId id="266" r:id="rId11"/>
   </p:sldIdLst>
   <p:sldSz cx="12192000" cy="6858000"/>
   <p:notesSz cx="6858000" cy="9144000"/>
@@ -115,6 +124,1830 @@
 </p:presentation>
 </file>
 
+<file path=ppt/notesMasters/notesMaster1.xml><?xml version="1.0" encoding="utf-8"?>
+<p:notesMaster xmlns:a="http://schemas.openxmlformats.org/drawingml/2006/main" xmlns:r="http://schemas.openxmlformats.org/officeDocument/2006/relationships" xmlns:p="http://schemas.openxmlformats.org/presentationml/2006/main">
+  <p:cSld>
+    <p:bg>
+      <p:bgRef idx="1001">
+        <a:schemeClr val="bg1"/>
+      </p:bgRef>
+    </p:bg>
+    <p:spTree>
+      <p:nvGrpSpPr>
+        <p:cNvPr id="1" name=""/>
+        <p:cNvGrpSpPr/>
+        <p:nvPr/>
+      </p:nvGrpSpPr>
+      <p:grpSpPr>
+        <a:xfrm>
+          <a:off x="0" y="0"/>
+          <a:ext cx="0" cy="0"/>
+          <a:chOff x="0" y="0"/>
+          <a:chExt cx="0" cy="0"/>
+        </a:xfrm>
+      </p:grpSpPr>
+      <p:sp>
+        <p:nvSpPr>
+          <p:cNvPr id="2" name="Header Placeholder 1"/>
+          <p:cNvSpPr>
+            <a:spLocks noGrp="1"/>
+          </p:cNvSpPr>
+          <p:nvPr>
+            <p:ph type="hdr" sz="quarter"/>
+          </p:nvPr>
+        </p:nvSpPr>
+        <p:spPr>
+          <a:xfrm>
+            <a:off x="0" y="0"/>
+            <a:ext cx="2971800" cy="458788"/>
+          </a:xfrm>
+          <a:prstGeom prst="rect">
+            <a:avLst/>
+          </a:prstGeom>
+        </p:spPr>
+        <p:txBody>
+          <a:bodyPr vert="horz" lIns="91440" tIns="45720" rIns="91440" bIns="45720" rtlCol="0"/>
+          <a:lstStyle>
+            <a:lvl1pPr algn="l">
+              <a:defRPr sz="1200"/>
+            </a:lvl1pPr>
+          </a:lstStyle>
+          <a:p>
+            <a:endParaRPr lang="en-US"/>
+          </a:p>
+        </p:txBody>
+      </p:sp>
+      <p:sp>
+        <p:nvSpPr>
+          <p:cNvPr id="3" name="Date Placeholder 2"/>
+          <p:cNvSpPr>
+            <a:spLocks noGrp="1"/>
+          </p:cNvSpPr>
+          <p:nvPr>
+            <p:ph type="dt" idx="1"/>
+          </p:nvPr>
+        </p:nvSpPr>
+        <p:spPr>
+          <a:xfrm>
+            <a:off x="3884613" y="0"/>
+            <a:ext cx="2971800" cy="458788"/>
+          </a:xfrm>
+          <a:prstGeom prst="rect">
+            <a:avLst/>
+          </a:prstGeom>
+        </p:spPr>
+        <p:txBody>
+          <a:bodyPr vert="horz" lIns="91440" tIns="45720" rIns="91440" bIns="45720" rtlCol="0"/>
+          <a:lstStyle>
+            <a:lvl1pPr algn="r">
+              <a:defRPr sz="1200"/>
+            </a:lvl1pPr>
+          </a:lstStyle>
+          <a:p>
+            <a:fld id="{B4948491-EFE7-41DA-B945-73D2DFE774B9}" type="datetimeFigureOut">
+              <a:rPr lang="en-US" smtClean="0"/>
+              <a:t>5/8/2019</a:t>
+            </a:fld>
+            <a:endParaRPr lang="en-US"/>
+          </a:p>
+        </p:txBody>
+      </p:sp>
+      <p:sp>
+        <p:nvSpPr>
+          <p:cNvPr id="4" name="Slide Image Placeholder 3"/>
+          <p:cNvSpPr>
+            <a:spLocks noGrp="1" noRot="1" noChangeAspect="1"/>
+          </p:cNvSpPr>
+          <p:nvPr>
+            <p:ph type="sldImg" idx="2"/>
+          </p:nvPr>
+        </p:nvSpPr>
+        <p:spPr>
+          <a:xfrm>
+            <a:off x="685800" y="1143000"/>
+            <a:ext cx="5486400" cy="3086100"/>
+          </a:xfrm>
+          <a:prstGeom prst="rect">
+            <a:avLst/>
+          </a:prstGeom>
+          <a:noFill/>
+          <a:ln w="12700">
+            <a:solidFill>
+              <a:prstClr val="black"/>
+            </a:solidFill>
+          </a:ln>
+        </p:spPr>
+        <p:txBody>
+          <a:bodyPr vert="horz" lIns="91440" tIns="45720" rIns="91440" bIns="45720" rtlCol="0" anchor="ctr"/>
+          <a:lstStyle/>
+          <a:p>
+            <a:endParaRPr lang="en-US"/>
+          </a:p>
+        </p:txBody>
+      </p:sp>
+      <p:sp>
+        <p:nvSpPr>
+          <p:cNvPr id="5" name="Notes Placeholder 4"/>
+          <p:cNvSpPr>
+            <a:spLocks noGrp="1"/>
+          </p:cNvSpPr>
+          <p:nvPr>
+            <p:ph type="body" sz="quarter" idx="3"/>
+          </p:nvPr>
+        </p:nvSpPr>
+        <p:spPr>
+          <a:xfrm>
+            <a:off x="685800" y="4400550"/>
+            <a:ext cx="5486400" cy="3600450"/>
+          </a:xfrm>
+          <a:prstGeom prst="rect">
+            <a:avLst/>
+          </a:prstGeom>
+        </p:spPr>
+        <p:txBody>
+          <a:bodyPr vert="horz" lIns="91440" tIns="45720" rIns="91440" bIns="45720" rtlCol="0"/>
+          <a:lstStyle/>
+          <a:p>
+            <a:pPr lvl="0"/>
+            <a:r>
+              <a:rPr lang="en-US" smtClean="0"/>
+              <a:t>Edit Master text styles</a:t>
+            </a:r>
+          </a:p>
+          <a:p>
+            <a:pPr lvl="1"/>
+            <a:r>
+              <a:rPr lang="en-US" smtClean="0"/>
+              <a:t>Second level</a:t>
+            </a:r>
+          </a:p>
+          <a:p>
+            <a:pPr lvl="2"/>
+            <a:r>
+              <a:rPr lang="en-US" smtClean="0"/>
+              <a:t>Third level</a:t>
+            </a:r>
+          </a:p>
+          <a:p>
+            <a:pPr lvl="3"/>
+            <a:r>
+              <a:rPr lang="en-US" smtClean="0"/>
+              <a:t>Fourth level</a:t>
+            </a:r>
+          </a:p>
+          <a:p>
+            <a:pPr lvl="4"/>
+            <a:r>
+              <a:rPr lang="en-US" smtClean="0"/>
+              <a:t>Fifth level</a:t>
+            </a:r>
+            <a:endParaRPr lang="en-US"/>
+          </a:p>
+        </p:txBody>
+      </p:sp>
+      <p:sp>
+        <p:nvSpPr>
+          <p:cNvPr id="6" name="Footer Placeholder 5"/>
+          <p:cNvSpPr>
+            <a:spLocks noGrp="1"/>
+          </p:cNvSpPr>
+          <p:nvPr>
+            <p:ph type="ftr" sz="quarter" idx="4"/>
+          </p:nvPr>
+        </p:nvSpPr>
+        <p:spPr>
+          <a:xfrm>
+            <a:off x="0" y="8685213"/>
+            <a:ext cx="2971800" cy="458787"/>
+          </a:xfrm>
+          <a:prstGeom prst="rect">
+            <a:avLst/>
+          </a:prstGeom>
+        </p:spPr>
+        <p:txBody>
+          <a:bodyPr vert="horz" lIns="91440" tIns="45720" rIns="91440" bIns="45720" rtlCol="0" anchor="b"/>
+          <a:lstStyle>
+            <a:lvl1pPr algn="l">
+              <a:defRPr sz="1200"/>
+            </a:lvl1pPr>
+          </a:lstStyle>
+          <a:p>
+            <a:endParaRPr lang="en-US"/>
+          </a:p>
+        </p:txBody>
+      </p:sp>
+      <p:sp>
+        <p:nvSpPr>
+          <p:cNvPr id="7" name="Slide Number Placeholder 6"/>
+          <p:cNvSpPr>
+            <a:spLocks noGrp="1"/>
+          </p:cNvSpPr>
+          <p:nvPr>
+            <p:ph type="sldNum" sz="quarter" idx="5"/>
+          </p:nvPr>
+        </p:nvSpPr>
+        <p:spPr>
+          <a:xfrm>
+            <a:off x="3884613" y="8685213"/>
+            <a:ext cx="2971800" cy="458787"/>
+          </a:xfrm>
+          <a:prstGeom prst="rect">
+            <a:avLst/>
+          </a:prstGeom>
+        </p:spPr>
+        <p:txBody>
+          <a:bodyPr vert="horz" lIns="91440" tIns="45720" rIns="91440" bIns="45720" rtlCol="0" anchor="b"/>
+          <a:lstStyle>
+            <a:lvl1pPr algn="r">
+              <a:defRPr sz="1200"/>
+            </a:lvl1pPr>
+          </a:lstStyle>
+          <a:p>
+            <a:fld id="{FBF31ECA-FEBF-416A-9457-D684578178CB}" type="slidenum">
+              <a:rPr lang="en-US" smtClean="0"/>
+              <a:t>‹#›</a:t>
+            </a:fld>
+            <a:endParaRPr lang="en-US"/>
+          </a:p>
+        </p:txBody>
+      </p:sp>
+    </p:spTree>
+    <p:extLst>
+      <p:ext uri="{BB962C8B-B14F-4D97-AF65-F5344CB8AC3E}">
+        <p14:creationId xmlns:p14="http://schemas.microsoft.com/office/powerpoint/2010/main" val="1510908563"/>
+      </p:ext>
+    </p:extLst>
+  </p:cSld>
+  <p:clrMap bg1="lt1" tx1="dk1" bg2="lt2" tx2="dk2" accent1="accent1" accent2="accent2" accent3="accent3" accent4="accent4" accent5="accent5" accent6="accent6" hlink="hlink" folHlink="folHlink"/>
+  <p:notesStyle>
+    <a:lvl1pPr marL="0" algn="l" defTabSz="914400" rtl="0" eaLnBrk="1" latinLnBrk="0" hangingPunct="1">
+      <a:defRPr sz="1200" kern="1200">
+        <a:solidFill>
+          <a:schemeClr val="tx1"/>
+        </a:solidFill>
+        <a:latin typeface="+mn-lt"/>
+        <a:ea typeface="+mn-ea"/>
+        <a:cs typeface="+mn-cs"/>
+      </a:defRPr>
+    </a:lvl1pPr>
+    <a:lvl2pPr marL="457200" algn="l" defTabSz="914400" rtl="0" eaLnBrk="1" latinLnBrk="0" hangingPunct="1">
+      <a:defRPr sz="1200" kern="1200">
+        <a:solidFill>
+          <a:schemeClr val="tx1"/>
+        </a:solidFill>
+        <a:latin typeface="+mn-lt"/>
+        <a:ea typeface="+mn-ea"/>
+        <a:cs typeface="+mn-cs"/>
+      </a:defRPr>
+    </a:lvl2pPr>
+    <a:lvl3pPr marL="914400" algn="l" defTabSz="914400" rtl="0" eaLnBrk="1" latinLnBrk="0" hangingPunct="1">
+      <a:defRPr sz="1200" kern="1200">
+        <a:solidFill>
+          <a:schemeClr val="tx1"/>
+        </a:solidFill>
+        <a:latin typeface="+mn-lt"/>
+        <a:ea typeface="+mn-ea"/>
+        <a:cs typeface="+mn-cs"/>
+      </a:defRPr>
+    </a:lvl3pPr>
+    <a:lvl4pPr marL="1371600" algn="l" defTabSz="914400" rtl="0" eaLnBrk="1" latinLnBrk="0" hangingPunct="1">
+      <a:defRPr sz="1200" kern="1200">
+        <a:solidFill>
+          <a:schemeClr val="tx1"/>
+        </a:solidFill>
+        <a:latin typeface="+mn-lt"/>
+        <a:ea typeface="+mn-ea"/>
+        <a:cs typeface="+mn-cs"/>
+      </a:defRPr>
+    </a:lvl4pPr>
+    <a:lvl5pPr marL="1828800" algn="l" defTabSz="914400" rtl="0" eaLnBrk="1" latinLnBrk="0" hangingPunct="1">
+      <a:defRPr sz="1200" kern="1200">
+        <a:solidFill>
+          <a:schemeClr val="tx1"/>
+        </a:solidFill>
+        <a:latin typeface="+mn-lt"/>
+        <a:ea typeface="+mn-ea"/>
+        <a:cs typeface="+mn-cs"/>
+      </a:defRPr>
+    </a:lvl5pPr>
+    <a:lvl6pPr marL="2286000" algn="l" defTabSz="914400" rtl="0" eaLnBrk="1" latinLnBrk="0" hangingPunct="1">
+      <a:defRPr sz="1200" kern="1200">
+        <a:solidFill>
+          <a:schemeClr val="tx1"/>
+        </a:solidFill>
+        <a:latin typeface="+mn-lt"/>
+        <a:ea typeface="+mn-ea"/>
+        <a:cs typeface="+mn-cs"/>
+      </a:defRPr>
+    </a:lvl6pPr>
+    <a:lvl7pPr marL="2743200" algn="l" defTabSz="914400" rtl="0" eaLnBrk="1" latinLnBrk="0" hangingPunct="1">
+      <a:defRPr sz="1200" kern="1200">
+        <a:solidFill>
+          <a:schemeClr val="tx1"/>
+        </a:solidFill>
+        <a:latin typeface="+mn-lt"/>
+        <a:ea typeface="+mn-ea"/>
+        <a:cs typeface="+mn-cs"/>
+      </a:defRPr>
+    </a:lvl7pPr>
+    <a:lvl8pPr marL="3200400" algn="l" defTabSz="914400" rtl="0" eaLnBrk="1" latinLnBrk="0" hangingPunct="1">
+      <a:defRPr sz="1200" kern="1200">
+        <a:solidFill>
+          <a:schemeClr val="tx1"/>
+        </a:solidFill>
+        <a:latin typeface="+mn-lt"/>
+        <a:ea typeface="+mn-ea"/>
+        <a:cs typeface="+mn-cs"/>
+      </a:defRPr>
+    </a:lvl8pPr>
+    <a:lvl9pPr marL="3657600" algn="l" defTabSz="914400" rtl="0" eaLnBrk="1" latinLnBrk="0" hangingPunct="1">
+      <a:defRPr sz="1200" kern="1200">
+        <a:solidFill>
+          <a:schemeClr val="tx1"/>
+        </a:solidFill>
+        <a:latin typeface="+mn-lt"/>
+        <a:ea typeface="+mn-ea"/>
+        <a:cs typeface="+mn-cs"/>
+      </a:defRPr>
+    </a:lvl9pPr>
+  </p:notesStyle>
+</p:notesMaster>
+</file>
+
+<file path=ppt/notesSlides/notesSlide1.xml><?xml version="1.0" encoding="utf-8"?>
+<p:notes xmlns:a="http://schemas.openxmlformats.org/drawingml/2006/main" xmlns:r="http://schemas.openxmlformats.org/officeDocument/2006/relationships" xmlns:p="http://schemas.openxmlformats.org/presentationml/2006/main">
+  <p:cSld>
+    <p:spTree>
+      <p:nvGrpSpPr>
+        <p:cNvPr id="1" name=""/>
+        <p:cNvGrpSpPr/>
+        <p:nvPr/>
+      </p:nvGrpSpPr>
+      <p:grpSpPr>
+        <a:xfrm>
+          <a:off x="0" y="0"/>
+          <a:ext cx="0" cy="0"/>
+          <a:chOff x="0" y="0"/>
+          <a:chExt cx="0" cy="0"/>
+        </a:xfrm>
+      </p:grpSpPr>
+      <p:sp>
+        <p:nvSpPr>
+          <p:cNvPr id="2" name="Slide Image Placeholder 1"/>
+          <p:cNvSpPr>
+            <a:spLocks noGrp="1" noRot="1" noChangeAspect="1"/>
+          </p:cNvSpPr>
+          <p:nvPr>
+            <p:ph type="sldImg"/>
+          </p:nvPr>
+        </p:nvSpPr>
+        <p:spPr/>
+      </p:sp>
+      <p:sp>
+        <p:nvSpPr>
+          <p:cNvPr id="3" name="Notes Placeholder 2"/>
+          <p:cNvSpPr>
+            <a:spLocks noGrp="1"/>
+          </p:cNvSpPr>
+          <p:nvPr>
+            <p:ph type="body" idx="1"/>
+          </p:nvPr>
+        </p:nvSpPr>
+        <p:spPr/>
+        <p:txBody>
+          <a:bodyPr/>
+          <a:lstStyle/>
+          <a:p>
+            <a:endParaRPr lang="en-US" dirty="0"/>
+          </a:p>
+        </p:txBody>
+      </p:sp>
+      <p:sp>
+        <p:nvSpPr>
+          <p:cNvPr id="4" name="Slide Number Placeholder 3"/>
+          <p:cNvSpPr>
+            <a:spLocks noGrp="1"/>
+          </p:cNvSpPr>
+          <p:nvPr>
+            <p:ph type="sldNum" sz="quarter" idx="10"/>
+          </p:nvPr>
+        </p:nvSpPr>
+        <p:spPr/>
+        <p:txBody>
+          <a:bodyPr/>
+          <a:lstStyle/>
+          <a:p>
+            <a:fld id="{FBF31ECA-FEBF-416A-9457-D684578178CB}" type="slidenum">
+              <a:rPr lang="en-US" smtClean="0"/>
+              <a:t>2</a:t>
+            </a:fld>
+            <a:endParaRPr lang="en-US"/>
+          </a:p>
+        </p:txBody>
+      </p:sp>
+    </p:spTree>
+    <p:extLst>
+      <p:ext uri="{BB962C8B-B14F-4D97-AF65-F5344CB8AC3E}">
+        <p14:creationId xmlns:p14="http://schemas.microsoft.com/office/powerpoint/2010/main" val="4127980220"/>
+      </p:ext>
+    </p:extLst>
+  </p:cSld>
+  <p:clrMapOvr>
+    <a:masterClrMapping/>
+  </p:clrMapOvr>
+</p:notes>
+</file>
+
+<file path=ppt/notesSlides/notesSlide2.xml><?xml version="1.0" encoding="utf-8"?>
+<p:notes xmlns:a="http://schemas.openxmlformats.org/drawingml/2006/main" xmlns:r="http://schemas.openxmlformats.org/officeDocument/2006/relationships" xmlns:p="http://schemas.openxmlformats.org/presentationml/2006/main">
+  <p:cSld>
+    <p:spTree>
+      <p:nvGrpSpPr>
+        <p:cNvPr id="1" name=""/>
+        <p:cNvGrpSpPr/>
+        <p:nvPr/>
+      </p:nvGrpSpPr>
+      <p:grpSpPr>
+        <a:xfrm>
+          <a:off x="0" y="0"/>
+          <a:ext cx="0" cy="0"/>
+          <a:chOff x="0" y="0"/>
+          <a:chExt cx="0" cy="0"/>
+        </a:xfrm>
+      </p:grpSpPr>
+      <p:sp>
+        <p:nvSpPr>
+          <p:cNvPr id="2" name="Slide Image Placeholder 1"/>
+          <p:cNvSpPr>
+            <a:spLocks noGrp="1" noRot="1" noChangeAspect="1"/>
+          </p:cNvSpPr>
+          <p:nvPr>
+            <p:ph type="sldImg"/>
+          </p:nvPr>
+        </p:nvSpPr>
+        <p:spPr/>
+      </p:sp>
+      <p:sp>
+        <p:nvSpPr>
+          <p:cNvPr id="3" name="Notes Placeholder 2"/>
+          <p:cNvSpPr>
+            <a:spLocks noGrp="1"/>
+          </p:cNvSpPr>
+          <p:nvPr>
+            <p:ph type="body" idx="1"/>
+          </p:nvPr>
+        </p:nvSpPr>
+        <p:spPr/>
+        <p:txBody>
+          <a:bodyPr/>
+          <a:lstStyle/>
+          <a:p>
+            <a:pPr marL="228600" indent="-228600">
+              <a:buAutoNum type="arabicPeriod"/>
+            </a:pPr>
+            <a:r>
+              <a:rPr lang="en-US" dirty="0" smtClean="0"/>
+              <a:t>What</a:t>
+            </a:r>
+          </a:p>
+          <a:p>
+            <a:pPr marL="228600" indent="-228600">
+              <a:buAutoNum type="arabicPeriod"/>
+            </a:pPr>
+            <a:r>
+              <a:rPr lang="en-US" dirty="0" smtClean="0"/>
+              <a:t>Why =&gt; List why would</a:t>
+            </a:r>
+            <a:r>
+              <a:rPr lang="en-US" baseline="0" dirty="0" smtClean="0"/>
+              <a:t> we use hooks. </a:t>
+            </a:r>
+            <a:endParaRPr lang="en-US" dirty="0" smtClean="0"/>
+          </a:p>
+          <a:p>
+            <a:pPr marL="228600" indent="-228600">
+              <a:buAutoNum type="arabicPeriod"/>
+            </a:pPr>
+            <a:r>
+              <a:rPr lang="en-US" dirty="0" smtClean="0"/>
+              <a:t>When</a:t>
+            </a:r>
+            <a:endParaRPr lang="en-US" dirty="0"/>
+          </a:p>
+        </p:txBody>
+      </p:sp>
+      <p:sp>
+        <p:nvSpPr>
+          <p:cNvPr id="4" name="Slide Number Placeholder 3"/>
+          <p:cNvSpPr>
+            <a:spLocks noGrp="1"/>
+          </p:cNvSpPr>
+          <p:nvPr>
+            <p:ph type="sldNum" sz="quarter" idx="10"/>
+          </p:nvPr>
+        </p:nvSpPr>
+        <p:spPr/>
+        <p:txBody>
+          <a:bodyPr/>
+          <a:lstStyle/>
+          <a:p>
+            <a:fld id="{FBF31ECA-FEBF-416A-9457-D684578178CB}" type="slidenum">
+              <a:rPr lang="en-US" smtClean="0"/>
+              <a:t>3</a:t>
+            </a:fld>
+            <a:endParaRPr lang="en-US"/>
+          </a:p>
+        </p:txBody>
+      </p:sp>
+    </p:spTree>
+    <p:extLst>
+      <p:ext uri="{BB962C8B-B14F-4D97-AF65-F5344CB8AC3E}">
+        <p14:creationId xmlns:p14="http://schemas.microsoft.com/office/powerpoint/2010/main" val="2567672251"/>
+      </p:ext>
+    </p:extLst>
+  </p:cSld>
+  <p:clrMapOvr>
+    <a:masterClrMapping/>
+  </p:clrMapOvr>
+</p:notes>
+</file>
+
+<file path=ppt/notesSlides/notesSlide3.xml><?xml version="1.0" encoding="utf-8"?>
+<p:notes xmlns:a="http://schemas.openxmlformats.org/drawingml/2006/main" xmlns:r="http://schemas.openxmlformats.org/officeDocument/2006/relationships" xmlns:p="http://schemas.openxmlformats.org/presentationml/2006/main">
+  <p:cSld>
+    <p:spTree>
+      <p:nvGrpSpPr>
+        <p:cNvPr id="1" name=""/>
+        <p:cNvGrpSpPr/>
+        <p:nvPr/>
+      </p:nvGrpSpPr>
+      <p:grpSpPr>
+        <a:xfrm>
+          <a:off x="0" y="0"/>
+          <a:ext cx="0" cy="0"/>
+          <a:chOff x="0" y="0"/>
+          <a:chExt cx="0" cy="0"/>
+        </a:xfrm>
+      </p:grpSpPr>
+      <p:sp>
+        <p:nvSpPr>
+          <p:cNvPr id="2" name="Slide Image Placeholder 1"/>
+          <p:cNvSpPr>
+            <a:spLocks noGrp="1" noRot="1" noChangeAspect="1"/>
+          </p:cNvSpPr>
+          <p:nvPr>
+            <p:ph type="sldImg"/>
+          </p:nvPr>
+        </p:nvSpPr>
+        <p:spPr/>
+      </p:sp>
+      <p:sp>
+        <p:nvSpPr>
+          <p:cNvPr id="3" name="Notes Placeholder 2"/>
+          <p:cNvSpPr>
+            <a:spLocks noGrp="1"/>
+          </p:cNvSpPr>
+          <p:nvPr>
+            <p:ph type="body" idx="1"/>
+          </p:nvPr>
+        </p:nvSpPr>
+        <p:spPr/>
+        <p:txBody>
+          <a:bodyPr/>
+          <a:lstStyle/>
+          <a:p>
+            <a:pPr marL="0" marR="0" lvl="0" indent="0" algn="l" defTabSz="914400" rtl="0" eaLnBrk="1" fontAlgn="auto" latinLnBrk="0" hangingPunct="1">
+              <a:lnSpc>
+                <a:spcPct val="100000"/>
+              </a:lnSpc>
+              <a:spcBef>
+                <a:spcPts val="0"/>
+              </a:spcBef>
+              <a:spcAft>
+                <a:spcPts val="0"/>
+              </a:spcAft>
+              <a:buClrTx/>
+              <a:buSzTx/>
+              <a:buFontTx/>
+              <a:buNone/>
+              <a:tabLst/>
+              <a:defRPr/>
+            </a:pPr>
+            <a:r>
+              <a:rPr lang="en-US" dirty="0" smtClean="0"/>
+              <a:t>- </a:t>
+            </a:r>
+            <a:r>
+              <a:rPr lang="en-US" sz="1200" dirty="0" smtClean="0"/>
+              <a:t>Require you to restructure your components.</a:t>
+            </a:r>
+            <a:br>
+              <a:rPr lang="en-US" sz="1200" dirty="0" smtClean="0"/>
+            </a:br>
+            <a:r>
+              <a:rPr lang="en-US" sz="1200" dirty="0" smtClean="0"/>
+              <a:t>- Cumbersome, code hard to follow.</a:t>
+            </a:r>
+            <a:br>
+              <a:rPr lang="en-US" sz="1200" dirty="0" smtClean="0"/>
+            </a:br>
+            <a:r>
+              <a:rPr lang="en-US" sz="1200" dirty="0" smtClean="0"/>
+              <a:t>- With Hooks, Can be tested independently and reused</a:t>
+            </a:r>
+            <a:r>
+              <a:rPr lang="en-US" dirty="0" smtClean="0"/>
+              <a:t>. </a:t>
+            </a:r>
+          </a:p>
+          <a:p>
+            <a:pPr marL="0" marR="0" lvl="0" indent="0" algn="l" defTabSz="914400" rtl="0" eaLnBrk="1" fontAlgn="auto" latinLnBrk="0" hangingPunct="1">
+              <a:lnSpc>
+                <a:spcPct val="100000"/>
+              </a:lnSpc>
+              <a:spcBef>
+                <a:spcPts val="0"/>
+              </a:spcBef>
+              <a:spcAft>
+                <a:spcPts val="0"/>
+              </a:spcAft>
+              <a:buClrTx/>
+              <a:buSzTx/>
+              <a:buFontTx/>
+              <a:buNone/>
+              <a:tabLst/>
+              <a:defRPr/>
+            </a:pPr>
+            <a:endParaRPr lang="en-US" sz="1200" dirty="0" smtClean="0"/>
+          </a:p>
+          <a:p>
+            <a:pPr marL="0" marR="0" lvl="0" indent="0" algn="l" defTabSz="914400" rtl="0" eaLnBrk="1" fontAlgn="auto" latinLnBrk="0" hangingPunct="1">
+              <a:lnSpc>
+                <a:spcPct val="100000"/>
+              </a:lnSpc>
+              <a:spcBef>
+                <a:spcPts val="0"/>
+              </a:spcBef>
+              <a:spcAft>
+                <a:spcPts val="0"/>
+              </a:spcAft>
+              <a:buClrTx/>
+              <a:buSzTx/>
+              <a:buFontTx/>
+              <a:buNone/>
+              <a:tabLst/>
+              <a:defRPr/>
+            </a:pPr>
+            <a:r>
+              <a:rPr lang="en-US" sz="1200" dirty="0" smtClean="0"/>
+              <a:t>- Hooks let you split one component into smaller functions based on what pieces are related (such as setting up a subscription or fetching data)</a:t>
+            </a:r>
+            <a:br>
+              <a:rPr lang="en-US" sz="1200" dirty="0" smtClean="0"/>
+            </a:br>
+            <a:endParaRPr lang="en-US" sz="1200" dirty="0" smtClean="0"/>
+          </a:p>
+          <a:p>
+            <a:r>
+              <a:rPr lang="en-US" dirty="0" smtClean="0"/>
+              <a:t>- How </a:t>
+            </a:r>
+            <a:r>
+              <a:rPr lang="en-US" i="1" dirty="0" smtClean="0"/>
+              <a:t>this</a:t>
+            </a:r>
+            <a:r>
+              <a:rPr lang="en-US" dirty="0" smtClean="0"/>
+              <a:t> works, remember bind the event handlers…</a:t>
+            </a:r>
+            <a:r>
+              <a:rPr lang="en-US" b="1" dirty="0" smtClean="0"/>
+              <a:t/>
+            </a:r>
+            <a:br>
+              <a:rPr lang="en-US" b="1" dirty="0" smtClean="0"/>
+            </a:br>
+            <a:r>
+              <a:rPr lang="en-US" sz="1200" dirty="0" smtClean="0"/>
+              <a:t>- Hooks let you use more of </a:t>
+            </a:r>
+            <a:r>
+              <a:rPr lang="en-US" sz="1200" dirty="0" err="1" smtClean="0"/>
+              <a:t>React’s</a:t>
+            </a:r>
+            <a:r>
+              <a:rPr lang="en-US" sz="1200" dirty="0" smtClean="0"/>
+              <a:t> features without classes.</a:t>
+            </a:r>
+            <a:endParaRPr lang="en-US" dirty="0"/>
+          </a:p>
+        </p:txBody>
+      </p:sp>
+      <p:sp>
+        <p:nvSpPr>
+          <p:cNvPr id="4" name="Slide Number Placeholder 3"/>
+          <p:cNvSpPr>
+            <a:spLocks noGrp="1"/>
+          </p:cNvSpPr>
+          <p:nvPr>
+            <p:ph type="sldNum" sz="quarter" idx="10"/>
+          </p:nvPr>
+        </p:nvSpPr>
+        <p:spPr/>
+        <p:txBody>
+          <a:bodyPr/>
+          <a:lstStyle/>
+          <a:p>
+            <a:fld id="{FBF31ECA-FEBF-416A-9457-D684578178CB}" type="slidenum">
+              <a:rPr lang="en-US" smtClean="0"/>
+              <a:t>5</a:t>
+            </a:fld>
+            <a:endParaRPr lang="en-US"/>
+          </a:p>
+        </p:txBody>
+      </p:sp>
+    </p:spTree>
+    <p:extLst>
+      <p:ext uri="{BB962C8B-B14F-4D97-AF65-F5344CB8AC3E}">
+        <p14:creationId xmlns:p14="http://schemas.microsoft.com/office/powerpoint/2010/main" val="314059673"/>
+      </p:ext>
+    </p:extLst>
+  </p:cSld>
+  <p:clrMapOvr>
+    <a:masterClrMapping/>
+  </p:clrMapOvr>
+</p:notes>
+</file>
+
+<file path=ppt/notesSlides/notesSlide4.xml><?xml version="1.0" encoding="utf-8"?>
+<p:notes xmlns:a="http://schemas.openxmlformats.org/drawingml/2006/main" xmlns:r="http://schemas.openxmlformats.org/officeDocument/2006/relationships" xmlns:p="http://schemas.openxmlformats.org/presentationml/2006/main">
+  <p:cSld>
+    <p:spTree>
+      <p:nvGrpSpPr>
+        <p:cNvPr id="1" name=""/>
+        <p:cNvGrpSpPr/>
+        <p:nvPr/>
+      </p:nvGrpSpPr>
+      <p:grpSpPr>
+        <a:xfrm>
+          <a:off x="0" y="0"/>
+          <a:ext cx="0" cy="0"/>
+          <a:chOff x="0" y="0"/>
+          <a:chExt cx="0" cy="0"/>
+        </a:xfrm>
+      </p:grpSpPr>
+      <p:sp>
+        <p:nvSpPr>
+          <p:cNvPr id="2" name="Slide Image Placeholder 1"/>
+          <p:cNvSpPr>
+            <a:spLocks noGrp="1" noRot="1" noChangeAspect="1"/>
+          </p:cNvSpPr>
+          <p:nvPr>
+            <p:ph type="sldImg"/>
+          </p:nvPr>
+        </p:nvSpPr>
+        <p:spPr/>
+      </p:sp>
+      <p:sp>
+        <p:nvSpPr>
+          <p:cNvPr id="3" name="Notes Placeholder 2"/>
+          <p:cNvSpPr>
+            <a:spLocks noGrp="1"/>
+          </p:cNvSpPr>
+          <p:nvPr>
+            <p:ph type="body" idx="1"/>
+          </p:nvPr>
+        </p:nvSpPr>
+        <p:spPr/>
+        <p:txBody>
+          <a:bodyPr/>
+          <a:lstStyle/>
+          <a:p>
+            <a:pPr marL="0" marR="0" lvl="0" indent="0" algn="l" defTabSz="914400" rtl="0" eaLnBrk="1" fontAlgn="auto" latinLnBrk="0" hangingPunct="1">
+              <a:lnSpc>
+                <a:spcPct val="100000"/>
+              </a:lnSpc>
+              <a:spcBef>
+                <a:spcPts val="0"/>
+              </a:spcBef>
+              <a:spcAft>
+                <a:spcPts val="0"/>
+              </a:spcAft>
+              <a:buClrTx/>
+              <a:buSzTx/>
+              <a:buFontTx/>
+              <a:buNone/>
+              <a:tabLst/>
+              <a:defRPr/>
+            </a:pPr>
+            <a:endParaRPr lang="en-US" dirty="0"/>
+          </a:p>
+        </p:txBody>
+      </p:sp>
+      <p:sp>
+        <p:nvSpPr>
+          <p:cNvPr id="4" name="Slide Number Placeholder 3"/>
+          <p:cNvSpPr>
+            <a:spLocks noGrp="1"/>
+          </p:cNvSpPr>
+          <p:nvPr>
+            <p:ph type="sldNum" sz="quarter" idx="10"/>
+          </p:nvPr>
+        </p:nvSpPr>
+        <p:spPr/>
+        <p:txBody>
+          <a:bodyPr/>
+          <a:lstStyle/>
+          <a:p>
+            <a:fld id="{FBF31ECA-FEBF-416A-9457-D684578178CB}" type="slidenum">
+              <a:rPr lang="en-US" smtClean="0"/>
+              <a:t>6</a:t>
+            </a:fld>
+            <a:endParaRPr lang="en-US"/>
+          </a:p>
+        </p:txBody>
+      </p:sp>
+    </p:spTree>
+    <p:extLst>
+      <p:ext uri="{BB962C8B-B14F-4D97-AF65-F5344CB8AC3E}">
+        <p14:creationId xmlns:p14="http://schemas.microsoft.com/office/powerpoint/2010/main" val="2668052865"/>
+      </p:ext>
+    </p:extLst>
+  </p:cSld>
+  <p:clrMapOvr>
+    <a:masterClrMapping/>
+  </p:clrMapOvr>
+</p:notes>
+</file>
+
+<file path=ppt/notesSlides/notesSlide5.xml><?xml version="1.0" encoding="utf-8"?>
+<p:notes xmlns:a="http://schemas.openxmlformats.org/drawingml/2006/main" xmlns:r="http://schemas.openxmlformats.org/officeDocument/2006/relationships" xmlns:p="http://schemas.openxmlformats.org/presentationml/2006/main">
+  <p:cSld>
+    <p:spTree>
+      <p:nvGrpSpPr>
+        <p:cNvPr id="1" name=""/>
+        <p:cNvGrpSpPr/>
+        <p:nvPr/>
+      </p:nvGrpSpPr>
+      <p:grpSpPr>
+        <a:xfrm>
+          <a:off x="0" y="0"/>
+          <a:ext cx="0" cy="0"/>
+          <a:chOff x="0" y="0"/>
+          <a:chExt cx="0" cy="0"/>
+        </a:xfrm>
+      </p:grpSpPr>
+      <p:sp>
+        <p:nvSpPr>
+          <p:cNvPr id="2" name="Slide Image Placeholder 1"/>
+          <p:cNvSpPr>
+            <a:spLocks noGrp="1" noRot="1" noChangeAspect="1"/>
+          </p:cNvSpPr>
+          <p:nvPr>
+            <p:ph type="sldImg"/>
+          </p:nvPr>
+        </p:nvSpPr>
+        <p:spPr/>
+      </p:sp>
+      <p:sp>
+        <p:nvSpPr>
+          <p:cNvPr id="3" name="Notes Placeholder 2"/>
+          <p:cNvSpPr>
+            <a:spLocks noGrp="1"/>
+          </p:cNvSpPr>
+          <p:nvPr>
+            <p:ph type="body" idx="1"/>
+          </p:nvPr>
+        </p:nvSpPr>
+        <p:spPr/>
+        <p:txBody>
+          <a:bodyPr/>
+          <a:lstStyle/>
+          <a:p>
+            <a:pPr marL="0" marR="0" lvl="0" indent="0" algn="l" defTabSz="914400" rtl="0" eaLnBrk="1" fontAlgn="auto" latinLnBrk="0" hangingPunct="1">
+              <a:lnSpc>
+                <a:spcPct val="100000"/>
+              </a:lnSpc>
+              <a:spcBef>
+                <a:spcPts val="0"/>
+              </a:spcBef>
+              <a:spcAft>
+                <a:spcPts val="0"/>
+              </a:spcAft>
+              <a:buClrTx/>
+              <a:buSzTx/>
+              <a:buFontTx/>
+              <a:buNone/>
+              <a:tabLst/>
+              <a:defRPr/>
+            </a:pPr>
+            <a:r>
+              <a:rPr lang="en-US" dirty="0" smtClean="0"/>
+              <a:t>Combine</a:t>
+            </a:r>
+            <a:r>
+              <a:rPr lang="en-US" baseline="0" dirty="0" smtClean="0"/>
+              <a:t> with where questions.</a:t>
+            </a:r>
+          </a:p>
+          <a:p>
+            <a:pPr marL="0" marR="0" lvl="0" indent="0" algn="l" defTabSz="914400" rtl="0" eaLnBrk="1" fontAlgn="auto" latinLnBrk="0" hangingPunct="1">
+              <a:lnSpc>
+                <a:spcPct val="100000"/>
+              </a:lnSpc>
+              <a:spcBef>
+                <a:spcPts val="0"/>
+              </a:spcBef>
+              <a:spcAft>
+                <a:spcPts val="0"/>
+              </a:spcAft>
+              <a:buClrTx/>
+              <a:buSzTx/>
+              <a:buFontTx/>
+              <a:buNone/>
+              <a:tabLst/>
+              <a:defRPr/>
+            </a:pPr>
+            <a:endParaRPr lang="en-US" dirty="0" smtClean="0"/>
+          </a:p>
+          <a:p>
+            <a:pPr marL="228600" marR="0" lvl="0" indent="-228600" algn="l" defTabSz="914400" rtl="0" eaLnBrk="1" fontAlgn="auto" latinLnBrk="0" hangingPunct="1">
+              <a:lnSpc>
+                <a:spcPct val="100000"/>
+              </a:lnSpc>
+              <a:spcBef>
+                <a:spcPts val="0"/>
+              </a:spcBef>
+              <a:spcAft>
+                <a:spcPts val="0"/>
+              </a:spcAft>
+              <a:buClrTx/>
+              <a:buSzTx/>
+              <a:buFontTx/>
+              <a:buAutoNum type="alphaLcPeriod"/>
+              <a:tabLst/>
+              <a:defRPr/>
+            </a:pPr>
+            <a:r>
+              <a:rPr lang="en-US" baseline="0" dirty="0" smtClean="0"/>
+              <a:t>Rules of hooks:</a:t>
+            </a:r>
+            <a:br>
+              <a:rPr lang="en-US" baseline="0" dirty="0" smtClean="0"/>
+            </a:br>
+            <a:r>
+              <a:rPr lang="en-US" baseline="0" dirty="0" smtClean="0"/>
+              <a:t>- </a:t>
+            </a:r>
+            <a:r>
+              <a:rPr lang="en-US" sz="1200" b="0" i="0" kern="1200" dirty="0" smtClean="0">
+                <a:solidFill>
+                  <a:schemeClr val="tx1"/>
+                </a:solidFill>
+                <a:effectLst/>
+                <a:latin typeface="+mn-lt"/>
+                <a:ea typeface="+mn-ea"/>
+                <a:cs typeface="+mn-cs"/>
+              </a:rPr>
+              <a:t>Ensure that Hooks are called in the same order each time a component renders. </a:t>
+            </a:r>
+            <a:r>
+              <a:rPr lang="en-US" baseline="0" dirty="0" smtClean="0"/>
+              <a:t>Make Hooks preserve the state of Hooks between multiple </a:t>
+            </a:r>
+            <a:r>
+              <a:rPr lang="en-US" i="1" baseline="0" dirty="0" err="1" smtClean="0"/>
+              <a:t>useState</a:t>
+            </a:r>
+            <a:r>
+              <a:rPr lang="en-US" i="0" baseline="0" dirty="0" smtClean="0"/>
+              <a:t> and </a:t>
+            </a:r>
+            <a:r>
+              <a:rPr lang="en-US" i="1" baseline="0" dirty="0" err="1" smtClean="0"/>
+              <a:t>useEffect</a:t>
+            </a:r>
+            <a:r>
+              <a:rPr lang="en-US" i="0" baseline="0" dirty="0" smtClean="0"/>
+              <a:t>.</a:t>
+            </a:r>
+            <a:br>
+              <a:rPr lang="en-US" i="0" baseline="0" dirty="0" smtClean="0"/>
+            </a:br>
+            <a:r>
+              <a:rPr lang="en-US" i="0" baseline="0" dirty="0" smtClean="0"/>
+              <a:t>- Regular </a:t>
+            </a:r>
+            <a:r>
+              <a:rPr lang="en-US" i="0" baseline="0" dirty="0" err="1" smtClean="0"/>
+              <a:t>Js</a:t>
+            </a:r>
+            <a:r>
+              <a:rPr lang="en-US" i="0" baseline="0" dirty="0" smtClean="0"/>
+              <a:t> functions: ajax …. This rule</a:t>
+            </a:r>
+            <a:r>
+              <a:rPr lang="en-US" sz="1200" b="0" i="0" kern="1200" dirty="0" smtClean="0">
+                <a:solidFill>
+                  <a:schemeClr val="tx1"/>
+                </a:solidFill>
+                <a:effectLst/>
+                <a:latin typeface="+mn-lt"/>
+                <a:ea typeface="+mn-ea"/>
+                <a:cs typeface="+mn-cs"/>
+              </a:rPr>
+              <a:t> ensure that all </a:t>
+            </a:r>
+            <a:r>
+              <a:rPr lang="en-US" sz="1200" b="0" i="0" kern="1200" dirty="0" err="1" smtClean="0">
+                <a:solidFill>
+                  <a:schemeClr val="tx1"/>
+                </a:solidFill>
+                <a:effectLst/>
+                <a:latin typeface="+mn-lt"/>
+                <a:ea typeface="+mn-ea"/>
+                <a:cs typeface="+mn-cs"/>
+              </a:rPr>
+              <a:t>stateful</a:t>
+            </a:r>
+            <a:r>
+              <a:rPr lang="en-US" sz="1200" b="0" i="0" kern="1200" dirty="0" smtClean="0">
+                <a:solidFill>
+                  <a:schemeClr val="tx1"/>
+                </a:solidFill>
+                <a:effectLst/>
+                <a:latin typeface="+mn-lt"/>
+                <a:ea typeface="+mn-ea"/>
+                <a:cs typeface="+mn-cs"/>
+              </a:rPr>
+              <a:t> logic in a component is clearly visible from its source code.</a:t>
+            </a:r>
+            <a:endParaRPr lang="en-US" baseline="0" dirty="0" smtClean="0"/>
+          </a:p>
+        </p:txBody>
+      </p:sp>
+      <p:sp>
+        <p:nvSpPr>
+          <p:cNvPr id="4" name="Slide Number Placeholder 3"/>
+          <p:cNvSpPr>
+            <a:spLocks noGrp="1"/>
+          </p:cNvSpPr>
+          <p:nvPr>
+            <p:ph type="sldNum" sz="quarter" idx="10"/>
+          </p:nvPr>
+        </p:nvSpPr>
+        <p:spPr/>
+        <p:txBody>
+          <a:bodyPr/>
+          <a:lstStyle/>
+          <a:p>
+            <a:fld id="{FBF31ECA-FEBF-416A-9457-D684578178CB}" type="slidenum">
+              <a:rPr lang="en-US" smtClean="0"/>
+              <a:t>7</a:t>
+            </a:fld>
+            <a:endParaRPr lang="en-US"/>
+          </a:p>
+        </p:txBody>
+      </p:sp>
+    </p:spTree>
+    <p:extLst>
+      <p:ext uri="{BB962C8B-B14F-4D97-AF65-F5344CB8AC3E}">
+        <p14:creationId xmlns:p14="http://schemas.microsoft.com/office/powerpoint/2010/main" val="882481392"/>
+      </p:ext>
+    </p:extLst>
+  </p:cSld>
+  <p:clrMapOvr>
+    <a:masterClrMapping/>
+  </p:clrMapOvr>
+</p:notes>
+</file>
+
+<file path=ppt/notesSlides/notesSlide6.xml><?xml version="1.0" encoding="utf-8"?>
+<p:notes xmlns:a="http://schemas.openxmlformats.org/drawingml/2006/main" xmlns:r="http://schemas.openxmlformats.org/officeDocument/2006/relationships" xmlns:p="http://schemas.openxmlformats.org/presentationml/2006/main">
+  <p:cSld>
+    <p:spTree>
+      <p:nvGrpSpPr>
+        <p:cNvPr id="1" name=""/>
+        <p:cNvGrpSpPr/>
+        <p:nvPr/>
+      </p:nvGrpSpPr>
+      <p:grpSpPr>
+        <a:xfrm>
+          <a:off x="0" y="0"/>
+          <a:ext cx="0" cy="0"/>
+          <a:chOff x="0" y="0"/>
+          <a:chExt cx="0" cy="0"/>
+        </a:xfrm>
+      </p:grpSpPr>
+      <p:sp>
+        <p:nvSpPr>
+          <p:cNvPr id="2" name="Slide Image Placeholder 1"/>
+          <p:cNvSpPr>
+            <a:spLocks noGrp="1" noRot="1" noChangeAspect="1"/>
+          </p:cNvSpPr>
+          <p:nvPr>
+            <p:ph type="sldImg"/>
+          </p:nvPr>
+        </p:nvSpPr>
+        <p:spPr/>
+      </p:sp>
+      <p:sp>
+        <p:nvSpPr>
+          <p:cNvPr id="3" name="Notes Placeholder 2"/>
+          <p:cNvSpPr>
+            <a:spLocks noGrp="1"/>
+          </p:cNvSpPr>
+          <p:nvPr>
+            <p:ph type="body" idx="1"/>
+          </p:nvPr>
+        </p:nvSpPr>
+        <p:spPr/>
+        <p:txBody>
+          <a:bodyPr/>
+          <a:lstStyle/>
+          <a:p>
+            <a:pPr marL="0" marR="0" lvl="0" indent="0" algn="l" defTabSz="914400" rtl="0" eaLnBrk="1" fontAlgn="auto" latinLnBrk="0" hangingPunct="1">
+              <a:lnSpc>
+                <a:spcPct val="100000"/>
+              </a:lnSpc>
+              <a:spcBef>
+                <a:spcPts val="0"/>
+              </a:spcBef>
+              <a:spcAft>
+                <a:spcPts val="0"/>
+              </a:spcAft>
+              <a:buClrTx/>
+              <a:buSzTx/>
+              <a:buFontTx/>
+              <a:buNone/>
+              <a:tabLst/>
+              <a:defRPr/>
+            </a:pPr>
+            <a:r>
+              <a:rPr lang="en-US" dirty="0" smtClean="0"/>
+              <a:t>Combine</a:t>
+            </a:r>
+            <a:r>
+              <a:rPr lang="en-US" baseline="0" dirty="0" smtClean="0"/>
+              <a:t> with where questions.</a:t>
+            </a:r>
+          </a:p>
+          <a:p>
+            <a:pPr marL="0" marR="0" lvl="0" indent="0" algn="l" defTabSz="914400" rtl="0" eaLnBrk="1" fontAlgn="auto" latinLnBrk="0" hangingPunct="1">
+              <a:lnSpc>
+                <a:spcPct val="100000"/>
+              </a:lnSpc>
+              <a:spcBef>
+                <a:spcPts val="0"/>
+              </a:spcBef>
+              <a:spcAft>
+                <a:spcPts val="0"/>
+              </a:spcAft>
+              <a:buClrTx/>
+              <a:buSzTx/>
+              <a:buFontTx/>
+              <a:buNone/>
+              <a:tabLst/>
+              <a:defRPr/>
+            </a:pPr>
+            <a:endParaRPr lang="en-US" dirty="0" smtClean="0"/>
+          </a:p>
+          <a:p>
+            <a:pPr marL="228600" marR="0" lvl="0" indent="-228600" algn="l" defTabSz="914400" rtl="0" eaLnBrk="1" fontAlgn="auto" latinLnBrk="0" hangingPunct="1">
+              <a:lnSpc>
+                <a:spcPct val="100000"/>
+              </a:lnSpc>
+              <a:spcBef>
+                <a:spcPts val="0"/>
+              </a:spcBef>
+              <a:spcAft>
+                <a:spcPts val="0"/>
+              </a:spcAft>
+              <a:buClrTx/>
+              <a:buSzTx/>
+              <a:buFontTx/>
+              <a:buAutoNum type="alphaLcPeriod"/>
+              <a:tabLst/>
+              <a:defRPr/>
+            </a:pPr>
+            <a:r>
+              <a:rPr lang="en-US" baseline="0" dirty="0" smtClean="0"/>
+              <a:t>Rules of hooks:</a:t>
+            </a:r>
+            <a:br>
+              <a:rPr lang="en-US" baseline="0" dirty="0" smtClean="0"/>
+            </a:br>
+            <a:r>
+              <a:rPr lang="en-US" baseline="0" dirty="0" smtClean="0"/>
+              <a:t>- </a:t>
+            </a:r>
+            <a:r>
+              <a:rPr lang="en-US" sz="1200" b="0" i="0" kern="1200" dirty="0" smtClean="0">
+                <a:solidFill>
+                  <a:schemeClr val="tx1"/>
+                </a:solidFill>
+                <a:effectLst/>
+                <a:latin typeface="+mn-lt"/>
+                <a:ea typeface="+mn-ea"/>
+                <a:cs typeface="+mn-cs"/>
+              </a:rPr>
+              <a:t>Ensure that Hooks are called in the same order each time a component renders. </a:t>
+            </a:r>
+            <a:r>
+              <a:rPr lang="en-US" baseline="0" dirty="0" smtClean="0"/>
+              <a:t>Make Hooks preserve the state of Hooks between multiple </a:t>
+            </a:r>
+            <a:r>
+              <a:rPr lang="en-US" i="1" baseline="0" dirty="0" err="1" smtClean="0"/>
+              <a:t>useState</a:t>
+            </a:r>
+            <a:r>
+              <a:rPr lang="en-US" i="0" baseline="0" dirty="0" smtClean="0"/>
+              <a:t> and </a:t>
+            </a:r>
+            <a:r>
+              <a:rPr lang="en-US" i="1" baseline="0" dirty="0" err="1" smtClean="0"/>
+              <a:t>useEffect</a:t>
+            </a:r>
+            <a:r>
+              <a:rPr lang="en-US" i="0" baseline="0" dirty="0" smtClean="0"/>
+              <a:t>.</a:t>
+            </a:r>
+            <a:br>
+              <a:rPr lang="en-US" i="0" baseline="0" dirty="0" smtClean="0"/>
+            </a:br>
+            <a:r>
+              <a:rPr lang="en-US" i="0" baseline="0" dirty="0" smtClean="0"/>
+              <a:t>- Regular </a:t>
+            </a:r>
+            <a:r>
+              <a:rPr lang="en-US" i="0" baseline="0" dirty="0" err="1" smtClean="0"/>
+              <a:t>Js</a:t>
+            </a:r>
+            <a:r>
+              <a:rPr lang="en-US" i="0" baseline="0" dirty="0" smtClean="0"/>
+              <a:t> functions: ajax …. This rule</a:t>
+            </a:r>
+            <a:r>
+              <a:rPr lang="en-US" sz="1200" b="0" i="0" kern="1200" dirty="0" smtClean="0">
+                <a:solidFill>
+                  <a:schemeClr val="tx1"/>
+                </a:solidFill>
+                <a:effectLst/>
+                <a:latin typeface="+mn-lt"/>
+                <a:ea typeface="+mn-ea"/>
+                <a:cs typeface="+mn-cs"/>
+              </a:rPr>
+              <a:t> ensure that all </a:t>
+            </a:r>
+            <a:r>
+              <a:rPr lang="en-US" sz="1200" b="0" i="0" kern="1200" dirty="0" err="1" smtClean="0">
+                <a:solidFill>
+                  <a:schemeClr val="tx1"/>
+                </a:solidFill>
+                <a:effectLst/>
+                <a:latin typeface="+mn-lt"/>
+                <a:ea typeface="+mn-ea"/>
+                <a:cs typeface="+mn-cs"/>
+              </a:rPr>
+              <a:t>stateful</a:t>
+            </a:r>
+            <a:r>
+              <a:rPr lang="en-US" sz="1200" b="0" i="0" kern="1200" dirty="0" smtClean="0">
+                <a:solidFill>
+                  <a:schemeClr val="tx1"/>
+                </a:solidFill>
+                <a:effectLst/>
+                <a:latin typeface="+mn-lt"/>
+                <a:ea typeface="+mn-ea"/>
+                <a:cs typeface="+mn-cs"/>
+              </a:rPr>
+              <a:t> logic in a component is clearly visible from its source code.</a:t>
+            </a:r>
+            <a:endParaRPr lang="en-US" baseline="0" dirty="0" smtClean="0"/>
+          </a:p>
+        </p:txBody>
+      </p:sp>
+      <p:sp>
+        <p:nvSpPr>
+          <p:cNvPr id="4" name="Slide Number Placeholder 3"/>
+          <p:cNvSpPr>
+            <a:spLocks noGrp="1"/>
+          </p:cNvSpPr>
+          <p:nvPr>
+            <p:ph type="sldNum" sz="quarter" idx="10"/>
+          </p:nvPr>
+        </p:nvSpPr>
+        <p:spPr/>
+        <p:txBody>
+          <a:bodyPr/>
+          <a:lstStyle/>
+          <a:p>
+            <a:fld id="{FBF31ECA-FEBF-416A-9457-D684578178CB}" type="slidenum">
+              <a:rPr lang="en-US" smtClean="0"/>
+              <a:t>8</a:t>
+            </a:fld>
+            <a:endParaRPr lang="en-US"/>
+          </a:p>
+        </p:txBody>
+      </p:sp>
+    </p:spTree>
+    <p:extLst>
+      <p:ext uri="{BB962C8B-B14F-4D97-AF65-F5344CB8AC3E}">
+        <p14:creationId xmlns:p14="http://schemas.microsoft.com/office/powerpoint/2010/main" val="3141670522"/>
+      </p:ext>
+    </p:extLst>
+  </p:cSld>
+  <p:clrMapOvr>
+    <a:masterClrMapping/>
+  </p:clrMapOvr>
+</p:notes>
+</file>
+
+<file path=ppt/notesSlides/notesSlide7.xml><?xml version="1.0" encoding="utf-8"?>
+<p:notes xmlns:a="http://schemas.openxmlformats.org/drawingml/2006/main" xmlns:r="http://schemas.openxmlformats.org/officeDocument/2006/relationships" xmlns:p="http://schemas.openxmlformats.org/presentationml/2006/main">
+  <p:cSld>
+    <p:spTree>
+      <p:nvGrpSpPr>
+        <p:cNvPr id="1" name=""/>
+        <p:cNvGrpSpPr/>
+        <p:nvPr/>
+      </p:nvGrpSpPr>
+      <p:grpSpPr>
+        <a:xfrm>
+          <a:off x="0" y="0"/>
+          <a:ext cx="0" cy="0"/>
+          <a:chOff x="0" y="0"/>
+          <a:chExt cx="0" cy="0"/>
+        </a:xfrm>
+      </p:grpSpPr>
+      <p:sp>
+        <p:nvSpPr>
+          <p:cNvPr id="2" name="Slide Image Placeholder 1"/>
+          <p:cNvSpPr>
+            <a:spLocks noGrp="1" noRot="1" noChangeAspect="1"/>
+          </p:cNvSpPr>
+          <p:nvPr>
+            <p:ph type="sldImg"/>
+          </p:nvPr>
+        </p:nvSpPr>
+        <p:spPr/>
+      </p:sp>
+      <p:sp>
+        <p:nvSpPr>
+          <p:cNvPr id="3" name="Notes Placeholder 2"/>
+          <p:cNvSpPr>
+            <a:spLocks noGrp="1"/>
+          </p:cNvSpPr>
+          <p:nvPr>
+            <p:ph type="body" idx="1"/>
+          </p:nvPr>
+        </p:nvSpPr>
+        <p:spPr/>
+        <p:txBody>
+          <a:bodyPr/>
+          <a:lstStyle/>
+          <a:p>
+            <a:pPr marL="0" marR="0" lvl="0" indent="0" algn="l" defTabSz="914400" rtl="0" eaLnBrk="1" fontAlgn="auto" latinLnBrk="0" hangingPunct="1">
+              <a:lnSpc>
+                <a:spcPct val="100000"/>
+              </a:lnSpc>
+              <a:spcBef>
+                <a:spcPts val="0"/>
+              </a:spcBef>
+              <a:spcAft>
+                <a:spcPts val="0"/>
+              </a:spcAft>
+              <a:buClrTx/>
+              <a:buSzTx/>
+              <a:buFontTx/>
+              <a:buNone/>
+              <a:tabLst/>
+              <a:defRPr/>
+            </a:pPr>
+            <a:r>
+              <a:rPr lang="en-US" dirty="0" smtClean="0"/>
+              <a:t>Combine</a:t>
+            </a:r>
+            <a:r>
+              <a:rPr lang="en-US" baseline="0" dirty="0" smtClean="0"/>
+              <a:t> with where questions.</a:t>
+            </a:r>
+          </a:p>
+          <a:p>
+            <a:pPr marL="0" marR="0" lvl="0" indent="0" algn="l" defTabSz="914400" rtl="0" eaLnBrk="1" fontAlgn="auto" latinLnBrk="0" hangingPunct="1">
+              <a:lnSpc>
+                <a:spcPct val="100000"/>
+              </a:lnSpc>
+              <a:spcBef>
+                <a:spcPts val="0"/>
+              </a:spcBef>
+              <a:spcAft>
+                <a:spcPts val="0"/>
+              </a:spcAft>
+              <a:buClrTx/>
+              <a:buSzTx/>
+              <a:buFontTx/>
+              <a:buNone/>
+              <a:tabLst/>
+              <a:defRPr/>
+            </a:pPr>
+            <a:endParaRPr lang="en-US" dirty="0" smtClean="0"/>
+          </a:p>
+          <a:p>
+            <a:pPr marL="228600" marR="0" lvl="0" indent="-228600" algn="l" defTabSz="914400" rtl="0" eaLnBrk="1" fontAlgn="auto" latinLnBrk="0" hangingPunct="1">
+              <a:lnSpc>
+                <a:spcPct val="100000"/>
+              </a:lnSpc>
+              <a:spcBef>
+                <a:spcPts val="0"/>
+              </a:spcBef>
+              <a:spcAft>
+                <a:spcPts val="0"/>
+              </a:spcAft>
+              <a:buClrTx/>
+              <a:buSzTx/>
+              <a:buFontTx/>
+              <a:buAutoNum type="alphaLcPeriod"/>
+              <a:tabLst/>
+              <a:defRPr/>
+            </a:pPr>
+            <a:r>
+              <a:rPr lang="en-US" baseline="0" dirty="0" smtClean="0"/>
+              <a:t>Rules of hooks:</a:t>
+            </a:r>
+            <a:br>
+              <a:rPr lang="en-US" baseline="0" dirty="0" smtClean="0"/>
+            </a:br>
+            <a:r>
+              <a:rPr lang="en-US" baseline="0" dirty="0" smtClean="0"/>
+              <a:t>- </a:t>
+            </a:r>
+            <a:r>
+              <a:rPr lang="en-US" sz="1200" b="0" i="0" kern="1200" dirty="0" smtClean="0">
+                <a:solidFill>
+                  <a:schemeClr val="tx1"/>
+                </a:solidFill>
+                <a:effectLst/>
+                <a:latin typeface="+mn-lt"/>
+                <a:ea typeface="+mn-ea"/>
+                <a:cs typeface="+mn-cs"/>
+              </a:rPr>
+              <a:t>Ensure that Hooks are called in the same order each time a component renders. </a:t>
+            </a:r>
+            <a:r>
+              <a:rPr lang="en-US" baseline="0" dirty="0" smtClean="0"/>
+              <a:t>Make Hooks preserve the state of Hooks between multiple </a:t>
+            </a:r>
+            <a:r>
+              <a:rPr lang="en-US" i="1" baseline="0" dirty="0" err="1" smtClean="0"/>
+              <a:t>useState</a:t>
+            </a:r>
+            <a:r>
+              <a:rPr lang="en-US" i="0" baseline="0" dirty="0" smtClean="0"/>
+              <a:t> and </a:t>
+            </a:r>
+            <a:r>
+              <a:rPr lang="en-US" i="1" baseline="0" dirty="0" err="1" smtClean="0"/>
+              <a:t>useEffect</a:t>
+            </a:r>
+            <a:r>
+              <a:rPr lang="en-US" i="0" baseline="0" dirty="0" smtClean="0"/>
+              <a:t>.</a:t>
+            </a:r>
+            <a:br>
+              <a:rPr lang="en-US" i="0" baseline="0" dirty="0" smtClean="0"/>
+            </a:br>
+            <a:r>
+              <a:rPr lang="en-US" i="0" baseline="0" dirty="0" smtClean="0"/>
+              <a:t>- Regular </a:t>
+            </a:r>
+            <a:r>
+              <a:rPr lang="en-US" i="0" baseline="0" dirty="0" err="1" smtClean="0"/>
+              <a:t>Js</a:t>
+            </a:r>
+            <a:r>
+              <a:rPr lang="en-US" i="0" baseline="0" dirty="0" smtClean="0"/>
+              <a:t> functions: ajax …. This rule</a:t>
+            </a:r>
+            <a:r>
+              <a:rPr lang="en-US" sz="1200" b="0" i="0" kern="1200" dirty="0" smtClean="0">
+                <a:solidFill>
+                  <a:schemeClr val="tx1"/>
+                </a:solidFill>
+                <a:effectLst/>
+                <a:latin typeface="+mn-lt"/>
+                <a:ea typeface="+mn-ea"/>
+                <a:cs typeface="+mn-cs"/>
+              </a:rPr>
+              <a:t> ensure that all </a:t>
+            </a:r>
+            <a:r>
+              <a:rPr lang="en-US" sz="1200" b="0" i="0" kern="1200" dirty="0" err="1" smtClean="0">
+                <a:solidFill>
+                  <a:schemeClr val="tx1"/>
+                </a:solidFill>
+                <a:effectLst/>
+                <a:latin typeface="+mn-lt"/>
+                <a:ea typeface="+mn-ea"/>
+                <a:cs typeface="+mn-cs"/>
+              </a:rPr>
+              <a:t>stateful</a:t>
+            </a:r>
+            <a:r>
+              <a:rPr lang="en-US" sz="1200" b="0" i="0" kern="1200" dirty="0" smtClean="0">
+                <a:solidFill>
+                  <a:schemeClr val="tx1"/>
+                </a:solidFill>
+                <a:effectLst/>
+                <a:latin typeface="+mn-lt"/>
+                <a:ea typeface="+mn-ea"/>
+                <a:cs typeface="+mn-cs"/>
+              </a:rPr>
+              <a:t> logic in a component is clearly visible from its source code.</a:t>
+            </a:r>
+            <a:endParaRPr lang="en-US" baseline="0" dirty="0" smtClean="0"/>
+          </a:p>
+        </p:txBody>
+      </p:sp>
+      <p:sp>
+        <p:nvSpPr>
+          <p:cNvPr id="4" name="Slide Number Placeholder 3"/>
+          <p:cNvSpPr>
+            <a:spLocks noGrp="1"/>
+          </p:cNvSpPr>
+          <p:nvPr>
+            <p:ph type="sldNum" sz="quarter" idx="10"/>
+          </p:nvPr>
+        </p:nvSpPr>
+        <p:spPr/>
+        <p:txBody>
+          <a:bodyPr/>
+          <a:lstStyle/>
+          <a:p>
+            <a:fld id="{FBF31ECA-FEBF-416A-9457-D684578178CB}" type="slidenum">
+              <a:rPr lang="en-US" smtClean="0"/>
+              <a:t>9</a:t>
+            </a:fld>
+            <a:endParaRPr lang="en-US"/>
+          </a:p>
+        </p:txBody>
+      </p:sp>
+    </p:spTree>
+    <p:extLst>
+      <p:ext uri="{BB962C8B-B14F-4D97-AF65-F5344CB8AC3E}">
+        <p14:creationId xmlns:p14="http://schemas.microsoft.com/office/powerpoint/2010/main" val="1735810926"/>
+      </p:ext>
+    </p:extLst>
+  </p:cSld>
+  <p:clrMapOvr>
+    <a:masterClrMapping/>
+  </p:clrMapOvr>
+</p:notes>
+</file>
+
+<file path=ppt/notesSlides/notesSlide8.xml><?xml version="1.0" encoding="utf-8"?>
+<p:notes xmlns:a="http://schemas.openxmlformats.org/drawingml/2006/main" xmlns:r="http://schemas.openxmlformats.org/officeDocument/2006/relationships" xmlns:p="http://schemas.openxmlformats.org/presentationml/2006/main">
+  <p:cSld>
+    <p:spTree>
+      <p:nvGrpSpPr>
+        <p:cNvPr id="1" name=""/>
+        <p:cNvGrpSpPr/>
+        <p:nvPr/>
+      </p:nvGrpSpPr>
+      <p:grpSpPr>
+        <a:xfrm>
+          <a:off x="0" y="0"/>
+          <a:ext cx="0" cy="0"/>
+          <a:chOff x="0" y="0"/>
+          <a:chExt cx="0" cy="0"/>
+        </a:xfrm>
+      </p:grpSpPr>
+      <p:sp>
+        <p:nvSpPr>
+          <p:cNvPr id="2" name="Slide Image Placeholder 1"/>
+          <p:cNvSpPr>
+            <a:spLocks noGrp="1" noRot="1" noChangeAspect="1"/>
+          </p:cNvSpPr>
+          <p:nvPr>
+            <p:ph type="sldImg"/>
+          </p:nvPr>
+        </p:nvSpPr>
+        <p:spPr/>
+      </p:sp>
+      <p:sp>
+        <p:nvSpPr>
+          <p:cNvPr id="3" name="Notes Placeholder 2"/>
+          <p:cNvSpPr>
+            <a:spLocks noGrp="1"/>
+          </p:cNvSpPr>
+          <p:nvPr>
+            <p:ph type="body" idx="1"/>
+          </p:nvPr>
+        </p:nvSpPr>
+        <p:spPr/>
+        <p:txBody>
+          <a:bodyPr/>
+          <a:lstStyle/>
+          <a:p>
+            <a:pPr marL="0" marR="0" lvl="0" indent="0" algn="l" defTabSz="914400" rtl="0" eaLnBrk="1" fontAlgn="auto" latinLnBrk="0" hangingPunct="1">
+              <a:lnSpc>
+                <a:spcPct val="100000"/>
+              </a:lnSpc>
+              <a:spcBef>
+                <a:spcPts val="0"/>
+              </a:spcBef>
+              <a:spcAft>
+                <a:spcPts val="0"/>
+              </a:spcAft>
+              <a:buClrTx/>
+              <a:buSzTx/>
+              <a:buFontTx/>
+              <a:buNone/>
+              <a:tabLst/>
+              <a:defRPr/>
+            </a:pPr>
+            <a:r>
+              <a:rPr lang="en-US" dirty="0" smtClean="0"/>
+              <a:t>Combine</a:t>
+            </a:r>
+            <a:r>
+              <a:rPr lang="en-US" baseline="0" dirty="0" smtClean="0"/>
+              <a:t> with where questions.</a:t>
+            </a:r>
+          </a:p>
+          <a:p>
+            <a:pPr marL="0" marR="0" lvl="0" indent="0" algn="l" defTabSz="914400" rtl="0" eaLnBrk="1" fontAlgn="auto" latinLnBrk="0" hangingPunct="1">
+              <a:lnSpc>
+                <a:spcPct val="100000"/>
+              </a:lnSpc>
+              <a:spcBef>
+                <a:spcPts val="0"/>
+              </a:spcBef>
+              <a:spcAft>
+                <a:spcPts val="0"/>
+              </a:spcAft>
+              <a:buClrTx/>
+              <a:buSzTx/>
+              <a:buFontTx/>
+              <a:buNone/>
+              <a:tabLst/>
+              <a:defRPr/>
+            </a:pPr>
+            <a:endParaRPr lang="en-US" dirty="0" smtClean="0"/>
+          </a:p>
+          <a:p>
+            <a:pPr marL="228600" marR="0" lvl="0" indent="-228600" algn="l" defTabSz="914400" rtl="0" eaLnBrk="1" fontAlgn="auto" latinLnBrk="0" hangingPunct="1">
+              <a:lnSpc>
+                <a:spcPct val="100000"/>
+              </a:lnSpc>
+              <a:spcBef>
+                <a:spcPts val="0"/>
+              </a:spcBef>
+              <a:spcAft>
+                <a:spcPts val="0"/>
+              </a:spcAft>
+              <a:buClrTx/>
+              <a:buSzTx/>
+              <a:buFontTx/>
+              <a:buAutoNum type="alphaLcPeriod"/>
+              <a:tabLst/>
+              <a:defRPr/>
+            </a:pPr>
+            <a:r>
+              <a:rPr lang="en-US" baseline="0" dirty="0" smtClean="0"/>
+              <a:t>Rules of hooks:</a:t>
+            </a:r>
+            <a:br>
+              <a:rPr lang="en-US" baseline="0" dirty="0" smtClean="0"/>
+            </a:br>
+            <a:r>
+              <a:rPr lang="en-US" baseline="0" dirty="0" smtClean="0"/>
+              <a:t>- </a:t>
+            </a:r>
+            <a:r>
+              <a:rPr lang="en-US" sz="1200" b="0" i="0" kern="1200" dirty="0" smtClean="0">
+                <a:solidFill>
+                  <a:schemeClr val="tx1"/>
+                </a:solidFill>
+                <a:effectLst/>
+                <a:latin typeface="+mn-lt"/>
+                <a:ea typeface="+mn-ea"/>
+                <a:cs typeface="+mn-cs"/>
+              </a:rPr>
+              <a:t>Ensure that Hooks are called in the same order each time a component renders. </a:t>
+            </a:r>
+            <a:r>
+              <a:rPr lang="en-US" baseline="0" dirty="0" smtClean="0"/>
+              <a:t>Make Hooks preserve the state of Hooks between multiple </a:t>
+            </a:r>
+            <a:r>
+              <a:rPr lang="en-US" i="1" baseline="0" dirty="0" err="1" smtClean="0"/>
+              <a:t>useState</a:t>
+            </a:r>
+            <a:r>
+              <a:rPr lang="en-US" i="0" baseline="0" dirty="0" smtClean="0"/>
+              <a:t> and </a:t>
+            </a:r>
+            <a:r>
+              <a:rPr lang="en-US" i="1" baseline="0" dirty="0" err="1" smtClean="0"/>
+              <a:t>useEffect</a:t>
+            </a:r>
+            <a:r>
+              <a:rPr lang="en-US" i="0" baseline="0" dirty="0" smtClean="0"/>
+              <a:t>.</a:t>
+            </a:r>
+            <a:br>
+              <a:rPr lang="en-US" i="0" baseline="0" dirty="0" smtClean="0"/>
+            </a:br>
+            <a:r>
+              <a:rPr lang="en-US" i="0" baseline="0" dirty="0" smtClean="0"/>
+              <a:t>- Regular </a:t>
+            </a:r>
+            <a:r>
+              <a:rPr lang="en-US" i="0" baseline="0" dirty="0" err="1" smtClean="0"/>
+              <a:t>Js</a:t>
+            </a:r>
+            <a:r>
+              <a:rPr lang="en-US" i="0" baseline="0" dirty="0" smtClean="0"/>
+              <a:t> functions: ajax …. This rule</a:t>
+            </a:r>
+            <a:r>
+              <a:rPr lang="en-US" sz="1200" b="0" i="0" kern="1200" dirty="0" smtClean="0">
+                <a:solidFill>
+                  <a:schemeClr val="tx1"/>
+                </a:solidFill>
+                <a:effectLst/>
+                <a:latin typeface="+mn-lt"/>
+                <a:ea typeface="+mn-ea"/>
+                <a:cs typeface="+mn-cs"/>
+              </a:rPr>
+              <a:t> ensure that all </a:t>
+            </a:r>
+            <a:r>
+              <a:rPr lang="en-US" sz="1200" b="0" i="0" kern="1200" dirty="0" err="1" smtClean="0">
+                <a:solidFill>
+                  <a:schemeClr val="tx1"/>
+                </a:solidFill>
+                <a:effectLst/>
+                <a:latin typeface="+mn-lt"/>
+                <a:ea typeface="+mn-ea"/>
+                <a:cs typeface="+mn-cs"/>
+              </a:rPr>
+              <a:t>stateful</a:t>
+            </a:r>
+            <a:r>
+              <a:rPr lang="en-US" sz="1200" b="0" i="0" kern="1200" dirty="0" smtClean="0">
+                <a:solidFill>
+                  <a:schemeClr val="tx1"/>
+                </a:solidFill>
+                <a:effectLst/>
+                <a:latin typeface="+mn-lt"/>
+                <a:ea typeface="+mn-ea"/>
+                <a:cs typeface="+mn-cs"/>
+              </a:rPr>
+              <a:t> logic in a component is clearly visible from its source code.</a:t>
+            </a:r>
+            <a:endParaRPr lang="en-US" baseline="0" dirty="0" smtClean="0"/>
+          </a:p>
+        </p:txBody>
+      </p:sp>
+      <p:sp>
+        <p:nvSpPr>
+          <p:cNvPr id="4" name="Slide Number Placeholder 3"/>
+          <p:cNvSpPr>
+            <a:spLocks noGrp="1"/>
+          </p:cNvSpPr>
+          <p:nvPr>
+            <p:ph type="sldNum" sz="quarter" idx="10"/>
+          </p:nvPr>
+        </p:nvSpPr>
+        <p:spPr/>
+        <p:txBody>
+          <a:bodyPr/>
+          <a:lstStyle/>
+          <a:p>
+            <a:fld id="{FBF31ECA-FEBF-416A-9457-D684578178CB}" type="slidenum">
+              <a:rPr lang="en-US" smtClean="0"/>
+              <a:t>10</a:t>
+            </a:fld>
+            <a:endParaRPr lang="en-US"/>
+          </a:p>
+        </p:txBody>
+      </p:sp>
+    </p:spTree>
+    <p:extLst>
+      <p:ext uri="{BB962C8B-B14F-4D97-AF65-F5344CB8AC3E}">
+        <p14:creationId xmlns:p14="http://schemas.microsoft.com/office/powerpoint/2010/main" val="2969476635"/>
+      </p:ext>
+    </p:extLst>
+  </p:cSld>
+  <p:clrMapOvr>
+    <a:masterClrMapping/>
+  </p:clrMapOvr>
+</p:notes>
+</file>
+
 <file path=ppt/slideLayouts/slideLayout1.xml><?xml version="1.0" encoding="utf-8"?>
 <p:sldLayout xmlns:a="http://schemas.openxmlformats.org/drawingml/2006/main" xmlns:r="http://schemas.openxmlformats.org/officeDocument/2006/relationships" xmlns:p="http://schemas.openxmlformats.org/presentationml/2006/main" type="title" preserve="1">
   <p:cSld name="Title Slide">
@@ -246,7 +2079,7 @@
           <a:p>
             <a:fld id="{7C748A7E-DDFB-4289-8D37-2F2F1B28B67B}" type="datetimeFigureOut">
               <a:rPr lang="en-US" smtClean="0"/>
-              <a:t>5/6/2019</a:t>
+              <a:t>5/8/2019</a:t>
             </a:fld>
             <a:endParaRPr lang="en-US"/>
           </a:p>
@@ -416,7 +2249,7 @@
           <a:p>
             <a:fld id="{7C748A7E-DDFB-4289-8D37-2F2F1B28B67B}" type="datetimeFigureOut">
               <a:rPr lang="en-US" smtClean="0"/>
-              <a:t>5/6/2019</a:t>
+              <a:t>5/8/2019</a:t>
             </a:fld>
             <a:endParaRPr lang="en-US"/>
           </a:p>
@@ -596,7 +2429,7 @@
           <a:p>
             <a:fld id="{7C748A7E-DDFB-4289-8D37-2F2F1B28B67B}" type="datetimeFigureOut">
               <a:rPr lang="en-US" smtClean="0"/>
-              <a:t>5/6/2019</a:t>
+              <a:t>5/8/2019</a:t>
             </a:fld>
             <a:endParaRPr lang="en-US"/>
           </a:p>
@@ -766,7 +2599,7 @@
           <a:p>
             <a:fld id="{7C748A7E-DDFB-4289-8D37-2F2F1B28B67B}" type="datetimeFigureOut">
               <a:rPr lang="en-US" smtClean="0"/>
-              <a:t>5/6/2019</a:t>
+              <a:t>5/8/2019</a:t>
             </a:fld>
             <a:endParaRPr lang="en-US"/>
           </a:p>
@@ -1012,7 +2845,7 @@
           <a:p>
             <a:fld id="{7C748A7E-DDFB-4289-8D37-2F2F1B28B67B}" type="datetimeFigureOut">
               <a:rPr lang="en-US" smtClean="0"/>
-              <a:t>5/6/2019</a:t>
+              <a:t>5/8/2019</a:t>
             </a:fld>
             <a:endParaRPr lang="en-US"/>
           </a:p>
@@ -1244,7 +3077,7 @@
           <a:p>
             <a:fld id="{7C748A7E-DDFB-4289-8D37-2F2F1B28B67B}" type="datetimeFigureOut">
               <a:rPr lang="en-US" smtClean="0"/>
-              <a:t>5/6/2019</a:t>
+              <a:t>5/8/2019</a:t>
             </a:fld>
             <a:endParaRPr lang="en-US"/>
           </a:p>
@@ -1611,7 +3444,7 @@
           <a:p>
             <a:fld id="{7C748A7E-DDFB-4289-8D37-2F2F1B28B67B}" type="datetimeFigureOut">
               <a:rPr lang="en-US" smtClean="0"/>
-              <a:t>5/6/2019</a:t>
+              <a:t>5/8/2019</a:t>
             </a:fld>
             <a:endParaRPr lang="en-US"/>
           </a:p>
@@ -1729,7 +3562,7 @@
           <a:p>
             <a:fld id="{7C748A7E-DDFB-4289-8D37-2F2F1B28B67B}" type="datetimeFigureOut">
               <a:rPr lang="en-US" smtClean="0"/>
-              <a:t>5/6/2019</a:t>
+              <a:t>5/8/2019</a:t>
             </a:fld>
             <a:endParaRPr lang="en-US"/>
           </a:p>
@@ -1824,7 +3657,7 @@
           <a:p>
             <a:fld id="{7C748A7E-DDFB-4289-8D37-2F2F1B28B67B}" type="datetimeFigureOut">
               <a:rPr lang="en-US" smtClean="0"/>
-              <a:t>5/6/2019</a:t>
+              <a:t>5/8/2019</a:t>
             </a:fld>
             <a:endParaRPr lang="en-US"/>
           </a:p>
@@ -2101,7 +3934,7 @@
           <a:p>
             <a:fld id="{7C748A7E-DDFB-4289-8D37-2F2F1B28B67B}" type="datetimeFigureOut">
               <a:rPr lang="en-US" smtClean="0"/>
-              <a:t>5/6/2019</a:t>
+              <a:t>5/8/2019</a:t>
             </a:fld>
             <a:endParaRPr lang="en-US"/>
           </a:p>
@@ -2354,7 +4187,7 @@
           <a:p>
             <a:fld id="{7C748A7E-DDFB-4289-8D37-2F2F1B28B67B}" type="datetimeFigureOut">
               <a:rPr lang="en-US" smtClean="0"/>
-              <a:t>5/6/2019</a:t>
+              <a:t>5/8/2019</a:t>
             </a:fld>
             <a:endParaRPr lang="en-US"/>
           </a:p>
@@ -2567,7 +4400,7 @@
           <a:p>
             <a:fld id="{7C748A7E-DDFB-4289-8D37-2F2F1B28B67B}" type="datetimeFigureOut">
               <a:rPr lang="en-US" smtClean="0"/>
-              <a:t>5/6/2019</a:t>
+              <a:t>5/8/2019</a:t>
             </a:fld>
             <a:endParaRPr lang="en-US"/>
           </a:p>
@@ -2972,115 +4805,319 @@
           <a:chExt cx="0" cy="0"/>
         </a:xfrm>
       </p:grpSpPr>
-      <p:sp>
-        <p:nvSpPr>
-          <p:cNvPr id="2" name="Title 1"/>
-          <p:cNvSpPr>
-            <a:spLocks noGrp="1"/>
-          </p:cNvSpPr>
-          <p:nvPr>
-            <p:ph type="ctrTitle"/>
-          </p:nvPr>
-        </p:nvSpPr>
+      <p:pic>
+        <p:nvPicPr>
+          <p:cNvPr id="4" name="Content Placeholder 3"/>
+          <p:cNvPicPr>
+            <a:picLocks noGrp="1" noChangeAspect="1"/>
+          </p:cNvPicPr>
+          <p:nvPr>
+            <p:ph idx="1"/>
+          </p:nvPr>
+        </p:nvPicPr>
+        <p:blipFill>
+          <a:blip r:embed="rId2">
+            <a:extLst>
+              <a:ext uri="{28A0092B-C50C-407E-A947-70E740481C1C}">
+                <a14:useLocalDpi xmlns:a14="http://schemas.microsoft.com/office/drawing/2010/main" val="0"/>
+              </a:ext>
+            </a:extLst>
+          </a:blip>
+          <a:stretch>
+            <a:fillRect/>
+          </a:stretch>
+        </p:blipFill>
         <p:spPr>
           <a:xfrm>
-            <a:off x="1524000" y="382385"/>
-            <a:ext cx="9144000" cy="914400"/>
+            <a:off x="2423764" y="675676"/>
+            <a:ext cx="7143750" cy="4019550"/>
           </a:xfrm>
         </p:spPr>
-        <p:txBody>
-          <a:bodyPr/>
-          <a:lstStyle/>
-          <a:p>
-            <a:r>
-              <a:rPr lang="en-US" dirty="0" smtClean="0"/>
-              <a:t>React Hooks</a:t>
-            </a:r>
-            <a:endParaRPr lang="en-US" dirty="0"/>
-          </a:p>
-        </p:txBody>
-      </p:sp>
-      <p:sp>
-        <p:nvSpPr>
-          <p:cNvPr id="3" name="Subtitle 2"/>
-          <p:cNvSpPr>
-            <a:spLocks noGrp="1"/>
-          </p:cNvSpPr>
-          <p:nvPr>
-            <p:ph type="subTitle" idx="1"/>
-          </p:nvPr>
+      </p:pic>
+      <p:sp>
+        <p:nvSpPr>
+          <p:cNvPr id="5" name="TextBox 4"/>
+          <p:cNvSpPr txBox="1"/>
+          <p:nvPr/>
         </p:nvSpPr>
         <p:spPr>
           <a:xfrm>
-            <a:off x="1524000" y="1562793"/>
-            <a:ext cx="9144000" cy="3678382"/>
+            <a:off x="0" y="5062653"/>
+            <a:ext cx="12192000" cy="1015663"/>
           </a:xfrm>
+          <a:prstGeom prst="rect">
+            <a:avLst/>
+          </a:prstGeom>
+          <a:solidFill>
+            <a:srgbClr val="00B0F0"/>
+          </a:solidFill>
         </p:spPr>
         <p:txBody>
-          <a:bodyPr/>
+          <a:bodyPr wrap="square" rtlCol="0">
+            <a:spAutoFit/>
+          </a:bodyPr>
           <a:lstStyle/>
           <a:p>
-            <a:pPr marL="457200" indent="-457200" algn="l">
-              <a:buFont typeface="+mj-lt"/>
-              <a:buAutoNum type="arabicPeriod"/>
-            </a:pPr>
-            <a:r>
-              <a:rPr lang="en-US" dirty="0" smtClean="0"/>
-              <a:t>What is a hook ?</a:t>
-            </a:r>
-          </a:p>
-          <a:p>
-            <a:pPr marL="457200" indent="-457200" algn="l">
-              <a:buFont typeface="+mj-lt"/>
-              <a:buAutoNum type="arabicPeriod"/>
-            </a:pPr>
-            <a:r>
-              <a:rPr lang="en-US" dirty="0" smtClean="0"/>
-              <a:t>Why use hooks ?</a:t>
-            </a:r>
-          </a:p>
-          <a:p>
-            <a:pPr marL="457200" indent="-457200" algn="l">
-              <a:buFont typeface="+mj-lt"/>
-              <a:buAutoNum type="arabicPeriod"/>
-            </a:pPr>
-            <a:r>
-              <a:rPr lang="en-US" dirty="0" smtClean="0"/>
-              <a:t>Where to use hooks ?</a:t>
-            </a:r>
-          </a:p>
-          <a:p>
-            <a:pPr marL="457200" indent="-457200" algn="l">
-              <a:buFont typeface="+mj-lt"/>
-              <a:buAutoNum type="arabicPeriod"/>
-            </a:pPr>
-            <a:r>
-              <a:rPr lang="en-US" dirty="0" smtClean="0"/>
-              <a:t>When to use hooks ?</a:t>
-            </a:r>
-          </a:p>
-          <a:p>
-            <a:pPr marL="457200" indent="-457200" algn="l">
-              <a:buFont typeface="+mj-lt"/>
-              <a:buAutoNum type="arabicPeriod"/>
-            </a:pPr>
-            <a:r>
-              <a:rPr lang="en-US" dirty="0" smtClean="0"/>
-              <a:t>How to use hooks ?</a:t>
-            </a:r>
+            <a:pPr algn="ctr"/>
+            <a:r>
+              <a:rPr lang="en-US" sz="6000" dirty="0" smtClean="0">
+                <a:solidFill>
+                  <a:schemeClr val="bg1"/>
+                </a:solidFill>
+              </a:rPr>
+              <a:t>REACT HOOKS</a:t>
+            </a:r>
+            <a:endParaRPr lang="en-US" sz="6000" dirty="0">
+              <a:solidFill>
+                <a:schemeClr val="bg1"/>
+              </a:solidFill>
+            </a:endParaRPr>
           </a:p>
         </p:txBody>
       </p:sp>
     </p:spTree>
     <p:extLst>
       <p:ext uri="{BB962C8B-B14F-4D97-AF65-F5344CB8AC3E}">
-        <p14:creationId xmlns:p14="http://schemas.microsoft.com/office/powerpoint/2010/main" val="4187589244"/>
+        <p14:creationId xmlns:p14="http://schemas.microsoft.com/office/powerpoint/2010/main" val="4162925495"/>
       </p:ext>
     </p:extLst>
   </p:cSld>
   <p:clrMapOvr>
     <a:masterClrMapping/>
   </p:clrMapOvr>
+</p:sld>
+</file>
+
+<file path=ppt/slides/slide10.xml><?xml version="1.0" encoding="utf-8"?>
+<p:sld xmlns:a="http://schemas.openxmlformats.org/drawingml/2006/main" xmlns:r="http://schemas.openxmlformats.org/officeDocument/2006/relationships" xmlns:p="http://schemas.openxmlformats.org/presentationml/2006/main">
+  <p:cSld>
+    <p:spTree>
+      <p:nvGrpSpPr>
+        <p:cNvPr id="1" name=""/>
+        <p:cNvGrpSpPr/>
+        <p:nvPr/>
+      </p:nvGrpSpPr>
+      <p:grpSpPr>
+        <a:xfrm>
+          <a:off x="0" y="0"/>
+          <a:ext cx="0" cy="0"/>
+          <a:chOff x="0" y="0"/>
+          <a:chExt cx="0" cy="0"/>
+        </a:xfrm>
+      </p:grpSpPr>
+      <p:sp>
+        <p:nvSpPr>
+          <p:cNvPr id="2" name="Title 1"/>
+          <p:cNvSpPr>
+            <a:spLocks noGrp="1"/>
+          </p:cNvSpPr>
+          <p:nvPr>
+            <p:ph type="title"/>
+          </p:nvPr>
+        </p:nvSpPr>
+        <p:spPr>
+          <a:xfrm>
+            <a:off x="347546" y="365125"/>
+            <a:ext cx="10515600" cy="1325563"/>
+          </a:xfrm>
+        </p:spPr>
+        <p:txBody>
+          <a:bodyPr/>
+          <a:lstStyle/>
+          <a:p>
+            <a:r>
+              <a:rPr lang="en-US" dirty="0"/>
+              <a:t>4</a:t>
+            </a:r>
+            <a:r>
+              <a:rPr lang="en-US" dirty="0" smtClean="0"/>
+              <a:t>. How to use Hooks</a:t>
+            </a:r>
+            <a:endParaRPr lang="en-US" dirty="0"/>
+          </a:p>
+        </p:txBody>
+      </p:sp>
+      <p:sp>
+        <p:nvSpPr>
+          <p:cNvPr id="3" name="Content Placeholder 2"/>
+          <p:cNvSpPr>
+            <a:spLocks noGrp="1"/>
+          </p:cNvSpPr>
+          <p:nvPr>
+            <p:ph idx="1"/>
+          </p:nvPr>
+        </p:nvSpPr>
+        <p:spPr/>
+        <p:txBody>
+          <a:bodyPr>
+            <a:normAutofit/>
+          </a:bodyPr>
+          <a:lstStyle/>
+          <a:p>
+            <a:pPr marL="0" indent="0">
+              <a:lnSpc>
+                <a:spcPct val="150000"/>
+              </a:lnSpc>
+              <a:buNone/>
+            </a:pPr>
+            <a:r>
+              <a:rPr lang="en-US" dirty="0" smtClean="0"/>
+              <a:t>1. </a:t>
+            </a:r>
+            <a:r>
+              <a:rPr lang="en-US" dirty="0" err="1" smtClean="0"/>
+              <a:t>useState</a:t>
+            </a:r>
+            <a:endParaRPr lang="en-US" dirty="0"/>
+          </a:p>
+        </p:txBody>
+      </p:sp>
+    </p:spTree>
+    <p:extLst>
+      <p:ext uri="{BB962C8B-B14F-4D97-AF65-F5344CB8AC3E}">
+        <p14:creationId xmlns:p14="http://schemas.microsoft.com/office/powerpoint/2010/main" val="2107021493"/>
+      </p:ext>
+    </p:extLst>
+  </p:cSld>
+  <p:clrMapOvr>
+    <a:masterClrMapping/>
+  </p:clrMapOvr>
+  <p:timing>
+    <p:tnLst>
+      <p:par>
+        <p:cTn id="1" dur="indefinite" restart="never" nodeType="tmRoot">
+          <p:childTnLst>
+            <p:seq concurrent="1" nextAc="seek">
+              <p:cTn id="2" dur="indefinite" nodeType="mainSeq">
+                <p:childTnLst>
+                  <p:par>
+                    <p:cTn id="3" fill="hold">
+                      <p:stCondLst>
+                        <p:cond delay="indefinite"/>
+                      </p:stCondLst>
+                      <p:childTnLst>
+                        <p:par>
+                          <p:cTn id="4" fill="hold">
+                            <p:stCondLst>
+                              <p:cond delay="0"/>
+                            </p:stCondLst>
+                            <p:childTnLst>
+                              <p:par>
+                                <p:cTn id="5" presetID="2" presetClass="entr" presetSubtype="4" fill="hold" grpId="0" nodeType="clickEffect">
+                                  <p:stCondLst>
+                                    <p:cond delay="0"/>
+                                  </p:stCondLst>
+                                  <p:childTnLst>
+                                    <p:set>
+                                      <p:cBhvr>
+                                        <p:cTn id="6" dur="1" fill="hold">
+                                          <p:stCondLst>
+                                            <p:cond delay="0"/>
+                                          </p:stCondLst>
+                                        </p:cTn>
+                                        <p:tgtEl>
+                                          <p:spTgt spid="3">
+                                            <p:txEl>
+                                              <p:pRg st="0" end="0"/>
+                                            </p:txEl>
+                                          </p:spTgt>
+                                        </p:tgtEl>
+                                        <p:attrNameLst>
+                                          <p:attrName>style.visibility</p:attrName>
+                                        </p:attrNameLst>
+                                      </p:cBhvr>
+                                      <p:to>
+                                        <p:strVal val="visible"/>
+                                      </p:to>
+                                    </p:set>
+                                    <p:anim calcmode="lin" valueType="num">
+                                      <p:cBhvr additive="base">
+                                        <p:cTn id="7" dur="500" fill="hold"/>
+                                        <p:tgtEl>
+                                          <p:spTgt spid="3">
+                                            <p:txEl>
+                                              <p:pRg st="0" end="0"/>
+                                            </p:txEl>
+                                          </p:spTgt>
+                                        </p:tgtEl>
+                                        <p:attrNameLst>
+                                          <p:attrName>ppt_x</p:attrName>
+                                        </p:attrNameLst>
+                                      </p:cBhvr>
+                                      <p:tavLst>
+                                        <p:tav tm="0">
+                                          <p:val>
+                                            <p:strVal val="#ppt_x"/>
+                                          </p:val>
+                                        </p:tav>
+                                        <p:tav tm="100000">
+                                          <p:val>
+                                            <p:strVal val="#ppt_x"/>
+                                          </p:val>
+                                        </p:tav>
+                                      </p:tavLst>
+                                    </p:anim>
+                                    <p:anim calcmode="lin" valueType="num">
+                                      <p:cBhvr additive="base">
+                                        <p:cTn id="8" dur="500" fill="hold"/>
+                                        <p:tgtEl>
+                                          <p:spTgt spid="3">
+                                            <p:txEl>
+                                              <p:pRg st="0" end="0"/>
+                                            </p:txEl>
+                                          </p:spTgt>
+                                        </p:tgtEl>
+                                        <p:attrNameLst>
+                                          <p:attrName>ppt_y</p:attrName>
+                                        </p:attrNameLst>
+                                      </p:cBhvr>
+                                      <p:tavLst>
+                                        <p:tav tm="0">
+                                          <p:val>
+                                            <p:strVal val="1+#ppt_h/2"/>
+                                          </p:val>
+                                        </p:tav>
+                                        <p:tav tm="100000">
+                                          <p:val>
+                                            <p:strVal val="#ppt_y"/>
+                                          </p:val>
+                                        </p:tav>
+                                      </p:tavLst>
+                                    </p:anim>
+                                  </p:childTnLst>
+                                </p:cTn>
+                              </p:par>
+                            </p:childTnLst>
+                          </p:cTn>
+                        </p:par>
+                      </p:childTnLst>
+                    </p:cTn>
+                  </p:par>
+                </p:childTnLst>
+              </p:cTn>
+              <p:prevCondLst>
+                <p:cond evt="onPrev" delay="0">
+                  <p:tgtEl>
+                    <p:sldTgt/>
+                  </p:tgtEl>
+                </p:cond>
+              </p:prevCondLst>
+              <p:nextCondLst>
+                <p:cond evt="onNext" delay="0">
+                  <p:tgtEl>
+                    <p:sldTgt/>
+                  </p:tgtEl>
+                </p:cond>
+              </p:nextCondLst>
+            </p:seq>
+          </p:childTnLst>
+        </p:cTn>
+      </p:par>
+    </p:tnLst>
+    <p:bldLst>
+      <p:bldP spid="3" grpId="0" build="p"/>
+    </p:bldLst>
+  </p:timing>
 </p:sld>
 </file>
 
@@ -3108,17 +5145,22 @@
             <a:spLocks noGrp="1"/>
           </p:cNvSpPr>
           <p:nvPr>
-            <p:ph type="title"/>
-          </p:nvPr>
-        </p:nvSpPr>
-        <p:spPr/>
+            <p:ph type="ctrTitle"/>
+          </p:nvPr>
+        </p:nvSpPr>
+        <p:spPr>
+          <a:xfrm>
+            <a:off x="1524000" y="382385"/>
+            <a:ext cx="9144000" cy="914400"/>
+          </a:xfrm>
+        </p:spPr>
         <p:txBody>
           <a:bodyPr/>
           <a:lstStyle/>
           <a:p>
             <a:r>
               <a:rPr lang="en-US" dirty="0" smtClean="0"/>
-              <a:t>1. What is a hook ?</a:t>
+              <a:t>React Hooks</a:t>
             </a:r>
             <a:endParaRPr lang="en-US" dirty="0"/>
           </a:p>
@@ -3126,83 +5168,599 @@
       </p:sp>
       <p:sp>
         <p:nvSpPr>
-          <p:cNvPr id="3" name="Content Placeholder 2"/>
-          <p:cNvSpPr>
-            <a:spLocks noGrp="1"/>
-          </p:cNvSpPr>
-          <p:nvPr>
-            <p:ph idx="1"/>
-          </p:nvPr>
-        </p:nvSpPr>
-        <p:spPr/>
-        <p:txBody>
-          <a:bodyPr/>
+          <p:cNvPr id="3" name="Subtitle 2"/>
+          <p:cNvSpPr>
+            <a:spLocks noGrp="1"/>
+          </p:cNvSpPr>
+          <p:nvPr>
+            <p:ph type="subTitle" idx="1"/>
+          </p:nvPr>
+        </p:nvSpPr>
+        <p:spPr>
+          <a:xfrm>
+            <a:off x="1524000" y="1562792"/>
+            <a:ext cx="9144000" cy="4759949"/>
+          </a:xfrm>
+        </p:spPr>
+        <p:txBody>
+          <a:bodyPr>
+            <a:normAutofit fontScale="77500" lnSpcReduction="20000"/>
+          </a:bodyPr>
           <a:lstStyle/>
           <a:p>
+            <a:pPr marL="457200" indent="-457200" algn="l">
+              <a:lnSpc>
+                <a:spcPct val="200000"/>
+              </a:lnSpc>
+              <a:buFont typeface="+mj-lt"/>
+              <a:buAutoNum type="arabicPeriod"/>
+            </a:pPr>
             <a:r>
               <a:rPr lang="en-US" dirty="0" smtClean="0"/>
-              <a:t>A Hook is a </a:t>
-            </a:r>
-            <a:r>
-              <a:rPr lang="en-US" i="1" dirty="0" smtClean="0"/>
-              <a:t>special function</a:t>
+              <a:t>What are </a:t>
             </a:r>
             <a:r>
               <a:rPr lang="en-US" dirty="0" smtClean="0"/>
-              <a:t> that let you “hook into” React features. For example: </a:t>
-            </a:r>
-            <a:r>
-              <a:rPr lang="en-US" b="1" i="1" dirty="0" err="1" smtClean="0"/>
-              <a:t>useState</a:t>
+              <a:t>Hooks </a:t>
             </a:r>
             <a:r>
               <a:rPr lang="en-US" dirty="0" smtClean="0"/>
-              <a:t> is a Hook that lets you add React state to function components</a:t>
-            </a:r>
+              <a:t>?</a:t>
+            </a:r>
+          </a:p>
+          <a:p>
+            <a:pPr marL="457200" indent="-457200" algn="l">
+              <a:lnSpc>
+                <a:spcPct val="200000"/>
+              </a:lnSpc>
+              <a:buFont typeface="+mj-lt"/>
+              <a:buAutoNum type="arabicPeriod"/>
+            </a:pPr>
             <a:r>
               <a:rPr lang="en-US" dirty="0" smtClean="0"/>
-              <a:t>.</a:t>
-            </a:r>
-          </a:p>
-          <a:p>
+              <a:t>Why use </a:t>
+            </a:r>
             <a:r>
               <a:rPr lang="en-US" dirty="0" smtClean="0"/>
-              <a:t>Basic hooks: </a:t>
-            </a:r>
-            <a:r>
-              <a:rPr lang="en-US" b="1" i="1" dirty="0" err="1" smtClean="0"/>
-              <a:t>useState</a:t>
-            </a:r>
-            <a:r>
-              <a:rPr lang="en-US" b="1" i="1" dirty="0" smtClean="0"/>
-              <a:t>, </a:t>
-            </a:r>
-            <a:r>
-              <a:rPr lang="en-US" b="1" i="1" dirty="0" err="1" smtClean="0"/>
-              <a:t>useEffect</a:t>
-            </a:r>
-            <a:r>
-              <a:rPr lang="en-US" b="1" i="1" dirty="0" smtClean="0"/>
-              <a:t>, </a:t>
-            </a:r>
-            <a:r>
-              <a:rPr lang="en-US" b="1" i="1" dirty="0" err="1" smtClean="0"/>
-              <a:t>useContext</a:t>
-            </a:r>
-            <a:endParaRPr lang="en-US" i="1" dirty="0"/>
+              <a:t>Hooks </a:t>
+            </a:r>
+            <a:r>
+              <a:rPr lang="en-US" dirty="0" smtClean="0"/>
+              <a:t>?</a:t>
+            </a:r>
+          </a:p>
+          <a:p>
+            <a:pPr marL="457200" indent="-457200" algn="l">
+              <a:lnSpc>
+                <a:spcPct val="200000"/>
+              </a:lnSpc>
+              <a:buFont typeface="+mj-lt"/>
+              <a:buAutoNum type="arabicPeriod"/>
+            </a:pPr>
+            <a:r>
+              <a:rPr lang="en-US" dirty="0" smtClean="0"/>
+              <a:t>When to use </a:t>
+            </a:r>
+            <a:r>
+              <a:rPr lang="en-US" dirty="0" smtClean="0"/>
+              <a:t>Hooks </a:t>
+            </a:r>
+            <a:r>
+              <a:rPr lang="en-US" dirty="0" smtClean="0"/>
+              <a:t>?</a:t>
+            </a:r>
+          </a:p>
+          <a:p>
+            <a:pPr marL="457200" indent="-457200" algn="l">
+              <a:lnSpc>
+                <a:spcPct val="200000"/>
+              </a:lnSpc>
+              <a:buFont typeface="+mj-lt"/>
+              <a:buAutoNum type="arabicPeriod"/>
+            </a:pPr>
+            <a:r>
+              <a:rPr lang="en-US" b="1" dirty="0" smtClean="0"/>
+              <a:t>How to use </a:t>
+            </a:r>
+            <a:r>
+              <a:rPr lang="en-US" b="1" dirty="0" smtClean="0"/>
+              <a:t>Hooks</a:t>
+            </a:r>
+            <a:r>
+              <a:rPr lang="en-US" dirty="0" smtClean="0"/>
+              <a:t> ?</a:t>
+            </a:r>
+            <a:br>
+              <a:rPr lang="en-US" dirty="0" smtClean="0"/>
+            </a:br>
+            <a:r>
+              <a:rPr lang="en-US" dirty="0" smtClean="0"/>
+              <a:t>4.1.</a:t>
+            </a:r>
+            <a:r>
+              <a:rPr lang="en-US" dirty="0" smtClean="0"/>
+              <a:t> Rules of Hooks.</a:t>
+            </a:r>
+            <a:br>
+              <a:rPr lang="en-US" dirty="0" smtClean="0"/>
+            </a:br>
+            <a:r>
+              <a:rPr lang="en-US" dirty="0" smtClean="0"/>
+              <a:t>4.2. Using The State Hooks.</a:t>
+            </a:r>
+            <a:br>
+              <a:rPr lang="en-US" dirty="0" smtClean="0"/>
+            </a:br>
+            <a:r>
+              <a:rPr lang="en-US" dirty="0" smtClean="0"/>
+              <a:t>4.3. Using The Effect Hooks.</a:t>
+            </a:r>
+            <a:br>
+              <a:rPr lang="en-US" dirty="0" smtClean="0"/>
+            </a:br>
+            <a:r>
+              <a:rPr lang="en-US" dirty="0" smtClean="0"/>
+              <a:t>4.4. Some basic Hooks</a:t>
+            </a:r>
+            <a:endParaRPr lang="en-US" dirty="0" smtClean="0"/>
           </a:p>
         </p:txBody>
       </p:sp>
     </p:spTree>
     <p:extLst>
       <p:ext uri="{BB962C8B-B14F-4D97-AF65-F5344CB8AC3E}">
-        <p14:creationId xmlns:p14="http://schemas.microsoft.com/office/powerpoint/2010/main" val="2638453489"/>
+        <p14:creationId xmlns:p14="http://schemas.microsoft.com/office/powerpoint/2010/main" val="4187589244"/>
       </p:ext>
     </p:extLst>
   </p:cSld>
   <p:clrMapOvr>
     <a:masterClrMapping/>
   </p:clrMapOvr>
+  <p:timing>
+    <p:tnLst>
+      <p:par>
+        <p:cTn id="1" dur="indefinite" restart="never" nodeType="tmRoot">
+          <p:childTnLst>
+            <p:seq concurrent="1" nextAc="seek">
+              <p:cTn id="2" dur="indefinite" nodeType="mainSeq">
+                <p:childTnLst>
+                  <p:par>
+                    <p:cTn id="3" fill="hold">
+                      <p:stCondLst>
+                        <p:cond delay="indefinite"/>
+                      </p:stCondLst>
+                      <p:childTnLst>
+                        <p:par>
+                          <p:cTn id="4" fill="hold">
+                            <p:stCondLst>
+                              <p:cond delay="0"/>
+                            </p:stCondLst>
+                            <p:childTnLst>
+                              <p:par>
+                                <p:cTn id="5" presetID="2" presetClass="entr" presetSubtype="4" fill="hold" grpId="0" nodeType="clickEffect">
+                                  <p:stCondLst>
+                                    <p:cond delay="0"/>
+                                  </p:stCondLst>
+                                  <p:childTnLst>
+                                    <p:set>
+                                      <p:cBhvr>
+                                        <p:cTn id="6" dur="1" fill="hold">
+                                          <p:stCondLst>
+                                            <p:cond delay="0"/>
+                                          </p:stCondLst>
+                                        </p:cTn>
+                                        <p:tgtEl>
+                                          <p:spTgt spid="3">
+                                            <p:txEl>
+                                              <p:pRg st="0" end="0"/>
+                                            </p:txEl>
+                                          </p:spTgt>
+                                        </p:tgtEl>
+                                        <p:attrNameLst>
+                                          <p:attrName>style.visibility</p:attrName>
+                                        </p:attrNameLst>
+                                      </p:cBhvr>
+                                      <p:to>
+                                        <p:strVal val="visible"/>
+                                      </p:to>
+                                    </p:set>
+                                    <p:anim calcmode="lin" valueType="num">
+                                      <p:cBhvr additive="base">
+                                        <p:cTn id="7" dur="500" fill="hold"/>
+                                        <p:tgtEl>
+                                          <p:spTgt spid="3">
+                                            <p:txEl>
+                                              <p:pRg st="0" end="0"/>
+                                            </p:txEl>
+                                          </p:spTgt>
+                                        </p:tgtEl>
+                                        <p:attrNameLst>
+                                          <p:attrName>ppt_x</p:attrName>
+                                        </p:attrNameLst>
+                                      </p:cBhvr>
+                                      <p:tavLst>
+                                        <p:tav tm="0">
+                                          <p:val>
+                                            <p:strVal val="#ppt_x"/>
+                                          </p:val>
+                                        </p:tav>
+                                        <p:tav tm="100000">
+                                          <p:val>
+                                            <p:strVal val="#ppt_x"/>
+                                          </p:val>
+                                        </p:tav>
+                                      </p:tavLst>
+                                    </p:anim>
+                                    <p:anim calcmode="lin" valueType="num">
+                                      <p:cBhvr additive="base">
+                                        <p:cTn id="8" dur="500" fill="hold"/>
+                                        <p:tgtEl>
+                                          <p:spTgt spid="3">
+                                            <p:txEl>
+                                              <p:pRg st="0" end="0"/>
+                                            </p:txEl>
+                                          </p:spTgt>
+                                        </p:tgtEl>
+                                        <p:attrNameLst>
+                                          <p:attrName>ppt_y</p:attrName>
+                                        </p:attrNameLst>
+                                      </p:cBhvr>
+                                      <p:tavLst>
+                                        <p:tav tm="0">
+                                          <p:val>
+                                            <p:strVal val="1+#ppt_h/2"/>
+                                          </p:val>
+                                        </p:tav>
+                                        <p:tav tm="100000">
+                                          <p:val>
+                                            <p:strVal val="#ppt_y"/>
+                                          </p:val>
+                                        </p:tav>
+                                      </p:tavLst>
+                                    </p:anim>
+                                  </p:childTnLst>
+                                </p:cTn>
+                              </p:par>
+                            </p:childTnLst>
+                          </p:cTn>
+                        </p:par>
+                      </p:childTnLst>
+                    </p:cTn>
+                  </p:par>
+                  <p:par>
+                    <p:cTn id="9" fill="hold">
+                      <p:stCondLst>
+                        <p:cond delay="indefinite"/>
+                      </p:stCondLst>
+                      <p:childTnLst>
+                        <p:par>
+                          <p:cTn id="10" fill="hold">
+                            <p:stCondLst>
+                              <p:cond delay="0"/>
+                            </p:stCondLst>
+                            <p:childTnLst>
+                              <p:par>
+                                <p:cTn id="11" presetID="2" presetClass="entr" presetSubtype="4" fill="hold" grpId="0" nodeType="clickEffect">
+                                  <p:stCondLst>
+                                    <p:cond delay="0"/>
+                                  </p:stCondLst>
+                                  <p:childTnLst>
+                                    <p:set>
+                                      <p:cBhvr>
+                                        <p:cTn id="12" dur="1" fill="hold">
+                                          <p:stCondLst>
+                                            <p:cond delay="0"/>
+                                          </p:stCondLst>
+                                        </p:cTn>
+                                        <p:tgtEl>
+                                          <p:spTgt spid="3">
+                                            <p:txEl>
+                                              <p:pRg st="1" end="1"/>
+                                            </p:txEl>
+                                          </p:spTgt>
+                                        </p:tgtEl>
+                                        <p:attrNameLst>
+                                          <p:attrName>style.visibility</p:attrName>
+                                        </p:attrNameLst>
+                                      </p:cBhvr>
+                                      <p:to>
+                                        <p:strVal val="visible"/>
+                                      </p:to>
+                                    </p:set>
+                                    <p:anim calcmode="lin" valueType="num">
+                                      <p:cBhvr additive="base">
+                                        <p:cTn id="13" dur="500" fill="hold"/>
+                                        <p:tgtEl>
+                                          <p:spTgt spid="3">
+                                            <p:txEl>
+                                              <p:pRg st="1" end="1"/>
+                                            </p:txEl>
+                                          </p:spTgt>
+                                        </p:tgtEl>
+                                        <p:attrNameLst>
+                                          <p:attrName>ppt_x</p:attrName>
+                                        </p:attrNameLst>
+                                      </p:cBhvr>
+                                      <p:tavLst>
+                                        <p:tav tm="0">
+                                          <p:val>
+                                            <p:strVal val="#ppt_x"/>
+                                          </p:val>
+                                        </p:tav>
+                                        <p:tav tm="100000">
+                                          <p:val>
+                                            <p:strVal val="#ppt_x"/>
+                                          </p:val>
+                                        </p:tav>
+                                      </p:tavLst>
+                                    </p:anim>
+                                    <p:anim calcmode="lin" valueType="num">
+                                      <p:cBhvr additive="base">
+                                        <p:cTn id="14" dur="500" fill="hold"/>
+                                        <p:tgtEl>
+                                          <p:spTgt spid="3">
+                                            <p:txEl>
+                                              <p:pRg st="1" end="1"/>
+                                            </p:txEl>
+                                          </p:spTgt>
+                                        </p:tgtEl>
+                                        <p:attrNameLst>
+                                          <p:attrName>ppt_y</p:attrName>
+                                        </p:attrNameLst>
+                                      </p:cBhvr>
+                                      <p:tavLst>
+                                        <p:tav tm="0">
+                                          <p:val>
+                                            <p:strVal val="1+#ppt_h/2"/>
+                                          </p:val>
+                                        </p:tav>
+                                        <p:tav tm="100000">
+                                          <p:val>
+                                            <p:strVal val="#ppt_y"/>
+                                          </p:val>
+                                        </p:tav>
+                                      </p:tavLst>
+                                    </p:anim>
+                                  </p:childTnLst>
+                                </p:cTn>
+                              </p:par>
+                            </p:childTnLst>
+                          </p:cTn>
+                        </p:par>
+                      </p:childTnLst>
+                    </p:cTn>
+                  </p:par>
+                  <p:par>
+                    <p:cTn id="15" fill="hold">
+                      <p:stCondLst>
+                        <p:cond delay="indefinite"/>
+                      </p:stCondLst>
+                      <p:childTnLst>
+                        <p:par>
+                          <p:cTn id="16" fill="hold">
+                            <p:stCondLst>
+                              <p:cond delay="0"/>
+                            </p:stCondLst>
+                            <p:childTnLst>
+                              <p:par>
+                                <p:cTn id="17" presetID="2" presetClass="entr" presetSubtype="4" fill="hold" grpId="0" nodeType="clickEffect">
+                                  <p:stCondLst>
+                                    <p:cond delay="0"/>
+                                  </p:stCondLst>
+                                  <p:childTnLst>
+                                    <p:set>
+                                      <p:cBhvr>
+                                        <p:cTn id="18" dur="1" fill="hold">
+                                          <p:stCondLst>
+                                            <p:cond delay="0"/>
+                                          </p:stCondLst>
+                                        </p:cTn>
+                                        <p:tgtEl>
+                                          <p:spTgt spid="3">
+                                            <p:txEl>
+                                              <p:pRg st="2" end="2"/>
+                                            </p:txEl>
+                                          </p:spTgt>
+                                        </p:tgtEl>
+                                        <p:attrNameLst>
+                                          <p:attrName>style.visibility</p:attrName>
+                                        </p:attrNameLst>
+                                      </p:cBhvr>
+                                      <p:to>
+                                        <p:strVal val="visible"/>
+                                      </p:to>
+                                    </p:set>
+                                    <p:anim calcmode="lin" valueType="num">
+                                      <p:cBhvr additive="base">
+                                        <p:cTn id="19" dur="500" fill="hold"/>
+                                        <p:tgtEl>
+                                          <p:spTgt spid="3">
+                                            <p:txEl>
+                                              <p:pRg st="2" end="2"/>
+                                            </p:txEl>
+                                          </p:spTgt>
+                                        </p:tgtEl>
+                                        <p:attrNameLst>
+                                          <p:attrName>ppt_x</p:attrName>
+                                        </p:attrNameLst>
+                                      </p:cBhvr>
+                                      <p:tavLst>
+                                        <p:tav tm="0">
+                                          <p:val>
+                                            <p:strVal val="#ppt_x"/>
+                                          </p:val>
+                                        </p:tav>
+                                        <p:tav tm="100000">
+                                          <p:val>
+                                            <p:strVal val="#ppt_x"/>
+                                          </p:val>
+                                        </p:tav>
+                                      </p:tavLst>
+                                    </p:anim>
+                                    <p:anim calcmode="lin" valueType="num">
+                                      <p:cBhvr additive="base">
+                                        <p:cTn id="20" dur="500" fill="hold"/>
+                                        <p:tgtEl>
+                                          <p:spTgt spid="3">
+                                            <p:txEl>
+                                              <p:pRg st="2" end="2"/>
+                                            </p:txEl>
+                                          </p:spTgt>
+                                        </p:tgtEl>
+                                        <p:attrNameLst>
+                                          <p:attrName>ppt_y</p:attrName>
+                                        </p:attrNameLst>
+                                      </p:cBhvr>
+                                      <p:tavLst>
+                                        <p:tav tm="0">
+                                          <p:val>
+                                            <p:strVal val="1+#ppt_h/2"/>
+                                          </p:val>
+                                        </p:tav>
+                                        <p:tav tm="100000">
+                                          <p:val>
+                                            <p:strVal val="#ppt_y"/>
+                                          </p:val>
+                                        </p:tav>
+                                      </p:tavLst>
+                                    </p:anim>
+                                  </p:childTnLst>
+                                </p:cTn>
+                              </p:par>
+                            </p:childTnLst>
+                          </p:cTn>
+                        </p:par>
+                      </p:childTnLst>
+                    </p:cTn>
+                  </p:par>
+                  <p:par>
+                    <p:cTn id="21" fill="hold">
+                      <p:stCondLst>
+                        <p:cond delay="indefinite"/>
+                      </p:stCondLst>
+                      <p:childTnLst>
+                        <p:par>
+                          <p:cTn id="22" fill="hold">
+                            <p:stCondLst>
+                              <p:cond delay="0"/>
+                            </p:stCondLst>
+                            <p:childTnLst>
+                              <p:par>
+                                <p:cTn id="23" presetID="2" presetClass="entr" presetSubtype="4" fill="hold" grpId="0" nodeType="clickEffect">
+                                  <p:stCondLst>
+                                    <p:cond delay="0"/>
+                                  </p:stCondLst>
+                                  <p:childTnLst>
+                                    <p:set>
+                                      <p:cBhvr>
+                                        <p:cTn id="24" dur="1" fill="hold">
+                                          <p:stCondLst>
+                                            <p:cond delay="0"/>
+                                          </p:stCondLst>
+                                        </p:cTn>
+                                        <p:tgtEl>
+                                          <p:spTgt spid="3">
+                                            <p:txEl>
+                                              <p:pRg st="3" end="3"/>
+                                            </p:txEl>
+                                          </p:spTgt>
+                                        </p:tgtEl>
+                                        <p:attrNameLst>
+                                          <p:attrName>style.visibility</p:attrName>
+                                        </p:attrNameLst>
+                                      </p:cBhvr>
+                                      <p:to>
+                                        <p:strVal val="visible"/>
+                                      </p:to>
+                                    </p:set>
+                                    <p:anim calcmode="lin" valueType="num">
+                                      <p:cBhvr additive="base">
+                                        <p:cTn id="25" dur="500" fill="hold"/>
+                                        <p:tgtEl>
+                                          <p:spTgt spid="3">
+                                            <p:txEl>
+                                              <p:pRg st="3" end="3"/>
+                                            </p:txEl>
+                                          </p:spTgt>
+                                        </p:tgtEl>
+                                        <p:attrNameLst>
+                                          <p:attrName>ppt_x</p:attrName>
+                                        </p:attrNameLst>
+                                      </p:cBhvr>
+                                      <p:tavLst>
+                                        <p:tav tm="0">
+                                          <p:val>
+                                            <p:strVal val="#ppt_x"/>
+                                          </p:val>
+                                        </p:tav>
+                                        <p:tav tm="100000">
+                                          <p:val>
+                                            <p:strVal val="#ppt_x"/>
+                                          </p:val>
+                                        </p:tav>
+                                      </p:tavLst>
+                                    </p:anim>
+                                    <p:anim calcmode="lin" valueType="num">
+                                      <p:cBhvr additive="base">
+                                        <p:cTn id="26" dur="500" fill="hold"/>
+                                        <p:tgtEl>
+                                          <p:spTgt spid="3">
+                                            <p:txEl>
+                                              <p:pRg st="3" end="3"/>
+                                            </p:txEl>
+                                          </p:spTgt>
+                                        </p:tgtEl>
+                                        <p:attrNameLst>
+                                          <p:attrName>ppt_y</p:attrName>
+                                        </p:attrNameLst>
+                                      </p:cBhvr>
+                                      <p:tavLst>
+                                        <p:tav tm="0">
+                                          <p:val>
+                                            <p:strVal val="1+#ppt_h/2"/>
+                                          </p:val>
+                                        </p:tav>
+                                        <p:tav tm="100000">
+                                          <p:val>
+                                            <p:strVal val="#ppt_y"/>
+                                          </p:val>
+                                        </p:tav>
+                                      </p:tavLst>
+                                    </p:anim>
+                                  </p:childTnLst>
+                                </p:cTn>
+                              </p:par>
+                            </p:childTnLst>
+                          </p:cTn>
+                        </p:par>
+                      </p:childTnLst>
+                    </p:cTn>
+                  </p:par>
+                </p:childTnLst>
+              </p:cTn>
+              <p:prevCondLst>
+                <p:cond evt="onPrev" delay="0">
+                  <p:tgtEl>
+                    <p:sldTgt/>
+                  </p:tgtEl>
+                </p:cond>
+              </p:prevCondLst>
+              <p:nextCondLst>
+                <p:cond evt="onNext" delay="0">
+                  <p:tgtEl>
+                    <p:sldTgt/>
+                  </p:tgtEl>
+                </p:cond>
+              </p:nextCondLst>
+            </p:seq>
+          </p:childTnLst>
+        </p:cTn>
+      </p:par>
+    </p:tnLst>
+    <p:bldLst>
+      <p:bldP spid="3" grpId="0" build="p"/>
+    </p:bldLst>
+  </p:timing>
 </p:sld>
 </file>
 
@@ -3230,241 +5788,696 @@
             <a:spLocks noGrp="1"/>
           </p:cNvSpPr>
           <p:nvPr>
-            <p:ph type="title"/>
-          </p:nvPr>
-        </p:nvSpPr>
-        <p:spPr/>
+            <p:ph type="ctrTitle"/>
+          </p:nvPr>
+        </p:nvSpPr>
+        <p:spPr>
+          <a:xfrm>
+            <a:off x="0" y="0"/>
+            <a:ext cx="12192000" cy="1067274"/>
+          </a:xfrm>
+          <a:solidFill>
+            <a:srgbClr val="00B0F0"/>
+          </a:solidFill>
+        </p:spPr>
         <p:txBody>
           <a:bodyPr/>
           <a:lstStyle/>
           <a:p>
             <a:r>
-              <a:rPr lang="en-US" dirty="0" smtClean="0"/>
-              <a:t>2. Why use hooks?</a:t>
-            </a:r>
-            <a:endParaRPr lang="en-US" dirty="0"/>
-          </a:p>
-        </p:txBody>
-      </p:sp>
-      <p:sp>
-        <p:nvSpPr>
-          <p:cNvPr id="3" name="Content Placeholder 2"/>
-          <p:cNvSpPr>
-            <a:spLocks noGrp="1"/>
-          </p:cNvSpPr>
-          <p:nvPr>
-            <p:ph idx="1"/>
-          </p:nvPr>
-        </p:nvSpPr>
-        <p:spPr/>
+              <a:rPr lang="en-US" dirty="0" smtClean="0">
+                <a:solidFill>
+                  <a:schemeClr val="bg1"/>
+                </a:solidFill>
+              </a:rPr>
+              <a:t>CONTENTS</a:t>
+            </a:r>
+            <a:endParaRPr lang="en-US" dirty="0">
+              <a:solidFill>
+                <a:schemeClr val="bg1"/>
+              </a:solidFill>
+            </a:endParaRPr>
+          </a:p>
+        </p:txBody>
+      </p:sp>
+      <p:sp>
+        <p:nvSpPr>
+          <p:cNvPr id="3" name="Subtitle 2"/>
+          <p:cNvSpPr>
+            <a:spLocks noGrp="1"/>
+          </p:cNvSpPr>
+          <p:nvPr>
+            <p:ph type="subTitle" idx="1"/>
+          </p:nvPr>
+        </p:nvSpPr>
+        <p:spPr>
+          <a:xfrm>
+            <a:off x="1524000" y="1562792"/>
+            <a:ext cx="9144000" cy="4759949"/>
+          </a:xfrm>
+        </p:spPr>
         <p:txBody>
           <a:bodyPr>
-            <a:normAutofit lnSpcReduction="10000"/>
+            <a:normAutofit fontScale="92500" lnSpcReduction="20000"/>
           </a:bodyPr>
           <a:lstStyle/>
           <a:p>
-            <a:pPr marL="514350" indent="-514350">
+            <a:pPr marL="457200" indent="-457200" algn="l">
+              <a:lnSpc>
+                <a:spcPct val="200000"/>
+              </a:lnSpc>
               <a:buFont typeface="+mj-lt"/>
-              <a:buAutoNum type="alphaLcPeriod"/>
+              <a:buAutoNum type="arabicPeriod"/>
             </a:pPr>
             <a:r>
-              <a:rPr lang="en-US" b="1" dirty="0" smtClean="0"/>
-              <a:t>Class is hard to Reuse </a:t>
-            </a:r>
-            <a:r>
-              <a:rPr lang="en-US" b="1" dirty="0" err="1"/>
-              <a:t>stateful</a:t>
-            </a:r>
-            <a:r>
-              <a:rPr lang="en-US" b="1" dirty="0"/>
-              <a:t> logic between </a:t>
-            </a:r>
-            <a:r>
-              <a:rPr lang="en-US" b="1" dirty="0" smtClean="0"/>
-              <a:t>components.</a:t>
-            </a:r>
-            <a:br>
-              <a:rPr lang="en-US" b="1" dirty="0" smtClean="0"/>
-            </a:br>
-            <a:r>
-              <a:rPr lang="en-US" dirty="0" smtClean="0"/>
-              <a:t>- </a:t>
-            </a:r>
-            <a:r>
-              <a:rPr lang="en-US" sz="2400" dirty="0" smtClean="0"/>
-              <a:t>Require </a:t>
-            </a:r>
-            <a:r>
-              <a:rPr lang="en-US" sz="2400" dirty="0"/>
-              <a:t>you to restructure your </a:t>
-            </a:r>
-            <a:r>
-              <a:rPr lang="en-US" sz="2400" dirty="0" smtClean="0"/>
-              <a:t>components.</a:t>
-            </a:r>
-            <a:br>
-              <a:rPr lang="en-US" sz="2400" dirty="0" smtClean="0"/>
-            </a:br>
-            <a:r>
-              <a:rPr lang="en-US" sz="2400" dirty="0" smtClean="0"/>
-              <a:t>- Cumbersome, code hard to follow.</a:t>
-            </a:r>
-            <a:br>
-              <a:rPr lang="en-US" sz="2400" dirty="0" smtClean="0"/>
-            </a:br>
-            <a:r>
-              <a:rPr lang="en-US" sz="2400" dirty="0" smtClean="0"/>
-              <a:t>- With Hooks, Can be tested </a:t>
-            </a:r>
-            <a:r>
-              <a:rPr lang="en-US" sz="2400" dirty="0"/>
-              <a:t>independently and reused</a:t>
-            </a:r>
-            <a:r>
-              <a:rPr lang="en-US" dirty="0"/>
-              <a:t>. </a:t>
-            </a:r>
-            <a:endParaRPr lang="en-US" sz="2400" dirty="0"/>
-          </a:p>
-          <a:p>
-            <a:pPr marL="514350" indent="-514350">
+              <a:rPr lang="en-US" sz="3200" dirty="0" smtClean="0"/>
+              <a:t>Introduction</a:t>
+            </a:r>
+          </a:p>
+          <a:p>
+            <a:pPr marL="457200" indent="-457200" algn="l">
+              <a:lnSpc>
+                <a:spcPct val="200000"/>
+              </a:lnSpc>
               <a:buFont typeface="+mj-lt"/>
-              <a:buAutoNum type="alphaLcPeriod"/>
+              <a:buAutoNum type="arabicPeriod"/>
             </a:pPr>
             <a:r>
-              <a:rPr lang="en-US" b="1" dirty="0" smtClean="0"/>
-              <a:t>Complex </a:t>
-            </a:r>
-            <a:r>
-              <a:rPr lang="en-US" b="1" dirty="0"/>
-              <a:t>components become hard to </a:t>
-            </a:r>
-            <a:r>
-              <a:rPr lang="en-US" b="1" dirty="0" smtClean="0"/>
-              <a:t>understand.</a:t>
-            </a:r>
-            <a:r>
-              <a:rPr lang="en-US" dirty="0" smtClean="0"/>
-              <a:t/>
-            </a:r>
-            <a:br>
-              <a:rPr lang="en-US" dirty="0" smtClean="0"/>
-            </a:br>
-            <a:r>
-              <a:rPr lang="en-US" sz="2400" dirty="0" smtClean="0"/>
-              <a:t>- Hooks </a:t>
-            </a:r>
-            <a:r>
-              <a:rPr lang="en-US" sz="2400" dirty="0"/>
-              <a:t>let you split one component into smaller functions based on what pieces are related (such as setting up a subscription or fetching data)</a:t>
-            </a:r>
-            <a:endParaRPr lang="en-US" sz="2400" dirty="0"/>
-          </a:p>
-          <a:p>
-            <a:pPr marL="514350" indent="-514350">
+              <a:rPr lang="en-US" sz="3200" dirty="0" smtClean="0"/>
+              <a:t>Function Component vs Class Component</a:t>
+            </a:r>
+          </a:p>
+          <a:p>
+            <a:pPr marL="457200" indent="-457200" algn="l">
+              <a:lnSpc>
+                <a:spcPct val="200000"/>
+              </a:lnSpc>
               <a:buFont typeface="+mj-lt"/>
-              <a:buAutoNum type="alphaLcPeriod"/>
+              <a:buAutoNum type="arabicPeriod"/>
             </a:pPr>
             <a:r>
-              <a:rPr lang="en-US" b="1" dirty="0"/>
-              <a:t>C</a:t>
-            </a:r>
-            <a:r>
-              <a:rPr lang="en-US" b="1" dirty="0" smtClean="0"/>
-              <a:t>lasses </a:t>
-            </a:r>
-            <a:r>
-              <a:rPr lang="en-US" b="1" dirty="0"/>
-              <a:t>confuse both people and </a:t>
-            </a:r>
-            <a:r>
-              <a:rPr lang="en-US" b="1" dirty="0" smtClean="0"/>
-              <a:t>machines.</a:t>
-            </a:r>
-            <a:br>
-              <a:rPr lang="en-US" b="1" dirty="0" smtClean="0"/>
-            </a:br>
-            <a:r>
-              <a:rPr lang="en-US" dirty="0" smtClean="0"/>
-              <a:t>- How </a:t>
-            </a:r>
-            <a:r>
-              <a:rPr lang="en-US" i="1" dirty="0" smtClean="0"/>
-              <a:t>this</a:t>
-            </a:r>
-            <a:r>
-              <a:rPr lang="en-US" dirty="0" smtClean="0"/>
-              <a:t> works, remember bind the event handlers…</a:t>
-            </a:r>
-            <a:r>
-              <a:rPr lang="en-US" b="1" dirty="0" smtClean="0"/>
-              <a:t/>
-            </a:r>
-            <a:br>
-              <a:rPr lang="en-US" b="1" dirty="0" smtClean="0"/>
-            </a:br>
-            <a:r>
-              <a:rPr lang="en-US" sz="2400" dirty="0" smtClean="0"/>
-              <a:t>- </a:t>
-            </a:r>
-            <a:r>
-              <a:rPr lang="en-US" sz="2400" dirty="0"/>
-              <a:t>Hooks let you use more of </a:t>
-            </a:r>
-            <a:r>
-              <a:rPr lang="en-US" sz="2400" dirty="0" err="1" smtClean="0"/>
-              <a:t>React’s</a:t>
-            </a:r>
-            <a:r>
-              <a:rPr lang="en-US" sz="2400" dirty="0" smtClean="0"/>
-              <a:t> </a:t>
-            </a:r>
-            <a:r>
-              <a:rPr lang="en-US" sz="2400" dirty="0"/>
-              <a:t>features without classes</a:t>
-            </a:r>
-            <a:r>
-              <a:rPr lang="en-US" sz="2400" dirty="0" smtClean="0"/>
-              <a:t>.</a:t>
-            </a:r>
-            <a:br>
-              <a:rPr lang="en-US" sz="2400" dirty="0" smtClean="0"/>
-            </a:br>
-            <a:r>
-              <a:rPr lang="en-US" sz="2400" dirty="0" smtClean="0"/>
-              <a:t/>
-            </a:r>
-            <a:br>
-              <a:rPr lang="en-US" sz="2400" dirty="0" smtClean="0"/>
-            </a:br>
-            <a:r>
-              <a:rPr lang="en-US" sz="2400" dirty="0" err="1" smtClean="0"/>
-              <a:t>Src</a:t>
-            </a:r>
-            <a:r>
-              <a:rPr lang="en-US" sz="2400" dirty="0" smtClean="0"/>
-              <a:t>: </a:t>
-            </a:r>
-            <a:r>
-              <a:rPr lang="en-US" sz="2400" dirty="0">
-                <a:hlinkClick r:id="rId2"/>
-              </a:rPr>
-              <a:t>https://reactjs.org/docs/hooks-intro.html#motivation</a:t>
-            </a:r>
-            <a:endParaRPr lang="en-US" sz="2400" dirty="0"/>
+              <a:rPr lang="en-US" sz="3200" smtClean="0"/>
+              <a:t>How Do I Use Hooks</a:t>
+            </a:r>
+            <a:endParaRPr lang="en-US" sz="3200" dirty="0" smtClean="0"/>
+          </a:p>
+          <a:p>
+            <a:pPr marL="457200" indent="-457200" algn="l">
+              <a:lnSpc>
+                <a:spcPct val="200000"/>
+              </a:lnSpc>
+              <a:buFont typeface="+mj-lt"/>
+              <a:buAutoNum type="arabicPeriod"/>
+            </a:pPr>
+            <a:r>
+              <a:rPr lang="en-US" sz="3200" dirty="0" smtClean="0"/>
+              <a:t>Demo</a:t>
+            </a:r>
+          </a:p>
+          <a:p>
+            <a:pPr marL="457200" indent="-457200" algn="l">
+              <a:lnSpc>
+                <a:spcPct val="200000"/>
+              </a:lnSpc>
+              <a:buFont typeface="+mj-lt"/>
+              <a:buAutoNum type="arabicPeriod"/>
+            </a:pPr>
+            <a:r>
+              <a:rPr lang="en-US" sz="3200" dirty="0" smtClean="0"/>
+              <a:t>Questions</a:t>
+            </a:r>
+            <a:endParaRPr lang="en-US" sz="3200" dirty="0" smtClean="0"/>
+          </a:p>
+          <a:p>
+            <a:pPr marL="457200" indent="-457200" algn="l">
+              <a:lnSpc>
+                <a:spcPct val="200000"/>
+              </a:lnSpc>
+              <a:buFont typeface="+mj-lt"/>
+              <a:buAutoNum type="arabicPeriod"/>
+            </a:pPr>
+            <a:endParaRPr lang="en-US" sz="3200" dirty="0" smtClean="0"/>
           </a:p>
         </p:txBody>
       </p:sp>
     </p:spTree>
     <p:extLst>
       <p:ext uri="{BB962C8B-B14F-4D97-AF65-F5344CB8AC3E}">
-        <p14:creationId xmlns:p14="http://schemas.microsoft.com/office/powerpoint/2010/main" val="2472684257"/>
+        <p14:creationId xmlns:p14="http://schemas.microsoft.com/office/powerpoint/2010/main" val="2216423864"/>
       </p:ext>
     </p:extLst>
   </p:cSld>
   <p:clrMapOvr>
     <a:masterClrMapping/>
   </p:clrMapOvr>
+  <p:timing>
+    <p:tnLst>
+      <p:par>
+        <p:cTn id="1" dur="indefinite" restart="never" nodeType="tmRoot">
+          <p:childTnLst>
+            <p:seq concurrent="1" nextAc="seek">
+              <p:cTn id="2" dur="indefinite" nodeType="mainSeq">
+                <p:childTnLst>
+                  <p:par>
+                    <p:cTn id="3" fill="hold">
+                      <p:stCondLst>
+                        <p:cond delay="indefinite"/>
+                      </p:stCondLst>
+                      <p:childTnLst>
+                        <p:par>
+                          <p:cTn id="4" fill="hold">
+                            <p:stCondLst>
+                              <p:cond delay="0"/>
+                            </p:stCondLst>
+                            <p:childTnLst>
+                              <p:par>
+                                <p:cTn id="5" presetID="2" presetClass="entr" presetSubtype="4" fill="hold" grpId="0" nodeType="clickEffect">
+                                  <p:stCondLst>
+                                    <p:cond delay="0"/>
+                                  </p:stCondLst>
+                                  <p:childTnLst>
+                                    <p:set>
+                                      <p:cBhvr>
+                                        <p:cTn id="6" dur="1" fill="hold">
+                                          <p:stCondLst>
+                                            <p:cond delay="0"/>
+                                          </p:stCondLst>
+                                        </p:cTn>
+                                        <p:tgtEl>
+                                          <p:spTgt spid="3">
+                                            <p:txEl>
+                                              <p:pRg st="0" end="0"/>
+                                            </p:txEl>
+                                          </p:spTgt>
+                                        </p:tgtEl>
+                                        <p:attrNameLst>
+                                          <p:attrName>style.visibility</p:attrName>
+                                        </p:attrNameLst>
+                                      </p:cBhvr>
+                                      <p:to>
+                                        <p:strVal val="visible"/>
+                                      </p:to>
+                                    </p:set>
+                                    <p:anim calcmode="lin" valueType="num">
+                                      <p:cBhvr additive="base">
+                                        <p:cTn id="7" dur="500" fill="hold"/>
+                                        <p:tgtEl>
+                                          <p:spTgt spid="3">
+                                            <p:txEl>
+                                              <p:pRg st="0" end="0"/>
+                                            </p:txEl>
+                                          </p:spTgt>
+                                        </p:tgtEl>
+                                        <p:attrNameLst>
+                                          <p:attrName>ppt_x</p:attrName>
+                                        </p:attrNameLst>
+                                      </p:cBhvr>
+                                      <p:tavLst>
+                                        <p:tav tm="0">
+                                          <p:val>
+                                            <p:strVal val="#ppt_x"/>
+                                          </p:val>
+                                        </p:tav>
+                                        <p:tav tm="100000">
+                                          <p:val>
+                                            <p:strVal val="#ppt_x"/>
+                                          </p:val>
+                                        </p:tav>
+                                      </p:tavLst>
+                                    </p:anim>
+                                    <p:anim calcmode="lin" valueType="num">
+                                      <p:cBhvr additive="base">
+                                        <p:cTn id="8" dur="500" fill="hold"/>
+                                        <p:tgtEl>
+                                          <p:spTgt spid="3">
+                                            <p:txEl>
+                                              <p:pRg st="0" end="0"/>
+                                            </p:txEl>
+                                          </p:spTgt>
+                                        </p:tgtEl>
+                                        <p:attrNameLst>
+                                          <p:attrName>ppt_y</p:attrName>
+                                        </p:attrNameLst>
+                                      </p:cBhvr>
+                                      <p:tavLst>
+                                        <p:tav tm="0">
+                                          <p:val>
+                                            <p:strVal val="1+#ppt_h/2"/>
+                                          </p:val>
+                                        </p:tav>
+                                        <p:tav tm="100000">
+                                          <p:val>
+                                            <p:strVal val="#ppt_y"/>
+                                          </p:val>
+                                        </p:tav>
+                                      </p:tavLst>
+                                    </p:anim>
+                                  </p:childTnLst>
+                                </p:cTn>
+                              </p:par>
+                            </p:childTnLst>
+                          </p:cTn>
+                        </p:par>
+                      </p:childTnLst>
+                    </p:cTn>
+                  </p:par>
+                  <p:par>
+                    <p:cTn id="9" fill="hold">
+                      <p:stCondLst>
+                        <p:cond delay="indefinite"/>
+                      </p:stCondLst>
+                      <p:childTnLst>
+                        <p:par>
+                          <p:cTn id="10" fill="hold">
+                            <p:stCondLst>
+                              <p:cond delay="0"/>
+                            </p:stCondLst>
+                            <p:childTnLst>
+                              <p:par>
+                                <p:cTn id="11" presetID="2" presetClass="entr" presetSubtype="4" fill="hold" grpId="0" nodeType="clickEffect">
+                                  <p:stCondLst>
+                                    <p:cond delay="0"/>
+                                  </p:stCondLst>
+                                  <p:childTnLst>
+                                    <p:set>
+                                      <p:cBhvr>
+                                        <p:cTn id="12" dur="1" fill="hold">
+                                          <p:stCondLst>
+                                            <p:cond delay="0"/>
+                                          </p:stCondLst>
+                                        </p:cTn>
+                                        <p:tgtEl>
+                                          <p:spTgt spid="3">
+                                            <p:txEl>
+                                              <p:pRg st="1" end="1"/>
+                                            </p:txEl>
+                                          </p:spTgt>
+                                        </p:tgtEl>
+                                        <p:attrNameLst>
+                                          <p:attrName>style.visibility</p:attrName>
+                                        </p:attrNameLst>
+                                      </p:cBhvr>
+                                      <p:to>
+                                        <p:strVal val="visible"/>
+                                      </p:to>
+                                    </p:set>
+                                    <p:anim calcmode="lin" valueType="num">
+                                      <p:cBhvr additive="base">
+                                        <p:cTn id="13" dur="500" fill="hold"/>
+                                        <p:tgtEl>
+                                          <p:spTgt spid="3">
+                                            <p:txEl>
+                                              <p:pRg st="1" end="1"/>
+                                            </p:txEl>
+                                          </p:spTgt>
+                                        </p:tgtEl>
+                                        <p:attrNameLst>
+                                          <p:attrName>ppt_x</p:attrName>
+                                        </p:attrNameLst>
+                                      </p:cBhvr>
+                                      <p:tavLst>
+                                        <p:tav tm="0">
+                                          <p:val>
+                                            <p:strVal val="#ppt_x"/>
+                                          </p:val>
+                                        </p:tav>
+                                        <p:tav tm="100000">
+                                          <p:val>
+                                            <p:strVal val="#ppt_x"/>
+                                          </p:val>
+                                        </p:tav>
+                                      </p:tavLst>
+                                    </p:anim>
+                                    <p:anim calcmode="lin" valueType="num">
+                                      <p:cBhvr additive="base">
+                                        <p:cTn id="14" dur="500" fill="hold"/>
+                                        <p:tgtEl>
+                                          <p:spTgt spid="3">
+                                            <p:txEl>
+                                              <p:pRg st="1" end="1"/>
+                                            </p:txEl>
+                                          </p:spTgt>
+                                        </p:tgtEl>
+                                        <p:attrNameLst>
+                                          <p:attrName>ppt_y</p:attrName>
+                                        </p:attrNameLst>
+                                      </p:cBhvr>
+                                      <p:tavLst>
+                                        <p:tav tm="0">
+                                          <p:val>
+                                            <p:strVal val="1+#ppt_h/2"/>
+                                          </p:val>
+                                        </p:tav>
+                                        <p:tav tm="100000">
+                                          <p:val>
+                                            <p:strVal val="#ppt_y"/>
+                                          </p:val>
+                                        </p:tav>
+                                      </p:tavLst>
+                                    </p:anim>
+                                  </p:childTnLst>
+                                </p:cTn>
+                              </p:par>
+                            </p:childTnLst>
+                          </p:cTn>
+                        </p:par>
+                      </p:childTnLst>
+                    </p:cTn>
+                  </p:par>
+                  <p:par>
+                    <p:cTn id="15" fill="hold">
+                      <p:stCondLst>
+                        <p:cond delay="indefinite"/>
+                      </p:stCondLst>
+                      <p:childTnLst>
+                        <p:par>
+                          <p:cTn id="16" fill="hold">
+                            <p:stCondLst>
+                              <p:cond delay="0"/>
+                            </p:stCondLst>
+                            <p:childTnLst>
+                              <p:par>
+                                <p:cTn id="17" presetID="2" presetClass="entr" presetSubtype="4" fill="hold" grpId="0" nodeType="clickEffect">
+                                  <p:stCondLst>
+                                    <p:cond delay="0"/>
+                                  </p:stCondLst>
+                                  <p:childTnLst>
+                                    <p:set>
+                                      <p:cBhvr>
+                                        <p:cTn id="18" dur="1" fill="hold">
+                                          <p:stCondLst>
+                                            <p:cond delay="0"/>
+                                          </p:stCondLst>
+                                        </p:cTn>
+                                        <p:tgtEl>
+                                          <p:spTgt spid="3">
+                                            <p:txEl>
+                                              <p:pRg st="2" end="2"/>
+                                            </p:txEl>
+                                          </p:spTgt>
+                                        </p:tgtEl>
+                                        <p:attrNameLst>
+                                          <p:attrName>style.visibility</p:attrName>
+                                        </p:attrNameLst>
+                                      </p:cBhvr>
+                                      <p:to>
+                                        <p:strVal val="visible"/>
+                                      </p:to>
+                                    </p:set>
+                                    <p:anim calcmode="lin" valueType="num">
+                                      <p:cBhvr additive="base">
+                                        <p:cTn id="19" dur="500" fill="hold"/>
+                                        <p:tgtEl>
+                                          <p:spTgt spid="3">
+                                            <p:txEl>
+                                              <p:pRg st="2" end="2"/>
+                                            </p:txEl>
+                                          </p:spTgt>
+                                        </p:tgtEl>
+                                        <p:attrNameLst>
+                                          <p:attrName>ppt_x</p:attrName>
+                                        </p:attrNameLst>
+                                      </p:cBhvr>
+                                      <p:tavLst>
+                                        <p:tav tm="0">
+                                          <p:val>
+                                            <p:strVal val="#ppt_x"/>
+                                          </p:val>
+                                        </p:tav>
+                                        <p:tav tm="100000">
+                                          <p:val>
+                                            <p:strVal val="#ppt_x"/>
+                                          </p:val>
+                                        </p:tav>
+                                      </p:tavLst>
+                                    </p:anim>
+                                    <p:anim calcmode="lin" valueType="num">
+                                      <p:cBhvr additive="base">
+                                        <p:cTn id="20" dur="500" fill="hold"/>
+                                        <p:tgtEl>
+                                          <p:spTgt spid="3">
+                                            <p:txEl>
+                                              <p:pRg st="2" end="2"/>
+                                            </p:txEl>
+                                          </p:spTgt>
+                                        </p:tgtEl>
+                                        <p:attrNameLst>
+                                          <p:attrName>ppt_y</p:attrName>
+                                        </p:attrNameLst>
+                                      </p:cBhvr>
+                                      <p:tavLst>
+                                        <p:tav tm="0">
+                                          <p:val>
+                                            <p:strVal val="1+#ppt_h/2"/>
+                                          </p:val>
+                                        </p:tav>
+                                        <p:tav tm="100000">
+                                          <p:val>
+                                            <p:strVal val="#ppt_y"/>
+                                          </p:val>
+                                        </p:tav>
+                                      </p:tavLst>
+                                    </p:anim>
+                                  </p:childTnLst>
+                                </p:cTn>
+                              </p:par>
+                            </p:childTnLst>
+                          </p:cTn>
+                        </p:par>
+                      </p:childTnLst>
+                    </p:cTn>
+                  </p:par>
+                  <p:par>
+                    <p:cTn id="21" fill="hold">
+                      <p:stCondLst>
+                        <p:cond delay="indefinite"/>
+                      </p:stCondLst>
+                      <p:childTnLst>
+                        <p:par>
+                          <p:cTn id="22" fill="hold">
+                            <p:stCondLst>
+                              <p:cond delay="0"/>
+                            </p:stCondLst>
+                            <p:childTnLst>
+                              <p:par>
+                                <p:cTn id="23" presetID="2" presetClass="entr" presetSubtype="4" fill="hold" grpId="0" nodeType="clickEffect">
+                                  <p:stCondLst>
+                                    <p:cond delay="0"/>
+                                  </p:stCondLst>
+                                  <p:childTnLst>
+                                    <p:set>
+                                      <p:cBhvr>
+                                        <p:cTn id="24" dur="1" fill="hold">
+                                          <p:stCondLst>
+                                            <p:cond delay="0"/>
+                                          </p:stCondLst>
+                                        </p:cTn>
+                                        <p:tgtEl>
+                                          <p:spTgt spid="3">
+                                            <p:txEl>
+                                              <p:pRg st="3" end="3"/>
+                                            </p:txEl>
+                                          </p:spTgt>
+                                        </p:tgtEl>
+                                        <p:attrNameLst>
+                                          <p:attrName>style.visibility</p:attrName>
+                                        </p:attrNameLst>
+                                      </p:cBhvr>
+                                      <p:to>
+                                        <p:strVal val="visible"/>
+                                      </p:to>
+                                    </p:set>
+                                    <p:anim calcmode="lin" valueType="num">
+                                      <p:cBhvr additive="base">
+                                        <p:cTn id="25" dur="500" fill="hold"/>
+                                        <p:tgtEl>
+                                          <p:spTgt spid="3">
+                                            <p:txEl>
+                                              <p:pRg st="3" end="3"/>
+                                            </p:txEl>
+                                          </p:spTgt>
+                                        </p:tgtEl>
+                                        <p:attrNameLst>
+                                          <p:attrName>ppt_x</p:attrName>
+                                        </p:attrNameLst>
+                                      </p:cBhvr>
+                                      <p:tavLst>
+                                        <p:tav tm="0">
+                                          <p:val>
+                                            <p:strVal val="#ppt_x"/>
+                                          </p:val>
+                                        </p:tav>
+                                        <p:tav tm="100000">
+                                          <p:val>
+                                            <p:strVal val="#ppt_x"/>
+                                          </p:val>
+                                        </p:tav>
+                                      </p:tavLst>
+                                    </p:anim>
+                                    <p:anim calcmode="lin" valueType="num">
+                                      <p:cBhvr additive="base">
+                                        <p:cTn id="26" dur="500" fill="hold"/>
+                                        <p:tgtEl>
+                                          <p:spTgt spid="3">
+                                            <p:txEl>
+                                              <p:pRg st="3" end="3"/>
+                                            </p:txEl>
+                                          </p:spTgt>
+                                        </p:tgtEl>
+                                        <p:attrNameLst>
+                                          <p:attrName>ppt_y</p:attrName>
+                                        </p:attrNameLst>
+                                      </p:cBhvr>
+                                      <p:tavLst>
+                                        <p:tav tm="0">
+                                          <p:val>
+                                            <p:strVal val="1+#ppt_h/2"/>
+                                          </p:val>
+                                        </p:tav>
+                                        <p:tav tm="100000">
+                                          <p:val>
+                                            <p:strVal val="#ppt_y"/>
+                                          </p:val>
+                                        </p:tav>
+                                      </p:tavLst>
+                                    </p:anim>
+                                  </p:childTnLst>
+                                </p:cTn>
+                              </p:par>
+                            </p:childTnLst>
+                          </p:cTn>
+                        </p:par>
+                      </p:childTnLst>
+                    </p:cTn>
+                  </p:par>
+                  <p:par>
+                    <p:cTn id="27" fill="hold">
+                      <p:stCondLst>
+                        <p:cond delay="indefinite"/>
+                      </p:stCondLst>
+                      <p:childTnLst>
+                        <p:par>
+                          <p:cTn id="28" fill="hold">
+                            <p:stCondLst>
+                              <p:cond delay="0"/>
+                            </p:stCondLst>
+                            <p:childTnLst>
+                              <p:par>
+                                <p:cTn id="29" presetID="2" presetClass="entr" presetSubtype="4" fill="hold" grpId="0" nodeType="clickEffect">
+                                  <p:stCondLst>
+                                    <p:cond delay="0"/>
+                                  </p:stCondLst>
+                                  <p:childTnLst>
+                                    <p:set>
+                                      <p:cBhvr>
+                                        <p:cTn id="30" dur="1" fill="hold">
+                                          <p:stCondLst>
+                                            <p:cond delay="0"/>
+                                          </p:stCondLst>
+                                        </p:cTn>
+                                        <p:tgtEl>
+                                          <p:spTgt spid="3">
+                                            <p:txEl>
+                                              <p:pRg st="4" end="4"/>
+                                            </p:txEl>
+                                          </p:spTgt>
+                                        </p:tgtEl>
+                                        <p:attrNameLst>
+                                          <p:attrName>style.visibility</p:attrName>
+                                        </p:attrNameLst>
+                                      </p:cBhvr>
+                                      <p:to>
+                                        <p:strVal val="visible"/>
+                                      </p:to>
+                                    </p:set>
+                                    <p:anim calcmode="lin" valueType="num">
+                                      <p:cBhvr additive="base">
+                                        <p:cTn id="31" dur="500" fill="hold"/>
+                                        <p:tgtEl>
+                                          <p:spTgt spid="3">
+                                            <p:txEl>
+                                              <p:pRg st="4" end="4"/>
+                                            </p:txEl>
+                                          </p:spTgt>
+                                        </p:tgtEl>
+                                        <p:attrNameLst>
+                                          <p:attrName>ppt_x</p:attrName>
+                                        </p:attrNameLst>
+                                      </p:cBhvr>
+                                      <p:tavLst>
+                                        <p:tav tm="0">
+                                          <p:val>
+                                            <p:strVal val="#ppt_x"/>
+                                          </p:val>
+                                        </p:tav>
+                                        <p:tav tm="100000">
+                                          <p:val>
+                                            <p:strVal val="#ppt_x"/>
+                                          </p:val>
+                                        </p:tav>
+                                      </p:tavLst>
+                                    </p:anim>
+                                    <p:anim calcmode="lin" valueType="num">
+                                      <p:cBhvr additive="base">
+                                        <p:cTn id="32" dur="500" fill="hold"/>
+                                        <p:tgtEl>
+                                          <p:spTgt spid="3">
+                                            <p:txEl>
+                                              <p:pRg st="4" end="4"/>
+                                            </p:txEl>
+                                          </p:spTgt>
+                                        </p:tgtEl>
+                                        <p:attrNameLst>
+                                          <p:attrName>ppt_y</p:attrName>
+                                        </p:attrNameLst>
+                                      </p:cBhvr>
+                                      <p:tavLst>
+                                        <p:tav tm="0">
+                                          <p:val>
+                                            <p:strVal val="1+#ppt_h/2"/>
+                                          </p:val>
+                                        </p:tav>
+                                        <p:tav tm="100000">
+                                          <p:val>
+                                            <p:strVal val="#ppt_y"/>
+                                          </p:val>
+                                        </p:tav>
+                                      </p:tavLst>
+                                    </p:anim>
+                                  </p:childTnLst>
+                                </p:cTn>
+                              </p:par>
+                            </p:childTnLst>
+                          </p:cTn>
+                        </p:par>
+                      </p:childTnLst>
+                    </p:cTn>
+                  </p:par>
+                </p:childTnLst>
+              </p:cTn>
+              <p:prevCondLst>
+                <p:cond evt="onPrev" delay="0">
+                  <p:tgtEl>
+                    <p:sldTgt/>
+                  </p:tgtEl>
+                </p:cond>
+              </p:prevCondLst>
+              <p:nextCondLst>
+                <p:cond evt="onNext" delay="0">
+                  <p:tgtEl>
+                    <p:sldTgt/>
+                  </p:tgtEl>
+                </p:cond>
+              </p:nextCondLst>
+            </p:seq>
+          </p:childTnLst>
+        </p:cTn>
+      </p:par>
+    </p:tnLst>
+    <p:bldLst>
+      <p:bldP spid="3" grpId="0" build="p"/>
+    </p:bldLst>
+  </p:timing>
 </p:sld>
 </file>
 
@@ -3495,12 +6508,29 @@
             <p:ph type="title"/>
           </p:nvPr>
         </p:nvSpPr>
-        <p:spPr/>
+        <p:spPr>
+          <a:xfrm>
+            <a:off x="369849" y="320520"/>
+            <a:ext cx="10515600" cy="1325563"/>
+          </a:xfrm>
+        </p:spPr>
         <p:txBody>
           <a:bodyPr/>
           <a:lstStyle/>
           <a:p>
-            <a:endParaRPr lang="en-US"/>
+            <a:r>
+              <a:rPr lang="en-US" dirty="0" smtClean="0"/>
+              <a:t>1. What are </a:t>
+            </a:r>
+            <a:r>
+              <a:rPr lang="en-US" dirty="0" smtClean="0"/>
+              <a:t>Hooks </a:t>
+            </a:r>
+            <a:r>
+              <a:rPr lang="en-US" dirty="0" smtClean="0"/>
+              <a:t>?</a:t>
+            </a:r>
+            <a:endParaRPr lang="en-US" dirty="0"/>
           </a:p>
         </p:txBody>
       </p:sp>
@@ -3519,20 +6549,1982 @@
           <a:bodyPr/>
           <a:lstStyle/>
           <a:p>
-            <a:endParaRPr lang="en-US"/>
+            <a:pPr>
+              <a:lnSpc>
+                <a:spcPct val="150000"/>
+              </a:lnSpc>
+            </a:pPr>
+            <a:r>
+              <a:rPr lang="en-US" dirty="0"/>
+              <a:t>Hooks are functions that let you “hook into” React state and lifecycle features from function components. Hooks </a:t>
+            </a:r>
+            <a:r>
+              <a:rPr lang="en-US" b="1" dirty="0"/>
+              <a:t>don’t</a:t>
+            </a:r>
+            <a:r>
+              <a:rPr lang="en-US" dirty="0"/>
+              <a:t> work inside classes — they let you use React without classes. </a:t>
+            </a:r>
+            <a:endParaRPr lang="en-US" dirty="0" smtClean="0"/>
+          </a:p>
+          <a:p>
+            <a:pPr>
+              <a:lnSpc>
+                <a:spcPct val="150000"/>
+              </a:lnSpc>
+            </a:pPr>
+            <a:r>
+              <a:rPr lang="en-US" dirty="0" smtClean="0"/>
+              <a:t>Basic hooks: </a:t>
+            </a:r>
+            <a:r>
+              <a:rPr lang="en-US" b="1" i="1" dirty="0" err="1" smtClean="0"/>
+              <a:t>useState</a:t>
+            </a:r>
+            <a:r>
+              <a:rPr lang="en-US" b="1" i="1" dirty="0" smtClean="0"/>
+              <a:t>, </a:t>
+            </a:r>
+            <a:r>
+              <a:rPr lang="en-US" b="1" i="1" dirty="0" err="1" smtClean="0"/>
+              <a:t>useEffect</a:t>
+            </a:r>
+            <a:r>
+              <a:rPr lang="en-US" b="1" i="1" dirty="0" smtClean="0"/>
+              <a:t>, </a:t>
+            </a:r>
+            <a:r>
+              <a:rPr lang="en-US" b="1" i="1" dirty="0" err="1" smtClean="0"/>
+              <a:t>useContext</a:t>
+            </a:r>
+            <a:endParaRPr lang="en-US" i="1" dirty="0"/>
+          </a:p>
+          <a:p>
+            <a:pPr>
+              <a:lnSpc>
+                <a:spcPct val="150000"/>
+              </a:lnSpc>
+            </a:pPr>
+            <a:r>
+              <a:rPr lang="en-US" dirty="0" smtClean="0"/>
+              <a:t>Additional hooks: </a:t>
+            </a:r>
+            <a:r>
+              <a:rPr lang="en-US" b="1" i="1" dirty="0" err="1" smtClean="0"/>
+              <a:t>useReducer</a:t>
+            </a:r>
+            <a:r>
+              <a:rPr lang="en-US" b="1" i="1" dirty="0" smtClean="0"/>
+              <a:t>, </a:t>
+            </a:r>
+            <a:r>
+              <a:rPr lang="en-US" b="1" i="1" dirty="0" err="1" smtClean="0"/>
+              <a:t>useMemo</a:t>
+            </a:r>
+            <a:r>
+              <a:rPr lang="en-US" b="1" i="1" dirty="0" smtClean="0"/>
+              <a:t>…</a:t>
+            </a:r>
           </a:p>
         </p:txBody>
       </p:sp>
     </p:spTree>
     <p:extLst>
       <p:ext uri="{BB962C8B-B14F-4D97-AF65-F5344CB8AC3E}">
-        <p14:creationId xmlns:p14="http://schemas.microsoft.com/office/powerpoint/2010/main" val="830363449"/>
+        <p14:creationId xmlns:p14="http://schemas.microsoft.com/office/powerpoint/2010/main" val="2638453489"/>
       </p:ext>
     </p:extLst>
   </p:cSld>
   <p:clrMapOvr>
     <a:masterClrMapping/>
   </p:clrMapOvr>
+  <p:timing>
+    <p:tnLst>
+      <p:par>
+        <p:cTn id="1" dur="indefinite" restart="never" nodeType="tmRoot">
+          <p:childTnLst>
+            <p:seq concurrent="1" nextAc="seek">
+              <p:cTn id="2" dur="indefinite" nodeType="mainSeq">
+                <p:childTnLst>
+                  <p:par>
+                    <p:cTn id="3" fill="hold">
+                      <p:stCondLst>
+                        <p:cond delay="indefinite"/>
+                      </p:stCondLst>
+                      <p:childTnLst>
+                        <p:par>
+                          <p:cTn id="4" fill="hold">
+                            <p:stCondLst>
+                              <p:cond delay="0"/>
+                            </p:stCondLst>
+                            <p:childTnLst>
+                              <p:par>
+                                <p:cTn id="5" presetID="2" presetClass="entr" presetSubtype="4" fill="hold" grpId="0" nodeType="clickEffect">
+                                  <p:stCondLst>
+                                    <p:cond delay="0"/>
+                                  </p:stCondLst>
+                                  <p:childTnLst>
+                                    <p:set>
+                                      <p:cBhvr>
+                                        <p:cTn id="6" dur="1" fill="hold">
+                                          <p:stCondLst>
+                                            <p:cond delay="0"/>
+                                          </p:stCondLst>
+                                        </p:cTn>
+                                        <p:tgtEl>
+                                          <p:spTgt spid="3">
+                                            <p:txEl>
+                                              <p:pRg st="0" end="0"/>
+                                            </p:txEl>
+                                          </p:spTgt>
+                                        </p:tgtEl>
+                                        <p:attrNameLst>
+                                          <p:attrName>style.visibility</p:attrName>
+                                        </p:attrNameLst>
+                                      </p:cBhvr>
+                                      <p:to>
+                                        <p:strVal val="visible"/>
+                                      </p:to>
+                                    </p:set>
+                                    <p:anim calcmode="lin" valueType="num">
+                                      <p:cBhvr additive="base">
+                                        <p:cTn id="7" dur="500" fill="hold"/>
+                                        <p:tgtEl>
+                                          <p:spTgt spid="3">
+                                            <p:txEl>
+                                              <p:pRg st="0" end="0"/>
+                                            </p:txEl>
+                                          </p:spTgt>
+                                        </p:tgtEl>
+                                        <p:attrNameLst>
+                                          <p:attrName>ppt_x</p:attrName>
+                                        </p:attrNameLst>
+                                      </p:cBhvr>
+                                      <p:tavLst>
+                                        <p:tav tm="0">
+                                          <p:val>
+                                            <p:strVal val="#ppt_x"/>
+                                          </p:val>
+                                        </p:tav>
+                                        <p:tav tm="100000">
+                                          <p:val>
+                                            <p:strVal val="#ppt_x"/>
+                                          </p:val>
+                                        </p:tav>
+                                      </p:tavLst>
+                                    </p:anim>
+                                    <p:anim calcmode="lin" valueType="num">
+                                      <p:cBhvr additive="base">
+                                        <p:cTn id="8" dur="500" fill="hold"/>
+                                        <p:tgtEl>
+                                          <p:spTgt spid="3">
+                                            <p:txEl>
+                                              <p:pRg st="0" end="0"/>
+                                            </p:txEl>
+                                          </p:spTgt>
+                                        </p:tgtEl>
+                                        <p:attrNameLst>
+                                          <p:attrName>ppt_y</p:attrName>
+                                        </p:attrNameLst>
+                                      </p:cBhvr>
+                                      <p:tavLst>
+                                        <p:tav tm="0">
+                                          <p:val>
+                                            <p:strVal val="1+#ppt_h/2"/>
+                                          </p:val>
+                                        </p:tav>
+                                        <p:tav tm="100000">
+                                          <p:val>
+                                            <p:strVal val="#ppt_y"/>
+                                          </p:val>
+                                        </p:tav>
+                                      </p:tavLst>
+                                    </p:anim>
+                                  </p:childTnLst>
+                                </p:cTn>
+                              </p:par>
+                            </p:childTnLst>
+                          </p:cTn>
+                        </p:par>
+                      </p:childTnLst>
+                    </p:cTn>
+                  </p:par>
+                  <p:par>
+                    <p:cTn id="9" fill="hold">
+                      <p:stCondLst>
+                        <p:cond delay="indefinite"/>
+                      </p:stCondLst>
+                      <p:childTnLst>
+                        <p:par>
+                          <p:cTn id="10" fill="hold">
+                            <p:stCondLst>
+                              <p:cond delay="0"/>
+                            </p:stCondLst>
+                            <p:childTnLst>
+                              <p:par>
+                                <p:cTn id="11" presetID="2" presetClass="entr" presetSubtype="4" fill="hold" grpId="0" nodeType="clickEffect">
+                                  <p:stCondLst>
+                                    <p:cond delay="0"/>
+                                  </p:stCondLst>
+                                  <p:childTnLst>
+                                    <p:set>
+                                      <p:cBhvr>
+                                        <p:cTn id="12" dur="1" fill="hold">
+                                          <p:stCondLst>
+                                            <p:cond delay="0"/>
+                                          </p:stCondLst>
+                                        </p:cTn>
+                                        <p:tgtEl>
+                                          <p:spTgt spid="3">
+                                            <p:txEl>
+                                              <p:pRg st="1" end="1"/>
+                                            </p:txEl>
+                                          </p:spTgt>
+                                        </p:tgtEl>
+                                        <p:attrNameLst>
+                                          <p:attrName>style.visibility</p:attrName>
+                                        </p:attrNameLst>
+                                      </p:cBhvr>
+                                      <p:to>
+                                        <p:strVal val="visible"/>
+                                      </p:to>
+                                    </p:set>
+                                    <p:anim calcmode="lin" valueType="num">
+                                      <p:cBhvr additive="base">
+                                        <p:cTn id="13" dur="500" fill="hold"/>
+                                        <p:tgtEl>
+                                          <p:spTgt spid="3">
+                                            <p:txEl>
+                                              <p:pRg st="1" end="1"/>
+                                            </p:txEl>
+                                          </p:spTgt>
+                                        </p:tgtEl>
+                                        <p:attrNameLst>
+                                          <p:attrName>ppt_x</p:attrName>
+                                        </p:attrNameLst>
+                                      </p:cBhvr>
+                                      <p:tavLst>
+                                        <p:tav tm="0">
+                                          <p:val>
+                                            <p:strVal val="#ppt_x"/>
+                                          </p:val>
+                                        </p:tav>
+                                        <p:tav tm="100000">
+                                          <p:val>
+                                            <p:strVal val="#ppt_x"/>
+                                          </p:val>
+                                        </p:tav>
+                                      </p:tavLst>
+                                    </p:anim>
+                                    <p:anim calcmode="lin" valueType="num">
+                                      <p:cBhvr additive="base">
+                                        <p:cTn id="14" dur="500" fill="hold"/>
+                                        <p:tgtEl>
+                                          <p:spTgt spid="3">
+                                            <p:txEl>
+                                              <p:pRg st="1" end="1"/>
+                                            </p:txEl>
+                                          </p:spTgt>
+                                        </p:tgtEl>
+                                        <p:attrNameLst>
+                                          <p:attrName>ppt_y</p:attrName>
+                                        </p:attrNameLst>
+                                      </p:cBhvr>
+                                      <p:tavLst>
+                                        <p:tav tm="0">
+                                          <p:val>
+                                            <p:strVal val="1+#ppt_h/2"/>
+                                          </p:val>
+                                        </p:tav>
+                                        <p:tav tm="100000">
+                                          <p:val>
+                                            <p:strVal val="#ppt_y"/>
+                                          </p:val>
+                                        </p:tav>
+                                      </p:tavLst>
+                                    </p:anim>
+                                  </p:childTnLst>
+                                </p:cTn>
+                              </p:par>
+                            </p:childTnLst>
+                          </p:cTn>
+                        </p:par>
+                      </p:childTnLst>
+                    </p:cTn>
+                  </p:par>
+                  <p:par>
+                    <p:cTn id="15" fill="hold">
+                      <p:stCondLst>
+                        <p:cond delay="indefinite"/>
+                      </p:stCondLst>
+                      <p:childTnLst>
+                        <p:par>
+                          <p:cTn id="16" fill="hold">
+                            <p:stCondLst>
+                              <p:cond delay="0"/>
+                            </p:stCondLst>
+                            <p:childTnLst>
+                              <p:par>
+                                <p:cTn id="17" presetID="2" presetClass="entr" presetSubtype="4" fill="hold" grpId="0" nodeType="clickEffect">
+                                  <p:stCondLst>
+                                    <p:cond delay="0"/>
+                                  </p:stCondLst>
+                                  <p:childTnLst>
+                                    <p:set>
+                                      <p:cBhvr>
+                                        <p:cTn id="18" dur="1" fill="hold">
+                                          <p:stCondLst>
+                                            <p:cond delay="0"/>
+                                          </p:stCondLst>
+                                        </p:cTn>
+                                        <p:tgtEl>
+                                          <p:spTgt spid="3">
+                                            <p:txEl>
+                                              <p:pRg st="2" end="2"/>
+                                            </p:txEl>
+                                          </p:spTgt>
+                                        </p:tgtEl>
+                                        <p:attrNameLst>
+                                          <p:attrName>style.visibility</p:attrName>
+                                        </p:attrNameLst>
+                                      </p:cBhvr>
+                                      <p:to>
+                                        <p:strVal val="visible"/>
+                                      </p:to>
+                                    </p:set>
+                                    <p:anim calcmode="lin" valueType="num">
+                                      <p:cBhvr additive="base">
+                                        <p:cTn id="19" dur="500" fill="hold"/>
+                                        <p:tgtEl>
+                                          <p:spTgt spid="3">
+                                            <p:txEl>
+                                              <p:pRg st="2" end="2"/>
+                                            </p:txEl>
+                                          </p:spTgt>
+                                        </p:tgtEl>
+                                        <p:attrNameLst>
+                                          <p:attrName>ppt_x</p:attrName>
+                                        </p:attrNameLst>
+                                      </p:cBhvr>
+                                      <p:tavLst>
+                                        <p:tav tm="0">
+                                          <p:val>
+                                            <p:strVal val="#ppt_x"/>
+                                          </p:val>
+                                        </p:tav>
+                                        <p:tav tm="100000">
+                                          <p:val>
+                                            <p:strVal val="#ppt_x"/>
+                                          </p:val>
+                                        </p:tav>
+                                      </p:tavLst>
+                                    </p:anim>
+                                    <p:anim calcmode="lin" valueType="num">
+                                      <p:cBhvr additive="base">
+                                        <p:cTn id="20" dur="500" fill="hold"/>
+                                        <p:tgtEl>
+                                          <p:spTgt spid="3">
+                                            <p:txEl>
+                                              <p:pRg st="2" end="2"/>
+                                            </p:txEl>
+                                          </p:spTgt>
+                                        </p:tgtEl>
+                                        <p:attrNameLst>
+                                          <p:attrName>ppt_y</p:attrName>
+                                        </p:attrNameLst>
+                                      </p:cBhvr>
+                                      <p:tavLst>
+                                        <p:tav tm="0">
+                                          <p:val>
+                                            <p:strVal val="1+#ppt_h/2"/>
+                                          </p:val>
+                                        </p:tav>
+                                        <p:tav tm="100000">
+                                          <p:val>
+                                            <p:strVal val="#ppt_y"/>
+                                          </p:val>
+                                        </p:tav>
+                                      </p:tavLst>
+                                    </p:anim>
+                                  </p:childTnLst>
+                                </p:cTn>
+                              </p:par>
+                            </p:childTnLst>
+                          </p:cTn>
+                        </p:par>
+                      </p:childTnLst>
+                    </p:cTn>
+                  </p:par>
+                </p:childTnLst>
+              </p:cTn>
+              <p:prevCondLst>
+                <p:cond evt="onPrev" delay="0">
+                  <p:tgtEl>
+                    <p:sldTgt/>
+                  </p:tgtEl>
+                </p:cond>
+              </p:prevCondLst>
+              <p:nextCondLst>
+                <p:cond evt="onNext" delay="0">
+                  <p:tgtEl>
+                    <p:sldTgt/>
+                  </p:tgtEl>
+                </p:cond>
+              </p:nextCondLst>
+            </p:seq>
+          </p:childTnLst>
+        </p:cTn>
+      </p:par>
+    </p:tnLst>
+    <p:bldLst>
+      <p:bldP spid="3" grpId="0" build="p"/>
+    </p:bldLst>
+  </p:timing>
+</p:sld>
+</file>
+
+<file path=ppt/slides/slide5.xml><?xml version="1.0" encoding="utf-8"?>
+<p:sld xmlns:a="http://schemas.openxmlformats.org/drawingml/2006/main" xmlns:r="http://schemas.openxmlformats.org/officeDocument/2006/relationships" xmlns:p="http://schemas.openxmlformats.org/presentationml/2006/main">
+  <p:cSld>
+    <p:spTree>
+      <p:nvGrpSpPr>
+        <p:cNvPr id="1" name=""/>
+        <p:cNvGrpSpPr/>
+        <p:nvPr/>
+      </p:nvGrpSpPr>
+      <p:grpSpPr>
+        <a:xfrm>
+          <a:off x="0" y="0"/>
+          <a:ext cx="0" cy="0"/>
+          <a:chOff x="0" y="0"/>
+          <a:chExt cx="0" cy="0"/>
+        </a:xfrm>
+      </p:grpSpPr>
+      <p:sp>
+        <p:nvSpPr>
+          <p:cNvPr id="2" name="Title 1"/>
+          <p:cNvSpPr>
+            <a:spLocks noGrp="1"/>
+          </p:cNvSpPr>
+          <p:nvPr>
+            <p:ph type="title"/>
+          </p:nvPr>
+        </p:nvSpPr>
+        <p:spPr>
+          <a:xfrm>
+            <a:off x="347546" y="365125"/>
+            <a:ext cx="10515600" cy="1325563"/>
+          </a:xfrm>
+        </p:spPr>
+        <p:txBody>
+          <a:bodyPr/>
+          <a:lstStyle/>
+          <a:p>
+            <a:r>
+              <a:rPr lang="en-US" dirty="0" smtClean="0"/>
+              <a:t>2. Why use </a:t>
+            </a:r>
+            <a:r>
+              <a:rPr lang="en-US" dirty="0" smtClean="0"/>
+              <a:t>Hooks</a:t>
+            </a:r>
+            <a:r>
+              <a:rPr lang="en-US" dirty="0" smtClean="0"/>
+              <a:t>?</a:t>
+            </a:r>
+            <a:endParaRPr lang="en-US" dirty="0"/>
+          </a:p>
+        </p:txBody>
+      </p:sp>
+      <p:sp>
+        <p:nvSpPr>
+          <p:cNvPr id="3" name="Content Placeholder 2"/>
+          <p:cNvSpPr>
+            <a:spLocks noGrp="1"/>
+          </p:cNvSpPr>
+          <p:nvPr>
+            <p:ph idx="1"/>
+          </p:nvPr>
+        </p:nvSpPr>
+        <p:spPr/>
+        <p:txBody>
+          <a:bodyPr>
+            <a:normAutofit/>
+          </a:bodyPr>
+          <a:lstStyle/>
+          <a:p>
+            <a:pPr>
+              <a:lnSpc>
+                <a:spcPct val="150000"/>
+              </a:lnSpc>
+            </a:pPr>
+            <a:r>
+              <a:rPr lang="en-US" dirty="0" smtClean="0"/>
+              <a:t>Class is hard to Reuse </a:t>
+            </a:r>
+            <a:r>
+              <a:rPr lang="en-US" dirty="0" err="1"/>
+              <a:t>stateful</a:t>
+            </a:r>
+            <a:r>
+              <a:rPr lang="en-US" dirty="0"/>
+              <a:t> logic between </a:t>
+            </a:r>
+            <a:r>
+              <a:rPr lang="en-US" dirty="0" smtClean="0"/>
+              <a:t>components.</a:t>
+            </a:r>
+            <a:endParaRPr lang="en-US" dirty="0"/>
+          </a:p>
+          <a:p>
+            <a:pPr>
+              <a:lnSpc>
+                <a:spcPct val="150000"/>
+              </a:lnSpc>
+            </a:pPr>
+            <a:r>
+              <a:rPr lang="en-US" dirty="0" smtClean="0"/>
+              <a:t>Complex </a:t>
+            </a:r>
+            <a:r>
+              <a:rPr lang="en-US" dirty="0"/>
+              <a:t>components become hard to </a:t>
+            </a:r>
+            <a:r>
+              <a:rPr lang="en-US" dirty="0" smtClean="0"/>
+              <a:t>understand.</a:t>
+            </a:r>
+            <a:endParaRPr lang="en-US" dirty="0"/>
+          </a:p>
+          <a:p>
+            <a:pPr>
+              <a:lnSpc>
+                <a:spcPct val="150000"/>
+              </a:lnSpc>
+            </a:pPr>
+            <a:r>
+              <a:rPr lang="en-US" dirty="0" smtClean="0"/>
+              <a:t>Classes confuse both people and machines.</a:t>
+            </a:r>
+            <a:r>
+              <a:rPr lang="en-US" sz="2400" dirty="0" smtClean="0"/>
+              <a:t/>
+            </a:r>
+            <a:br>
+              <a:rPr lang="en-US" sz="2400" dirty="0" smtClean="0"/>
+            </a:br>
+            <a:r>
+              <a:rPr lang="en-US" sz="2400" dirty="0" smtClean="0"/>
+              <a:t/>
+            </a:r>
+            <a:br>
+              <a:rPr lang="en-US" sz="2400" dirty="0" smtClean="0"/>
+            </a:br>
+            <a:r>
+              <a:rPr lang="en-US" sz="2400" dirty="0" smtClean="0"/>
+              <a:t>Ref: </a:t>
+            </a:r>
+            <a:r>
+              <a:rPr lang="en-US" sz="2400" dirty="0" smtClean="0">
+                <a:hlinkClick r:id="rId3"/>
+              </a:rPr>
+              <a:t>https://reactjs.org/docs/hooks-intro.html#motivation</a:t>
+            </a:r>
+            <a:endParaRPr lang="en-US" sz="2400" dirty="0"/>
+          </a:p>
+        </p:txBody>
+      </p:sp>
+    </p:spTree>
+    <p:extLst>
+      <p:ext uri="{BB962C8B-B14F-4D97-AF65-F5344CB8AC3E}">
+        <p14:creationId xmlns:p14="http://schemas.microsoft.com/office/powerpoint/2010/main" val="2472684257"/>
+      </p:ext>
+    </p:extLst>
+  </p:cSld>
+  <p:clrMapOvr>
+    <a:masterClrMapping/>
+  </p:clrMapOvr>
+  <p:timing>
+    <p:tnLst>
+      <p:par>
+        <p:cTn id="1" dur="indefinite" restart="never" nodeType="tmRoot">
+          <p:childTnLst>
+            <p:seq concurrent="1" nextAc="seek">
+              <p:cTn id="2" dur="indefinite" nodeType="mainSeq">
+                <p:childTnLst>
+                  <p:par>
+                    <p:cTn id="3" fill="hold">
+                      <p:stCondLst>
+                        <p:cond delay="indefinite"/>
+                      </p:stCondLst>
+                      <p:childTnLst>
+                        <p:par>
+                          <p:cTn id="4" fill="hold">
+                            <p:stCondLst>
+                              <p:cond delay="0"/>
+                            </p:stCondLst>
+                            <p:childTnLst>
+                              <p:par>
+                                <p:cTn id="5" presetID="2" presetClass="entr" presetSubtype="4" fill="hold" grpId="0" nodeType="clickEffect">
+                                  <p:stCondLst>
+                                    <p:cond delay="0"/>
+                                  </p:stCondLst>
+                                  <p:childTnLst>
+                                    <p:set>
+                                      <p:cBhvr>
+                                        <p:cTn id="6" dur="1" fill="hold">
+                                          <p:stCondLst>
+                                            <p:cond delay="0"/>
+                                          </p:stCondLst>
+                                        </p:cTn>
+                                        <p:tgtEl>
+                                          <p:spTgt spid="3">
+                                            <p:txEl>
+                                              <p:pRg st="0" end="0"/>
+                                            </p:txEl>
+                                          </p:spTgt>
+                                        </p:tgtEl>
+                                        <p:attrNameLst>
+                                          <p:attrName>style.visibility</p:attrName>
+                                        </p:attrNameLst>
+                                      </p:cBhvr>
+                                      <p:to>
+                                        <p:strVal val="visible"/>
+                                      </p:to>
+                                    </p:set>
+                                    <p:anim calcmode="lin" valueType="num">
+                                      <p:cBhvr additive="base">
+                                        <p:cTn id="7" dur="500" fill="hold"/>
+                                        <p:tgtEl>
+                                          <p:spTgt spid="3">
+                                            <p:txEl>
+                                              <p:pRg st="0" end="0"/>
+                                            </p:txEl>
+                                          </p:spTgt>
+                                        </p:tgtEl>
+                                        <p:attrNameLst>
+                                          <p:attrName>ppt_x</p:attrName>
+                                        </p:attrNameLst>
+                                      </p:cBhvr>
+                                      <p:tavLst>
+                                        <p:tav tm="0">
+                                          <p:val>
+                                            <p:strVal val="#ppt_x"/>
+                                          </p:val>
+                                        </p:tav>
+                                        <p:tav tm="100000">
+                                          <p:val>
+                                            <p:strVal val="#ppt_x"/>
+                                          </p:val>
+                                        </p:tav>
+                                      </p:tavLst>
+                                    </p:anim>
+                                    <p:anim calcmode="lin" valueType="num">
+                                      <p:cBhvr additive="base">
+                                        <p:cTn id="8" dur="500" fill="hold"/>
+                                        <p:tgtEl>
+                                          <p:spTgt spid="3">
+                                            <p:txEl>
+                                              <p:pRg st="0" end="0"/>
+                                            </p:txEl>
+                                          </p:spTgt>
+                                        </p:tgtEl>
+                                        <p:attrNameLst>
+                                          <p:attrName>ppt_y</p:attrName>
+                                        </p:attrNameLst>
+                                      </p:cBhvr>
+                                      <p:tavLst>
+                                        <p:tav tm="0">
+                                          <p:val>
+                                            <p:strVal val="1+#ppt_h/2"/>
+                                          </p:val>
+                                        </p:tav>
+                                        <p:tav tm="100000">
+                                          <p:val>
+                                            <p:strVal val="#ppt_y"/>
+                                          </p:val>
+                                        </p:tav>
+                                      </p:tavLst>
+                                    </p:anim>
+                                  </p:childTnLst>
+                                </p:cTn>
+                              </p:par>
+                            </p:childTnLst>
+                          </p:cTn>
+                        </p:par>
+                      </p:childTnLst>
+                    </p:cTn>
+                  </p:par>
+                  <p:par>
+                    <p:cTn id="9" fill="hold">
+                      <p:stCondLst>
+                        <p:cond delay="indefinite"/>
+                      </p:stCondLst>
+                      <p:childTnLst>
+                        <p:par>
+                          <p:cTn id="10" fill="hold">
+                            <p:stCondLst>
+                              <p:cond delay="0"/>
+                            </p:stCondLst>
+                            <p:childTnLst>
+                              <p:par>
+                                <p:cTn id="11" presetID="2" presetClass="entr" presetSubtype="4" fill="hold" grpId="0" nodeType="clickEffect">
+                                  <p:stCondLst>
+                                    <p:cond delay="0"/>
+                                  </p:stCondLst>
+                                  <p:childTnLst>
+                                    <p:set>
+                                      <p:cBhvr>
+                                        <p:cTn id="12" dur="1" fill="hold">
+                                          <p:stCondLst>
+                                            <p:cond delay="0"/>
+                                          </p:stCondLst>
+                                        </p:cTn>
+                                        <p:tgtEl>
+                                          <p:spTgt spid="3">
+                                            <p:txEl>
+                                              <p:pRg st="1" end="1"/>
+                                            </p:txEl>
+                                          </p:spTgt>
+                                        </p:tgtEl>
+                                        <p:attrNameLst>
+                                          <p:attrName>style.visibility</p:attrName>
+                                        </p:attrNameLst>
+                                      </p:cBhvr>
+                                      <p:to>
+                                        <p:strVal val="visible"/>
+                                      </p:to>
+                                    </p:set>
+                                    <p:anim calcmode="lin" valueType="num">
+                                      <p:cBhvr additive="base">
+                                        <p:cTn id="13" dur="500" fill="hold"/>
+                                        <p:tgtEl>
+                                          <p:spTgt spid="3">
+                                            <p:txEl>
+                                              <p:pRg st="1" end="1"/>
+                                            </p:txEl>
+                                          </p:spTgt>
+                                        </p:tgtEl>
+                                        <p:attrNameLst>
+                                          <p:attrName>ppt_x</p:attrName>
+                                        </p:attrNameLst>
+                                      </p:cBhvr>
+                                      <p:tavLst>
+                                        <p:tav tm="0">
+                                          <p:val>
+                                            <p:strVal val="#ppt_x"/>
+                                          </p:val>
+                                        </p:tav>
+                                        <p:tav tm="100000">
+                                          <p:val>
+                                            <p:strVal val="#ppt_x"/>
+                                          </p:val>
+                                        </p:tav>
+                                      </p:tavLst>
+                                    </p:anim>
+                                    <p:anim calcmode="lin" valueType="num">
+                                      <p:cBhvr additive="base">
+                                        <p:cTn id="14" dur="500" fill="hold"/>
+                                        <p:tgtEl>
+                                          <p:spTgt spid="3">
+                                            <p:txEl>
+                                              <p:pRg st="1" end="1"/>
+                                            </p:txEl>
+                                          </p:spTgt>
+                                        </p:tgtEl>
+                                        <p:attrNameLst>
+                                          <p:attrName>ppt_y</p:attrName>
+                                        </p:attrNameLst>
+                                      </p:cBhvr>
+                                      <p:tavLst>
+                                        <p:tav tm="0">
+                                          <p:val>
+                                            <p:strVal val="1+#ppt_h/2"/>
+                                          </p:val>
+                                        </p:tav>
+                                        <p:tav tm="100000">
+                                          <p:val>
+                                            <p:strVal val="#ppt_y"/>
+                                          </p:val>
+                                        </p:tav>
+                                      </p:tavLst>
+                                    </p:anim>
+                                  </p:childTnLst>
+                                </p:cTn>
+                              </p:par>
+                            </p:childTnLst>
+                          </p:cTn>
+                        </p:par>
+                      </p:childTnLst>
+                    </p:cTn>
+                  </p:par>
+                  <p:par>
+                    <p:cTn id="15" fill="hold">
+                      <p:stCondLst>
+                        <p:cond delay="indefinite"/>
+                      </p:stCondLst>
+                      <p:childTnLst>
+                        <p:par>
+                          <p:cTn id="16" fill="hold">
+                            <p:stCondLst>
+                              <p:cond delay="0"/>
+                            </p:stCondLst>
+                            <p:childTnLst>
+                              <p:par>
+                                <p:cTn id="17" presetID="2" presetClass="entr" presetSubtype="4" fill="hold" grpId="0" nodeType="clickEffect">
+                                  <p:stCondLst>
+                                    <p:cond delay="0"/>
+                                  </p:stCondLst>
+                                  <p:childTnLst>
+                                    <p:set>
+                                      <p:cBhvr>
+                                        <p:cTn id="18" dur="1" fill="hold">
+                                          <p:stCondLst>
+                                            <p:cond delay="0"/>
+                                          </p:stCondLst>
+                                        </p:cTn>
+                                        <p:tgtEl>
+                                          <p:spTgt spid="3">
+                                            <p:txEl>
+                                              <p:pRg st="2" end="2"/>
+                                            </p:txEl>
+                                          </p:spTgt>
+                                        </p:tgtEl>
+                                        <p:attrNameLst>
+                                          <p:attrName>style.visibility</p:attrName>
+                                        </p:attrNameLst>
+                                      </p:cBhvr>
+                                      <p:to>
+                                        <p:strVal val="visible"/>
+                                      </p:to>
+                                    </p:set>
+                                    <p:anim calcmode="lin" valueType="num">
+                                      <p:cBhvr additive="base">
+                                        <p:cTn id="19" dur="500" fill="hold"/>
+                                        <p:tgtEl>
+                                          <p:spTgt spid="3">
+                                            <p:txEl>
+                                              <p:pRg st="2" end="2"/>
+                                            </p:txEl>
+                                          </p:spTgt>
+                                        </p:tgtEl>
+                                        <p:attrNameLst>
+                                          <p:attrName>ppt_x</p:attrName>
+                                        </p:attrNameLst>
+                                      </p:cBhvr>
+                                      <p:tavLst>
+                                        <p:tav tm="0">
+                                          <p:val>
+                                            <p:strVal val="#ppt_x"/>
+                                          </p:val>
+                                        </p:tav>
+                                        <p:tav tm="100000">
+                                          <p:val>
+                                            <p:strVal val="#ppt_x"/>
+                                          </p:val>
+                                        </p:tav>
+                                      </p:tavLst>
+                                    </p:anim>
+                                    <p:anim calcmode="lin" valueType="num">
+                                      <p:cBhvr additive="base">
+                                        <p:cTn id="20" dur="500" fill="hold"/>
+                                        <p:tgtEl>
+                                          <p:spTgt spid="3">
+                                            <p:txEl>
+                                              <p:pRg st="2" end="2"/>
+                                            </p:txEl>
+                                          </p:spTgt>
+                                        </p:tgtEl>
+                                        <p:attrNameLst>
+                                          <p:attrName>ppt_y</p:attrName>
+                                        </p:attrNameLst>
+                                      </p:cBhvr>
+                                      <p:tavLst>
+                                        <p:tav tm="0">
+                                          <p:val>
+                                            <p:strVal val="1+#ppt_h/2"/>
+                                          </p:val>
+                                        </p:tav>
+                                        <p:tav tm="100000">
+                                          <p:val>
+                                            <p:strVal val="#ppt_y"/>
+                                          </p:val>
+                                        </p:tav>
+                                      </p:tavLst>
+                                    </p:anim>
+                                  </p:childTnLst>
+                                </p:cTn>
+                              </p:par>
+                            </p:childTnLst>
+                          </p:cTn>
+                        </p:par>
+                      </p:childTnLst>
+                    </p:cTn>
+                  </p:par>
+                </p:childTnLst>
+              </p:cTn>
+              <p:prevCondLst>
+                <p:cond evt="onPrev" delay="0">
+                  <p:tgtEl>
+                    <p:sldTgt/>
+                  </p:tgtEl>
+                </p:cond>
+              </p:prevCondLst>
+              <p:nextCondLst>
+                <p:cond evt="onNext" delay="0">
+                  <p:tgtEl>
+                    <p:sldTgt/>
+                  </p:tgtEl>
+                </p:cond>
+              </p:nextCondLst>
+            </p:seq>
+          </p:childTnLst>
+        </p:cTn>
+      </p:par>
+    </p:tnLst>
+    <p:bldLst>
+      <p:bldP spid="3" grpId="0" build="p"/>
+    </p:bldLst>
+  </p:timing>
+</p:sld>
+</file>
+
+<file path=ppt/slides/slide6.xml><?xml version="1.0" encoding="utf-8"?>
+<p:sld xmlns:a="http://schemas.openxmlformats.org/drawingml/2006/main" xmlns:r="http://schemas.openxmlformats.org/officeDocument/2006/relationships" xmlns:p="http://schemas.openxmlformats.org/presentationml/2006/main">
+  <p:cSld>
+    <p:spTree>
+      <p:nvGrpSpPr>
+        <p:cNvPr id="1" name=""/>
+        <p:cNvGrpSpPr/>
+        <p:nvPr/>
+      </p:nvGrpSpPr>
+      <p:grpSpPr>
+        <a:xfrm>
+          <a:off x="0" y="0"/>
+          <a:ext cx="0" cy="0"/>
+          <a:chOff x="0" y="0"/>
+          <a:chExt cx="0" cy="0"/>
+        </a:xfrm>
+      </p:grpSpPr>
+      <p:sp>
+        <p:nvSpPr>
+          <p:cNvPr id="2" name="Title 1"/>
+          <p:cNvSpPr>
+            <a:spLocks noGrp="1"/>
+          </p:cNvSpPr>
+          <p:nvPr>
+            <p:ph type="title"/>
+          </p:nvPr>
+        </p:nvSpPr>
+        <p:spPr>
+          <a:xfrm>
+            <a:off x="347546" y="365125"/>
+            <a:ext cx="10515600" cy="1325563"/>
+          </a:xfrm>
+        </p:spPr>
+        <p:txBody>
+          <a:bodyPr/>
+          <a:lstStyle/>
+          <a:p>
+            <a:r>
+              <a:rPr lang="en-US" dirty="0" smtClean="0"/>
+              <a:t>3. When to use </a:t>
+            </a:r>
+            <a:r>
+              <a:rPr lang="en-US" dirty="0" smtClean="0"/>
+              <a:t>Hooks</a:t>
+            </a:r>
+            <a:r>
+              <a:rPr lang="en-US" dirty="0" smtClean="0"/>
+              <a:t>?</a:t>
+            </a:r>
+            <a:endParaRPr lang="en-US" dirty="0"/>
+          </a:p>
+        </p:txBody>
+      </p:sp>
+      <p:sp>
+        <p:nvSpPr>
+          <p:cNvPr id="3" name="Content Placeholder 2"/>
+          <p:cNvSpPr>
+            <a:spLocks noGrp="1"/>
+          </p:cNvSpPr>
+          <p:nvPr>
+            <p:ph idx="1"/>
+          </p:nvPr>
+        </p:nvSpPr>
+        <p:spPr/>
+        <p:txBody>
+          <a:bodyPr>
+            <a:normAutofit/>
+          </a:bodyPr>
+          <a:lstStyle/>
+          <a:p>
+            <a:pPr>
+              <a:lnSpc>
+                <a:spcPct val="150000"/>
+              </a:lnSpc>
+            </a:pPr>
+            <a:r>
+              <a:rPr lang="en-US" dirty="0"/>
+              <a:t>If you write a function component and realize you need to add some state to it, previously you had to convert it to a class. Now you can use a Hook inside the existing function component.</a:t>
+            </a:r>
+            <a:endParaRPr lang="en-US" sz="2400" b="1" dirty="0"/>
+          </a:p>
+        </p:txBody>
+      </p:sp>
+    </p:spTree>
+    <p:extLst>
+      <p:ext uri="{BB962C8B-B14F-4D97-AF65-F5344CB8AC3E}">
+        <p14:creationId xmlns:p14="http://schemas.microsoft.com/office/powerpoint/2010/main" val="1155366601"/>
+      </p:ext>
+    </p:extLst>
+  </p:cSld>
+  <p:clrMapOvr>
+    <a:masterClrMapping/>
+  </p:clrMapOvr>
+  <p:timing>
+    <p:tnLst>
+      <p:par>
+        <p:cTn id="1" dur="indefinite" restart="never" nodeType="tmRoot">
+          <p:childTnLst>
+            <p:seq concurrent="1" nextAc="seek">
+              <p:cTn id="2" dur="indefinite" nodeType="mainSeq">
+                <p:childTnLst>
+                  <p:par>
+                    <p:cTn id="3" fill="hold">
+                      <p:stCondLst>
+                        <p:cond delay="indefinite"/>
+                      </p:stCondLst>
+                      <p:childTnLst>
+                        <p:par>
+                          <p:cTn id="4" fill="hold">
+                            <p:stCondLst>
+                              <p:cond delay="0"/>
+                            </p:stCondLst>
+                            <p:childTnLst>
+                              <p:par>
+                                <p:cTn id="5" presetID="2" presetClass="entr" presetSubtype="4" fill="hold" grpId="0" nodeType="clickEffect">
+                                  <p:stCondLst>
+                                    <p:cond delay="0"/>
+                                  </p:stCondLst>
+                                  <p:childTnLst>
+                                    <p:set>
+                                      <p:cBhvr>
+                                        <p:cTn id="6" dur="1" fill="hold">
+                                          <p:stCondLst>
+                                            <p:cond delay="0"/>
+                                          </p:stCondLst>
+                                        </p:cTn>
+                                        <p:tgtEl>
+                                          <p:spTgt spid="3">
+                                            <p:txEl>
+                                              <p:pRg st="0" end="0"/>
+                                            </p:txEl>
+                                          </p:spTgt>
+                                        </p:tgtEl>
+                                        <p:attrNameLst>
+                                          <p:attrName>style.visibility</p:attrName>
+                                        </p:attrNameLst>
+                                      </p:cBhvr>
+                                      <p:to>
+                                        <p:strVal val="visible"/>
+                                      </p:to>
+                                    </p:set>
+                                    <p:anim calcmode="lin" valueType="num">
+                                      <p:cBhvr additive="base">
+                                        <p:cTn id="7" dur="500" fill="hold"/>
+                                        <p:tgtEl>
+                                          <p:spTgt spid="3">
+                                            <p:txEl>
+                                              <p:pRg st="0" end="0"/>
+                                            </p:txEl>
+                                          </p:spTgt>
+                                        </p:tgtEl>
+                                        <p:attrNameLst>
+                                          <p:attrName>ppt_x</p:attrName>
+                                        </p:attrNameLst>
+                                      </p:cBhvr>
+                                      <p:tavLst>
+                                        <p:tav tm="0">
+                                          <p:val>
+                                            <p:strVal val="#ppt_x"/>
+                                          </p:val>
+                                        </p:tav>
+                                        <p:tav tm="100000">
+                                          <p:val>
+                                            <p:strVal val="#ppt_x"/>
+                                          </p:val>
+                                        </p:tav>
+                                      </p:tavLst>
+                                    </p:anim>
+                                    <p:anim calcmode="lin" valueType="num">
+                                      <p:cBhvr additive="base">
+                                        <p:cTn id="8" dur="500" fill="hold"/>
+                                        <p:tgtEl>
+                                          <p:spTgt spid="3">
+                                            <p:txEl>
+                                              <p:pRg st="0" end="0"/>
+                                            </p:txEl>
+                                          </p:spTgt>
+                                        </p:tgtEl>
+                                        <p:attrNameLst>
+                                          <p:attrName>ppt_y</p:attrName>
+                                        </p:attrNameLst>
+                                      </p:cBhvr>
+                                      <p:tavLst>
+                                        <p:tav tm="0">
+                                          <p:val>
+                                            <p:strVal val="1+#ppt_h/2"/>
+                                          </p:val>
+                                        </p:tav>
+                                        <p:tav tm="100000">
+                                          <p:val>
+                                            <p:strVal val="#ppt_y"/>
+                                          </p:val>
+                                        </p:tav>
+                                      </p:tavLst>
+                                    </p:anim>
+                                  </p:childTnLst>
+                                </p:cTn>
+                              </p:par>
+                            </p:childTnLst>
+                          </p:cTn>
+                        </p:par>
+                      </p:childTnLst>
+                    </p:cTn>
+                  </p:par>
+                </p:childTnLst>
+              </p:cTn>
+              <p:prevCondLst>
+                <p:cond evt="onPrev" delay="0">
+                  <p:tgtEl>
+                    <p:sldTgt/>
+                  </p:tgtEl>
+                </p:cond>
+              </p:prevCondLst>
+              <p:nextCondLst>
+                <p:cond evt="onNext" delay="0">
+                  <p:tgtEl>
+                    <p:sldTgt/>
+                  </p:tgtEl>
+                </p:cond>
+              </p:nextCondLst>
+            </p:seq>
+          </p:childTnLst>
+        </p:cTn>
+      </p:par>
+    </p:tnLst>
+    <p:bldLst>
+      <p:bldP spid="3" grpId="0" build="p"/>
+    </p:bldLst>
+  </p:timing>
+</p:sld>
+</file>
+
+<file path=ppt/slides/slide7.xml><?xml version="1.0" encoding="utf-8"?>
+<p:sld xmlns:a="http://schemas.openxmlformats.org/drawingml/2006/main" xmlns:r="http://schemas.openxmlformats.org/officeDocument/2006/relationships" xmlns:p="http://schemas.openxmlformats.org/presentationml/2006/main">
+  <p:cSld>
+    <p:spTree>
+      <p:nvGrpSpPr>
+        <p:cNvPr id="1" name=""/>
+        <p:cNvGrpSpPr/>
+        <p:nvPr/>
+      </p:nvGrpSpPr>
+      <p:grpSpPr>
+        <a:xfrm>
+          <a:off x="0" y="0"/>
+          <a:ext cx="0" cy="0"/>
+          <a:chOff x="0" y="0"/>
+          <a:chExt cx="0" cy="0"/>
+        </a:xfrm>
+      </p:grpSpPr>
+      <p:sp>
+        <p:nvSpPr>
+          <p:cNvPr id="2" name="Title 1"/>
+          <p:cNvSpPr>
+            <a:spLocks noGrp="1"/>
+          </p:cNvSpPr>
+          <p:nvPr>
+            <p:ph type="title"/>
+          </p:nvPr>
+        </p:nvSpPr>
+        <p:spPr>
+          <a:xfrm>
+            <a:off x="347546" y="365125"/>
+            <a:ext cx="10515600" cy="1325563"/>
+          </a:xfrm>
+        </p:spPr>
+        <p:txBody>
+          <a:bodyPr/>
+          <a:lstStyle/>
+          <a:p>
+            <a:r>
+              <a:rPr lang="en-US" dirty="0"/>
+              <a:t>4</a:t>
+            </a:r>
+            <a:r>
+              <a:rPr lang="en-US" dirty="0" smtClean="0"/>
+              <a:t>. How to use </a:t>
+            </a:r>
+            <a:r>
+              <a:rPr lang="en-US" dirty="0" smtClean="0"/>
+              <a:t>Hooks</a:t>
+            </a:r>
+            <a:r>
+              <a:rPr lang="en-US" dirty="0" smtClean="0"/>
+              <a:t>?</a:t>
+            </a:r>
+            <a:endParaRPr lang="en-US" dirty="0"/>
+          </a:p>
+        </p:txBody>
+      </p:sp>
+      <p:sp>
+        <p:nvSpPr>
+          <p:cNvPr id="3" name="Content Placeholder 2"/>
+          <p:cNvSpPr>
+            <a:spLocks noGrp="1"/>
+          </p:cNvSpPr>
+          <p:nvPr>
+            <p:ph idx="1"/>
+          </p:nvPr>
+        </p:nvSpPr>
+        <p:spPr/>
+        <p:txBody>
+          <a:bodyPr>
+            <a:normAutofit/>
+          </a:bodyPr>
+          <a:lstStyle/>
+          <a:p>
+            <a:pPr marL="0" indent="0">
+              <a:lnSpc>
+                <a:spcPct val="150000"/>
+              </a:lnSpc>
+              <a:buNone/>
+            </a:pPr>
+            <a:r>
+              <a:rPr lang="en-US" b="1" dirty="0" smtClean="0"/>
+              <a:t>4.1 Rules </a:t>
+            </a:r>
+            <a:r>
+              <a:rPr lang="en-US" b="1" dirty="0" smtClean="0"/>
+              <a:t>of Hooks</a:t>
+            </a:r>
+            <a:r>
+              <a:rPr lang="en-US" sz="2400" b="1" dirty="0" smtClean="0"/>
+              <a:t/>
+            </a:r>
+            <a:br>
+              <a:rPr lang="en-US" sz="2400" b="1" dirty="0" smtClean="0"/>
+            </a:br>
+            <a:r>
+              <a:rPr lang="en-US" sz="2400" dirty="0" smtClean="0"/>
+              <a:t>- Only </a:t>
+            </a:r>
+            <a:r>
+              <a:rPr lang="en-US" sz="2400" dirty="0"/>
+              <a:t>Call Hooks at the Top </a:t>
+            </a:r>
+            <a:r>
+              <a:rPr lang="en-US" sz="2400" dirty="0" smtClean="0"/>
+              <a:t>Level: </a:t>
+            </a:r>
+            <a:r>
+              <a:rPr lang="en-US" sz="2400" b="1" dirty="0"/>
+              <a:t>Don’t call Hooks inside loops, conditions, or nested functions.</a:t>
+            </a:r>
+            <a:r>
+              <a:rPr lang="en-US" sz="2400" dirty="0" smtClean="0"/>
+              <a:t/>
+            </a:r>
+            <a:br>
+              <a:rPr lang="en-US" sz="2400" dirty="0" smtClean="0"/>
+            </a:br>
+            <a:r>
+              <a:rPr lang="en-US" sz="2400" dirty="0" smtClean="0"/>
+              <a:t>- </a:t>
+            </a:r>
+            <a:r>
+              <a:rPr lang="en-US" dirty="0" smtClean="0"/>
+              <a:t>Only </a:t>
+            </a:r>
+            <a:r>
+              <a:rPr lang="en-US" dirty="0"/>
+              <a:t>call Hooks from React functions or custom hooks </a:t>
+            </a:r>
+            <a:r>
+              <a:rPr lang="en-US" sz="2400" dirty="0" smtClean="0"/>
+              <a:t>:</a:t>
+            </a:r>
+            <a:r>
+              <a:rPr lang="en-US" sz="2400" b="1" dirty="0" smtClean="0"/>
+              <a:t> </a:t>
+            </a:r>
+            <a:r>
+              <a:rPr lang="en-US" sz="2400" b="1" dirty="0"/>
+              <a:t>Don’t call Hooks from regular JavaScript functions</a:t>
+            </a:r>
+            <a:r>
+              <a:rPr lang="en-US" sz="2400" b="1" dirty="0" smtClean="0"/>
+              <a:t>.</a:t>
+            </a:r>
+            <a:endParaRPr lang="en-US" sz="2400" dirty="0" smtClean="0"/>
+          </a:p>
+          <a:p>
+            <a:pPr marL="457200" indent="-457200">
+              <a:lnSpc>
+                <a:spcPct val="150000"/>
+              </a:lnSpc>
+              <a:buFont typeface="+mj-lt"/>
+              <a:buAutoNum type="alphaLcPeriod"/>
+            </a:pPr>
+            <a:endParaRPr lang="en-US" sz="2400" dirty="0"/>
+          </a:p>
+        </p:txBody>
+      </p:sp>
+    </p:spTree>
+    <p:extLst>
+      <p:ext uri="{BB962C8B-B14F-4D97-AF65-F5344CB8AC3E}">
+        <p14:creationId xmlns:p14="http://schemas.microsoft.com/office/powerpoint/2010/main" val="2608481287"/>
+      </p:ext>
+    </p:extLst>
+  </p:cSld>
+  <p:clrMapOvr>
+    <a:masterClrMapping/>
+  </p:clrMapOvr>
+  <p:timing>
+    <p:tnLst>
+      <p:par>
+        <p:cTn id="1" dur="indefinite" restart="never" nodeType="tmRoot">
+          <p:childTnLst>
+            <p:seq concurrent="1" nextAc="seek">
+              <p:cTn id="2" dur="indefinite" nodeType="mainSeq">
+                <p:childTnLst>
+                  <p:par>
+                    <p:cTn id="3" fill="hold">
+                      <p:stCondLst>
+                        <p:cond delay="indefinite"/>
+                      </p:stCondLst>
+                      <p:childTnLst>
+                        <p:par>
+                          <p:cTn id="4" fill="hold">
+                            <p:stCondLst>
+                              <p:cond delay="0"/>
+                            </p:stCondLst>
+                            <p:childTnLst>
+                              <p:par>
+                                <p:cTn id="5" presetID="2" presetClass="entr" presetSubtype="4" fill="hold" grpId="0" nodeType="clickEffect">
+                                  <p:stCondLst>
+                                    <p:cond delay="0"/>
+                                  </p:stCondLst>
+                                  <p:childTnLst>
+                                    <p:set>
+                                      <p:cBhvr>
+                                        <p:cTn id="6" dur="1" fill="hold">
+                                          <p:stCondLst>
+                                            <p:cond delay="0"/>
+                                          </p:stCondLst>
+                                        </p:cTn>
+                                        <p:tgtEl>
+                                          <p:spTgt spid="3">
+                                            <p:txEl>
+                                              <p:pRg st="0" end="0"/>
+                                            </p:txEl>
+                                          </p:spTgt>
+                                        </p:tgtEl>
+                                        <p:attrNameLst>
+                                          <p:attrName>style.visibility</p:attrName>
+                                        </p:attrNameLst>
+                                      </p:cBhvr>
+                                      <p:to>
+                                        <p:strVal val="visible"/>
+                                      </p:to>
+                                    </p:set>
+                                    <p:anim calcmode="lin" valueType="num">
+                                      <p:cBhvr additive="base">
+                                        <p:cTn id="7" dur="500" fill="hold"/>
+                                        <p:tgtEl>
+                                          <p:spTgt spid="3">
+                                            <p:txEl>
+                                              <p:pRg st="0" end="0"/>
+                                            </p:txEl>
+                                          </p:spTgt>
+                                        </p:tgtEl>
+                                        <p:attrNameLst>
+                                          <p:attrName>ppt_x</p:attrName>
+                                        </p:attrNameLst>
+                                      </p:cBhvr>
+                                      <p:tavLst>
+                                        <p:tav tm="0">
+                                          <p:val>
+                                            <p:strVal val="#ppt_x"/>
+                                          </p:val>
+                                        </p:tav>
+                                        <p:tav tm="100000">
+                                          <p:val>
+                                            <p:strVal val="#ppt_x"/>
+                                          </p:val>
+                                        </p:tav>
+                                      </p:tavLst>
+                                    </p:anim>
+                                    <p:anim calcmode="lin" valueType="num">
+                                      <p:cBhvr additive="base">
+                                        <p:cTn id="8" dur="500" fill="hold"/>
+                                        <p:tgtEl>
+                                          <p:spTgt spid="3">
+                                            <p:txEl>
+                                              <p:pRg st="0" end="0"/>
+                                            </p:txEl>
+                                          </p:spTgt>
+                                        </p:tgtEl>
+                                        <p:attrNameLst>
+                                          <p:attrName>ppt_y</p:attrName>
+                                        </p:attrNameLst>
+                                      </p:cBhvr>
+                                      <p:tavLst>
+                                        <p:tav tm="0">
+                                          <p:val>
+                                            <p:strVal val="1+#ppt_h/2"/>
+                                          </p:val>
+                                        </p:tav>
+                                        <p:tav tm="100000">
+                                          <p:val>
+                                            <p:strVal val="#ppt_y"/>
+                                          </p:val>
+                                        </p:tav>
+                                      </p:tavLst>
+                                    </p:anim>
+                                  </p:childTnLst>
+                                </p:cTn>
+                              </p:par>
+                            </p:childTnLst>
+                          </p:cTn>
+                        </p:par>
+                      </p:childTnLst>
+                    </p:cTn>
+                  </p:par>
+                </p:childTnLst>
+              </p:cTn>
+              <p:prevCondLst>
+                <p:cond evt="onPrev" delay="0">
+                  <p:tgtEl>
+                    <p:sldTgt/>
+                  </p:tgtEl>
+                </p:cond>
+              </p:prevCondLst>
+              <p:nextCondLst>
+                <p:cond evt="onNext" delay="0">
+                  <p:tgtEl>
+                    <p:sldTgt/>
+                  </p:tgtEl>
+                </p:cond>
+              </p:nextCondLst>
+            </p:seq>
+          </p:childTnLst>
+        </p:cTn>
+      </p:par>
+    </p:tnLst>
+    <p:bldLst>
+      <p:bldP spid="3" grpId="0" build="p"/>
+    </p:bldLst>
+  </p:timing>
+</p:sld>
+</file>
+
+<file path=ppt/slides/slide8.xml><?xml version="1.0" encoding="utf-8"?>
+<p:sld xmlns:a="http://schemas.openxmlformats.org/drawingml/2006/main" xmlns:r="http://schemas.openxmlformats.org/officeDocument/2006/relationships" xmlns:p="http://schemas.openxmlformats.org/presentationml/2006/main">
+  <p:cSld>
+    <p:spTree>
+      <p:nvGrpSpPr>
+        <p:cNvPr id="1" name=""/>
+        <p:cNvGrpSpPr/>
+        <p:nvPr/>
+      </p:nvGrpSpPr>
+      <p:grpSpPr>
+        <a:xfrm>
+          <a:off x="0" y="0"/>
+          <a:ext cx="0" cy="0"/>
+          <a:chOff x="0" y="0"/>
+          <a:chExt cx="0" cy="0"/>
+        </a:xfrm>
+      </p:grpSpPr>
+      <p:sp>
+        <p:nvSpPr>
+          <p:cNvPr id="2" name="Title 1"/>
+          <p:cNvSpPr>
+            <a:spLocks noGrp="1"/>
+          </p:cNvSpPr>
+          <p:nvPr>
+            <p:ph type="title"/>
+          </p:nvPr>
+        </p:nvSpPr>
+        <p:spPr>
+          <a:xfrm>
+            <a:off x="347546" y="365125"/>
+            <a:ext cx="10515600" cy="1325563"/>
+          </a:xfrm>
+        </p:spPr>
+        <p:txBody>
+          <a:bodyPr/>
+          <a:lstStyle/>
+          <a:p>
+            <a:r>
+              <a:rPr lang="en-US" dirty="0"/>
+              <a:t>4</a:t>
+            </a:r>
+            <a:r>
+              <a:rPr lang="en-US" dirty="0" smtClean="0"/>
+              <a:t>. How to use </a:t>
+            </a:r>
+            <a:r>
+              <a:rPr lang="en-US" dirty="0" smtClean="0"/>
+              <a:t>Hooks</a:t>
+            </a:r>
+            <a:r>
+              <a:rPr lang="en-US" dirty="0" smtClean="0"/>
+              <a:t>?</a:t>
+            </a:r>
+            <a:endParaRPr lang="en-US" dirty="0"/>
+          </a:p>
+        </p:txBody>
+      </p:sp>
+      <p:sp>
+        <p:nvSpPr>
+          <p:cNvPr id="3" name="Content Placeholder 2"/>
+          <p:cNvSpPr>
+            <a:spLocks noGrp="1"/>
+          </p:cNvSpPr>
+          <p:nvPr>
+            <p:ph idx="1"/>
+          </p:nvPr>
+        </p:nvSpPr>
+        <p:spPr/>
+        <p:txBody>
+          <a:bodyPr>
+            <a:normAutofit/>
+          </a:bodyPr>
+          <a:lstStyle/>
+          <a:p>
+            <a:pPr marL="0" indent="0">
+              <a:lnSpc>
+                <a:spcPct val="150000"/>
+              </a:lnSpc>
+              <a:buNone/>
+            </a:pPr>
+            <a:r>
+              <a:rPr lang="en-US" b="1" dirty="0" smtClean="0"/>
+              <a:t>4.2 Using The State Hooks.</a:t>
+            </a:r>
+            <a:br>
+              <a:rPr lang="en-US" b="1" dirty="0" smtClean="0"/>
+            </a:br>
+            <a:r>
+              <a:rPr lang="en-US" b="1" dirty="0" smtClean="0"/>
+              <a:t>	</a:t>
+            </a:r>
+            <a:endParaRPr lang="en-US" b="1" dirty="0" smtClean="0"/>
+          </a:p>
+        </p:txBody>
+      </p:sp>
+    </p:spTree>
+    <p:extLst>
+      <p:ext uri="{BB962C8B-B14F-4D97-AF65-F5344CB8AC3E}">
+        <p14:creationId xmlns:p14="http://schemas.microsoft.com/office/powerpoint/2010/main" val="1008856109"/>
+      </p:ext>
+    </p:extLst>
+  </p:cSld>
+  <p:clrMapOvr>
+    <a:masterClrMapping/>
+  </p:clrMapOvr>
+  <p:timing>
+    <p:tnLst>
+      <p:par>
+        <p:cTn id="1" dur="indefinite" restart="never" nodeType="tmRoot">
+          <p:childTnLst>
+            <p:seq concurrent="1" nextAc="seek">
+              <p:cTn id="2" dur="indefinite" nodeType="mainSeq">
+                <p:childTnLst>
+                  <p:par>
+                    <p:cTn id="3" fill="hold">
+                      <p:stCondLst>
+                        <p:cond delay="indefinite"/>
+                      </p:stCondLst>
+                      <p:childTnLst>
+                        <p:par>
+                          <p:cTn id="4" fill="hold">
+                            <p:stCondLst>
+                              <p:cond delay="0"/>
+                            </p:stCondLst>
+                            <p:childTnLst>
+                              <p:par>
+                                <p:cTn id="5" presetID="2" presetClass="entr" presetSubtype="4" fill="hold" grpId="0" nodeType="clickEffect">
+                                  <p:stCondLst>
+                                    <p:cond delay="0"/>
+                                  </p:stCondLst>
+                                  <p:childTnLst>
+                                    <p:set>
+                                      <p:cBhvr>
+                                        <p:cTn id="6" dur="1" fill="hold">
+                                          <p:stCondLst>
+                                            <p:cond delay="0"/>
+                                          </p:stCondLst>
+                                        </p:cTn>
+                                        <p:tgtEl>
+                                          <p:spTgt spid="3">
+                                            <p:txEl>
+                                              <p:pRg st="0" end="0"/>
+                                            </p:txEl>
+                                          </p:spTgt>
+                                        </p:tgtEl>
+                                        <p:attrNameLst>
+                                          <p:attrName>style.visibility</p:attrName>
+                                        </p:attrNameLst>
+                                      </p:cBhvr>
+                                      <p:to>
+                                        <p:strVal val="visible"/>
+                                      </p:to>
+                                    </p:set>
+                                    <p:anim calcmode="lin" valueType="num">
+                                      <p:cBhvr additive="base">
+                                        <p:cTn id="7" dur="500" fill="hold"/>
+                                        <p:tgtEl>
+                                          <p:spTgt spid="3">
+                                            <p:txEl>
+                                              <p:pRg st="0" end="0"/>
+                                            </p:txEl>
+                                          </p:spTgt>
+                                        </p:tgtEl>
+                                        <p:attrNameLst>
+                                          <p:attrName>ppt_x</p:attrName>
+                                        </p:attrNameLst>
+                                      </p:cBhvr>
+                                      <p:tavLst>
+                                        <p:tav tm="0">
+                                          <p:val>
+                                            <p:strVal val="#ppt_x"/>
+                                          </p:val>
+                                        </p:tav>
+                                        <p:tav tm="100000">
+                                          <p:val>
+                                            <p:strVal val="#ppt_x"/>
+                                          </p:val>
+                                        </p:tav>
+                                      </p:tavLst>
+                                    </p:anim>
+                                    <p:anim calcmode="lin" valueType="num">
+                                      <p:cBhvr additive="base">
+                                        <p:cTn id="8" dur="500" fill="hold"/>
+                                        <p:tgtEl>
+                                          <p:spTgt spid="3">
+                                            <p:txEl>
+                                              <p:pRg st="0" end="0"/>
+                                            </p:txEl>
+                                          </p:spTgt>
+                                        </p:tgtEl>
+                                        <p:attrNameLst>
+                                          <p:attrName>ppt_y</p:attrName>
+                                        </p:attrNameLst>
+                                      </p:cBhvr>
+                                      <p:tavLst>
+                                        <p:tav tm="0">
+                                          <p:val>
+                                            <p:strVal val="1+#ppt_h/2"/>
+                                          </p:val>
+                                        </p:tav>
+                                        <p:tav tm="100000">
+                                          <p:val>
+                                            <p:strVal val="#ppt_y"/>
+                                          </p:val>
+                                        </p:tav>
+                                      </p:tavLst>
+                                    </p:anim>
+                                  </p:childTnLst>
+                                </p:cTn>
+                              </p:par>
+                            </p:childTnLst>
+                          </p:cTn>
+                        </p:par>
+                      </p:childTnLst>
+                    </p:cTn>
+                  </p:par>
+                </p:childTnLst>
+              </p:cTn>
+              <p:prevCondLst>
+                <p:cond evt="onPrev" delay="0">
+                  <p:tgtEl>
+                    <p:sldTgt/>
+                  </p:tgtEl>
+                </p:cond>
+              </p:prevCondLst>
+              <p:nextCondLst>
+                <p:cond evt="onNext" delay="0">
+                  <p:tgtEl>
+                    <p:sldTgt/>
+                  </p:tgtEl>
+                </p:cond>
+              </p:nextCondLst>
+            </p:seq>
+          </p:childTnLst>
+        </p:cTn>
+      </p:par>
+    </p:tnLst>
+    <p:bldLst>
+      <p:bldP spid="3" grpId="0" build="p"/>
+    </p:bldLst>
+  </p:timing>
+</p:sld>
+</file>
+
+<file path=ppt/slides/slide9.xml><?xml version="1.0" encoding="utf-8"?>
+<p:sld xmlns:a="http://schemas.openxmlformats.org/drawingml/2006/main" xmlns:r="http://schemas.openxmlformats.org/officeDocument/2006/relationships" xmlns:p="http://schemas.openxmlformats.org/presentationml/2006/main">
+  <p:cSld>
+    <p:spTree>
+      <p:nvGrpSpPr>
+        <p:cNvPr id="1" name=""/>
+        <p:cNvGrpSpPr/>
+        <p:nvPr/>
+      </p:nvGrpSpPr>
+      <p:grpSpPr>
+        <a:xfrm>
+          <a:off x="0" y="0"/>
+          <a:ext cx="0" cy="0"/>
+          <a:chOff x="0" y="0"/>
+          <a:chExt cx="0" cy="0"/>
+        </a:xfrm>
+      </p:grpSpPr>
+      <p:sp>
+        <p:nvSpPr>
+          <p:cNvPr id="2" name="Title 1"/>
+          <p:cNvSpPr>
+            <a:spLocks noGrp="1"/>
+          </p:cNvSpPr>
+          <p:nvPr>
+            <p:ph type="title"/>
+          </p:nvPr>
+        </p:nvSpPr>
+        <p:spPr>
+          <a:xfrm>
+            <a:off x="347546" y="365125"/>
+            <a:ext cx="10515600" cy="1325563"/>
+          </a:xfrm>
+        </p:spPr>
+        <p:txBody>
+          <a:bodyPr/>
+          <a:lstStyle/>
+          <a:p>
+            <a:r>
+              <a:rPr lang="en-US" dirty="0"/>
+              <a:t>4</a:t>
+            </a:r>
+            <a:r>
+              <a:rPr lang="en-US" dirty="0" smtClean="0"/>
+              <a:t>. How to use </a:t>
+            </a:r>
+            <a:r>
+              <a:rPr lang="en-US" dirty="0" smtClean="0"/>
+              <a:t>Hooks</a:t>
+            </a:r>
+            <a:r>
+              <a:rPr lang="en-US" dirty="0" smtClean="0"/>
+              <a:t>?</a:t>
+            </a:r>
+            <a:endParaRPr lang="en-US" dirty="0"/>
+          </a:p>
+        </p:txBody>
+      </p:sp>
+      <p:sp>
+        <p:nvSpPr>
+          <p:cNvPr id="3" name="Content Placeholder 2"/>
+          <p:cNvSpPr>
+            <a:spLocks noGrp="1"/>
+          </p:cNvSpPr>
+          <p:nvPr>
+            <p:ph idx="1"/>
+          </p:nvPr>
+        </p:nvSpPr>
+        <p:spPr/>
+        <p:txBody>
+          <a:bodyPr>
+            <a:normAutofit/>
+          </a:bodyPr>
+          <a:lstStyle/>
+          <a:p>
+            <a:pPr marL="514350" indent="-514350">
+              <a:lnSpc>
+                <a:spcPct val="150000"/>
+              </a:lnSpc>
+              <a:buAutoNum type="alphaLcPeriod"/>
+            </a:pPr>
+            <a:r>
+              <a:rPr lang="en-US" b="1" dirty="0" err="1" smtClean="0"/>
+              <a:t>useState</a:t>
+            </a:r>
+            <a:r>
+              <a:rPr lang="en-US" b="1" dirty="0" smtClean="0"/>
+              <a:t/>
+            </a:r>
+            <a:br>
+              <a:rPr lang="en-US" b="1" dirty="0" smtClean="0"/>
+            </a:br>
+            <a:endParaRPr lang="en-US" dirty="0" smtClean="0"/>
+          </a:p>
+          <a:p>
+            <a:pPr marL="0" indent="0">
+              <a:lnSpc>
+                <a:spcPct val="150000"/>
+              </a:lnSpc>
+              <a:buNone/>
+            </a:pPr>
+            <a:endParaRPr lang="en-US" b="1" dirty="0"/>
+          </a:p>
+        </p:txBody>
+      </p:sp>
+    </p:spTree>
+    <p:extLst>
+      <p:ext uri="{BB962C8B-B14F-4D97-AF65-F5344CB8AC3E}">
+        <p14:creationId xmlns:p14="http://schemas.microsoft.com/office/powerpoint/2010/main" val="4022983786"/>
+      </p:ext>
+    </p:extLst>
+  </p:cSld>
+  <p:clrMapOvr>
+    <a:masterClrMapping/>
+  </p:clrMapOvr>
+  <p:timing>
+    <p:tnLst>
+      <p:par>
+        <p:cTn id="1" dur="indefinite" restart="never" nodeType="tmRoot">
+          <p:childTnLst>
+            <p:seq concurrent="1" nextAc="seek">
+              <p:cTn id="2" dur="indefinite" nodeType="mainSeq">
+                <p:childTnLst>
+                  <p:par>
+                    <p:cTn id="3" fill="hold">
+                      <p:stCondLst>
+                        <p:cond delay="indefinite"/>
+                      </p:stCondLst>
+                      <p:childTnLst>
+                        <p:par>
+                          <p:cTn id="4" fill="hold">
+                            <p:stCondLst>
+                              <p:cond delay="0"/>
+                            </p:stCondLst>
+                            <p:childTnLst>
+                              <p:par>
+                                <p:cTn id="5" presetID="2" presetClass="entr" presetSubtype="4" fill="hold" grpId="0" nodeType="clickEffect">
+                                  <p:stCondLst>
+                                    <p:cond delay="0"/>
+                                  </p:stCondLst>
+                                  <p:childTnLst>
+                                    <p:set>
+                                      <p:cBhvr>
+                                        <p:cTn id="6" dur="1" fill="hold">
+                                          <p:stCondLst>
+                                            <p:cond delay="0"/>
+                                          </p:stCondLst>
+                                        </p:cTn>
+                                        <p:tgtEl>
+                                          <p:spTgt spid="3">
+                                            <p:txEl>
+                                              <p:pRg st="0" end="0"/>
+                                            </p:txEl>
+                                          </p:spTgt>
+                                        </p:tgtEl>
+                                        <p:attrNameLst>
+                                          <p:attrName>style.visibility</p:attrName>
+                                        </p:attrNameLst>
+                                      </p:cBhvr>
+                                      <p:to>
+                                        <p:strVal val="visible"/>
+                                      </p:to>
+                                    </p:set>
+                                    <p:anim calcmode="lin" valueType="num">
+                                      <p:cBhvr additive="base">
+                                        <p:cTn id="7" dur="500" fill="hold"/>
+                                        <p:tgtEl>
+                                          <p:spTgt spid="3">
+                                            <p:txEl>
+                                              <p:pRg st="0" end="0"/>
+                                            </p:txEl>
+                                          </p:spTgt>
+                                        </p:tgtEl>
+                                        <p:attrNameLst>
+                                          <p:attrName>ppt_x</p:attrName>
+                                        </p:attrNameLst>
+                                      </p:cBhvr>
+                                      <p:tavLst>
+                                        <p:tav tm="0">
+                                          <p:val>
+                                            <p:strVal val="#ppt_x"/>
+                                          </p:val>
+                                        </p:tav>
+                                        <p:tav tm="100000">
+                                          <p:val>
+                                            <p:strVal val="#ppt_x"/>
+                                          </p:val>
+                                        </p:tav>
+                                      </p:tavLst>
+                                    </p:anim>
+                                    <p:anim calcmode="lin" valueType="num">
+                                      <p:cBhvr additive="base">
+                                        <p:cTn id="8" dur="500" fill="hold"/>
+                                        <p:tgtEl>
+                                          <p:spTgt spid="3">
+                                            <p:txEl>
+                                              <p:pRg st="0" end="0"/>
+                                            </p:txEl>
+                                          </p:spTgt>
+                                        </p:tgtEl>
+                                        <p:attrNameLst>
+                                          <p:attrName>ppt_y</p:attrName>
+                                        </p:attrNameLst>
+                                      </p:cBhvr>
+                                      <p:tavLst>
+                                        <p:tav tm="0">
+                                          <p:val>
+                                            <p:strVal val="1+#ppt_h/2"/>
+                                          </p:val>
+                                        </p:tav>
+                                        <p:tav tm="100000">
+                                          <p:val>
+                                            <p:strVal val="#ppt_y"/>
+                                          </p:val>
+                                        </p:tav>
+                                      </p:tavLst>
+                                    </p:anim>
+                                  </p:childTnLst>
+                                </p:cTn>
+                              </p:par>
+                            </p:childTnLst>
+                          </p:cTn>
+                        </p:par>
+                      </p:childTnLst>
+                    </p:cTn>
+                  </p:par>
+                </p:childTnLst>
+              </p:cTn>
+              <p:prevCondLst>
+                <p:cond evt="onPrev" delay="0">
+                  <p:tgtEl>
+                    <p:sldTgt/>
+                  </p:tgtEl>
+                </p:cond>
+              </p:prevCondLst>
+              <p:nextCondLst>
+                <p:cond evt="onNext" delay="0">
+                  <p:tgtEl>
+                    <p:sldTgt/>
+                  </p:tgtEl>
+                </p:cond>
+              </p:nextCondLst>
+            </p:seq>
+          </p:childTnLst>
+        </p:cTn>
+      </p:par>
+    </p:tnLst>
+    <p:bldLst>
+      <p:bldP spid="3" grpId="0" build="p"/>
+    </p:bldLst>
+  </p:timing>
 </p:sld>
 </file>
 
@@ -3795,4 +8787,265 @@
     </a:ext>
   </a:extLst>
 </a:theme>
+</file>
+
+<file path=ppt/theme/theme2.xml><?xml version="1.0" encoding="utf-8"?>
+<a:theme xmlns:a="http://schemas.openxmlformats.org/drawingml/2006/main" name="Office Theme">
+  <a:themeElements>
+    <a:clrScheme name="Office">
+      <a:dk1>
+        <a:sysClr val="windowText" lastClr="000000"/>
+      </a:dk1>
+      <a:lt1>
+        <a:sysClr val="window" lastClr="FFFFFF"/>
+      </a:lt1>
+      <a:dk2>
+        <a:srgbClr val="44546A"/>
+      </a:dk2>
+      <a:lt2>
+        <a:srgbClr val="E7E6E6"/>
+      </a:lt2>
+      <a:accent1>
+        <a:srgbClr val="5B9BD5"/>
+      </a:accent1>
+      <a:accent2>
+        <a:srgbClr val="ED7D31"/>
+      </a:accent2>
+      <a:accent3>
+        <a:srgbClr val="A5A5A5"/>
+      </a:accent3>
+      <a:accent4>
+        <a:srgbClr val="FFC000"/>
+      </a:accent4>
+      <a:accent5>
+        <a:srgbClr val="4472C4"/>
+      </a:accent5>
+      <a:accent6>
+        <a:srgbClr val="70AD47"/>
+      </a:accent6>
+      <a:hlink>
+        <a:srgbClr val="0563C1"/>
+      </a:hlink>
+      <a:folHlink>
+        <a:srgbClr val="954F72"/>
+      </a:folHlink>
+    </a:clrScheme>
+    <a:fontScheme name="Office">
+      <a:majorFont>
+        <a:latin typeface="Calibri Light" panose="020F0302020204030204"/>
+        <a:ea typeface=""/>
+        <a:cs typeface=""/>
+        <a:font script="Jpan" typeface="游ゴシック Light"/>
+        <a:font script="Hang" typeface="맑은 고딕"/>
+        <a:font script="Hans" typeface="等线 Light"/>
+        <a:font script="Hant" typeface="新細明體"/>
+        <a:font script="Arab" typeface="Times New Roman"/>
+        <a:font script="Hebr" typeface="Times New Roman"/>
+        <a:font script="Thai" typeface="Angsana New"/>
+        <a:font script="Ethi" typeface="Nyala"/>
+        <a:font script="Beng" typeface="Vrinda"/>
+        <a:font script="Gujr" typeface="Shruti"/>
+        <a:font script="Khmr" typeface="MoolBoran"/>
+        <a:font script="Knda" typeface="Tunga"/>
+        <a:font script="Guru" typeface="Raavi"/>
+        <a:font script="Cans" typeface="Euphemia"/>
+        <a:font script="Cher" typeface="Plantagenet Cherokee"/>
+        <a:font script="Yiii" typeface="Microsoft Yi Baiti"/>
+        <a:font script="Tibt" typeface="Microsoft Himalaya"/>
+        <a:font script="Thaa" typeface="MV Boli"/>
+        <a:font script="Deva" typeface="Mangal"/>
+        <a:font script="Telu" typeface="Gautami"/>
+        <a:font script="Taml" typeface="Latha"/>
+        <a:font script="Syrc" typeface="Estrangelo Edessa"/>
+        <a:font script="Orya" typeface="Kalinga"/>
+        <a:font script="Mlym" typeface="Kartika"/>
+        <a:font script="Laoo" typeface="DokChampa"/>
+        <a:font script="Sinh" typeface="Iskoola Pota"/>
+        <a:font script="Mong" typeface="Mongolian Baiti"/>
+        <a:font script="Viet" typeface="Times New Roman"/>
+        <a:font script="Uigh" typeface="Microsoft Uighur"/>
+        <a:font script="Geor" typeface="Sylfaen"/>
+      </a:majorFont>
+      <a:minorFont>
+        <a:latin typeface="Calibri" panose="020F0502020204030204"/>
+        <a:ea typeface=""/>
+        <a:cs typeface=""/>
+        <a:font script="Jpan" typeface="游ゴシック"/>
+        <a:font script="Hang" typeface="맑은 고딕"/>
+        <a:font script="Hans" typeface="等线"/>
+        <a:font script="Hant" typeface="新細明體"/>
+        <a:font script="Arab" typeface="Arial"/>
+        <a:font script="Hebr" typeface="Arial"/>
+        <a:font script="Thai" typeface="Cordia New"/>
+        <a:font script="Ethi" typeface="Nyala"/>
+        <a:font script="Beng" typeface="Vrinda"/>
+        <a:font script="Gujr" typeface="Shruti"/>
+        <a:font script="Khmr" typeface="DaunPenh"/>
+        <a:font script="Knda" typeface="Tunga"/>
+        <a:font script="Guru" typeface="Raavi"/>
+        <a:font script="Cans" typeface="Euphemia"/>
+        <a:font script="Cher" typeface="Plantagenet Cherokee"/>
+        <a:font script="Yiii" typeface="Microsoft Yi Baiti"/>
+        <a:font script="Tibt" typeface="Microsoft Himalaya"/>
+        <a:font script="Thaa" typeface="MV Boli"/>
+        <a:font script="Deva" typeface="Mangal"/>
+        <a:font script="Telu" typeface="Gautami"/>
+        <a:font script="Taml" typeface="Latha"/>
+        <a:font script="Syrc" typeface="Estrangelo Edessa"/>
+        <a:font script="Orya" typeface="Kalinga"/>
+        <a:font script="Mlym" typeface="Kartika"/>
+        <a:font script="Laoo" typeface="DokChampa"/>
+        <a:font script="Sinh" typeface="Iskoola Pota"/>
+        <a:font script="Mong" typeface="Mongolian Baiti"/>
+        <a:font script="Viet" typeface="Arial"/>
+        <a:font script="Uigh" typeface="Microsoft Uighur"/>
+        <a:font script="Geor" typeface="Sylfaen"/>
+      </a:minorFont>
+    </a:fontScheme>
+    <a:fmtScheme name="Office">
+      <a:fillStyleLst>
+        <a:solidFill>
+          <a:schemeClr val="phClr"/>
+        </a:solidFill>
+        <a:gradFill rotWithShape="1">
+          <a:gsLst>
+            <a:gs pos="0">
+              <a:schemeClr val="phClr">
+                <a:lumMod val="110000"/>
+                <a:satMod val="105000"/>
+                <a:tint val="67000"/>
+              </a:schemeClr>
+            </a:gs>
+            <a:gs pos="50000">
+              <a:schemeClr val="phClr">
+                <a:lumMod val="105000"/>
+                <a:satMod val="103000"/>
+                <a:tint val="73000"/>
+              </a:schemeClr>
+            </a:gs>
+            <a:gs pos="100000">
+              <a:schemeClr val="phClr">
+                <a:lumMod val="105000"/>
+                <a:satMod val="109000"/>
+                <a:tint val="81000"/>
+              </a:schemeClr>
+            </a:gs>
+          </a:gsLst>
+          <a:lin ang="5400000" scaled="0"/>
+        </a:gradFill>
+        <a:gradFill rotWithShape="1">
+          <a:gsLst>
+            <a:gs pos="0">
+              <a:schemeClr val="phClr">
+                <a:satMod val="103000"/>
+                <a:lumMod val="102000"/>
+                <a:tint val="94000"/>
+              </a:schemeClr>
+            </a:gs>
+            <a:gs pos="50000">
+              <a:schemeClr val="phClr">
+                <a:satMod val="110000"/>
+                <a:lumMod val="100000"/>
+                <a:shade val="100000"/>
+              </a:schemeClr>
+            </a:gs>
+            <a:gs pos="100000">
+              <a:schemeClr val="phClr">
+                <a:lumMod val="99000"/>
+                <a:satMod val="120000"/>
+                <a:shade val="78000"/>
+              </a:schemeClr>
+            </a:gs>
+          </a:gsLst>
+          <a:lin ang="5400000" scaled="0"/>
+        </a:gradFill>
+      </a:fillStyleLst>
+      <a:lnStyleLst>
+        <a:ln w="6350" cap="flat" cmpd="sng" algn="ctr">
+          <a:solidFill>
+            <a:schemeClr val="phClr"/>
+          </a:solidFill>
+          <a:prstDash val="solid"/>
+          <a:miter lim="800000"/>
+        </a:ln>
+        <a:ln w="12700" cap="flat" cmpd="sng" algn="ctr">
+          <a:solidFill>
+            <a:schemeClr val="phClr"/>
+          </a:solidFill>
+          <a:prstDash val="solid"/>
+          <a:miter lim="800000"/>
+        </a:ln>
+        <a:ln w="19050" cap="flat" cmpd="sng" algn="ctr">
+          <a:solidFill>
+            <a:schemeClr val="phClr"/>
+          </a:solidFill>
+          <a:prstDash val="solid"/>
+          <a:miter lim="800000"/>
+        </a:ln>
+      </a:lnStyleLst>
+      <a:effectStyleLst>
+        <a:effectStyle>
+          <a:effectLst/>
+        </a:effectStyle>
+        <a:effectStyle>
+          <a:effectLst/>
+        </a:effectStyle>
+        <a:effectStyle>
+          <a:effectLst>
+            <a:outerShdw blurRad="57150" dist="19050" dir="5400000" algn="ctr" rotWithShape="0">
+              <a:srgbClr val="000000">
+                <a:alpha val="63000"/>
+              </a:srgbClr>
+            </a:outerShdw>
+          </a:effectLst>
+        </a:effectStyle>
+      </a:effectStyleLst>
+      <a:bgFillStyleLst>
+        <a:solidFill>
+          <a:schemeClr val="phClr"/>
+        </a:solidFill>
+        <a:solidFill>
+          <a:schemeClr val="phClr">
+            <a:tint val="95000"/>
+            <a:satMod val="170000"/>
+          </a:schemeClr>
+        </a:solidFill>
+        <a:gradFill rotWithShape="1">
+          <a:gsLst>
+            <a:gs pos="0">
+              <a:schemeClr val="phClr">
+                <a:tint val="93000"/>
+                <a:satMod val="150000"/>
+                <a:shade val="98000"/>
+                <a:lumMod val="102000"/>
+              </a:schemeClr>
+            </a:gs>
+            <a:gs pos="50000">
+              <a:schemeClr val="phClr">
+                <a:tint val="98000"/>
+                <a:satMod val="130000"/>
+                <a:shade val="90000"/>
+                <a:lumMod val="103000"/>
+              </a:schemeClr>
+            </a:gs>
+            <a:gs pos="100000">
+              <a:schemeClr val="phClr">
+                <a:shade val="63000"/>
+                <a:satMod val="120000"/>
+              </a:schemeClr>
+            </a:gs>
+          </a:gsLst>
+          <a:lin ang="5400000" scaled="0"/>
+        </a:gradFill>
+      </a:bgFillStyleLst>
+    </a:fmtScheme>
+  </a:themeElements>
+  <a:objectDefaults/>
+  <a:extraClrSchemeLst/>
+  <a:extLst>
+    <a:ext uri="{05A4C25C-085E-4340-85A3-A5531E510DB2}">
+      <thm15:themeFamily xmlns:thm15="http://schemas.microsoft.com/office/thememl/2012/main" name="Office Theme" id="{62F939B6-93AF-4DB8-9C6B-D6C7DFDC589F}" vid="{4A3C46E8-61CC-4603-A589-7422A47A8E4A}"/>
+    </a:ext>
+  </a:extLst>
+</a:theme>
 </file>
--- a/ReactHooks.pptx
+++ b/ReactHooks.pptx
@@ -5,19 +5,18 @@
     <p:sldMasterId id="2147483648" r:id="rId1"/>
   </p:sldMasterIdLst>
   <p:notesMasterIdLst>
-    <p:notesMasterId r:id="rId12"/>
+    <p:notesMasterId r:id="rId11"/>
   </p:notesMasterIdLst>
   <p:sldIdLst>
     <p:sldId id="269" r:id="rId2"/>
-    <p:sldId id="256" r:id="rId3"/>
-    <p:sldId id="268" r:id="rId4"/>
-    <p:sldId id="257" r:id="rId5"/>
-    <p:sldId id="258" r:id="rId6"/>
-    <p:sldId id="261" r:id="rId7"/>
-    <p:sldId id="262" r:id="rId8"/>
-    <p:sldId id="264" r:id="rId9"/>
-    <p:sldId id="265" r:id="rId10"/>
-    <p:sldId id="266" r:id="rId11"/>
+    <p:sldId id="268" r:id="rId3"/>
+    <p:sldId id="257" r:id="rId4"/>
+    <p:sldId id="258" r:id="rId5"/>
+    <p:sldId id="261" r:id="rId6"/>
+    <p:sldId id="262" r:id="rId7"/>
+    <p:sldId id="264" r:id="rId8"/>
+    <p:sldId id="265" r:id="rId9"/>
+    <p:sldId id="266" r:id="rId10"/>
   </p:sldIdLst>
   <p:sldSz cx="12192000" cy="6858000"/>
   <p:notesSz cx="6858000" cy="9144000"/>
@@ -206,7 +205,7 @@
           <a:p>
             <a:fld id="{B4948491-EFE7-41DA-B945-73D2DFE774B9}" type="datetimeFigureOut">
               <a:rPr lang="en-US" smtClean="0"/>
-              <a:t>5/8/2019</a:t>
+              <a:t>5/9/2019</a:t>
             </a:fld>
             <a:endParaRPr lang="en-US"/>
           </a:p>
@@ -518,6 +517,36 @@
           <a:bodyPr/>
           <a:lstStyle/>
           <a:p>
+            <a:pPr marL="228600" indent="-228600">
+              <a:buAutoNum type="arabicPeriod"/>
+            </a:pPr>
+            <a:r>
+              <a:rPr lang="en-US" dirty="0" smtClean="0"/>
+              <a:t>What</a:t>
+            </a:r>
+          </a:p>
+          <a:p>
+            <a:pPr marL="228600" indent="-228600">
+              <a:buAutoNum type="arabicPeriod"/>
+            </a:pPr>
+            <a:r>
+              <a:rPr lang="en-US" dirty="0" smtClean="0"/>
+              <a:t>Why =&gt; List why would</a:t>
+            </a:r>
+            <a:r>
+              <a:rPr lang="en-US" baseline="0" dirty="0" smtClean="0"/>
+              <a:t> we use hooks. </a:t>
+            </a:r>
+            <a:endParaRPr lang="en-US" dirty="0" smtClean="0"/>
+          </a:p>
+          <a:p>
+            <a:pPr marL="228600" indent="-228600">
+              <a:buAutoNum type="arabicPeriod"/>
+            </a:pPr>
+            <a:r>
+              <a:rPr lang="en-US" dirty="0" smtClean="0"/>
+              <a:t>When</a:t>
+            </a:r>
             <a:endParaRPr lang="en-US" dirty="0"/>
           </a:p>
         </p:txBody>
@@ -548,7 +577,7 @@
     </p:spTree>
     <p:extLst>
       <p:ext uri="{BB962C8B-B14F-4D97-AF65-F5344CB8AC3E}">
-        <p14:creationId xmlns:p14="http://schemas.microsoft.com/office/powerpoint/2010/main" val="4127980220"/>
+        <p14:creationId xmlns:p14="http://schemas.microsoft.com/office/powerpoint/2010/main" val="2567672251"/>
       </p:ext>
     </p:extLst>
   </p:cSld>
@@ -602,35 +631,128 @@
           <a:bodyPr/>
           <a:lstStyle/>
           <a:p>
-            <a:pPr marL="228600" indent="-228600">
-              <a:buAutoNum type="arabicPeriod"/>
+            <a:pPr marL="0" marR="0" lvl="0" indent="0" algn="l" defTabSz="914400" rtl="0" eaLnBrk="1" fontAlgn="auto" latinLnBrk="0" hangingPunct="1">
+              <a:lnSpc>
+                <a:spcPct val="100000"/>
+              </a:lnSpc>
+              <a:spcBef>
+                <a:spcPts val="0"/>
+              </a:spcBef>
+              <a:spcAft>
+                <a:spcPts val="0"/>
+              </a:spcAft>
+              <a:buClrTx/>
+              <a:buSzTx/>
+              <a:buFontTx/>
+              <a:buNone/>
+              <a:tabLst/>
+              <a:defRPr/>
             </a:pPr>
             <a:r>
               <a:rPr lang="en-US" dirty="0" smtClean="0"/>
-              <a:t>What</a:t>
-            </a:r>
-          </a:p>
-          <a:p>
-            <a:pPr marL="228600" indent="-228600">
-              <a:buAutoNum type="arabicPeriod"/>
+              <a:t>- </a:t>
+            </a:r>
+            <a:r>
+              <a:rPr lang="en-US" sz="1200" dirty="0" smtClean="0"/>
+              <a:t>Require you to restructure your components.</a:t>
+            </a:r>
+            <a:br>
+              <a:rPr lang="en-US" sz="1200" dirty="0" smtClean="0"/>
+            </a:br>
+            <a:r>
+              <a:rPr lang="en-US" sz="1200" dirty="0" smtClean="0"/>
+              <a:t>- Cumbersome, code hard to follow.</a:t>
+            </a:r>
+            <a:br>
+              <a:rPr lang="en-US" sz="1200" dirty="0" smtClean="0"/>
+            </a:br>
+            <a:r>
+              <a:rPr lang="en-US" sz="1200" dirty="0" smtClean="0"/>
+              <a:t>- With Hooks, Can be tested independently and reused</a:t>
+            </a:r>
+            <a:r>
+              <a:rPr lang="en-US" dirty="0" smtClean="0"/>
+              <a:t>. </a:t>
+            </a:r>
+          </a:p>
+          <a:p>
+            <a:pPr marL="0" marR="0" lvl="0" indent="0" algn="l" defTabSz="914400" rtl="0" eaLnBrk="1" fontAlgn="auto" latinLnBrk="0" hangingPunct="1">
+              <a:lnSpc>
+                <a:spcPct val="100000"/>
+              </a:lnSpc>
+              <a:spcBef>
+                <a:spcPts val="0"/>
+              </a:spcBef>
+              <a:spcAft>
+                <a:spcPts val="0"/>
+              </a:spcAft>
+              <a:buClrTx/>
+              <a:buSzTx/>
+              <a:buFontTx/>
+              <a:buNone/>
+              <a:tabLst/>
+              <a:defRPr/>
             </a:pPr>
+            <a:endParaRPr lang="en-US" sz="1200" dirty="0" smtClean="0"/>
+          </a:p>
+          <a:p>
+            <a:pPr marL="0" marR="0" lvl="0" indent="0" algn="l" defTabSz="914400" rtl="0" eaLnBrk="1" fontAlgn="auto" latinLnBrk="0" hangingPunct="1">
+              <a:lnSpc>
+                <a:spcPct val="100000"/>
+              </a:lnSpc>
+              <a:spcBef>
+                <a:spcPts val="0"/>
+              </a:spcBef>
+              <a:spcAft>
+                <a:spcPts val="0"/>
+              </a:spcAft>
+              <a:buClrTx/>
+              <a:buSzTx/>
+              <a:buFontTx/>
+              <a:buNone/>
+              <a:tabLst/>
+              <a:defRPr/>
+            </a:pPr>
+            <a:r>
+              <a:rPr lang="en-US" sz="1200" dirty="0" smtClean="0"/>
+              <a:t>- Hooks let you split one component into smaller functions based on what pieces are related (such as setting up a subscription or fetching data)</a:t>
+            </a:r>
+            <a:br>
+              <a:rPr lang="en-US" sz="1200" dirty="0" smtClean="0"/>
+            </a:br>
+            <a:endParaRPr lang="en-US" sz="1200" dirty="0" smtClean="0"/>
+          </a:p>
+          <a:p>
             <a:r>
               <a:rPr lang="en-US" dirty="0" smtClean="0"/>
-              <a:t>Why =&gt; List why would</a:t>
-            </a:r>
-            <a:r>
-              <a:rPr lang="en-US" baseline="0" dirty="0" smtClean="0"/>
-              <a:t> we use hooks. </a:t>
-            </a:r>
-            <a:endParaRPr lang="en-US" dirty="0" smtClean="0"/>
-          </a:p>
-          <a:p>
-            <a:pPr marL="228600" indent="-228600">
-              <a:buAutoNum type="arabicPeriod"/>
-            </a:pPr>
+              <a:t>- How </a:t>
+            </a:r>
+            <a:r>
+              <a:rPr lang="en-US" i="1" dirty="0" smtClean="0"/>
+              <a:t>this</a:t>
+            </a:r>
             <a:r>
               <a:rPr lang="en-US" dirty="0" smtClean="0"/>
-              <a:t>When</a:t>
+              <a:t> works, remember bind the event handlers…</a:t>
+            </a:r>
+            <a:r>
+              <a:rPr lang="en-US" b="1" dirty="0" smtClean="0"/>
+              <a:t/>
+            </a:r>
+            <a:br>
+              <a:rPr lang="en-US" b="1" dirty="0" smtClean="0"/>
+            </a:br>
+            <a:r>
+              <a:rPr lang="en-US" sz="1200" dirty="0" smtClean="0"/>
+              <a:t>- Hooks let you use more of </a:t>
+            </a:r>
+            <a:r>
+              <a:rPr lang="en-US" sz="1200" dirty="0" err="1" smtClean="0"/>
+              <a:t>React’s</a:t>
+            </a:r>
+            <a:r>
+              <a:rPr lang="en-US" sz="1200" dirty="0" smtClean="0"/>
+              <a:t> features without classes.</a:t>
             </a:r>
             <a:endParaRPr lang="en-US" dirty="0"/>
           </a:p>
@@ -653,7 +775,7 @@
           <a:p>
             <a:fld id="{FBF31ECA-FEBF-416A-9457-D684578178CB}" type="slidenum">
               <a:rPr lang="en-US" smtClean="0"/>
-              <a:t>3</a:t>
+              <a:t>4</a:t>
             </a:fld>
             <a:endParaRPr lang="en-US"/>
           </a:p>
@@ -662,7 +784,7 @@
     </p:spTree>
     <p:extLst>
       <p:ext uri="{BB962C8B-B14F-4D97-AF65-F5344CB8AC3E}">
-        <p14:creationId xmlns:p14="http://schemas.microsoft.com/office/powerpoint/2010/main" val="2567672251"/>
+        <p14:creationId xmlns:p14="http://schemas.microsoft.com/office/powerpoint/2010/main" val="314059673"/>
       </p:ext>
     </p:extLst>
   </p:cSld>
@@ -733,112 +855,6 @@
               <a:tabLst/>
               <a:defRPr/>
             </a:pPr>
-            <a:r>
-              <a:rPr lang="en-US" dirty="0" smtClean="0"/>
-              <a:t>- </a:t>
-            </a:r>
-            <a:r>
-              <a:rPr lang="en-US" sz="1200" dirty="0" smtClean="0"/>
-              <a:t>Require you to restructure your components.</a:t>
-            </a:r>
-            <a:br>
-              <a:rPr lang="en-US" sz="1200" dirty="0" smtClean="0"/>
-            </a:br>
-            <a:r>
-              <a:rPr lang="en-US" sz="1200" dirty="0" smtClean="0"/>
-              <a:t>- Cumbersome, code hard to follow.</a:t>
-            </a:r>
-            <a:br>
-              <a:rPr lang="en-US" sz="1200" dirty="0" smtClean="0"/>
-            </a:br>
-            <a:r>
-              <a:rPr lang="en-US" sz="1200" dirty="0" smtClean="0"/>
-              <a:t>- With Hooks, Can be tested independently and reused</a:t>
-            </a:r>
-            <a:r>
-              <a:rPr lang="en-US" dirty="0" smtClean="0"/>
-              <a:t>. </a:t>
-            </a:r>
-          </a:p>
-          <a:p>
-            <a:pPr marL="0" marR="0" lvl="0" indent="0" algn="l" defTabSz="914400" rtl="0" eaLnBrk="1" fontAlgn="auto" latinLnBrk="0" hangingPunct="1">
-              <a:lnSpc>
-                <a:spcPct val="100000"/>
-              </a:lnSpc>
-              <a:spcBef>
-                <a:spcPts val="0"/>
-              </a:spcBef>
-              <a:spcAft>
-                <a:spcPts val="0"/>
-              </a:spcAft>
-              <a:buClrTx/>
-              <a:buSzTx/>
-              <a:buFontTx/>
-              <a:buNone/>
-              <a:tabLst/>
-              <a:defRPr/>
-            </a:pPr>
-            <a:endParaRPr lang="en-US" sz="1200" dirty="0" smtClean="0"/>
-          </a:p>
-          <a:p>
-            <a:pPr marL="0" marR="0" lvl="0" indent="0" algn="l" defTabSz="914400" rtl="0" eaLnBrk="1" fontAlgn="auto" latinLnBrk="0" hangingPunct="1">
-              <a:lnSpc>
-                <a:spcPct val="100000"/>
-              </a:lnSpc>
-              <a:spcBef>
-                <a:spcPts val="0"/>
-              </a:spcBef>
-              <a:spcAft>
-                <a:spcPts val="0"/>
-              </a:spcAft>
-              <a:buClrTx/>
-              <a:buSzTx/>
-              <a:buFontTx/>
-              <a:buNone/>
-              <a:tabLst/>
-              <a:defRPr/>
-            </a:pPr>
-            <a:r>
-              <a:rPr lang="en-US" sz="1200" dirty="0" smtClean="0"/>
-              <a:t>- Hooks let you split one component into smaller functions based on what pieces are related (such as setting up a subscription or fetching data)</a:t>
-            </a:r>
-            <a:br>
-              <a:rPr lang="en-US" sz="1200" dirty="0" smtClean="0"/>
-            </a:br>
-            <a:endParaRPr lang="en-US" sz="1200" dirty="0" smtClean="0"/>
-          </a:p>
-          <a:p>
-            <a:r>
-              <a:rPr lang="en-US" dirty="0" smtClean="0"/>
-              <a:t>- How </a:t>
-            </a:r>
-            <a:r>
-              <a:rPr lang="en-US" i="1" dirty="0" smtClean="0"/>
-              <a:t>this</a:t>
-            </a:r>
-            <a:r>
-              <a:rPr lang="en-US" dirty="0" smtClean="0"/>
-              <a:t> works, remember bind the event handlers…</a:t>
-            </a:r>
-            <a:r>
-              <a:rPr lang="en-US" b="1" dirty="0" smtClean="0"/>
-              <a:t/>
-            </a:r>
-            <a:br>
-              <a:rPr lang="en-US" b="1" dirty="0" smtClean="0"/>
-            </a:br>
-            <a:r>
-              <a:rPr lang="en-US" sz="1200" dirty="0" smtClean="0"/>
-              <a:t>- Hooks let you use more of </a:t>
-            </a:r>
-            <a:r>
-              <a:rPr lang="en-US" sz="1200" dirty="0" err="1" smtClean="0"/>
-              <a:t>React’s</a:t>
-            </a:r>
-            <a:r>
-              <a:rPr lang="en-US" sz="1200" dirty="0" smtClean="0"/>
-              <a:t> features without classes.</a:t>
-            </a:r>
             <a:endParaRPr lang="en-US" dirty="0"/>
           </a:p>
         </p:txBody>
@@ -869,7 +885,7 @@
     </p:spTree>
     <p:extLst>
       <p:ext uri="{BB962C8B-B14F-4D97-AF65-F5344CB8AC3E}">
-        <p14:creationId xmlns:p14="http://schemas.microsoft.com/office/powerpoint/2010/main" val="314059673"/>
+        <p14:creationId xmlns:p14="http://schemas.microsoft.com/office/powerpoint/2010/main" val="2668052865"/>
       </p:ext>
     </p:extLst>
   </p:cSld>
@@ -940,7 +956,148 @@
               <a:tabLst/>
               <a:defRPr/>
             </a:pPr>
-            <a:endParaRPr lang="en-US" dirty="0"/>
+            <a:r>
+              <a:rPr lang="en-US" dirty="0" smtClean="0"/>
+              <a:t>Combine</a:t>
+            </a:r>
+            <a:r>
+              <a:rPr lang="en-US" baseline="0" dirty="0" smtClean="0"/>
+              <a:t> with where questions.</a:t>
+            </a:r>
+          </a:p>
+          <a:p>
+            <a:pPr marL="0" marR="0" lvl="0" indent="0" algn="l" defTabSz="914400" rtl="0" eaLnBrk="1" fontAlgn="auto" latinLnBrk="0" hangingPunct="1">
+              <a:lnSpc>
+                <a:spcPct val="100000"/>
+              </a:lnSpc>
+              <a:spcBef>
+                <a:spcPts val="0"/>
+              </a:spcBef>
+              <a:spcAft>
+                <a:spcPts val="0"/>
+              </a:spcAft>
+              <a:buClrTx/>
+              <a:buSzTx/>
+              <a:buFontTx/>
+              <a:buNone/>
+              <a:tabLst/>
+              <a:defRPr/>
+            </a:pPr>
+            <a:endParaRPr lang="en-US" dirty="0" smtClean="0"/>
+          </a:p>
+          <a:p>
+            <a:pPr marL="228600" marR="0" lvl="0" indent="-228600" algn="l" defTabSz="914400" rtl="0" eaLnBrk="1" fontAlgn="auto" latinLnBrk="0" hangingPunct="1">
+              <a:lnSpc>
+                <a:spcPct val="100000"/>
+              </a:lnSpc>
+              <a:spcBef>
+                <a:spcPts val="0"/>
+              </a:spcBef>
+              <a:spcAft>
+                <a:spcPts val="0"/>
+              </a:spcAft>
+              <a:buClrTx/>
+              <a:buSzTx/>
+              <a:buFontTx/>
+              <a:buAutoNum type="alphaLcPeriod"/>
+              <a:tabLst/>
+              <a:defRPr/>
+            </a:pPr>
+            <a:r>
+              <a:rPr lang="en-US" baseline="0" dirty="0" smtClean="0"/>
+              <a:t>Rules of hooks:</a:t>
+            </a:r>
+            <a:br>
+              <a:rPr lang="en-US" baseline="0" dirty="0" smtClean="0"/>
+            </a:br>
+            <a:r>
+              <a:rPr lang="en-US" baseline="0" dirty="0" smtClean="0"/>
+              <a:t>- </a:t>
+            </a:r>
+            <a:r>
+              <a:rPr lang="en-US" sz="1200" b="0" i="0" kern="1200" dirty="0" smtClean="0">
+                <a:solidFill>
+                  <a:schemeClr val="tx1"/>
+                </a:solidFill>
+                <a:effectLst/>
+                <a:latin typeface="+mn-lt"/>
+                <a:ea typeface="+mn-ea"/>
+                <a:cs typeface="+mn-cs"/>
+              </a:rPr>
+              <a:t>Ensure that Hooks are called in the same order each time a component renders. </a:t>
+            </a:r>
+            <a:r>
+              <a:rPr lang="en-US" baseline="0" dirty="0" smtClean="0"/>
+              <a:t>Make Hooks preserve the state of Hooks between multiple </a:t>
+            </a:r>
+            <a:r>
+              <a:rPr lang="en-US" i="1" baseline="0" dirty="0" err="1" smtClean="0"/>
+              <a:t>useState</a:t>
+            </a:r>
+            <a:r>
+              <a:rPr lang="en-US" i="0" baseline="0" dirty="0" smtClean="0"/>
+              <a:t> and </a:t>
+            </a:r>
+            <a:r>
+              <a:rPr lang="en-US" i="1" baseline="0" dirty="0" err="1" smtClean="0"/>
+              <a:t>useEffect</a:t>
+            </a:r>
+            <a:r>
+              <a:rPr lang="en-US" i="0" baseline="0" dirty="0" smtClean="0"/>
+              <a:t>.</a:t>
+            </a:r>
+            <a:br>
+              <a:rPr lang="en-US" i="0" baseline="0" dirty="0" smtClean="0"/>
+            </a:br>
+            <a:r>
+              <a:rPr lang="en-US" i="0" baseline="0" dirty="0" smtClean="0"/>
+              <a:t>- Regular </a:t>
+            </a:r>
+            <a:r>
+              <a:rPr lang="en-US" i="0" baseline="0" dirty="0" err="1" smtClean="0"/>
+              <a:t>Js</a:t>
+            </a:r>
+            <a:r>
+              <a:rPr lang="en-US" i="0" baseline="0" dirty="0" smtClean="0"/>
+              <a:t> functions: ajax …. This rule</a:t>
+            </a:r>
+            <a:r>
+              <a:rPr lang="en-US" sz="1200" b="0" i="0" kern="1200" dirty="0" smtClean="0">
+                <a:solidFill>
+                  <a:schemeClr val="tx1"/>
+                </a:solidFill>
+                <a:effectLst/>
+                <a:latin typeface="+mn-lt"/>
+                <a:ea typeface="+mn-ea"/>
+                <a:cs typeface="+mn-cs"/>
+              </a:rPr>
+              <a:t> ensure that all </a:t>
+            </a:r>
+            <a:r>
+              <a:rPr lang="en-US" sz="1200" b="0" i="0" kern="1200" dirty="0" err="1" smtClean="0">
+                <a:solidFill>
+                  <a:schemeClr val="tx1"/>
+                </a:solidFill>
+                <a:effectLst/>
+                <a:latin typeface="+mn-lt"/>
+                <a:ea typeface="+mn-ea"/>
+                <a:cs typeface="+mn-cs"/>
+              </a:rPr>
+              <a:t>stateful</a:t>
+            </a:r>
+            <a:r>
+              <a:rPr lang="en-US" sz="1200" b="0" i="0" kern="1200" dirty="0" smtClean="0">
+                <a:solidFill>
+                  <a:schemeClr val="tx1"/>
+                </a:solidFill>
+                <a:effectLst/>
+                <a:latin typeface="+mn-lt"/>
+                <a:ea typeface="+mn-ea"/>
+                <a:cs typeface="+mn-cs"/>
+              </a:rPr>
+              <a:t> logic in a component is clearly visible from its source code.</a:t>
+            </a:r>
+            <a:endParaRPr lang="en-US" baseline="0" dirty="0" smtClean="0"/>
           </a:p>
         </p:txBody>
       </p:sp>
@@ -970,7 +1127,7 @@
     </p:spTree>
     <p:extLst>
       <p:ext uri="{BB962C8B-B14F-4D97-AF65-F5344CB8AC3E}">
-        <p14:creationId xmlns:p14="http://schemas.microsoft.com/office/powerpoint/2010/main" val="2668052865"/>
+        <p14:creationId xmlns:p14="http://schemas.microsoft.com/office/powerpoint/2010/main" val="882481392"/>
       </p:ext>
     </p:extLst>
   </p:cSld>
@@ -1212,7 +1369,7 @@
     </p:spTree>
     <p:extLst>
       <p:ext uri="{BB962C8B-B14F-4D97-AF65-F5344CB8AC3E}">
-        <p14:creationId xmlns:p14="http://schemas.microsoft.com/office/powerpoint/2010/main" val="882481392"/>
+        <p14:creationId xmlns:p14="http://schemas.microsoft.com/office/powerpoint/2010/main" val="3141670522"/>
       </p:ext>
     </p:extLst>
   </p:cSld>
@@ -1454,7 +1611,7 @@
     </p:spTree>
     <p:extLst>
       <p:ext uri="{BB962C8B-B14F-4D97-AF65-F5344CB8AC3E}">
-        <p14:creationId xmlns:p14="http://schemas.microsoft.com/office/powerpoint/2010/main" val="3141670522"/>
+        <p14:creationId xmlns:p14="http://schemas.microsoft.com/office/powerpoint/2010/main" val="1735810926"/>
       </p:ext>
     </p:extLst>
   </p:cSld>
@@ -1688,248 +1845,6 @@
             <a:fld id="{FBF31ECA-FEBF-416A-9457-D684578178CB}" type="slidenum">
               <a:rPr lang="en-US" smtClean="0"/>
               <a:t>9</a:t>
-            </a:fld>
-            <a:endParaRPr lang="en-US"/>
-          </a:p>
-        </p:txBody>
-      </p:sp>
-    </p:spTree>
-    <p:extLst>
-      <p:ext uri="{BB962C8B-B14F-4D97-AF65-F5344CB8AC3E}">
-        <p14:creationId xmlns:p14="http://schemas.microsoft.com/office/powerpoint/2010/main" val="1735810926"/>
-      </p:ext>
-    </p:extLst>
-  </p:cSld>
-  <p:clrMapOvr>
-    <a:masterClrMapping/>
-  </p:clrMapOvr>
-</p:notes>
-</file>
-
-<file path=ppt/notesSlides/notesSlide8.xml><?xml version="1.0" encoding="utf-8"?>
-<p:notes xmlns:a="http://schemas.openxmlformats.org/drawingml/2006/main" xmlns:r="http://schemas.openxmlformats.org/officeDocument/2006/relationships" xmlns:p="http://schemas.openxmlformats.org/presentationml/2006/main">
-  <p:cSld>
-    <p:spTree>
-      <p:nvGrpSpPr>
-        <p:cNvPr id="1" name=""/>
-        <p:cNvGrpSpPr/>
-        <p:nvPr/>
-      </p:nvGrpSpPr>
-      <p:grpSpPr>
-        <a:xfrm>
-          <a:off x="0" y="0"/>
-          <a:ext cx="0" cy="0"/>
-          <a:chOff x="0" y="0"/>
-          <a:chExt cx="0" cy="0"/>
-        </a:xfrm>
-      </p:grpSpPr>
-      <p:sp>
-        <p:nvSpPr>
-          <p:cNvPr id="2" name="Slide Image Placeholder 1"/>
-          <p:cNvSpPr>
-            <a:spLocks noGrp="1" noRot="1" noChangeAspect="1"/>
-          </p:cNvSpPr>
-          <p:nvPr>
-            <p:ph type="sldImg"/>
-          </p:nvPr>
-        </p:nvSpPr>
-        <p:spPr/>
-      </p:sp>
-      <p:sp>
-        <p:nvSpPr>
-          <p:cNvPr id="3" name="Notes Placeholder 2"/>
-          <p:cNvSpPr>
-            <a:spLocks noGrp="1"/>
-          </p:cNvSpPr>
-          <p:nvPr>
-            <p:ph type="body" idx="1"/>
-          </p:nvPr>
-        </p:nvSpPr>
-        <p:spPr/>
-        <p:txBody>
-          <a:bodyPr/>
-          <a:lstStyle/>
-          <a:p>
-            <a:pPr marL="0" marR="0" lvl="0" indent="0" algn="l" defTabSz="914400" rtl="0" eaLnBrk="1" fontAlgn="auto" latinLnBrk="0" hangingPunct="1">
-              <a:lnSpc>
-                <a:spcPct val="100000"/>
-              </a:lnSpc>
-              <a:spcBef>
-                <a:spcPts val="0"/>
-              </a:spcBef>
-              <a:spcAft>
-                <a:spcPts val="0"/>
-              </a:spcAft>
-              <a:buClrTx/>
-              <a:buSzTx/>
-              <a:buFontTx/>
-              <a:buNone/>
-              <a:tabLst/>
-              <a:defRPr/>
-            </a:pPr>
-            <a:r>
-              <a:rPr lang="en-US" dirty="0" smtClean="0"/>
-              <a:t>Combine</a:t>
-            </a:r>
-            <a:r>
-              <a:rPr lang="en-US" baseline="0" dirty="0" smtClean="0"/>
-              <a:t> with where questions.</a:t>
-            </a:r>
-          </a:p>
-          <a:p>
-            <a:pPr marL="0" marR="0" lvl="0" indent="0" algn="l" defTabSz="914400" rtl="0" eaLnBrk="1" fontAlgn="auto" latinLnBrk="0" hangingPunct="1">
-              <a:lnSpc>
-                <a:spcPct val="100000"/>
-              </a:lnSpc>
-              <a:spcBef>
-                <a:spcPts val="0"/>
-              </a:spcBef>
-              <a:spcAft>
-                <a:spcPts val="0"/>
-              </a:spcAft>
-              <a:buClrTx/>
-              <a:buSzTx/>
-              <a:buFontTx/>
-              <a:buNone/>
-              <a:tabLst/>
-              <a:defRPr/>
-            </a:pPr>
-            <a:endParaRPr lang="en-US" dirty="0" smtClean="0"/>
-          </a:p>
-          <a:p>
-            <a:pPr marL="228600" marR="0" lvl="0" indent="-228600" algn="l" defTabSz="914400" rtl="0" eaLnBrk="1" fontAlgn="auto" latinLnBrk="0" hangingPunct="1">
-              <a:lnSpc>
-                <a:spcPct val="100000"/>
-              </a:lnSpc>
-              <a:spcBef>
-                <a:spcPts val="0"/>
-              </a:spcBef>
-              <a:spcAft>
-                <a:spcPts val="0"/>
-              </a:spcAft>
-              <a:buClrTx/>
-              <a:buSzTx/>
-              <a:buFontTx/>
-              <a:buAutoNum type="alphaLcPeriod"/>
-              <a:tabLst/>
-              <a:defRPr/>
-            </a:pPr>
-            <a:r>
-              <a:rPr lang="en-US" baseline="0" dirty="0" smtClean="0"/>
-              <a:t>Rules of hooks:</a:t>
-            </a:r>
-            <a:br>
-              <a:rPr lang="en-US" baseline="0" dirty="0" smtClean="0"/>
-            </a:br>
-            <a:r>
-              <a:rPr lang="en-US" baseline="0" dirty="0" smtClean="0"/>
-              <a:t>- </a:t>
-            </a:r>
-            <a:r>
-              <a:rPr lang="en-US" sz="1200" b="0" i="0" kern="1200" dirty="0" smtClean="0">
-                <a:solidFill>
-                  <a:schemeClr val="tx1"/>
-                </a:solidFill>
-                <a:effectLst/>
-                <a:latin typeface="+mn-lt"/>
-                <a:ea typeface="+mn-ea"/>
-                <a:cs typeface="+mn-cs"/>
-              </a:rPr>
-              <a:t>Ensure that Hooks are called in the same order each time a component renders. </a:t>
-            </a:r>
-            <a:r>
-              <a:rPr lang="en-US" baseline="0" dirty="0" smtClean="0"/>
-              <a:t>Make Hooks preserve the state of Hooks between multiple </a:t>
-            </a:r>
-            <a:r>
-              <a:rPr lang="en-US" i="1" baseline="0" dirty="0" err="1" smtClean="0"/>
-              <a:t>useState</a:t>
-            </a:r>
-            <a:r>
-              <a:rPr lang="en-US" i="0" baseline="0" dirty="0" smtClean="0"/>
-              <a:t> and </a:t>
-            </a:r>
-            <a:r>
-              <a:rPr lang="en-US" i="1" baseline="0" dirty="0" err="1" smtClean="0"/>
-              <a:t>useEffect</a:t>
-            </a:r>
-            <a:r>
-              <a:rPr lang="en-US" i="0" baseline="0" dirty="0" smtClean="0"/>
-              <a:t>.</a:t>
-            </a:r>
-            <a:br>
-              <a:rPr lang="en-US" i="0" baseline="0" dirty="0" smtClean="0"/>
-            </a:br>
-            <a:r>
-              <a:rPr lang="en-US" i="0" baseline="0" dirty="0" smtClean="0"/>
-              <a:t>- Regular </a:t>
-            </a:r>
-            <a:r>
-              <a:rPr lang="en-US" i="0" baseline="0" dirty="0" err="1" smtClean="0"/>
-              <a:t>Js</a:t>
-            </a:r>
-            <a:r>
-              <a:rPr lang="en-US" i="0" baseline="0" dirty="0" smtClean="0"/>
-              <a:t> functions: ajax …. This rule</a:t>
-            </a:r>
-            <a:r>
-              <a:rPr lang="en-US" sz="1200" b="0" i="0" kern="1200" dirty="0" smtClean="0">
-                <a:solidFill>
-                  <a:schemeClr val="tx1"/>
-                </a:solidFill>
-                <a:effectLst/>
-                <a:latin typeface="+mn-lt"/>
-                <a:ea typeface="+mn-ea"/>
-                <a:cs typeface="+mn-cs"/>
-              </a:rPr>
-              <a:t> ensure that all </a:t>
-            </a:r>
-            <a:r>
-              <a:rPr lang="en-US" sz="1200" b="0" i="0" kern="1200" dirty="0" err="1" smtClean="0">
-                <a:solidFill>
-                  <a:schemeClr val="tx1"/>
-                </a:solidFill>
-                <a:effectLst/>
-                <a:latin typeface="+mn-lt"/>
-                <a:ea typeface="+mn-ea"/>
-                <a:cs typeface="+mn-cs"/>
-              </a:rPr>
-              <a:t>stateful</a:t>
-            </a:r>
-            <a:r>
-              <a:rPr lang="en-US" sz="1200" b="0" i="0" kern="1200" dirty="0" smtClean="0">
-                <a:solidFill>
-                  <a:schemeClr val="tx1"/>
-                </a:solidFill>
-                <a:effectLst/>
-                <a:latin typeface="+mn-lt"/>
-                <a:ea typeface="+mn-ea"/>
-                <a:cs typeface="+mn-cs"/>
-              </a:rPr>
-              <a:t> logic in a component is clearly visible from its source code.</a:t>
-            </a:r>
-            <a:endParaRPr lang="en-US" baseline="0" dirty="0" smtClean="0"/>
-          </a:p>
-        </p:txBody>
-      </p:sp>
-      <p:sp>
-        <p:nvSpPr>
-          <p:cNvPr id="4" name="Slide Number Placeholder 3"/>
-          <p:cNvSpPr>
-            <a:spLocks noGrp="1"/>
-          </p:cNvSpPr>
-          <p:nvPr>
-            <p:ph type="sldNum" sz="quarter" idx="10"/>
-          </p:nvPr>
-        </p:nvSpPr>
-        <p:spPr/>
-        <p:txBody>
-          <a:bodyPr/>
-          <a:lstStyle/>
-          <a:p>
-            <a:fld id="{FBF31ECA-FEBF-416A-9457-D684578178CB}" type="slidenum">
-              <a:rPr lang="en-US" smtClean="0"/>
-              <a:t>10</a:t>
             </a:fld>
             <a:endParaRPr lang="en-US"/>
           </a:p>
@@ -2079,7 +1994,7 @@
           <a:p>
             <a:fld id="{7C748A7E-DDFB-4289-8D37-2F2F1B28B67B}" type="datetimeFigureOut">
               <a:rPr lang="en-US" smtClean="0"/>
-              <a:t>5/8/2019</a:t>
+              <a:t>5/9/2019</a:t>
             </a:fld>
             <a:endParaRPr lang="en-US"/>
           </a:p>
@@ -2249,7 +2164,7 @@
           <a:p>
             <a:fld id="{7C748A7E-DDFB-4289-8D37-2F2F1B28B67B}" type="datetimeFigureOut">
               <a:rPr lang="en-US" smtClean="0"/>
-              <a:t>5/8/2019</a:t>
+              <a:t>5/9/2019</a:t>
             </a:fld>
             <a:endParaRPr lang="en-US"/>
           </a:p>
@@ -2429,7 +2344,7 @@
           <a:p>
             <a:fld id="{7C748A7E-DDFB-4289-8D37-2F2F1B28B67B}" type="datetimeFigureOut">
               <a:rPr lang="en-US" smtClean="0"/>
-              <a:t>5/8/2019</a:t>
+              <a:t>5/9/2019</a:t>
             </a:fld>
             <a:endParaRPr lang="en-US"/>
           </a:p>
@@ -2599,7 +2514,7 @@
           <a:p>
             <a:fld id="{7C748A7E-DDFB-4289-8D37-2F2F1B28B67B}" type="datetimeFigureOut">
               <a:rPr lang="en-US" smtClean="0"/>
-              <a:t>5/8/2019</a:t>
+              <a:t>5/9/2019</a:t>
             </a:fld>
             <a:endParaRPr lang="en-US"/>
           </a:p>
@@ -2845,7 +2760,7 @@
           <a:p>
             <a:fld id="{7C748A7E-DDFB-4289-8D37-2F2F1B28B67B}" type="datetimeFigureOut">
               <a:rPr lang="en-US" smtClean="0"/>
-              <a:t>5/8/2019</a:t>
+              <a:t>5/9/2019</a:t>
             </a:fld>
             <a:endParaRPr lang="en-US"/>
           </a:p>
@@ -3077,7 +2992,7 @@
           <a:p>
             <a:fld id="{7C748A7E-DDFB-4289-8D37-2F2F1B28B67B}" type="datetimeFigureOut">
               <a:rPr lang="en-US" smtClean="0"/>
-              <a:t>5/8/2019</a:t>
+              <a:t>5/9/2019</a:t>
             </a:fld>
             <a:endParaRPr lang="en-US"/>
           </a:p>
@@ -3444,7 +3359,7 @@
           <a:p>
             <a:fld id="{7C748A7E-DDFB-4289-8D37-2F2F1B28B67B}" type="datetimeFigureOut">
               <a:rPr lang="en-US" smtClean="0"/>
-              <a:t>5/8/2019</a:t>
+              <a:t>5/9/2019</a:t>
             </a:fld>
             <a:endParaRPr lang="en-US"/>
           </a:p>
@@ -3562,7 +3477,7 @@
           <a:p>
             <a:fld id="{7C748A7E-DDFB-4289-8D37-2F2F1B28B67B}" type="datetimeFigureOut">
               <a:rPr lang="en-US" smtClean="0"/>
-              <a:t>5/8/2019</a:t>
+              <a:t>5/9/2019</a:t>
             </a:fld>
             <a:endParaRPr lang="en-US"/>
           </a:p>
@@ -3657,7 +3572,7 @@
           <a:p>
             <a:fld id="{7C748A7E-DDFB-4289-8D37-2F2F1B28B67B}" type="datetimeFigureOut">
               <a:rPr lang="en-US" smtClean="0"/>
-              <a:t>5/8/2019</a:t>
+              <a:t>5/9/2019</a:t>
             </a:fld>
             <a:endParaRPr lang="en-US"/>
           </a:p>
@@ -3934,7 +3849,7 @@
           <a:p>
             <a:fld id="{7C748A7E-DDFB-4289-8D37-2F2F1B28B67B}" type="datetimeFigureOut">
               <a:rPr lang="en-US" smtClean="0"/>
-              <a:t>5/8/2019</a:t>
+              <a:t>5/9/2019</a:t>
             </a:fld>
             <a:endParaRPr lang="en-US"/>
           </a:p>
@@ -4187,7 +4102,7 @@
           <a:p>
             <a:fld id="{7C748A7E-DDFB-4289-8D37-2F2F1B28B67B}" type="datetimeFigureOut">
               <a:rPr lang="en-US" smtClean="0"/>
-              <a:t>5/8/2019</a:t>
+              <a:t>5/9/2019</a:t>
             </a:fld>
             <a:endParaRPr lang="en-US"/>
           </a:p>
@@ -4400,7 +4315,7 @@
           <a:p>
             <a:fld id="{7C748A7E-DDFB-4289-8D37-2F2F1B28B67B}" type="datetimeFigureOut">
               <a:rPr lang="en-US" smtClean="0"/>
-              <a:t>5/8/2019</a:t>
+              <a:t>5/9/2019</a:t>
             </a:fld>
             <a:endParaRPr lang="en-US"/>
           </a:p>
@@ -4888,239 +4803,6 @@
 </p:sld>
 </file>
 
-<file path=ppt/slides/slide10.xml><?xml version="1.0" encoding="utf-8"?>
-<p:sld xmlns:a="http://schemas.openxmlformats.org/drawingml/2006/main" xmlns:r="http://schemas.openxmlformats.org/officeDocument/2006/relationships" xmlns:p="http://schemas.openxmlformats.org/presentationml/2006/main">
-  <p:cSld>
-    <p:spTree>
-      <p:nvGrpSpPr>
-        <p:cNvPr id="1" name=""/>
-        <p:cNvGrpSpPr/>
-        <p:nvPr/>
-      </p:nvGrpSpPr>
-      <p:grpSpPr>
-        <a:xfrm>
-          <a:off x="0" y="0"/>
-          <a:ext cx="0" cy="0"/>
-          <a:chOff x="0" y="0"/>
-          <a:chExt cx="0" cy="0"/>
-        </a:xfrm>
-      </p:grpSpPr>
-      <p:sp>
-        <p:nvSpPr>
-          <p:cNvPr id="2" name="Title 1"/>
-          <p:cNvSpPr>
-            <a:spLocks noGrp="1"/>
-          </p:cNvSpPr>
-          <p:nvPr>
-            <p:ph type="title"/>
-          </p:nvPr>
-        </p:nvSpPr>
-        <p:spPr>
-          <a:xfrm>
-            <a:off x="347546" y="365125"/>
-            <a:ext cx="10515600" cy="1325563"/>
-          </a:xfrm>
-        </p:spPr>
-        <p:txBody>
-          <a:bodyPr/>
-          <a:lstStyle/>
-          <a:p>
-            <a:r>
-              <a:rPr lang="en-US" dirty="0"/>
-              <a:t>4</a:t>
-            </a:r>
-            <a:r>
-              <a:rPr lang="en-US" dirty="0" smtClean="0"/>
-              <a:t>. How to use Hooks</a:t>
-            </a:r>
-            <a:endParaRPr lang="en-US" dirty="0"/>
-          </a:p>
-        </p:txBody>
-      </p:sp>
-      <p:sp>
-        <p:nvSpPr>
-          <p:cNvPr id="3" name="Content Placeholder 2"/>
-          <p:cNvSpPr>
-            <a:spLocks noGrp="1"/>
-          </p:cNvSpPr>
-          <p:nvPr>
-            <p:ph idx="1"/>
-          </p:nvPr>
-        </p:nvSpPr>
-        <p:spPr/>
-        <p:txBody>
-          <a:bodyPr>
-            <a:normAutofit/>
-          </a:bodyPr>
-          <a:lstStyle/>
-          <a:p>
-            <a:pPr marL="0" indent="0">
-              <a:lnSpc>
-                <a:spcPct val="150000"/>
-              </a:lnSpc>
-              <a:buNone/>
-            </a:pPr>
-            <a:r>
-              <a:rPr lang="en-US" dirty="0" smtClean="0"/>
-              <a:t>1. </a:t>
-            </a:r>
-            <a:r>
-              <a:rPr lang="en-US" dirty="0" err="1" smtClean="0"/>
-              <a:t>useState</a:t>
-            </a:r>
-            <a:endParaRPr lang="en-US" dirty="0"/>
-          </a:p>
-        </p:txBody>
-      </p:sp>
-    </p:spTree>
-    <p:extLst>
-      <p:ext uri="{BB962C8B-B14F-4D97-AF65-F5344CB8AC3E}">
-        <p14:creationId xmlns:p14="http://schemas.microsoft.com/office/powerpoint/2010/main" val="2107021493"/>
-      </p:ext>
-    </p:extLst>
-  </p:cSld>
-  <p:clrMapOvr>
-    <a:masterClrMapping/>
-  </p:clrMapOvr>
-  <p:timing>
-    <p:tnLst>
-      <p:par>
-        <p:cTn id="1" dur="indefinite" restart="never" nodeType="tmRoot">
-          <p:childTnLst>
-            <p:seq concurrent="1" nextAc="seek">
-              <p:cTn id="2" dur="indefinite" nodeType="mainSeq">
-                <p:childTnLst>
-                  <p:par>
-                    <p:cTn id="3" fill="hold">
-                      <p:stCondLst>
-                        <p:cond delay="indefinite"/>
-                      </p:stCondLst>
-                      <p:childTnLst>
-                        <p:par>
-                          <p:cTn id="4" fill="hold">
-                            <p:stCondLst>
-                              <p:cond delay="0"/>
-                            </p:stCondLst>
-                            <p:childTnLst>
-                              <p:par>
-                                <p:cTn id="5" presetID="2" presetClass="entr" presetSubtype="4" fill="hold" grpId="0" nodeType="clickEffect">
-                                  <p:stCondLst>
-                                    <p:cond delay="0"/>
-                                  </p:stCondLst>
-                                  <p:childTnLst>
-                                    <p:set>
-                                      <p:cBhvr>
-                                        <p:cTn id="6" dur="1" fill="hold">
-                                          <p:stCondLst>
-                                            <p:cond delay="0"/>
-                                          </p:stCondLst>
-                                        </p:cTn>
-                                        <p:tgtEl>
-                                          <p:spTgt spid="3">
-                                            <p:txEl>
-                                              <p:pRg st="0" end="0"/>
-                                            </p:txEl>
-                                          </p:spTgt>
-                                        </p:tgtEl>
-                                        <p:attrNameLst>
-                                          <p:attrName>style.visibility</p:attrName>
-                                        </p:attrNameLst>
-                                      </p:cBhvr>
-                                      <p:to>
-                                        <p:strVal val="visible"/>
-                                      </p:to>
-                                    </p:set>
-                                    <p:anim calcmode="lin" valueType="num">
-                                      <p:cBhvr additive="base">
-                                        <p:cTn id="7" dur="500" fill="hold"/>
-                                        <p:tgtEl>
-                                          <p:spTgt spid="3">
-                                            <p:txEl>
-                                              <p:pRg st="0" end="0"/>
-                                            </p:txEl>
-                                          </p:spTgt>
-                                        </p:tgtEl>
-                                        <p:attrNameLst>
-                                          <p:attrName>ppt_x</p:attrName>
-                                        </p:attrNameLst>
-                                      </p:cBhvr>
-                                      <p:tavLst>
-                                        <p:tav tm="0">
-                                          <p:val>
-                                            <p:strVal val="#ppt_x"/>
-                                          </p:val>
-                                        </p:tav>
-                                        <p:tav tm="100000">
-                                          <p:val>
-                                            <p:strVal val="#ppt_x"/>
-                                          </p:val>
-                                        </p:tav>
-                                      </p:tavLst>
-                                    </p:anim>
-                                    <p:anim calcmode="lin" valueType="num">
-                                      <p:cBhvr additive="base">
-                                        <p:cTn id="8" dur="500" fill="hold"/>
-                                        <p:tgtEl>
-                                          <p:spTgt spid="3">
-                                            <p:txEl>
-                                              <p:pRg st="0" end="0"/>
-                                            </p:txEl>
-                                          </p:spTgt>
-                                        </p:tgtEl>
-                                        <p:attrNameLst>
-                                          <p:attrName>ppt_y</p:attrName>
-                                        </p:attrNameLst>
-                                      </p:cBhvr>
-                                      <p:tavLst>
-                                        <p:tav tm="0">
-                                          <p:val>
-                                            <p:strVal val="1+#ppt_h/2"/>
-                                          </p:val>
-                                        </p:tav>
-                                        <p:tav tm="100000">
-                                          <p:val>
-                                            <p:strVal val="#ppt_y"/>
-                                          </p:val>
-                                        </p:tav>
-                                      </p:tavLst>
-                                    </p:anim>
-                                  </p:childTnLst>
-                                </p:cTn>
-                              </p:par>
-                            </p:childTnLst>
-                          </p:cTn>
-                        </p:par>
-                      </p:childTnLst>
-                    </p:cTn>
-                  </p:par>
-                </p:childTnLst>
-              </p:cTn>
-              <p:prevCondLst>
-                <p:cond evt="onPrev" delay="0">
-                  <p:tgtEl>
-                    <p:sldTgt/>
-                  </p:tgtEl>
-                </p:cond>
-              </p:prevCondLst>
-              <p:nextCondLst>
-                <p:cond evt="onNext" delay="0">
-                  <p:tgtEl>
-                    <p:sldTgt/>
-                  </p:tgtEl>
-                </p:cond>
-              </p:nextCondLst>
-            </p:seq>
-          </p:childTnLst>
-        </p:cTn>
-      </p:par>
-    </p:tnLst>
-    <p:bldLst>
-      <p:bldP spid="3" grpId="0" build="p"/>
-    </p:bldLst>
-  </p:timing>
-</p:sld>
-</file>
-
 <file path=ppt/slides/slide2.xml><?xml version="1.0" encoding="utf-8"?>
 <p:sld xmlns:a="http://schemas.openxmlformats.org/drawingml/2006/main" xmlns:r="http://schemas.openxmlformats.org/officeDocument/2006/relationships" xmlns:p="http://schemas.openxmlformats.org/presentationml/2006/main">
   <p:cSld>
@@ -5150,19 +4832,30 @@
         </p:nvSpPr>
         <p:spPr>
           <a:xfrm>
-            <a:off x="1524000" y="382385"/>
-            <a:ext cx="9144000" cy="914400"/>
+            <a:off x="0" y="0"/>
+            <a:ext cx="12192000" cy="1067274"/>
           </a:xfrm>
+          <a:solidFill>
+            <a:srgbClr val="00B0F0"/>
+          </a:solidFill>
         </p:spPr>
         <p:txBody>
           <a:bodyPr/>
           <a:lstStyle/>
           <a:p>
             <a:r>
-              <a:rPr lang="en-US" dirty="0" smtClean="0"/>
-              <a:t>React Hooks</a:t>
-            </a:r>
-            <a:endParaRPr lang="en-US" dirty="0"/>
+              <a:rPr lang="en-US" dirty="0" smtClean="0">
+                <a:solidFill>
+                  <a:schemeClr val="bg1"/>
+                </a:solidFill>
+              </a:rPr>
+              <a:t>CONTENTS</a:t>
+            </a:r>
+            <a:endParaRPr lang="en-US" dirty="0">
+              <a:solidFill>
+                <a:schemeClr val="bg1"/>
+              </a:solidFill>
+            </a:endParaRPr>
           </a:p>
         </p:txBody>
       </p:sp>
@@ -5184,7 +4877,7 @@
         </p:spPr>
         <p:txBody>
           <a:bodyPr>
-            <a:normAutofit fontScale="77500" lnSpcReduction="20000"/>
+            <a:normAutofit fontScale="70000" lnSpcReduction="20000"/>
           </a:bodyPr>
           <a:lstStyle/>
           <a:p>
@@ -5196,16 +4889,8 @@
               <a:buAutoNum type="arabicPeriod"/>
             </a:pPr>
             <a:r>
-              <a:rPr lang="en-US" dirty="0" smtClean="0"/>
-              <a:t>What are </a:t>
-            </a:r>
-            <a:r>
-              <a:rPr lang="en-US" dirty="0" smtClean="0"/>
-              <a:t>Hooks </a:t>
-            </a:r>
-            <a:r>
-              <a:rPr lang="en-US" dirty="0" smtClean="0"/>
-              <a:t>?</a:t>
+              <a:rPr lang="en-US" sz="3200" dirty="0" smtClean="0"/>
+              <a:t>Introduction</a:t>
             </a:r>
           </a:p>
           <a:p>
@@ -5217,16 +4902,8 @@
               <a:buAutoNum type="arabicPeriod"/>
             </a:pPr>
             <a:r>
-              <a:rPr lang="en-US" dirty="0" smtClean="0"/>
-              <a:t>Why use </a:t>
-            </a:r>
-            <a:r>
-              <a:rPr lang="en-US" dirty="0" smtClean="0"/>
-              <a:t>Hooks </a:t>
-            </a:r>
-            <a:r>
-              <a:rPr lang="en-US" dirty="0" smtClean="0"/>
-              <a:t>?</a:t>
+              <a:rPr lang="en-US" sz="3200" dirty="0" smtClean="0"/>
+              <a:t>Before Hooks</a:t>
             </a:r>
           </a:p>
           <a:p>
@@ -5238,17 +4915,10 @@
               <a:buAutoNum type="arabicPeriod"/>
             </a:pPr>
             <a:r>
-              <a:rPr lang="en-US" dirty="0" smtClean="0"/>
-              <a:t>When to use </a:t>
-            </a:r>
-            <a:r>
-              <a:rPr lang="en-US" dirty="0" smtClean="0"/>
-              <a:t>Hooks </a:t>
-            </a:r>
-            <a:r>
-              <a:rPr lang="en-US" dirty="0" smtClean="0"/>
-              <a:t>?</a:t>
-            </a:r>
+              <a:rPr lang="en-US" sz="3200" dirty="0" smtClean="0"/>
+              <a:t>With Hooks</a:t>
+            </a:r>
+            <a:endParaRPr lang="en-US" sz="3200" dirty="0" smtClean="0"/>
           </a:p>
           <a:p>
             <a:pPr marL="457200" indent="-457200" algn="l">
@@ -5259,588 +4929,10 @@
               <a:buAutoNum type="arabicPeriod"/>
             </a:pPr>
             <a:r>
-              <a:rPr lang="en-US" b="1" dirty="0" smtClean="0"/>
-              <a:t>How to use </a:t>
-            </a:r>
-            <a:r>
-              <a:rPr lang="en-US" b="1" dirty="0" smtClean="0"/>
-              <a:t>Hooks</a:t>
-            </a:r>
-            <a:r>
-              <a:rPr lang="en-US" dirty="0" smtClean="0"/>
-              <a:t> ?</a:t>
-            </a:r>
-            <a:br>
-              <a:rPr lang="en-US" dirty="0" smtClean="0"/>
-            </a:br>
-            <a:r>
-              <a:rPr lang="en-US" dirty="0" smtClean="0"/>
-              <a:t>4.1.</a:t>
-            </a:r>
-            <a:r>
-              <a:rPr lang="en-US" dirty="0" smtClean="0"/>
-              <a:t> Rules of Hooks.</a:t>
-            </a:r>
-            <a:br>
-              <a:rPr lang="en-US" dirty="0" smtClean="0"/>
-            </a:br>
-            <a:r>
-              <a:rPr lang="en-US" dirty="0" smtClean="0"/>
-              <a:t>4.2. Using The State Hooks.</a:t>
-            </a:r>
-            <a:br>
-              <a:rPr lang="en-US" dirty="0" smtClean="0"/>
-            </a:br>
-            <a:r>
-              <a:rPr lang="en-US" dirty="0" smtClean="0"/>
-              <a:t>4.3. Using The Effect Hooks.</a:t>
-            </a:r>
-            <a:br>
-              <a:rPr lang="en-US" dirty="0" smtClean="0"/>
-            </a:br>
-            <a:r>
-              <a:rPr lang="en-US" dirty="0" smtClean="0"/>
-              <a:t>4.4. Some basic Hooks</a:t>
-            </a:r>
-            <a:endParaRPr lang="en-US" dirty="0" smtClean="0"/>
-          </a:p>
-        </p:txBody>
-      </p:sp>
-    </p:spTree>
-    <p:extLst>
-      <p:ext uri="{BB962C8B-B14F-4D97-AF65-F5344CB8AC3E}">
-        <p14:creationId xmlns:p14="http://schemas.microsoft.com/office/powerpoint/2010/main" val="4187589244"/>
-      </p:ext>
-    </p:extLst>
-  </p:cSld>
-  <p:clrMapOvr>
-    <a:masterClrMapping/>
-  </p:clrMapOvr>
-  <p:timing>
-    <p:tnLst>
-      <p:par>
-        <p:cTn id="1" dur="indefinite" restart="never" nodeType="tmRoot">
-          <p:childTnLst>
-            <p:seq concurrent="1" nextAc="seek">
-              <p:cTn id="2" dur="indefinite" nodeType="mainSeq">
-                <p:childTnLst>
-                  <p:par>
-                    <p:cTn id="3" fill="hold">
-                      <p:stCondLst>
-                        <p:cond delay="indefinite"/>
-                      </p:stCondLst>
-                      <p:childTnLst>
-                        <p:par>
-                          <p:cTn id="4" fill="hold">
-                            <p:stCondLst>
-                              <p:cond delay="0"/>
-                            </p:stCondLst>
-                            <p:childTnLst>
-                              <p:par>
-                                <p:cTn id="5" presetID="2" presetClass="entr" presetSubtype="4" fill="hold" grpId="0" nodeType="clickEffect">
-                                  <p:stCondLst>
-                                    <p:cond delay="0"/>
-                                  </p:stCondLst>
-                                  <p:childTnLst>
-                                    <p:set>
-                                      <p:cBhvr>
-                                        <p:cTn id="6" dur="1" fill="hold">
-                                          <p:stCondLst>
-                                            <p:cond delay="0"/>
-                                          </p:stCondLst>
-                                        </p:cTn>
-                                        <p:tgtEl>
-                                          <p:spTgt spid="3">
-                                            <p:txEl>
-                                              <p:pRg st="0" end="0"/>
-                                            </p:txEl>
-                                          </p:spTgt>
-                                        </p:tgtEl>
-                                        <p:attrNameLst>
-                                          <p:attrName>style.visibility</p:attrName>
-                                        </p:attrNameLst>
-                                      </p:cBhvr>
-                                      <p:to>
-                                        <p:strVal val="visible"/>
-                                      </p:to>
-                                    </p:set>
-                                    <p:anim calcmode="lin" valueType="num">
-                                      <p:cBhvr additive="base">
-                                        <p:cTn id="7" dur="500" fill="hold"/>
-                                        <p:tgtEl>
-                                          <p:spTgt spid="3">
-                                            <p:txEl>
-                                              <p:pRg st="0" end="0"/>
-                                            </p:txEl>
-                                          </p:spTgt>
-                                        </p:tgtEl>
-                                        <p:attrNameLst>
-                                          <p:attrName>ppt_x</p:attrName>
-                                        </p:attrNameLst>
-                                      </p:cBhvr>
-                                      <p:tavLst>
-                                        <p:tav tm="0">
-                                          <p:val>
-                                            <p:strVal val="#ppt_x"/>
-                                          </p:val>
-                                        </p:tav>
-                                        <p:tav tm="100000">
-                                          <p:val>
-                                            <p:strVal val="#ppt_x"/>
-                                          </p:val>
-                                        </p:tav>
-                                      </p:tavLst>
-                                    </p:anim>
-                                    <p:anim calcmode="lin" valueType="num">
-                                      <p:cBhvr additive="base">
-                                        <p:cTn id="8" dur="500" fill="hold"/>
-                                        <p:tgtEl>
-                                          <p:spTgt spid="3">
-                                            <p:txEl>
-                                              <p:pRg st="0" end="0"/>
-                                            </p:txEl>
-                                          </p:spTgt>
-                                        </p:tgtEl>
-                                        <p:attrNameLst>
-                                          <p:attrName>ppt_y</p:attrName>
-                                        </p:attrNameLst>
-                                      </p:cBhvr>
-                                      <p:tavLst>
-                                        <p:tav tm="0">
-                                          <p:val>
-                                            <p:strVal val="1+#ppt_h/2"/>
-                                          </p:val>
-                                        </p:tav>
-                                        <p:tav tm="100000">
-                                          <p:val>
-                                            <p:strVal val="#ppt_y"/>
-                                          </p:val>
-                                        </p:tav>
-                                      </p:tavLst>
-                                    </p:anim>
-                                  </p:childTnLst>
-                                </p:cTn>
-                              </p:par>
-                            </p:childTnLst>
-                          </p:cTn>
-                        </p:par>
-                      </p:childTnLst>
-                    </p:cTn>
-                  </p:par>
-                  <p:par>
-                    <p:cTn id="9" fill="hold">
-                      <p:stCondLst>
-                        <p:cond delay="indefinite"/>
-                      </p:stCondLst>
-                      <p:childTnLst>
-                        <p:par>
-                          <p:cTn id="10" fill="hold">
-                            <p:stCondLst>
-                              <p:cond delay="0"/>
-                            </p:stCondLst>
-                            <p:childTnLst>
-                              <p:par>
-                                <p:cTn id="11" presetID="2" presetClass="entr" presetSubtype="4" fill="hold" grpId="0" nodeType="clickEffect">
-                                  <p:stCondLst>
-                                    <p:cond delay="0"/>
-                                  </p:stCondLst>
-                                  <p:childTnLst>
-                                    <p:set>
-                                      <p:cBhvr>
-                                        <p:cTn id="12" dur="1" fill="hold">
-                                          <p:stCondLst>
-                                            <p:cond delay="0"/>
-                                          </p:stCondLst>
-                                        </p:cTn>
-                                        <p:tgtEl>
-                                          <p:spTgt spid="3">
-                                            <p:txEl>
-                                              <p:pRg st="1" end="1"/>
-                                            </p:txEl>
-                                          </p:spTgt>
-                                        </p:tgtEl>
-                                        <p:attrNameLst>
-                                          <p:attrName>style.visibility</p:attrName>
-                                        </p:attrNameLst>
-                                      </p:cBhvr>
-                                      <p:to>
-                                        <p:strVal val="visible"/>
-                                      </p:to>
-                                    </p:set>
-                                    <p:anim calcmode="lin" valueType="num">
-                                      <p:cBhvr additive="base">
-                                        <p:cTn id="13" dur="500" fill="hold"/>
-                                        <p:tgtEl>
-                                          <p:spTgt spid="3">
-                                            <p:txEl>
-                                              <p:pRg st="1" end="1"/>
-                                            </p:txEl>
-                                          </p:spTgt>
-                                        </p:tgtEl>
-                                        <p:attrNameLst>
-                                          <p:attrName>ppt_x</p:attrName>
-                                        </p:attrNameLst>
-                                      </p:cBhvr>
-                                      <p:tavLst>
-                                        <p:tav tm="0">
-                                          <p:val>
-                                            <p:strVal val="#ppt_x"/>
-                                          </p:val>
-                                        </p:tav>
-                                        <p:tav tm="100000">
-                                          <p:val>
-                                            <p:strVal val="#ppt_x"/>
-                                          </p:val>
-                                        </p:tav>
-                                      </p:tavLst>
-                                    </p:anim>
-                                    <p:anim calcmode="lin" valueType="num">
-                                      <p:cBhvr additive="base">
-                                        <p:cTn id="14" dur="500" fill="hold"/>
-                                        <p:tgtEl>
-                                          <p:spTgt spid="3">
-                                            <p:txEl>
-                                              <p:pRg st="1" end="1"/>
-                                            </p:txEl>
-                                          </p:spTgt>
-                                        </p:tgtEl>
-                                        <p:attrNameLst>
-                                          <p:attrName>ppt_y</p:attrName>
-                                        </p:attrNameLst>
-                                      </p:cBhvr>
-                                      <p:tavLst>
-                                        <p:tav tm="0">
-                                          <p:val>
-                                            <p:strVal val="1+#ppt_h/2"/>
-                                          </p:val>
-                                        </p:tav>
-                                        <p:tav tm="100000">
-                                          <p:val>
-                                            <p:strVal val="#ppt_y"/>
-                                          </p:val>
-                                        </p:tav>
-                                      </p:tavLst>
-                                    </p:anim>
-                                  </p:childTnLst>
-                                </p:cTn>
-                              </p:par>
-                            </p:childTnLst>
-                          </p:cTn>
-                        </p:par>
-                      </p:childTnLst>
-                    </p:cTn>
-                  </p:par>
-                  <p:par>
-                    <p:cTn id="15" fill="hold">
-                      <p:stCondLst>
-                        <p:cond delay="indefinite"/>
-                      </p:stCondLst>
-                      <p:childTnLst>
-                        <p:par>
-                          <p:cTn id="16" fill="hold">
-                            <p:stCondLst>
-                              <p:cond delay="0"/>
-                            </p:stCondLst>
-                            <p:childTnLst>
-                              <p:par>
-                                <p:cTn id="17" presetID="2" presetClass="entr" presetSubtype="4" fill="hold" grpId="0" nodeType="clickEffect">
-                                  <p:stCondLst>
-                                    <p:cond delay="0"/>
-                                  </p:stCondLst>
-                                  <p:childTnLst>
-                                    <p:set>
-                                      <p:cBhvr>
-                                        <p:cTn id="18" dur="1" fill="hold">
-                                          <p:stCondLst>
-                                            <p:cond delay="0"/>
-                                          </p:stCondLst>
-                                        </p:cTn>
-                                        <p:tgtEl>
-                                          <p:spTgt spid="3">
-                                            <p:txEl>
-                                              <p:pRg st="2" end="2"/>
-                                            </p:txEl>
-                                          </p:spTgt>
-                                        </p:tgtEl>
-                                        <p:attrNameLst>
-                                          <p:attrName>style.visibility</p:attrName>
-                                        </p:attrNameLst>
-                                      </p:cBhvr>
-                                      <p:to>
-                                        <p:strVal val="visible"/>
-                                      </p:to>
-                                    </p:set>
-                                    <p:anim calcmode="lin" valueType="num">
-                                      <p:cBhvr additive="base">
-                                        <p:cTn id="19" dur="500" fill="hold"/>
-                                        <p:tgtEl>
-                                          <p:spTgt spid="3">
-                                            <p:txEl>
-                                              <p:pRg st="2" end="2"/>
-                                            </p:txEl>
-                                          </p:spTgt>
-                                        </p:tgtEl>
-                                        <p:attrNameLst>
-                                          <p:attrName>ppt_x</p:attrName>
-                                        </p:attrNameLst>
-                                      </p:cBhvr>
-                                      <p:tavLst>
-                                        <p:tav tm="0">
-                                          <p:val>
-                                            <p:strVal val="#ppt_x"/>
-                                          </p:val>
-                                        </p:tav>
-                                        <p:tav tm="100000">
-                                          <p:val>
-                                            <p:strVal val="#ppt_x"/>
-                                          </p:val>
-                                        </p:tav>
-                                      </p:tavLst>
-                                    </p:anim>
-                                    <p:anim calcmode="lin" valueType="num">
-                                      <p:cBhvr additive="base">
-                                        <p:cTn id="20" dur="500" fill="hold"/>
-                                        <p:tgtEl>
-                                          <p:spTgt spid="3">
-                                            <p:txEl>
-                                              <p:pRg st="2" end="2"/>
-                                            </p:txEl>
-                                          </p:spTgt>
-                                        </p:tgtEl>
-                                        <p:attrNameLst>
-                                          <p:attrName>ppt_y</p:attrName>
-                                        </p:attrNameLst>
-                                      </p:cBhvr>
-                                      <p:tavLst>
-                                        <p:tav tm="0">
-                                          <p:val>
-                                            <p:strVal val="1+#ppt_h/2"/>
-                                          </p:val>
-                                        </p:tav>
-                                        <p:tav tm="100000">
-                                          <p:val>
-                                            <p:strVal val="#ppt_y"/>
-                                          </p:val>
-                                        </p:tav>
-                                      </p:tavLst>
-                                    </p:anim>
-                                  </p:childTnLst>
-                                </p:cTn>
-                              </p:par>
-                            </p:childTnLst>
-                          </p:cTn>
-                        </p:par>
-                      </p:childTnLst>
-                    </p:cTn>
-                  </p:par>
-                  <p:par>
-                    <p:cTn id="21" fill="hold">
-                      <p:stCondLst>
-                        <p:cond delay="indefinite"/>
-                      </p:stCondLst>
-                      <p:childTnLst>
-                        <p:par>
-                          <p:cTn id="22" fill="hold">
-                            <p:stCondLst>
-                              <p:cond delay="0"/>
-                            </p:stCondLst>
-                            <p:childTnLst>
-                              <p:par>
-                                <p:cTn id="23" presetID="2" presetClass="entr" presetSubtype="4" fill="hold" grpId="0" nodeType="clickEffect">
-                                  <p:stCondLst>
-                                    <p:cond delay="0"/>
-                                  </p:stCondLst>
-                                  <p:childTnLst>
-                                    <p:set>
-                                      <p:cBhvr>
-                                        <p:cTn id="24" dur="1" fill="hold">
-                                          <p:stCondLst>
-                                            <p:cond delay="0"/>
-                                          </p:stCondLst>
-                                        </p:cTn>
-                                        <p:tgtEl>
-                                          <p:spTgt spid="3">
-                                            <p:txEl>
-                                              <p:pRg st="3" end="3"/>
-                                            </p:txEl>
-                                          </p:spTgt>
-                                        </p:tgtEl>
-                                        <p:attrNameLst>
-                                          <p:attrName>style.visibility</p:attrName>
-                                        </p:attrNameLst>
-                                      </p:cBhvr>
-                                      <p:to>
-                                        <p:strVal val="visible"/>
-                                      </p:to>
-                                    </p:set>
-                                    <p:anim calcmode="lin" valueType="num">
-                                      <p:cBhvr additive="base">
-                                        <p:cTn id="25" dur="500" fill="hold"/>
-                                        <p:tgtEl>
-                                          <p:spTgt spid="3">
-                                            <p:txEl>
-                                              <p:pRg st="3" end="3"/>
-                                            </p:txEl>
-                                          </p:spTgt>
-                                        </p:tgtEl>
-                                        <p:attrNameLst>
-                                          <p:attrName>ppt_x</p:attrName>
-                                        </p:attrNameLst>
-                                      </p:cBhvr>
-                                      <p:tavLst>
-                                        <p:tav tm="0">
-                                          <p:val>
-                                            <p:strVal val="#ppt_x"/>
-                                          </p:val>
-                                        </p:tav>
-                                        <p:tav tm="100000">
-                                          <p:val>
-                                            <p:strVal val="#ppt_x"/>
-                                          </p:val>
-                                        </p:tav>
-                                      </p:tavLst>
-                                    </p:anim>
-                                    <p:anim calcmode="lin" valueType="num">
-                                      <p:cBhvr additive="base">
-                                        <p:cTn id="26" dur="500" fill="hold"/>
-                                        <p:tgtEl>
-                                          <p:spTgt spid="3">
-                                            <p:txEl>
-                                              <p:pRg st="3" end="3"/>
-                                            </p:txEl>
-                                          </p:spTgt>
-                                        </p:tgtEl>
-                                        <p:attrNameLst>
-                                          <p:attrName>ppt_y</p:attrName>
-                                        </p:attrNameLst>
-                                      </p:cBhvr>
-                                      <p:tavLst>
-                                        <p:tav tm="0">
-                                          <p:val>
-                                            <p:strVal val="1+#ppt_h/2"/>
-                                          </p:val>
-                                        </p:tav>
-                                        <p:tav tm="100000">
-                                          <p:val>
-                                            <p:strVal val="#ppt_y"/>
-                                          </p:val>
-                                        </p:tav>
-                                      </p:tavLst>
-                                    </p:anim>
-                                  </p:childTnLst>
-                                </p:cTn>
-                              </p:par>
-                            </p:childTnLst>
-                          </p:cTn>
-                        </p:par>
-                      </p:childTnLst>
-                    </p:cTn>
-                  </p:par>
-                </p:childTnLst>
-              </p:cTn>
-              <p:prevCondLst>
-                <p:cond evt="onPrev" delay="0">
-                  <p:tgtEl>
-                    <p:sldTgt/>
-                  </p:tgtEl>
-                </p:cond>
-              </p:prevCondLst>
-              <p:nextCondLst>
-                <p:cond evt="onNext" delay="0">
-                  <p:tgtEl>
-                    <p:sldTgt/>
-                  </p:tgtEl>
-                </p:cond>
-              </p:nextCondLst>
-            </p:seq>
-          </p:childTnLst>
-        </p:cTn>
-      </p:par>
-    </p:tnLst>
-    <p:bldLst>
-      <p:bldP spid="3" grpId="0" build="p"/>
-    </p:bldLst>
-  </p:timing>
-</p:sld>
-</file>
-
-<file path=ppt/slides/slide3.xml><?xml version="1.0" encoding="utf-8"?>
-<p:sld xmlns:a="http://schemas.openxmlformats.org/drawingml/2006/main" xmlns:r="http://schemas.openxmlformats.org/officeDocument/2006/relationships" xmlns:p="http://schemas.openxmlformats.org/presentationml/2006/main">
-  <p:cSld>
-    <p:spTree>
-      <p:nvGrpSpPr>
-        <p:cNvPr id="1" name=""/>
-        <p:cNvGrpSpPr/>
-        <p:nvPr/>
-      </p:nvGrpSpPr>
-      <p:grpSpPr>
-        <a:xfrm>
-          <a:off x="0" y="0"/>
-          <a:ext cx="0" cy="0"/>
-          <a:chOff x="0" y="0"/>
-          <a:chExt cx="0" cy="0"/>
-        </a:xfrm>
-      </p:grpSpPr>
-      <p:sp>
-        <p:nvSpPr>
-          <p:cNvPr id="2" name="Title 1"/>
-          <p:cNvSpPr>
-            <a:spLocks noGrp="1"/>
-          </p:cNvSpPr>
-          <p:nvPr>
-            <p:ph type="ctrTitle"/>
-          </p:nvPr>
-        </p:nvSpPr>
-        <p:spPr>
-          <a:xfrm>
-            <a:off x="0" y="0"/>
-            <a:ext cx="12192000" cy="1067274"/>
-          </a:xfrm>
-          <a:solidFill>
-            <a:srgbClr val="00B0F0"/>
-          </a:solidFill>
-        </p:spPr>
-        <p:txBody>
-          <a:bodyPr/>
-          <a:lstStyle/>
-          <a:p>
-            <a:r>
-              <a:rPr lang="en-US" dirty="0" smtClean="0">
-                <a:solidFill>
-                  <a:schemeClr val="bg1"/>
-                </a:solidFill>
-              </a:rPr>
-              <a:t>CONTENTS</a:t>
-            </a:r>
-            <a:endParaRPr lang="en-US" dirty="0">
-              <a:solidFill>
-                <a:schemeClr val="bg1"/>
-              </a:solidFill>
-            </a:endParaRPr>
-          </a:p>
-        </p:txBody>
-      </p:sp>
-      <p:sp>
-        <p:nvSpPr>
-          <p:cNvPr id="3" name="Subtitle 2"/>
-          <p:cNvSpPr>
-            <a:spLocks noGrp="1"/>
-          </p:cNvSpPr>
-          <p:nvPr>
-            <p:ph type="subTitle" idx="1"/>
-          </p:nvPr>
-        </p:nvSpPr>
-        <p:spPr>
-          <a:xfrm>
-            <a:off x="1524000" y="1562792"/>
-            <a:ext cx="9144000" cy="4759949"/>
-          </a:xfrm>
-        </p:spPr>
-        <p:txBody>
-          <a:bodyPr>
-            <a:normAutofit fontScale="92500" lnSpcReduction="20000"/>
-          </a:bodyPr>
-          <a:lstStyle/>
+              <a:rPr lang="en-US" sz="3200" dirty="0" smtClean="0"/>
+              <a:t>How Do I Use Hooks</a:t>
+            </a:r>
+          </a:p>
           <a:p>
             <a:pPr marL="457200" indent="-457200" algn="l">
               <a:lnSpc>
@@ -5851,7 +4943,7 @@
             </a:pPr>
             <a:r>
               <a:rPr lang="en-US" sz="3200" dirty="0" smtClean="0"/>
-              <a:t>Introduction</a:t>
+              <a:t>Demo</a:t>
             </a:r>
           </a:p>
           <a:p>
@@ -5864,49 +4956,8 @@
             </a:pPr>
             <a:r>
               <a:rPr lang="en-US" sz="3200" dirty="0" smtClean="0"/>
-              <a:t>Function Component vs Class Component</a:t>
-            </a:r>
-          </a:p>
-          <a:p>
-            <a:pPr marL="457200" indent="-457200" algn="l">
-              <a:lnSpc>
-                <a:spcPct val="200000"/>
-              </a:lnSpc>
-              <a:buFont typeface="+mj-lt"/>
-              <a:buAutoNum type="arabicPeriod"/>
-            </a:pPr>
-            <a:r>
-              <a:rPr lang="en-US" sz="3200" smtClean="0"/>
-              <a:t>How Do I Use Hooks</a:t>
-            </a:r>
-            <a:endParaRPr lang="en-US" sz="3200" dirty="0" smtClean="0"/>
-          </a:p>
-          <a:p>
-            <a:pPr marL="457200" indent="-457200" algn="l">
-              <a:lnSpc>
-                <a:spcPct val="200000"/>
-              </a:lnSpc>
-              <a:buFont typeface="+mj-lt"/>
-              <a:buAutoNum type="arabicPeriod"/>
-            </a:pPr>
-            <a:r>
-              <a:rPr lang="en-US" sz="3200" dirty="0" smtClean="0"/>
-              <a:t>Demo</a:t>
-            </a:r>
-          </a:p>
-          <a:p>
-            <a:pPr marL="457200" indent="-457200" algn="l">
-              <a:lnSpc>
-                <a:spcPct val="200000"/>
-              </a:lnSpc>
-              <a:buFont typeface="+mj-lt"/>
-              <a:buAutoNum type="arabicPeriod"/>
-            </a:pPr>
-            <a:r>
-              <a:rPr lang="en-US" sz="3200" dirty="0" smtClean="0"/>
               <a:t>Questions</a:t>
             </a:r>
-            <a:endParaRPr lang="en-US" sz="3200" dirty="0" smtClean="0"/>
           </a:p>
           <a:p>
             <a:pPr marL="457200" indent="-457200" algn="l">
@@ -6453,6 +5504,648 @@
                       </p:childTnLst>
                     </p:cTn>
                   </p:par>
+                  <p:par>
+                    <p:cTn id="33" fill="hold">
+                      <p:stCondLst>
+                        <p:cond delay="indefinite"/>
+                      </p:stCondLst>
+                      <p:childTnLst>
+                        <p:par>
+                          <p:cTn id="34" fill="hold">
+                            <p:stCondLst>
+                              <p:cond delay="0"/>
+                            </p:stCondLst>
+                            <p:childTnLst>
+                              <p:par>
+                                <p:cTn id="35" presetID="2" presetClass="entr" presetSubtype="4" fill="hold" grpId="0" nodeType="clickEffect">
+                                  <p:stCondLst>
+                                    <p:cond delay="0"/>
+                                  </p:stCondLst>
+                                  <p:childTnLst>
+                                    <p:set>
+                                      <p:cBhvr>
+                                        <p:cTn id="36" dur="1" fill="hold">
+                                          <p:stCondLst>
+                                            <p:cond delay="0"/>
+                                          </p:stCondLst>
+                                        </p:cTn>
+                                        <p:tgtEl>
+                                          <p:spTgt spid="3">
+                                            <p:txEl>
+                                              <p:pRg st="5" end="5"/>
+                                            </p:txEl>
+                                          </p:spTgt>
+                                        </p:tgtEl>
+                                        <p:attrNameLst>
+                                          <p:attrName>style.visibility</p:attrName>
+                                        </p:attrNameLst>
+                                      </p:cBhvr>
+                                      <p:to>
+                                        <p:strVal val="visible"/>
+                                      </p:to>
+                                    </p:set>
+                                    <p:anim calcmode="lin" valueType="num">
+                                      <p:cBhvr additive="base">
+                                        <p:cTn id="37" dur="500" fill="hold"/>
+                                        <p:tgtEl>
+                                          <p:spTgt spid="3">
+                                            <p:txEl>
+                                              <p:pRg st="5" end="5"/>
+                                            </p:txEl>
+                                          </p:spTgt>
+                                        </p:tgtEl>
+                                        <p:attrNameLst>
+                                          <p:attrName>ppt_x</p:attrName>
+                                        </p:attrNameLst>
+                                      </p:cBhvr>
+                                      <p:tavLst>
+                                        <p:tav tm="0">
+                                          <p:val>
+                                            <p:strVal val="#ppt_x"/>
+                                          </p:val>
+                                        </p:tav>
+                                        <p:tav tm="100000">
+                                          <p:val>
+                                            <p:strVal val="#ppt_x"/>
+                                          </p:val>
+                                        </p:tav>
+                                      </p:tavLst>
+                                    </p:anim>
+                                    <p:anim calcmode="lin" valueType="num">
+                                      <p:cBhvr additive="base">
+                                        <p:cTn id="38" dur="500" fill="hold"/>
+                                        <p:tgtEl>
+                                          <p:spTgt spid="3">
+                                            <p:txEl>
+                                              <p:pRg st="5" end="5"/>
+                                            </p:txEl>
+                                          </p:spTgt>
+                                        </p:tgtEl>
+                                        <p:attrNameLst>
+                                          <p:attrName>ppt_y</p:attrName>
+                                        </p:attrNameLst>
+                                      </p:cBhvr>
+                                      <p:tavLst>
+                                        <p:tav tm="0">
+                                          <p:val>
+                                            <p:strVal val="1+#ppt_h/2"/>
+                                          </p:val>
+                                        </p:tav>
+                                        <p:tav tm="100000">
+                                          <p:val>
+                                            <p:strVal val="#ppt_y"/>
+                                          </p:val>
+                                        </p:tav>
+                                      </p:tavLst>
+                                    </p:anim>
+                                  </p:childTnLst>
+                                </p:cTn>
+                              </p:par>
+                            </p:childTnLst>
+                          </p:cTn>
+                        </p:par>
+                      </p:childTnLst>
+                    </p:cTn>
+                  </p:par>
+                </p:childTnLst>
+              </p:cTn>
+              <p:prevCondLst>
+                <p:cond evt="onPrev" delay="0">
+                  <p:tgtEl>
+                    <p:sldTgt/>
+                  </p:tgtEl>
+                </p:cond>
+              </p:prevCondLst>
+              <p:nextCondLst>
+                <p:cond evt="onNext" delay="0">
+                  <p:tgtEl>
+                    <p:sldTgt/>
+                  </p:tgtEl>
+                </p:cond>
+              </p:nextCondLst>
+            </p:seq>
+          </p:childTnLst>
+        </p:cTn>
+      </p:par>
+    </p:tnLst>
+    <p:bldLst>
+      <p:bldP spid="3" grpId="0" build="p"/>
+    </p:bldLst>
+  </p:timing>
+</p:sld>
+</file>
+
+<file path=ppt/slides/slide3.xml><?xml version="1.0" encoding="utf-8"?>
+<p:sld xmlns:a="http://schemas.openxmlformats.org/drawingml/2006/main" xmlns:r="http://schemas.openxmlformats.org/officeDocument/2006/relationships" xmlns:p="http://schemas.openxmlformats.org/presentationml/2006/main">
+  <p:cSld>
+    <p:spTree>
+      <p:nvGrpSpPr>
+        <p:cNvPr id="1" name=""/>
+        <p:cNvGrpSpPr/>
+        <p:nvPr/>
+      </p:nvGrpSpPr>
+      <p:grpSpPr>
+        <a:xfrm>
+          <a:off x="0" y="0"/>
+          <a:ext cx="0" cy="0"/>
+          <a:chOff x="0" y="0"/>
+          <a:chExt cx="0" cy="0"/>
+        </a:xfrm>
+      </p:grpSpPr>
+      <p:sp>
+        <p:nvSpPr>
+          <p:cNvPr id="2" name="Title 1"/>
+          <p:cNvSpPr>
+            <a:spLocks noGrp="1"/>
+          </p:cNvSpPr>
+          <p:nvPr>
+            <p:ph type="title"/>
+          </p:nvPr>
+        </p:nvSpPr>
+        <p:spPr>
+          <a:xfrm>
+            <a:off x="369849" y="320520"/>
+            <a:ext cx="10515600" cy="1325563"/>
+          </a:xfrm>
+        </p:spPr>
+        <p:txBody>
+          <a:bodyPr/>
+          <a:lstStyle/>
+          <a:p>
+            <a:r>
+              <a:rPr lang="en-US" dirty="0" smtClean="0"/>
+              <a:t>1. </a:t>
+            </a:r>
+            <a:r>
+              <a:rPr lang="en-US" dirty="0" smtClean="0"/>
+              <a:t>Introduction</a:t>
+            </a:r>
+            <a:endParaRPr lang="en-US" dirty="0"/>
+          </a:p>
+        </p:txBody>
+      </p:sp>
+      <p:sp>
+        <p:nvSpPr>
+          <p:cNvPr id="3" name="Content Placeholder 2"/>
+          <p:cNvSpPr>
+            <a:spLocks noGrp="1"/>
+          </p:cNvSpPr>
+          <p:nvPr>
+            <p:ph idx="1"/>
+          </p:nvPr>
+        </p:nvSpPr>
+        <p:spPr/>
+        <p:txBody>
+          <a:bodyPr/>
+          <a:lstStyle/>
+          <a:p>
+            <a:pPr>
+              <a:lnSpc>
+                <a:spcPct val="150000"/>
+              </a:lnSpc>
+            </a:pPr>
+            <a:r>
+              <a:rPr lang="en-US" dirty="0" smtClean="0"/>
+              <a:t>A Hook is a </a:t>
+            </a:r>
+            <a:r>
+              <a:rPr lang="en-US" b="1" dirty="0" smtClean="0"/>
+              <a:t>special function</a:t>
+            </a:r>
+            <a:r>
+              <a:rPr lang="en-US" dirty="0" smtClean="0"/>
+              <a:t> </a:t>
+            </a:r>
+            <a:r>
+              <a:rPr lang="en-US" dirty="0"/>
+              <a:t>that </a:t>
+            </a:r>
+            <a:r>
+              <a:rPr lang="en-US" dirty="0" smtClean="0"/>
+              <a:t>lets </a:t>
+            </a:r>
+            <a:r>
+              <a:rPr lang="en-US" dirty="0"/>
+              <a:t>you </a:t>
+            </a:r>
+            <a:r>
+              <a:rPr lang="en-US" b="1" dirty="0"/>
+              <a:t>“hook into” </a:t>
+            </a:r>
+            <a:r>
+              <a:rPr lang="en-US" b="1" dirty="0"/>
+              <a:t>React state</a:t>
+            </a:r>
+            <a:r>
+              <a:rPr lang="en-US" dirty="0"/>
+              <a:t> and </a:t>
+            </a:r>
+            <a:r>
+              <a:rPr lang="en-US" b="1" dirty="0"/>
+              <a:t>lifecycle features</a:t>
+            </a:r>
+            <a:r>
+              <a:rPr lang="en-US" dirty="0"/>
+              <a:t> from </a:t>
+            </a:r>
+            <a:r>
+              <a:rPr lang="en-US" b="1" dirty="0"/>
+              <a:t>function components</a:t>
+            </a:r>
+            <a:r>
+              <a:rPr lang="en-US" dirty="0" smtClean="0"/>
+              <a:t>.</a:t>
+            </a:r>
+          </a:p>
+          <a:p>
+            <a:pPr>
+              <a:lnSpc>
+                <a:spcPct val="150000"/>
+              </a:lnSpc>
+            </a:pPr>
+            <a:r>
+              <a:rPr lang="en-US" dirty="0" smtClean="0"/>
+              <a:t>Some basic Hooks: </a:t>
+            </a:r>
+            <a:r>
+              <a:rPr lang="en-US" b="1" i="1" dirty="0" err="1" smtClean="0"/>
+              <a:t>useState</a:t>
+            </a:r>
+            <a:r>
+              <a:rPr lang="en-US" b="1" i="1" dirty="0" smtClean="0"/>
+              <a:t>, </a:t>
+            </a:r>
+            <a:r>
+              <a:rPr lang="en-US" b="1" i="1" dirty="0" err="1" smtClean="0"/>
+              <a:t>useEffect</a:t>
+            </a:r>
+            <a:r>
+              <a:rPr lang="en-US" b="1" i="1" dirty="0" smtClean="0"/>
+              <a:t>, </a:t>
+            </a:r>
+            <a:r>
+              <a:rPr lang="en-US" b="1" i="1" dirty="0" err="1" smtClean="0"/>
+              <a:t>useContext</a:t>
+            </a:r>
+            <a:endParaRPr lang="en-US" b="1" i="1" dirty="0" smtClean="0"/>
+          </a:p>
+          <a:p>
+            <a:pPr>
+              <a:lnSpc>
+                <a:spcPct val="150000"/>
+              </a:lnSpc>
+            </a:pPr>
+            <a:r>
+              <a:rPr lang="en-US" dirty="0" smtClean="0"/>
+              <a:t>Additional Hooks: </a:t>
+            </a:r>
+            <a:r>
+              <a:rPr lang="en-US" i="1" dirty="0" err="1" smtClean="0"/>
+              <a:t>useMemo</a:t>
+            </a:r>
+            <a:r>
+              <a:rPr lang="en-US" i="1" dirty="0" smtClean="0"/>
+              <a:t>, </a:t>
+            </a:r>
+            <a:r>
+              <a:rPr lang="en-US" i="1" dirty="0" err="1" smtClean="0"/>
+              <a:t>useReducer</a:t>
+            </a:r>
+            <a:r>
+              <a:rPr lang="en-US" i="1" dirty="0" smtClean="0"/>
+              <a:t>…</a:t>
+            </a:r>
+            <a:endParaRPr lang="en-US" dirty="0" smtClean="0"/>
+          </a:p>
+        </p:txBody>
+      </p:sp>
+    </p:spTree>
+    <p:extLst>
+      <p:ext uri="{BB962C8B-B14F-4D97-AF65-F5344CB8AC3E}">
+        <p14:creationId xmlns:p14="http://schemas.microsoft.com/office/powerpoint/2010/main" val="2638453489"/>
+      </p:ext>
+    </p:extLst>
+  </p:cSld>
+  <p:clrMapOvr>
+    <a:masterClrMapping/>
+  </p:clrMapOvr>
+  <p:timing>
+    <p:tnLst>
+      <p:par>
+        <p:cTn id="1" dur="indefinite" restart="never" nodeType="tmRoot">
+          <p:childTnLst>
+            <p:seq concurrent="1" nextAc="seek">
+              <p:cTn id="2" dur="indefinite" nodeType="mainSeq">
+                <p:childTnLst>
+                  <p:par>
+                    <p:cTn id="3" fill="hold">
+                      <p:stCondLst>
+                        <p:cond delay="indefinite"/>
+                      </p:stCondLst>
+                      <p:childTnLst>
+                        <p:par>
+                          <p:cTn id="4" fill="hold">
+                            <p:stCondLst>
+                              <p:cond delay="0"/>
+                            </p:stCondLst>
+                            <p:childTnLst>
+                              <p:par>
+                                <p:cTn id="5" presetID="2" presetClass="entr" presetSubtype="4" fill="hold" grpId="0" nodeType="clickEffect">
+                                  <p:stCondLst>
+                                    <p:cond delay="0"/>
+                                  </p:stCondLst>
+                                  <p:childTnLst>
+                                    <p:set>
+                                      <p:cBhvr>
+                                        <p:cTn id="6" dur="1" fill="hold">
+                                          <p:stCondLst>
+                                            <p:cond delay="0"/>
+                                          </p:stCondLst>
+                                        </p:cTn>
+                                        <p:tgtEl>
+                                          <p:spTgt spid="3">
+                                            <p:txEl>
+                                              <p:pRg st="0" end="0"/>
+                                            </p:txEl>
+                                          </p:spTgt>
+                                        </p:tgtEl>
+                                        <p:attrNameLst>
+                                          <p:attrName>style.visibility</p:attrName>
+                                        </p:attrNameLst>
+                                      </p:cBhvr>
+                                      <p:to>
+                                        <p:strVal val="visible"/>
+                                      </p:to>
+                                    </p:set>
+                                    <p:anim calcmode="lin" valueType="num">
+                                      <p:cBhvr additive="base">
+                                        <p:cTn id="7" dur="500" fill="hold"/>
+                                        <p:tgtEl>
+                                          <p:spTgt spid="3">
+                                            <p:txEl>
+                                              <p:pRg st="0" end="0"/>
+                                            </p:txEl>
+                                          </p:spTgt>
+                                        </p:tgtEl>
+                                        <p:attrNameLst>
+                                          <p:attrName>ppt_x</p:attrName>
+                                        </p:attrNameLst>
+                                      </p:cBhvr>
+                                      <p:tavLst>
+                                        <p:tav tm="0">
+                                          <p:val>
+                                            <p:strVal val="#ppt_x"/>
+                                          </p:val>
+                                        </p:tav>
+                                        <p:tav tm="100000">
+                                          <p:val>
+                                            <p:strVal val="#ppt_x"/>
+                                          </p:val>
+                                        </p:tav>
+                                      </p:tavLst>
+                                    </p:anim>
+                                    <p:anim calcmode="lin" valueType="num">
+                                      <p:cBhvr additive="base">
+                                        <p:cTn id="8" dur="500" fill="hold"/>
+                                        <p:tgtEl>
+                                          <p:spTgt spid="3">
+                                            <p:txEl>
+                                              <p:pRg st="0" end="0"/>
+                                            </p:txEl>
+                                          </p:spTgt>
+                                        </p:tgtEl>
+                                        <p:attrNameLst>
+                                          <p:attrName>ppt_y</p:attrName>
+                                        </p:attrNameLst>
+                                      </p:cBhvr>
+                                      <p:tavLst>
+                                        <p:tav tm="0">
+                                          <p:val>
+                                            <p:strVal val="1+#ppt_h/2"/>
+                                          </p:val>
+                                        </p:tav>
+                                        <p:tav tm="100000">
+                                          <p:val>
+                                            <p:strVal val="#ppt_y"/>
+                                          </p:val>
+                                        </p:tav>
+                                      </p:tavLst>
+                                    </p:anim>
+                                  </p:childTnLst>
+                                </p:cTn>
+                              </p:par>
+                            </p:childTnLst>
+                          </p:cTn>
+                        </p:par>
+                      </p:childTnLst>
+                    </p:cTn>
+                  </p:par>
+                  <p:par>
+                    <p:cTn id="9" fill="hold">
+                      <p:stCondLst>
+                        <p:cond delay="indefinite"/>
+                      </p:stCondLst>
+                      <p:childTnLst>
+                        <p:par>
+                          <p:cTn id="10" fill="hold">
+                            <p:stCondLst>
+                              <p:cond delay="0"/>
+                            </p:stCondLst>
+                            <p:childTnLst>
+                              <p:par>
+                                <p:cTn id="11" presetID="2" presetClass="entr" presetSubtype="4" fill="hold" grpId="0" nodeType="clickEffect">
+                                  <p:stCondLst>
+                                    <p:cond delay="0"/>
+                                  </p:stCondLst>
+                                  <p:childTnLst>
+                                    <p:set>
+                                      <p:cBhvr>
+                                        <p:cTn id="12" dur="1" fill="hold">
+                                          <p:stCondLst>
+                                            <p:cond delay="0"/>
+                                          </p:stCondLst>
+                                        </p:cTn>
+                                        <p:tgtEl>
+                                          <p:spTgt spid="3">
+                                            <p:txEl>
+                                              <p:pRg st="1" end="1"/>
+                                            </p:txEl>
+                                          </p:spTgt>
+                                        </p:tgtEl>
+                                        <p:attrNameLst>
+                                          <p:attrName>style.visibility</p:attrName>
+                                        </p:attrNameLst>
+                                      </p:cBhvr>
+                                      <p:to>
+                                        <p:strVal val="visible"/>
+                                      </p:to>
+                                    </p:set>
+                                    <p:anim calcmode="lin" valueType="num">
+                                      <p:cBhvr additive="base">
+                                        <p:cTn id="13" dur="500" fill="hold"/>
+                                        <p:tgtEl>
+                                          <p:spTgt spid="3">
+                                            <p:txEl>
+                                              <p:pRg st="1" end="1"/>
+                                            </p:txEl>
+                                          </p:spTgt>
+                                        </p:tgtEl>
+                                        <p:attrNameLst>
+                                          <p:attrName>ppt_x</p:attrName>
+                                        </p:attrNameLst>
+                                      </p:cBhvr>
+                                      <p:tavLst>
+                                        <p:tav tm="0">
+                                          <p:val>
+                                            <p:strVal val="#ppt_x"/>
+                                          </p:val>
+                                        </p:tav>
+                                        <p:tav tm="100000">
+                                          <p:val>
+                                            <p:strVal val="#ppt_x"/>
+                                          </p:val>
+                                        </p:tav>
+                                      </p:tavLst>
+                                    </p:anim>
+                                    <p:anim calcmode="lin" valueType="num">
+                                      <p:cBhvr additive="base">
+                                        <p:cTn id="14" dur="500" fill="hold"/>
+                                        <p:tgtEl>
+                                          <p:spTgt spid="3">
+                                            <p:txEl>
+                                              <p:pRg st="1" end="1"/>
+                                            </p:txEl>
+                                          </p:spTgt>
+                                        </p:tgtEl>
+                                        <p:attrNameLst>
+                                          <p:attrName>ppt_y</p:attrName>
+                                        </p:attrNameLst>
+                                      </p:cBhvr>
+                                      <p:tavLst>
+                                        <p:tav tm="0">
+                                          <p:val>
+                                            <p:strVal val="1+#ppt_h/2"/>
+                                          </p:val>
+                                        </p:tav>
+                                        <p:tav tm="100000">
+                                          <p:val>
+                                            <p:strVal val="#ppt_y"/>
+                                          </p:val>
+                                        </p:tav>
+                                      </p:tavLst>
+                                    </p:anim>
+                                  </p:childTnLst>
+                                </p:cTn>
+                              </p:par>
+                            </p:childTnLst>
+                          </p:cTn>
+                        </p:par>
+                      </p:childTnLst>
+                    </p:cTn>
+                  </p:par>
+                  <p:par>
+                    <p:cTn id="15" fill="hold">
+                      <p:stCondLst>
+                        <p:cond delay="indefinite"/>
+                      </p:stCondLst>
+                      <p:childTnLst>
+                        <p:par>
+                          <p:cTn id="16" fill="hold">
+                            <p:stCondLst>
+                              <p:cond delay="0"/>
+                            </p:stCondLst>
+                            <p:childTnLst>
+                              <p:par>
+                                <p:cTn id="17" presetID="2" presetClass="entr" presetSubtype="4" fill="hold" grpId="0" nodeType="clickEffect">
+                                  <p:stCondLst>
+                                    <p:cond delay="0"/>
+                                  </p:stCondLst>
+                                  <p:childTnLst>
+                                    <p:set>
+                                      <p:cBhvr>
+                                        <p:cTn id="18" dur="1" fill="hold">
+                                          <p:stCondLst>
+                                            <p:cond delay="0"/>
+                                          </p:stCondLst>
+                                        </p:cTn>
+                                        <p:tgtEl>
+                                          <p:spTgt spid="3">
+                                            <p:txEl>
+                                              <p:pRg st="2" end="2"/>
+                                            </p:txEl>
+                                          </p:spTgt>
+                                        </p:tgtEl>
+                                        <p:attrNameLst>
+                                          <p:attrName>style.visibility</p:attrName>
+                                        </p:attrNameLst>
+                                      </p:cBhvr>
+                                      <p:to>
+                                        <p:strVal val="visible"/>
+                                      </p:to>
+                                    </p:set>
+                                    <p:anim calcmode="lin" valueType="num">
+                                      <p:cBhvr additive="base">
+                                        <p:cTn id="19" dur="500" fill="hold"/>
+                                        <p:tgtEl>
+                                          <p:spTgt spid="3">
+                                            <p:txEl>
+                                              <p:pRg st="2" end="2"/>
+                                            </p:txEl>
+                                          </p:spTgt>
+                                        </p:tgtEl>
+                                        <p:attrNameLst>
+                                          <p:attrName>ppt_x</p:attrName>
+                                        </p:attrNameLst>
+                                      </p:cBhvr>
+                                      <p:tavLst>
+                                        <p:tav tm="0">
+                                          <p:val>
+                                            <p:strVal val="#ppt_x"/>
+                                          </p:val>
+                                        </p:tav>
+                                        <p:tav tm="100000">
+                                          <p:val>
+                                            <p:strVal val="#ppt_x"/>
+                                          </p:val>
+                                        </p:tav>
+                                      </p:tavLst>
+                                    </p:anim>
+                                    <p:anim calcmode="lin" valueType="num">
+                                      <p:cBhvr additive="base">
+                                        <p:cTn id="20" dur="500" fill="hold"/>
+                                        <p:tgtEl>
+                                          <p:spTgt spid="3">
+                                            <p:txEl>
+                                              <p:pRg st="2" end="2"/>
+                                            </p:txEl>
+                                          </p:spTgt>
+                                        </p:tgtEl>
+                                        <p:attrNameLst>
+                                          <p:attrName>ppt_y</p:attrName>
+                                        </p:attrNameLst>
+                                      </p:cBhvr>
+                                      <p:tavLst>
+                                        <p:tav tm="0">
+                                          <p:val>
+                                            <p:strVal val="1+#ppt_h/2"/>
+                                          </p:val>
+                                        </p:tav>
+                                        <p:tav tm="100000">
+                                          <p:val>
+                                            <p:strVal val="#ppt_y"/>
+                                          </p:val>
+                                        </p:tav>
+                                      </p:tavLst>
+                                    </p:anim>
+                                  </p:childTnLst>
+                                </p:cTn>
+                              </p:par>
+                            </p:childTnLst>
+                          </p:cTn>
+                        </p:par>
+                      </p:childTnLst>
+                    </p:cTn>
+                  </p:par>
                 </p:childTnLst>
               </p:cTn>
               <p:prevCondLst>
@@ -6510,7 +6203,7 @@
         </p:nvSpPr>
         <p:spPr>
           <a:xfrm>
-            <a:off x="369849" y="320520"/>
+            <a:off x="347546" y="365125"/>
             <a:ext cx="10515600" cy="1325563"/>
           </a:xfrm>
         </p:spPr>
@@ -6520,15 +6213,11 @@
           <a:p>
             <a:r>
               <a:rPr lang="en-US" dirty="0" smtClean="0"/>
-              <a:t>1. What are </a:t>
+              <a:t>2. </a:t>
             </a:r>
             <a:r>
               <a:rPr lang="en-US" dirty="0" smtClean="0"/>
-              <a:t>Hooks </a:t>
-            </a:r>
-            <a:r>
-              <a:rPr lang="en-US" dirty="0" smtClean="0"/>
-              <a:t>?</a:t>
+              <a:t>Function Components vs Class Components</a:t>
             </a:r>
             <a:endParaRPr lang="en-US" dirty="0"/>
           </a:p>
@@ -6546,7 +6235,9 @@
         </p:nvSpPr>
         <p:spPr/>
         <p:txBody>
-          <a:bodyPr/>
+          <a:bodyPr>
+            <a:normAutofit/>
+          </a:bodyPr>
           <a:lstStyle/>
           <a:p>
             <a:pPr>
@@ -6555,18 +6246,22 @@
               </a:lnSpc>
             </a:pPr>
             <a:r>
+              <a:rPr lang="en-US" dirty="0" smtClean="0"/>
+              <a:t>Class is hard to Reuse </a:t>
+            </a:r>
+            <a:r>
+              <a:rPr lang="en-US" dirty="0" err="1"/>
+              <a:t>stateful</a:t>
+            </a:r>
+            <a:r>
               <a:rPr lang="en-US" dirty="0"/>
-              <a:t>Hooks are functions that let you “hook into” React state and lifecycle features from function components. Hooks </a:t>
-            </a:r>
-            <a:r>
-              <a:rPr lang="en-US" b="1" dirty="0"/>
-              <a:t>don’t</a:t>
-            </a:r>
-            <a:r>
-              <a:rPr lang="en-US" dirty="0"/>
-              <a:t> work inside classes — they let you use React without classes. </a:t>
-            </a:r>
-            <a:endParaRPr lang="en-US" dirty="0" smtClean="0"/>
+              <a:t> logic between </a:t>
+            </a:r>
+            <a:r>
+              <a:rPr lang="en-US" dirty="0" smtClean="0"/>
+              <a:t>components.</a:t>
+            </a:r>
+            <a:endParaRPr lang="en-US" dirty="0"/>
           </a:p>
           <a:p>
             <a:pPr>
@@ -6576,29 +6271,17 @@
             </a:pPr>
             <a:r>
               <a:rPr lang="en-US" dirty="0" smtClean="0"/>
-              <a:t>Basic hooks: </a:t>
-            </a:r>
-            <a:r>
-              <a:rPr lang="en-US" b="1" i="1" dirty="0" err="1" smtClean="0"/>
-              <a:t>useState</a:t>
-            </a:r>
-            <a:r>
-              <a:rPr lang="en-US" b="1" i="1" dirty="0" smtClean="0"/>
-              <a:t>, </a:t>
-            </a:r>
-            <a:r>
-              <a:rPr lang="en-US" b="1" i="1" dirty="0" err="1" smtClean="0"/>
-              <a:t>useEffect</a:t>
-            </a:r>
-            <a:r>
-              <a:rPr lang="en-US" b="1" i="1" dirty="0" smtClean="0"/>
-              <a:t>, </a:t>
-            </a:r>
-            <a:r>
-              <a:rPr lang="en-US" b="1" i="1" dirty="0" err="1" smtClean="0"/>
-              <a:t>useContext</a:t>
-            </a:r>
-            <a:endParaRPr lang="en-US" i="1" dirty="0"/>
+              <a:t>Complex </a:t>
+            </a:r>
+            <a:r>
+              <a:rPr lang="en-US" dirty="0"/>
+              <a:t>components become hard to </a:t>
+            </a:r>
+            <a:r>
+              <a:rPr lang="en-US" dirty="0" smtClean="0"/>
+              <a:t>understand.</a:t>
+            </a:r>
+            <a:endParaRPr lang="en-US" dirty="0"/>
           </a:p>
           <a:p>
             <a:pPr>
@@ -6608,31 +6291,40 @@
             </a:pPr>
             <a:r>
               <a:rPr lang="en-US" dirty="0" smtClean="0"/>
-              <a:t>Additional hooks: </a:t>
-            </a:r>
-            <a:r>
-              <a:rPr lang="en-US" b="1" i="1" dirty="0" err="1" smtClean="0"/>
-              <a:t>useReducer</a:t>
-            </a:r>
-            <a:r>
-              <a:rPr lang="en-US" b="1" i="1" dirty="0" smtClean="0"/>
-              <a:t>, </a:t>
-            </a:r>
-            <a:r>
-              <a:rPr lang="en-US" b="1" i="1" dirty="0" err="1" smtClean="0"/>
-              <a:t>useMemo</a:t>
-            </a:r>
-            <a:r>
-              <a:rPr lang="en-US" b="1" i="1" dirty="0" smtClean="0"/>
-              <a:t>…</a:t>
-            </a:r>
+              <a:t>Classes confuse both people and machines.</a:t>
+            </a:r>
+            <a:r>
+              <a:rPr lang="en-US" sz="2400" dirty="0" smtClean="0"/>
+              <a:t/>
+            </a:r>
+            <a:br>
+              <a:rPr lang="en-US" sz="2400" dirty="0" smtClean="0"/>
+            </a:br>
+            <a:r>
+              <a:rPr lang="en-US" sz="2400" dirty="0" smtClean="0"/>
+              <a:t/>
+            </a:r>
+            <a:br>
+              <a:rPr lang="en-US" sz="2400" dirty="0" smtClean="0"/>
+            </a:br>
+            <a:r>
+              <a:rPr lang="en-US" sz="2400" dirty="0" smtClean="0"/>
+              <a:t>Ref: </a:t>
+            </a:r>
+            <a:r>
+              <a:rPr lang="en-US" sz="2400" dirty="0" smtClean="0">
+                <a:hlinkClick r:id="rId3"/>
+              </a:rPr>
+              <a:t>https://reactjs.org/docs/hooks-intro.html#motivation</a:t>
+            </a:r>
+            <a:endParaRPr lang="en-US" sz="2400" dirty="0"/>
           </a:p>
         </p:txBody>
       </p:sp>
     </p:spTree>
     <p:extLst>
       <p:ext uri="{BB962C8B-B14F-4D97-AF65-F5344CB8AC3E}">
-        <p14:creationId xmlns:p14="http://schemas.microsoft.com/office/powerpoint/2010/main" val="2638453489"/>
+        <p14:creationId xmlns:p14="http://schemas.microsoft.com/office/powerpoint/2010/main" val="2472684257"/>
       </p:ext>
     </p:extLst>
   </p:cSld>
@@ -7023,15 +6715,7 @@
           <a:p>
             <a:r>
               <a:rPr lang="en-US" dirty="0" smtClean="0"/>
-              <a:t>2. Why use </a:t>
-            </a:r>
-            <a:r>
-              <a:rPr lang="en-US" dirty="0" smtClean="0"/>
-              <a:t>Hooks</a:t>
-            </a:r>
-            <a:r>
-              <a:rPr lang="en-US" dirty="0" smtClean="0"/>
-              <a:t>?</a:t>
+              <a:t>3. When to use Hooks?</a:t>
             </a:r>
             <a:endParaRPr lang="en-US" dirty="0"/>
           </a:p>
@@ -7060,85 +6744,17 @@
               </a:lnSpc>
             </a:pPr>
             <a:r>
-              <a:rPr lang="en-US" dirty="0" smtClean="0"/>
-              <a:t>Class is hard to Reuse </a:t>
-            </a:r>
-            <a:r>
-              <a:rPr lang="en-US" dirty="0" err="1"/>
-              <a:t>stateful</a:t>
-            </a:r>
-            <a:r>
               <a:rPr lang="en-US" dirty="0"/>
-              <a:t> logic between </a:t>
-            </a:r>
-            <a:r>
-              <a:rPr lang="en-US" dirty="0" smtClean="0"/>
-              <a:t>components.</a:t>
-            </a:r>
-            <a:endParaRPr lang="en-US" dirty="0"/>
-          </a:p>
-          <a:p>
-            <a:pPr>
-              <a:lnSpc>
-                <a:spcPct val="150000"/>
-              </a:lnSpc>
-            </a:pPr>
-            <a:r>
-              <a:rPr lang="en-US" dirty="0" smtClean="0"/>
-              <a:t>Complex </a:t>
-            </a:r>
-            <a:r>
-              <a:rPr lang="en-US" dirty="0"/>
-              <a:t>components become hard to </a:t>
-            </a:r>
-            <a:r>
-              <a:rPr lang="en-US" dirty="0" smtClean="0"/>
-              <a:t>understand.</a:t>
-            </a:r>
-            <a:endParaRPr lang="en-US" dirty="0"/>
-          </a:p>
-          <a:p>
-            <a:pPr>
-              <a:lnSpc>
-                <a:spcPct val="150000"/>
-              </a:lnSpc>
-            </a:pPr>
-            <a:r>
-              <a:rPr lang="en-US" dirty="0" smtClean="0"/>
-              <a:t>Classes confuse both people and machines.</a:t>
-            </a:r>
-            <a:r>
-              <a:rPr lang="en-US" sz="2400" dirty="0" smtClean="0"/>
-              <a:t/>
-            </a:r>
-            <a:br>
-              <a:rPr lang="en-US" sz="2400" dirty="0" smtClean="0"/>
-            </a:br>
-            <a:r>
-              <a:rPr lang="en-US" sz="2400" dirty="0" smtClean="0"/>
-              <a:t/>
-            </a:r>
-            <a:br>
-              <a:rPr lang="en-US" sz="2400" dirty="0" smtClean="0"/>
-            </a:br>
-            <a:r>
-              <a:rPr lang="en-US" sz="2400" dirty="0" smtClean="0"/>
-              <a:t>Ref: </a:t>
-            </a:r>
-            <a:r>
-              <a:rPr lang="en-US" sz="2400" dirty="0" smtClean="0">
-                <a:hlinkClick r:id="rId3"/>
-              </a:rPr>
-              <a:t>https://reactjs.org/docs/hooks-intro.html#motivation</a:t>
-            </a:r>
-            <a:endParaRPr lang="en-US" sz="2400" dirty="0"/>
+              <a:t>If you write a function component and realize you need to add some state to it, previously you had to convert it to a class. Now you can use a Hook inside the existing function component.</a:t>
+            </a:r>
+            <a:endParaRPr lang="en-US" sz="2400" b="1" dirty="0"/>
           </a:p>
         </p:txBody>
       </p:sp>
     </p:spTree>
     <p:extLst>
       <p:ext uri="{BB962C8B-B14F-4D97-AF65-F5344CB8AC3E}">
-        <p14:creationId xmlns:p14="http://schemas.microsoft.com/office/powerpoint/2010/main" val="2472684257"/>
+        <p14:creationId xmlns:p14="http://schemas.microsoft.com/office/powerpoint/2010/main" val="1155366601"/>
       </p:ext>
     </p:extLst>
   </p:cSld>
@@ -7256,212 +6872,6 @@
                       </p:childTnLst>
                     </p:cTn>
                   </p:par>
-                  <p:par>
-                    <p:cTn id="9" fill="hold">
-                      <p:stCondLst>
-                        <p:cond delay="indefinite"/>
-                      </p:stCondLst>
-                      <p:childTnLst>
-                        <p:par>
-                          <p:cTn id="10" fill="hold">
-                            <p:stCondLst>
-                              <p:cond delay="0"/>
-                            </p:stCondLst>
-                            <p:childTnLst>
-                              <p:par>
-                                <p:cTn id="11" presetID="2" presetClass="entr" presetSubtype="4" fill="hold" grpId="0" nodeType="clickEffect">
-                                  <p:stCondLst>
-                                    <p:cond delay="0"/>
-                                  </p:stCondLst>
-                                  <p:childTnLst>
-                                    <p:set>
-                                      <p:cBhvr>
-                                        <p:cTn id="12" dur="1" fill="hold">
-                                          <p:stCondLst>
-                                            <p:cond delay="0"/>
-                                          </p:stCondLst>
-                                        </p:cTn>
-                                        <p:tgtEl>
-                                          <p:spTgt spid="3">
-                                            <p:txEl>
-                                              <p:pRg st="1" end="1"/>
-                                            </p:txEl>
-                                          </p:spTgt>
-                                        </p:tgtEl>
-                                        <p:attrNameLst>
-                                          <p:attrName>style.visibility</p:attrName>
-                                        </p:attrNameLst>
-                                      </p:cBhvr>
-                                      <p:to>
-                                        <p:strVal val="visible"/>
-                                      </p:to>
-                                    </p:set>
-                                    <p:anim calcmode="lin" valueType="num">
-                                      <p:cBhvr additive="base">
-                                        <p:cTn id="13" dur="500" fill="hold"/>
-                                        <p:tgtEl>
-                                          <p:spTgt spid="3">
-                                            <p:txEl>
-                                              <p:pRg st="1" end="1"/>
-                                            </p:txEl>
-                                          </p:spTgt>
-                                        </p:tgtEl>
-                                        <p:attrNameLst>
-                                          <p:attrName>ppt_x</p:attrName>
-                                        </p:attrNameLst>
-                                      </p:cBhvr>
-                                      <p:tavLst>
-                                        <p:tav tm="0">
-                                          <p:val>
-                                            <p:strVal val="#ppt_x"/>
-                                          </p:val>
-                                        </p:tav>
-                                        <p:tav tm="100000">
-                                          <p:val>
-                                            <p:strVal val="#ppt_x"/>
-                                          </p:val>
-                                        </p:tav>
-                                      </p:tavLst>
-                                    </p:anim>
-                                    <p:anim calcmode="lin" valueType="num">
-                                      <p:cBhvr additive="base">
-                                        <p:cTn id="14" dur="500" fill="hold"/>
-                                        <p:tgtEl>
-                                          <p:spTgt spid="3">
-                                            <p:txEl>
-                                              <p:pRg st="1" end="1"/>
-                                            </p:txEl>
-                                          </p:spTgt>
-                                        </p:tgtEl>
-                                        <p:attrNameLst>
-                                          <p:attrName>ppt_y</p:attrName>
-                                        </p:attrNameLst>
-                                      </p:cBhvr>
-                                      <p:tavLst>
-                                        <p:tav tm="0">
-                                          <p:val>
-                                            <p:strVal val="1+#ppt_h/2"/>
-                                          </p:val>
-                                        </p:tav>
-                                        <p:tav tm="100000">
-                                          <p:val>
-                                            <p:strVal val="#ppt_y"/>
-                                          </p:val>
-                                        </p:tav>
-                                      </p:tavLst>
-                                    </p:anim>
-                                  </p:childTnLst>
-                                </p:cTn>
-                              </p:par>
-                            </p:childTnLst>
-                          </p:cTn>
-                        </p:par>
-                      </p:childTnLst>
-                    </p:cTn>
-                  </p:par>
-                  <p:par>
-                    <p:cTn id="15" fill="hold">
-                      <p:stCondLst>
-                        <p:cond delay="indefinite"/>
-                      </p:stCondLst>
-                      <p:childTnLst>
-                        <p:par>
-                          <p:cTn id="16" fill="hold">
-                            <p:stCondLst>
-                              <p:cond delay="0"/>
-                            </p:stCondLst>
-                            <p:childTnLst>
-                              <p:par>
-                                <p:cTn id="17" presetID="2" presetClass="entr" presetSubtype="4" fill="hold" grpId="0" nodeType="clickEffect">
-                                  <p:stCondLst>
-                                    <p:cond delay="0"/>
-                                  </p:stCondLst>
-                                  <p:childTnLst>
-                                    <p:set>
-                                      <p:cBhvr>
-                                        <p:cTn id="18" dur="1" fill="hold">
-                                          <p:stCondLst>
-                                            <p:cond delay="0"/>
-                                          </p:stCondLst>
-                                        </p:cTn>
-                                        <p:tgtEl>
-                                          <p:spTgt spid="3">
-                                            <p:txEl>
-                                              <p:pRg st="2" end="2"/>
-                                            </p:txEl>
-                                          </p:spTgt>
-                                        </p:tgtEl>
-                                        <p:attrNameLst>
-                                          <p:attrName>style.visibility</p:attrName>
-                                        </p:attrNameLst>
-                                      </p:cBhvr>
-                                      <p:to>
-                                        <p:strVal val="visible"/>
-                                      </p:to>
-                                    </p:set>
-                                    <p:anim calcmode="lin" valueType="num">
-                                      <p:cBhvr additive="base">
-                                        <p:cTn id="19" dur="500" fill="hold"/>
-                                        <p:tgtEl>
-                                          <p:spTgt spid="3">
-                                            <p:txEl>
-                                              <p:pRg st="2" end="2"/>
-                                            </p:txEl>
-                                          </p:spTgt>
-                                        </p:tgtEl>
-                                        <p:attrNameLst>
-                                          <p:attrName>ppt_x</p:attrName>
-                                        </p:attrNameLst>
-                                      </p:cBhvr>
-                                      <p:tavLst>
-                                        <p:tav tm="0">
-                                          <p:val>
-                                            <p:strVal val="#ppt_x"/>
-                                          </p:val>
-                                        </p:tav>
-                                        <p:tav tm="100000">
-                                          <p:val>
-                                            <p:strVal val="#ppt_x"/>
-                                          </p:val>
-                                        </p:tav>
-                                      </p:tavLst>
-                                    </p:anim>
-                                    <p:anim calcmode="lin" valueType="num">
-                                      <p:cBhvr additive="base">
-                                        <p:cTn id="20" dur="500" fill="hold"/>
-                                        <p:tgtEl>
-                                          <p:spTgt spid="3">
-                                            <p:txEl>
-                                              <p:pRg st="2" end="2"/>
-                                            </p:txEl>
-                                          </p:spTgt>
-                                        </p:tgtEl>
-                                        <p:attrNameLst>
-                                          <p:attrName>ppt_y</p:attrName>
-                                        </p:attrNameLst>
-                                      </p:cBhvr>
-                                      <p:tavLst>
-                                        <p:tav tm="0">
-                                          <p:val>
-                                            <p:strVal val="1+#ppt_h/2"/>
-                                          </p:val>
-                                        </p:tav>
-                                        <p:tav tm="100000">
-                                          <p:val>
-                                            <p:strVal val="#ppt_y"/>
-                                          </p:val>
-                                        </p:tav>
-                                      </p:tavLst>
-                                    </p:anim>
-                                  </p:childTnLst>
-                                </p:cTn>
-                              </p:par>
-                            </p:childTnLst>
-                          </p:cTn>
-                        </p:par>
-                      </p:childTnLst>
-                    </p:cTn>
-                  </p:par>
                 </p:childTnLst>
               </p:cTn>
               <p:prevCondLst>
@@ -7528,16 +6938,12 @@
           <a:lstStyle/>
           <a:p>
             <a:r>
+              <a:rPr lang="en-US" dirty="0"/>
+              <a:t>4</a:t>
+            </a:r>
+            <a:r>
               <a:rPr lang="en-US" dirty="0" smtClean="0"/>
-              <a:t>3. When to use </a:t>
-            </a:r>
-            <a:r>
-              <a:rPr lang="en-US" dirty="0" smtClean="0"/>
-              <a:t>Hooks</a:t>
-            </a:r>
-            <a:r>
-              <a:rPr lang="en-US" dirty="0" smtClean="0"/>
-              <a:t>?</a:t>
+              <a:t>. How to use Hooks?</a:t>
             </a:r>
             <a:endParaRPr lang="en-US" dirty="0"/>
           </a:p>
@@ -7560,23 +6966,92 @@
           </a:bodyPr>
           <a:lstStyle/>
           <a:p>
-            <a:pPr>
+            <a:pPr marL="0" indent="0">
               <a:lnSpc>
                 <a:spcPct val="150000"/>
               </a:lnSpc>
+              <a:buNone/>
             </a:pPr>
             <a:r>
+              <a:rPr lang="en-US" b="1" dirty="0" smtClean="0"/>
+              <a:t>4.1 Rules of Hooks</a:t>
+            </a:r>
+            <a:r>
+              <a:rPr lang="en-US" sz="2400" b="1" dirty="0" smtClean="0"/>
+              <a:t/>
+            </a:r>
+            <a:br>
+              <a:rPr lang="en-US" sz="2400" b="1" dirty="0" smtClean="0"/>
+            </a:br>
+            <a:r>
+              <a:rPr lang="en-US" sz="2400" dirty="0" smtClean="0"/>
+              <a:t>- Only </a:t>
+            </a:r>
+            <a:r>
+              <a:rPr lang="en-US" sz="2400" dirty="0"/>
+              <a:t>Call Hooks at the Top </a:t>
+            </a:r>
+            <a:r>
+              <a:rPr lang="en-US" sz="2400" dirty="0" smtClean="0"/>
+              <a:t>Level: </a:t>
+            </a:r>
+            <a:r>
+              <a:rPr lang="en-US" sz="2400" b="1" dirty="0"/>
+              <a:t>Don’t call Hooks inside loops, conditions, or nested functions.</a:t>
+            </a:r>
+            <a:r>
+              <a:rPr lang="en-US" sz="2400" dirty="0" smtClean="0"/>
+              <a:t/>
+            </a:r>
+            <a:br>
+              <a:rPr lang="en-US" sz="2400" dirty="0" smtClean="0"/>
+            </a:br>
+            <a:r>
+              <a:rPr lang="en-US" sz="2400" dirty="0" smtClean="0"/>
+              <a:t>- </a:t>
+            </a:r>
+            <a:r>
+              <a:rPr lang="en-US" dirty="0" smtClean="0"/>
+              <a:t>Only </a:t>
+            </a:r>
+            <a:r>
               <a:rPr lang="en-US" dirty="0"/>
-              <a:t>If you write a function component and realize you need to add some state to it, previously you had to convert it to a class. Now you can use a Hook inside the existing function component.</a:t>
-            </a:r>
-            <a:endParaRPr lang="en-US" sz="2400" b="1" dirty="0"/>
+              <a:t>call Hooks from React functions or custom hooks </a:t>
+            </a:r>
+            <a:r>
+              <a:rPr lang="en-US" sz="2400" dirty="0" smtClean="0"/>
+              <a:t>:</a:t>
+            </a:r>
+            <a:r>
+              <a:rPr lang="en-US" sz="2400" b="1" dirty="0" smtClean="0"/>
+              <a:t> </a:t>
+            </a:r>
+            <a:r>
+              <a:rPr lang="en-US" sz="2400" b="1" dirty="0"/>
+              <a:t>Don’t call Hooks from regular JavaScript functions</a:t>
+            </a:r>
+            <a:r>
+              <a:rPr lang="en-US" sz="2400" b="1" dirty="0" smtClean="0"/>
+              <a:t>.</a:t>
+            </a:r>
+            <a:endParaRPr lang="en-US" sz="2400" dirty="0" smtClean="0"/>
+          </a:p>
+          <a:p>
+            <a:pPr marL="457200" indent="-457200">
+              <a:lnSpc>
+                <a:spcPct val="150000"/>
+              </a:lnSpc>
+              <a:buFont typeface="+mj-lt"/>
+              <a:buAutoNum type="alphaLcPeriod"/>
+            </a:pPr>
+            <a:endParaRPr lang="en-US" sz="2400" dirty="0"/>
           </a:p>
         </p:txBody>
       </p:sp>
     </p:spTree>
     <p:extLst>
       <p:ext uri="{BB962C8B-B14F-4D97-AF65-F5344CB8AC3E}">
-        <p14:creationId xmlns:p14="http://schemas.microsoft.com/office/powerpoint/2010/main" val="1155366601"/>
+        <p14:creationId xmlns:p14="http://schemas.microsoft.com/office/powerpoint/2010/main" val="2608481287"/>
       </p:ext>
     </p:extLst>
   </p:cSld>
@@ -7765,15 +7240,7 @@
             </a:r>
             <a:r>
               <a:rPr lang="en-US" dirty="0" smtClean="0"/>
-              <a:t>. How to use </a:t>
-            </a:r>
-            <a:r>
-              <a:rPr lang="en-US" dirty="0" smtClean="0"/>
-              <a:t>Hooks</a:t>
-            </a:r>
-            <a:r>
-              <a:rPr lang="en-US" dirty="0" smtClean="0"/>
-              <a:t>?</a:t>
+              <a:t>. How to use Hooks?</a:t>
             </a:r>
             <a:endParaRPr lang="en-US" dirty="0"/>
           </a:p>
@@ -7804,88 +7271,22 @@
             </a:pPr>
             <a:r>
               <a:rPr lang="en-US" b="1" dirty="0" smtClean="0"/>
-              <a:t>4.1 Rules </a:t>
-            </a:r>
-            <a:r>
+              <a:t>4.2 Using The State Hooks.</a:t>
+            </a:r>
+            <a:br>
               <a:rPr lang="en-US" b="1" dirty="0" smtClean="0"/>
-              <a:t>of Hooks</a:t>
-            </a:r>
-            <a:r>
-              <a:rPr lang="en-US" sz="2400" b="1" dirty="0" smtClean="0"/>
-              <a:t/>
-            </a:r>
-            <a:br>
-              <a:rPr lang="en-US" sz="2400" b="1" dirty="0" smtClean="0"/>
             </a:br>
             <a:r>
-              <a:rPr lang="en-US" sz="2400" dirty="0" smtClean="0"/>
-              <a:t>- Only </a:t>
-            </a:r>
-            <a:r>
-              <a:rPr lang="en-US" sz="2400" dirty="0"/>
-              <a:t>Call Hooks at the Top </a:t>
-            </a:r>
-            <a:r>
-              <a:rPr lang="en-US" sz="2400" dirty="0" smtClean="0"/>
-              <a:t>Level: </a:t>
-            </a:r>
-            <a:r>
-              <a:rPr lang="en-US" sz="2400" b="1" dirty="0"/>
-              <a:t>Don’t call Hooks inside loops, conditions, or nested functions.</a:t>
-            </a:r>
-            <a:r>
-              <a:rPr lang="en-US" sz="2400" dirty="0" smtClean="0"/>
-              <a:t/>
-            </a:r>
-            <a:br>
-              <a:rPr lang="en-US" sz="2400" dirty="0" smtClean="0"/>
-            </a:br>
-            <a:r>
-              <a:rPr lang="en-US" sz="2400" dirty="0" smtClean="0"/>
-              <a:t>- </a:t>
-            </a:r>
-            <a:r>
-              <a:rPr lang="en-US" dirty="0" smtClean="0"/>
-              <a:t>Only </a:t>
-            </a:r>
-            <a:r>
-              <a:rPr lang="en-US" dirty="0"/>
-              <a:t>call Hooks from React functions or custom hooks </a:t>
-            </a:r>
-            <a:r>
-              <a:rPr lang="en-US" sz="2400" dirty="0" smtClean="0"/>
-              <a:t>:</a:t>
-            </a:r>
-            <a:r>
-              <a:rPr lang="en-US" sz="2400" b="1" dirty="0" smtClean="0"/>
-              <a:t> </a:t>
-            </a:r>
-            <a:r>
-              <a:rPr lang="en-US" sz="2400" b="1" dirty="0"/>
-              <a:t>Don’t call Hooks from regular JavaScript functions</a:t>
-            </a:r>
-            <a:r>
-              <a:rPr lang="en-US" sz="2400" b="1" dirty="0" smtClean="0"/>
-              <a:t>.</a:t>
-            </a:r>
-            <a:endParaRPr lang="en-US" sz="2400" dirty="0" smtClean="0"/>
-          </a:p>
-          <a:p>
-            <a:pPr marL="457200" indent="-457200">
-              <a:lnSpc>
-                <a:spcPct val="150000"/>
-              </a:lnSpc>
-              <a:buFont typeface="+mj-lt"/>
-              <a:buAutoNum type="alphaLcPeriod"/>
-            </a:pPr>
-            <a:endParaRPr lang="en-US" sz="2400" dirty="0"/>
+              <a:rPr lang="en-US" b="1" dirty="0" smtClean="0"/>
+              <a:t>	</a:t>
+            </a:r>
           </a:p>
         </p:txBody>
       </p:sp>
     </p:spTree>
     <p:extLst>
       <p:ext uri="{BB962C8B-B14F-4D97-AF65-F5344CB8AC3E}">
-        <p14:creationId xmlns:p14="http://schemas.microsoft.com/office/powerpoint/2010/main" val="2608481287"/>
+        <p14:creationId xmlns:p14="http://schemas.microsoft.com/office/powerpoint/2010/main" val="1008856109"/>
       </p:ext>
     </p:extLst>
   </p:cSld>
@@ -8074,15 +7475,7 @@
             </a:r>
             <a:r>
               <a:rPr lang="en-US" dirty="0" smtClean="0"/>
-              <a:t>. How to use </a:t>
-            </a:r>
-            <a:r>
-              <a:rPr lang="en-US" dirty="0" smtClean="0"/>
-              <a:t>Hooks</a:t>
-            </a:r>
-            <a:r>
-              <a:rPr lang="en-US" dirty="0" smtClean="0"/>
-              <a:t>?</a:t>
+              <a:t>. How to use Hooks?</a:t>
             </a:r>
             <a:endParaRPr lang="en-US" dirty="0"/>
           </a:p>
@@ -8104,6 +7497,26 @@
             <a:normAutofit/>
           </a:bodyPr>
           <a:lstStyle/>
+          <a:p>
+            <a:pPr marL="514350" indent="-514350">
+              <a:lnSpc>
+                <a:spcPct val="150000"/>
+              </a:lnSpc>
+              <a:buAutoNum type="alphaLcPeriod"/>
+            </a:pPr>
+            <a:r>
+              <a:rPr lang="en-US" b="1" dirty="0" err="1" smtClean="0"/>
+              <a:t>useState</a:t>
+            </a:r>
+            <a:r>
+              <a:rPr lang="en-US" b="1" dirty="0" smtClean="0"/>
+              <a:t/>
+            </a:r>
+            <a:br>
+              <a:rPr lang="en-US" b="1" dirty="0" smtClean="0"/>
+            </a:br>
+            <a:endParaRPr lang="en-US" dirty="0" smtClean="0"/>
+          </a:p>
           <a:p>
             <a:pPr marL="0" indent="0">
               <a:lnSpc>
@@ -8111,25 +7524,14 @@
               </a:lnSpc>
               <a:buNone/>
             </a:pPr>
-            <a:r>
-              <a:rPr lang="en-US" b="1" dirty="0" smtClean="0"/>
-              <a:t>4.2 Using The State Hooks.</a:t>
-            </a:r>
-            <a:br>
-              <a:rPr lang="en-US" b="1" dirty="0" smtClean="0"/>
-            </a:br>
-            <a:r>
-              <a:rPr lang="en-US" b="1" dirty="0" smtClean="0"/>
-              <a:t>	</a:t>
-            </a:r>
-            <a:endParaRPr lang="en-US" b="1" dirty="0" smtClean="0"/>
+            <a:endParaRPr lang="en-US" b="1" dirty="0"/>
           </a:p>
         </p:txBody>
       </p:sp>
     </p:spTree>
     <p:extLst>
       <p:ext uri="{BB962C8B-B14F-4D97-AF65-F5344CB8AC3E}">
-        <p14:creationId xmlns:p14="http://schemas.microsoft.com/office/powerpoint/2010/main" val="1008856109"/>
+        <p14:creationId xmlns:p14="http://schemas.microsoft.com/office/powerpoint/2010/main" val="4022983786"/>
       </p:ext>
     </p:extLst>
   </p:cSld>
@@ -8318,15 +7720,7 @@
             </a:r>
             <a:r>
               <a:rPr lang="en-US" dirty="0" smtClean="0"/>
-              <a:t>. How to use </a:t>
-            </a:r>
-            <a:r>
-              <a:rPr lang="en-US" dirty="0" smtClean="0"/>
-              <a:t>Hooks</a:t>
-            </a:r>
-            <a:r>
-              <a:rPr lang="en-US" dirty="0" smtClean="0"/>
-              <a:t>?</a:t>
+              <a:t>. How to use Hooks</a:t>
             </a:r>
             <a:endParaRPr lang="en-US" dirty="0"/>
           </a:p>
@@ -8348,26 +7742,6 @@
             <a:normAutofit/>
           </a:bodyPr>
           <a:lstStyle/>
-          <a:p>
-            <a:pPr marL="514350" indent="-514350">
-              <a:lnSpc>
-                <a:spcPct val="150000"/>
-              </a:lnSpc>
-              <a:buAutoNum type="alphaLcPeriod"/>
-            </a:pPr>
-            <a:r>
-              <a:rPr lang="en-US" b="1" dirty="0" err="1" smtClean="0"/>
-              <a:t>useState</a:t>
-            </a:r>
-            <a:r>
-              <a:rPr lang="en-US" b="1" dirty="0" smtClean="0"/>
-              <a:t/>
-            </a:r>
-            <a:br>
-              <a:rPr lang="en-US" b="1" dirty="0" smtClean="0"/>
-            </a:br>
-            <a:endParaRPr lang="en-US" dirty="0" smtClean="0"/>
-          </a:p>
           <a:p>
             <a:pPr marL="0" indent="0">
               <a:lnSpc>
@@ -8375,14 +7749,22 @@
               </a:lnSpc>
               <a:buNone/>
             </a:pPr>
-            <a:endParaRPr lang="en-US" b="1" dirty="0"/>
+            <a:r>
+              <a:rPr lang="en-US" dirty="0" smtClean="0"/>
+              <a:t>1. </a:t>
+            </a:r>
+            <a:r>
+              <a:rPr lang="en-US" dirty="0" err="1" smtClean="0"/>
+              <a:t>useState</a:t>
+            </a:r>
+            <a:endParaRPr lang="en-US" dirty="0"/>
           </a:p>
         </p:txBody>
       </p:sp>
     </p:spTree>
     <p:extLst>
       <p:ext uri="{BB962C8B-B14F-4D97-AF65-F5344CB8AC3E}">
-        <p14:creationId xmlns:p14="http://schemas.microsoft.com/office/powerpoint/2010/main" val="4022983786"/>
+        <p14:creationId xmlns:p14="http://schemas.microsoft.com/office/powerpoint/2010/main" val="2107021493"/>
       </p:ext>
     </p:extLst>
   </p:cSld>

--- a/ReactHooks.pptx
+++ b/ReactHooks.pptx
@@ -1,22 +1,26 @@
 
 <file path=ppt/presentation.xml><?xml version="1.0" encoding="utf-8"?>
-<p:presentation xmlns:a="http://schemas.openxmlformats.org/drawingml/2006/main" xmlns:r="http://schemas.openxmlformats.org/officeDocument/2006/relationships" xmlns:p="http://schemas.openxmlformats.org/presentationml/2006/main" saveSubsetFonts="1">
+<p:presentation xmlns:a="http://schemas.openxmlformats.org/drawingml/2006/main" xmlns:r="http://schemas.openxmlformats.org/officeDocument/2006/relationships" xmlns:p="http://schemas.openxmlformats.org/presentationml/2006/main" showSpecialPlsOnTitleSld="0" saveSubsetFonts="1">
   <p:sldMasterIdLst>
     <p:sldMasterId id="2147483648" r:id="rId1"/>
   </p:sldMasterIdLst>
   <p:notesMasterIdLst>
-    <p:notesMasterId r:id="rId11"/>
+    <p:notesMasterId r:id="rId12"/>
   </p:notesMasterIdLst>
+  <p:handoutMasterIdLst>
+    <p:handoutMasterId r:id="rId13"/>
+  </p:handoutMasterIdLst>
   <p:sldIdLst>
     <p:sldId id="269" r:id="rId2"/>
     <p:sldId id="268" r:id="rId3"/>
     <p:sldId id="257" r:id="rId4"/>
     <p:sldId id="258" r:id="rId5"/>
-    <p:sldId id="261" r:id="rId6"/>
-    <p:sldId id="262" r:id="rId7"/>
-    <p:sldId id="264" r:id="rId8"/>
-    <p:sldId id="265" r:id="rId9"/>
-    <p:sldId id="266" r:id="rId10"/>
+    <p:sldId id="270" r:id="rId6"/>
+    <p:sldId id="261" r:id="rId7"/>
+    <p:sldId id="262" r:id="rId8"/>
+    <p:sldId id="264" r:id="rId9"/>
+    <p:sldId id="265" r:id="rId10"/>
+    <p:sldId id="266" r:id="rId11"/>
   </p:sldIdLst>
   <p:sldSz cx="12192000" cy="6858000"/>
   <p:notesSz cx="6858000" cy="9144000"/>
@@ -123,6 +127,172 @@
 </p:presentation>
 </file>
 
+<file path=ppt/handoutMasters/handoutMaster1.xml><?xml version="1.0" encoding="utf-8"?>
+<p:handoutMaster xmlns:a="http://schemas.openxmlformats.org/drawingml/2006/main" xmlns:r="http://schemas.openxmlformats.org/officeDocument/2006/relationships" xmlns:p="http://schemas.openxmlformats.org/presentationml/2006/main">
+  <p:cSld>
+    <p:bg>
+      <p:bgRef idx="1001">
+        <a:schemeClr val="bg1"/>
+      </p:bgRef>
+    </p:bg>
+    <p:spTree>
+      <p:nvGrpSpPr>
+        <p:cNvPr id="1" name=""/>
+        <p:cNvGrpSpPr/>
+        <p:nvPr/>
+      </p:nvGrpSpPr>
+      <p:grpSpPr>
+        <a:xfrm>
+          <a:off x="0" y="0"/>
+          <a:ext cx="0" cy="0"/>
+          <a:chOff x="0" y="0"/>
+          <a:chExt cx="0" cy="0"/>
+        </a:xfrm>
+      </p:grpSpPr>
+      <p:sp>
+        <p:nvSpPr>
+          <p:cNvPr id="2" name="Header Placeholder 1"/>
+          <p:cNvSpPr>
+            <a:spLocks noGrp="1"/>
+          </p:cNvSpPr>
+          <p:nvPr>
+            <p:ph type="hdr" sz="quarter"/>
+          </p:nvPr>
+        </p:nvSpPr>
+        <p:spPr>
+          <a:xfrm>
+            <a:off x="0" y="0"/>
+            <a:ext cx="2971800" cy="458788"/>
+          </a:xfrm>
+          <a:prstGeom prst="rect">
+            <a:avLst/>
+          </a:prstGeom>
+        </p:spPr>
+        <p:txBody>
+          <a:bodyPr vert="horz" lIns="91440" tIns="45720" rIns="91440" bIns="45720" rtlCol="0"/>
+          <a:lstStyle>
+            <a:lvl1pPr algn="l">
+              <a:defRPr sz="1200"/>
+            </a:lvl1pPr>
+          </a:lstStyle>
+          <a:p>
+            <a:endParaRPr lang="en-US"/>
+          </a:p>
+        </p:txBody>
+      </p:sp>
+      <p:sp>
+        <p:nvSpPr>
+          <p:cNvPr id="3" name="Date Placeholder 2"/>
+          <p:cNvSpPr>
+            <a:spLocks noGrp="1"/>
+          </p:cNvSpPr>
+          <p:nvPr>
+            <p:ph type="dt" sz="quarter" idx="1"/>
+          </p:nvPr>
+        </p:nvSpPr>
+        <p:spPr>
+          <a:xfrm>
+            <a:off x="3884613" y="0"/>
+            <a:ext cx="2971800" cy="458788"/>
+          </a:xfrm>
+          <a:prstGeom prst="rect">
+            <a:avLst/>
+          </a:prstGeom>
+        </p:spPr>
+        <p:txBody>
+          <a:bodyPr vert="horz" lIns="91440" tIns="45720" rIns="91440" bIns="45720" rtlCol="0"/>
+          <a:lstStyle>
+            <a:lvl1pPr algn="r">
+              <a:defRPr sz="1200"/>
+            </a:lvl1pPr>
+          </a:lstStyle>
+          <a:p>
+            <a:fld id="{9178D1A1-91A7-4B77-A692-87D3F8B9A420}" type="datetimeFigureOut">
+              <a:rPr lang="en-US" smtClean="0"/>
+              <a:t>5/9/2019</a:t>
+            </a:fld>
+            <a:endParaRPr lang="en-US"/>
+          </a:p>
+        </p:txBody>
+      </p:sp>
+      <p:sp>
+        <p:nvSpPr>
+          <p:cNvPr id="4" name="Footer Placeholder 3"/>
+          <p:cNvSpPr>
+            <a:spLocks noGrp="1"/>
+          </p:cNvSpPr>
+          <p:nvPr>
+            <p:ph type="ftr" sz="quarter" idx="2"/>
+          </p:nvPr>
+        </p:nvSpPr>
+        <p:spPr>
+          <a:xfrm>
+            <a:off x="0" y="8685213"/>
+            <a:ext cx="2971800" cy="458787"/>
+          </a:xfrm>
+          <a:prstGeom prst="rect">
+            <a:avLst/>
+          </a:prstGeom>
+        </p:spPr>
+        <p:txBody>
+          <a:bodyPr vert="horz" lIns="91440" tIns="45720" rIns="91440" bIns="45720" rtlCol="0" anchor="b"/>
+          <a:lstStyle>
+            <a:lvl1pPr algn="l">
+              <a:defRPr sz="1200"/>
+            </a:lvl1pPr>
+          </a:lstStyle>
+          <a:p>
+            <a:endParaRPr lang="en-US"/>
+          </a:p>
+        </p:txBody>
+      </p:sp>
+      <p:sp>
+        <p:nvSpPr>
+          <p:cNvPr id="5" name="Slide Number Placeholder 4"/>
+          <p:cNvSpPr>
+            <a:spLocks noGrp="1"/>
+          </p:cNvSpPr>
+          <p:nvPr>
+            <p:ph type="sldNum" sz="quarter" idx="3"/>
+          </p:nvPr>
+        </p:nvSpPr>
+        <p:spPr>
+          <a:xfrm>
+            <a:off x="3884613" y="8685213"/>
+            <a:ext cx="2971800" cy="458787"/>
+          </a:xfrm>
+          <a:prstGeom prst="rect">
+            <a:avLst/>
+          </a:prstGeom>
+        </p:spPr>
+        <p:txBody>
+          <a:bodyPr vert="horz" lIns="91440" tIns="45720" rIns="91440" bIns="45720" rtlCol="0" anchor="b"/>
+          <a:lstStyle>
+            <a:lvl1pPr algn="r">
+              <a:defRPr sz="1200"/>
+            </a:lvl1pPr>
+          </a:lstStyle>
+          <a:p>
+            <a:fld id="{4ED5E45A-74A1-49F3-988A-E72934F03F42}" type="slidenum">
+              <a:rPr lang="en-US" smtClean="0"/>
+              <a:t>‹#›</a:t>
+            </a:fld>
+            <a:endParaRPr lang="en-US"/>
+          </a:p>
+        </p:txBody>
+      </p:sp>
+    </p:spTree>
+    <p:extLst>
+      <p:ext uri="{BB962C8B-B14F-4D97-AF65-F5344CB8AC3E}">
+        <p14:creationId xmlns:p14="http://schemas.microsoft.com/office/powerpoint/2010/main" val="2296023465"/>
+      </p:ext>
+    </p:extLst>
+  </p:cSld>
+  <p:clrMap bg1="lt1" tx1="dk1" bg2="lt2" tx2="dk2" accent1="accent1" accent2="accent2" accent3="accent3" accent4="accent4" accent5="accent5" accent6="accent6" hlink="hlink" folHlink="folHlink"/>
+  <p:hf hdr="0" ftr="0" dt="0"/>
+</p:handoutMaster>
+</file>
+
 <file path=ppt/notesMasters/notesMaster1.xml><?xml version="1.0" encoding="utf-8"?>
 <p:notesMaster xmlns:a="http://schemas.openxmlformats.org/drawingml/2006/main" xmlns:r="http://schemas.openxmlformats.org/officeDocument/2006/relationships" xmlns:p="http://schemas.openxmlformats.org/presentationml/2006/main">
   <p:cSld>
@@ -378,6 +548,7 @@
     </p:extLst>
   </p:cSld>
   <p:clrMap bg1="lt1" tx1="dk1" bg2="lt2" tx2="dk2" accent1="accent1" accent2="accent2" accent3="accent3" accent4="accent4" accent5="accent5" accent6="accent6" hlink="hlink" folHlink="folHlink"/>
+  <p:hf hdr="0" ftr="0" dt="0"/>
   <p:notesStyle>
     <a:lvl1pPr marL="0" algn="l" defTabSz="914400" rtl="0" eaLnBrk="1" latinLnBrk="0" hangingPunct="1">
       <a:defRPr sz="1200" kern="1200">
@@ -521,7 +692,7 @@
               <a:buAutoNum type="arabicPeriod"/>
             </a:pPr>
             <a:r>
-              <a:rPr lang="en-US" dirty="0" smtClean="0"/>
+              <a:rPr lang="en-US" smtClean="0"/>
               <a:t>What</a:t>
             </a:r>
           </a:p>
@@ -530,30 +701,30 @@
               <a:buAutoNum type="arabicPeriod"/>
             </a:pPr>
             <a:r>
-              <a:rPr lang="en-US" dirty="0" smtClean="0"/>
+              <a:rPr lang="en-US" smtClean="0"/>
               <a:t>Why =&gt; List why would</a:t>
             </a:r>
             <a:r>
-              <a:rPr lang="en-US" baseline="0" dirty="0" smtClean="0"/>
+              <a:rPr lang="en-US" baseline="0" smtClean="0"/>
               <a:t> we use hooks. </a:t>
             </a:r>
-            <a:endParaRPr lang="en-US" dirty="0" smtClean="0"/>
+            <a:endParaRPr lang="en-US" smtClean="0"/>
           </a:p>
           <a:p>
             <a:pPr marL="228600" indent="-228600">
               <a:buAutoNum type="arabicPeriod"/>
             </a:pPr>
             <a:r>
-              <a:rPr lang="en-US" dirty="0" smtClean="0"/>
+              <a:rPr lang="en-US" smtClean="0"/>
               <a:t>When</a:t>
             </a:r>
-            <a:endParaRPr lang="en-US" dirty="0"/>
-          </a:p>
-        </p:txBody>
-      </p:sp>
-      <p:sp>
-        <p:nvSpPr>
-          <p:cNvPr id="4" name="Slide Number Placeholder 3"/>
+            <a:endParaRPr lang="en-US"/>
+          </a:p>
+        </p:txBody>
+      </p:sp>
+      <p:sp>
+        <p:nvSpPr>
+          <p:cNvPr id="5" name="Slide Number Placeholder 4"/>
           <p:cNvSpPr>
             <a:spLocks noGrp="1"/>
           </p:cNvSpPr>
@@ -649,29 +820,29 @@
               <a:defRPr/>
             </a:pPr>
             <a:r>
-              <a:rPr lang="en-US" dirty="0" smtClean="0"/>
+              <a:rPr lang="en-US" smtClean="0"/>
               <a:t>- </a:t>
             </a:r>
             <a:r>
-              <a:rPr lang="en-US" sz="1200" dirty="0" smtClean="0"/>
+              <a:rPr lang="en-US" sz="1200" smtClean="0"/>
               <a:t>Require you to restructure your components.</a:t>
             </a:r>
             <a:br>
-              <a:rPr lang="en-US" sz="1200" dirty="0" smtClean="0"/>
+              <a:rPr lang="en-US" sz="1200" smtClean="0"/>
             </a:br>
             <a:r>
-              <a:rPr lang="en-US" sz="1200" dirty="0" smtClean="0"/>
+              <a:rPr lang="en-US" sz="1200" smtClean="0"/>
               <a:t>- Cumbersome, code hard to follow.</a:t>
             </a:r>
             <a:br>
-              <a:rPr lang="en-US" sz="1200" dirty="0" smtClean="0"/>
+              <a:rPr lang="en-US" sz="1200" smtClean="0"/>
             </a:br>
             <a:r>
-              <a:rPr lang="en-US" sz="1200" dirty="0" smtClean="0"/>
+              <a:rPr lang="en-US" sz="1200" smtClean="0"/>
               <a:t>- With Hooks, Can be tested independently and reused</a:t>
             </a:r>
             <a:r>
-              <a:rPr lang="en-US" dirty="0" smtClean="0"/>
+              <a:rPr lang="en-US" smtClean="0"/>
               <a:t>. </a:t>
             </a:r>
           </a:p>
@@ -693,7 +864,7 @@
               <a:tabLst/>
               <a:defRPr/>
             </a:pPr>
-            <a:endParaRPr lang="en-US" sz="1200" dirty="0" smtClean="0"/>
+            <a:endParaRPr lang="en-US" sz="1200" smtClean="0"/>
           </a:p>
           <a:p>
             <a:pPr marL="0" marR="0" lvl="0" indent="0" algn="l" defTabSz="914400" rtl="0" eaLnBrk="1" fontAlgn="auto" latinLnBrk="0" hangingPunct="1">
@@ -714,53 +885,101 @@
               <a:defRPr/>
             </a:pPr>
             <a:r>
-              <a:rPr lang="en-US" sz="1200" dirty="0" smtClean="0"/>
+              <a:rPr lang="en-US" sz="1200" smtClean="0"/>
               <a:t>- Hooks let you split one component into smaller functions based on what pieces are related (such as setting up a subscription or fetching data)</a:t>
             </a:r>
             <a:br>
-              <a:rPr lang="en-US" sz="1200" dirty="0" smtClean="0"/>
+              <a:rPr lang="en-US" sz="1200" smtClean="0"/>
             </a:br>
-            <a:endParaRPr lang="en-US" sz="1200" dirty="0" smtClean="0"/>
-          </a:p>
-          <a:p>
-            <a:r>
-              <a:rPr lang="en-US" dirty="0" smtClean="0"/>
-              <a:t>- How </a:t>
-            </a:r>
-            <a:r>
-              <a:rPr lang="en-US" i="1" dirty="0" smtClean="0"/>
+            <a:endParaRPr lang="en-US" sz="1200" smtClean="0"/>
+          </a:p>
+          <a:p>
+            <a:pPr marL="171450" indent="-171450">
+              <a:buFontTx/>
+              <a:buChar char="-"/>
+            </a:pPr>
+            <a:r>
+              <a:rPr lang="en-US" smtClean="0"/>
+              <a:t>How </a:t>
+            </a:r>
+            <a:r>
+              <a:rPr lang="en-US" i="1" smtClean="0"/>
               <a:t>this</a:t>
             </a:r>
             <a:r>
-              <a:rPr lang="en-US" dirty="0" smtClean="0"/>
+              <a:rPr lang="en-US" smtClean="0"/>
               <a:t> works, remember bind the event handlers…</a:t>
             </a:r>
             <a:r>
-              <a:rPr lang="en-US" b="1" dirty="0" smtClean="0"/>
+              <a:rPr lang="en-US" b="1" smtClean="0"/>
               <a:t/>
             </a:r>
             <a:br>
-              <a:rPr lang="en-US" b="1" dirty="0" smtClean="0"/>
+              <a:rPr lang="en-US" b="1" smtClean="0"/>
             </a:br>
             <a:r>
-              <a:rPr lang="en-US" sz="1200" dirty="0" smtClean="0"/>
+              <a:rPr lang="en-US" sz="1200" smtClean="0"/>
               <a:t>- Hooks let you use more of </a:t>
             </a:r>
             <a:r>
-              <a:rPr lang="en-US" sz="1200" dirty="0" err="1" smtClean="0"/>
+              <a:rPr lang="en-US" sz="1200" err="1" smtClean="0"/>
               <a:t>React’s</a:t>
             </a:r>
             <a:r>
-              <a:rPr lang="en-US" sz="1200" dirty="0" smtClean="0"/>
-              <a:t> features without classes.</a:t>
-            </a:r>
-            <a:endParaRPr lang="en-US" dirty="0"/>
-          </a:p>
-        </p:txBody>
-      </p:sp>
-      <p:sp>
-        <p:nvSpPr>
-          <p:cNvPr id="4" name="Slide Number Placeholder 3"/>
+              <a:rPr lang="en-US" sz="1200" smtClean="0"/>
+              <a:t> features without classes</a:t>
+            </a:r>
+            <a:r>
+              <a:rPr lang="en-US" sz="1200" smtClean="0"/>
+              <a:t>.</a:t>
+            </a:r>
+          </a:p>
+          <a:p>
+            <a:pPr>
+              <a:lnSpc>
+                <a:spcPct val="150000"/>
+              </a:lnSpc>
+            </a:pPr>
+            <a:r>
+              <a:rPr lang="en-US" smtClean="0"/>
+              <a:t>Class is hard to Reuse stateful logic between components.</a:t>
+            </a:r>
+          </a:p>
+          <a:p>
+            <a:pPr>
+              <a:lnSpc>
+                <a:spcPct val="150000"/>
+              </a:lnSpc>
+            </a:pPr>
+            <a:r>
+              <a:rPr lang="en-US" smtClean="0"/>
+              <a:t>Complex components become hard to understand.</a:t>
+            </a:r>
+          </a:p>
+          <a:p>
+            <a:pPr>
+              <a:lnSpc>
+                <a:spcPct val="150000"/>
+              </a:lnSpc>
+            </a:pPr>
+            <a:r>
+              <a:rPr lang="en-US" smtClean="0"/>
+              <a:t>Classes confuse both people and machines.</a:t>
+            </a:r>
+            <a:endParaRPr lang="en-US" sz="1100" smtClean="0"/>
+          </a:p>
+          <a:p>
+            <a:pPr marL="171450" indent="-171450">
+              <a:buFontTx/>
+              <a:buChar char="-"/>
+            </a:pPr>
+            <a:endParaRPr lang="en-US"/>
+          </a:p>
+        </p:txBody>
+      </p:sp>
+      <p:sp>
+        <p:nvSpPr>
+          <p:cNvPr id="5" name="Slide Number Placeholder 4"/>
           <p:cNvSpPr>
             <a:spLocks noGrp="1"/>
           </p:cNvSpPr>
@@ -855,13 +1074,167 @@
               <a:tabLst/>
               <a:defRPr/>
             </a:pPr>
-            <a:endParaRPr lang="en-US" dirty="0"/>
-          </a:p>
-        </p:txBody>
-      </p:sp>
-      <p:sp>
-        <p:nvSpPr>
-          <p:cNvPr id="4" name="Slide Number Placeholder 3"/>
+            <a:r>
+              <a:rPr lang="en-US" smtClean="0"/>
+              <a:t>- </a:t>
+            </a:r>
+            <a:r>
+              <a:rPr lang="en-US" sz="1200" smtClean="0"/>
+              <a:t>Require you to restructure your components.</a:t>
+            </a:r>
+            <a:br>
+              <a:rPr lang="en-US" sz="1200" smtClean="0"/>
+            </a:br>
+            <a:r>
+              <a:rPr lang="en-US" sz="1200" smtClean="0"/>
+              <a:t>- Cumbersome, code hard to follow.</a:t>
+            </a:r>
+            <a:br>
+              <a:rPr lang="en-US" sz="1200" smtClean="0"/>
+            </a:br>
+            <a:r>
+              <a:rPr lang="en-US" sz="1200" smtClean="0"/>
+              <a:t>- With Hooks, Can be tested independently and reused</a:t>
+            </a:r>
+            <a:r>
+              <a:rPr lang="en-US" smtClean="0"/>
+              <a:t>. </a:t>
+            </a:r>
+          </a:p>
+          <a:p>
+            <a:pPr marL="0" marR="0" lvl="0" indent="0" algn="l" defTabSz="914400" rtl="0" eaLnBrk="1" fontAlgn="auto" latinLnBrk="0" hangingPunct="1">
+              <a:lnSpc>
+                <a:spcPct val="100000"/>
+              </a:lnSpc>
+              <a:spcBef>
+                <a:spcPts val="0"/>
+              </a:spcBef>
+              <a:spcAft>
+                <a:spcPts val="0"/>
+              </a:spcAft>
+              <a:buClrTx/>
+              <a:buSzTx/>
+              <a:buFontTx/>
+              <a:buNone/>
+              <a:tabLst/>
+              <a:defRPr/>
+            </a:pPr>
+            <a:endParaRPr lang="en-US" sz="1200" smtClean="0"/>
+          </a:p>
+          <a:p>
+            <a:pPr marL="0" marR="0" lvl="0" indent="0" algn="l" defTabSz="914400" rtl="0" eaLnBrk="1" fontAlgn="auto" latinLnBrk="0" hangingPunct="1">
+              <a:lnSpc>
+                <a:spcPct val="100000"/>
+              </a:lnSpc>
+              <a:spcBef>
+                <a:spcPts val="0"/>
+              </a:spcBef>
+              <a:spcAft>
+                <a:spcPts val="0"/>
+              </a:spcAft>
+              <a:buClrTx/>
+              <a:buSzTx/>
+              <a:buFontTx/>
+              <a:buNone/>
+              <a:tabLst/>
+              <a:defRPr/>
+            </a:pPr>
+            <a:r>
+              <a:rPr lang="en-US" sz="1200" smtClean="0"/>
+              <a:t>- Hooks let you split one component into smaller functions based on what pieces are related (such as setting up a subscription or fetching data)</a:t>
+            </a:r>
+            <a:br>
+              <a:rPr lang="en-US" sz="1200" smtClean="0"/>
+            </a:br>
+            <a:endParaRPr lang="en-US" sz="1200" smtClean="0"/>
+          </a:p>
+          <a:p>
+            <a:pPr marL="171450" indent="-171450">
+              <a:buFontTx/>
+              <a:buChar char="-"/>
+            </a:pPr>
+            <a:r>
+              <a:rPr lang="en-US" smtClean="0"/>
+              <a:t>How </a:t>
+            </a:r>
+            <a:r>
+              <a:rPr lang="en-US" i="1" smtClean="0"/>
+              <a:t>this</a:t>
+            </a:r>
+            <a:r>
+              <a:rPr lang="en-US" smtClean="0"/>
+              <a:t> works, remember bind the event handlers…</a:t>
+            </a:r>
+            <a:r>
+              <a:rPr lang="en-US" b="1" smtClean="0"/>
+              <a:t/>
+            </a:r>
+            <a:br>
+              <a:rPr lang="en-US" b="1" smtClean="0"/>
+            </a:br>
+            <a:r>
+              <a:rPr lang="en-US" sz="1200" smtClean="0"/>
+              <a:t>- Hooks let you use more of </a:t>
+            </a:r>
+            <a:r>
+              <a:rPr lang="en-US" sz="1200" err="1" smtClean="0"/>
+              <a:t>React’s</a:t>
+            </a:r>
+            <a:r>
+              <a:rPr lang="en-US" sz="1200" smtClean="0"/>
+              <a:t> features without classes</a:t>
+            </a:r>
+            <a:r>
+              <a:rPr lang="en-US" sz="1200" smtClean="0"/>
+              <a:t>.</a:t>
+            </a:r>
+          </a:p>
+          <a:p>
+            <a:pPr>
+              <a:lnSpc>
+                <a:spcPct val="150000"/>
+              </a:lnSpc>
+            </a:pPr>
+            <a:r>
+              <a:rPr lang="en-US" smtClean="0"/>
+              <a:t>Class is hard to Reuse stateful logic between components.</a:t>
+            </a:r>
+          </a:p>
+          <a:p>
+            <a:pPr>
+              <a:lnSpc>
+                <a:spcPct val="150000"/>
+              </a:lnSpc>
+            </a:pPr>
+            <a:r>
+              <a:rPr lang="en-US" smtClean="0"/>
+              <a:t>Complex components become hard to understand.</a:t>
+            </a:r>
+          </a:p>
+          <a:p>
+            <a:pPr>
+              <a:lnSpc>
+                <a:spcPct val="150000"/>
+              </a:lnSpc>
+            </a:pPr>
+            <a:r>
+              <a:rPr lang="en-US" smtClean="0"/>
+              <a:t>Classes confuse both people and machines.</a:t>
+            </a:r>
+            <a:endParaRPr lang="en-US" sz="1100" smtClean="0"/>
+          </a:p>
+          <a:p>
+            <a:pPr marL="171450" indent="-171450">
+              <a:buFontTx/>
+              <a:buChar char="-"/>
+            </a:pPr>
+            <a:endParaRPr lang="en-US"/>
+          </a:p>
+        </p:txBody>
+      </p:sp>
+      <p:sp>
+        <p:nvSpPr>
+          <p:cNvPr id="5" name="Slide Number Placeholder 4"/>
           <p:cNvSpPr>
             <a:spLocks noGrp="1"/>
           </p:cNvSpPr>
@@ -885,7 +1258,7 @@
     </p:spTree>
     <p:extLst>
       <p:ext uri="{BB962C8B-B14F-4D97-AF65-F5344CB8AC3E}">
-        <p14:creationId xmlns:p14="http://schemas.microsoft.com/office/powerpoint/2010/main" val="2668052865"/>
+        <p14:creationId xmlns:p14="http://schemas.microsoft.com/office/powerpoint/2010/main" val="2801379702"/>
       </p:ext>
     </p:extLst>
   </p:cSld>
@@ -956,154 +1329,13 @@
               <a:tabLst/>
               <a:defRPr/>
             </a:pPr>
-            <a:r>
-              <a:rPr lang="en-US" dirty="0" smtClean="0"/>
-              <a:t>Combine</a:t>
-            </a:r>
-            <a:r>
-              <a:rPr lang="en-US" baseline="0" dirty="0" smtClean="0"/>
-              <a:t> with where questions.</a:t>
-            </a:r>
-          </a:p>
-          <a:p>
-            <a:pPr marL="0" marR="0" lvl="0" indent="0" algn="l" defTabSz="914400" rtl="0" eaLnBrk="1" fontAlgn="auto" latinLnBrk="0" hangingPunct="1">
-              <a:lnSpc>
-                <a:spcPct val="100000"/>
-              </a:lnSpc>
-              <a:spcBef>
-                <a:spcPts val="0"/>
-              </a:spcBef>
-              <a:spcAft>
-                <a:spcPts val="0"/>
-              </a:spcAft>
-              <a:buClrTx/>
-              <a:buSzTx/>
-              <a:buFontTx/>
-              <a:buNone/>
-              <a:tabLst/>
-              <a:defRPr/>
-            </a:pPr>
-            <a:endParaRPr lang="en-US" dirty="0" smtClean="0"/>
-          </a:p>
-          <a:p>
-            <a:pPr marL="228600" marR="0" lvl="0" indent="-228600" algn="l" defTabSz="914400" rtl="0" eaLnBrk="1" fontAlgn="auto" latinLnBrk="0" hangingPunct="1">
-              <a:lnSpc>
-                <a:spcPct val="100000"/>
-              </a:lnSpc>
-              <a:spcBef>
-                <a:spcPts val="0"/>
-              </a:spcBef>
-              <a:spcAft>
-                <a:spcPts val="0"/>
-              </a:spcAft>
-              <a:buClrTx/>
-              <a:buSzTx/>
-              <a:buFontTx/>
-              <a:buAutoNum type="alphaLcPeriod"/>
-              <a:tabLst/>
-              <a:defRPr/>
-            </a:pPr>
-            <a:r>
-              <a:rPr lang="en-US" baseline="0" dirty="0" smtClean="0"/>
-              <a:t>Rules of hooks:</a:t>
-            </a:r>
-            <a:br>
-              <a:rPr lang="en-US" baseline="0" dirty="0" smtClean="0"/>
-            </a:br>
-            <a:r>
-              <a:rPr lang="en-US" baseline="0" dirty="0" smtClean="0"/>
-              <a:t>- </a:t>
-            </a:r>
-            <a:r>
-              <a:rPr lang="en-US" sz="1200" b="0" i="0" kern="1200" dirty="0" smtClean="0">
-                <a:solidFill>
-                  <a:schemeClr val="tx1"/>
-                </a:solidFill>
-                <a:effectLst/>
-                <a:latin typeface="+mn-lt"/>
-                <a:ea typeface="+mn-ea"/>
-                <a:cs typeface="+mn-cs"/>
-              </a:rPr>
-              <a:t>Ensure that Hooks are called in the same order each time a component renders. </a:t>
-            </a:r>
-            <a:r>
-              <a:rPr lang="en-US" baseline="0" dirty="0" smtClean="0"/>
-              <a:t>Make Hooks preserve the state of Hooks between multiple </a:t>
-            </a:r>
-            <a:r>
-              <a:rPr lang="en-US" i="1" baseline="0" dirty="0" err="1" smtClean="0"/>
-              <a:t>useState</a:t>
-            </a:r>
-            <a:r>
-              <a:rPr lang="en-US" i="0" baseline="0" dirty="0" smtClean="0"/>
-              <a:t> and </a:t>
-            </a:r>
-            <a:r>
-              <a:rPr lang="en-US" i="1" baseline="0" dirty="0" err="1" smtClean="0"/>
-              <a:t>useEffect</a:t>
-            </a:r>
-            <a:r>
-              <a:rPr lang="en-US" i="0" baseline="0" dirty="0" smtClean="0"/>
-              <a:t>.</a:t>
-            </a:r>
-            <a:br>
-              <a:rPr lang="en-US" i="0" baseline="0" dirty="0" smtClean="0"/>
-            </a:br>
-            <a:r>
-              <a:rPr lang="en-US" i="0" baseline="0" dirty="0" smtClean="0"/>
-              <a:t>- Regular </a:t>
-            </a:r>
-            <a:r>
-              <a:rPr lang="en-US" i="0" baseline="0" dirty="0" err="1" smtClean="0"/>
-              <a:t>Js</a:t>
-            </a:r>
-            <a:r>
-              <a:rPr lang="en-US" i="0" baseline="0" dirty="0" smtClean="0"/>
-              <a:t> functions: ajax …. This rule</a:t>
-            </a:r>
-            <a:r>
-              <a:rPr lang="en-US" sz="1200" b="0" i="0" kern="1200" dirty="0" smtClean="0">
-                <a:solidFill>
-                  <a:schemeClr val="tx1"/>
-                </a:solidFill>
-                <a:effectLst/>
-                <a:latin typeface="+mn-lt"/>
-                <a:ea typeface="+mn-ea"/>
-                <a:cs typeface="+mn-cs"/>
-              </a:rPr>
-              <a:t> ensure that all </a:t>
-            </a:r>
-            <a:r>
-              <a:rPr lang="en-US" sz="1200" b="0" i="0" kern="1200" dirty="0" err="1" smtClean="0">
-                <a:solidFill>
-                  <a:schemeClr val="tx1"/>
-                </a:solidFill>
-                <a:effectLst/>
-                <a:latin typeface="+mn-lt"/>
-                <a:ea typeface="+mn-ea"/>
-                <a:cs typeface="+mn-cs"/>
-              </a:rPr>
-              <a:t>stateful</a:t>
-            </a:r>
-            <a:r>
-              <a:rPr lang="en-US" sz="1200" b="0" i="0" kern="1200" dirty="0" smtClean="0">
-                <a:solidFill>
-                  <a:schemeClr val="tx1"/>
-                </a:solidFill>
-                <a:effectLst/>
-                <a:latin typeface="+mn-lt"/>
-                <a:ea typeface="+mn-ea"/>
-                <a:cs typeface="+mn-cs"/>
-              </a:rPr>
-              <a:t> logic in a component is clearly visible from its source code.</a:t>
-            </a:r>
-            <a:endParaRPr lang="en-US" baseline="0" dirty="0" smtClean="0"/>
-          </a:p>
-        </p:txBody>
-      </p:sp>
-      <p:sp>
-        <p:nvSpPr>
-          <p:cNvPr id="4" name="Slide Number Placeholder 3"/>
+            <a:endParaRPr lang="en-US"/>
+          </a:p>
+        </p:txBody>
+      </p:sp>
+      <p:sp>
+        <p:nvSpPr>
+          <p:cNvPr id="5" name="Slide Number Placeholder 4"/>
           <p:cNvSpPr>
             <a:spLocks noGrp="1"/>
           </p:cNvSpPr>
@@ -1127,7 +1359,7 @@
     </p:spTree>
     <p:extLst>
       <p:ext uri="{BB962C8B-B14F-4D97-AF65-F5344CB8AC3E}">
-        <p14:creationId xmlns:p14="http://schemas.microsoft.com/office/powerpoint/2010/main" val="882481392"/>
+        <p14:creationId xmlns:p14="http://schemas.microsoft.com/office/powerpoint/2010/main" val="2668052865"/>
       </p:ext>
     </p:extLst>
   </p:cSld>
@@ -1199,11 +1431,11 @@
               <a:defRPr/>
             </a:pPr>
             <a:r>
-              <a:rPr lang="en-US" dirty="0" smtClean="0"/>
+              <a:rPr lang="en-US" smtClean="0"/>
               <a:t>Combine</a:t>
             </a:r>
             <a:r>
-              <a:rPr lang="en-US" baseline="0" dirty="0" smtClean="0"/>
+              <a:rPr lang="en-US" baseline="0" smtClean="0"/>
               <a:t> with where questions.</a:t>
             </a:r>
           </a:p>
@@ -1225,7 +1457,7 @@
               <a:tabLst/>
               <a:defRPr/>
             </a:pPr>
-            <a:endParaRPr lang="en-US" dirty="0" smtClean="0"/>
+            <a:endParaRPr lang="en-US" smtClean="0"/>
           </a:p>
           <a:p>
             <a:pPr marL="228600" marR="0" lvl="0" indent="-228600" algn="l" defTabSz="914400" rtl="0" eaLnBrk="1" fontAlgn="auto" latinLnBrk="0" hangingPunct="1">
@@ -1246,18 +1478,18 @@
               <a:defRPr/>
             </a:pPr>
             <a:r>
-              <a:rPr lang="en-US" baseline="0" dirty="0" smtClean="0"/>
+              <a:rPr lang="en-US" baseline="0" smtClean="0"/>
               <a:t>Rules of hooks:</a:t>
             </a:r>
             <a:br>
-              <a:rPr lang="en-US" baseline="0" dirty="0" smtClean="0"/>
+              <a:rPr lang="en-US" baseline="0" smtClean="0"/>
             </a:br>
             <a:r>
-              <a:rPr lang="en-US" baseline="0" dirty="0" smtClean="0"/>
+              <a:rPr lang="en-US" baseline="0" smtClean="0"/>
               <a:t>- </a:t>
             </a:r>
             <a:r>
-              <a:rPr lang="en-US" sz="1200" b="0" i="0" kern="1200" dirty="0" smtClean="0">
+              <a:rPr lang="en-US" sz="1200" b="0" i="0" kern="1200" smtClean="0">
                 <a:solidFill>
                   <a:schemeClr val="tx1"/>
                 </a:solidFill>
@@ -1269,42 +1501,42 @@
               <a:t>Ensure that Hooks are called in the same order each time a component renders. </a:t>
             </a:r>
             <a:r>
-              <a:rPr lang="en-US" baseline="0" dirty="0" smtClean="0"/>
+              <a:rPr lang="en-US" baseline="0" smtClean="0"/>
               <a:t>Make Hooks preserve the state of Hooks between multiple </a:t>
             </a:r>
             <a:r>
-              <a:rPr lang="en-US" i="1" baseline="0" dirty="0" err="1" smtClean="0"/>
+              <a:rPr lang="en-US" i="1" baseline="0" err="1" smtClean="0"/>
               <a:t>useState</a:t>
             </a:r>
             <a:r>
-              <a:rPr lang="en-US" i="0" baseline="0" dirty="0" smtClean="0"/>
+              <a:rPr lang="en-US" i="0" baseline="0" smtClean="0"/>
               <a:t> and </a:t>
             </a:r>
             <a:r>
-              <a:rPr lang="en-US" i="1" baseline="0" dirty="0" err="1" smtClean="0"/>
+              <a:rPr lang="en-US" i="1" baseline="0" err="1" smtClean="0"/>
               <a:t>useEffect</a:t>
             </a:r>
             <a:r>
-              <a:rPr lang="en-US" i="0" baseline="0" dirty="0" smtClean="0"/>
+              <a:rPr lang="en-US" i="0" baseline="0" smtClean="0"/>
               <a:t>.</a:t>
             </a:r>
             <a:br>
-              <a:rPr lang="en-US" i="0" baseline="0" dirty="0" smtClean="0"/>
+              <a:rPr lang="en-US" i="0" baseline="0" smtClean="0"/>
             </a:br>
             <a:r>
-              <a:rPr lang="en-US" i="0" baseline="0" dirty="0" smtClean="0"/>
+              <a:rPr lang="en-US" i="0" baseline="0" smtClean="0"/>
               <a:t>- Regular </a:t>
             </a:r>
             <a:r>
-              <a:rPr lang="en-US" i="0" baseline="0" dirty="0" err="1" smtClean="0"/>
+              <a:rPr lang="en-US" i="0" baseline="0" err="1" smtClean="0"/>
               <a:t>Js</a:t>
             </a:r>
             <a:r>
-              <a:rPr lang="en-US" i="0" baseline="0" dirty="0" smtClean="0"/>
+              <a:rPr lang="en-US" i="0" baseline="0" smtClean="0"/>
               <a:t> functions: ajax …. This rule</a:t>
             </a:r>
             <a:r>
-              <a:rPr lang="en-US" sz="1200" b="0" i="0" kern="1200" dirty="0" smtClean="0">
+              <a:rPr lang="en-US" sz="1200" b="0" i="0" kern="1200" smtClean="0">
                 <a:solidFill>
                   <a:schemeClr val="tx1"/>
                 </a:solidFill>
@@ -1316,7 +1548,7 @@
               <a:t> ensure that all </a:t>
             </a:r>
             <a:r>
-              <a:rPr lang="en-US" sz="1200" b="0" i="0" kern="1200" dirty="0" err="1" smtClean="0">
+              <a:rPr lang="en-US" sz="1200" b="0" i="0" kern="1200" err="1" smtClean="0">
                 <a:solidFill>
                   <a:schemeClr val="tx1"/>
                 </a:solidFill>
@@ -1328,7 +1560,7 @@
               <a:t>stateful</a:t>
             </a:r>
             <a:r>
-              <a:rPr lang="en-US" sz="1200" b="0" i="0" kern="1200" dirty="0" smtClean="0">
+              <a:rPr lang="en-US" sz="1200" b="0" i="0" kern="1200" smtClean="0">
                 <a:solidFill>
                   <a:schemeClr val="tx1"/>
                 </a:solidFill>
@@ -1339,13 +1571,13 @@
               </a:rPr>
               <a:t> logic in a component is clearly visible from its source code.</a:t>
             </a:r>
-            <a:endParaRPr lang="en-US" baseline="0" dirty="0" smtClean="0"/>
-          </a:p>
-        </p:txBody>
-      </p:sp>
-      <p:sp>
-        <p:nvSpPr>
-          <p:cNvPr id="4" name="Slide Number Placeholder 3"/>
+            <a:endParaRPr lang="en-US" baseline="0" smtClean="0"/>
+          </a:p>
+        </p:txBody>
+      </p:sp>
+      <p:sp>
+        <p:nvSpPr>
+          <p:cNvPr id="5" name="Slide Number Placeholder 4"/>
           <p:cNvSpPr>
             <a:spLocks noGrp="1"/>
           </p:cNvSpPr>
@@ -1369,7 +1601,7 @@
     </p:spTree>
     <p:extLst>
       <p:ext uri="{BB962C8B-B14F-4D97-AF65-F5344CB8AC3E}">
-        <p14:creationId xmlns:p14="http://schemas.microsoft.com/office/powerpoint/2010/main" val="3141670522"/>
+        <p14:creationId xmlns:p14="http://schemas.microsoft.com/office/powerpoint/2010/main" val="882481392"/>
       </p:ext>
     </p:extLst>
   </p:cSld>
@@ -1441,11 +1673,11 @@
               <a:defRPr/>
             </a:pPr>
             <a:r>
-              <a:rPr lang="en-US" dirty="0" smtClean="0"/>
+              <a:rPr lang="en-US" smtClean="0"/>
               <a:t>Combine</a:t>
             </a:r>
             <a:r>
-              <a:rPr lang="en-US" baseline="0" dirty="0" smtClean="0"/>
+              <a:rPr lang="en-US" baseline="0" smtClean="0"/>
               <a:t> with where questions.</a:t>
             </a:r>
           </a:p>
@@ -1467,7 +1699,7 @@
               <a:tabLst/>
               <a:defRPr/>
             </a:pPr>
-            <a:endParaRPr lang="en-US" dirty="0" smtClean="0"/>
+            <a:endParaRPr lang="en-US" smtClean="0"/>
           </a:p>
           <a:p>
             <a:pPr marL="228600" marR="0" lvl="0" indent="-228600" algn="l" defTabSz="914400" rtl="0" eaLnBrk="1" fontAlgn="auto" latinLnBrk="0" hangingPunct="1">
@@ -1488,18 +1720,18 @@
               <a:defRPr/>
             </a:pPr>
             <a:r>
-              <a:rPr lang="en-US" baseline="0" dirty="0" smtClean="0"/>
+              <a:rPr lang="en-US" baseline="0" smtClean="0"/>
               <a:t>Rules of hooks:</a:t>
             </a:r>
             <a:br>
-              <a:rPr lang="en-US" baseline="0" dirty="0" smtClean="0"/>
+              <a:rPr lang="en-US" baseline="0" smtClean="0"/>
             </a:br>
             <a:r>
-              <a:rPr lang="en-US" baseline="0" dirty="0" smtClean="0"/>
+              <a:rPr lang="en-US" baseline="0" smtClean="0"/>
               <a:t>- </a:t>
             </a:r>
             <a:r>
-              <a:rPr lang="en-US" sz="1200" b="0" i="0" kern="1200" dirty="0" smtClean="0">
+              <a:rPr lang="en-US" sz="1200" b="0" i="0" kern="1200" smtClean="0">
                 <a:solidFill>
                   <a:schemeClr val="tx1"/>
                 </a:solidFill>
@@ -1511,42 +1743,42 @@
               <a:t>Ensure that Hooks are called in the same order each time a component renders. </a:t>
             </a:r>
             <a:r>
-              <a:rPr lang="en-US" baseline="0" dirty="0" smtClean="0"/>
+              <a:rPr lang="en-US" baseline="0" smtClean="0"/>
               <a:t>Make Hooks preserve the state of Hooks between multiple </a:t>
             </a:r>
             <a:r>
-              <a:rPr lang="en-US" i="1" baseline="0" dirty="0" err="1" smtClean="0"/>
+              <a:rPr lang="en-US" i="1" baseline="0" err="1" smtClean="0"/>
               <a:t>useState</a:t>
             </a:r>
             <a:r>
-              <a:rPr lang="en-US" i="0" baseline="0" dirty="0" smtClean="0"/>
+              <a:rPr lang="en-US" i="0" baseline="0" smtClean="0"/>
               <a:t> and </a:t>
             </a:r>
             <a:r>
-              <a:rPr lang="en-US" i="1" baseline="0" dirty="0" err="1" smtClean="0"/>
+              <a:rPr lang="en-US" i="1" baseline="0" err="1" smtClean="0"/>
               <a:t>useEffect</a:t>
             </a:r>
             <a:r>
-              <a:rPr lang="en-US" i="0" baseline="0" dirty="0" smtClean="0"/>
+              <a:rPr lang="en-US" i="0" baseline="0" smtClean="0"/>
               <a:t>.</a:t>
             </a:r>
             <a:br>
-              <a:rPr lang="en-US" i="0" baseline="0" dirty="0" smtClean="0"/>
+              <a:rPr lang="en-US" i="0" baseline="0" smtClean="0"/>
             </a:br>
             <a:r>
-              <a:rPr lang="en-US" i="0" baseline="0" dirty="0" smtClean="0"/>
+              <a:rPr lang="en-US" i="0" baseline="0" smtClean="0"/>
               <a:t>- Regular </a:t>
             </a:r>
             <a:r>
-              <a:rPr lang="en-US" i="0" baseline="0" dirty="0" err="1" smtClean="0"/>
+              <a:rPr lang="en-US" i="0" baseline="0" err="1" smtClean="0"/>
               <a:t>Js</a:t>
             </a:r>
             <a:r>
-              <a:rPr lang="en-US" i="0" baseline="0" dirty="0" smtClean="0"/>
+              <a:rPr lang="en-US" i="0" baseline="0" smtClean="0"/>
               <a:t> functions: ajax …. This rule</a:t>
             </a:r>
             <a:r>
-              <a:rPr lang="en-US" sz="1200" b="0" i="0" kern="1200" dirty="0" smtClean="0">
+              <a:rPr lang="en-US" sz="1200" b="0" i="0" kern="1200" smtClean="0">
                 <a:solidFill>
                   <a:schemeClr val="tx1"/>
                 </a:solidFill>
@@ -1558,7 +1790,7 @@
               <a:t> ensure that all </a:t>
             </a:r>
             <a:r>
-              <a:rPr lang="en-US" sz="1200" b="0" i="0" kern="1200" dirty="0" err="1" smtClean="0">
+              <a:rPr lang="en-US" sz="1200" b="0" i="0" kern="1200" err="1" smtClean="0">
                 <a:solidFill>
                   <a:schemeClr val="tx1"/>
                 </a:solidFill>
@@ -1570,7 +1802,7 @@
               <a:t>stateful</a:t>
             </a:r>
             <a:r>
-              <a:rPr lang="en-US" sz="1200" b="0" i="0" kern="1200" dirty="0" smtClean="0">
+              <a:rPr lang="en-US" sz="1200" b="0" i="0" kern="1200" smtClean="0">
                 <a:solidFill>
                   <a:schemeClr val="tx1"/>
                 </a:solidFill>
@@ -1581,13 +1813,13 @@
               </a:rPr>
               <a:t> logic in a component is clearly visible from its source code.</a:t>
             </a:r>
-            <a:endParaRPr lang="en-US" baseline="0" dirty="0" smtClean="0"/>
-          </a:p>
-        </p:txBody>
-      </p:sp>
-      <p:sp>
-        <p:nvSpPr>
-          <p:cNvPr id="4" name="Slide Number Placeholder 3"/>
+            <a:endParaRPr lang="en-US" baseline="0" smtClean="0"/>
+          </a:p>
+        </p:txBody>
+      </p:sp>
+      <p:sp>
+        <p:nvSpPr>
+          <p:cNvPr id="5" name="Slide Number Placeholder 4"/>
           <p:cNvSpPr>
             <a:spLocks noGrp="1"/>
           </p:cNvSpPr>
@@ -1611,7 +1843,7 @@
     </p:spTree>
     <p:extLst>
       <p:ext uri="{BB962C8B-B14F-4D97-AF65-F5344CB8AC3E}">
-        <p14:creationId xmlns:p14="http://schemas.microsoft.com/office/powerpoint/2010/main" val="1735810926"/>
+        <p14:creationId xmlns:p14="http://schemas.microsoft.com/office/powerpoint/2010/main" val="3141670522"/>
       </p:ext>
     </p:extLst>
   </p:cSld>
@@ -1683,11 +1915,11 @@
               <a:defRPr/>
             </a:pPr>
             <a:r>
-              <a:rPr lang="en-US" dirty="0" smtClean="0"/>
+              <a:rPr lang="en-US" smtClean="0"/>
               <a:t>Combine</a:t>
             </a:r>
             <a:r>
-              <a:rPr lang="en-US" baseline="0" dirty="0" smtClean="0"/>
+              <a:rPr lang="en-US" baseline="0" smtClean="0"/>
               <a:t> with where questions.</a:t>
             </a:r>
           </a:p>
@@ -1709,7 +1941,7 @@
               <a:tabLst/>
               <a:defRPr/>
             </a:pPr>
-            <a:endParaRPr lang="en-US" dirty="0" smtClean="0"/>
+            <a:endParaRPr lang="en-US" smtClean="0"/>
           </a:p>
           <a:p>
             <a:pPr marL="228600" marR="0" lvl="0" indent="-228600" algn="l" defTabSz="914400" rtl="0" eaLnBrk="1" fontAlgn="auto" latinLnBrk="0" hangingPunct="1">
@@ -1730,18 +1962,18 @@
               <a:defRPr/>
             </a:pPr>
             <a:r>
-              <a:rPr lang="en-US" baseline="0" dirty="0" smtClean="0"/>
+              <a:rPr lang="en-US" baseline="0" smtClean="0"/>
               <a:t>Rules of hooks:</a:t>
             </a:r>
             <a:br>
-              <a:rPr lang="en-US" baseline="0" dirty="0" smtClean="0"/>
+              <a:rPr lang="en-US" baseline="0" smtClean="0"/>
             </a:br>
             <a:r>
-              <a:rPr lang="en-US" baseline="0" dirty="0" smtClean="0"/>
+              <a:rPr lang="en-US" baseline="0" smtClean="0"/>
               <a:t>- </a:t>
             </a:r>
             <a:r>
-              <a:rPr lang="en-US" sz="1200" b="0" i="0" kern="1200" dirty="0" smtClean="0">
+              <a:rPr lang="en-US" sz="1200" b="0" i="0" kern="1200" smtClean="0">
                 <a:solidFill>
                   <a:schemeClr val="tx1"/>
                 </a:solidFill>
@@ -1753,42 +1985,42 @@
               <a:t>Ensure that Hooks are called in the same order each time a component renders. </a:t>
             </a:r>
             <a:r>
-              <a:rPr lang="en-US" baseline="0" dirty="0" smtClean="0"/>
+              <a:rPr lang="en-US" baseline="0" smtClean="0"/>
               <a:t>Make Hooks preserve the state of Hooks between multiple </a:t>
             </a:r>
             <a:r>
-              <a:rPr lang="en-US" i="1" baseline="0" dirty="0" err="1" smtClean="0"/>
+              <a:rPr lang="en-US" i="1" baseline="0" err="1" smtClean="0"/>
               <a:t>useState</a:t>
             </a:r>
             <a:r>
-              <a:rPr lang="en-US" i="0" baseline="0" dirty="0" smtClean="0"/>
+              <a:rPr lang="en-US" i="0" baseline="0" smtClean="0"/>
               <a:t> and </a:t>
             </a:r>
             <a:r>
-              <a:rPr lang="en-US" i="1" baseline="0" dirty="0" err="1" smtClean="0"/>
+              <a:rPr lang="en-US" i="1" baseline="0" err="1" smtClean="0"/>
               <a:t>useEffect</a:t>
             </a:r>
             <a:r>
-              <a:rPr lang="en-US" i="0" baseline="0" dirty="0" smtClean="0"/>
+              <a:rPr lang="en-US" i="0" baseline="0" smtClean="0"/>
               <a:t>.</a:t>
             </a:r>
             <a:br>
-              <a:rPr lang="en-US" i="0" baseline="0" dirty="0" smtClean="0"/>
+              <a:rPr lang="en-US" i="0" baseline="0" smtClean="0"/>
             </a:br>
             <a:r>
-              <a:rPr lang="en-US" i="0" baseline="0" dirty="0" smtClean="0"/>
+              <a:rPr lang="en-US" i="0" baseline="0" smtClean="0"/>
               <a:t>- Regular </a:t>
             </a:r>
             <a:r>
-              <a:rPr lang="en-US" i="0" baseline="0" dirty="0" err="1" smtClean="0"/>
+              <a:rPr lang="en-US" i="0" baseline="0" err="1" smtClean="0"/>
               <a:t>Js</a:t>
             </a:r>
             <a:r>
-              <a:rPr lang="en-US" i="0" baseline="0" dirty="0" smtClean="0"/>
+              <a:rPr lang="en-US" i="0" baseline="0" smtClean="0"/>
               <a:t> functions: ajax …. This rule</a:t>
             </a:r>
             <a:r>
-              <a:rPr lang="en-US" sz="1200" b="0" i="0" kern="1200" dirty="0" smtClean="0">
+              <a:rPr lang="en-US" sz="1200" b="0" i="0" kern="1200" smtClean="0">
                 <a:solidFill>
                   <a:schemeClr val="tx1"/>
                 </a:solidFill>
@@ -1800,7 +2032,7 @@
               <a:t> ensure that all </a:t>
             </a:r>
             <a:r>
-              <a:rPr lang="en-US" sz="1200" b="0" i="0" kern="1200" dirty="0" err="1" smtClean="0">
+              <a:rPr lang="en-US" sz="1200" b="0" i="0" kern="1200" err="1" smtClean="0">
                 <a:solidFill>
                   <a:schemeClr val="tx1"/>
                 </a:solidFill>
@@ -1812,7 +2044,7 @@
               <a:t>stateful</a:t>
             </a:r>
             <a:r>
-              <a:rPr lang="en-US" sz="1200" b="0" i="0" kern="1200" dirty="0" smtClean="0">
+              <a:rPr lang="en-US" sz="1200" b="0" i="0" kern="1200" smtClean="0">
                 <a:solidFill>
                   <a:schemeClr val="tx1"/>
                 </a:solidFill>
@@ -1823,13 +2055,13 @@
               </a:rPr>
               <a:t> logic in a component is clearly visible from its source code.</a:t>
             </a:r>
-            <a:endParaRPr lang="en-US" baseline="0" dirty="0" smtClean="0"/>
-          </a:p>
-        </p:txBody>
-      </p:sp>
-      <p:sp>
-        <p:nvSpPr>
-          <p:cNvPr id="4" name="Slide Number Placeholder 3"/>
+            <a:endParaRPr lang="en-US" baseline="0" smtClean="0"/>
+          </a:p>
+        </p:txBody>
+      </p:sp>
+      <p:sp>
+        <p:nvSpPr>
+          <p:cNvPr id="5" name="Slide Number Placeholder 4"/>
           <p:cNvSpPr>
             <a:spLocks noGrp="1"/>
           </p:cNvSpPr>
@@ -1845,6 +2077,248 @@
             <a:fld id="{FBF31ECA-FEBF-416A-9457-D684578178CB}" type="slidenum">
               <a:rPr lang="en-US" smtClean="0"/>
               <a:t>9</a:t>
+            </a:fld>
+            <a:endParaRPr lang="en-US"/>
+          </a:p>
+        </p:txBody>
+      </p:sp>
+    </p:spTree>
+    <p:extLst>
+      <p:ext uri="{BB962C8B-B14F-4D97-AF65-F5344CB8AC3E}">
+        <p14:creationId xmlns:p14="http://schemas.microsoft.com/office/powerpoint/2010/main" val="1735810926"/>
+      </p:ext>
+    </p:extLst>
+  </p:cSld>
+  <p:clrMapOvr>
+    <a:masterClrMapping/>
+  </p:clrMapOvr>
+</p:notes>
+</file>
+
+<file path=ppt/notesSlides/notesSlide8.xml><?xml version="1.0" encoding="utf-8"?>
+<p:notes xmlns:a="http://schemas.openxmlformats.org/drawingml/2006/main" xmlns:r="http://schemas.openxmlformats.org/officeDocument/2006/relationships" xmlns:p="http://schemas.openxmlformats.org/presentationml/2006/main">
+  <p:cSld>
+    <p:spTree>
+      <p:nvGrpSpPr>
+        <p:cNvPr id="1" name=""/>
+        <p:cNvGrpSpPr/>
+        <p:nvPr/>
+      </p:nvGrpSpPr>
+      <p:grpSpPr>
+        <a:xfrm>
+          <a:off x="0" y="0"/>
+          <a:ext cx="0" cy="0"/>
+          <a:chOff x="0" y="0"/>
+          <a:chExt cx="0" cy="0"/>
+        </a:xfrm>
+      </p:grpSpPr>
+      <p:sp>
+        <p:nvSpPr>
+          <p:cNvPr id="2" name="Slide Image Placeholder 1"/>
+          <p:cNvSpPr>
+            <a:spLocks noGrp="1" noRot="1" noChangeAspect="1"/>
+          </p:cNvSpPr>
+          <p:nvPr>
+            <p:ph type="sldImg"/>
+          </p:nvPr>
+        </p:nvSpPr>
+        <p:spPr/>
+      </p:sp>
+      <p:sp>
+        <p:nvSpPr>
+          <p:cNvPr id="3" name="Notes Placeholder 2"/>
+          <p:cNvSpPr>
+            <a:spLocks noGrp="1"/>
+          </p:cNvSpPr>
+          <p:nvPr>
+            <p:ph type="body" idx="1"/>
+          </p:nvPr>
+        </p:nvSpPr>
+        <p:spPr/>
+        <p:txBody>
+          <a:bodyPr/>
+          <a:lstStyle/>
+          <a:p>
+            <a:pPr marL="0" marR="0" lvl="0" indent="0" algn="l" defTabSz="914400" rtl="0" eaLnBrk="1" fontAlgn="auto" latinLnBrk="0" hangingPunct="1">
+              <a:lnSpc>
+                <a:spcPct val="100000"/>
+              </a:lnSpc>
+              <a:spcBef>
+                <a:spcPts val="0"/>
+              </a:spcBef>
+              <a:spcAft>
+                <a:spcPts val="0"/>
+              </a:spcAft>
+              <a:buClrTx/>
+              <a:buSzTx/>
+              <a:buFontTx/>
+              <a:buNone/>
+              <a:tabLst/>
+              <a:defRPr/>
+            </a:pPr>
+            <a:r>
+              <a:rPr lang="en-US" smtClean="0"/>
+              <a:t>Combine</a:t>
+            </a:r>
+            <a:r>
+              <a:rPr lang="en-US" baseline="0" smtClean="0"/>
+              <a:t> with where questions.</a:t>
+            </a:r>
+          </a:p>
+          <a:p>
+            <a:pPr marL="0" marR="0" lvl="0" indent="0" algn="l" defTabSz="914400" rtl="0" eaLnBrk="1" fontAlgn="auto" latinLnBrk="0" hangingPunct="1">
+              <a:lnSpc>
+                <a:spcPct val="100000"/>
+              </a:lnSpc>
+              <a:spcBef>
+                <a:spcPts val="0"/>
+              </a:spcBef>
+              <a:spcAft>
+                <a:spcPts val="0"/>
+              </a:spcAft>
+              <a:buClrTx/>
+              <a:buSzTx/>
+              <a:buFontTx/>
+              <a:buNone/>
+              <a:tabLst/>
+              <a:defRPr/>
+            </a:pPr>
+            <a:endParaRPr lang="en-US" smtClean="0"/>
+          </a:p>
+          <a:p>
+            <a:pPr marL="228600" marR="0" lvl="0" indent="-228600" algn="l" defTabSz="914400" rtl="0" eaLnBrk="1" fontAlgn="auto" latinLnBrk="0" hangingPunct="1">
+              <a:lnSpc>
+                <a:spcPct val="100000"/>
+              </a:lnSpc>
+              <a:spcBef>
+                <a:spcPts val="0"/>
+              </a:spcBef>
+              <a:spcAft>
+                <a:spcPts val="0"/>
+              </a:spcAft>
+              <a:buClrTx/>
+              <a:buSzTx/>
+              <a:buFontTx/>
+              <a:buAutoNum type="alphaLcPeriod"/>
+              <a:tabLst/>
+              <a:defRPr/>
+            </a:pPr>
+            <a:r>
+              <a:rPr lang="en-US" baseline="0" smtClean="0"/>
+              <a:t>Rules of hooks:</a:t>
+            </a:r>
+            <a:br>
+              <a:rPr lang="en-US" baseline="0" smtClean="0"/>
+            </a:br>
+            <a:r>
+              <a:rPr lang="en-US" baseline="0" smtClean="0"/>
+              <a:t>- </a:t>
+            </a:r>
+            <a:r>
+              <a:rPr lang="en-US" sz="1200" b="0" i="0" kern="1200" smtClean="0">
+                <a:solidFill>
+                  <a:schemeClr val="tx1"/>
+                </a:solidFill>
+                <a:effectLst/>
+                <a:latin typeface="+mn-lt"/>
+                <a:ea typeface="+mn-ea"/>
+                <a:cs typeface="+mn-cs"/>
+              </a:rPr>
+              <a:t>Ensure that Hooks are called in the same order each time a component renders. </a:t>
+            </a:r>
+            <a:r>
+              <a:rPr lang="en-US" baseline="0" smtClean="0"/>
+              <a:t>Make Hooks preserve the state of Hooks between multiple </a:t>
+            </a:r>
+            <a:r>
+              <a:rPr lang="en-US" i="1" baseline="0" err="1" smtClean="0"/>
+              <a:t>useState</a:t>
+            </a:r>
+            <a:r>
+              <a:rPr lang="en-US" i="0" baseline="0" smtClean="0"/>
+              <a:t> and </a:t>
+            </a:r>
+            <a:r>
+              <a:rPr lang="en-US" i="1" baseline="0" err="1" smtClean="0"/>
+              <a:t>useEffect</a:t>
+            </a:r>
+            <a:r>
+              <a:rPr lang="en-US" i="0" baseline="0" smtClean="0"/>
+              <a:t>.</a:t>
+            </a:r>
+            <a:br>
+              <a:rPr lang="en-US" i="0" baseline="0" smtClean="0"/>
+            </a:br>
+            <a:r>
+              <a:rPr lang="en-US" i="0" baseline="0" smtClean="0"/>
+              <a:t>- Regular </a:t>
+            </a:r>
+            <a:r>
+              <a:rPr lang="en-US" i="0" baseline="0" err="1" smtClean="0"/>
+              <a:t>Js</a:t>
+            </a:r>
+            <a:r>
+              <a:rPr lang="en-US" i="0" baseline="0" smtClean="0"/>
+              <a:t> functions: ajax …. This rule</a:t>
+            </a:r>
+            <a:r>
+              <a:rPr lang="en-US" sz="1200" b="0" i="0" kern="1200" smtClean="0">
+                <a:solidFill>
+                  <a:schemeClr val="tx1"/>
+                </a:solidFill>
+                <a:effectLst/>
+                <a:latin typeface="+mn-lt"/>
+                <a:ea typeface="+mn-ea"/>
+                <a:cs typeface="+mn-cs"/>
+              </a:rPr>
+              <a:t> ensure that all </a:t>
+            </a:r>
+            <a:r>
+              <a:rPr lang="en-US" sz="1200" b="0" i="0" kern="1200" err="1" smtClean="0">
+                <a:solidFill>
+                  <a:schemeClr val="tx1"/>
+                </a:solidFill>
+                <a:effectLst/>
+                <a:latin typeface="+mn-lt"/>
+                <a:ea typeface="+mn-ea"/>
+                <a:cs typeface="+mn-cs"/>
+              </a:rPr>
+              <a:t>stateful</a:t>
+            </a:r>
+            <a:r>
+              <a:rPr lang="en-US" sz="1200" b="0" i="0" kern="1200" smtClean="0">
+                <a:solidFill>
+                  <a:schemeClr val="tx1"/>
+                </a:solidFill>
+                <a:effectLst/>
+                <a:latin typeface="+mn-lt"/>
+                <a:ea typeface="+mn-ea"/>
+                <a:cs typeface="+mn-cs"/>
+              </a:rPr>
+              <a:t> logic in a component is clearly visible from its source code.</a:t>
+            </a:r>
+            <a:endParaRPr lang="en-US" baseline="0" smtClean="0"/>
+          </a:p>
+        </p:txBody>
+      </p:sp>
+      <p:sp>
+        <p:nvSpPr>
+          <p:cNvPr id="5" name="Slide Number Placeholder 4"/>
+          <p:cNvSpPr>
+            <a:spLocks noGrp="1"/>
+          </p:cNvSpPr>
+          <p:nvPr>
+            <p:ph type="sldNum" sz="quarter" idx="10"/>
+          </p:nvPr>
+        </p:nvSpPr>
+        <p:spPr/>
+        <p:txBody>
+          <a:bodyPr/>
+          <a:lstStyle/>
+          <a:p>
+            <a:fld id="{FBF31ECA-FEBF-416A-9457-D684578178CB}" type="slidenum">
+              <a:rPr lang="en-US" smtClean="0"/>
+              <a:t>10</a:t>
             </a:fld>
             <a:endParaRPr lang="en-US"/>
           </a:p>
@@ -1992,7 +2466,7 @@
           <a:bodyPr/>
           <a:lstStyle/>
           <a:p>
-            <a:fld id="{7C748A7E-DDFB-4289-8D37-2F2F1B28B67B}" type="datetimeFigureOut">
+            <a:fld id="{5C76B33F-923F-404A-96A8-EE08FCFE28B1}" type="datetime1">
               <a:rPr lang="en-US" smtClean="0"/>
               <a:t>5/9/2019</a:t>
             </a:fld>
@@ -2162,7 +2636,7 @@
           <a:bodyPr/>
           <a:lstStyle/>
           <a:p>
-            <a:fld id="{7C748A7E-DDFB-4289-8D37-2F2F1B28B67B}" type="datetimeFigureOut">
+            <a:fld id="{7505B9A2-C4B5-4C0A-B9E4-C9D5E245AEEB}" type="datetime1">
               <a:rPr lang="en-US" smtClean="0"/>
               <a:t>5/9/2019</a:t>
             </a:fld>
@@ -2342,7 +2816,7 @@
           <a:bodyPr/>
           <a:lstStyle/>
           <a:p>
-            <a:fld id="{7C748A7E-DDFB-4289-8D37-2F2F1B28B67B}" type="datetimeFigureOut">
+            <a:fld id="{EB3DCC1B-A690-4F74-A264-FD3A1D17A9CE}" type="datetime1">
               <a:rPr lang="en-US" smtClean="0"/>
               <a:t>5/9/2019</a:t>
             </a:fld>
@@ -2512,7 +2986,7 @@
           <a:bodyPr/>
           <a:lstStyle/>
           <a:p>
-            <a:fld id="{7C748A7E-DDFB-4289-8D37-2F2F1B28B67B}" type="datetimeFigureOut">
+            <a:fld id="{493B62D7-F942-4CEE-8BF1-CE9A61FDCF12}" type="datetime1">
               <a:rPr lang="en-US" smtClean="0"/>
               <a:t>5/9/2019</a:t>
             </a:fld>
@@ -2758,7 +3232,7 @@
           <a:bodyPr/>
           <a:lstStyle/>
           <a:p>
-            <a:fld id="{7C748A7E-DDFB-4289-8D37-2F2F1B28B67B}" type="datetimeFigureOut">
+            <a:fld id="{56F54805-F090-44B9-822C-99D47EF8D2F1}" type="datetime1">
               <a:rPr lang="en-US" smtClean="0"/>
               <a:t>5/9/2019</a:t>
             </a:fld>
@@ -2990,7 +3464,7 @@
           <a:bodyPr/>
           <a:lstStyle/>
           <a:p>
-            <a:fld id="{7C748A7E-DDFB-4289-8D37-2F2F1B28B67B}" type="datetimeFigureOut">
+            <a:fld id="{834B8418-18EF-46F4-A725-7B88CA0DAD6E}" type="datetime1">
               <a:rPr lang="en-US" smtClean="0"/>
               <a:t>5/9/2019</a:t>
             </a:fld>
@@ -3357,7 +3831,7 @@
           <a:bodyPr/>
           <a:lstStyle/>
           <a:p>
-            <a:fld id="{7C748A7E-DDFB-4289-8D37-2F2F1B28B67B}" type="datetimeFigureOut">
+            <a:fld id="{ED6F3301-DB27-465C-BFCE-FBB5A52BCC2F}" type="datetime1">
               <a:rPr lang="en-US" smtClean="0"/>
               <a:t>5/9/2019</a:t>
             </a:fld>
@@ -3475,7 +3949,7 @@
           <a:bodyPr/>
           <a:lstStyle/>
           <a:p>
-            <a:fld id="{7C748A7E-DDFB-4289-8D37-2F2F1B28B67B}" type="datetimeFigureOut">
+            <a:fld id="{F77C35EA-58AD-4897-99AB-10D8399629E7}" type="datetime1">
               <a:rPr lang="en-US" smtClean="0"/>
               <a:t>5/9/2019</a:t>
             </a:fld>
@@ -3570,7 +4044,7 @@
           <a:bodyPr/>
           <a:lstStyle/>
           <a:p>
-            <a:fld id="{7C748A7E-DDFB-4289-8D37-2F2F1B28B67B}" type="datetimeFigureOut">
+            <a:fld id="{E6D0365A-1AEE-4F4C-98E0-4DF924A908CD}" type="datetime1">
               <a:rPr lang="en-US" smtClean="0"/>
               <a:t>5/9/2019</a:t>
             </a:fld>
@@ -3847,7 +4321,7 @@
           <a:bodyPr/>
           <a:lstStyle/>
           <a:p>
-            <a:fld id="{7C748A7E-DDFB-4289-8D37-2F2F1B28B67B}" type="datetimeFigureOut">
+            <a:fld id="{AA8A4D5D-09C2-4E42-A5BF-325FB8D0CC51}" type="datetime1">
               <a:rPr lang="en-US" smtClean="0"/>
               <a:t>5/9/2019</a:t>
             </a:fld>
@@ -4100,7 +4574,7 @@
           <a:bodyPr/>
           <a:lstStyle/>
           <a:p>
-            <a:fld id="{7C748A7E-DDFB-4289-8D37-2F2F1B28B67B}" type="datetimeFigureOut">
+            <a:fld id="{765CFDFF-19DB-40ED-8541-16B9B0B27FE1}" type="datetime1">
               <a:rPr lang="en-US" smtClean="0"/>
               <a:t>5/9/2019</a:t>
             </a:fld>
@@ -4313,7 +4787,7 @@
             </a:lvl1pPr>
           </a:lstStyle>
           <a:p>
-            <a:fld id="{7C748A7E-DDFB-4289-8D37-2F2F1B28B67B}" type="datetimeFigureOut">
+            <a:fld id="{95867D15-22AC-4BD8-A649-6FE153BB5E2E}" type="datetime1">
               <a:rPr lang="en-US" smtClean="0"/>
               <a:t>5/9/2019</a:t>
             </a:fld>
@@ -4420,6 +4894,7 @@
     <p:sldLayoutId id="2147483658" r:id="rId10"/>
     <p:sldLayoutId id="2147483659" r:id="rId11"/>
   </p:sldLayoutIdLst>
+  <p:hf sldNum="0" hdr="0" ftr="0" dt="0"/>
   <p:txStyles>
     <p:titleStyle>
       <a:lvl1pPr algn="l" defTabSz="914400" rtl="0" eaLnBrk="1" latinLnBrk="0" hangingPunct="1">
@@ -4775,14 +5250,14 @@
           <a:p>
             <a:pPr algn="ctr"/>
             <a:r>
-              <a:rPr lang="en-US" sz="6000" dirty="0" smtClean="0">
+              <a:rPr lang="en-US" sz="6000" smtClean="0">
                 <a:solidFill>
                   <a:schemeClr val="bg1"/>
                 </a:solidFill>
               </a:rPr>
               <a:t>REACT HOOKS</a:t>
             </a:r>
-            <a:endParaRPr lang="en-US" sz="6000" dirty="0">
+            <a:endParaRPr lang="en-US" sz="6000">
               <a:solidFill>
                 <a:schemeClr val="bg1"/>
               </a:solidFill>
@@ -4800,6 +5275,239 @@
   <p:clrMapOvr>
     <a:masterClrMapping/>
   </p:clrMapOvr>
+</p:sld>
+</file>
+
+<file path=ppt/slides/slide10.xml><?xml version="1.0" encoding="utf-8"?>
+<p:sld xmlns:a="http://schemas.openxmlformats.org/drawingml/2006/main" xmlns:r="http://schemas.openxmlformats.org/officeDocument/2006/relationships" xmlns:p="http://schemas.openxmlformats.org/presentationml/2006/main">
+  <p:cSld>
+    <p:spTree>
+      <p:nvGrpSpPr>
+        <p:cNvPr id="1" name=""/>
+        <p:cNvGrpSpPr/>
+        <p:nvPr/>
+      </p:nvGrpSpPr>
+      <p:grpSpPr>
+        <a:xfrm>
+          <a:off x="0" y="0"/>
+          <a:ext cx="0" cy="0"/>
+          <a:chOff x="0" y="0"/>
+          <a:chExt cx="0" cy="0"/>
+        </a:xfrm>
+      </p:grpSpPr>
+      <p:sp>
+        <p:nvSpPr>
+          <p:cNvPr id="2" name="Title 1"/>
+          <p:cNvSpPr>
+            <a:spLocks noGrp="1"/>
+          </p:cNvSpPr>
+          <p:nvPr>
+            <p:ph type="title"/>
+          </p:nvPr>
+        </p:nvSpPr>
+        <p:spPr>
+          <a:xfrm>
+            <a:off x="347546" y="365125"/>
+            <a:ext cx="10515600" cy="1325563"/>
+          </a:xfrm>
+        </p:spPr>
+        <p:txBody>
+          <a:bodyPr/>
+          <a:lstStyle/>
+          <a:p>
+            <a:r>
+              <a:rPr lang="en-US"/>
+              <a:t>4</a:t>
+            </a:r>
+            <a:r>
+              <a:rPr lang="en-US" smtClean="0"/>
+              <a:t>. How to use Hooks</a:t>
+            </a:r>
+            <a:endParaRPr lang="en-US"/>
+          </a:p>
+        </p:txBody>
+      </p:sp>
+      <p:sp>
+        <p:nvSpPr>
+          <p:cNvPr id="3" name="Content Placeholder 2"/>
+          <p:cNvSpPr>
+            <a:spLocks noGrp="1"/>
+          </p:cNvSpPr>
+          <p:nvPr>
+            <p:ph idx="1"/>
+          </p:nvPr>
+        </p:nvSpPr>
+        <p:spPr/>
+        <p:txBody>
+          <a:bodyPr>
+            <a:normAutofit/>
+          </a:bodyPr>
+          <a:lstStyle/>
+          <a:p>
+            <a:pPr marL="0" indent="0">
+              <a:lnSpc>
+                <a:spcPct val="150000"/>
+              </a:lnSpc>
+              <a:buNone/>
+            </a:pPr>
+            <a:r>
+              <a:rPr lang="en-US" smtClean="0"/>
+              <a:t>1. </a:t>
+            </a:r>
+            <a:r>
+              <a:rPr lang="en-US" err="1" smtClean="0"/>
+              <a:t>useState</a:t>
+            </a:r>
+            <a:endParaRPr lang="en-US"/>
+          </a:p>
+        </p:txBody>
+      </p:sp>
+    </p:spTree>
+    <p:extLst>
+      <p:ext uri="{BB962C8B-B14F-4D97-AF65-F5344CB8AC3E}">
+        <p14:creationId xmlns:p14="http://schemas.microsoft.com/office/powerpoint/2010/main" val="2107021493"/>
+      </p:ext>
+    </p:extLst>
+  </p:cSld>
+  <p:clrMapOvr>
+    <a:masterClrMapping/>
+  </p:clrMapOvr>
+  <p:timing>
+    <p:tnLst>
+      <p:par>
+        <p:cTn id="1" dur="indefinite" restart="never" nodeType="tmRoot">
+          <p:childTnLst>
+            <p:seq concurrent="1" nextAc="seek">
+              <p:cTn id="2" dur="indefinite" nodeType="mainSeq">
+                <p:childTnLst>
+                  <p:par>
+                    <p:cTn id="3" fill="hold">
+                      <p:stCondLst>
+                        <p:cond delay="indefinite"/>
+                      </p:stCondLst>
+                      <p:childTnLst>
+                        <p:par>
+                          <p:cTn id="4" fill="hold">
+                            <p:stCondLst>
+                              <p:cond delay="0"/>
+                            </p:stCondLst>
+                            <p:childTnLst>
+                              <p:par>
+                                <p:cTn id="5" presetID="2" presetClass="entr" presetSubtype="4" fill="hold" grpId="0" nodeType="clickEffect">
+                                  <p:stCondLst>
+                                    <p:cond delay="0"/>
+                                  </p:stCondLst>
+                                  <p:childTnLst>
+                                    <p:set>
+                                      <p:cBhvr>
+                                        <p:cTn id="6" dur="1" fill="hold">
+                                          <p:stCondLst>
+                                            <p:cond delay="0"/>
+                                          </p:stCondLst>
+                                        </p:cTn>
+                                        <p:tgtEl>
+                                          <p:spTgt spid="3">
+                                            <p:txEl>
+                                              <p:pRg st="0" end="0"/>
+                                            </p:txEl>
+                                          </p:spTgt>
+                                        </p:tgtEl>
+                                        <p:attrNameLst>
+                                          <p:attrName>style.visibility</p:attrName>
+                                        </p:attrNameLst>
+                                      </p:cBhvr>
+                                      <p:to>
+                                        <p:strVal val="visible"/>
+                                      </p:to>
+                                    </p:set>
+                                    <p:anim calcmode="lin" valueType="num">
+                                      <p:cBhvr additive="base">
+                                        <p:cTn id="7" dur="500" fill="hold"/>
+                                        <p:tgtEl>
+                                          <p:spTgt spid="3">
+                                            <p:txEl>
+                                              <p:pRg st="0" end="0"/>
+                                            </p:txEl>
+                                          </p:spTgt>
+                                        </p:tgtEl>
+                                        <p:attrNameLst>
+                                          <p:attrName>ppt_x</p:attrName>
+                                        </p:attrNameLst>
+                                      </p:cBhvr>
+                                      <p:tavLst>
+                                        <p:tav tm="0">
+                                          <p:val>
+                                            <p:strVal val="#ppt_x"/>
+                                          </p:val>
+                                        </p:tav>
+                                        <p:tav tm="100000">
+                                          <p:val>
+                                            <p:strVal val="#ppt_x"/>
+                                          </p:val>
+                                        </p:tav>
+                                      </p:tavLst>
+                                    </p:anim>
+                                    <p:anim calcmode="lin" valueType="num">
+                                      <p:cBhvr additive="base">
+                                        <p:cTn id="8" dur="500" fill="hold"/>
+                                        <p:tgtEl>
+                                          <p:spTgt spid="3">
+                                            <p:txEl>
+                                              <p:pRg st="0" end="0"/>
+                                            </p:txEl>
+                                          </p:spTgt>
+                                        </p:tgtEl>
+                                        <p:attrNameLst>
+                                          <p:attrName>ppt_y</p:attrName>
+                                        </p:attrNameLst>
+                                      </p:cBhvr>
+                                      <p:tavLst>
+                                        <p:tav tm="0">
+                                          <p:val>
+                                            <p:strVal val="1+#ppt_h/2"/>
+                                          </p:val>
+                                        </p:tav>
+                                        <p:tav tm="100000">
+                                          <p:val>
+                                            <p:strVal val="#ppt_y"/>
+                                          </p:val>
+                                        </p:tav>
+                                      </p:tavLst>
+                                    </p:anim>
+                                  </p:childTnLst>
+                                </p:cTn>
+                              </p:par>
+                            </p:childTnLst>
+                          </p:cTn>
+                        </p:par>
+                      </p:childTnLst>
+                    </p:cTn>
+                  </p:par>
+                </p:childTnLst>
+              </p:cTn>
+              <p:prevCondLst>
+                <p:cond evt="onPrev" delay="0">
+                  <p:tgtEl>
+                    <p:sldTgt/>
+                  </p:tgtEl>
+                </p:cond>
+              </p:prevCondLst>
+              <p:nextCondLst>
+                <p:cond evt="onNext" delay="0">
+                  <p:tgtEl>
+                    <p:sldTgt/>
+                  </p:tgtEl>
+                </p:cond>
+              </p:nextCondLst>
+            </p:seq>
+          </p:childTnLst>
+        </p:cTn>
+      </p:par>
+    </p:tnLst>
+    <p:bldLst>
+      <p:bldP spid="3" grpId="0" build="p"/>
+    </p:bldLst>
+  </p:timing>
 </p:sld>
 </file>
 
@@ -4844,14 +5552,14 @@
           <a:lstStyle/>
           <a:p>
             <a:r>
-              <a:rPr lang="en-US" dirty="0" smtClean="0">
+              <a:rPr lang="en-US" smtClean="0">
                 <a:solidFill>
                   <a:schemeClr val="bg1"/>
                 </a:solidFill>
               </a:rPr>
               <a:t>CONTENTS</a:t>
             </a:r>
-            <a:endParaRPr lang="en-US" dirty="0">
+            <a:endParaRPr lang="en-US">
               <a:solidFill>
                 <a:schemeClr val="bg1"/>
               </a:solidFill>
@@ -4877,7 +5585,7 @@
         </p:spPr>
         <p:txBody>
           <a:bodyPr>
-            <a:normAutofit fontScale="70000" lnSpcReduction="20000"/>
+            <a:normAutofit/>
           </a:bodyPr>
           <a:lstStyle/>
           <a:p>
@@ -4889,7 +5597,7 @@
               <a:buAutoNum type="arabicPeriod"/>
             </a:pPr>
             <a:r>
-              <a:rPr lang="en-US" sz="3200" dirty="0" smtClean="0"/>
+              <a:rPr lang="en-US" sz="3200" smtClean="0"/>
               <a:t>Introduction</a:t>
             </a:r>
           </a:p>
@@ -4902,9 +5610,10 @@
               <a:buAutoNum type="arabicPeriod"/>
             </a:pPr>
             <a:r>
-              <a:rPr lang="en-US" sz="3200" dirty="0" smtClean="0"/>
-              <a:t>Before Hooks</a:t>
-            </a:r>
+              <a:rPr lang="en-US" sz="3200" smtClean="0"/>
+              <a:t>Class Components vs Function Components</a:t>
+            </a:r>
+            <a:endParaRPr lang="en-US" sz="3200" smtClean="0"/>
           </a:p>
           <a:p>
             <a:pPr marL="457200" indent="-457200" algn="l">
@@ -4915,10 +5624,10 @@
               <a:buAutoNum type="arabicPeriod"/>
             </a:pPr>
             <a:r>
-              <a:rPr lang="en-US" sz="3200" dirty="0" smtClean="0"/>
-              <a:t>With Hooks</a:t>
-            </a:r>
-            <a:endParaRPr lang="en-US" sz="3200" dirty="0" smtClean="0"/>
+              <a:rPr lang="en-US" sz="3200" smtClean="0"/>
+              <a:t>Demo</a:t>
+            </a:r>
+            <a:endParaRPr lang="en-US" sz="3200" smtClean="0"/>
           </a:p>
           <a:p>
             <a:pPr marL="457200" indent="-457200" algn="l">
@@ -4929,8 +5638,8 @@
               <a:buAutoNum type="arabicPeriod"/>
             </a:pPr>
             <a:r>
-              <a:rPr lang="en-US" sz="3200" dirty="0" smtClean="0"/>
-              <a:t>How Do I Use Hooks</a:t>
+              <a:rPr lang="en-US" sz="3200" smtClean="0"/>
+              <a:t>Questions</a:t>
             </a:r>
           </a:p>
           <a:p>
@@ -4941,33 +5650,7 @@
               <a:buFont typeface="+mj-lt"/>
               <a:buAutoNum type="arabicPeriod"/>
             </a:pPr>
-            <a:r>
-              <a:rPr lang="en-US" sz="3200" dirty="0" smtClean="0"/>
-              <a:t>Demo</a:t>
-            </a:r>
-          </a:p>
-          <a:p>
-            <a:pPr marL="457200" indent="-457200" algn="l">
-              <a:lnSpc>
-                <a:spcPct val="200000"/>
-              </a:lnSpc>
-              <a:buFont typeface="+mj-lt"/>
-              <a:buAutoNum type="arabicPeriod"/>
-            </a:pPr>
-            <a:r>
-              <a:rPr lang="en-US" sz="3200" dirty="0" smtClean="0"/>
-              <a:t>Questions</a:t>
-            </a:r>
-          </a:p>
-          <a:p>
-            <a:pPr marL="457200" indent="-457200" algn="l">
-              <a:lnSpc>
-                <a:spcPct val="200000"/>
-              </a:lnSpc>
-              <a:buFont typeface="+mj-lt"/>
-              <a:buAutoNum type="arabicPeriod"/>
-            </a:pPr>
-            <a:endParaRPr lang="en-US" sz="3200" dirty="0" smtClean="0"/>
+            <a:endParaRPr lang="en-US" sz="3200" smtClean="0"/>
           </a:p>
         </p:txBody>
       </p:sp>
@@ -5401,212 +6084,6 @@
                       </p:childTnLst>
                     </p:cTn>
                   </p:par>
-                  <p:par>
-                    <p:cTn id="27" fill="hold">
-                      <p:stCondLst>
-                        <p:cond delay="indefinite"/>
-                      </p:stCondLst>
-                      <p:childTnLst>
-                        <p:par>
-                          <p:cTn id="28" fill="hold">
-                            <p:stCondLst>
-                              <p:cond delay="0"/>
-                            </p:stCondLst>
-                            <p:childTnLst>
-                              <p:par>
-                                <p:cTn id="29" presetID="2" presetClass="entr" presetSubtype="4" fill="hold" grpId="0" nodeType="clickEffect">
-                                  <p:stCondLst>
-                                    <p:cond delay="0"/>
-                                  </p:stCondLst>
-                                  <p:childTnLst>
-                                    <p:set>
-                                      <p:cBhvr>
-                                        <p:cTn id="30" dur="1" fill="hold">
-                                          <p:stCondLst>
-                                            <p:cond delay="0"/>
-                                          </p:stCondLst>
-                                        </p:cTn>
-                                        <p:tgtEl>
-                                          <p:spTgt spid="3">
-                                            <p:txEl>
-                                              <p:pRg st="4" end="4"/>
-                                            </p:txEl>
-                                          </p:spTgt>
-                                        </p:tgtEl>
-                                        <p:attrNameLst>
-                                          <p:attrName>style.visibility</p:attrName>
-                                        </p:attrNameLst>
-                                      </p:cBhvr>
-                                      <p:to>
-                                        <p:strVal val="visible"/>
-                                      </p:to>
-                                    </p:set>
-                                    <p:anim calcmode="lin" valueType="num">
-                                      <p:cBhvr additive="base">
-                                        <p:cTn id="31" dur="500" fill="hold"/>
-                                        <p:tgtEl>
-                                          <p:spTgt spid="3">
-                                            <p:txEl>
-                                              <p:pRg st="4" end="4"/>
-                                            </p:txEl>
-                                          </p:spTgt>
-                                        </p:tgtEl>
-                                        <p:attrNameLst>
-                                          <p:attrName>ppt_x</p:attrName>
-                                        </p:attrNameLst>
-                                      </p:cBhvr>
-                                      <p:tavLst>
-                                        <p:tav tm="0">
-                                          <p:val>
-                                            <p:strVal val="#ppt_x"/>
-                                          </p:val>
-                                        </p:tav>
-                                        <p:tav tm="100000">
-                                          <p:val>
-                                            <p:strVal val="#ppt_x"/>
-                                          </p:val>
-                                        </p:tav>
-                                      </p:tavLst>
-                                    </p:anim>
-                                    <p:anim calcmode="lin" valueType="num">
-                                      <p:cBhvr additive="base">
-                                        <p:cTn id="32" dur="500" fill="hold"/>
-                                        <p:tgtEl>
-                                          <p:spTgt spid="3">
-                                            <p:txEl>
-                                              <p:pRg st="4" end="4"/>
-                                            </p:txEl>
-                                          </p:spTgt>
-                                        </p:tgtEl>
-                                        <p:attrNameLst>
-                                          <p:attrName>ppt_y</p:attrName>
-                                        </p:attrNameLst>
-                                      </p:cBhvr>
-                                      <p:tavLst>
-                                        <p:tav tm="0">
-                                          <p:val>
-                                            <p:strVal val="1+#ppt_h/2"/>
-                                          </p:val>
-                                        </p:tav>
-                                        <p:tav tm="100000">
-                                          <p:val>
-                                            <p:strVal val="#ppt_y"/>
-                                          </p:val>
-                                        </p:tav>
-                                      </p:tavLst>
-                                    </p:anim>
-                                  </p:childTnLst>
-                                </p:cTn>
-                              </p:par>
-                            </p:childTnLst>
-                          </p:cTn>
-                        </p:par>
-                      </p:childTnLst>
-                    </p:cTn>
-                  </p:par>
-                  <p:par>
-                    <p:cTn id="33" fill="hold">
-                      <p:stCondLst>
-                        <p:cond delay="indefinite"/>
-                      </p:stCondLst>
-                      <p:childTnLst>
-                        <p:par>
-                          <p:cTn id="34" fill="hold">
-                            <p:stCondLst>
-                              <p:cond delay="0"/>
-                            </p:stCondLst>
-                            <p:childTnLst>
-                              <p:par>
-                                <p:cTn id="35" presetID="2" presetClass="entr" presetSubtype="4" fill="hold" grpId="0" nodeType="clickEffect">
-                                  <p:stCondLst>
-                                    <p:cond delay="0"/>
-                                  </p:stCondLst>
-                                  <p:childTnLst>
-                                    <p:set>
-                                      <p:cBhvr>
-                                        <p:cTn id="36" dur="1" fill="hold">
-                                          <p:stCondLst>
-                                            <p:cond delay="0"/>
-                                          </p:stCondLst>
-                                        </p:cTn>
-                                        <p:tgtEl>
-                                          <p:spTgt spid="3">
-                                            <p:txEl>
-                                              <p:pRg st="5" end="5"/>
-                                            </p:txEl>
-                                          </p:spTgt>
-                                        </p:tgtEl>
-                                        <p:attrNameLst>
-                                          <p:attrName>style.visibility</p:attrName>
-                                        </p:attrNameLst>
-                                      </p:cBhvr>
-                                      <p:to>
-                                        <p:strVal val="visible"/>
-                                      </p:to>
-                                    </p:set>
-                                    <p:anim calcmode="lin" valueType="num">
-                                      <p:cBhvr additive="base">
-                                        <p:cTn id="37" dur="500" fill="hold"/>
-                                        <p:tgtEl>
-                                          <p:spTgt spid="3">
-                                            <p:txEl>
-                                              <p:pRg st="5" end="5"/>
-                                            </p:txEl>
-                                          </p:spTgt>
-                                        </p:tgtEl>
-                                        <p:attrNameLst>
-                                          <p:attrName>ppt_x</p:attrName>
-                                        </p:attrNameLst>
-                                      </p:cBhvr>
-                                      <p:tavLst>
-                                        <p:tav tm="0">
-                                          <p:val>
-                                            <p:strVal val="#ppt_x"/>
-                                          </p:val>
-                                        </p:tav>
-                                        <p:tav tm="100000">
-                                          <p:val>
-                                            <p:strVal val="#ppt_x"/>
-                                          </p:val>
-                                        </p:tav>
-                                      </p:tavLst>
-                                    </p:anim>
-                                    <p:anim calcmode="lin" valueType="num">
-                                      <p:cBhvr additive="base">
-                                        <p:cTn id="38" dur="500" fill="hold"/>
-                                        <p:tgtEl>
-                                          <p:spTgt spid="3">
-                                            <p:txEl>
-                                              <p:pRg st="5" end="5"/>
-                                            </p:txEl>
-                                          </p:spTgt>
-                                        </p:tgtEl>
-                                        <p:attrNameLst>
-                                          <p:attrName>ppt_y</p:attrName>
-                                        </p:attrNameLst>
-                                      </p:cBhvr>
-                                      <p:tavLst>
-                                        <p:tav tm="0">
-                                          <p:val>
-                                            <p:strVal val="1+#ppt_h/2"/>
-                                          </p:val>
-                                        </p:tav>
-                                        <p:tav tm="100000">
-                                          <p:val>
-                                            <p:strVal val="#ppt_y"/>
-                                          </p:val>
-                                        </p:tav>
-                                      </p:tavLst>
-                                    </p:anim>
-                                  </p:childTnLst>
-                                </p:cTn>
-                              </p:par>
-                            </p:childTnLst>
-                          </p:cTn>
-                        </p:par>
-                      </p:childTnLst>
-                    </p:cTn>
-                  </p:par>
                 </p:childTnLst>
               </p:cTn>
               <p:prevCondLst>
@@ -5673,14 +6150,10 @@
           <a:lstStyle/>
           <a:p>
             <a:r>
-              <a:rPr lang="en-US" dirty="0" smtClean="0"/>
-              <a:t>1. </a:t>
-            </a:r>
-            <a:r>
-              <a:rPr lang="en-US" dirty="0" smtClean="0"/>
-              <a:t>Introduction</a:t>
-            </a:r>
-            <a:endParaRPr lang="en-US" dirty="0"/>
+              <a:rPr lang="en-US" smtClean="0"/>
+              <a:t>1. Introduction</a:t>
+            </a:r>
+            <a:endParaRPr lang="en-US"/>
           </a:p>
         </p:txBody>
       </p:sp>
@@ -5705,55 +6178,51 @@
               </a:lnSpc>
             </a:pPr>
             <a:r>
-              <a:rPr lang="en-US" dirty="0" smtClean="0"/>
+              <a:rPr lang="en-US" smtClean="0"/>
               <a:t>A Hook is a </a:t>
             </a:r>
             <a:r>
-              <a:rPr lang="en-US" b="1" dirty="0" smtClean="0"/>
+              <a:rPr lang="en-US" b="1" smtClean="0"/>
               <a:t>special function</a:t>
             </a:r>
             <a:r>
-              <a:rPr lang="en-US" dirty="0" smtClean="0"/>
+              <a:rPr lang="en-US" smtClean="0"/>
               <a:t> </a:t>
             </a:r>
             <a:r>
-              <a:rPr lang="en-US" dirty="0"/>
+              <a:rPr lang="en-US"/>
               <a:t>that </a:t>
             </a:r>
             <a:r>
-              <a:rPr lang="en-US" dirty="0" smtClean="0"/>
+              <a:rPr lang="en-US" smtClean="0"/>
               <a:t>lets </a:t>
             </a:r>
             <a:r>
-              <a:rPr lang="en-US" dirty="0"/>
+              <a:rPr lang="en-US"/>
               <a:t>you </a:t>
             </a:r>
             <a:r>
-              <a:rPr lang="en-US" b="1" dirty="0"/>
-              <a:t>“hook into” </a:t>
-            </a:r>
-            <a:r>
-              <a:rPr lang="en-US" b="1" dirty="0"/>
-              <a:t>React state</a:t>
-            </a:r>
-            <a:r>
-              <a:rPr lang="en-US" dirty="0"/>
+              <a:rPr lang="en-US" b="1"/>
+              <a:t>“hook into” React state</a:t>
+            </a:r>
+            <a:r>
+              <a:rPr lang="en-US"/>
               <a:t> and </a:t>
             </a:r>
             <a:r>
-              <a:rPr lang="en-US" b="1" dirty="0"/>
+              <a:rPr lang="en-US" b="1"/>
               <a:t>lifecycle features</a:t>
             </a:r>
             <a:r>
-              <a:rPr lang="en-US" dirty="0"/>
+              <a:rPr lang="en-US"/>
               <a:t> from </a:t>
             </a:r>
             <a:r>
-              <a:rPr lang="en-US" b="1" dirty="0"/>
+              <a:rPr lang="en-US" b="1"/>
               <a:t>function components</a:t>
             </a:r>
             <a:r>
-              <a:rPr lang="en-US" dirty="0" smtClean="0"/>
+              <a:rPr lang="en-US" smtClean="0"/>
               <a:t>.</a:t>
             </a:r>
           </a:p>
@@ -5764,30 +6233,30 @@
               </a:lnSpc>
             </a:pPr>
             <a:r>
-              <a:rPr lang="en-US" dirty="0" smtClean="0"/>
+              <a:rPr lang="en-US" smtClean="0"/>
               <a:t>Some basic Hooks: </a:t>
             </a:r>
             <a:r>
-              <a:rPr lang="en-US" b="1" i="1" dirty="0" err="1" smtClean="0"/>
+              <a:rPr lang="en-US" b="1" i="1" err="1" smtClean="0"/>
               <a:t>useState</a:t>
             </a:r>
             <a:r>
-              <a:rPr lang="en-US" b="1" i="1" dirty="0" smtClean="0"/>
+              <a:rPr lang="en-US" b="1" i="1" smtClean="0"/>
               <a:t>, </a:t>
             </a:r>
             <a:r>
-              <a:rPr lang="en-US" b="1" i="1" dirty="0" err="1" smtClean="0"/>
+              <a:rPr lang="en-US" b="1" i="1" err="1" smtClean="0"/>
               <a:t>useEffect</a:t>
             </a:r>
             <a:r>
-              <a:rPr lang="en-US" b="1" i="1" dirty="0" smtClean="0"/>
+              <a:rPr lang="en-US" b="1" i="1" smtClean="0"/>
               <a:t>, </a:t>
             </a:r>
             <a:r>
-              <a:rPr lang="en-US" b="1" i="1" dirty="0" err="1" smtClean="0"/>
+              <a:rPr lang="en-US" b="1" i="1" err="1" smtClean="0"/>
               <a:t>useContext</a:t>
             </a:r>
-            <a:endParaRPr lang="en-US" b="1" i="1" dirty="0" smtClean="0"/>
+            <a:endParaRPr lang="en-US" b="1" i="1" smtClean="0"/>
           </a:p>
           <a:p>
             <a:pPr>
@@ -5796,26 +6265,26 @@
               </a:lnSpc>
             </a:pPr>
             <a:r>
-              <a:rPr lang="en-US" dirty="0" smtClean="0"/>
+              <a:rPr lang="en-US" smtClean="0"/>
               <a:t>Additional Hooks: </a:t>
             </a:r>
             <a:r>
-              <a:rPr lang="en-US" i="1" dirty="0" err="1" smtClean="0"/>
+              <a:rPr lang="en-US" i="1" err="1" smtClean="0"/>
               <a:t>useMemo</a:t>
             </a:r>
             <a:r>
-              <a:rPr lang="en-US" i="1" dirty="0" smtClean="0"/>
+              <a:rPr lang="en-US" i="1" smtClean="0"/>
               <a:t>, </a:t>
             </a:r>
             <a:r>
-              <a:rPr lang="en-US" i="1" dirty="0" err="1" smtClean="0"/>
+              <a:rPr lang="en-US" i="1" err="1" smtClean="0"/>
               <a:t>useReducer</a:t>
             </a:r>
             <a:r>
-              <a:rPr lang="en-US" i="1" dirty="0" smtClean="0"/>
+              <a:rPr lang="en-US" i="1" smtClean="0"/>
               <a:t>…</a:t>
             </a:r>
-            <a:endParaRPr lang="en-US" dirty="0" smtClean="0"/>
+            <a:endParaRPr lang="en-US" smtClean="0"/>
           </a:p>
         </p:txBody>
       </p:sp>
@@ -6212,115 +6681,49 @@
           <a:lstStyle/>
           <a:p>
             <a:r>
-              <a:rPr lang="en-US" dirty="0" smtClean="0"/>
+              <a:rPr lang="en-US" smtClean="0"/>
               <a:t>2. </a:t>
             </a:r>
             <a:r>
-              <a:rPr lang="en-US" dirty="0" smtClean="0"/>
-              <a:t>Function Components vs Class Components</a:t>
-            </a:r>
-            <a:endParaRPr lang="en-US" dirty="0"/>
-          </a:p>
-        </p:txBody>
-      </p:sp>
-      <p:sp>
-        <p:nvSpPr>
-          <p:cNvPr id="3" name="Content Placeholder 2"/>
-          <p:cNvSpPr>
-            <a:spLocks noGrp="1"/>
-          </p:cNvSpPr>
-          <p:nvPr>
-            <p:ph idx="1"/>
-          </p:nvPr>
-        </p:nvSpPr>
-        <p:spPr/>
-        <p:txBody>
-          <a:bodyPr>
-            <a:normAutofit/>
-          </a:bodyPr>
-          <a:lstStyle/>
-          <a:p>
-            <a:pPr>
-              <a:lnSpc>
-                <a:spcPct val="150000"/>
-              </a:lnSpc>
-            </a:pPr>
-            <a:r>
-              <a:rPr lang="en-US" dirty="0" smtClean="0"/>
-              <a:t>Class is hard to Reuse </a:t>
-            </a:r>
-            <a:r>
-              <a:rPr lang="en-US" dirty="0" err="1"/>
-              <a:t>stateful</a:t>
-            </a:r>
-            <a:r>
-              <a:rPr lang="en-US" dirty="0"/>
-              <a:t> logic between </a:t>
-            </a:r>
-            <a:r>
-              <a:rPr lang="en-US" dirty="0" smtClean="0"/>
-              <a:t>components.</a:t>
-            </a:r>
-            <a:endParaRPr lang="en-US" dirty="0"/>
-          </a:p>
-          <a:p>
-            <a:pPr>
-              <a:lnSpc>
-                <a:spcPct val="150000"/>
-              </a:lnSpc>
-            </a:pPr>
-            <a:r>
-              <a:rPr lang="en-US" dirty="0" smtClean="0"/>
-              <a:t>Complex </a:t>
-            </a:r>
-            <a:r>
-              <a:rPr lang="en-US" dirty="0"/>
-              <a:t>components become hard to </a:t>
-            </a:r>
-            <a:r>
-              <a:rPr lang="en-US" dirty="0" smtClean="0"/>
-              <a:t>understand.</a:t>
-            </a:r>
-            <a:endParaRPr lang="en-US" dirty="0"/>
-          </a:p>
-          <a:p>
-            <a:pPr>
-              <a:lnSpc>
-                <a:spcPct val="150000"/>
-              </a:lnSpc>
-            </a:pPr>
-            <a:r>
-              <a:rPr lang="en-US" dirty="0" smtClean="0"/>
-              <a:t>Classes confuse both people and machines.</a:t>
-            </a:r>
-            <a:r>
-              <a:rPr lang="en-US" sz="2400" dirty="0" smtClean="0"/>
-              <a:t/>
-            </a:r>
-            <a:br>
-              <a:rPr lang="en-US" sz="2400" dirty="0" smtClean="0"/>
-            </a:br>
-            <a:r>
-              <a:rPr lang="en-US" sz="2400" dirty="0" smtClean="0"/>
-              <a:t/>
-            </a:r>
-            <a:br>
-              <a:rPr lang="en-US" sz="2400" dirty="0" smtClean="0"/>
-            </a:br>
-            <a:r>
-              <a:rPr lang="en-US" sz="2400" dirty="0" smtClean="0"/>
-              <a:t>Ref: </a:t>
-            </a:r>
-            <a:r>
-              <a:rPr lang="en-US" sz="2400" dirty="0" smtClean="0">
-                <a:hlinkClick r:id="rId3"/>
-              </a:rPr>
-              <a:t>https://reactjs.org/docs/hooks-intro.html#motivation</a:t>
-            </a:r>
-            <a:endParaRPr lang="en-US" sz="2400" dirty="0"/>
-          </a:p>
-        </p:txBody>
-      </p:sp>
+              <a:rPr lang="en-US"/>
+              <a:t>Class Components vs </a:t>
+            </a:r>
+            <a:r>
+              <a:rPr lang="en-US"/>
+              <a:t>Function </a:t>
+            </a:r>
+            <a:r>
+              <a:rPr lang="en-US" smtClean="0"/>
+              <a:t>Components</a:t>
+            </a:r>
+            <a:endParaRPr lang="en-US"/>
+          </a:p>
+        </p:txBody>
+      </p:sp>
+      <p:pic>
+        <p:nvPicPr>
+          <p:cNvPr id="11" name="Picture 10"/>
+          <p:cNvPicPr>
+            <a:picLocks noChangeAspect="1"/>
+          </p:cNvPicPr>
+          <p:nvPr/>
+        </p:nvPicPr>
+        <p:blipFill>
+          <a:blip r:embed="rId3"/>
+          <a:stretch>
+            <a:fillRect/>
+          </a:stretch>
+        </p:blipFill>
+        <p:spPr>
+          <a:xfrm>
+            <a:off x="1153954" y="1690688"/>
+            <a:ext cx="9709192" cy="4486275"/>
+          </a:xfrm>
+          <a:prstGeom prst="rect">
+            <a:avLst/>
+          </a:prstGeom>
+        </p:spPr>
+      </p:pic>
     </p:spTree>
     <p:extLst>
       <p:ext uri="{BB962C8B-B14F-4D97-AF65-F5344CB8AC3E}">
@@ -6334,344 +6737,9 @@
   <p:timing>
     <p:tnLst>
       <p:par>
-        <p:cTn id="1" dur="indefinite" restart="never" nodeType="tmRoot">
-          <p:childTnLst>
-            <p:seq concurrent="1" nextAc="seek">
-              <p:cTn id="2" dur="indefinite" nodeType="mainSeq">
-                <p:childTnLst>
-                  <p:par>
-                    <p:cTn id="3" fill="hold">
-                      <p:stCondLst>
-                        <p:cond delay="indefinite"/>
-                      </p:stCondLst>
-                      <p:childTnLst>
-                        <p:par>
-                          <p:cTn id="4" fill="hold">
-                            <p:stCondLst>
-                              <p:cond delay="0"/>
-                            </p:stCondLst>
-                            <p:childTnLst>
-                              <p:par>
-                                <p:cTn id="5" presetID="2" presetClass="entr" presetSubtype="4" fill="hold" grpId="0" nodeType="clickEffect">
-                                  <p:stCondLst>
-                                    <p:cond delay="0"/>
-                                  </p:stCondLst>
-                                  <p:childTnLst>
-                                    <p:set>
-                                      <p:cBhvr>
-                                        <p:cTn id="6" dur="1" fill="hold">
-                                          <p:stCondLst>
-                                            <p:cond delay="0"/>
-                                          </p:stCondLst>
-                                        </p:cTn>
-                                        <p:tgtEl>
-                                          <p:spTgt spid="3">
-                                            <p:txEl>
-                                              <p:pRg st="0" end="0"/>
-                                            </p:txEl>
-                                          </p:spTgt>
-                                        </p:tgtEl>
-                                        <p:attrNameLst>
-                                          <p:attrName>style.visibility</p:attrName>
-                                        </p:attrNameLst>
-                                      </p:cBhvr>
-                                      <p:to>
-                                        <p:strVal val="visible"/>
-                                      </p:to>
-                                    </p:set>
-                                    <p:anim calcmode="lin" valueType="num">
-                                      <p:cBhvr additive="base">
-                                        <p:cTn id="7" dur="500" fill="hold"/>
-                                        <p:tgtEl>
-                                          <p:spTgt spid="3">
-                                            <p:txEl>
-                                              <p:pRg st="0" end="0"/>
-                                            </p:txEl>
-                                          </p:spTgt>
-                                        </p:tgtEl>
-                                        <p:attrNameLst>
-                                          <p:attrName>ppt_x</p:attrName>
-                                        </p:attrNameLst>
-                                      </p:cBhvr>
-                                      <p:tavLst>
-                                        <p:tav tm="0">
-                                          <p:val>
-                                            <p:strVal val="#ppt_x"/>
-                                          </p:val>
-                                        </p:tav>
-                                        <p:tav tm="100000">
-                                          <p:val>
-                                            <p:strVal val="#ppt_x"/>
-                                          </p:val>
-                                        </p:tav>
-                                      </p:tavLst>
-                                    </p:anim>
-                                    <p:anim calcmode="lin" valueType="num">
-                                      <p:cBhvr additive="base">
-                                        <p:cTn id="8" dur="500" fill="hold"/>
-                                        <p:tgtEl>
-                                          <p:spTgt spid="3">
-                                            <p:txEl>
-                                              <p:pRg st="0" end="0"/>
-                                            </p:txEl>
-                                          </p:spTgt>
-                                        </p:tgtEl>
-                                        <p:attrNameLst>
-                                          <p:attrName>ppt_y</p:attrName>
-                                        </p:attrNameLst>
-                                      </p:cBhvr>
-                                      <p:tavLst>
-                                        <p:tav tm="0">
-                                          <p:val>
-                                            <p:strVal val="1+#ppt_h/2"/>
-                                          </p:val>
-                                        </p:tav>
-                                        <p:tav tm="100000">
-                                          <p:val>
-                                            <p:strVal val="#ppt_y"/>
-                                          </p:val>
-                                        </p:tav>
-                                      </p:tavLst>
-                                    </p:anim>
-                                  </p:childTnLst>
-                                </p:cTn>
-                              </p:par>
-                            </p:childTnLst>
-                          </p:cTn>
-                        </p:par>
-                      </p:childTnLst>
-                    </p:cTn>
-                  </p:par>
-                  <p:par>
-                    <p:cTn id="9" fill="hold">
-                      <p:stCondLst>
-                        <p:cond delay="indefinite"/>
-                      </p:stCondLst>
-                      <p:childTnLst>
-                        <p:par>
-                          <p:cTn id="10" fill="hold">
-                            <p:stCondLst>
-                              <p:cond delay="0"/>
-                            </p:stCondLst>
-                            <p:childTnLst>
-                              <p:par>
-                                <p:cTn id="11" presetID="2" presetClass="entr" presetSubtype="4" fill="hold" grpId="0" nodeType="clickEffect">
-                                  <p:stCondLst>
-                                    <p:cond delay="0"/>
-                                  </p:stCondLst>
-                                  <p:childTnLst>
-                                    <p:set>
-                                      <p:cBhvr>
-                                        <p:cTn id="12" dur="1" fill="hold">
-                                          <p:stCondLst>
-                                            <p:cond delay="0"/>
-                                          </p:stCondLst>
-                                        </p:cTn>
-                                        <p:tgtEl>
-                                          <p:spTgt spid="3">
-                                            <p:txEl>
-                                              <p:pRg st="1" end="1"/>
-                                            </p:txEl>
-                                          </p:spTgt>
-                                        </p:tgtEl>
-                                        <p:attrNameLst>
-                                          <p:attrName>style.visibility</p:attrName>
-                                        </p:attrNameLst>
-                                      </p:cBhvr>
-                                      <p:to>
-                                        <p:strVal val="visible"/>
-                                      </p:to>
-                                    </p:set>
-                                    <p:anim calcmode="lin" valueType="num">
-                                      <p:cBhvr additive="base">
-                                        <p:cTn id="13" dur="500" fill="hold"/>
-                                        <p:tgtEl>
-                                          <p:spTgt spid="3">
-                                            <p:txEl>
-                                              <p:pRg st="1" end="1"/>
-                                            </p:txEl>
-                                          </p:spTgt>
-                                        </p:tgtEl>
-                                        <p:attrNameLst>
-                                          <p:attrName>ppt_x</p:attrName>
-                                        </p:attrNameLst>
-                                      </p:cBhvr>
-                                      <p:tavLst>
-                                        <p:tav tm="0">
-                                          <p:val>
-                                            <p:strVal val="#ppt_x"/>
-                                          </p:val>
-                                        </p:tav>
-                                        <p:tav tm="100000">
-                                          <p:val>
-                                            <p:strVal val="#ppt_x"/>
-                                          </p:val>
-                                        </p:tav>
-                                      </p:tavLst>
-                                    </p:anim>
-                                    <p:anim calcmode="lin" valueType="num">
-                                      <p:cBhvr additive="base">
-                                        <p:cTn id="14" dur="500" fill="hold"/>
-                                        <p:tgtEl>
-                                          <p:spTgt spid="3">
-                                            <p:txEl>
-                                              <p:pRg st="1" end="1"/>
-                                            </p:txEl>
-                                          </p:spTgt>
-                                        </p:tgtEl>
-                                        <p:attrNameLst>
-                                          <p:attrName>ppt_y</p:attrName>
-                                        </p:attrNameLst>
-                                      </p:cBhvr>
-                                      <p:tavLst>
-                                        <p:tav tm="0">
-                                          <p:val>
-                                            <p:strVal val="1+#ppt_h/2"/>
-                                          </p:val>
-                                        </p:tav>
-                                        <p:tav tm="100000">
-                                          <p:val>
-                                            <p:strVal val="#ppt_y"/>
-                                          </p:val>
-                                        </p:tav>
-                                      </p:tavLst>
-                                    </p:anim>
-                                  </p:childTnLst>
-                                </p:cTn>
-                              </p:par>
-                            </p:childTnLst>
-                          </p:cTn>
-                        </p:par>
-                      </p:childTnLst>
-                    </p:cTn>
-                  </p:par>
-                  <p:par>
-                    <p:cTn id="15" fill="hold">
-                      <p:stCondLst>
-                        <p:cond delay="indefinite"/>
-                      </p:stCondLst>
-                      <p:childTnLst>
-                        <p:par>
-                          <p:cTn id="16" fill="hold">
-                            <p:stCondLst>
-                              <p:cond delay="0"/>
-                            </p:stCondLst>
-                            <p:childTnLst>
-                              <p:par>
-                                <p:cTn id="17" presetID="2" presetClass="entr" presetSubtype="4" fill="hold" grpId="0" nodeType="clickEffect">
-                                  <p:stCondLst>
-                                    <p:cond delay="0"/>
-                                  </p:stCondLst>
-                                  <p:childTnLst>
-                                    <p:set>
-                                      <p:cBhvr>
-                                        <p:cTn id="18" dur="1" fill="hold">
-                                          <p:stCondLst>
-                                            <p:cond delay="0"/>
-                                          </p:stCondLst>
-                                        </p:cTn>
-                                        <p:tgtEl>
-                                          <p:spTgt spid="3">
-                                            <p:txEl>
-                                              <p:pRg st="2" end="2"/>
-                                            </p:txEl>
-                                          </p:spTgt>
-                                        </p:tgtEl>
-                                        <p:attrNameLst>
-                                          <p:attrName>style.visibility</p:attrName>
-                                        </p:attrNameLst>
-                                      </p:cBhvr>
-                                      <p:to>
-                                        <p:strVal val="visible"/>
-                                      </p:to>
-                                    </p:set>
-                                    <p:anim calcmode="lin" valueType="num">
-                                      <p:cBhvr additive="base">
-                                        <p:cTn id="19" dur="500" fill="hold"/>
-                                        <p:tgtEl>
-                                          <p:spTgt spid="3">
-                                            <p:txEl>
-                                              <p:pRg st="2" end="2"/>
-                                            </p:txEl>
-                                          </p:spTgt>
-                                        </p:tgtEl>
-                                        <p:attrNameLst>
-                                          <p:attrName>ppt_x</p:attrName>
-                                        </p:attrNameLst>
-                                      </p:cBhvr>
-                                      <p:tavLst>
-                                        <p:tav tm="0">
-                                          <p:val>
-                                            <p:strVal val="#ppt_x"/>
-                                          </p:val>
-                                        </p:tav>
-                                        <p:tav tm="100000">
-                                          <p:val>
-                                            <p:strVal val="#ppt_x"/>
-                                          </p:val>
-                                        </p:tav>
-                                      </p:tavLst>
-                                    </p:anim>
-                                    <p:anim calcmode="lin" valueType="num">
-                                      <p:cBhvr additive="base">
-                                        <p:cTn id="20" dur="500" fill="hold"/>
-                                        <p:tgtEl>
-                                          <p:spTgt spid="3">
-                                            <p:txEl>
-                                              <p:pRg st="2" end="2"/>
-                                            </p:txEl>
-                                          </p:spTgt>
-                                        </p:tgtEl>
-                                        <p:attrNameLst>
-                                          <p:attrName>ppt_y</p:attrName>
-                                        </p:attrNameLst>
-                                      </p:cBhvr>
-                                      <p:tavLst>
-                                        <p:tav tm="0">
-                                          <p:val>
-                                            <p:strVal val="1+#ppt_h/2"/>
-                                          </p:val>
-                                        </p:tav>
-                                        <p:tav tm="100000">
-                                          <p:val>
-                                            <p:strVal val="#ppt_y"/>
-                                          </p:val>
-                                        </p:tav>
-                                      </p:tavLst>
-                                    </p:anim>
-                                  </p:childTnLst>
-                                </p:cTn>
-                              </p:par>
-                            </p:childTnLst>
-                          </p:cTn>
-                        </p:par>
-                      </p:childTnLst>
-                    </p:cTn>
-                  </p:par>
-                </p:childTnLst>
-              </p:cTn>
-              <p:prevCondLst>
-                <p:cond evt="onPrev" delay="0">
-                  <p:tgtEl>
-                    <p:sldTgt/>
-                  </p:tgtEl>
-                </p:cond>
-              </p:prevCondLst>
-              <p:nextCondLst>
-                <p:cond evt="onNext" delay="0">
-                  <p:tgtEl>
-                    <p:sldTgt/>
-                  </p:tgtEl>
-                </p:cond>
-              </p:nextCondLst>
-            </p:seq>
-          </p:childTnLst>
-        </p:cTn>
+        <p:cTn id="1" dur="indefinite" restart="never" nodeType="tmRoot"/>
       </p:par>
     </p:tnLst>
-    <p:bldLst>
-      <p:bldP spid="3" grpId="0" build="p"/>
-    </p:bldLst>
   </p:timing>
 </p:sld>
 </file>
@@ -6714,47 +6782,53 @@
           <a:lstStyle/>
           <a:p>
             <a:r>
-              <a:rPr lang="en-US" dirty="0" smtClean="0"/>
-              <a:t>3. When to use Hooks?</a:t>
-            </a:r>
-            <a:endParaRPr lang="en-US" dirty="0"/>
-          </a:p>
-        </p:txBody>
-      </p:sp>
-      <p:sp>
-        <p:nvSpPr>
-          <p:cNvPr id="3" name="Content Placeholder 2"/>
-          <p:cNvSpPr>
-            <a:spLocks noGrp="1"/>
-          </p:cNvSpPr>
-          <p:nvPr>
-            <p:ph idx="1"/>
-          </p:nvPr>
-        </p:nvSpPr>
-        <p:spPr/>
-        <p:txBody>
-          <a:bodyPr>
-            <a:normAutofit/>
-          </a:bodyPr>
-          <a:lstStyle/>
-          <a:p>
-            <a:pPr>
-              <a:lnSpc>
-                <a:spcPct val="150000"/>
-              </a:lnSpc>
-            </a:pPr>
-            <a:r>
-              <a:rPr lang="en-US" dirty="0"/>
-              <a:t>If you write a function component and realize you need to add some state to it, previously you had to convert it to a class. Now you can use a Hook inside the existing function component.</a:t>
-            </a:r>
-            <a:endParaRPr lang="en-US" sz="2400" b="1" dirty="0"/>
-          </a:p>
-        </p:txBody>
-      </p:sp>
+              <a:rPr lang="en-US" smtClean="0"/>
+              <a:t>2. </a:t>
+            </a:r>
+            <a:r>
+              <a:rPr lang="en-US"/>
+              <a:t>Class Components vs </a:t>
+            </a:r>
+            <a:r>
+              <a:rPr lang="en-US"/>
+              <a:t>Function </a:t>
+            </a:r>
+            <a:r>
+              <a:rPr lang="en-US" smtClean="0"/>
+              <a:t>Components</a:t>
+            </a:r>
+            <a:endParaRPr lang="en-US"/>
+          </a:p>
+        </p:txBody>
+      </p:sp>
+      <p:pic>
+        <p:nvPicPr>
+          <p:cNvPr id="11" name="Picture 10"/>
+          <p:cNvPicPr>
+            <a:picLocks noChangeAspect="1"/>
+          </p:cNvPicPr>
+          <p:nvPr/>
+        </p:nvPicPr>
+        <p:blipFill>
+          <a:blip r:embed="rId3"/>
+          <a:stretch>
+            <a:fillRect/>
+          </a:stretch>
+        </p:blipFill>
+        <p:spPr>
+          <a:xfrm>
+            <a:off x="1153954" y="1690688"/>
+            <a:ext cx="9709192" cy="4486275"/>
+          </a:xfrm>
+          <a:prstGeom prst="rect">
+            <a:avLst/>
+          </a:prstGeom>
+        </p:spPr>
+      </p:pic>
     </p:spTree>
     <p:extLst>
       <p:ext uri="{BB962C8B-B14F-4D97-AF65-F5344CB8AC3E}">
-        <p14:creationId xmlns:p14="http://schemas.microsoft.com/office/powerpoint/2010/main" val="1155366601"/>
+        <p14:creationId xmlns:p14="http://schemas.microsoft.com/office/powerpoint/2010/main" val="1394016599"/>
       </p:ext>
     </p:extLst>
   </p:cSld>
@@ -6764,138 +6838,9 @@
   <p:timing>
     <p:tnLst>
       <p:par>
-        <p:cTn id="1" dur="indefinite" restart="never" nodeType="tmRoot">
-          <p:childTnLst>
-            <p:seq concurrent="1" nextAc="seek">
-              <p:cTn id="2" dur="indefinite" nodeType="mainSeq">
-                <p:childTnLst>
-                  <p:par>
-                    <p:cTn id="3" fill="hold">
-                      <p:stCondLst>
-                        <p:cond delay="indefinite"/>
-                      </p:stCondLst>
-                      <p:childTnLst>
-                        <p:par>
-                          <p:cTn id="4" fill="hold">
-                            <p:stCondLst>
-                              <p:cond delay="0"/>
-                            </p:stCondLst>
-                            <p:childTnLst>
-                              <p:par>
-                                <p:cTn id="5" presetID="2" presetClass="entr" presetSubtype="4" fill="hold" grpId="0" nodeType="clickEffect">
-                                  <p:stCondLst>
-                                    <p:cond delay="0"/>
-                                  </p:stCondLst>
-                                  <p:childTnLst>
-                                    <p:set>
-                                      <p:cBhvr>
-                                        <p:cTn id="6" dur="1" fill="hold">
-                                          <p:stCondLst>
-                                            <p:cond delay="0"/>
-                                          </p:stCondLst>
-                                        </p:cTn>
-                                        <p:tgtEl>
-                                          <p:spTgt spid="3">
-                                            <p:txEl>
-                                              <p:pRg st="0" end="0"/>
-                                            </p:txEl>
-                                          </p:spTgt>
-                                        </p:tgtEl>
-                                        <p:attrNameLst>
-                                          <p:attrName>style.visibility</p:attrName>
-                                        </p:attrNameLst>
-                                      </p:cBhvr>
-                                      <p:to>
-                                        <p:strVal val="visible"/>
-                                      </p:to>
-                                    </p:set>
-                                    <p:anim calcmode="lin" valueType="num">
-                                      <p:cBhvr additive="base">
-                                        <p:cTn id="7" dur="500" fill="hold"/>
-                                        <p:tgtEl>
-                                          <p:spTgt spid="3">
-                                            <p:txEl>
-                                              <p:pRg st="0" end="0"/>
-                                            </p:txEl>
-                                          </p:spTgt>
-                                        </p:tgtEl>
-                                        <p:attrNameLst>
-                                          <p:attrName>ppt_x</p:attrName>
-                                        </p:attrNameLst>
-                                      </p:cBhvr>
-                                      <p:tavLst>
-                                        <p:tav tm="0">
-                                          <p:val>
-                                            <p:strVal val="#ppt_x"/>
-                                          </p:val>
-                                        </p:tav>
-                                        <p:tav tm="100000">
-                                          <p:val>
-                                            <p:strVal val="#ppt_x"/>
-                                          </p:val>
-                                        </p:tav>
-                                      </p:tavLst>
-                                    </p:anim>
-                                    <p:anim calcmode="lin" valueType="num">
-                                      <p:cBhvr additive="base">
-                                        <p:cTn id="8" dur="500" fill="hold"/>
-                                        <p:tgtEl>
-                                          <p:spTgt spid="3">
-                                            <p:txEl>
-                                              <p:pRg st="0" end="0"/>
-                                            </p:txEl>
-                                          </p:spTgt>
-                                        </p:tgtEl>
-                                        <p:attrNameLst>
-                                          <p:attrName>ppt_y</p:attrName>
-                                        </p:attrNameLst>
-                                      </p:cBhvr>
-                                      <p:tavLst>
-                                        <p:tav tm="0">
-                                          <p:val>
-                                            <p:strVal val="1+#ppt_h/2"/>
-                                          </p:val>
-                                        </p:tav>
-                                        <p:tav tm="100000">
-                                          <p:val>
-                                            <p:strVal val="#ppt_y"/>
-                                          </p:val>
-                                        </p:tav>
-                                      </p:tavLst>
-                                    </p:anim>
-                                  </p:childTnLst>
-                                </p:cTn>
-                              </p:par>
-                            </p:childTnLst>
-                          </p:cTn>
-                        </p:par>
-                      </p:childTnLst>
-                    </p:cTn>
-                  </p:par>
-                </p:childTnLst>
-              </p:cTn>
-              <p:prevCondLst>
-                <p:cond evt="onPrev" delay="0">
-                  <p:tgtEl>
-                    <p:sldTgt/>
-                  </p:tgtEl>
-                </p:cond>
-              </p:prevCondLst>
-              <p:nextCondLst>
-                <p:cond evt="onNext" delay="0">
-                  <p:tgtEl>
-                    <p:sldTgt/>
-                  </p:tgtEl>
-                </p:cond>
-              </p:nextCondLst>
-            </p:seq>
-          </p:childTnLst>
-        </p:cTn>
+        <p:cTn id="1" dur="indefinite" restart="never" nodeType="tmRoot"/>
       </p:par>
     </p:tnLst>
-    <p:bldLst>
-      <p:bldP spid="3" grpId="0" build="p"/>
-    </p:bldLst>
   </p:timing>
 </p:sld>
 </file>
@@ -6938,14 +6883,10 @@
           <a:lstStyle/>
           <a:p>
             <a:r>
-              <a:rPr lang="en-US" dirty="0"/>
-              <a:t>4</a:t>
-            </a:r>
-            <a:r>
-              <a:rPr lang="en-US" dirty="0" smtClean="0"/>
-              <a:t>. How to use Hooks?</a:t>
-            </a:r>
-            <a:endParaRPr lang="en-US" dirty="0"/>
+              <a:rPr lang="en-US" smtClean="0"/>
+              <a:t>3. When to use Hooks?</a:t>
+            </a:r>
+            <a:endParaRPr lang="en-US"/>
           </a:p>
         </p:txBody>
       </p:sp>
@@ -6966,92 +6907,23 @@
           </a:bodyPr>
           <a:lstStyle/>
           <a:p>
-            <a:pPr marL="0" indent="0">
+            <a:pPr>
               <a:lnSpc>
                 <a:spcPct val="150000"/>
               </a:lnSpc>
-              <a:buNone/>
             </a:pPr>
             <a:r>
-              <a:rPr lang="en-US" b="1" dirty="0" smtClean="0"/>
-              <a:t>4.1 Rules of Hooks</a:t>
-            </a:r>
-            <a:r>
-              <a:rPr lang="en-US" sz="2400" b="1" dirty="0" smtClean="0"/>
-              <a:t/>
-            </a:r>
-            <a:br>
-              <a:rPr lang="en-US" sz="2400" b="1" dirty="0" smtClean="0"/>
-            </a:br>
-            <a:r>
-              <a:rPr lang="en-US" sz="2400" dirty="0" smtClean="0"/>
-              <a:t>- Only </a:t>
-            </a:r>
-            <a:r>
-              <a:rPr lang="en-US" sz="2400" dirty="0"/>
-              <a:t>Call Hooks at the Top </a:t>
-            </a:r>
-            <a:r>
-              <a:rPr lang="en-US" sz="2400" dirty="0" smtClean="0"/>
-              <a:t>Level: </a:t>
-            </a:r>
-            <a:r>
-              <a:rPr lang="en-US" sz="2400" b="1" dirty="0"/>
-              <a:t>Don’t call Hooks inside loops, conditions, or nested functions.</a:t>
-            </a:r>
-            <a:r>
-              <a:rPr lang="en-US" sz="2400" dirty="0" smtClean="0"/>
-              <a:t/>
-            </a:r>
-            <a:br>
-              <a:rPr lang="en-US" sz="2400" dirty="0" smtClean="0"/>
-            </a:br>
-            <a:r>
-              <a:rPr lang="en-US" sz="2400" dirty="0" smtClean="0"/>
-              <a:t>- </a:t>
-            </a:r>
-            <a:r>
-              <a:rPr lang="en-US" dirty="0" smtClean="0"/>
-              <a:t>Only </a:t>
-            </a:r>
-            <a:r>
-              <a:rPr lang="en-US" dirty="0"/>
-              <a:t>call Hooks from React functions or custom hooks </a:t>
-            </a:r>
-            <a:r>
-              <a:rPr lang="en-US" sz="2400" dirty="0" smtClean="0"/>
-              <a:t>:</a:t>
-            </a:r>
-            <a:r>
-              <a:rPr lang="en-US" sz="2400" b="1" dirty="0" smtClean="0"/>
-              <a:t> </a:t>
-            </a:r>
-            <a:r>
-              <a:rPr lang="en-US" sz="2400" b="1" dirty="0"/>
-              <a:t>Don’t call Hooks from regular JavaScript functions</a:t>
-            </a:r>
-            <a:r>
-              <a:rPr lang="en-US" sz="2400" b="1" dirty="0" smtClean="0"/>
-              <a:t>.</a:t>
-            </a:r>
-            <a:endParaRPr lang="en-US" sz="2400" dirty="0" smtClean="0"/>
-          </a:p>
-          <a:p>
-            <a:pPr marL="457200" indent="-457200">
-              <a:lnSpc>
-                <a:spcPct val="150000"/>
-              </a:lnSpc>
-              <a:buFont typeface="+mj-lt"/>
-              <a:buAutoNum type="alphaLcPeriod"/>
-            </a:pPr>
-            <a:endParaRPr lang="en-US" sz="2400" dirty="0"/>
+              <a:rPr lang="en-US"/>
+              <a:t>If you write a function component and realize you need to add some state to it, previously you had to convert it to a class. Now you can use a Hook inside the existing function component.</a:t>
+            </a:r>
+            <a:endParaRPr lang="en-US" sz="2400" b="1"/>
           </a:p>
         </p:txBody>
       </p:sp>
     </p:spTree>
     <p:extLst>
       <p:ext uri="{BB962C8B-B14F-4D97-AF65-F5344CB8AC3E}">
-        <p14:creationId xmlns:p14="http://schemas.microsoft.com/office/powerpoint/2010/main" val="2608481287"/>
+        <p14:creationId xmlns:p14="http://schemas.microsoft.com/office/powerpoint/2010/main" val="1155366601"/>
       </p:ext>
     </p:extLst>
   </p:cSld>
@@ -7235,14 +7107,14 @@
           <a:lstStyle/>
           <a:p>
             <a:r>
-              <a:rPr lang="en-US" dirty="0"/>
+              <a:rPr lang="en-US"/>
               <a:t>4</a:t>
             </a:r>
             <a:r>
-              <a:rPr lang="en-US" dirty="0" smtClean="0"/>
+              <a:rPr lang="en-US" smtClean="0"/>
               <a:t>. How to use Hooks?</a:t>
             </a:r>
-            <a:endParaRPr lang="en-US" dirty="0"/>
+            <a:endParaRPr lang="en-US"/>
           </a:p>
         </p:txBody>
       </p:sp>
@@ -7270,23 +7142,85 @@
               <a:buNone/>
             </a:pPr>
             <a:r>
-              <a:rPr lang="en-US" b="1" dirty="0" smtClean="0"/>
-              <a:t>4.2 Using The State Hooks.</a:t>
+              <a:rPr lang="en-US" b="1" smtClean="0"/>
+              <a:t>4.1 Rules of Hooks</a:t>
+            </a:r>
+            <a:r>
+              <a:rPr lang="en-US" sz="2400" b="1" smtClean="0"/>
+              <a:t/>
             </a:r>
             <a:br>
-              <a:rPr lang="en-US" b="1" dirty="0" smtClean="0"/>
+              <a:rPr lang="en-US" sz="2400" b="1" smtClean="0"/>
             </a:br>
             <a:r>
-              <a:rPr lang="en-US" b="1" dirty="0" smtClean="0"/>
-              <a:t>	</a:t>
-            </a:r>
+              <a:rPr lang="en-US" sz="2400" smtClean="0"/>
+              <a:t>- Only </a:t>
+            </a:r>
+            <a:r>
+              <a:rPr lang="en-US" sz="2400"/>
+              <a:t>Call Hooks at the Top </a:t>
+            </a:r>
+            <a:r>
+              <a:rPr lang="en-US" sz="2400" smtClean="0"/>
+              <a:t>Level: </a:t>
+            </a:r>
+            <a:r>
+              <a:rPr lang="en-US" sz="2400" b="1"/>
+              <a:t>Don’t call Hooks inside loops, conditions, or nested functions.</a:t>
+            </a:r>
+            <a:r>
+              <a:rPr lang="en-US" sz="2400" smtClean="0"/>
+              <a:t/>
+            </a:r>
+            <a:br>
+              <a:rPr lang="en-US" sz="2400" smtClean="0"/>
+            </a:br>
+            <a:r>
+              <a:rPr lang="en-US" sz="2400" smtClean="0"/>
+              <a:t>- </a:t>
+            </a:r>
+            <a:r>
+              <a:rPr lang="en-US" smtClean="0"/>
+              <a:t>Only </a:t>
+            </a:r>
+            <a:r>
+              <a:rPr lang="en-US"/>
+              <a:t>call Hooks from React functions or custom hooks </a:t>
+            </a:r>
+            <a:r>
+              <a:rPr lang="en-US" sz="2400" smtClean="0"/>
+              <a:t>:</a:t>
+            </a:r>
+            <a:r>
+              <a:rPr lang="en-US" sz="2400" b="1" smtClean="0"/>
+              <a:t> </a:t>
+            </a:r>
+            <a:r>
+              <a:rPr lang="en-US" sz="2400" b="1"/>
+              <a:t>Don’t call Hooks from regular JavaScript functions</a:t>
+            </a:r>
+            <a:r>
+              <a:rPr lang="en-US" sz="2400" b="1" smtClean="0"/>
+              <a:t>.</a:t>
+            </a:r>
+            <a:endParaRPr lang="en-US" sz="2400" smtClean="0"/>
+          </a:p>
+          <a:p>
+            <a:pPr marL="457200" indent="-457200">
+              <a:lnSpc>
+                <a:spcPct val="150000"/>
+              </a:lnSpc>
+              <a:buFont typeface="+mj-lt"/>
+              <a:buAutoNum type="alphaLcPeriod"/>
+            </a:pPr>
+            <a:endParaRPr lang="en-US" sz="2400"/>
           </a:p>
         </p:txBody>
       </p:sp>
     </p:spTree>
     <p:extLst>
       <p:ext uri="{BB962C8B-B14F-4D97-AF65-F5344CB8AC3E}">
-        <p14:creationId xmlns:p14="http://schemas.microsoft.com/office/powerpoint/2010/main" val="1008856109"/>
+        <p14:creationId xmlns:p14="http://schemas.microsoft.com/office/powerpoint/2010/main" val="2608481287"/>
       </p:ext>
     </p:extLst>
   </p:cSld>
@@ -7470,14 +7404,14 @@
           <a:lstStyle/>
           <a:p>
             <a:r>
-              <a:rPr lang="en-US" dirty="0"/>
+              <a:rPr lang="en-US"/>
               <a:t>4</a:t>
             </a:r>
             <a:r>
-              <a:rPr lang="en-US" dirty="0" smtClean="0"/>
+              <a:rPr lang="en-US" smtClean="0"/>
               <a:t>. How to use Hooks?</a:t>
             </a:r>
-            <a:endParaRPr lang="en-US" dirty="0"/>
+            <a:endParaRPr lang="en-US"/>
           </a:p>
         </p:txBody>
       </p:sp>
@@ -7497,26 +7431,6 @@
             <a:normAutofit/>
           </a:bodyPr>
           <a:lstStyle/>
-          <a:p>
-            <a:pPr marL="514350" indent="-514350">
-              <a:lnSpc>
-                <a:spcPct val="150000"/>
-              </a:lnSpc>
-              <a:buAutoNum type="alphaLcPeriod"/>
-            </a:pPr>
-            <a:r>
-              <a:rPr lang="en-US" b="1" dirty="0" err="1" smtClean="0"/>
-              <a:t>useState</a:t>
-            </a:r>
-            <a:r>
-              <a:rPr lang="en-US" b="1" dirty="0" smtClean="0"/>
-              <a:t/>
-            </a:r>
-            <a:br>
-              <a:rPr lang="en-US" b="1" dirty="0" smtClean="0"/>
-            </a:br>
-            <a:endParaRPr lang="en-US" dirty="0" smtClean="0"/>
-          </a:p>
           <a:p>
             <a:pPr marL="0" indent="0">
               <a:lnSpc>
@@ -7524,14 +7438,24 @@
               </a:lnSpc>
               <a:buNone/>
             </a:pPr>
-            <a:endParaRPr lang="en-US" b="1" dirty="0"/>
+            <a:r>
+              <a:rPr lang="en-US" b="1" smtClean="0"/>
+              <a:t>4.2 Using The State Hooks.</a:t>
+            </a:r>
+            <a:br>
+              <a:rPr lang="en-US" b="1" smtClean="0"/>
+            </a:br>
+            <a:r>
+              <a:rPr lang="en-US" b="1" smtClean="0"/>
+              <a:t>	</a:t>
+            </a:r>
           </a:p>
         </p:txBody>
       </p:sp>
     </p:spTree>
     <p:extLst>
       <p:ext uri="{BB962C8B-B14F-4D97-AF65-F5344CB8AC3E}">
-        <p14:creationId xmlns:p14="http://schemas.microsoft.com/office/powerpoint/2010/main" val="4022983786"/>
+        <p14:creationId xmlns:p14="http://schemas.microsoft.com/office/powerpoint/2010/main" val="1008856109"/>
       </p:ext>
     </p:extLst>
   </p:cSld>
@@ -7715,14 +7639,14 @@
           <a:lstStyle/>
           <a:p>
             <a:r>
-              <a:rPr lang="en-US" dirty="0"/>
+              <a:rPr lang="en-US"/>
               <a:t>4</a:t>
             </a:r>
             <a:r>
-              <a:rPr lang="en-US" dirty="0" smtClean="0"/>
-              <a:t>. How to use Hooks</a:t>
-            </a:r>
-            <a:endParaRPr lang="en-US" dirty="0"/>
+              <a:rPr lang="en-US" smtClean="0"/>
+              <a:t>. How to use Hooks?</a:t>
+            </a:r>
+            <a:endParaRPr lang="en-US"/>
           </a:p>
         </p:txBody>
       </p:sp>
@@ -7742,6 +7666,26 @@
             <a:normAutofit/>
           </a:bodyPr>
           <a:lstStyle/>
+          <a:p>
+            <a:pPr marL="514350" indent="-514350">
+              <a:lnSpc>
+                <a:spcPct val="150000"/>
+              </a:lnSpc>
+              <a:buAutoNum type="alphaLcPeriod"/>
+            </a:pPr>
+            <a:r>
+              <a:rPr lang="en-US" b="1" err="1" smtClean="0"/>
+              <a:t>useState</a:t>
+            </a:r>
+            <a:r>
+              <a:rPr lang="en-US" b="1" smtClean="0"/>
+              <a:t/>
+            </a:r>
+            <a:br>
+              <a:rPr lang="en-US" b="1" smtClean="0"/>
+            </a:br>
+            <a:endParaRPr lang="en-US" smtClean="0"/>
+          </a:p>
           <a:p>
             <a:pPr marL="0" indent="0">
               <a:lnSpc>
@@ -7749,22 +7693,14 @@
               </a:lnSpc>
               <a:buNone/>
             </a:pPr>
-            <a:r>
-              <a:rPr lang="en-US" dirty="0" smtClean="0"/>
-              <a:t>1. </a:t>
-            </a:r>
-            <a:r>
-              <a:rPr lang="en-US" dirty="0" err="1" smtClean="0"/>
-              <a:t>useState</a:t>
-            </a:r>
-            <a:endParaRPr lang="en-US" dirty="0"/>
+            <a:endParaRPr lang="en-US" b="1"/>
           </a:p>
         </p:txBody>
       </p:sp>
     </p:spTree>
     <p:extLst>
       <p:ext uri="{BB962C8B-B14F-4D97-AF65-F5344CB8AC3E}">
-        <p14:creationId xmlns:p14="http://schemas.microsoft.com/office/powerpoint/2010/main" val="2107021493"/>
+        <p14:creationId xmlns:p14="http://schemas.microsoft.com/office/powerpoint/2010/main" val="4022983786"/>
       </p:ext>
     </p:extLst>
   </p:cSld>
@@ -8430,4 +8366,265 @@
     </a:ext>
   </a:extLst>
 </a:theme>
+</file>
+
+<file path=ppt/theme/theme3.xml><?xml version="1.0" encoding="utf-8"?>
+<a:theme xmlns:a="http://schemas.openxmlformats.org/drawingml/2006/main" name="Office Theme">
+  <a:themeElements>
+    <a:clrScheme name="Office">
+      <a:dk1>
+        <a:sysClr val="windowText" lastClr="000000"/>
+      </a:dk1>
+      <a:lt1>
+        <a:sysClr val="window" lastClr="FFFFFF"/>
+      </a:lt1>
+      <a:dk2>
+        <a:srgbClr val="44546A"/>
+      </a:dk2>
+      <a:lt2>
+        <a:srgbClr val="E7E6E6"/>
+      </a:lt2>
+      <a:accent1>
+        <a:srgbClr val="5B9BD5"/>
+      </a:accent1>
+      <a:accent2>
+        <a:srgbClr val="ED7D31"/>
+      </a:accent2>
+      <a:accent3>
+        <a:srgbClr val="A5A5A5"/>
+      </a:accent3>
+      <a:accent4>
+        <a:srgbClr val="FFC000"/>
+      </a:accent4>
+      <a:accent5>
+        <a:srgbClr val="4472C4"/>
+      </a:accent5>
+      <a:accent6>
+        <a:srgbClr val="70AD47"/>
+      </a:accent6>
+      <a:hlink>
+        <a:srgbClr val="0563C1"/>
+      </a:hlink>
+      <a:folHlink>
+        <a:srgbClr val="954F72"/>
+      </a:folHlink>
+    </a:clrScheme>
+    <a:fontScheme name="Office">
+      <a:majorFont>
+        <a:latin typeface="Calibri Light" panose="020F0302020204030204"/>
+        <a:ea typeface=""/>
+        <a:cs typeface=""/>
+        <a:font script="Jpan" typeface="游ゴシック Light"/>
+        <a:font script="Hang" typeface="맑은 고딕"/>
+        <a:font script="Hans" typeface="等线 Light"/>
+        <a:font script="Hant" typeface="新細明體"/>
+        <a:font script="Arab" typeface="Times New Roman"/>
+        <a:font script="Hebr" typeface="Times New Roman"/>
+        <a:font script="Thai" typeface="Angsana New"/>
+        <a:font script="Ethi" typeface="Nyala"/>
+        <a:font script="Beng" typeface="Vrinda"/>
+        <a:font script="Gujr" typeface="Shruti"/>
+        <a:font script="Khmr" typeface="MoolBoran"/>
+        <a:font script="Knda" typeface="Tunga"/>
+        <a:font script="Guru" typeface="Raavi"/>
+        <a:font script="Cans" typeface="Euphemia"/>
+        <a:font script="Cher" typeface="Plantagenet Cherokee"/>
+        <a:font script="Yiii" typeface="Microsoft Yi Baiti"/>
+        <a:font script="Tibt" typeface="Microsoft Himalaya"/>
+        <a:font script="Thaa" typeface="MV Boli"/>
+        <a:font script="Deva" typeface="Mangal"/>
+        <a:font script="Telu" typeface="Gautami"/>
+        <a:font script="Taml" typeface="Latha"/>
+        <a:font script="Syrc" typeface="Estrangelo Edessa"/>
+        <a:font script="Orya" typeface="Kalinga"/>
+        <a:font script="Mlym" typeface="Kartika"/>
+        <a:font script="Laoo" typeface="DokChampa"/>
+        <a:font script="Sinh" typeface="Iskoola Pota"/>
+        <a:font script="Mong" typeface="Mongolian Baiti"/>
+        <a:font script="Viet" typeface="Times New Roman"/>
+        <a:font script="Uigh" typeface="Microsoft Uighur"/>
+        <a:font script="Geor" typeface="Sylfaen"/>
+      </a:majorFont>
+      <a:minorFont>
+        <a:latin typeface="Calibri" panose="020F0502020204030204"/>
+        <a:ea typeface=""/>
+        <a:cs typeface=""/>
+        <a:font script="Jpan" typeface="游ゴシック"/>
+        <a:font script="Hang" typeface="맑은 고딕"/>
+        <a:font script="Hans" typeface="等线"/>
+        <a:font script="Hant" typeface="新細明體"/>
+        <a:font script="Arab" typeface="Arial"/>
+        <a:font script="Hebr" typeface="Arial"/>
+        <a:font script="Thai" typeface="Cordia New"/>
+        <a:font script="Ethi" typeface="Nyala"/>
+        <a:font script="Beng" typeface="Vrinda"/>
+        <a:font script="Gujr" typeface="Shruti"/>
+        <a:font script="Khmr" typeface="DaunPenh"/>
+        <a:font script="Knda" typeface="Tunga"/>
+        <a:font script="Guru" typeface="Raavi"/>
+        <a:font script="Cans" typeface="Euphemia"/>
+        <a:font script="Cher" typeface="Plantagenet Cherokee"/>
+        <a:font script="Yiii" typeface="Microsoft Yi Baiti"/>
+        <a:font script="Tibt" typeface="Microsoft Himalaya"/>
+        <a:font script="Thaa" typeface="MV Boli"/>
+        <a:font script="Deva" typeface="Mangal"/>
+        <a:font script="Telu" typeface="Gautami"/>
+        <a:font script="Taml" typeface="Latha"/>
+        <a:font script="Syrc" typeface="Estrangelo Edessa"/>
+        <a:font script="Orya" typeface="Kalinga"/>
+        <a:font script="Mlym" typeface="Kartika"/>
+        <a:font script="Laoo" typeface="DokChampa"/>
+        <a:font script="Sinh" typeface="Iskoola Pota"/>
+        <a:font script="Mong" typeface="Mongolian Baiti"/>
+        <a:font script="Viet" typeface="Arial"/>
+        <a:font script="Uigh" typeface="Microsoft Uighur"/>
+        <a:font script="Geor" typeface="Sylfaen"/>
+      </a:minorFont>
+    </a:fontScheme>
+    <a:fmtScheme name="Office">
+      <a:fillStyleLst>
+        <a:solidFill>
+          <a:schemeClr val="phClr"/>
+        </a:solidFill>
+        <a:gradFill rotWithShape="1">
+          <a:gsLst>
+            <a:gs pos="0">
+              <a:schemeClr val="phClr">
+                <a:lumMod val="110000"/>
+                <a:satMod val="105000"/>
+                <a:tint val="67000"/>
+              </a:schemeClr>
+            </a:gs>
+            <a:gs pos="50000">
+              <a:schemeClr val="phClr">
+                <a:lumMod val="105000"/>
+                <a:satMod val="103000"/>
+                <a:tint val="73000"/>
+              </a:schemeClr>
+            </a:gs>
+            <a:gs pos="100000">
+              <a:schemeClr val="phClr">
+                <a:lumMod val="105000"/>
+                <a:satMod val="109000"/>
+                <a:tint val="81000"/>
+              </a:schemeClr>
+            </a:gs>
+          </a:gsLst>
+          <a:lin ang="5400000" scaled="0"/>
+        </a:gradFill>
+        <a:gradFill rotWithShape="1">
+          <a:gsLst>
+            <a:gs pos="0">
+              <a:schemeClr val="phClr">
+                <a:satMod val="103000"/>
+                <a:lumMod val="102000"/>
+                <a:tint val="94000"/>
+              </a:schemeClr>
+            </a:gs>
+            <a:gs pos="50000">
+              <a:schemeClr val="phClr">
+                <a:satMod val="110000"/>
+                <a:lumMod val="100000"/>
+                <a:shade val="100000"/>
+              </a:schemeClr>
+            </a:gs>
+            <a:gs pos="100000">
+              <a:schemeClr val="phClr">
+                <a:lumMod val="99000"/>
+                <a:satMod val="120000"/>
+                <a:shade val="78000"/>
+              </a:schemeClr>
+            </a:gs>
+          </a:gsLst>
+          <a:lin ang="5400000" scaled="0"/>
+        </a:gradFill>
+      </a:fillStyleLst>
+      <a:lnStyleLst>
+        <a:ln w="6350" cap="flat" cmpd="sng" algn="ctr">
+          <a:solidFill>
+            <a:schemeClr val="phClr"/>
+          </a:solidFill>
+          <a:prstDash val="solid"/>
+          <a:miter lim="800000"/>
+        </a:ln>
+        <a:ln w="12700" cap="flat" cmpd="sng" algn="ctr">
+          <a:solidFill>
+            <a:schemeClr val="phClr"/>
+          </a:solidFill>
+          <a:prstDash val="solid"/>
+          <a:miter lim="800000"/>
+        </a:ln>
+        <a:ln w="19050" cap="flat" cmpd="sng" algn="ctr">
+          <a:solidFill>
+            <a:schemeClr val="phClr"/>
+          </a:solidFill>
+          <a:prstDash val="solid"/>
+          <a:miter lim="800000"/>
+        </a:ln>
+      </a:lnStyleLst>
+      <a:effectStyleLst>
+        <a:effectStyle>
+          <a:effectLst/>
+        </a:effectStyle>
+        <a:effectStyle>
+          <a:effectLst/>
+        </a:effectStyle>
+        <a:effectStyle>
+          <a:effectLst>
+            <a:outerShdw blurRad="57150" dist="19050" dir="5400000" algn="ctr" rotWithShape="0">
+              <a:srgbClr val="000000">
+                <a:alpha val="63000"/>
+              </a:srgbClr>
+            </a:outerShdw>
+          </a:effectLst>
+        </a:effectStyle>
+      </a:effectStyleLst>
+      <a:bgFillStyleLst>
+        <a:solidFill>
+          <a:schemeClr val="phClr"/>
+        </a:solidFill>
+        <a:solidFill>
+          <a:schemeClr val="phClr">
+            <a:tint val="95000"/>
+            <a:satMod val="170000"/>
+          </a:schemeClr>
+        </a:solidFill>
+        <a:gradFill rotWithShape="1">
+          <a:gsLst>
+            <a:gs pos="0">
+              <a:schemeClr val="phClr">
+                <a:tint val="93000"/>
+                <a:satMod val="150000"/>
+                <a:shade val="98000"/>
+                <a:lumMod val="102000"/>
+              </a:schemeClr>
+            </a:gs>
+            <a:gs pos="50000">
+              <a:schemeClr val="phClr">
+                <a:tint val="98000"/>
+                <a:satMod val="130000"/>
+                <a:shade val="90000"/>
+                <a:lumMod val="103000"/>
+              </a:schemeClr>
+            </a:gs>
+            <a:gs pos="100000">
+              <a:schemeClr val="phClr">
+                <a:shade val="63000"/>
+                <a:satMod val="120000"/>
+              </a:schemeClr>
+            </a:gs>
+          </a:gsLst>
+          <a:lin ang="5400000" scaled="0"/>
+        </a:gradFill>
+      </a:bgFillStyleLst>
+    </a:fmtScheme>
+  </a:themeElements>
+  <a:objectDefaults/>
+  <a:extraClrSchemeLst/>
+  <a:extLst>
+    <a:ext uri="{05A4C25C-085E-4340-85A3-A5531E510DB2}">
+      <thm15:themeFamily xmlns:thm15="http://schemas.microsoft.com/office/thememl/2012/main" name="Office Theme" id="{62F939B6-93AF-4DB8-9C6B-D6C7DFDC589F}" vid="{4A3C46E8-61CC-4603-A589-7422A47A8E4A}"/>
+    </a:ext>
+  </a:extLst>
+</a:theme>
 </file>
--- a/ReactHooks.pptx
+++ b/ReactHooks.pptx
@@ -5,10 +5,10 @@
     <p:sldMasterId id="2147483648" r:id="rId1"/>
   </p:sldMasterIdLst>
   <p:notesMasterIdLst>
-    <p:notesMasterId r:id="rId12"/>
+    <p:notesMasterId r:id="rId14"/>
   </p:notesMasterIdLst>
   <p:handoutMasterIdLst>
-    <p:handoutMasterId r:id="rId13"/>
+    <p:handoutMasterId r:id="rId15"/>
   </p:handoutMasterIdLst>
   <p:sldIdLst>
     <p:sldId id="269" r:id="rId2"/>
@@ -16,11 +16,13 @@
     <p:sldId id="257" r:id="rId4"/>
     <p:sldId id="258" r:id="rId5"/>
     <p:sldId id="270" r:id="rId6"/>
-    <p:sldId id="261" r:id="rId7"/>
-    <p:sldId id="262" r:id="rId8"/>
-    <p:sldId id="264" r:id="rId9"/>
-    <p:sldId id="265" r:id="rId10"/>
-    <p:sldId id="266" r:id="rId11"/>
+    <p:sldId id="272" r:id="rId7"/>
+    <p:sldId id="273" r:id="rId8"/>
+    <p:sldId id="261" r:id="rId9"/>
+    <p:sldId id="262" r:id="rId10"/>
+    <p:sldId id="264" r:id="rId11"/>
+    <p:sldId id="265" r:id="rId12"/>
+    <p:sldId id="266" r:id="rId13"/>
   </p:sldIdLst>
   <p:sldSz cx="12192000" cy="6858000"/>
   <p:notesSz cx="6858000" cy="9144000"/>
@@ -209,7 +211,7 @@
           <a:p>
             <a:fld id="{9178D1A1-91A7-4B77-A692-87D3F8B9A420}" type="datetimeFigureOut">
               <a:rPr lang="en-US" smtClean="0"/>
-              <a:t>5/9/2019</a:t>
+              <a:t>5/10/2019</a:t>
             </a:fld>
             <a:endParaRPr lang="en-US"/>
           </a:p>
@@ -375,7 +377,7 @@
           <a:p>
             <a:fld id="{B4948491-EFE7-41DA-B945-73D2DFE774B9}" type="datetimeFigureOut">
               <a:rPr lang="en-US" smtClean="0"/>
-              <a:t>5/9/2019</a:t>
+              <a:t>5/10/2019</a:t>
             </a:fld>
             <a:endParaRPr lang="en-US"/>
           </a:p>
@@ -758,6 +760,248 @@
 </p:notes>
 </file>
 
+<file path=ppt/notesSlides/notesSlide10.xml><?xml version="1.0" encoding="utf-8"?>
+<p:notes xmlns:a="http://schemas.openxmlformats.org/drawingml/2006/main" xmlns:r="http://schemas.openxmlformats.org/officeDocument/2006/relationships" xmlns:p="http://schemas.openxmlformats.org/presentationml/2006/main">
+  <p:cSld>
+    <p:spTree>
+      <p:nvGrpSpPr>
+        <p:cNvPr id="1" name=""/>
+        <p:cNvGrpSpPr/>
+        <p:nvPr/>
+      </p:nvGrpSpPr>
+      <p:grpSpPr>
+        <a:xfrm>
+          <a:off x="0" y="0"/>
+          <a:ext cx="0" cy="0"/>
+          <a:chOff x="0" y="0"/>
+          <a:chExt cx="0" cy="0"/>
+        </a:xfrm>
+      </p:grpSpPr>
+      <p:sp>
+        <p:nvSpPr>
+          <p:cNvPr id="2" name="Slide Image Placeholder 1"/>
+          <p:cNvSpPr>
+            <a:spLocks noGrp="1" noRot="1" noChangeAspect="1"/>
+          </p:cNvSpPr>
+          <p:nvPr>
+            <p:ph type="sldImg"/>
+          </p:nvPr>
+        </p:nvSpPr>
+        <p:spPr/>
+      </p:sp>
+      <p:sp>
+        <p:nvSpPr>
+          <p:cNvPr id="3" name="Notes Placeholder 2"/>
+          <p:cNvSpPr>
+            <a:spLocks noGrp="1"/>
+          </p:cNvSpPr>
+          <p:nvPr>
+            <p:ph type="body" idx="1"/>
+          </p:nvPr>
+        </p:nvSpPr>
+        <p:spPr/>
+        <p:txBody>
+          <a:bodyPr/>
+          <a:lstStyle/>
+          <a:p>
+            <a:pPr marL="0" marR="0" lvl="0" indent="0" algn="l" defTabSz="914400" rtl="0" eaLnBrk="1" fontAlgn="auto" latinLnBrk="0" hangingPunct="1">
+              <a:lnSpc>
+                <a:spcPct val="100000"/>
+              </a:lnSpc>
+              <a:spcBef>
+                <a:spcPts val="0"/>
+              </a:spcBef>
+              <a:spcAft>
+                <a:spcPts val="0"/>
+              </a:spcAft>
+              <a:buClrTx/>
+              <a:buSzTx/>
+              <a:buFontTx/>
+              <a:buNone/>
+              <a:tabLst/>
+              <a:defRPr/>
+            </a:pPr>
+            <a:r>
+              <a:rPr lang="en-US" smtClean="0"/>
+              <a:t>Combine</a:t>
+            </a:r>
+            <a:r>
+              <a:rPr lang="en-US" baseline="0" smtClean="0"/>
+              <a:t> with where questions.</a:t>
+            </a:r>
+          </a:p>
+          <a:p>
+            <a:pPr marL="0" marR="0" lvl="0" indent="0" algn="l" defTabSz="914400" rtl="0" eaLnBrk="1" fontAlgn="auto" latinLnBrk="0" hangingPunct="1">
+              <a:lnSpc>
+                <a:spcPct val="100000"/>
+              </a:lnSpc>
+              <a:spcBef>
+                <a:spcPts val="0"/>
+              </a:spcBef>
+              <a:spcAft>
+                <a:spcPts val="0"/>
+              </a:spcAft>
+              <a:buClrTx/>
+              <a:buSzTx/>
+              <a:buFontTx/>
+              <a:buNone/>
+              <a:tabLst/>
+              <a:defRPr/>
+            </a:pPr>
+            <a:endParaRPr lang="en-US" smtClean="0"/>
+          </a:p>
+          <a:p>
+            <a:pPr marL="228600" marR="0" lvl="0" indent="-228600" algn="l" defTabSz="914400" rtl="0" eaLnBrk="1" fontAlgn="auto" latinLnBrk="0" hangingPunct="1">
+              <a:lnSpc>
+                <a:spcPct val="100000"/>
+              </a:lnSpc>
+              <a:spcBef>
+                <a:spcPts val="0"/>
+              </a:spcBef>
+              <a:spcAft>
+                <a:spcPts val="0"/>
+              </a:spcAft>
+              <a:buClrTx/>
+              <a:buSzTx/>
+              <a:buFontTx/>
+              <a:buAutoNum type="alphaLcPeriod"/>
+              <a:tabLst/>
+              <a:defRPr/>
+            </a:pPr>
+            <a:r>
+              <a:rPr lang="en-US" baseline="0" smtClean="0"/>
+              <a:t>Rules of hooks:</a:t>
+            </a:r>
+            <a:br>
+              <a:rPr lang="en-US" baseline="0" smtClean="0"/>
+            </a:br>
+            <a:r>
+              <a:rPr lang="en-US" baseline="0" smtClean="0"/>
+              <a:t>- </a:t>
+            </a:r>
+            <a:r>
+              <a:rPr lang="en-US" sz="1200" b="0" i="0" kern="1200" smtClean="0">
+                <a:solidFill>
+                  <a:schemeClr val="tx1"/>
+                </a:solidFill>
+                <a:effectLst/>
+                <a:latin typeface="+mn-lt"/>
+                <a:ea typeface="+mn-ea"/>
+                <a:cs typeface="+mn-cs"/>
+              </a:rPr>
+              <a:t>Ensure that Hooks are called in the same order each time a component renders. </a:t>
+            </a:r>
+            <a:r>
+              <a:rPr lang="en-US" baseline="0" smtClean="0"/>
+              <a:t>Make Hooks preserve the state of Hooks between multiple </a:t>
+            </a:r>
+            <a:r>
+              <a:rPr lang="en-US" i="1" baseline="0" err="1" smtClean="0"/>
+              <a:t>useState</a:t>
+            </a:r>
+            <a:r>
+              <a:rPr lang="en-US" i="0" baseline="0" smtClean="0"/>
+              <a:t> and </a:t>
+            </a:r>
+            <a:r>
+              <a:rPr lang="en-US" i="1" baseline="0" err="1" smtClean="0"/>
+              <a:t>useEffect</a:t>
+            </a:r>
+            <a:r>
+              <a:rPr lang="en-US" i="0" baseline="0" smtClean="0"/>
+              <a:t>.</a:t>
+            </a:r>
+            <a:br>
+              <a:rPr lang="en-US" i="0" baseline="0" smtClean="0"/>
+            </a:br>
+            <a:r>
+              <a:rPr lang="en-US" i="0" baseline="0" smtClean="0"/>
+              <a:t>- Regular </a:t>
+            </a:r>
+            <a:r>
+              <a:rPr lang="en-US" i="0" baseline="0" err="1" smtClean="0"/>
+              <a:t>Js</a:t>
+            </a:r>
+            <a:r>
+              <a:rPr lang="en-US" i="0" baseline="0" smtClean="0"/>
+              <a:t> functions: ajax …. This rule</a:t>
+            </a:r>
+            <a:r>
+              <a:rPr lang="en-US" sz="1200" b="0" i="0" kern="1200" smtClean="0">
+                <a:solidFill>
+                  <a:schemeClr val="tx1"/>
+                </a:solidFill>
+                <a:effectLst/>
+                <a:latin typeface="+mn-lt"/>
+                <a:ea typeface="+mn-ea"/>
+                <a:cs typeface="+mn-cs"/>
+              </a:rPr>
+              <a:t> ensure that all </a:t>
+            </a:r>
+            <a:r>
+              <a:rPr lang="en-US" sz="1200" b="0" i="0" kern="1200" err="1" smtClean="0">
+                <a:solidFill>
+                  <a:schemeClr val="tx1"/>
+                </a:solidFill>
+                <a:effectLst/>
+                <a:latin typeface="+mn-lt"/>
+                <a:ea typeface="+mn-ea"/>
+                <a:cs typeface="+mn-cs"/>
+              </a:rPr>
+              <a:t>stateful</a:t>
+            </a:r>
+            <a:r>
+              <a:rPr lang="en-US" sz="1200" b="0" i="0" kern="1200" smtClean="0">
+                <a:solidFill>
+                  <a:schemeClr val="tx1"/>
+                </a:solidFill>
+                <a:effectLst/>
+                <a:latin typeface="+mn-lt"/>
+                <a:ea typeface="+mn-ea"/>
+                <a:cs typeface="+mn-cs"/>
+              </a:rPr>
+              <a:t> logic in a component is clearly visible from its source code.</a:t>
+            </a:r>
+            <a:endParaRPr lang="en-US" baseline="0" smtClean="0"/>
+          </a:p>
+        </p:txBody>
+      </p:sp>
+      <p:sp>
+        <p:nvSpPr>
+          <p:cNvPr id="5" name="Slide Number Placeholder 4"/>
+          <p:cNvSpPr>
+            <a:spLocks noGrp="1"/>
+          </p:cNvSpPr>
+          <p:nvPr>
+            <p:ph type="sldNum" sz="quarter" idx="10"/>
+          </p:nvPr>
+        </p:nvSpPr>
+        <p:spPr/>
+        <p:txBody>
+          <a:bodyPr/>
+          <a:lstStyle/>
+          <a:p>
+            <a:fld id="{FBF31ECA-FEBF-416A-9457-D684578178CB}" type="slidenum">
+              <a:rPr lang="en-US" smtClean="0"/>
+              <a:t>12</a:t>
+            </a:fld>
+            <a:endParaRPr lang="en-US"/>
+          </a:p>
+        </p:txBody>
+      </p:sp>
+    </p:spTree>
+    <p:extLst>
+      <p:ext uri="{BB962C8B-B14F-4D97-AF65-F5344CB8AC3E}">
+        <p14:creationId xmlns:p14="http://schemas.microsoft.com/office/powerpoint/2010/main" val="2969476635"/>
+      </p:ext>
+    </p:extLst>
+  </p:cSld>
+  <p:clrMapOvr>
+    <a:masterClrMapping/>
+  </p:clrMapOvr>
+</p:notes>
+</file>
+
 <file path=ppt/notesSlides/notesSlide2.xml><?xml version="1.0" encoding="utf-8"?>
 <p:notes xmlns:a="http://schemas.openxmlformats.org/drawingml/2006/main" xmlns:r="http://schemas.openxmlformats.org/officeDocument/2006/relationships" xmlns:p="http://schemas.openxmlformats.org/presentationml/2006/main">
   <p:cSld>
@@ -927,11 +1171,7 @@
             </a:r>
             <a:r>
               <a:rPr lang="en-US" sz="1200" smtClean="0"/>
-              <a:t> features without classes</a:t>
-            </a:r>
-            <a:r>
-              <a:rPr lang="en-US" sz="1200" smtClean="0"/>
-              <a:t>.</a:t>
+              <a:t> features without classes.</a:t>
             </a:r>
           </a:p>
           <a:p>
@@ -1182,11 +1422,7 @@
             </a:r>
             <a:r>
               <a:rPr lang="en-US" sz="1200" smtClean="0"/>
-              <a:t> features without classes</a:t>
-            </a:r>
-            <a:r>
-              <a:rPr lang="en-US" sz="1200" smtClean="0"/>
-              <a:t>.</a:t>
+              <a:t> features without classes.</a:t>
             </a:r>
           </a:p>
           <a:p>
@@ -1329,6 +1565,156 @@
               <a:tabLst/>
               <a:defRPr/>
             </a:pPr>
+            <a:r>
+              <a:rPr lang="en-US" smtClean="0"/>
+              <a:t>- </a:t>
+            </a:r>
+            <a:r>
+              <a:rPr lang="en-US" sz="1200" smtClean="0"/>
+              <a:t>Require you to restructure your components.</a:t>
+            </a:r>
+            <a:br>
+              <a:rPr lang="en-US" sz="1200" smtClean="0"/>
+            </a:br>
+            <a:r>
+              <a:rPr lang="en-US" sz="1200" smtClean="0"/>
+              <a:t>- Cumbersome, code hard to follow.</a:t>
+            </a:r>
+            <a:br>
+              <a:rPr lang="en-US" sz="1200" smtClean="0"/>
+            </a:br>
+            <a:r>
+              <a:rPr lang="en-US" sz="1200" smtClean="0"/>
+              <a:t>- With Hooks, Can be tested independently and reused</a:t>
+            </a:r>
+            <a:r>
+              <a:rPr lang="en-US" smtClean="0"/>
+              <a:t>. </a:t>
+            </a:r>
+          </a:p>
+          <a:p>
+            <a:pPr marL="0" marR="0" lvl="0" indent="0" algn="l" defTabSz="914400" rtl="0" eaLnBrk="1" fontAlgn="auto" latinLnBrk="0" hangingPunct="1">
+              <a:lnSpc>
+                <a:spcPct val="100000"/>
+              </a:lnSpc>
+              <a:spcBef>
+                <a:spcPts val="0"/>
+              </a:spcBef>
+              <a:spcAft>
+                <a:spcPts val="0"/>
+              </a:spcAft>
+              <a:buClrTx/>
+              <a:buSzTx/>
+              <a:buFontTx/>
+              <a:buNone/>
+              <a:tabLst/>
+              <a:defRPr/>
+            </a:pPr>
+            <a:endParaRPr lang="en-US" sz="1200" smtClean="0"/>
+          </a:p>
+          <a:p>
+            <a:pPr marL="0" marR="0" lvl="0" indent="0" algn="l" defTabSz="914400" rtl="0" eaLnBrk="1" fontAlgn="auto" latinLnBrk="0" hangingPunct="1">
+              <a:lnSpc>
+                <a:spcPct val="100000"/>
+              </a:lnSpc>
+              <a:spcBef>
+                <a:spcPts val="0"/>
+              </a:spcBef>
+              <a:spcAft>
+                <a:spcPts val="0"/>
+              </a:spcAft>
+              <a:buClrTx/>
+              <a:buSzTx/>
+              <a:buFontTx/>
+              <a:buNone/>
+              <a:tabLst/>
+              <a:defRPr/>
+            </a:pPr>
+            <a:r>
+              <a:rPr lang="en-US" sz="1200" smtClean="0"/>
+              <a:t>- Hooks let you split one component into smaller functions based on what pieces are related (such as setting up a subscription or fetching data)</a:t>
+            </a:r>
+            <a:br>
+              <a:rPr lang="en-US" sz="1200" smtClean="0"/>
+            </a:br>
+            <a:endParaRPr lang="en-US" sz="1200" smtClean="0"/>
+          </a:p>
+          <a:p>
+            <a:pPr marL="171450" indent="-171450">
+              <a:buFontTx/>
+              <a:buChar char="-"/>
+            </a:pPr>
+            <a:r>
+              <a:rPr lang="en-US" smtClean="0"/>
+              <a:t>How </a:t>
+            </a:r>
+            <a:r>
+              <a:rPr lang="en-US" i="1" smtClean="0"/>
+              <a:t>this</a:t>
+            </a:r>
+            <a:r>
+              <a:rPr lang="en-US" smtClean="0"/>
+              <a:t> works, remember bind the event handlers…</a:t>
+            </a:r>
+            <a:r>
+              <a:rPr lang="en-US" b="1" smtClean="0"/>
+              <a:t/>
+            </a:r>
+            <a:br>
+              <a:rPr lang="en-US" b="1" smtClean="0"/>
+            </a:br>
+            <a:r>
+              <a:rPr lang="en-US" sz="1200" smtClean="0"/>
+              <a:t>- Hooks let you use more of </a:t>
+            </a:r>
+            <a:r>
+              <a:rPr lang="en-US" sz="1200" err="1" smtClean="0"/>
+              <a:t>React’s</a:t>
+            </a:r>
+            <a:r>
+              <a:rPr lang="en-US" sz="1200" smtClean="0"/>
+              <a:t> features without classes.</a:t>
+            </a:r>
+          </a:p>
+          <a:p>
+            <a:pPr>
+              <a:lnSpc>
+                <a:spcPct val="150000"/>
+              </a:lnSpc>
+            </a:pPr>
+            <a:r>
+              <a:rPr lang="en-US" smtClean="0"/>
+              <a:t>Class is hard to Reuse stateful logic between components.</a:t>
+            </a:r>
+          </a:p>
+          <a:p>
+            <a:pPr>
+              <a:lnSpc>
+                <a:spcPct val="150000"/>
+              </a:lnSpc>
+            </a:pPr>
+            <a:r>
+              <a:rPr lang="en-US" smtClean="0"/>
+              <a:t>Complex components become hard to understand.</a:t>
+            </a:r>
+          </a:p>
+          <a:p>
+            <a:pPr>
+              <a:lnSpc>
+                <a:spcPct val="150000"/>
+              </a:lnSpc>
+            </a:pPr>
+            <a:r>
+              <a:rPr lang="en-US" smtClean="0"/>
+              <a:t>Classes confuse both people and machines.</a:t>
+            </a:r>
+            <a:endParaRPr lang="en-US" sz="1100" smtClean="0"/>
+          </a:p>
+          <a:p>
+            <a:pPr marL="171450" indent="-171450">
+              <a:buFontTx/>
+              <a:buChar char="-"/>
+            </a:pPr>
             <a:endParaRPr lang="en-US"/>
           </a:p>
         </p:txBody>
@@ -1359,7 +1745,7 @@
     </p:spTree>
     <p:extLst>
       <p:ext uri="{BB962C8B-B14F-4D97-AF65-F5344CB8AC3E}">
-        <p14:creationId xmlns:p14="http://schemas.microsoft.com/office/powerpoint/2010/main" val="2668052865"/>
+        <p14:creationId xmlns:p14="http://schemas.microsoft.com/office/powerpoint/2010/main" val="1615583293"/>
       </p:ext>
     </p:extLst>
   </p:cSld>
@@ -1432,11 +1818,29 @@
             </a:pPr>
             <a:r>
               <a:rPr lang="en-US" smtClean="0"/>
-              <a:t>Combine</a:t>
-            </a:r>
-            <a:r>
-              <a:rPr lang="en-US" baseline="0" smtClean="0"/>
-              <a:t> with where questions.</a:t>
+              <a:t>- </a:t>
+            </a:r>
+            <a:r>
+              <a:rPr lang="en-US" sz="1200" smtClean="0"/>
+              <a:t>Require you to restructure your components.</a:t>
+            </a:r>
+            <a:br>
+              <a:rPr lang="en-US" sz="1200" smtClean="0"/>
+            </a:br>
+            <a:r>
+              <a:rPr lang="en-US" sz="1200" smtClean="0"/>
+              <a:t>- Cumbersome, code hard to follow.</a:t>
+            </a:r>
+            <a:br>
+              <a:rPr lang="en-US" sz="1200" smtClean="0"/>
+            </a:br>
+            <a:r>
+              <a:rPr lang="en-US" sz="1200" smtClean="0"/>
+              <a:t>- With Hooks, Can be tested independently and reused</a:t>
+            </a:r>
+            <a:r>
+              <a:rPr lang="en-US" smtClean="0"/>
+              <a:t>. </a:t>
             </a:r>
           </a:p>
           <a:p>
@@ -1457,10 +1861,10 @@
               <a:tabLst/>
               <a:defRPr/>
             </a:pPr>
-            <a:endParaRPr lang="en-US" smtClean="0"/>
-          </a:p>
-          <a:p>
-            <a:pPr marL="228600" marR="0" lvl="0" indent="-228600" algn="l" defTabSz="914400" rtl="0" eaLnBrk="1" fontAlgn="auto" latinLnBrk="0" hangingPunct="1">
+            <a:endParaRPr lang="en-US" sz="1200" smtClean="0"/>
+          </a:p>
+          <a:p>
+            <a:pPr marL="0" marR="0" lvl="0" indent="0" algn="l" defTabSz="914400" rtl="0" eaLnBrk="1" fontAlgn="auto" latinLnBrk="0" hangingPunct="1">
               <a:lnSpc>
                 <a:spcPct val="100000"/>
               </a:lnSpc>
@@ -1473,105 +1877,96 @@
               <a:buClrTx/>
               <a:buSzTx/>
               <a:buFontTx/>
-              <a:buAutoNum type="alphaLcPeriod"/>
+              <a:buNone/>
               <a:tabLst/>
               <a:defRPr/>
             </a:pPr>
             <a:r>
-              <a:rPr lang="en-US" baseline="0" smtClean="0"/>
-              <a:t>Rules of hooks:</a:t>
+              <a:rPr lang="en-US" sz="1200" smtClean="0"/>
+              <a:t>- Hooks let you split one component into smaller functions based on what pieces are related (such as setting up a subscription or fetching data)</a:t>
             </a:r>
             <a:br>
-              <a:rPr lang="en-US" baseline="0" smtClean="0"/>
+              <a:rPr lang="en-US" sz="1200" smtClean="0"/>
             </a:br>
-            <a:r>
-              <a:rPr lang="en-US" baseline="0" smtClean="0"/>
-              <a:t>- </a:t>
-            </a:r>
-            <a:r>
-              <a:rPr lang="en-US" sz="1200" b="0" i="0" kern="1200" smtClean="0">
-                <a:solidFill>
-                  <a:schemeClr val="tx1"/>
-                </a:solidFill>
-                <a:effectLst/>
-                <a:latin typeface="+mn-lt"/>
-                <a:ea typeface="+mn-ea"/>
-                <a:cs typeface="+mn-cs"/>
-              </a:rPr>
-              <a:t>Ensure that Hooks are called in the same order each time a component renders. </a:t>
-            </a:r>
-            <a:r>
-              <a:rPr lang="en-US" baseline="0" smtClean="0"/>
-              <a:t>Make Hooks preserve the state of Hooks between multiple </a:t>
-            </a:r>
-            <a:r>
-              <a:rPr lang="en-US" i="1" baseline="0" err="1" smtClean="0"/>
-              <a:t>useState</a:t>
-            </a:r>
-            <a:r>
-              <a:rPr lang="en-US" i="0" baseline="0" smtClean="0"/>
-              <a:t> and </a:t>
-            </a:r>
-            <a:r>
-              <a:rPr lang="en-US" i="1" baseline="0" err="1" smtClean="0"/>
-              <a:t>useEffect</a:t>
-            </a:r>
-            <a:r>
-              <a:rPr lang="en-US" i="0" baseline="0" smtClean="0"/>
-              <a:t>.</a:t>
+            <a:endParaRPr lang="en-US" sz="1200" smtClean="0"/>
+          </a:p>
+          <a:p>
+            <a:pPr marL="171450" indent="-171450">
+              <a:buFontTx/>
+              <a:buChar char="-"/>
+            </a:pPr>
+            <a:r>
+              <a:rPr lang="en-US" smtClean="0"/>
+              <a:t>How </a:t>
+            </a:r>
+            <a:r>
+              <a:rPr lang="en-US" i="1" smtClean="0"/>
+              <a:t>this</a:t>
+            </a:r>
+            <a:r>
+              <a:rPr lang="en-US" smtClean="0"/>
+              <a:t> works, remember bind the event handlers…</a:t>
+            </a:r>
+            <a:r>
+              <a:rPr lang="en-US" b="1" smtClean="0"/>
+              <a:t/>
             </a:r>
             <a:br>
-              <a:rPr lang="en-US" i="0" baseline="0" smtClean="0"/>
+              <a:rPr lang="en-US" b="1" smtClean="0"/>
             </a:br>
             <a:r>
-              <a:rPr lang="en-US" i="0" baseline="0" smtClean="0"/>
-              <a:t>- Regular </a:t>
-            </a:r>
-            <a:r>
-              <a:rPr lang="en-US" i="0" baseline="0" err="1" smtClean="0"/>
-              <a:t>Js</a:t>
-            </a:r>
-            <a:r>
-              <a:rPr lang="en-US" i="0" baseline="0" smtClean="0"/>
-              <a:t> functions: ajax …. This rule</a:t>
-            </a:r>
-            <a:r>
-              <a:rPr lang="en-US" sz="1200" b="0" i="0" kern="1200" smtClean="0">
-                <a:solidFill>
-                  <a:schemeClr val="tx1"/>
-                </a:solidFill>
-                <a:effectLst/>
-                <a:latin typeface="+mn-lt"/>
-                <a:ea typeface="+mn-ea"/>
-                <a:cs typeface="+mn-cs"/>
-              </a:rPr>
-              <a:t> ensure that all </a:t>
-            </a:r>
-            <a:r>
-              <a:rPr lang="en-US" sz="1200" b="0" i="0" kern="1200" err="1" smtClean="0">
-                <a:solidFill>
-                  <a:schemeClr val="tx1"/>
-                </a:solidFill>
-                <a:effectLst/>
-                <a:latin typeface="+mn-lt"/>
-                <a:ea typeface="+mn-ea"/>
-                <a:cs typeface="+mn-cs"/>
-              </a:rPr>
-              <a:t>stateful</a:t>
-            </a:r>
-            <a:r>
-              <a:rPr lang="en-US" sz="1200" b="0" i="0" kern="1200" smtClean="0">
-                <a:solidFill>
-                  <a:schemeClr val="tx1"/>
-                </a:solidFill>
-                <a:effectLst/>
-                <a:latin typeface="+mn-lt"/>
-                <a:ea typeface="+mn-ea"/>
-                <a:cs typeface="+mn-cs"/>
-              </a:rPr>
-              <a:t> logic in a component is clearly visible from its source code.</a:t>
-            </a:r>
-            <a:endParaRPr lang="en-US" baseline="0" smtClean="0"/>
+              <a:rPr lang="en-US" sz="1200" smtClean="0"/>
+              <a:t>- Hooks let you use more of </a:t>
+            </a:r>
+            <a:r>
+              <a:rPr lang="en-US" sz="1200" err="1" smtClean="0"/>
+              <a:t>React’s</a:t>
+            </a:r>
+            <a:r>
+              <a:rPr lang="en-US" sz="1200" smtClean="0"/>
+              <a:t> features without classes.</a:t>
+            </a:r>
+          </a:p>
+          <a:p>
+            <a:pPr>
+              <a:lnSpc>
+                <a:spcPct val="150000"/>
+              </a:lnSpc>
+            </a:pPr>
+            <a:r>
+              <a:rPr lang="en-US" smtClean="0"/>
+              <a:t>Class is hard to Reuse stateful logic between components.</a:t>
+            </a:r>
+          </a:p>
+          <a:p>
+            <a:pPr>
+              <a:lnSpc>
+                <a:spcPct val="150000"/>
+              </a:lnSpc>
+            </a:pPr>
+            <a:r>
+              <a:rPr lang="en-US" smtClean="0"/>
+              <a:t>Complex components become hard to understand.</a:t>
+            </a:r>
+          </a:p>
+          <a:p>
+            <a:pPr>
+              <a:lnSpc>
+                <a:spcPct val="150000"/>
+              </a:lnSpc>
+            </a:pPr>
+            <a:r>
+              <a:rPr lang="en-US" smtClean="0"/>
+              <a:t>Classes confuse both people and machines.</a:t>
+            </a:r>
+            <a:endParaRPr lang="en-US" sz="1100" smtClean="0"/>
+          </a:p>
+          <a:p>
+            <a:pPr marL="171450" indent="-171450">
+              <a:buFontTx/>
+              <a:buChar char="-"/>
+            </a:pPr>
+            <a:endParaRPr lang="en-US"/>
           </a:p>
         </p:txBody>
       </p:sp>
@@ -1601,7 +1996,7 @@
     </p:spTree>
     <p:extLst>
       <p:ext uri="{BB962C8B-B14F-4D97-AF65-F5344CB8AC3E}">
-        <p14:creationId xmlns:p14="http://schemas.microsoft.com/office/powerpoint/2010/main" val="882481392"/>
+        <p14:creationId xmlns:p14="http://schemas.microsoft.com/office/powerpoint/2010/main" val="3854836216"/>
       </p:ext>
     </p:extLst>
   </p:cSld>
@@ -1672,148 +2067,7 @@
               <a:tabLst/>
               <a:defRPr/>
             </a:pPr>
-            <a:r>
-              <a:rPr lang="en-US" smtClean="0"/>
-              <a:t>Combine</a:t>
-            </a:r>
-            <a:r>
-              <a:rPr lang="en-US" baseline="0" smtClean="0"/>
-              <a:t> with where questions.</a:t>
-            </a:r>
-          </a:p>
-          <a:p>
-            <a:pPr marL="0" marR="0" lvl="0" indent="0" algn="l" defTabSz="914400" rtl="0" eaLnBrk="1" fontAlgn="auto" latinLnBrk="0" hangingPunct="1">
-              <a:lnSpc>
-                <a:spcPct val="100000"/>
-              </a:lnSpc>
-              <a:spcBef>
-                <a:spcPts val="0"/>
-              </a:spcBef>
-              <a:spcAft>
-                <a:spcPts val="0"/>
-              </a:spcAft>
-              <a:buClrTx/>
-              <a:buSzTx/>
-              <a:buFontTx/>
-              <a:buNone/>
-              <a:tabLst/>
-              <a:defRPr/>
-            </a:pPr>
-            <a:endParaRPr lang="en-US" smtClean="0"/>
-          </a:p>
-          <a:p>
-            <a:pPr marL="228600" marR="0" lvl="0" indent="-228600" algn="l" defTabSz="914400" rtl="0" eaLnBrk="1" fontAlgn="auto" latinLnBrk="0" hangingPunct="1">
-              <a:lnSpc>
-                <a:spcPct val="100000"/>
-              </a:lnSpc>
-              <a:spcBef>
-                <a:spcPts val="0"/>
-              </a:spcBef>
-              <a:spcAft>
-                <a:spcPts val="0"/>
-              </a:spcAft>
-              <a:buClrTx/>
-              <a:buSzTx/>
-              <a:buFontTx/>
-              <a:buAutoNum type="alphaLcPeriod"/>
-              <a:tabLst/>
-              <a:defRPr/>
-            </a:pPr>
-            <a:r>
-              <a:rPr lang="en-US" baseline="0" smtClean="0"/>
-              <a:t>Rules of hooks:</a:t>
-            </a:r>
-            <a:br>
-              <a:rPr lang="en-US" baseline="0" smtClean="0"/>
-            </a:br>
-            <a:r>
-              <a:rPr lang="en-US" baseline="0" smtClean="0"/>
-              <a:t>- </a:t>
-            </a:r>
-            <a:r>
-              <a:rPr lang="en-US" sz="1200" b="0" i="0" kern="1200" smtClean="0">
-                <a:solidFill>
-                  <a:schemeClr val="tx1"/>
-                </a:solidFill>
-                <a:effectLst/>
-                <a:latin typeface="+mn-lt"/>
-                <a:ea typeface="+mn-ea"/>
-                <a:cs typeface="+mn-cs"/>
-              </a:rPr>
-              <a:t>Ensure that Hooks are called in the same order each time a component renders. </a:t>
-            </a:r>
-            <a:r>
-              <a:rPr lang="en-US" baseline="0" smtClean="0"/>
-              <a:t>Make Hooks preserve the state of Hooks between multiple </a:t>
-            </a:r>
-            <a:r>
-              <a:rPr lang="en-US" i="1" baseline="0" err="1" smtClean="0"/>
-              <a:t>useState</a:t>
-            </a:r>
-            <a:r>
-              <a:rPr lang="en-US" i="0" baseline="0" smtClean="0"/>
-              <a:t> and </a:t>
-            </a:r>
-            <a:r>
-              <a:rPr lang="en-US" i="1" baseline="0" err="1" smtClean="0"/>
-              <a:t>useEffect</a:t>
-            </a:r>
-            <a:r>
-              <a:rPr lang="en-US" i="0" baseline="0" smtClean="0"/>
-              <a:t>.</a:t>
-            </a:r>
-            <a:br>
-              <a:rPr lang="en-US" i="0" baseline="0" smtClean="0"/>
-            </a:br>
-            <a:r>
-              <a:rPr lang="en-US" i="0" baseline="0" smtClean="0"/>
-              <a:t>- Regular </a:t>
-            </a:r>
-            <a:r>
-              <a:rPr lang="en-US" i="0" baseline="0" err="1" smtClean="0"/>
-              <a:t>Js</a:t>
-            </a:r>
-            <a:r>
-              <a:rPr lang="en-US" i="0" baseline="0" smtClean="0"/>
-              <a:t> functions: ajax …. This rule</a:t>
-            </a:r>
-            <a:r>
-              <a:rPr lang="en-US" sz="1200" b="0" i="0" kern="1200" smtClean="0">
-                <a:solidFill>
-                  <a:schemeClr val="tx1"/>
-                </a:solidFill>
-                <a:effectLst/>
-                <a:latin typeface="+mn-lt"/>
-                <a:ea typeface="+mn-ea"/>
-                <a:cs typeface="+mn-cs"/>
-              </a:rPr>
-              <a:t> ensure that all </a:t>
-            </a:r>
-            <a:r>
-              <a:rPr lang="en-US" sz="1200" b="0" i="0" kern="1200" err="1" smtClean="0">
-                <a:solidFill>
-                  <a:schemeClr val="tx1"/>
-                </a:solidFill>
-                <a:effectLst/>
-                <a:latin typeface="+mn-lt"/>
-                <a:ea typeface="+mn-ea"/>
-                <a:cs typeface="+mn-cs"/>
-              </a:rPr>
-              <a:t>stateful</a:t>
-            </a:r>
-            <a:r>
-              <a:rPr lang="en-US" sz="1200" b="0" i="0" kern="1200" smtClean="0">
-                <a:solidFill>
-                  <a:schemeClr val="tx1"/>
-                </a:solidFill>
-                <a:effectLst/>
-                <a:latin typeface="+mn-lt"/>
-                <a:ea typeface="+mn-ea"/>
-                <a:cs typeface="+mn-cs"/>
-              </a:rPr>
-              <a:t> logic in a component is clearly visible from its source code.</a:t>
-            </a:r>
-            <a:endParaRPr lang="en-US" baseline="0" smtClean="0"/>
+            <a:endParaRPr lang="en-US"/>
           </a:p>
         </p:txBody>
       </p:sp>
@@ -1843,7 +2097,7 @@
     </p:spTree>
     <p:extLst>
       <p:ext uri="{BB962C8B-B14F-4D97-AF65-F5344CB8AC3E}">
-        <p14:creationId xmlns:p14="http://schemas.microsoft.com/office/powerpoint/2010/main" val="3141670522"/>
+        <p14:creationId xmlns:p14="http://schemas.microsoft.com/office/powerpoint/2010/main" val="2668052865"/>
       </p:ext>
     </p:extLst>
   </p:cSld>
@@ -2085,7 +2339,7 @@
     </p:spTree>
     <p:extLst>
       <p:ext uri="{BB962C8B-B14F-4D97-AF65-F5344CB8AC3E}">
-        <p14:creationId xmlns:p14="http://schemas.microsoft.com/office/powerpoint/2010/main" val="1735810926"/>
+        <p14:creationId xmlns:p14="http://schemas.microsoft.com/office/powerpoint/2010/main" val="882481392"/>
       </p:ext>
     </p:extLst>
   </p:cSld>
@@ -2327,7 +2581,249 @@
     </p:spTree>
     <p:extLst>
       <p:ext uri="{BB962C8B-B14F-4D97-AF65-F5344CB8AC3E}">
-        <p14:creationId xmlns:p14="http://schemas.microsoft.com/office/powerpoint/2010/main" val="2969476635"/>
+        <p14:creationId xmlns:p14="http://schemas.microsoft.com/office/powerpoint/2010/main" val="3141670522"/>
+      </p:ext>
+    </p:extLst>
+  </p:cSld>
+  <p:clrMapOvr>
+    <a:masterClrMapping/>
+  </p:clrMapOvr>
+</p:notes>
+</file>
+
+<file path=ppt/notesSlides/notesSlide9.xml><?xml version="1.0" encoding="utf-8"?>
+<p:notes xmlns:a="http://schemas.openxmlformats.org/drawingml/2006/main" xmlns:r="http://schemas.openxmlformats.org/officeDocument/2006/relationships" xmlns:p="http://schemas.openxmlformats.org/presentationml/2006/main">
+  <p:cSld>
+    <p:spTree>
+      <p:nvGrpSpPr>
+        <p:cNvPr id="1" name=""/>
+        <p:cNvGrpSpPr/>
+        <p:nvPr/>
+      </p:nvGrpSpPr>
+      <p:grpSpPr>
+        <a:xfrm>
+          <a:off x="0" y="0"/>
+          <a:ext cx="0" cy="0"/>
+          <a:chOff x="0" y="0"/>
+          <a:chExt cx="0" cy="0"/>
+        </a:xfrm>
+      </p:grpSpPr>
+      <p:sp>
+        <p:nvSpPr>
+          <p:cNvPr id="2" name="Slide Image Placeholder 1"/>
+          <p:cNvSpPr>
+            <a:spLocks noGrp="1" noRot="1" noChangeAspect="1"/>
+          </p:cNvSpPr>
+          <p:nvPr>
+            <p:ph type="sldImg"/>
+          </p:nvPr>
+        </p:nvSpPr>
+        <p:spPr/>
+      </p:sp>
+      <p:sp>
+        <p:nvSpPr>
+          <p:cNvPr id="3" name="Notes Placeholder 2"/>
+          <p:cNvSpPr>
+            <a:spLocks noGrp="1"/>
+          </p:cNvSpPr>
+          <p:nvPr>
+            <p:ph type="body" idx="1"/>
+          </p:nvPr>
+        </p:nvSpPr>
+        <p:spPr/>
+        <p:txBody>
+          <a:bodyPr/>
+          <a:lstStyle/>
+          <a:p>
+            <a:pPr marL="0" marR="0" lvl="0" indent="0" algn="l" defTabSz="914400" rtl="0" eaLnBrk="1" fontAlgn="auto" latinLnBrk="0" hangingPunct="1">
+              <a:lnSpc>
+                <a:spcPct val="100000"/>
+              </a:lnSpc>
+              <a:spcBef>
+                <a:spcPts val="0"/>
+              </a:spcBef>
+              <a:spcAft>
+                <a:spcPts val="0"/>
+              </a:spcAft>
+              <a:buClrTx/>
+              <a:buSzTx/>
+              <a:buFontTx/>
+              <a:buNone/>
+              <a:tabLst/>
+              <a:defRPr/>
+            </a:pPr>
+            <a:r>
+              <a:rPr lang="en-US" smtClean="0"/>
+              <a:t>Combine</a:t>
+            </a:r>
+            <a:r>
+              <a:rPr lang="en-US" baseline="0" smtClean="0"/>
+              <a:t> with where questions.</a:t>
+            </a:r>
+          </a:p>
+          <a:p>
+            <a:pPr marL="0" marR="0" lvl="0" indent="0" algn="l" defTabSz="914400" rtl="0" eaLnBrk="1" fontAlgn="auto" latinLnBrk="0" hangingPunct="1">
+              <a:lnSpc>
+                <a:spcPct val="100000"/>
+              </a:lnSpc>
+              <a:spcBef>
+                <a:spcPts val="0"/>
+              </a:spcBef>
+              <a:spcAft>
+                <a:spcPts val="0"/>
+              </a:spcAft>
+              <a:buClrTx/>
+              <a:buSzTx/>
+              <a:buFontTx/>
+              <a:buNone/>
+              <a:tabLst/>
+              <a:defRPr/>
+            </a:pPr>
+            <a:endParaRPr lang="en-US" smtClean="0"/>
+          </a:p>
+          <a:p>
+            <a:pPr marL="228600" marR="0" lvl="0" indent="-228600" algn="l" defTabSz="914400" rtl="0" eaLnBrk="1" fontAlgn="auto" latinLnBrk="0" hangingPunct="1">
+              <a:lnSpc>
+                <a:spcPct val="100000"/>
+              </a:lnSpc>
+              <a:spcBef>
+                <a:spcPts val="0"/>
+              </a:spcBef>
+              <a:spcAft>
+                <a:spcPts val="0"/>
+              </a:spcAft>
+              <a:buClrTx/>
+              <a:buSzTx/>
+              <a:buFontTx/>
+              <a:buAutoNum type="alphaLcPeriod"/>
+              <a:tabLst/>
+              <a:defRPr/>
+            </a:pPr>
+            <a:r>
+              <a:rPr lang="en-US" baseline="0" smtClean="0"/>
+              <a:t>Rules of hooks:</a:t>
+            </a:r>
+            <a:br>
+              <a:rPr lang="en-US" baseline="0" smtClean="0"/>
+            </a:br>
+            <a:r>
+              <a:rPr lang="en-US" baseline="0" smtClean="0"/>
+              <a:t>- </a:t>
+            </a:r>
+            <a:r>
+              <a:rPr lang="en-US" sz="1200" b="0" i="0" kern="1200" smtClean="0">
+                <a:solidFill>
+                  <a:schemeClr val="tx1"/>
+                </a:solidFill>
+                <a:effectLst/>
+                <a:latin typeface="+mn-lt"/>
+                <a:ea typeface="+mn-ea"/>
+                <a:cs typeface="+mn-cs"/>
+              </a:rPr>
+              <a:t>Ensure that Hooks are called in the same order each time a component renders. </a:t>
+            </a:r>
+            <a:r>
+              <a:rPr lang="en-US" baseline="0" smtClean="0"/>
+              <a:t>Make Hooks preserve the state of Hooks between multiple </a:t>
+            </a:r>
+            <a:r>
+              <a:rPr lang="en-US" i="1" baseline="0" err="1" smtClean="0"/>
+              <a:t>useState</a:t>
+            </a:r>
+            <a:r>
+              <a:rPr lang="en-US" i="0" baseline="0" smtClean="0"/>
+              <a:t> and </a:t>
+            </a:r>
+            <a:r>
+              <a:rPr lang="en-US" i="1" baseline="0" err="1" smtClean="0"/>
+              <a:t>useEffect</a:t>
+            </a:r>
+            <a:r>
+              <a:rPr lang="en-US" i="0" baseline="0" smtClean="0"/>
+              <a:t>.</a:t>
+            </a:r>
+            <a:br>
+              <a:rPr lang="en-US" i="0" baseline="0" smtClean="0"/>
+            </a:br>
+            <a:r>
+              <a:rPr lang="en-US" i="0" baseline="0" smtClean="0"/>
+              <a:t>- Regular </a:t>
+            </a:r>
+            <a:r>
+              <a:rPr lang="en-US" i="0" baseline="0" err="1" smtClean="0"/>
+              <a:t>Js</a:t>
+            </a:r>
+            <a:r>
+              <a:rPr lang="en-US" i="0" baseline="0" smtClean="0"/>
+              <a:t> functions: ajax …. This rule</a:t>
+            </a:r>
+            <a:r>
+              <a:rPr lang="en-US" sz="1200" b="0" i="0" kern="1200" smtClean="0">
+                <a:solidFill>
+                  <a:schemeClr val="tx1"/>
+                </a:solidFill>
+                <a:effectLst/>
+                <a:latin typeface="+mn-lt"/>
+                <a:ea typeface="+mn-ea"/>
+                <a:cs typeface="+mn-cs"/>
+              </a:rPr>
+              <a:t> ensure that all </a:t>
+            </a:r>
+            <a:r>
+              <a:rPr lang="en-US" sz="1200" b="0" i="0" kern="1200" err="1" smtClean="0">
+                <a:solidFill>
+                  <a:schemeClr val="tx1"/>
+                </a:solidFill>
+                <a:effectLst/>
+                <a:latin typeface="+mn-lt"/>
+                <a:ea typeface="+mn-ea"/>
+                <a:cs typeface="+mn-cs"/>
+              </a:rPr>
+              <a:t>stateful</a:t>
+            </a:r>
+            <a:r>
+              <a:rPr lang="en-US" sz="1200" b="0" i="0" kern="1200" smtClean="0">
+                <a:solidFill>
+                  <a:schemeClr val="tx1"/>
+                </a:solidFill>
+                <a:effectLst/>
+                <a:latin typeface="+mn-lt"/>
+                <a:ea typeface="+mn-ea"/>
+                <a:cs typeface="+mn-cs"/>
+              </a:rPr>
+              <a:t> logic in a component is clearly visible from its source code.</a:t>
+            </a:r>
+            <a:endParaRPr lang="en-US" baseline="0" smtClean="0"/>
+          </a:p>
+        </p:txBody>
+      </p:sp>
+      <p:sp>
+        <p:nvSpPr>
+          <p:cNvPr id="5" name="Slide Number Placeholder 4"/>
+          <p:cNvSpPr>
+            <a:spLocks noGrp="1"/>
+          </p:cNvSpPr>
+          <p:nvPr>
+            <p:ph type="sldNum" sz="quarter" idx="10"/>
+          </p:nvPr>
+        </p:nvSpPr>
+        <p:spPr/>
+        <p:txBody>
+          <a:bodyPr/>
+          <a:lstStyle/>
+          <a:p>
+            <a:fld id="{FBF31ECA-FEBF-416A-9457-D684578178CB}" type="slidenum">
+              <a:rPr lang="en-US" smtClean="0"/>
+              <a:t>11</a:t>
+            </a:fld>
+            <a:endParaRPr lang="en-US"/>
+          </a:p>
+        </p:txBody>
+      </p:sp>
+    </p:spTree>
+    <p:extLst>
+      <p:ext uri="{BB962C8B-B14F-4D97-AF65-F5344CB8AC3E}">
+        <p14:creationId xmlns:p14="http://schemas.microsoft.com/office/powerpoint/2010/main" val="1735810926"/>
       </p:ext>
     </p:extLst>
   </p:cSld>
@@ -2468,7 +2964,7 @@
           <a:p>
             <a:fld id="{5C76B33F-923F-404A-96A8-EE08FCFE28B1}" type="datetime1">
               <a:rPr lang="en-US" smtClean="0"/>
-              <a:t>5/9/2019</a:t>
+              <a:t>5/10/2019</a:t>
             </a:fld>
             <a:endParaRPr lang="en-US"/>
           </a:p>
@@ -2638,7 +3134,7 @@
           <a:p>
             <a:fld id="{7505B9A2-C4B5-4C0A-B9E4-C9D5E245AEEB}" type="datetime1">
               <a:rPr lang="en-US" smtClean="0"/>
-              <a:t>5/9/2019</a:t>
+              <a:t>5/10/2019</a:t>
             </a:fld>
             <a:endParaRPr lang="en-US"/>
           </a:p>
@@ -2818,7 +3314,7 @@
           <a:p>
             <a:fld id="{EB3DCC1B-A690-4F74-A264-FD3A1D17A9CE}" type="datetime1">
               <a:rPr lang="en-US" smtClean="0"/>
-              <a:t>5/9/2019</a:t>
+              <a:t>5/10/2019</a:t>
             </a:fld>
             <a:endParaRPr lang="en-US"/>
           </a:p>
@@ -2988,7 +3484,7 @@
           <a:p>
             <a:fld id="{493B62D7-F942-4CEE-8BF1-CE9A61FDCF12}" type="datetime1">
               <a:rPr lang="en-US" smtClean="0"/>
-              <a:t>5/9/2019</a:t>
+              <a:t>5/10/2019</a:t>
             </a:fld>
             <a:endParaRPr lang="en-US"/>
           </a:p>
@@ -3234,7 +3730,7 @@
           <a:p>
             <a:fld id="{56F54805-F090-44B9-822C-99D47EF8D2F1}" type="datetime1">
               <a:rPr lang="en-US" smtClean="0"/>
-              <a:t>5/9/2019</a:t>
+              <a:t>5/10/2019</a:t>
             </a:fld>
             <a:endParaRPr lang="en-US"/>
           </a:p>
@@ -3466,7 +3962,7 @@
           <a:p>
             <a:fld id="{834B8418-18EF-46F4-A725-7B88CA0DAD6E}" type="datetime1">
               <a:rPr lang="en-US" smtClean="0"/>
-              <a:t>5/9/2019</a:t>
+              <a:t>5/10/2019</a:t>
             </a:fld>
             <a:endParaRPr lang="en-US"/>
           </a:p>
@@ -3833,7 +4329,7 @@
           <a:p>
             <a:fld id="{ED6F3301-DB27-465C-BFCE-FBB5A52BCC2F}" type="datetime1">
               <a:rPr lang="en-US" smtClean="0"/>
-              <a:t>5/9/2019</a:t>
+              <a:t>5/10/2019</a:t>
             </a:fld>
             <a:endParaRPr lang="en-US"/>
           </a:p>
@@ -3951,7 +4447,7 @@
           <a:p>
             <a:fld id="{F77C35EA-58AD-4897-99AB-10D8399629E7}" type="datetime1">
               <a:rPr lang="en-US" smtClean="0"/>
-              <a:t>5/9/2019</a:t>
+              <a:t>5/10/2019</a:t>
             </a:fld>
             <a:endParaRPr lang="en-US"/>
           </a:p>
@@ -4046,7 +4542,7 @@
           <a:p>
             <a:fld id="{E6D0365A-1AEE-4F4C-98E0-4DF924A908CD}" type="datetime1">
               <a:rPr lang="en-US" smtClean="0"/>
-              <a:t>5/9/2019</a:t>
+              <a:t>5/10/2019</a:t>
             </a:fld>
             <a:endParaRPr lang="en-US"/>
           </a:p>
@@ -4323,7 +4819,7 @@
           <a:p>
             <a:fld id="{AA8A4D5D-09C2-4E42-A5BF-325FB8D0CC51}" type="datetime1">
               <a:rPr lang="en-US" smtClean="0"/>
-              <a:t>5/9/2019</a:t>
+              <a:t>5/10/2019</a:t>
             </a:fld>
             <a:endParaRPr lang="en-US"/>
           </a:p>
@@ -4576,7 +5072,7 @@
           <a:p>
             <a:fld id="{765CFDFF-19DB-40ED-8541-16B9B0B27FE1}" type="datetime1">
               <a:rPr lang="en-US" smtClean="0"/>
-              <a:t>5/9/2019</a:t>
+              <a:t>5/10/2019</a:t>
             </a:fld>
             <a:endParaRPr lang="en-US"/>
           </a:p>
@@ -4789,7 +5285,7 @@
           <a:p>
             <a:fld id="{95867D15-22AC-4BD8-A649-6FE153BB5E2E}" type="datetime1">
               <a:rPr lang="en-US" smtClean="0"/>
-              <a:t>5/9/2019</a:t>
+              <a:t>5/10/2019</a:t>
             </a:fld>
             <a:endParaRPr lang="en-US"/>
           </a:p>
@@ -5275,10 +5771,497 @@
   <p:clrMapOvr>
     <a:masterClrMapping/>
   </p:clrMapOvr>
+  <p:timing>
+    <p:tnLst>
+      <p:par>
+        <p:cTn id="1" dur="indefinite" restart="never" nodeType="tmRoot"/>
+      </p:par>
+    </p:tnLst>
+  </p:timing>
 </p:sld>
 </file>
 
 <file path=ppt/slides/slide10.xml><?xml version="1.0" encoding="utf-8"?>
+<p:sld xmlns:a="http://schemas.openxmlformats.org/drawingml/2006/main" xmlns:r="http://schemas.openxmlformats.org/officeDocument/2006/relationships" xmlns:p="http://schemas.openxmlformats.org/presentationml/2006/main">
+  <p:cSld>
+    <p:spTree>
+      <p:nvGrpSpPr>
+        <p:cNvPr id="1" name=""/>
+        <p:cNvGrpSpPr/>
+        <p:nvPr/>
+      </p:nvGrpSpPr>
+      <p:grpSpPr>
+        <a:xfrm>
+          <a:off x="0" y="0"/>
+          <a:ext cx="0" cy="0"/>
+          <a:chOff x="0" y="0"/>
+          <a:chExt cx="0" cy="0"/>
+        </a:xfrm>
+      </p:grpSpPr>
+      <p:sp>
+        <p:nvSpPr>
+          <p:cNvPr id="2" name="Title 1"/>
+          <p:cNvSpPr>
+            <a:spLocks noGrp="1"/>
+          </p:cNvSpPr>
+          <p:nvPr>
+            <p:ph type="title"/>
+          </p:nvPr>
+        </p:nvSpPr>
+        <p:spPr>
+          <a:xfrm>
+            <a:off x="347546" y="365125"/>
+            <a:ext cx="10515600" cy="1325563"/>
+          </a:xfrm>
+        </p:spPr>
+        <p:txBody>
+          <a:bodyPr/>
+          <a:lstStyle/>
+          <a:p>
+            <a:r>
+              <a:rPr lang="en-US"/>
+              <a:t>4</a:t>
+            </a:r>
+            <a:r>
+              <a:rPr lang="en-US" smtClean="0"/>
+              <a:t>. How to use Hooks?</a:t>
+            </a:r>
+            <a:endParaRPr lang="en-US"/>
+          </a:p>
+        </p:txBody>
+      </p:sp>
+      <p:sp>
+        <p:nvSpPr>
+          <p:cNvPr id="3" name="Content Placeholder 2"/>
+          <p:cNvSpPr>
+            <a:spLocks noGrp="1"/>
+          </p:cNvSpPr>
+          <p:nvPr>
+            <p:ph idx="1"/>
+          </p:nvPr>
+        </p:nvSpPr>
+        <p:spPr/>
+        <p:txBody>
+          <a:bodyPr>
+            <a:normAutofit/>
+          </a:bodyPr>
+          <a:lstStyle/>
+          <a:p>
+            <a:pPr marL="0" indent="0">
+              <a:lnSpc>
+                <a:spcPct val="150000"/>
+              </a:lnSpc>
+              <a:buNone/>
+            </a:pPr>
+            <a:r>
+              <a:rPr lang="en-US" b="1" smtClean="0"/>
+              <a:t>4.2 Using The State Hooks.</a:t>
+            </a:r>
+            <a:br>
+              <a:rPr lang="en-US" b="1" smtClean="0"/>
+            </a:br>
+            <a:r>
+              <a:rPr lang="en-US" b="1" smtClean="0"/>
+              <a:t>	</a:t>
+            </a:r>
+          </a:p>
+        </p:txBody>
+      </p:sp>
+    </p:spTree>
+    <p:extLst>
+      <p:ext uri="{BB962C8B-B14F-4D97-AF65-F5344CB8AC3E}">
+        <p14:creationId xmlns:p14="http://schemas.microsoft.com/office/powerpoint/2010/main" val="1008856109"/>
+      </p:ext>
+    </p:extLst>
+  </p:cSld>
+  <p:clrMapOvr>
+    <a:masterClrMapping/>
+  </p:clrMapOvr>
+  <p:timing>
+    <p:tnLst>
+      <p:par>
+        <p:cTn id="1" dur="indefinite" restart="never" nodeType="tmRoot">
+          <p:childTnLst>
+            <p:seq concurrent="1" nextAc="seek">
+              <p:cTn id="2" dur="indefinite" nodeType="mainSeq">
+                <p:childTnLst>
+                  <p:par>
+                    <p:cTn id="3" fill="hold">
+                      <p:stCondLst>
+                        <p:cond delay="indefinite"/>
+                      </p:stCondLst>
+                      <p:childTnLst>
+                        <p:par>
+                          <p:cTn id="4" fill="hold">
+                            <p:stCondLst>
+                              <p:cond delay="0"/>
+                            </p:stCondLst>
+                            <p:childTnLst>
+                              <p:par>
+                                <p:cTn id="5" presetID="2" presetClass="entr" presetSubtype="4" fill="hold" grpId="0" nodeType="clickEffect">
+                                  <p:stCondLst>
+                                    <p:cond delay="0"/>
+                                  </p:stCondLst>
+                                  <p:childTnLst>
+                                    <p:set>
+                                      <p:cBhvr>
+                                        <p:cTn id="6" dur="1" fill="hold">
+                                          <p:stCondLst>
+                                            <p:cond delay="0"/>
+                                          </p:stCondLst>
+                                        </p:cTn>
+                                        <p:tgtEl>
+                                          <p:spTgt spid="3">
+                                            <p:txEl>
+                                              <p:pRg st="0" end="0"/>
+                                            </p:txEl>
+                                          </p:spTgt>
+                                        </p:tgtEl>
+                                        <p:attrNameLst>
+                                          <p:attrName>style.visibility</p:attrName>
+                                        </p:attrNameLst>
+                                      </p:cBhvr>
+                                      <p:to>
+                                        <p:strVal val="visible"/>
+                                      </p:to>
+                                    </p:set>
+                                    <p:anim calcmode="lin" valueType="num">
+                                      <p:cBhvr additive="base">
+                                        <p:cTn id="7" dur="500" fill="hold"/>
+                                        <p:tgtEl>
+                                          <p:spTgt spid="3">
+                                            <p:txEl>
+                                              <p:pRg st="0" end="0"/>
+                                            </p:txEl>
+                                          </p:spTgt>
+                                        </p:tgtEl>
+                                        <p:attrNameLst>
+                                          <p:attrName>ppt_x</p:attrName>
+                                        </p:attrNameLst>
+                                      </p:cBhvr>
+                                      <p:tavLst>
+                                        <p:tav tm="0">
+                                          <p:val>
+                                            <p:strVal val="#ppt_x"/>
+                                          </p:val>
+                                        </p:tav>
+                                        <p:tav tm="100000">
+                                          <p:val>
+                                            <p:strVal val="#ppt_x"/>
+                                          </p:val>
+                                        </p:tav>
+                                      </p:tavLst>
+                                    </p:anim>
+                                    <p:anim calcmode="lin" valueType="num">
+                                      <p:cBhvr additive="base">
+                                        <p:cTn id="8" dur="500" fill="hold"/>
+                                        <p:tgtEl>
+                                          <p:spTgt spid="3">
+                                            <p:txEl>
+                                              <p:pRg st="0" end="0"/>
+                                            </p:txEl>
+                                          </p:spTgt>
+                                        </p:tgtEl>
+                                        <p:attrNameLst>
+                                          <p:attrName>ppt_y</p:attrName>
+                                        </p:attrNameLst>
+                                      </p:cBhvr>
+                                      <p:tavLst>
+                                        <p:tav tm="0">
+                                          <p:val>
+                                            <p:strVal val="1+#ppt_h/2"/>
+                                          </p:val>
+                                        </p:tav>
+                                        <p:tav tm="100000">
+                                          <p:val>
+                                            <p:strVal val="#ppt_y"/>
+                                          </p:val>
+                                        </p:tav>
+                                      </p:tavLst>
+                                    </p:anim>
+                                  </p:childTnLst>
+                                </p:cTn>
+                              </p:par>
+                            </p:childTnLst>
+                          </p:cTn>
+                        </p:par>
+                      </p:childTnLst>
+                    </p:cTn>
+                  </p:par>
+                </p:childTnLst>
+              </p:cTn>
+              <p:prevCondLst>
+                <p:cond evt="onPrev" delay="0">
+                  <p:tgtEl>
+                    <p:sldTgt/>
+                  </p:tgtEl>
+                </p:cond>
+              </p:prevCondLst>
+              <p:nextCondLst>
+                <p:cond evt="onNext" delay="0">
+                  <p:tgtEl>
+                    <p:sldTgt/>
+                  </p:tgtEl>
+                </p:cond>
+              </p:nextCondLst>
+            </p:seq>
+          </p:childTnLst>
+        </p:cTn>
+      </p:par>
+    </p:tnLst>
+    <p:bldLst>
+      <p:bldP spid="3" grpId="0" build="p"/>
+    </p:bldLst>
+  </p:timing>
+</p:sld>
+</file>
+
+<file path=ppt/slides/slide11.xml><?xml version="1.0" encoding="utf-8"?>
+<p:sld xmlns:a="http://schemas.openxmlformats.org/drawingml/2006/main" xmlns:r="http://schemas.openxmlformats.org/officeDocument/2006/relationships" xmlns:p="http://schemas.openxmlformats.org/presentationml/2006/main">
+  <p:cSld>
+    <p:spTree>
+      <p:nvGrpSpPr>
+        <p:cNvPr id="1" name=""/>
+        <p:cNvGrpSpPr/>
+        <p:nvPr/>
+      </p:nvGrpSpPr>
+      <p:grpSpPr>
+        <a:xfrm>
+          <a:off x="0" y="0"/>
+          <a:ext cx="0" cy="0"/>
+          <a:chOff x="0" y="0"/>
+          <a:chExt cx="0" cy="0"/>
+        </a:xfrm>
+      </p:grpSpPr>
+      <p:sp>
+        <p:nvSpPr>
+          <p:cNvPr id="2" name="Title 1"/>
+          <p:cNvSpPr>
+            <a:spLocks noGrp="1"/>
+          </p:cNvSpPr>
+          <p:nvPr>
+            <p:ph type="title"/>
+          </p:nvPr>
+        </p:nvSpPr>
+        <p:spPr>
+          <a:xfrm>
+            <a:off x="347546" y="365125"/>
+            <a:ext cx="10515600" cy="1325563"/>
+          </a:xfrm>
+        </p:spPr>
+        <p:txBody>
+          <a:bodyPr/>
+          <a:lstStyle/>
+          <a:p>
+            <a:r>
+              <a:rPr lang="en-US"/>
+              <a:t>4</a:t>
+            </a:r>
+            <a:r>
+              <a:rPr lang="en-US" smtClean="0"/>
+              <a:t>. How to use Hooks?</a:t>
+            </a:r>
+            <a:endParaRPr lang="en-US"/>
+          </a:p>
+        </p:txBody>
+      </p:sp>
+      <p:sp>
+        <p:nvSpPr>
+          <p:cNvPr id="3" name="Content Placeholder 2"/>
+          <p:cNvSpPr>
+            <a:spLocks noGrp="1"/>
+          </p:cNvSpPr>
+          <p:nvPr>
+            <p:ph idx="1"/>
+          </p:nvPr>
+        </p:nvSpPr>
+        <p:spPr/>
+        <p:txBody>
+          <a:bodyPr>
+            <a:normAutofit/>
+          </a:bodyPr>
+          <a:lstStyle/>
+          <a:p>
+            <a:pPr marL="514350" indent="-514350">
+              <a:lnSpc>
+                <a:spcPct val="150000"/>
+              </a:lnSpc>
+              <a:buAutoNum type="alphaLcPeriod"/>
+            </a:pPr>
+            <a:r>
+              <a:rPr lang="en-US" b="1" err="1" smtClean="0"/>
+              <a:t>useState</a:t>
+            </a:r>
+            <a:r>
+              <a:rPr lang="en-US" b="1" smtClean="0"/>
+              <a:t/>
+            </a:r>
+            <a:br>
+              <a:rPr lang="en-US" b="1" smtClean="0"/>
+            </a:br>
+            <a:endParaRPr lang="en-US" smtClean="0"/>
+          </a:p>
+          <a:p>
+            <a:pPr marL="0" indent="0">
+              <a:lnSpc>
+                <a:spcPct val="150000"/>
+              </a:lnSpc>
+              <a:buNone/>
+            </a:pPr>
+            <a:endParaRPr lang="en-US" b="1"/>
+          </a:p>
+        </p:txBody>
+      </p:sp>
+    </p:spTree>
+    <p:extLst>
+      <p:ext uri="{BB962C8B-B14F-4D97-AF65-F5344CB8AC3E}">
+        <p14:creationId xmlns:p14="http://schemas.microsoft.com/office/powerpoint/2010/main" val="4022983786"/>
+      </p:ext>
+    </p:extLst>
+  </p:cSld>
+  <p:clrMapOvr>
+    <a:masterClrMapping/>
+  </p:clrMapOvr>
+  <p:timing>
+    <p:tnLst>
+      <p:par>
+        <p:cTn id="1" dur="indefinite" restart="never" nodeType="tmRoot">
+          <p:childTnLst>
+            <p:seq concurrent="1" nextAc="seek">
+              <p:cTn id="2" dur="indefinite" nodeType="mainSeq">
+                <p:childTnLst>
+                  <p:par>
+                    <p:cTn id="3" fill="hold">
+                      <p:stCondLst>
+                        <p:cond delay="indefinite"/>
+                      </p:stCondLst>
+                      <p:childTnLst>
+                        <p:par>
+                          <p:cTn id="4" fill="hold">
+                            <p:stCondLst>
+                              <p:cond delay="0"/>
+                            </p:stCondLst>
+                            <p:childTnLst>
+                              <p:par>
+                                <p:cTn id="5" presetID="2" presetClass="entr" presetSubtype="4" fill="hold" grpId="0" nodeType="clickEffect">
+                                  <p:stCondLst>
+                                    <p:cond delay="0"/>
+                                  </p:stCondLst>
+                                  <p:childTnLst>
+                                    <p:set>
+                                      <p:cBhvr>
+                                        <p:cTn id="6" dur="1" fill="hold">
+                                          <p:stCondLst>
+                                            <p:cond delay="0"/>
+                                          </p:stCondLst>
+                                        </p:cTn>
+                                        <p:tgtEl>
+                                          <p:spTgt spid="3">
+                                            <p:txEl>
+                                              <p:pRg st="0" end="0"/>
+                                            </p:txEl>
+                                          </p:spTgt>
+                                        </p:tgtEl>
+                                        <p:attrNameLst>
+                                          <p:attrName>style.visibility</p:attrName>
+                                        </p:attrNameLst>
+                                      </p:cBhvr>
+                                      <p:to>
+                                        <p:strVal val="visible"/>
+                                      </p:to>
+                                    </p:set>
+                                    <p:anim calcmode="lin" valueType="num">
+                                      <p:cBhvr additive="base">
+                                        <p:cTn id="7" dur="500" fill="hold"/>
+                                        <p:tgtEl>
+                                          <p:spTgt spid="3">
+                                            <p:txEl>
+                                              <p:pRg st="0" end="0"/>
+                                            </p:txEl>
+                                          </p:spTgt>
+                                        </p:tgtEl>
+                                        <p:attrNameLst>
+                                          <p:attrName>ppt_x</p:attrName>
+                                        </p:attrNameLst>
+                                      </p:cBhvr>
+                                      <p:tavLst>
+                                        <p:tav tm="0">
+                                          <p:val>
+                                            <p:strVal val="#ppt_x"/>
+                                          </p:val>
+                                        </p:tav>
+                                        <p:tav tm="100000">
+                                          <p:val>
+                                            <p:strVal val="#ppt_x"/>
+                                          </p:val>
+                                        </p:tav>
+                                      </p:tavLst>
+                                    </p:anim>
+                                    <p:anim calcmode="lin" valueType="num">
+                                      <p:cBhvr additive="base">
+                                        <p:cTn id="8" dur="500" fill="hold"/>
+                                        <p:tgtEl>
+                                          <p:spTgt spid="3">
+                                            <p:txEl>
+                                              <p:pRg st="0" end="0"/>
+                                            </p:txEl>
+                                          </p:spTgt>
+                                        </p:tgtEl>
+                                        <p:attrNameLst>
+                                          <p:attrName>ppt_y</p:attrName>
+                                        </p:attrNameLst>
+                                      </p:cBhvr>
+                                      <p:tavLst>
+                                        <p:tav tm="0">
+                                          <p:val>
+                                            <p:strVal val="1+#ppt_h/2"/>
+                                          </p:val>
+                                        </p:tav>
+                                        <p:tav tm="100000">
+                                          <p:val>
+                                            <p:strVal val="#ppt_y"/>
+                                          </p:val>
+                                        </p:tav>
+                                      </p:tavLst>
+                                    </p:anim>
+                                  </p:childTnLst>
+                                </p:cTn>
+                              </p:par>
+                            </p:childTnLst>
+                          </p:cTn>
+                        </p:par>
+                      </p:childTnLst>
+                    </p:cTn>
+                  </p:par>
+                </p:childTnLst>
+              </p:cTn>
+              <p:prevCondLst>
+                <p:cond evt="onPrev" delay="0">
+                  <p:tgtEl>
+                    <p:sldTgt/>
+                  </p:tgtEl>
+                </p:cond>
+              </p:prevCondLst>
+              <p:nextCondLst>
+                <p:cond evt="onNext" delay="0">
+                  <p:tgtEl>
+                    <p:sldTgt/>
+                  </p:tgtEl>
+                </p:cond>
+              </p:nextCondLst>
+            </p:seq>
+          </p:childTnLst>
+        </p:cTn>
+      </p:par>
+    </p:tnLst>
+    <p:bldLst>
+      <p:bldP spid="3" grpId="0" build="p"/>
+    </p:bldLst>
+  </p:timing>
+</p:sld>
+</file>
+
+<file path=ppt/slides/slide12.xml><?xml version="1.0" encoding="utf-8"?>
 <p:sld xmlns:a="http://schemas.openxmlformats.org/drawingml/2006/main" xmlns:r="http://schemas.openxmlformats.org/officeDocument/2006/relationships" xmlns:p="http://schemas.openxmlformats.org/presentationml/2006/main">
   <p:cSld>
     <p:spTree>
@@ -5557,7 +6540,7 @@
                   <a:schemeClr val="bg1"/>
                 </a:solidFill>
               </a:rPr>
-              <a:t>CONTENTS</a:t>
+              <a:t>AGENDA</a:t>
             </a:r>
             <a:endParaRPr lang="en-US">
               <a:solidFill>
@@ -5585,13 +6568,13 @@
         </p:spPr>
         <p:txBody>
           <a:bodyPr>
-            <a:normAutofit/>
+            <a:noAutofit/>
           </a:bodyPr>
           <a:lstStyle/>
           <a:p>
             <a:pPr marL="457200" indent="-457200" algn="l">
               <a:lnSpc>
-                <a:spcPct val="200000"/>
+                <a:spcPct val="150000"/>
               </a:lnSpc>
               <a:buFont typeface="+mj-lt"/>
               <a:buAutoNum type="arabicPeriod"/>
@@ -5604,52 +6587,45 @@
           <a:p>
             <a:pPr marL="457200" indent="-457200" algn="l">
               <a:lnSpc>
-                <a:spcPct val="200000"/>
+                <a:spcPct val="150000"/>
               </a:lnSpc>
               <a:buFont typeface="+mj-lt"/>
               <a:buAutoNum type="arabicPeriod"/>
             </a:pPr>
             <a:r>
               <a:rPr lang="en-US" sz="3200" smtClean="0"/>
-              <a:t>Class Components vs Function Components</a:t>
-            </a:r>
-            <a:endParaRPr lang="en-US" sz="3200" smtClean="0"/>
+              <a:t>Class </a:t>
+            </a:r>
+            <a:r>
+              <a:rPr lang="en-US" sz="3200" smtClean="0"/>
+              <a:t>Components</a:t>
+            </a:r>
           </a:p>
           <a:p>
             <a:pPr marL="457200" indent="-457200" algn="l">
               <a:lnSpc>
-                <a:spcPct val="200000"/>
+                <a:spcPct val="150000"/>
               </a:lnSpc>
               <a:buFont typeface="+mj-lt"/>
               <a:buAutoNum type="arabicPeriod"/>
             </a:pPr>
             <a:r>
               <a:rPr lang="en-US" sz="3200" smtClean="0"/>
-              <a:t>Demo</a:t>
-            </a:r>
-            <a:endParaRPr lang="en-US" sz="3200" smtClean="0"/>
+              <a:t>Function Components</a:t>
+            </a:r>
           </a:p>
           <a:p>
             <a:pPr marL="457200" indent="-457200" algn="l">
               <a:lnSpc>
-                <a:spcPct val="200000"/>
+                <a:spcPct val="150000"/>
               </a:lnSpc>
               <a:buFont typeface="+mj-lt"/>
               <a:buAutoNum type="arabicPeriod"/>
             </a:pPr>
             <a:r>
               <a:rPr lang="en-US" sz="3200" smtClean="0"/>
-              <a:t>Questions</a:t>
-            </a:r>
-          </a:p>
-          <a:p>
-            <a:pPr marL="457200" indent="-457200" algn="l">
-              <a:lnSpc>
-                <a:spcPct val="200000"/>
-              </a:lnSpc>
-              <a:buFont typeface="+mj-lt"/>
-              <a:buAutoNum type="arabicPeriod"/>
-            </a:pPr>
+              <a:t>Conclusion &amp; demo</a:t>
+            </a:r>
             <a:endParaRPr lang="en-US" sz="3200" smtClean="0"/>
           </a:p>
         </p:txBody>
@@ -6141,19 +7117,30 @@
         </p:nvSpPr>
         <p:spPr>
           <a:xfrm>
-            <a:off x="369849" y="320520"/>
-            <a:ext cx="10515600" cy="1325563"/>
+            <a:off x="0" y="0"/>
+            <a:ext cx="12191999" cy="1325563"/>
           </a:xfrm>
+          <a:solidFill>
+            <a:srgbClr val="00B0F0"/>
+          </a:solidFill>
         </p:spPr>
         <p:txBody>
           <a:bodyPr/>
           <a:lstStyle/>
           <a:p>
             <a:r>
-              <a:rPr lang="en-US" smtClean="0"/>
+              <a:rPr lang="en-US" smtClean="0">
+                <a:solidFill>
+                  <a:schemeClr val="bg1"/>
+                </a:solidFill>
+              </a:rPr>
               <a:t>1. Introduction</a:t>
             </a:r>
-            <a:endParaRPr lang="en-US"/>
+            <a:endParaRPr lang="en-US">
+              <a:solidFill>
+                <a:schemeClr val="bg1"/>
+              </a:solidFill>
+            </a:endParaRPr>
           </a:p>
         </p:txBody>
       </p:sp>
@@ -6672,31 +7659,46 @@
         </p:nvSpPr>
         <p:spPr>
           <a:xfrm>
-            <a:off x="347546" y="365125"/>
-            <a:ext cx="10515600" cy="1325563"/>
+            <a:off x="0" y="0"/>
+            <a:ext cx="12192000" cy="1325563"/>
           </a:xfrm>
+          <a:solidFill>
+            <a:srgbClr val="00B0F0"/>
+          </a:solidFill>
         </p:spPr>
         <p:txBody>
           <a:bodyPr/>
           <a:lstStyle/>
           <a:p>
             <a:r>
-              <a:rPr lang="en-US" smtClean="0"/>
+              <a:rPr lang="en-US" smtClean="0">
+                <a:solidFill>
+                  <a:schemeClr val="bg1"/>
+                </a:solidFill>
+              </a:rPr>
               <a:t>2. </a:t>
             </a:r>
             <a:r>
-              <a:rPr lang="en-US"/>
-              <a:t>Class Components vs </a:t>
-            </a:r>
-            <a:r>
-              <a:rPr lang="en-US"/>
-              <a:t>Function </a:t>
-            </a:r>
-            <a:r>
-              <a:rPr lang="en-US" smtClean="0"/>
+              <a:rPr lang="en-US">
+                <a:solidFill>
+                  <a:schemeClr val="bg1"/>
+                </a:solidFill>
+              </a:rPr>
+              <a:t>Class </a:t>
+            </a:r>
+            <a:r>
+              <a:rPr lang="en-US" smtClean="0">
+                <a:solidFill>
+                  <a:schemeClr val="bg1"/>
+                </a:solidFill>
+              </a:rPr>
               <a:t>Components</a:t>
             </a:r>
-            <a:endParaRPr lang="en-US"/>
+            <a:endParaRPr lang="en-US">
+              <a:solidFill>
+                <a:schemeClr val="bg1"/>
+              </a:solidFill>
+            </a:endParaRPr>
           </a:p>
         </p:txBody>
       </p:sp>
@@ -6716,8 +7718,8 @@
         </p:blipFill>
         <p:spPr>
           <a:xfrm>
-            <a:off x="1153954" y="1690688"/>
-            <a:ext cx="9709192" cy="4486275"/>
+            <a:off x="429123" y="1657234"/>
+            <a:ext cx="10956271" cy="4486275"/>
           </a:xfrm>
           <a:prstGeom prst="rect">
             <a:avLst/>
@@ -6763,47 +7765,37 @@
       </p:grpSpPr>
       <p:sp>
         <p:nvSpPr>
-          <p:cNvPr id="2" name="Title 1"/>
-          <p:cNvSpPr>
-            <a:spLocks noGrp="1"/>
-          </p:cNvSpPr>
-          <p:nvPr>
-            <p:ph type="title"/>
-          </p:nvPr>
+          <p:cNvPr id="7" name="TextBox 6"/>
+          <p:cNvSpPr txBox="1"/>
+          <p:nvPr/>
         </p:nvSpPr>
         <p:spPr>
           <a:xfrm>
-            <a:off x="347546" y="365125"/>
-            <a:ext cx="10515600" cy="1325563"/>
+            <a:off x="1237786" y="6110869"/>
+            <a:ext cx="5784019" cy="461665"/>
           </a:xfrm>
+          <a:prstGeom prst="rect">
+            <a:avLst/>
+          </a:prstGeom>
+          <a:noFill/>
         </p:spPr>
         <p:txBody>
-          <a:bodyPr/>
+          <a:bodyPr wrap="none" rtlCol="0">
+            <a:spAutoFit/>
+          </a:bodyPr>
           <a:lstStyle/>
           <a:p>
             <a:r>
-              <a:rPr lang="en-US" smtClean="0"/>
-              <a:t>2. </a:t>
-            </a:r>
-            <a:r>
-              <a:rPr lang="en-US"/>
-              <a:t>Class Components vs </a:t>
-            </a:r>
-            <a:r>
-              <a:rPr lang="en-US"/>
-              <a:t>Function </a:t>
-            </a:r>
-            <a:r>
-              <a:rPr lang="en-US" smtClean="0"/>
-              <a:t>Components</a:t>
-            </a:r>
-            <a:endParaRPr lang="en-US"/>
+              <a:rPr lang="en-US" sz="2400" smtClean="0"/>
+              <a:t>What’s to be logged when clicks the button ?</a:t>
+            </a:r>
+            <a:endParaRPr lang="en-US" sz="2400"/>
           </a:p>
         </p:txBody>
       </p:sp>
       <p:pic>
         <p:nvPicPr>
-          <p:cNvPr id="11" name="Picture 10"/>
+          <p:cNvPr id="8" name="Picture 7"/>
           <p:cNvPicPr>
             <a:picLocks noChangeAspect="1"/>
           </p:cNvPicPr>
@@ -6817,14 +7809,74 @@
         </p:blipFill>
         <p:spPr>
           <a:xfrm>
-            <a:off x="1153954" y="1690688"/>
-            <a:ext cx="9709192" cy="4486275"/>
+            <a:off x="89210" y="1505415"/>
+            <a:ext cx="5898994" cy="4148137"/>
           </a:xfrm>
           <a:prstGeom prst="rect">
             <a:avLst/>
           </a:prstGeom>
         </p:spPr>
       </p:pic>
+      <p:sp>
+        <p:nvSpPr>
+          <p:cNvPr id="12" name="Title 1"/>
+          <p:cNvSpPr txBox="1">
+            <a:spLocks/>
+          </p:cNvSpPr>
+          <p:nvPr/>
+        </p:nvSpPr>
+        <p:spPr>
+          <a:xfrm>
+            <a:off x="0" y="0"/>
+            <a:ext cx="12192000" cy="1325563"/>
+          </a:xfrm>
+          <a:prstGeom prst="rect">
+            <a:avLst/>
+          </a:prstGeom>
+          <a:solidFill>
+            <a:srgbClr val="00B0F0"/>
+          </a:solidFill>
+        </p:spPr>
+        <p:txBody>
+          <a:bodyPr vert="horz" lIns="91440" tIns="45720" rIns="91440" bIns="45720" rtlCol="0" anchor="ctr">
+            <a:normAutofit/>
+          </a:bodyPr>
+          <a:lstStyle>
+            <a:lvl1pPr algn="l" defTabSz="914400" rtl="0" eaLnBrk="1" latinLnBrk="0" hangingPunct="1">
+              <a:lnSpc>
+                <a:spcPct val="90000"/>
+              </a:lnSpc>
+              <a:spcBef>
+                <a:spcPct val="0"/>
+              </a:spcBef>
+              <a:buNone/>
+              <a:defRPr sz="4400" kern="1200">
+                <a:solidFill>
+                  <a:schemeClr val="tx1"/>
+                </a:solidFill>
+                <a:latin typeface="+mj-lt"/>
+                <a:ea typeface="+mj-ea"/>
+                <a:cs typeface="+mj-cs"/>
+              </a:defRPr>
+            </a:lvl1pPr>
+          </a:lstStyle>
+          <a:p>
+            <a:r>
+              <a:rPr lang="en-US" smtClean="0">
+                <a:solidFill>
+                  <a:schemeClr val="bg1"/>
+                </a:solidFill>
+              </a:rPr>
+              <a:t>2. Class Components</a:t>
+            </a:r>
+            <a:endParaRPr lang="en-US">
+              <a:solidFill>
+                <a:schemeClr val="bg1"/>
+              </a:solidFill>
+            </a:endParaRPr>
+          </a:p>
+        </p:txBody>
+      </p:sp>
     </p:spTree>
     <p:extLst>
       <p:ext uri="{BB962C8B-B14F-4D97-AF65-F5344CB8AC3E}">
@@ -6864,6 +7916,492 @@
       </p:grpSpPr>
       <p:sp>
         <p:nvSpPr>
+          <p:cNvPr id="9" name="Title 1"/>
+          <p:cNvSpPr>
+            <a:spLocks noGrp="1"/>
+          </p:cNvSpPr>
+          <p:nvPr>
+            <p:ph type="title"/>
+          </p:nvPr>
+        </p:nvSpPr>
+        <p:spPr>
+          <a:xfrm>
+            <a:off x="0" y="0"/>
+            <a:ext cx="12192000" cy="1325563"/>
+          </a:xfrm>
+          <a:solidFill>
+            <a:srgbClr val="00B0F0"/>
+          </a:solidFill>
+        </p:spPr>
+        <p:txBody>
+          <a:bodyPr/>
+          <a:lstStyle/>
+          <a:p>
+            <a:r>
+              <a:rPr lang="en-US" smtClean="0">
+                <a:solidFill>
+                  <a:schemeClr val="bg1"/>
+                </a:solidFill>
+              </a:rPr>
+              <a:t>2. </a:t>
+            </a:r>
+            <a:r>
+              <a:rPr lang="en-US">
+                <a:solidFill>
+                  <a:schemeClr val="bg1"/>
+                </a:solidFill>
+              </a:rPr>
+              <a:t>Class </a:t>
+            </a:r>
+            <a:r>
+              <a:rPr lang="en-US" smtClean="0">
+                <a:solidFill>
+                  <a:schemeClr val="bg1"/>
+                </a:solidFill>
+              </a:rPr>
+              <a:t>Components</a:t>
+            </a:r>
+            <a:endParaRPr lang="en-US">
+              <a:solidFill>
+                <a:schemeClr val="bg1"/>
+              </a:solidFill>
+            </a:endParaRPr>
+          </a:p>
+        </p:txBody>
+      </p:sp>
+      <p:pic>
+        <p:nvPicPr>
+          <p:cNvPr id="5" name="Picture 4"/>
+          <p:cNvPicPr>
+            <a:picLocks noChangeAspect="1"/>
+          </p:cNvPicPr>
+          <p:nvPr/>
+        </p:nvPicPr>
+        <p:blipFill>
+          <a:blip r:embed="rId3"/>
+          <a:stretch>
+            <a:fillRect/>
+          </a:stretch>
+        </p:blipFill>
+        <p:spPr>
+          <a:xfrm>
+            <a:off x="4962293" y="2331767"/>
+            <a:ext cx="7129346" cy="2038350"/>
+          </a:xfrm>
+          <a:prstGeom prst="rect">
+            <a:avLst/>
+          </a:prstGeom>
+        </p:spPr>
+      </p:pic>
+      <p:sp>
+        <p:nvSpPr>
+          <p:cNvPr id="6" name="Right Arrow 5"/>
+          <p:cNvSpPr/>
+          <p:nvPr/>
+        </p:nvSpPr>
+        <p:spPr>
+          <a:xfrm>
+            <a:off x="4059044" y="3245005"/>
+            <a:ext cx="735980" cy="345688"/>
+          </a:xfrm>
+          <a:prstGeom prst="rightArrow">
+            <a:avLst/>
+          </a:prstGeom>
+        </p:spPr>
+        <p:style>
+          <a:lnRef idx="2">
+            <a:schemeClr val="accent1">
+              <a:shade val="50000"/>
+            </a:schemeClr>
+          </a:lnRef>
+          <a:fillRef idx="1">
+            <a:schemeClr val="accent1"/>
+          </a:fillRef>
+          <a:effectRef idx="0">
+            <a:schemeClr val="accent1"/>
+          </a:effectRef>
+          <a:fontRef idx="minor">
+            <a:schemeClr val="lt1"/>
+          </a:fontRef>
+        </p:style>
+        <p:txBody>
+          <a:bodyPr rtlCol="0" anchor="ctr"/>
+          <a:lstStyle/>
+          <a:p>
+            <a:pPr algn="ctr"/>
+            <a:endParaRPr lang="en-US"/>
+          </a:p>
+        </p:txBody>
+      </p:sp>
+      <p:sp>
+        <p:nvSpPr>
+          <p:cNvPr id="8" name="TextBox 7"/>
+          <p:cNvSpPr txBox="1"/>
+          <p:nvPr/>
+        </p:nvSpPr>
+        <p:spPr>
+          <a:xfrm>
+            <a:off x="529450" y="5140803"/>
+            <a:ext cx="9900082" cy="461665"/>
+          </a:xfrm>
+          <a:prstGeom prst="rect">
+            <a:avLst/>
+          </a:prstGeom>
+          <a:noFill/>
+        </p:spPr>
+        <p:txBody>
+          <a:bodyPr wrap="none" rtlCol="0">
+            <a:spAutoFit/>
+          </a:bodyPr>
+          <a:lstStyle/>
+          <a:p>
+            <a:r>
+              <a:rPr lang="en-US" sz="2400" smtClean="0"/>
+              <a:t>Hold on, </a:t>
+            </a:r>
+            <a:r>
+              <a:rPr lang="en-US" sz="2400" smtClean="0">
+                <a:latin typeface="Courier New" panose="02070309020205020404" pitchFamily="49" charset="0"/>
+                <a:cs typeface="Courier New" panose="02070309020205020404" pitchFamily="49" charset="0"/>
+              </a:rPr>
+              <a:t>this.props</a:t>
+            </a:r>
+            <a:r>
+              <a:rPr lang="en-US" sz="2400" smtClean="0">
+                <a:cs typeface="Courier New" panose="02070309020205020404" pitchFamily="49" charset="0"/>
+              </a:rPr>
+              <a:t> did not passes to </a:t>
+            </a:r>
+            <a:r>
+              <a:rPr lang="en-US" sz="2400" smtClean="0">
+                <a:latin typeface="Courier New" panose="02070309020205020404" pitchFamily="49" charset="0"/>
+                <a:cs typeface="Courier New" panose="02070309020205020404" pitchFamily="49" charset="0"/>
+              </a:rPr>
+              <a:t>ClassComponent</a:t>
+            </a:r>
+            <a:r>
+              <a:rPr lang="en-US" sz="2400" smtClean="0">
+                <a:cs typeface="Courier New" panose="02070309020205020404" pitchFamily="49" charset="0"/>
+              </a:rPr>
+              <a:t>. How it works?</a:t>
+            </a:r>
+            <a:endParaRPr lang="en-US" sz="2400">
+              <a:latin typeface="Courier New" panose="02070309020205020404" pitchFamily="49" charset="0"/>
+              <a:cs typeface="Courier New" panose="02070309020205020404" pitchFamily="49" charset="0"/>
+            </a:endParaRPr>
+          </a:p>
+        </p:txBody>
+      </p:sp>
+      <p:pic>
+        <p:nvPicPr>
+          <p:cNvPr id="11" name="Picture 10"/>
+          <p:cNvPicPr>
+            <a:picLocks noChangeAspect="1"/>
+          </p:cNvPicPr>
+          <p:nvPr/>
+        </p:nvPicPr>
+        <p:blipFill>
+          <a:blip r:embed="rId4"/>
+          <a:stretch>
+            <a:fillRect/>
+          </a:stretch>
+        </p:blipFill>
+        <p:spPr>
+          <a:xfrm>
+            <a:off x="529450" y="2331767"/>
+            <a:ext cx="3362325" cy="2038350"/>
+          </a:xfrm>
+          <a:prstGeom prst="rect">
+            <a:avLst/>
+          </a:prstGeom>
+        </p:spPr>
+      </p:pic>
+    </p:spTree>
+    <p:extLst>
+      <p:ext uri="{BB962C8B-B14F-4D97-AF65-F5344CB8AC3E}">
+        <p14:creationId xmlns:p14="http://schemas.microsoft.com/office/powerpoint/2010/main" val="4082646745"/>
+      </p:ext>
+    </p:extLst>
+  </p:cSld>
+  <p:clrMapOvr>
+    <a:masterClrMapping/>
+  </p:clrMapOvr>
+  <p:timing>
+    <p:tnLst>
+      <p:par>
+        <p:cTn id="1" dur="indefinite" restart="never" nodeType="tmRoot"/>
+      </p:par>
+    </p:tnLst>
+  </p:timing>
+</p:sld>
+</file>
+
+<file path=ppt/slides/slide7.xml><?xml version="1.0" encoding="utf-8"?>
+<p:sld xmlns:a="http://schemas.openxmlformats.org/drawingml/2006/main" xmlns:r="http://schemas.openxmlformats.org/officeDocument/2006/relationships" xmlns:p="http://schemas.openxmlformats.org/presentationml/2006/main">
+  <p:cSld>
+    <p:spTree>
+      <p:nvGrpSpPr>
+        <p:cNvPr id="1" name=""/>
+        <p:cNvGrpSpPr/>
+        <p:nvPr/>
+      </p:nvGrpSpPr>
+      <p:grpSpPr>
+        <a:xfrm>
+          <a:off x="0" y="0"/>
+          <a:ext cx="0" cy="0"/>
+          <a:chOff x="0" y="0"/>
+          <a:chExt cx="0" cy="0"/>
+        </a:xfrm>
+      </p:grpSpPr>
+      <p:sp>
+        <p:nvSpPr>
+          <p:cNvPr id="9" name="Title 1"/>
+          <p:cNvSpPr>
+            <a:spLocks noGrp="1"/>
+          </p:cNvSpPr>
+          <p:nvPr>
+            <p:ph type="title"/>
+          </p:nvPr>
+        </p:nvSpPr>
+        <p:spPr>
+          <a:xfrm>
+            <a:off x="0" y="0"/>
+            <a:ext cx="12192000" cy="1325563"/>
+          </a:xfrm>
+          <a:solidFill>
+            <a:srgbClr val="00B0F0"/>
+          </a:solidFill>
+        </p:spPr>
+        <p:txBody>
+          <a:bodyPr/>
+          <a:lstStyle/>
+          <a:p>
+            <a:r>
+              <a:rPr lang="en-US" smtClean="0">
+                <a:solidFill>
+                  <a:schemeClr val="bg1"/>
+                </a:solidFill>
+              </a:rPr>
+              <a:t>2. </a:t>
+            </a:r>
+            <a:r>
+              <a:rPr lang="en-US" smtClean="0">
+                <a:solidFill>
+                  <a:schemeClr val="bg1"/>
+                </a:solidFill>
+              </a:rPr>
+              <a:t>Function Components</a:t>
+            </a:r>
+            <a:endParaRPr lang="en-US">
+              <a:solidFill>
+                <a:schemeClr val="bg1"/>
+              </a:solidFill>
+            </a:endParaRPr>
+          </a:p>
+        </p:txBody>
+      </p:sp>
+      <p:pic>
+        <p:nvPicPr>
+          <p:cNvPr id="2" name="Picture 1"/>
+          <p:cNvPicPr>
+            <a:picLocks noChangeAspect="1"/>
+          </p:cNvPicPr>
+          <p:nvPr/>
+        </p:nvPicPr>
+        <p:blipFill>
+          <a:blip r:embed="rId3"/>
+          <a:stretch>
+            <a:fillRect/>
+          </a:stretch>
+        </p:blipFill>
+        <p:spPr>
+          <a:xfrm>
+            <a:off x="595775" y="1724604"/>
+            <a:ext cx="8938749" cy="2322400"/>
+          </a:xfrm>
+          <a:prstGeom prst="rect">
+            <a:avLst/>
+          </a:prstGeom>
+        </p:spPr>
+      </p:pic>
+      <p:sp>
+        <p:nvSpPr>
+          <p:cNvPr id="3" name="TextBox 2"/>
+          <p:cNvSpPr txBox="1"/>
+          <p:nvPr/>
+        </p:nvSpPr>
+        <p:spPr>
+          <a:xfrm>
+            <a:off x="595776" y="4393580"/>
+            <a:ext cx="9717788" cy="523220"/>
+          </a:xfrm>
+          <a:prstGeom prst="rect">
+            <a:avLst/>
+          </a:prstGeom>
+          <a:noFill/>
+        </p:spPr>
+        <p:txBody>
+          <a:bodyPr wrap="none" rtlCol="0">
+            <a:spAutoFit/>
+          </a:bodyPr>
+          <a:lstStyle/>
+          <a:p>
+            <a:r>
+              <a:rPr lang="en-US" sz="2800" smtClean="0"/>
+              <a:t>Effect Hook lets you perform side effects in function components.</a:t>
+            </a:r>
+          </a:p>
+        </p:txBody>
+      </p:sp>
+      <p:sp>
+        <p:nvSpPr>
+          <p:cNvPr id="4" name="TextBox 3"/>
+          <p:cNvSpPr txBox="1"/>
+          <p:nvPr/>
+        </p:nvSpPr>
+        <p:spPr>
+          <a:xfrm>
+            <a:off x="595776" y="5263376"/>
+            <a:ext cx="10594823" cy="954107"/>
+          </a:xfrm>
+          <a:prstGeom prst="rect">
+            <a:avLst/>
+          </a:prstGeom>
+          <a:noFill/>
+        </p:spPr>
+        <p:txBody>
+          <a:bodyPr wrap="none" rtlCol="0">
+            <a:spAutoFit/>
+          </a:bodyPr>
+          <a:lstStyle/>
+          <a:p>
+            <a:r>
+              <a:rPr lang="en-US" sz="2800" smtClean="0"/>
+              <a:t>You can think </a:t>
+            </a:r>
+            <a:r>
+              <a:rPr lang="en-US" sz="2800" b="1" smtClean="0">
+                <a:solidFill>
+                  <a:schemeClr val="accent5">
+                    <a:lumMod val="75000"/>
+                  </a:schemeClr>
+                </a:solidFill>
+                <a:latin typeface="Courier New" panose="02070309020205020404" pitchFamily="49" charset="0"/>
+                <a:cs typeface="Courier New" panose="02070309020205020404" pitchFamily="49" charset="0"/>
+              </a:rPr>
+              <a:t>useEffect</a:t>
+            </a:r>
+            <a:r>
+              <a:rPr lang="en-US" sz="2800" smtClean="0">
+                <a:cs typeface="Courier New" panose="02070309020205020404" pitchFamily="49" charset="0"/>
+              </a:rPr>
+              <a:t> Hook as </a:t>
+            </a:r>
+            <a:r>
+              <a:rPr lang="en-US" sz="2800" b="1" smtClean="0">
+                <a:solidFill>
+                  <a:schemeClr val="accent5">
+                    <a:lumMod val="75000"/>
+                  </a:schemeClr>
+                </a:solidFill>
+                <a:latin typeface="Courier New" panose="02070309020205020404" pitchFamily="49" charset="0"/>
+                <a:cs typeface="Courier New" panose="02070309020205020404" pitchFamily="49" charset="0"/>
+              </a:rPr>
+              <a:t>componentDidMount</a:t>
+            </a:r>
+            <a:r>
+              <a:rPr lang="en-US" sz="2800" smtClean="0">
+                <a:cs typeface="Courier New" panose="02070309020205020404" pitchFamily="49" charset="0"/>
+              </a:rPr>
+              <a:t>,</a:t>
+            </a:r>
+            <a:br>
+              <a:rPr lang="en-US" sz="2800" smtClean="0">
+                <a:cs typeface="Courier New" panose="02070309020205020404" pitchFamily="49" charset="0"/>
+              </a:rPr>
+            </a:br>
+            <a:r>
+              <a:rPr lang="en-US" sz="2800" b="1" smtClean="0">
+                <a:solidFill>
+                  <a:schemeClr val="accent5">
+                    <a:lumMod val="75000"/>
+                  </a:schemeClr>
+                </a:solidFill>
+                <a:latin typeface="Courier New" panose="02070309020205020404" pitchFamily="49" charset="0"/>
+                <a:cs typeface="Courier New" panose="02070309020205020404" pitchFamily="49" charset="0"/>
+              </a:rPr>
+              <a:t>componentDidUpdate</a:t>
+            </a:r>
+            <a:r>
+              <a:rPr lang="en-US" sz="2800" smtClean="0">
+                <a:cs typeface="Courier New" panose="02070309020205020404" pitchFamily="49" charset="0"/>
+              </a:rPr>
+              <a:t> and </a:t>
+            </a:r>
+            <a:r>
+              <a:rPr lang="en-US" sz="2800" b="1" smtClean="0">
+                <a:solidFill>
+                  <a:schemeClr val="accent5">
+                    <a:lumMod val="75000"/>
+                  </a:schemeClr>
+                </a:solidFill>
+                <a:latin typeface="Courier New" panose="02070309020205020404" pitchFamily="49" charset="0"/>
+                <a:cs typeface="Courier New" panose="02070309020205020404" pitchFamily="49" charset="0"/>
+              </a:rPr>
+              <a:t>componentWillUnmount</a:t>
+            </a:r>
+            <a:r>
+              <a:rPr lang="en-US" sz="2800" smtClean="0">
+                <a:cs typeface="Courier New" panose="02070309020205020404" pitchFamily="49" charset="0"/>
+              </a:rPr>
+              <a:t> combined</a:t>
+            </a:r>
+            <a:endParaRPr lang="en-US" sz="2800">
+              <a:latin typeface="Courier New" panose="02070309020205020404" pitchFamily="49" charset="0"/>
+              <a:cs typeface="Courier New" panose="02070309020205020404" pitchFamily="49" charset="0"/>
+            </a:endParaRPr>
+          </a:p>
+        </p:txBody>
+      </p:sp>
+    </p:spTree>
+    <p:extLst>
+      <p:ext uri="{BB962C8B-B14F-4D97-AF65-F5344CB8AC3E}">
+        <p14:creationId xmlns:p14="http://schemas.microsoft.com/office/powerpoint/2010/main" val="2072521007"/>
+      </p:ext>
+    </p:extLst>
+  </p:cSld>
+  <p:clrMapOvr>
+    <a:masterClrMapping/>
+  </p:clrMapOvr>
+  <p:timing>
+    <p:tnLst>
+      <p:par>
+        <p:cTn id="1" dur="indefinite" restart="never" nodeType="tmRoot"/>
+      </p:par>
+    </p:tnLst>
+  </p:timing>
+</p:sld>
+</file>
+
+<file path=ppt/slides/slide8.xml><?xml version="1.0" encoding="utf-8"?>
+<p:sld xmlns:a="http://schemas.openxmlformats.org/drawingml/2006/main" xmlns:r="http://schemas.openxmlformats.org/officeDocument/2006/relationships" xmlns:p="http://schemas.openxmlformats.org/presentationml/2006/main">
+  <p:cSld>
+    <p:spTree>
+      <p:nvGrpSpPr>
+        <p:cNvPr id="1" name=""/>
+        <p:cNvGrpSpPr/>
+        <p:nvPr/>
+      </p:nvGrpSpPr>
+      <p:grpSpPr>
+        <a:xfrm>
+          <a:off x="0" y="0"/>
+          <a:ext cx="0" cy="0"/>
+          <a:chOff x="0" y="0"/>
+          <a:chExt cx="0" cy="0"/>
+        </a:xfrm>
+      </p:grpSpPr>
+      <p:sp>
+        <p:nvSpPr>
           <p:cNvPr id="2" name="Title 1"/>
           <p:cNvSpPr>
             <a:spLocks noGrp="1"/>
@@ -6914,7 +8452,44 @@
             </a:pPr>
             <a:r>
               <a:rPr lang="en-US"/>
-              <a:t>If you write a function component and realize you need to add some state to it, previously you had to convert it to a class. Now you can use a Hook inside the existing function component.</a:t>
+              <a:t>If you write a function component and realize you need to add some state to it, previously you had to convert it to a class. Now you can use a Hook inside the existing function component</a:t>
+            </a:r>
+            <a:r>
+              <a:rPr lang="en-US" smtClean="0"/>
+              <a:t>.</a:t>
+            </a:r>
+          </a:p>
+          <a:p>
+            <a:pPr>
+              <a:lnSpc>
+                <a:spcPct val="150000"/>
+              </a:lnSpc>
+            </a:pPr>
+            <a:r>
+              <a:rPr lang="en-US" sz="2400" b="1" smtClean="0"/>
+              <a:t>Add state</a:t>
+            </a:r>
+          </a:p>
+          <a:p>
+            <a:pPr>
+              <a:lnSpc>
+                <a:spcPct val="150000"/>
+              </a:lnSpc>
+            </a:pPr>
+            <a:r>
+              <a:rPr lang="en-US" sz="2400" b="1" smtClean="0"/>
+              <a:t>Convert to class</a:t>
+            </a:r>
+          </a:p>
+          <a:p>
+            <a:pPr>
+              <a:lnSpc>
+                <a:spcPct val="150000"/>
+              </a:lnSpc>
+            </a:pPr>
+            <a:r>
+              <a:rPr lang="en-US" sz="2400" b="1" smtClean="0"/>
+              <a:t>Inside existing component</a:t>
             </a:r>
             <a:endParaRPr lang="en-US" sz="2400" b="1"/>
           </a:p>
@@ -7041,221 +8616,27 @@
                       </p:childTnLst>
                     </p:cTn>
                   </p:par>
-                </p:childTnLst>
-              </p:cTn>
-              <p:prevCondLst>
-                <p:cond evt="onPrev" delay="0">
-                  <p:tgtEl>
-                    <p:sldTgt/>
-                  </p:tgtEl>
-                </p:cond>
-              </p:prevCondLst>
-              <p:nextCondLst>
-                <p:cond evt="onNext" delay="0">
-                  <p:tgtEl>
-                    <p:sldTgt/>
-                  </p:tgtEl>
-                </p:cond>
-              </p:nextCondLst>
-            </p:seq>
-          </p:childTnLst>
-        </p:cTn>
-      </p:par>
-    </p:tnLst>
-    <p:bldLst>
-      <p:bldP spid="3" grpId="0" build="p"/>
-    </p:bldLst>
-  </p:timing>
-</p:sld>
-</file>
-
-<file path=ppt/slides/slide7.xml><?xml version="1.0" encoding="utf-8"?>
-<p:sld xmlns:a="http://schemas.openxmlformats.org/drawingml/2006/main" xmlns:r="http://schemas.openxmlformats.org/officeDocument/2006/relationships" xmlns:p="http://schemas.openxmlformats.org/presentationml/2006/main">
-  <p:cSld>
-    <p:spTree>
-      <p:nvGrpSpPr>
-        <p:cNvPr id="1" name=""/>
-        <p:cNvGrpSpPr/>
-        <p:nvPr/>
-      </p:nvGrpSpPr>
-      <p:grpSpPr>
-        <a:xfrm>
-          <a:off x="0" y="0"/>
-          <a:ext cx="0" cy="0"/>
-          <a:chOff x="0" y="0"/>
-          <a:chExt cx="0" cy="0"/>
-        </a:xfrm>
-      </p:grpSpPr>
-      <p:sp>
-        <p:nvSpPr>
-          <p:cNvPr id="2" name="Title 1"/>
-          <p:cNvSpPr>
-            <a:spLocks noGrp="1"/>
-          </p:cNvSpPr>
-          <p:nvPr>
-            <p:ph type="title"/>
-          </p:nvPr>
-        </p:nvSpPr>
-        <p:spPr>
-          <a:xfrm>
-            <a:off x="347546" y="365125"/>
-            <a:ext cx="10515600" cy="1325563"/>
-          </a:xfrm>
-        </p:spPr>
-        <p:txBody>
-          <a:bodyPr/>
-          <a:lstStyle/>
-          <a:p>
-            <a:r>
-              <a:rPr lang="en-US"/>
-              <a:t>4</a:t>
-            </a:r>
-            <a:r>
-              <a:rPr lang="en-US" smtClean="0"/>
-              <a:t>. How to use Hooks?</a:t>
-            </a:r>
-            <a:endParaRPr lang="en-US"/>
-          </a:p>
-        </p:txBody>
-      </p:sp>
-      <p:sp>
-        <p:nvSpPr>
-          <p:cNvPr id="3" name="Content Placeholder 2"/>
-          <p:cNvSpPr>
-            <a:spLocks noGrp="1"/>
-          </p:cNvSpPr>
-          <p:nvPr>
-            <p:ph idx="1"/>
-          </p:nvPr>
-        </p:nvSpPr>
-        <p:spPr/>
-        <p:txBody>
-          <a:bodyPr>
-            <a:normAutofit/>
-          </a:bodyPr>
-          <a:lstStyle/>
-          <a:p>
-            <a:pPr marL="0" indent="0">
-              <a:lnSpc>
-                <a:spcPct val="150000"/>
-              </a:lnSpc>
-              <a:buNone/>
-            </a:pPr>
-            <a:r>
-              <a:rPr lang="en-US" b="1" smtClean="0"/>
-              <a:t>4.1 Rules of Hooks</a:t>
-            </a:r>
-            <a:r>
-              <a:rPr lang="en-US" sz="2400" b="1" smtClean="0"/>
-              <a:t/>
-            </a:r>
-            <a:br>
-              <a:rPr lang="en-US" sz="2400" b="1" smtClean="0"/>
-            </a:br>
-            <a:r>
-              <a:rPr lang="en-US" sz="2400" smtClean="0"/>
-              <a:t>- Only </a:t>
-            </a:r>
-            <a:r>
-              <a:rPr lang="en-US" sz="2400"/>
-              <a:t>Call Hooks at the Top </a:t>
-            </a:r>
-            <a:r>
-              <a:rPr lang="en-US" sz="2400" smtClean="0"/>
-              <a:t>Level: </a:t>
-            </a:r>
-            <a:r>
-              <a:rPr lang="en-US" sz="2400" b="1"/>
-              <a:t>Don’t call Hooks inside loops, conditions, or nested functions.</a:t>
-            </a:r>
-            <a:r>
-              <a:rPr lang="en-US" sz="2400" smtClean="0"/>
-              <a:t/>
-            </a:r>
-            <a:br>
-              <a:rPr lang="en-US" sz="2400" smtClean="0"/>
-            </a:br>
-            <a:r>
-              <a:rPr lang="en-US" sz="2400" smtClean="0"/>
-              <a:t>- </a:t>
-            </a:r>
-            <a:r>
-              <a:rPr lang="en-US" smtClean="0"/>
-              <a:t>Only </a:t>
-            </a:r>
-            <a:r>
-              <a:rPr lang="en-US"/>
-              <a:t>call Hooks from React functions or custom hooks </a:t>
-            </a:r>
-            <a:r>
-              <a:rPr lang="en-US" sz="2400" smtClean="0"/>
-              <a:t>:</a:t>
-            </a:r>
-            <a:r>
-              <a:rPr lang="en-US" sz="2400" b="1" smtClean="0"/>
-              <a:t> </a:t>
-            </a:r>
-            <a:r>
-              <a:rPr lang="en-US" sz="2400" b="1"/>
-              <a:t>Don’t call Hooks from regular JavaScript functions</a:t>
-            </a:r>
-            <a:r>
-              <a:rPr lang="en-US" sz="2400" b="1" smtClean="0"/>
-              <a:t>.</a:t>
-            </a:r>
-            <a:endParaRPr lang="en-US" sz="2400" smtClean="0"/>
-          </a:p>
-          <a:p>
-            <a:pPr marL="457200" indent="-457200">
-              <a:lnSpc>
-                <a:spcPct val="150000"/>
-              </a:lnSpc>
-              <a:buFont typeface="+mj-lt"/>
-              <a:buAutoNum type="alphaLcPeriod"/>
-            </a:pPr>
-            <a:endParaRPr lang="en-US" sz="2400"/>
-          </a:p>
-        </p:txBody>
-      </p:sp>
-    </p:spTree>
-    <p:extLst>
-      <p:ext uri="{BB962C8B-B14F-4D97-AF65-F5344CB8AC3E}">
-        <p14:creationId xmlns:p14="http://schemas.microsoft.com/office/powerpoint/2010/main" val="2608481287"/>
-      </p:ext>
-    </p:extLst>
-  </p:cSld>
-  <p:clrMapOvr>
-    <a:masterClrMapping/>
-  </p:clrMapOvr>
-  <p:timing>
-    <p:tnLst>
-      <p:par>
-        <p:cTn id="1" dur="indefinite" restart="never" nodeType="tmRoot">
-          <p:childTnLst>
-            <p:seq concurrent="1" nextAc="seek">
-              <p:cTn id="2" dur="indefinite" nodeType="mainSeq">
-                <p:childTnLst>
                   <p:par>
-                    <p:cTn id="3" fill="hold">
+                    <p:cTn id="9" fill="hold">
                       <p:stCondLst>
                         <p:cond delay="indefinite"/>
                       </p:stCondLst>
                       <p:childTnLst>
                         <p:par>
-                          <p:cTn id="4" fill="hold">
+                          <p:cTn id="10" fill="hold">
                             <p:stCondLst>
                               <p:cond delay="0"/>
                             </p:stCondLst>
                             <p:childTnLst>
                               <p:par>
-                                <p:cTn id="5" presetID="2" presetClass="entr" presetSubtype="4" fill="hold" grpId="0" nodeType="clickEffect">
+                                <p:cTn id="11" presetID="2" presetClass="entr" presetSubtype="4" fill="hold" grpId="0" nodeType="clickEffect">
                                   <p:stCondLst>
                                     <p:cond delay="0"/>
                                   </p:stCondLst>
                                   <p:childTnLst>
                                     <p:set>
                                       <p:cBhvr>
-                                        <p:cTn id="6" dur="1" fill="hold">
+                                        <p:cTn id="12" dur="1" fill="hold">
                                           <p:stCondLst>
                                             <p:cond delay="0"/>
                                           </p:stCondLst>
@@ -7263,7 +8644,7 @@
                                         <p:tgtEl>
                                           <p:spTgt spid="3">
                                             <p:txEl>
-                                              <p:pRg st="0" end="0"/>
+                                              <p:pRg st="1" end="1"/>
                                             </p:txEl>
                                           </p:spTgt>
                                         </p:tgtEl>
@@ -7277,11 +8658,11 @@
                                     </p:set>
                                     <p:anim calcmode="lin" valueType="num">
                                       <p:cBhvr additive="base">
-                                        <p:cTn id="7" dur="500" fill="hold"/>
+                                        <p:cTn id="13" dur="500" fill="hold"/>
                                         <p:tgtEl>
                                           <p:spTgt spid="3">
                                             <p:txEl>
-                                              <p:pRg st="0" end="0"/>
+                                              <p:pRg st="1" end="1"/>
                                             </p:txEl>
                                           </p:spTgt>
                                         </p:tgtEl>
@@ -7304,11 +8685,11 @@
                                     </p:anim>
                                     <p:anim calcmode="lin" valueType="num">
                                       <p:cBhvr additive="base">
-                                        <p:cTn id="8" dur="500" fill="hold"/>
+                                        <p:cTn id="14" dur="500" fill="hold"/>
                                         <p:tgtEl>
                                           <p:spTgt spid="3">
                                             <p:txEl>
-                                              <p:pRg st="0" end="0"/>
+                                              <p:pRg st="1" end="1"/>
                                             </p:txEl>
                                           </p:spTgt>
                                         </p:tgtEl>
@@ -7338,159 +8719,27 @@
                       </p:childTnLst>
                     </p:cTn>
                   </p:par>
-                </p:childTnLst>
-              </p:cTn>
-              <p:prevCondLst>
-                <p:cond evt="onPrev" delay="0">
-                  <p:tgtEl>
-                    <p:sldTgt/>
-                  </p:tgtEl>
-                </p:cond>
-              </p:prevCondLst>
-              <p:nextCondLst>
-                <p:cond evt="onNext" delay="0">
-                  <p:tgtEl>
-                    <p:sldTgt/>
-                  </p:tgtEl>
-                </p:cond>
-              </p:nextCondLst>
-            </p:seq>
-          </p:childTnLst>
-        </p:cTn>
-      </p:par>
-    </p:tnLst>
-    <p:bldLst>
-      <p:bldP spid="3" grpId="0" build="p"/>
-    </p:bldLst>
-  </p:timing>
-</p:sld>
-</file>
-
-<file path=ppt/slides/slide8.xml><?xml version="1.0" encoding="utf-8"?>
-<p:sld xmlns:a="http://schemas.openxmlformats.org/drawingml/2006/main" xmlns:r="http://schemas.openxmlformats.org/officeDocument/2006/relationships" xmlns:p="http://schemas.openxmlformats.org/presentationml/2006/main">
-  <p:cSld>
-    <p:spTree>
-      <p:nvGrpSpPr>
-        <p:cNvPr id="1" name=""/>
-        <p:cNvGrpSpPr/>
-        <p:nvPr/>
-      </p:nvGrpSpPr>
-      <p:grpSpPr>
-        <a:xfrm>
-          <a:off x="0" y="0"/>
-          <a:ext cx="0" cy="0"/>
-          <a:chOff x="0" y="0"/>
-          <a:chExt cx="0" cy="0"/>
-        </a:xfrm>
-      </p:grpSpPr>
-      <p:sp>
-        <p:nvSpPr>
-          <p:cNvPr id="2" name="Title 1"/>
-          <p:cNvSpPr>
-            <a:spLocks noGrp="1"/>
-          </p:cNvSpPr>
-          <p:nvPr>
-            <p:ph type="title"/>
-          </p:nvPr>
-        </p:nvSpPr>
-        <p:spPr>
-          <a:xfrm>
-            <a:off x="347546" y="365125"/>
-            <a:ext cx="10515600" cy="1325563"/>
-          </a:xfrm>
-        </p:spPr>
-        <p:txBody>
-          <a:bodyPr/>
-          <a:lstStyle/>
-          <a:p>
-            <a:r>
-              <a:rPr lang="en-US"/>
-              <a:t>4</a:t>
-            </a:r>
-            <a:r>
-              <a:rPr lang="en-US" smtClean="0"/>
-              <a:t>. How to use Hooks?</a:t>
-            </a:r>
-            <a:endParaRPr lang="en-US"/>
-          </a:p>
-        </p:txBody>
-      </p:sp>
-      <p:sp>
-        <p:nvSpPr>
-          <p:cNvPr id="3" name="Content Placeholder 2"/>
-          <p:cNvSpPr>
-            <a:spLocks noGrp="1"/>
-          </p:cNvSpPr>
-          <p:nvPr>
-            <p:ph idx="1"/>
-          </p:nvPr>
-        </p:nvSpPr>
-        <p:spPr/>
-        <p:txBody>
-          <a:bodyPr>
-            <a:normAutofit/>
-          </a:bodyPr>
-          <a:lstStyle/>
-          <a:p>
-            <a:pPr marL="0" indent="0">
-              <a:lnSpc>
-                <a:spcPct val="150000"/>
-              </a:lnSpc>
-              <a:buNone/>
-            </a:pPr>
-            <a:r>
-              <a:rPr lang="en-US" b="1" smtClean="0"/>
-              <a:t>4.2 Using The State Hooks.</a:t>
-            </a:r>
-            <a:br>
-              <a:rPr lang="en-US" b="1" smtClean="0"/>
-            </a:br>
-            <a:r>
-              <a:rPr lang="en-US" b="1" smtClean="0"/>
-              <a:t>	</a:t>
-            </a:r>
-          </a:p>
-        </p:txBody>
-      </p:sp>
-    </p:spTree>
-    <p:extLst>
-      <p:ext uri="{BB962C8B-B14F-4D97-AF65-F5344CB8AC3E}">
-        <p14:creationId xmlns:p14="http://schemas.microsoft.com/office/powerpoint/2010/main" val="1008856109"/>
-      </p:ext>
-    </p:extLst>
-  </p:cSld>
-  <p:clrMapOvr>
-    <a:masterClrMapping/>
-  </p:clrMapOvr>
-  <p:timing>
-    <p:tnLst>
-      <p:par>
-        <p:cTn id="1" dur="indefinite" restart="never" nodeType="tmRoot">
-          <p:childTnLst>
-            <p:seq concurrent="1" nextAc="seek">
-              <p:cTn id="2" dur="indefinite" nodeType="mainSeq">
-                <p:childTnLst>
                   <p:par>
-                    <p:cTn id="3" fill="hold">
+                    <p:cTn id="15" fill="hold">
                       <p:stCondLst>
                         <p:cond delay="indefinite"/>
                       </p:stCondLst>
                       <p:childTnLst>
                         <p:par>
-                          <p:cTn id="4" fill="hold">
+                          <p:cTn id="16" fill="hold">
                             <p:stCondLst>
                               <p:cond delay="0"/>
                             </p:stCondLst>
                             <p:childTnLst>
                               <p:par>
-                                <p:cTn id="5" presetID="2" presetClass="entr" presetSubtype="4" fill="hold" grpId="0" nodeType="clickEffect">
+                                <p:cTn id="17" presetID="2" presetClass="entr" presetSubtype="4" fill="hold" grpId="0" nodeType="clickEffect">
                                   <p:stCondLst>
                                     <p:cond delay="0"/>
                                   </p:stCondLst>
                                   <p:childTnLst>
                                     <p:set>
                                       <p:cBhvr>
-                                        <p:cTn id="6" dur="1" fill="hold">
+                                        <p:cTn id="18" dur="1" fill="hold">
                                           <p:stCondLst>
                                             <p:cond delay="0"/>
                                           </p:stCondLst>
@@ -7498,7 +8747,7 @@
                                         <p:tgtEl>
                                           <p:spTgt spid="3">
                                             <p:txEl>
-                                              <p:pRg st="0" end="0"/>
+                                              <p:pRg st="2" end="2"/>
                                             </p:txEl>
                                           </p:spTgt>
                                         </p:tgtEl>
@@ -7512,11 +8761,11 @@
                                     </p:set>
                                     <p:anim calcmode="lin" valueType="num">
                                       <p:cBhvr additive="base">
-                                        <p:cTn id="7" dur="500" fill="hold"/>
+                                        <p:cTn id="19" dur="500" fill="hold"/>
                                         <p:tgtEl>
                                           <p:spTgt spid="3">
                                             <p:txEl>
-                                              <p:pRg st="0" end="0"/>
+                                              <p:pRg st="2" end="2"/>
                                             </p:txEl>
                                           </p:spTgt>
                                         </p:tgtEl>
@@ -7539,11 +8788,114 @@
                                     </p:anim>
                                     <p:anim calcmode="lin" valueType="num">
                                       <p:cBhvr additive="base">
-                                        <p:cTn id="8" dur="500" fill="hold"/>
+                                        <p:cTn id="20" dur="500" fill="hold"/>
                                         <p:tgtEl>
                                           <p:spTgt spid="3">
                                             <p:txEl>
-                                              <p:pRg st="0" end="0"/>
+                                              <p:pRg st="2" end="2"/>
+                                            </p:txEl>
+                                          </p:spTgt>
+                                        </p:tgtEl>
+                                        <p:attrNameLst>
+                                          <p:attrName>ppt_y</p:attrName>
+                                        </p:attrNameLst>
+                                      </p:cBhvr>
+                                      <p:tavLst>
+                                        <p:tav tm="0">
+                                          <p:val>
+                                            <p:strVal val="1+#ppt_h/2"/>
+                                          </p:val>
+                                        </p:tav>
+                                        <p:tav tm="100000">
+                                          <p:val>
+                                            <p:strVal val="#ppt_y"/>
+                                          </p:val>
+                                        </p:tav>
+                                      </p:tavLst>
+                                    </p:anim>
+                                  </p:childTnLst>
+                                </p:cTn>
+                              </p:par>
+                            </p:childTnLst>
+                          </p:cTn>
+                        </p:par>
+                      </p:childTnLst>
+                    </p:cTn>
+                  </p:par>
+                  <p:par>
+                    <p:cTn id="21" fill="hold">
+                      <p:stCondLst>
+                        <p:cond delay="indefinite"/>
+                      </p:stCondLst>
+                      <p:childTnLst>
+                        <p:par>
+                          <p:cTn id="22" fill="hold">
+                            <p:stCondLst>
+                              <p:cond delay="0"/>
+                            </p:stCondLst>
+                            <p:childTnLst>
+                              <p:par>
+                                <p:cTn id="23" presetID="2" presetClass="entr" presetSubtype="4" fill="hold" grpId="0" nodeType="clickEffect">
+                                  <p:stCondLst>
+                                    <p:cond delay="0"/>
+                                  </p:stCondLst>
+                                  <p:childTnLst>
+                                    <p:set>
+                                      <p:cBhvr>
+                                        <p:cTn id="24" dur="1" fill="hold">
+                                          <p:stCondLst>
+                                            <p:cond delay="0"/>
+                                          </p:stCondLst>
+                                        </p:cTn>
+                                        <p:tgtEl>
+                                          <p:spTgt spid="3">
+                                            <p:txEl>
+                                              <p:pRg st="3" end="3"/>
+                                            </p:txEl>
+                                          </p:spTgt>
+                                        </p:tgtEl>
+                                        <p:attrNameLst>
+                                          <p:attrName>style.visibility</p:attrName>
+                                        </p:attrNameLst>
+                                      </p:cBhvr>
+                                      <p:to>
+                                        <p:strVal val="visible"/>
+                                      </p:to>
+                                    </p:set>
+                                    <p:anim calcmode="lin" valueType="num">
+                                      <p:cBhvr additive="base">
+                                        <p:cTn id="25" dur="500" fill="hold"/>
+                                        <p:tgtEl>
+                                          <p:spTgt spid="3">
+                                            <p:txEl>
+                                              <p:pRg st="3" end="3"/>
+                                            </p:txEl>
+                                          </p:spTgt>
+                                        </p:tgtEl>
+                                        <p:attrNameLst>
+                                          <p:attrName>ppt_x</p:attrName>
+                                        </p:attrNameLst>
+                                      </p:cBhvr>
+                                      <p:tavLst>
+                                        <p:tav tm="0">
+                                          <p:val>
+                                            <p:strVal val="#ppt_x"/>
+                                          </p:val>
+                                        </p:tav>
+                                        <p:tav tm="100000">
+                                          <p:val>
+                                            <p:strVal val="#ppt_x"/>
+                                          </p:val>
+                                        </p:tav>
+                                      </p:tavLst>
+                                    </p:anim>
+                                    <p:anim calcmode="lin" valueType="num">
+                                      <p:cBhvr additive="base">
+                                        <p:cTn id="26" dur="500" fill="hold"/>
+                                        <p:tgtEl>
+                                          <p:spTgt spid="3">
+                                            <p:txEl>
+                                              <p:pRg st="3" end="3"/>
                                             </p:txEl>
                                           </p:spTgt>
                                         </p:tgtEl>
@@ -7667,40 +9019,92 @@
           </a:bodyPr>
           <a:lstStyle/>
           <a:p>
-            <a:pPr marL="514350" indent="-514350">
-              <a:lnSpc>
-                <a:spcPct val="150000"/>
-              </a:lnSpc>
-              <a:buAutoNum type="alphaLcPeriod"/>
-            </a:pPr>
-            <a:r>
-              <a:rPr lang="en-US" b="1" err="1" smtClean="0"/>
-              <a:t>useState</a:t>
-            </a:r>
-            <a:r>
-              <a:rPr lang="en-US" b="1" smtClean="0"/>
-              <a:t/>
-            </a:r>
-            <a:br>
-              <a:rPr lang="en-US" b="1" smtClean="0"/>
-            </a:br>
-            <a:endParaRPr lang="en-US" smtClean="0"/>
-          </a:p>
-          <a:p>
             <a:pPr marL="0" indent="0">
               <a:lnSpc>
                 <a:spcPct val="150000"/>
               </a:lnSpc>
               <a:buNone/>
             </a:pPr>
-            <a:endParaRPr lang="en-US" b="1"/>
+            <a:r>
+              <a:rPr lang="en-US" b="1" smtClean="0"/>
+              <a:t>4.1 Rules of Hooks</a:t>
+            </a:r>
+            <a:r>
+              <a:rPr lang="en-US" sz="2400" b="1" smtClean="0"/>
+              <a:t/>
+            </a:r>
+            <a:br>
+              <a:rPr lang="en-US" sz="2400" b="1" smtClean="0"/>
+            </a:br>
+            <a:r>
+              <a:rPr lang="en-US" sz="2400" smtClean="0"/>
+              <a:t>- Only </a:t>
+            </a:r>
+            <a:r>
+              <a:rPr lang="en-US" sz="2400"/>
+              <a:t>Call Hooks at the Top </a:t>
+            </a:r>
+            <a:r>
+              <a:rPr lang="en-US" sz="2400" smtClean="0"/>
+              <a:t>Level: </a:t>
+            </a:r>
+            <a:r>
+              <a:rPr lang="en-US" sz="2400" b="1"/>
+              <a:t>Don’t call Hooks inside loops, conditions, or nested functions.</a:t>
+            </a:r>
+            <a:r>
+              <a:rPr lang="en-US" sz="2400" smtClean="0"/>
+              <a:t/>
+            </a:r>
+            <a:br>
+              <a:rPr lang="en-US" sz="2400" smtClean="0"/>
+            </a:br>
+            <a:r>
+              <a:rPr lang="en-US" sz="2400" smtClean="0"/>
+              <a:t>- </a:t>
+            </a:r>
+            <a:r>
+              <a:rPr lang="en-US" smtClean="0"/>
+              <a:t>Only </a:t>
+            </a:r>
+            <a:r>
+              <a:rPr lang="en-US"/>
+              <a:t>call Hooks from React functions or custom hooks </a:t>
+            </a:r>
+            <a:r>
+              <a:rPr lang="en-US" sz="2400" smtClean="0"/>
+              <a:t>:</a:t>
+            </a:r>
+            <a:r>
+              <a:rPr lang="en-US" sz="2400" b="1" smtClean="0"/>
+              <a:t> </a:t>
+            </a:r>
+            <a:r>
+              <a:rPr lang="en-US" sz="2400" b="1"/>
+              <a:t>Don’t call Hooks from regular JavaScript functions</a:t>
+            </a:r>
+            <a:r>
+              <a:rPr lang="en-US" sz="2400" b="1" smtClean="0"/>
+              <a:t>.</a:t>
+            </a:r>
+            <a:endParaRPr lang="en-US" sz="2400" smtClean="0"/>
+          </a:p>
+          <a:p>
+            <a:pPr marL="457200" indent="-457200">
+              <a:lnSpc>
+                <a:spcPct val="150000"/>
+              </a:lnSpc>
+              <a:buFont typeface="+mj-lt"/>
+              <a:buAutoNum type="alphaLcPeriod"/>
+            </a:pPr>
+            <a:endParaRPr lang="en-US" sz="2400"/>
           </a:p>
         </p:txBody>
       </p:sp>
     </p:spTree>
     <p:extLst>
       <p:ext uri="{BB962C8B-B14F-4D97-AF65-F5344CB8AC3E}">
-        <p14:creationId xmlns:p14="http://schemas.microsoft.com/office/powerpoint/2010/main" val="4022983786"/>
+        <p14:creationId xmlns:p14="http://schemas.microsoft.com/office/powerpoint/2010/main" val="2608481287"/>
       </p:ext>
     </p:extLst>
   </p:cSld>

--- a/ReactHooks.pptx
+++ b/ReactHooks.pptx
@@ -14,7 +14,7 @@
     <p:sldId id="269" r:id="rId2"/>
     <p:sldId id="268" r:id="rId3"/>
     <p:sldId id="257" r:id="rId4"/>
-    <p:sldId id="258" r:id="rId5"/>
+    <p:sldId id="274" r:id="rId5"/>
     <p:sldId id="270" r:id="rId6"/>
     <p:sldId id="272" r:id="rId7"/>
     <p:sldId id="273" r:id="rId8"/>
@@ -211,7 +211,7 @@
           <a:p>
             <a:fld id="{9178D1A1-91A7-4B77-A692-87D3F8B9A420}" type="datetimeFigureOut">
               <a:rPr lang="en-US" smtClean="0"/>
-              <a:t>5/10/2019</a:t>
+              <a:t>5/11/2019</a:t>
             </a:fld>
             <a:endParaRPr lang="en-US"/>
           </a:p>
@@ -377,7 +377,7 @@
           <a:p>
             <a:fld id="{B4948491-EFE7-41DA-B945-73D2DFE774B9}" type="datetimeFigureOut">
               <a:rPr lang="en-US" smtClean="0"/>
-              <a:t>5/10/2019</a:t>
+              <a:t>5/11/2019</a:t>
             </a:fld>
             <a:endParaRPr lang="en-US"/>
           </a:p>
@@ -694,33 +694,14 @@
               <a:buAutoNum type="arabicPeriod"/>
             </a:pPr>
             <a:r>
-              <a:rPr lang="en-US" smtClean="0"/>
-              <a:t>What</a:t>
-            </a:r>
-          </a:p>
-          <a:p>
-            <a:pPr marL="228600" indent="-228600">
-              <a:buAutoNum type="arabicPeriod"/>
-            </a:pPr>
-            <a:r>
-              <a:rPr lang="en-US" smtClean="0"/>
-              <a:t>Why =&gt; List why would</a:t>
-            </a:r>
-            <a:r>
-              <a:rPr lang="en-US" baseline="0" smtClean="0"/>
-              <a:t> we use hooks. </a:t>
-            </a:r>
-            <a:endParaRPr lang="en-US" smtClean="0"/>
-          </a:p>
-          <a:p>
-            <a:pPr marL="228600" indent="-228600">
-              <a:buAutoNum type="arabicPeriod"/>
-            </a:pPr>
-            <a:r>
-              <a:rPr lang="en-US" smtClean="0"/>
-              <a:t>When</a:t>
-            </a:r>
-            <a:endParaRPr lang="en-US"/>
+              <a:rPr lang="en-US" dirty="0" smtClean="0"/>
+              <a:t>Talk</a:t>
+            </a:r>
+            <a:r>
+              <a:rPr lang="en-US" baseline="0" dirty="0" smtClean="0"/>
+              <a:t> about </a:t>
+            </a:r>
+            <a:endParaRPr lang="en-US" dirty="0"/>
           </a:p>
         </p:txBody>
       </p:sp>
@@ -751,248 +732,6 @@
     <p:extLst>
       <p:ext uri="{BB962C8B-B14F-4D97-AF65-F5344CB8AC3E}">
         <p14:creationId xmlns:p14="http://schemas.microsoft.com/office/powerpoint/2010/main" val="2567672251"/>
-      </p:ext>
-    </p:extLst>
-  </p:cSld>
-  <p:clrMapOvr>
-    <a:masterClrMapping/>
-  </p:clrMapOvr>
-</p:notes>
-</file>
-
-<file path=ppt/notesSlides/notesSlide10.xml><?xml version="1.0" encoding="utf-8"?>
-<p:notes xmlns:a="http://schemas.openxmlformats.org/drawingml/2006/main" xmlns:r="http://schemas.openxmlformats.org/officeDocument/2006/relationships" xmlns:p="http://schemas.openxmlformats.org/presentationml/2006/main">
-  <p:cSld>
-    <p:spTree>
-      <p:nvGrpSpPr>
-        <p:cNvPr id="1" name=""/>
-        <p:cNvGrpSpPr/>
-        <p:nvPr/>
-      </p:nvGrpSpPr>
-      <p:grpSpPr>
-        <a:xfrm>
-          <a:off x="0" y="0"/>
-          <a:ext cx="0" cy="0"/>
-          <a:chOff x="0" y="0"/>
-          <a:chExt cx="0" cy="0"/>
-        </a:xfrm>
-      </p:grpSpPr>
-      <p:sp>
-        <p:nvSpPr>
-          <p:cNvPr id="2" name="Slide Image Placeholder 1"/>
-          <p:cNvSpPr>
-            <a:spLocks noGrp="1" noRot="1" noChangeAspect="1"/>
-          </p:cNvSpPr>
-          <p:nvPr>
-            <p:ph type="sldImg"/>
-          </p:nvPr>
-        </p:nvSpPr>
-        <p:spPr/>
-      </p:sp>
-      <p:sp>
-        <p:nvSpPr>
-          <p:cNvPr id="3" name="Notes Placeholder 2"/>
-          <p:cNvSpPr>
-            <a:spLocks noGrp="1"/>
-          </p:cNvSpPr>
-          <p:nvPr>
-            <p:ph type="body" idx="1"/>
-          </p:nvPr>
-        </p:nvSpPr>
-        <p:spPr/>
-        <p:txBody>
-          <a:bodyPr/>
-          <a:lstStyle/>
-          <a:p>
-            <a:pPr marL="0" marR="0" lvl="0" indent="0" algn="l" defTabSz="914400" rtl="0" eaLnBrk="1" fontAlgn="auto" latinLnBrk="0" hangingPunct="1">
-              <a:lnSpc>
-                <a:spcPct val="100000"/>
-              </a:lnSpc>
-              <a:spcBef>
-                <a:spcPts val="0"/>
-              </a:spcBef>
-              <a:spcAft>
-                <a:spcPts val="0"/>
-              </a:spcAft>
-              <a:buClrTx/>
-              <a:buSzTx/>
-              <a:buFontTx/>
-              <a:buNone/>
-              <a:tabLst/>
-              <a:defRPr/>
-            </a:pPr>
-            <a:r>
-              <a:rPr lang="en-US" smtClean="0"/>
-              <a:t>Combine</a:t>
-            </a:r>
-            <a:r>
-              <a:rPr lang="en-US" baseline="0" smtClean="0"/>
-              <a:t> with where questions.</a:t>
-            </a:r>
-          </a:p>
-          <a:p>
-            <a:pPr marL="0" marR="0" lvl="0" indent="0" algn="l" defTabSz="914400" rtl="0" eaLnBrk="1" fontAlgn="auto" latinLnBrk="0" hangingPunct="1">
-              <a:lnSpc>
-                <a:spcPct val="100000"/>
-              </a:lnSpc>
-              <a:spcBef>
-                <a:spcPts val="0"/>
-              </a:spcBef>
-              <a:spcAft>
-                <a:spcPts val="0"/>
-              </a:spcAft>
-              <a:buClrTx/>
-              <a:buSzTx/>
-              <a:buFontTx/>
-              <a:buNone/>
-              <a:tabLst/>
-              <a:defRPr/>
-            </a:pPr>
-            <a:endParaRPr lang="en-US" smtClean="0"/>
-          </a:p>
-          <a:p>
-            <a:pPr marL="228600" marR="0" lvl="0" indent="-228600" algn="l" defTabSz="914400" rtl="0" eaLnBrk="1" fontAlgn="auto" latinLnBrk="0" hangingPunct="1">
-              <a:lnSpc>
-                <a:spcPct val="100000"/>
-              </a:lnSpc>
-              <a:spcBef>
-                <a:spcPts val="0"/>
-              </a:spcBef>
-              <a:spcAft>
-                <a:spcPts val="0"/>
-              </a:spcAft>
-              <a:buClrTx/>
-              <a:buSzTx/>
-              <a:buFontTx/>
-              <a:buAutoNum type="alphaLcPeriod"/>
-              <a:tabLst/>
-              <a:defRPr/>
-            </a:pPr>
-            <a:r>
-              <a:rPr lang="en-US" baseline="0" smtClean="0"/>
-              <a:t>Rules of hooks:</a:t>
-            </a:r>
-            <a:br>
-              <a:rPr lang="en-US" baseline="0" smtClean="0"/>
-            </a:br>
-            <a:r>
-              <a:rPr lang="en-US" baseline="0" smtClean="0"/>
-              <a:t>- </a:t>
-            </a:r>
-            <a:r>
-              <a:rPr lang="en-US" sz="1200" b="0" i="0" kern="1200" smtClean="0">
-                <a:solidFill>
-                  <a:schemeClr val="tx1"/>
-                </a:solidFill>
-                <a:effectLst/>
-                <a:latin typeface="+mn-lt"/>
-                <a:ea typeface="+mn-ea"/>
-                <a:cs typeface="+mn-cs"/>
-              </a:rPr>
-              <a:t>Ensure that Hooks are called in the same order each time a component renders. </a:t>
-            </a:r>
-            <a:r>
-              <a:rPr lang="en-US" baseline="0" smtClean="0"/>
-              <a:t>Make Hooks preserve the state of Hooks between multiple </a:t>
-            </a:r>
-            <a:r>
-              <a:rPr lang="en-US" i="1" baseline="0" err="1" smtClean="0"/>
-              <a:t>useState</a:t>
-            </a:r>
-            <a:r>
-              <a:rPr lang="en-US" i="0" baseline="0" smtClean="0"/>
-              <a:t> and </a:t>
-            </a:r>
-            <a:r>
-              <a:rPr lang="en-US" i="1" baseline="0" err="1" smtClean="0"/>
-              <a:t>useEffect</a:t>
-            </a:r>
-            <a:r>
-              <a:rPr lang="en-US" i="0" baseline="0" smtClean="0"/>
-              <a:t>.</a:t>
-            </a:r>
-            <a:br>
-              <a:rPr lang="en-US" i="0" baseline="0" smtClean="0"/>
-            </a:br>
-            <a:r>
-              <a:rPr lang="en-US" i="0" baseline="0" smtClean="0"/>
-              <a:t>- Regular </a:t>
-            </a:r>
-            <a:r>
-              <a:rPr lang="en-US" i="0" baseline="0" err="1" smtClean="0"/>
-              <a:t>Js</a:t>
-            </a:r>
-            <a:r>
-              <a:rPr lang="en-US" i="0" baseline="0" smtClean="0"/>
-              <a:t> functions: ajax …. This rule</a:t>
-            </a:r>
-            <a:r>
-              <a:rPr lang="en-US" sz="1200" b="0" i="0" kern="1200" smtClean="0">
-                <a:solidFill>
-                  <a:schemeClr val="tx1"/>
-                </a:solidFill>
-                <a:effectLst/>
-                <a:latin typeface="+mn-lt"/>
-                <a:ea typeface="+mn-ea"/>
-                <a:cs typeface="+mn-cs"/>
-              </a:rPr>
-              <a:t> ensure that all </a:t>
-            </a:r>
-            <a:r>
-              <a:rPr lang="en-US" sz="1200" b="0" i="0" kern="1200" err="1" smtClean="0">
-                <a:solidFill>
-                  <a:schemeClr val="tx1"/>
-                </a:solidFill>
-                <a:effectLst/>
-                <a:latin typeface="+mn-lt"/>
-                <a:ea typeface="+mn-ea"/>
-                <a:cs typeface="+mn-cs"/>
-              </a:rPr>
-              <a:t>stateful</a:t>
-            </a:r>
-            <a:r>
-              <a:rPr lang="en-US" sz="1200" b="0" i="0" kern="1200" smtClean="0">
-                <a:solidFill>
-                  <a:schemeClr val="tx1"/>
-                </a:solidFill>
-                <a:effectLst/>
-                <a:latin typeface="+mn-lt"/>
-                <a:ea typeface="+mn-ea"/>
-                <a:cs typeface="+mn-cs"/>
-              </a:rPr>
-              <a:t> logic in a component is clearly visible from its source code.</a:t>
-            </a:r>
-            <a:endParaRPr lang="en-US" baseline="0" smtClean="0"/>
-          </a:p>
-        </p:txBody>
-      </p:sp>
-      <p:sp>
-        <p:nvSpPr>
-          <p:cNvPr id="5" name="Slide Number Placeholder 4"/>
-          <p:cNvSpPr>
-            <a:spLocks noGrp="1"/>
-          </p:cNvSpPr>
-          <p:nvPr>
-            <p:ph type="sldNum" sz="quarter" idx="10"/>
-          </p:nvPr>
-        </p:nvSpPr>
-        <p:spPr/>
-        <p:txBody>
-          <a:bodyPr/>
-          <a:lstStyle/>
-          <a:p>
-            <a:fld id="{FBF31ECA-FEBF-416A-9457-D684578178CB}" type="slidenum">
-              <a:rPr lang="en-US" smtClean="0"/>
-              <a:t>12</a:t>
-            </a:fld>
-            <a:endParaRPr lang="en-US"/>
-          </a:p>
-        </p:txBody>
-      </p:sp>
-    </p:spTree>
-    <p:extLst>
-      <p:ext uri="{BB962C8B-B14F-4D97-AF65-F5344CB8AC3E}">
-        <p14:creationId xmlns:p14="http://schemas.microsoft.com/office/powerpoint/2010/main" val="2969476635"/>
       </p:ext>
     </p:extLst>
   </p:cSld>
@@ -1234,7 +973,7 @@
           <a:p>
             <a:fld id="{FBF31ECA-FEBF-416A-9457-D684578178CB}" type="slidenum">
               <a:rPr lang="en-US" smtClean="0"/>
-              <a:t>4</a:t>
+              <a:t>5</a:t>
             </a:fld>
             <a:endParaRPr lang="en-US"/>
           </a:p>
@@ -1243,7 +982,7 @@
     </p:spTree>
     <p:extLst>
       <p:ext uri="{BB962C8B-B14F-4D97-AF65-F5344CB8AC3E}">
-        <p14:creationId xmlns:p14="http://schemas.microsoft.com/office/powerpoint/2010/main" val="314059673"/>
+        <p14:creationId xmlns:p14="http://schemas.microsoft.com/office/powerpoint/2010/main" val="2801379702"/>
       </p:ext>
     </p:extLst>
   </p:cSld>
@@ -1485,7 +1224,7 @@
           <a:p>
             <a:fld id="{FBF31ECA-FEBF-416A-9457-D684578178CB}" type="slidenum">
               <a:rPr lang="en-US" smtClean="0"/>
-              <a:t>5</a:t>
+              <a:t>6</a:t>
             </a:fld>
             <a:endParaRPr lang="en-US"/>
           </a:p>
@@ -1494,7 +1233,7 @@
     </p:spTree>
     <p:extLst>
       <p:ext uri="{BB962C8B-B14F-4D97-AF65-F5344CB8AC3E}">
-        <p14:creationId xmlns:p14="http://schemas.microsoft.com/office/powerpoint/2010/main" val="2801379702"/>
+        <p14:creationId xmlns:p14="http://schemas.microsoft.com/office/powerpoint/2010/main" val="1615583293"/>
       </p:ext>
     </p:extLst>
   </p:cSld>
@@ -1736,7 +1475,7 @@
           <a:p>
             <a:fld id="{FBF31ECA-FEBF-416A-9457-D684578178CB}" type="slidenum">
               <a:rPr lang="en-US" smtClean="0"/>
-              <a:t>6</a:t>
+              <a:t>7</a:t>
             </a:fld>
             <a:endParaRPr lang="en-US"/>
           </a:p>
@@ -1745,7 +1484,7 @@
     </p:spTree>
     <p:extLst>
       <p:ext uri="{BB962C8B-B14F-4D97-AF65-F5344CB8AC3E}">
-        <p14:creationId xmlns:p14="http://schemas.microsoft.com/office/powerpoint/2010/main" val="1615583293"/>
+        <p14:creationId xmlns:p14="http://schemas.microsoft.com/office/powerpoint/2010/main" val="3854836216"/>
       </p:ext>
     </p:extLst>
   </p:cSld>
@@ -1816,156 +1555,6 @@
               <a:tabLst/>
               <a:defRPr/>
             </a:pPr>
-            <a:r>
-              <a:rPr lang="en-US" smtClean="0"/>
-              <a:t>- </a:t>
-            </a:r>
-            <a:r>
-              <a:rPr lang="en-US" sz="1200" smtClean="0"/>
-              <a:t>Require you to restructure your components.</a:t>
-            </a:r>
-            <a:br>
-              <a:rPr lang="en-US" sz="1200" smtClean="0"/>
-            </a:br>
-            <a:r>
-              <a:rPr lang="en-US" sz="1200" smtClean="0"/>
-              <a:t>- Cumbersome, code hard to follow.</a:t>
-            </a:r>
-            <a:br>
-              <a:rPr lang="en-US" sz="1200" smtClean="0"/>
-            </a:br>
-            <a:r>
-              <a:rPr lang="en-US" sz="1200" smtClean="0"/>
-              <a:t>- With Hooks, Can be tested independently and reused</a:t>
-            </a:r>
-            <a:r>
-              <a:rPr lang="en-US" smtClean="0"/>
-              <a:t>. </a:t>
-            </a:r>
-          </a:p>
-          <a:p>
-            <a:pPr marL="0" marR="0" lvl="0" indent="0" algn="l" defTabSz="914400" rtl="0" eaLnBrk="1" fontAlgn="auto" latinLnBrk="0" hangingPunct="1">
-              <a:lnSpc>
-                <a:spcPct val="100000"/>
-              </a:lnSpc>
-              <a:spcBef>
-                <a:spcPts val="0"/>
-              </a:spcBef>
-              <a:spcAft>
-                <a:spcPts val="0"/>
-              </a:spcAft>
-              <a:buClrTx/>
-              <a:buSzTx/>
-              <a:buFontTx/>
-              <a:buNone/>
-              <a:tabLst/>
-              <a:defRPr/>
-            </a:pPr>
-            <a:endParaRPr lang="en-US" sz="1200" smtClean="0"/>
-          </a:p>
-          <a:p>
-            <a:pPr marL="0" marR="0" lvl="0" indent="0" algn="l" defTabSz="914400" rtl="0" eaLnBrk="1" fontAlgn="auto" latinLnBrk="0" hangingPunct="1">
-              <a:lnSpc>
-                <a:spcPct val="100000"/>
-              </a:lnSpc>
-              <a:spcBef>
-                <a:spcPts val="0"/>
-              </a:spcBef>
-              <a:spcAft>
-                <a:spcPts val="0"/>
-              </a:spcAft>
-              <a:buClrTx/>
-              <a:buSzTx/>
-              <a:buFontTx/>
-              <a:buNone/>
-              <a:tabLst/>
-              <a:defRPr/>
-            </a:pPr>
-            <a:r>
-              <a:rPr lang="en-US" sz="1200" smtClean="0"/>
-              <a:t>- Hooks let you split one component into smaller functions based on what pieces are related (such as setting up a subscription or fetching data)</a:t>
-            </a:r>
-            <a:br>
-              <a:rPr lang="en-US" sz="1200" smtClean="0"/>
-            </a:br>
-            <a:endParaRPr lang="en-US" sz="1200" smtClean="0"/>
-          </a:p>
-          <a:p>
-            <a:pPr marL="171450" indent="-171450">
-              <a:buFontTx/>
-              <a:buChar char="-"/>
-            </a:pPr>
-            <a:r>
-              <a:rPr lang="en-US" smtClean="0"/>
-              <a:t>How </a:t>
-            </a:r>
-            <a:r>
-              <a:rPr lang="en-US" i="1" smtClean="0"/>
-              <a:t>this</a:t>
-            </a:r>
-            <a:r>
-              <a:rPr lang="en-US" smtClean="0"/>
-              <a:t> works, remember bind the event handlers…</a:t>
-            </a:r>
-            <a:r>
-              <a:rPr lang="en-US" b="1" smtClean="0"/>
-              <a:t/>
-            </a:r>
-            <a:br>
-              <a:rPr lang="en-US" b="1" smtClean="0"/>
-            </a:br>
-            <a:r>
-              <a:rPr lang="en-US" sz="1200" smtClean="0"/>
-              <a:t>- Hooks let you use more of </a:t>
-            </a:r>
-            <a:r>
-              <a:rPr lang="en-US" sz="1200" err="1" smtClean="0"/>
-              <a:t>React’s</a:t>
-            </a:r>
-            <a:r>
-              <a:rPr lang="en-US" sz="1200" smtClean="0"/>
-              <a:t> features without classes.</a:t>
-            </a:r>
-          </a:p>
-          <a:p>
-            <a:pPr>
-              <a:lnSpc>
-                <a:spcPct val="150000"/>
-              </a:lnSpc>
-            </a:pPr>
-            <a:r>
-              <a:rPr lang="en-US" smtClean="0"/>
-              <a:t>Class is hard to Reuse stateful logic between components.</a:t>
-            </a:r>
-          </a:p>
-          <a:p>
-            <a:pPr>
-              <a:lnSpc>
-                <a:spcPct val="150000"/>
-              </a:lnSpc>
-            </a:pPr>
-            <a:r>
-              <a:rPr lang="en-US" smtClean="0"/>
-              <a:t>Complex components become hard to understand.</a:t>
-            </a:r>
-          </a:p>
-          <a:p>
-            <a:pPr>
-              <a:lnSpc>
-                <a:spcPct val="150000"/>
-              </a:lnSpc>
-            </a:pPr>
-            <a:r>
-              <a:rPr lang="en-US" smtClean="0"/>
-              <a:t>Classes confuse both people and machines.</a:t>
-            </a:r>
-            <a:endParaRPr lang="en-US" sz="1100" smtClean="0"/>
-          </a:p>
-          <a:p>
-            <a:pPr marL="171450" indent="-171450">
-              <a:buFontTx/>
-              <a:buChar char="-"/>
-            </a:pPr>
             <a:endParaRPr lang="en-US"/>
           </a:p>
         </p:txBody>
@@ -1987,7 +1576,7 @@
           <a:p>
             <a:fld id="{FBF31ECA-FEBF-416A-9457-D684578178CB}" type="slidenum">
               <a:rPr lang="en-US" smtClean="0"/>
-              <a:t>7</a:t>
+              <a:t>8</a:t>
             </a:fld>
             <a:endParaRPr lang="en-US"/>
           </a:p>
@@ -1996,7 +1585,7 @@
     </p:spTree>
     <p:extLst>
       <p:ext uri="{BB962C8B-B14F-4D97-AF65-F5344CB8AC3E}">
-        <p14:creationId xmlns:p14="http://schemas.microsoft.com/office/powerpoint/2010/main" val="3854836216"/>
+        <p14:creationId xmlns:p14="http://schemas.microsoft.com/office/powerpoint/2010/main" val="2668052865"/>
       </p:ext>
     </p:extLst>
   </p:cSld>
@@ -2067,7 +1656,148 @@
               <a:tabLst/>
               <a:defRPr/>
             </a:pPr>
-            <a:endParaRPr lang="en-US"/>
+            <a:r>
+              <a:rPr lang="en-US" smtClean="0"/>
+              <a:t>Combine</a:t>
+            </a:r>
+            <a:r>
+              <a:rPr lang="en-US" baseline="0" smtClean="0"/>
+              <a:t> with where questions.</a:t>
+            </a:r>
+          </a:p>
+          <a:p>
+            <a:pPr marL="0" marR="0" lvl="0" indent="0" algn="l" defTabSz="914400" rtl="0" eaLnBrk="1" fontAlgn="auto" latinLnBrk="0" hangingPunct="1">
+              <a:lnSpc>
+                <a:spcPct val="100000"/>
+              </a:lnSpc>
+              <a:spcBef>
+                <a:spcPts val="0"/>
+              </a:spcBef>
+              <a:spcAft>
+                <a:spcPts val="0"/>
+              </a:spcAft>
+              <a:buClrTx/>
+              <a:buSzTx/>
+              <a:buFontTx/>
+              <a:buNone/>
+              <a:tabLst/>
+              <a:defRPr/>
+            </a:pPr>
+            <a:endParaRPr lang="en-US" smtClean="0"/>
+          </a:p>
+          <a:p>
+            <a:pPr marL="228600" marR="0" lvl="0" indent="-228600" algn="l" defTabSz="914400" rtl="0" eaLnBrk="1" fontAlgn="auto" latinLnBrk="0" hangingPunct="1">
+              <a:lnSpc>
+                <a:spcPct val="100000"/>
+              </a:lnSpc>
+              <a:spcBef>
+                <a:spcPts val="0"/>
+              </a:spcBef>
+              <a:spcAft>
+                <a:spcPts val="0"/>
+              </a:spcAft>
+              <a:buClrTx/>
+              <a:buSzTx/>
+              <a:buFontTx/>
+              <a:buAutoNum type="alphaLcPeriod"/>
+              <a:tabLst/>
+              <a:defRPr/>
+            </a:pPr>
+            <a:r>
+              <a:rPr lang="en-US" baseline="0" smtClean="0"/>
+              <a:t>Rules of hooks:</a:t>
+            </a:r>
+            <a:br>
+              <a:rPr lang="en-US" baseline="0" smtClean="0"/>
+            </a:br>
+            <a:r>
+              <a:rPr lang="en-US" baseline="0" smtClean="0"/>
+              <a:t>- </a:t>
+            </a:r>
+            <a:r>
+              <a:rPr lang="en-US" sz="1200" b="0" i="0" kern="1200" smtClean="0">
+                <a:solidFill>
+                  <a:schemeClr val="tx1"/>
+                </a:solidFill>
+                <a:effectLst/>
+                <a:latin typeface="+mn-lt"/>
+                <a:ea typeface="+mn-ea"/>
+                <a:cs typeface="+mn-cs"/>
+              </a:rPr>
+              <a:t>Ensure that Hooks are called in the same order each time a component renders. </a:t>
+            </a:r>
+            <a:r>
+              <a:rPr lang="en-US" baseline="0" smtClean="0"/>
+              <a:t>Make Hooks preserve the state of Hooks between multiple </a:t>
+            </a:r>
+            <a:r>
+              <a:rPr lang="en-US" i="1" baseline="0" err="1" smtClean="0"/>
+              <a:t>useState</a:t>
+            </a:r>
+            <a:r>
+              <a:rPr lang="en-US" i="0" baseline="0" smtClean="0"/>
+              <a:t> and </a:t>
+            </a:r>
+            <a:r>
+              <a:rPr lang="en-US" i="1" baseline="0" err="1" smtClean="0"/>
+              <a:t>useEffect</a:t>
+            </a:r>
+            <a:r>
+              <a:rPr lang="en-US" i="0" baseline="0" smtClean="0"/>
+              <a:t>.</a:t>
+            </a:r>
+            <a:br>
+              <a:rPr lang="en-US" i="0" baseline="0" smtClean="0"/>
+            </a:br>
+            <a:r>
+              <a:rPr lang="en-US" i="0" baseline="0" smtClean="0"/>
+              <a:t>- Regular </a:t>
+            </a:r>
+            <a:r>
+              <a:rPr lang="en-US" i="0" baseline="0" err="1" smtClean="0"/>
+              <a:t>Js</a:t>
+            </a:r>
+            <a:r>
+              <a:rPr lang="en-US" i="0" baseline="0" smtClean="0"/>
+              <a:t> functions: ajax …. This rule</a:t>
+            </a:r>
+            <a:r>
+              <a:rPr lang="en-US" sz="1200" b="0" i="0" kern="1200" smtClean="0">
+                <a:solidFill>
+                  <a:schemeClr val="tx1"/>
+                </a:solidFill>
+                <a:effectLst/>
+                <a:latin typeface="+mn-lt"/>
+                <a:ea typeface="+mn-ea"/>
+                <a:cs typeface="+mn-cs"/>
+              </a:rPr>
+              <a:t> ensure that all </a:t>
+            </a:r>
+            <a:r>
+              <a:rPr lang="en-US" sz="1200" b="0" i="0" kern="1200" err="1" smtClean="0">
+                <a:solidFill>
+                  <a:schemeClr val="tx1"/>
+                </a:solidFill>
+                <a:effectLst/>
+                <a:latin typeface="+mn-lt"/>
+                <a:ea typeface="+mn-ea"/>
+                <a:cs typeface="+mn-cs"/>
+              </a:rPr>
+              <a:t>stateful</a:t>
+            </a:r>
+            <a:r>
+              <a:rPr lang="en-US" sz="1200" b="0" i="0" kern="1200" smtClean="0">
+                <a:solidFill>
+                  <a:schemeClr val="tx1"/>
+                </a:solidFill>
+                <a:effectLst/>
+                <a:latin typeface="+mn-lt"/>
+                <a:ea typeface="+mn-ea"/>
+                <a:cs typeface="+mn-cs"/>
+              </a:rPr>
+              <a:t> logic in a component is clearly visible from its source code.</a:t>
+            </a:r>
+            <a:endParaRPr lang="en-US" baseline="0" smtClean="0"/>
           </a:p>
         </p:txBody>
       </p:sp>
@@ -2088,7 +1818,7 @@
           <a:p>
             <a:fld id="{FBF31ECA-FEBF-416A-9457-D684578178CB}" type="slidenum">
               <a:rPr lang="en-US" smtClean="0"/>
-              <a:t>8</a:t>
+              <a:t>9</a:t>
             </a:fld>
             <a:endParaRPr lang="en-US"/>
           </a:p>
@@ -2097,7 +1827,7 @@
     </p:spTree>
     <p:extLst>
       <p:ext uri="{BB962C8B-B14F-4D97-AF65-F5344CB8AC3E}">
-        <p14:creationId xmlns:p14="http://schemas.microsoft.com/office/powerpoint/2010/main" val="2668052865"/>
+        <p14:creationId xmlns:p14="http://schemas.microsoft.com/office/powerpoint/2010/main" val="882481392"/>
       </p:ext>
     </p:extLst>
   </p:cSld>
@@ -2330,7 +2060,7 @@
           <a:p>
             <a:fld id="{FBF31ECA-FEBF-416A-9457-D684578178CB}" type="slidenum">
               <a:rPr lang="en-US" smtClean="0"/>
-              <a:t>9</a:t>
+              <a:t>10</a:t>
             </a:fld>
             <a:endParaRPr lang="en-US"/>
           </a:p>
@@ -2339,7 +2069,7 @@
     </p:spTree>
     <p:extLst>
       <p:ext uri="{BB962C8B-B14F-4D97-AF65-F5344CB8AC3E}">
-        <p14:creationId xmlns:p14="http://schemas.microsoft.com/office/powerpoint/2010/main" val="882481392"/>
+        <p14:creationId xmlns:p14="http://schemas.microsoft.com/office/powerpoint/2010/main" val="3141670522"/>
       </p:ext>
     </p:extLst>
   </p:cSld>
@@ -2572,7 +2302,7 @@
           <a:p>
             <a:fld id="{FBF31ECA-FEBF-416A-9457-D684578178CB}" type="slidenum">
               <a:rPr lang="en-US" smtClean="0"/>
-              <a:t>10</a:t>
+              <a:t>11</a:t>
             </a:fld>
             <a:endParaRPr lang="en-US"/>
           </a:p>
@@ -2581,7 +2311,7 @@
     </p:spTree>
     <p:extLst>
       <p:ext uri="{BB962C8B-B14F-4D97-AF65-F5344CB8AC3E}">
-        <p14:creationId xmlns:p14="http://schemas.microsoft.com/office/powerpoint/2010/main" val="3141670522"/>
+        <p14:creationId xmlns:p14="http://schemas.microsoft.com/office/powerpoint/2010/main" val="1735810926"/>
       </p:ext>
     </p:extLst>
   </p:cSld>
@@ -2814,7 +2544,7 @@
           <a:p>
             <a:fld id="{FBF31ECA-FEBF-416A-9457-D684578178CB}" type="slidenum">
               <a:rPr lang="en-US" smtClean="0"/>
-              <a:t>11</a:t>
+              <a:t>12</a:t>
             </a:fld>
             <a:endParaRPr lang="en-US"/>
           </a:p>
@@ -2823,7 +2553,7 @@
     </p:spTree>
     <p:extLst>
       <p:ext uri="{BB962C8B-B14F-4D97-AF65-F5344CB8AC3E}">
-        <p14:creationId xmlns:p14="http://schemas.microsoft.com/office/powerpoint/2010/main" val="1735810926"/>
+        <p14:creationId xmlns:p14="http://schemas.microsoft.com/office/powerpoint/2010/main" val="2969476635"/>
       </p:ext>
     </p:extLst>
   </p:cSld>
@@ -2964,7 +2694,7 @@
           <a:p>
             <a:fld id="{5C76B33F-923F-404A-96A8-EE08FCFE28B1}" type="datetime1">
               <a:rPr lang="en-US" smtClean="0"/>
-              <a:t>5/10/2019</a:t>
+              <a:t>5/11/2019</a:t>
             </a:fld>
             <a:endParaRPr lang="en-US"/>
           </a:p>
@@ -3134,7 +2864,7 @@
           <a:p>
             <a:fld id="{7505B9A2-C4B5-4C0A-B9E4-C9D5E245AEEB}" type="datetime1">
               <a:rPr lang="en-US" smtClean="0"/>
-              <a:t>5/10/2019</a:t>
+              <a:t>5/11/2019</a:t>
             </a:fld>
             <a:endParaRPr lang="en-US"/>
           </a:p>
@@ -3314,7 +3044,7 @@
           <a:p>
             <a:fld id="{EB3DCC1B-A690-4F74-A264-FD3A1D17A9CE}" type="datetime1">
               <a:rPr lang="en-US" smtClean="0"/>
-              <a:t>5/10/2019</a:t>
+              <a:t>5/11/2019</a:t>
             </a:fld>
             <a:endParaRPr lang="en-US"/>
           </a:p>
@@ -3484,7 +3214,7 @@
           <a:p>
             <a:fld id="{493B62D7-F942-4CEE-8BF1-CE9A61FDCF12}" type="datetime1">
               <a:rPr lang="en-US" smtClean="0"/>
-              <a:t>5/10/2019</a:t>
+              <a:t>5/11/2019</a:t>
             </a:fld>
             <a:endParaRPr lang="en-US"/>
           </a:p>
@@ -3730,7 +3460,7 @@
           <a:p>
             <a:fld id="{56F54805-F090-44B9-822C-99D47EF8D2F1}" type="datetime1">
               <a:rPr lang="en-US" smtClean="0"/>
-              <a:t>5/10/2019</a:t>
+              <a:t>5/11/2019</a:t>
             </a:fld>
             <a:endParaRPr lang="en-US"/>
           </a:p>
@@ -3962,7 +3692,7 @@
           <a:p>
             <a:fld id="{834B8418-18EF-46F4-A725-7B88CA0DAD6E}" type="datetime1">
               <a:rPr lang="en-US" smtClean="0"/>
-              <a:t>5/10/2019</a:t>
+              <a:t>5/11/2019</a:t>
             </a:fld>
             <a:endParaRPr lang="en-US"/>
           </a:p>
@@ -4329,7 +4059,7 @@
           <a:p>
             <a:fld id="{ED6F3301-DB27-465C-BFCE-FBB5A52BCC2F}" type="datetime1">
               <a:rPr lang="en-US" smtClean="0"/>
-              <a:t>5/10/2019</a:t>
+              <a:t>5/11/2019</a:t>
             </a:fld>
             <a:endParaRPr lang="en-US"/>
           </a:p>
@@ -4447,7 +4177,7 @@
           <a:p>
             <a:fld id="{F77C35EA-58AD-4897-99AB-10D8399629E7}" type="datetime1">
               <a:rPr lang="en-US" smtClean="0"/>
-              <a:t>5/10/2019</a:t>
+              <a:t>5/11/2019</a:t>
             </a:fld>
             <a:endParaRPr lang="en-US"/>
           </a:p>
@@ -4542,7 +4272,7 @@
           <a:p>
             <a:fld id="{E6D0365A-1AEE-4F4C-98E0-4DF924A908CD}" type="datetime1">
               <a:rPr lang="en-US" smtClean="0"/>
-              <a:t>5/10/2019</a:t>
+              <a:t>5/11/2019</a:t>
             </a:fld>
             <a:endParaRPr lang="en-US"/>
           </a:p>
@@ -4819,7 +4549,7 @@
           <a:p>
             <a:fld id="{AA8A4D5D-09C2-4E42-A5BF-325FB8D0CC51}" type="datetime1">
               <a:rPr lang="en-US" smtClean="0"/>
-              <a:t>5/10/2019</a:t>
+              <a:t>5/11/2019</a:t>
             </a:fld>
             <a:endParaRPr lang="en-US"/>
           </a:p>
@@ -5072,7 +4802,7 @@
           <a:p>
             <a:fld id="{765CFDFF-19DB-40ED-8541-16B9B0B27FE1}" type="datetime1">
               <a:rPr lang="en-US" smtClean="0"/>
-              <a:t>5/10/2019</a:t>
+              <a:t>5/11/2019</a:t>
             </a:fld>
             <a:endParaRPr lang="en-US"/>
           </a:p>
@@ -5285,7 +5015,7 @@
           <a:p>
             <a:fld id="{95867D15-22AC-4BD8-A649-6FE153BB5E2E}" type="datetime1">
               <a:rPr lang="en-US" smtClean="0"/>
-              <a:t>5/10/2019</a:t>
+              <a:t>5/11/2019</a:t>
             </a:fld>
             <a:endParaRPr lang="en-US"/>
           </a:p>
@@ -6580,7 +6310,7 @@
               <a:buAutoNum type="arabicPeriod"/>
             </a:pPr>
             <a:r>
-              <a:rPr lang="en-US" sz="3200" smtClean="0"/>
+              <a:rPr lang="en-US" sz="3200" dirty="0" smtClean="0"/>
               <a:t>Introduction</a:t>
             </a:r>
           </a:p>
@@ -6593,12 +6323,8 @@
               <a:buAutoNum type="arabicPeriod"/>
             </a:pPr>
             <a:r>
-              <a:rPr lang="en-US" sz="3200" smtClean="0"/>
-              <a:t>Class </a:t>
-            </a:r>
-            <a:r>
-              <a:rPr lang="en-US" sz="3200" smtClean="0"/>
-              <a:t>Components</a:t>
+              <a:rPr lang="en-US" sz="3200" dirty="0" smtClean="0"/>
+              <a:t>Class Components</a:t>
             </a:r>
           </a:p>
           <a:p>
@@ -6610,7 +6336,7 @@
               <a:buAutoNum type="arabicPeriod"/>
             </a:pPr>
             <a:r>
-              <a:rPr lang="en-US" sz="3200" smtClean="0"/>
+              <a:rPr lang="en-US" sz="3200" dirty="0" smtClean="0"/>
               <a:t>Function Components</a:t>
             </a:r>
           </a:p>
@@ -6623,10 +6349,9 @@
               <a:buAutoNum type="arabicPeriod"/>
             </a:pPr>
             <a:r>
-              <a:rPr lang="en-US" sz="3200" smtClean="0"/>
+              <a:rPr lang="en-US" sz="3200" dirty="0" smtClean="0"/>
               <a:t>Conclusion &amp; demo</a:t>
             </a:r>
-            <a:endParaRPr lang="en-US" sz="3200" smtClean="0"/>
           </a:p>
         </p:txBody>
       </p:sp>
@@ -7156,7 +6881,9 @@
         </p:nvSpPr>
         <p:spPr/>
         <p:txBody>
-          <a:bodyPr/>
+          <a:bodyPr>
+            <a:normAutofit lnSpcReduction="10000"/>
+          </a:bodyPr>
           <a:lstStyle/>
           <a:p>
             <a:pPr>
@@ -7165,51 +6892,15 @@
               </a:lnSpc>
             </a:pPr>
             <a:r>
-              <a:rPr lang="en-US" smtClean="0"/>
-              <a:t>A Hook is a </a:t>
-            </a:r>
-            <a:r>
-              <a:rPr lang="en-US" b="1" smtClean="0"/>
-              <a:t>special function</a:t>
-            </a:r>
-            <a:r>
-              <a:rPr lang="en-US" smtClean="0"/>
-              <a:t> </a:t>
-            </a:r>
-            <a:r>
-              <a:rPr lang="en-US"/>
-              <a:t>that </a:t>
-            </a:r>
-            <a:r>
-              <a:rPr lang="en-US" smtClean="0"/>
-              <a:t>lets </a:t>
-            </a:r>
-            <a:r>
-              <a:rPr lang="en-US"/>
-              <a:t>you </a:t>
-            </a:r>
-            <a:r>
-              <a:rPr lang="en-US" b="1"/>
-              <a:t>“hook into” React state</a:t>
-            </a:r>
-            <a:r>
-              <a:rPr lang="en-US"/>
-              <a:t> and </a:t>
-            </a:r>
-            <a:r>
-              <a:rPr lang="en-US" b="1"/>
-              <a:t>lifecycle features</a:t>
-            </a:r>
-            <a:r>
-              <a:rPr lang="en-US"/>
-              <a:t> from </a:t>
-            </a:r>
-            <a:r>
-              <a:rPr lang="en-US" b="1"/>
-              <a:t>function components</a:t>
-            </a:r>
-            <a:r>
-              <a:rPr lang="en-US" smtClean="0"/>
+              <a:rPr lang="en-US" dirty="0" smtClean="0"/>
+              <a:t>Hooks are </a:t>
+            </a:r>
+            <a:r>
+              <a:rPr lang="en-US" b="1" dirty="0" smtClean="0"/>
+              <a:t>functions</a:t>
+            </a:r>
+            <a:r>
+              <a:rPr lang="en-US" dirty="0" smtClean="0"/>
               <a:t>.</a:t>
             </a:r>
           </a:p>
@@ -7220,30 +6911,37 @@
               </a:lnSpc>
             </a:pPr>
             <a:r>
-              <a:rPr lang="en-US" smtClean="0"/>
-              <a:t>Some basic Hooks: </a:t>
-            </a:r>
-            <a:r>
-              <a:rPr lang="en-US" b="1" i="1" err="1" smtClean="0"/>
-              <a:t>useState</a:t>
-            </a:r>
-            <a:r>
-              <a:rPr lang="en-US" b="1" i="1" smtClean="0"/>
-              <a:t>, </a:t>
-            </a:r>
-            <a:r>
-              <a:rPr lang="en-US" b="1" i="1" err="1" smtClean="0"/>
-              <a:t>useEffect</a:t>
-            </a:r>
-            <a:r>
-              <a:rPr lang="en-US" b="1" i="1" smtClean="0"/>
-              <a:t>, </a:t>
-            </a:r>
-            <a:r>
-              <a:rPr lang="en-US" b="1" i="1" err="1" smtClean="0"/>
-              <a:t>useContext</a:t>
-            </a:r>
-            <a:endParaRPr lang="en-US" b="1" i="1" smtClean="0"/>
+              <a:rPr lang="en-US" b="1" dirty="0" smtClean="0"/>
+              <a:t>Use state</a:t>
+            </a:r>
+            <a:r>
+              <a:rPr lang="en-US" dirty="0" smtClean="0"/>
+              <a:t> and </a:t>
+            </a:r>
+            <a:r>
+              <a:rPr lang="en-US" b="1" dirty="0" smtClean="0"/>
+              <a:t>lifecycle features </a:t>
+            </a:r>
+            <a:r>
+              <a:rPr lang="en-US" dirty="0" smtClean="0"/>
+              <a:t>from </a:t>
+            </a:r>
+            <a:r>
+              <a:rPr lang="en-US" b="1" dirty="0" smtClean="0"/>
+              <a:t>function components without</a:t>
+            </a:r>
+            <a:r>
+              <a:rPr lang="en-US" dirty="0" smtClean="0"/>
+              <a:t> writing a </a:t>
+            </a:r>
+            <a:r>
+              <a:rPr lang="en-US" b="1" dirty="0" smtClean="0"/>
+              <a:t>class</a:t>
+            </a:r>
+            <a:r>
+              <a:rPr lang="en-US" dirty="0" smtClean="0"/>
+              <a:t>.</a:t>
+            </a:r>
           </a:p>
           <a:p>
             <a:pPr>
@@ -7252,26 +6950,86 @@
               </a:lnSpc>
             </a:pPr>
             <a:r>
-              <a:rPr lang="en-US" smtClean="0"/>
+              <a:rPr lang="en-US" dirty="0" smtClean="0"/>
+              <a:t>Available in </a:t>
+            </a:r>
+            <a:r>
+              <a:rPr lang="en-US" b="1" dirty="0" smtClean="0"/>
+              <a:t>16.8</a:t>
+            </a:r>
+            <a:r>
+              <a:rPr lang="en-US" dirty="0" smtClean="0"/>
+              <a:t> and </a:t>
+            </a:r>
+            <a:r>
+              <a:rPr lang="en-US" b="1" dirty="0" smtClean="0"/>
+              <a:t>above</a:t>
+            </a:r>
+            <a:r>
+              <a:rPr lang="en-US" dirty="0" smtClean="0"/>
+              <a:t>.</a:t>
+            </a:r>
+            <a:endParaRPr lang="en-US" dirty="0" smtClean="0"/>
+          </a:p>
+          <a:p>
+            <a:pPr>
+              <a:lnSpc>
+                <a:spcPct val="150000"/>
+              </a:lnSpc>
+            </a:pPr>
+            <a:r>
+              <a:rPr lang="en-US" dirty="0" smtClean="0"/>
+              <a:t>Some basic Hooks: </a:t>
+            </a:r>
+            <a:r>
+              <a:rPr lang="en-US" b="1" i="1" dirty="0" err="1" smtClean="0"/>
+              <a:t>useState</a:t>
+            </a:r>
+            <a:r>
+              <a:rPr lang="en-US" b="1" i="1" dirty="0" smtClean="0"/>
+              <a:t>, </a:t>
+            </a:r>
+            <a:r>
+              <a:rPr lang="en-US" b="1" i="1" dirty="0" err="1" smtClean="0"/>
+              <a:t>useEffect</a:t>
+            </a:r>
+            <a:r>
+              <a:rPr lang="en-US" b="1" i="1" dirty="0" smtClean="0"/>
+              <a:t>, </a:t>
+            </a:r>
+            <a:r>
+              <a:rPr lang="en-US" b="1" i="1" dirty="0" err="1" smtClean="0"/>
+              <a:t>useContext</a:t>
+            </a:r>
+            <a:endParaRPr lang="en-US" b="1" i="1" dirty="0" smtClean="0"/>
+          </a:p>
+          <a:p>
+            <a:pPr>
+              <a:lnSpc>
+                <a:spcPct val="150000"/>
+              </a:lnSpc>
+            </a:pPr>
+            <a:r>
+              <a:rPr lang="en-US" dirty="0" smtClean="0"/>
               <a:t>Additional Hooks: </a:t>
             </a:r>
             <a:r>
-              <a:rPr lang="en-US" i="1" err="1" smtClean="0"/>
+              <a:rPr lang="en-US" i="1" dirty="0" err="1" smtClean="0"/>
               <a:t>useMemo</a:t>
             </a:r>
             <a:r>
-              <a:rPr lang="en-US" i="1" smtClean="0"/>
+              <a:rPr lang="en-US" i="1" dirty="0" smtClean="0"/>
               <a:t>, </a:t>
             </a:r>
             <a:r>
-              <a:rPr lang="en-US" i="1" err="1" smtClean="0"/>
+              <a:rPr lang="en-US" i="1" dirty="0" err="1" smtClean="0"/>
               <a:t>useReducer</a:t>
             </a:r>
             <a:r>
-              <a:rPr lang="en-US" i="1" smtClean="0"/>
+              <a:rPr lang="en-US" i="1" dirty="0" smtClean="0"/>
               <a:t>…</a:t>
             </a:r>
-            <a:endParaRPr lang="en-US" smtClean="0"/>
+            <a:endParaRPr lang="en-US" dirty="0" smtClean="0"/>
           </a:p>
         </p:txBody>
       </p:sp>
@@ -7279,6 +7037,682 @@
     <p:extLst>
       <p:ext uri="{BB962C8B-B14F-4D97-AF65-F5344CB8AC3E}">
         <p14:creationId xmlns:p14="http://schemas.microsoft.com/office/powerpoint/2010/main" val="2638453489"/>
+      </p:ext>
+    </p:extLst>
+  </p:cSld>
+  <p:clrMapOvr>
+    <a:masterClrMapping/>
+  </p:clrMapOvr>
+  <p:timing>
+    <p:tnLst>
+      <p:par>
+        <p:cTn id="1" dur="indefinite" restart="never" nodeType="tmRoot">
+          <p:childTnLst>
+            <p:seq concurrent="1" nextAc="seek">
+              <p:cTn id="2" dur="indefinite" nodeType="mainSeq">
+                <p:childTnLst>
+                  <p:par>
+                    <p:cTn id="3" fill="hold">
+                      <p:stCondLst>
+                        <p:cond delay="indefinite"/>
+                      </p:stCondLst>
+                      <p:childTnLst>
+                        <p:par>
+                          <p:cTn id="4" fill="hold">
+                            <p:stCondLst>
+                              <p:cond delay="0"/>
+                            </p:stCondLst>
+                            <p:childTnLst>
+                              <p:par>
+                                <p:cTn id="5" presetID="2" presetClass="entr" presetSubtype="4" fill="hold" grpId="0" nodeType="clickEffect">
+                                  <p:stCondLst>
+                                    <p:cond delay="0"/>
+                                  </p:stCondLst>
+                                  <p:childTnLst>
+                                    <p:set>
+                                      <p:cBhvr>
+                                        <p:cTn id="6" dur="1" fill="hold">
+                                          <p:stCondLst>
+                                            <p:cond delay="0"/>
+                                          </p:stCondLst>
+                                        </p:cTn>
+                                        <p:tgtEl>
+                                          <p:spTgt spid="3">
+                                            <p:txEl>
+                                              <p:pRg st="0" end="0"/>
+                                            </p:txEl>
+                                          </p:spTgt>
+                                        </p:tgtEl>
+                                        <p:attrNameLst>
+                                          <p:attrName>style.visibility</p:attrName>
+                                        </p:attrNameLst>
+                                      </p:cBhvr>
+                                      <p:to>
+                                        <p:strVal val="visible"/>
+                                      </p:to>
+                                    </p:set>
+                                    <p:anim calcmode="lin" valueType="num">
+                                      <p:cBhvr additive="base">
+                                        <p:cTn id="7" dur="500" fill="hold"/>
+                                        <p:tgtEl>
+                                          <p:spTgt spid="3">
+                                            <p:txEl>
+                                              <p:pRg st="0" end="0"/>
+                                            </p:txEl>
+                                          </p:spTgt>
+                                        </p:tgtEl>
+                                        <p:attrNameLst>
+                                          <p:attrName>ppt_x</p:attrName>
+                                        </p:attrNameLst>
+                                      </p:cBhvr>
+                                      <p:tavLst>
+                                        <p:tav tm="0">
+                                          <p:val>
+                                            <p:strVal val="#ppt_x"/>
+                                          </p:val>
+                                        </p:tav>
+                                        <p:tav tm="100000">
+                                          <p:val>
+                                            <p:strVal val="#ppt_x"/>
+                                          </p:val>
+                                        </p:tav>
+                                      </p:tavLst>
+                                    </p:anim>
+                                    <p:anim calcmode="lin" valueType="num">
+                                      <p:cBhvr additive="base">
+                                        <p:cTn id="8" dur="500" fill="hold"/>
+                                        <p:tgtEl>
+                                          <p:spTgt spid="3">
+                                            <p:txEl>
+                                              <p:pRg st="0" end="0"/>
+                                            </p:txEl>
+                                          </p:spTgt>
+                                        </p:tgtEl>
+                                        <p:attrNameLst>
+                                          <p:attrName>ppt_y</p:attrName>
+                                        </p:attrNameLst>
+                                      </p:cBhvr>
+                                      <p:tavLst>
+                                        <p:tav tm="0">
+                                          <p:val>
+                                            <p:strVal val="1+#ppt_h/2"/>
+                                          </p:val>
+                                        </p:tav>
+                                        <p:tav tm="100000">
+                                          <p:val>
+                                            <p:strVal val="#ppt_y"/>
+                                          </p:val>
+                                        </p:tav>
+                                      </p:tavLst>
+                                    </p:anim>
+                                  </p:childTnLst>
+                                </p:cTn>
+                              </p:par>
+                            </p:childTnLst>
+                          </p:cTn>
+                        </p:par>
+                      </p:childTnLst>
+                    </p:cTn>
+                  </p:par>
+                  <p:par>
+                    <p:cTn id="9" fill="hold">
+                      <p:stCondLst>
+                        <p:cond delay="indefinite"/>
+                      </p:stCondLst>
+                      <p:childTnLst>
+                        <p:par>
+                          <p:cTn id="10" fill="hold">
+                            <p:stCondLst>
+                              <p:cond delay="0"/>
+                            </p:stCondLst>
+                            <p:childTnLst>
+                              <p:par>
+                                <p:cTn id="11" presetID="2" presetClass="entr" presetSubtype="4" fill="hold" grpId="0" nodeType="clickEffect">
+                                  <p:stCondLst>
+                                    <p:cond delay="0"/>
+                                  </p:stCondLst>
+                                  <p:childTnLst>
+                                    <p:set>
+                                      <p:cBhvr>
+                                        <p:cTn id="12" dur="1" fill="hold">
+                                          <p:stCondLst>
+                                            <p:cond delay="0"/>
+                                          </p:stCondLst>
+                                        </p:cTn>
+                                        <p:tgtEl>
+                                          <p:spTgt spid="3">
+                                            <p:txEl>
+                                              <p:pRg st="1" end="1"/>
+                                            </p:txEl>
+                                          </p:spTgt>
+                                        </p:tgtEl>
+                                        <p:attrNameLst>
+                                          <p:attrName>style.visibility</p:attrName>
+                                        </p:attrNameLst>
+                                      </p:cBhvr>
+                                      <p:to>
+                                        <p:strVal val="visible"/>
+                                      </p:to>
+                                    </p:set>
+                                    <p:anim calcmode="lin" valueType="num">
+                                      <p:cBhvr additive="base">
+                                        <p:cTn id="13" dur="500" fill="hold"/>
+                                        <p:tgtEl>
+                                          <p:spTgt spid="3">
+                                            <p:txEl>
+                                              <p:pRg st="1" end="1"/>
+                                            </p:txEl>
+                                          </p:spTgt>
+                                        </p:tgtEl>
+                                        <p:attrNameLst>
+                                          <p:attrName>ppt_x</p:attrName>
+                                        </p:attrNameLst>
+                                      </p:cBhvr>
+                                      <p:tavLst>
+                                        <p:tav tm="0">
+                                          <p:val>
+                                            <p:strVal val="#ppt_x"/>
+                                          </p:val>
+                                        </p:tav>
+                                        <p:tav tm="100000">
+                                          <p:val>
+                                            <p:strVal val="#ppt_x"/>
+                                          </p:val>
+                                        </p:tav>
+                                      </p:tavLst>
+                                    </p:anim>
+                                    <p:anim calcmode="lin" valueType="num">
+                                      <p:cBhvr additive="base">
+                                        <p:cTn id="14" dur="500" fill="hold"/>
+                                        <p:tgtEl>
+                                          <p:spTgt spid="3">
+                                            <p:txEl>
+                                              <p:pRg st="1" end="1"/>
+                                            </p:txEl>
+                                          </p:spTgt>
+                                        </p:tgtEl>
+                                        <p:attrNameLst>
+                                          <p:attrName>ppt_y</p:attrName>
+                                        </p:attrNameLst>
+                                      </p:cBhvr>
+                                      <p:tavLst>
+                                        <p:tav tm="0">
+                                          <p:val>
+                                            <p:strVal val="1+#ppt_h/2"/>
+                                          </p:val>
+                                        </p:tav>
+                                        <p:tav tm="100000">
+                                          <p:val>
+                                            <p:strVal val="#ppt_y"/>
+                                          </p:val>
+                                        </p:tav>
+                                      </p:tavLst>
+                                    </p:anim>
+                                  </p:childTnLst>
+                                </p:cTn>
+                              </p:par>
+                            </p:childTnLst>
+                          </p:cTn>
+                        </p:par>
+                      </p:childTnLst>
+                    </p:cTn>
+                  </p:par>
+                  <p:par>
+                    <p:cTn id="15" fill="hold">
+                      <p:stCondLst>
+                        <p:cond delay="indefinite"/>
+                      </p:stCondLst>
+                      <p:childTnLst>
+                        <p:par>
+                          <p:cTn id="16" fill="hold">
+                            <p:stCondLst>
+                              <p:cond delay="0"/>
+                            </p:stCondLst>
+                            <p:childTnLst>
+                              <p:par>
+                                <p:cTn id="17" presetID="2" presetClass="entr" presetSubtype="4" fill="hold" grpId="0" nodeType="clickEffect">
+                                  <p:stCondLst>
+                                    <p:cond delay="0"/>
+                                  </p:stCondLst>
+                                  <p:childTnLst>
+                                    <p:set>
+                                      <p:cBhvr>
+                                        <p:cTn id="18" dur="1" fill="hold">
+                                          <p:stCondLst>
+                                            <p:cond delay="0"/>
+                                          </p:stCondLst>
+                                        </p:cTn>
+                                        <p:tgtEl>
+                                          <p:spTgt spid="3">
+                                            <p:txEl>
+                                              <p:pRg st="2" end="2"/>
+                                            </p:txEl>
+                                          </p:spTgt>
+                                        </p:tgtEl>
+                                        <p:attrNameLst>
+                                          <p:attrName>style.visibility</p:attrName>
+                                        </p:attrNameLst>
+                                      </p:cBhvr>
+                                      <p:to>
+                                        <p:strVal val="visible"/>
+                                      </p:to>
+                                    </p:set>
+                                    <p:anim calcmode="lin" valueType="num">
+                                      <p:cBhvr additive="base">
+                                        <p:cTn id="19" dur="500" fill="hold"/>
+                                        <p:tgtEl>
+                                          <p:spTgt spid="3">
+                                            <p:txEl>
+                                              <p:pRg st="2" end="2"/>
+                                            </p:txEl>
+                                          </p:spTgt>
+                                        </p:tgtEl>
+                                        <p:attrNameLst>
+                                          <p:attrName>ppt_x</p:attrName>
+                                        </p:attrNameLst>
+                                      </p:cBhvr>
+                                      <p:tavLst>
+                                        <p:tav tm="0">
+                                          <p:val>
+                                            <p:strVal val="#ppt_x"/>
+                                          </p:val>
+                                        </p:tav>
+                                        <p:tav tm="100000">
+                                          <p:val>
+                                            <p:strVal val="#ppt_x"/>
+                                          </p:val>
+                                        </p:tav>
+                                      </p:tavLst>
+                                    </p:anim>
+                                    <p:anim calcmode="lin" valueType="num">
+                                      <p:cBhvr additive="base">
+                                        <p:cTn id="20" dur="500" fill="hold"/>
+                                        <p:tgtEl>
+                                          <p:spTgt spid="3">
+                                            <p:txEl>
+                                              <p:pRg st="2" end="2"/>
+                                            </p:txEl>
+                                          </p:spTgt>
+                                        </p:tgtEl>
+                                        <p:attrNameLst>
+                                          <p:attrName>ppt_y</p:attrName>
+                                        </p:attrNameLst>
+                                      </p:cBhvr>
+                                      <p:tavLst>
+                                        <p:tav tm="0">
+                                          <p:val>
+                                            <p:strVal val="1+#ppt_h/2"/>
+                                          </p:val>
+                                        </p:tav>
+                                        <p:tav tm="100000">
+                                          <p:val>
+                                            <p:strVal val="#ppt_y"/>
+                                          </p:val>
+                                        </p:tav>
+                                      </p:tavLst>
+                                    </p:anim>
+                                  </p:childTnLst>
+                                </p:cTn>
+                              </p:par>
+                            </p:childTnLst>
+                          </p:cTn>
+                        </p:par>
+                      </p:childTnLst>
+                    </p:cTn>
+                  </p:par>
+                  <p:par>
+                    <p:cTn id="21" fill="hold">
+                      <p:stCondLst>
+                        <p:cond delay="indefinite"/>
+                      </p:stCondLst>
+                      <p:childTnLst>
+                        <p:par>
+                          <p:cTn id="22" fill="hold">
+                            <p:stCondLst>
+                              <p:cond delay="0"/>
+                            </p:stCondLst>
+                            <p:childTnLst>
+                              <p:par>
+                                <p:cTn id="23" presetID="2" presetClass="entr" presetSubtype="4" fill="hold" grpId="0" nodeType="clickEffect">
+                                  <p:stCondLst>
+                                    <p:cond delay="0"/>
+                                  </p:stCondLst>
+                                  <p:childTnLst>
+                                    <p:set>
+                                      <p:cBhvr>
+                                        <p:cTn id="24" dur="1" fill="hold">
+                                          <p:stCondLst>
+                                            <p:cond delay="0"/>
+                                          </p:stCondLst>
+                                        </p:cTn>
+                                        <p:tgtEl>
+                                          <p:spTgt spid="3">
+                                            <p:txEl>
+                                              <p:pRg st="3" end="3"/>
+                                            </p:txEl>
+                                          </p:spTgt>
+                                        </p:tgtEl>
+                                        <p:attrNameLst>
+                                          <p:attrName>style.visibility</p:attrName>
+                                        </p:attrNameLst>
+                                      </p:cBhvr>
+                                      <p:to>
+                                        <p:strVal val="visible"/>
+                                      </p:to>
+                                    </p:set>
+                                    <p:anim calcmode="lin" valueType="num">
+                                      <p:cBhvr additive="base">
+                                        <p:cTn id="25" dur="500" fill="hold"/>
+                                        <p:tgtEl>
+                                          <p:spTgt spid="3">
+                                            <p:txEl>
+                                              <p:pRg st="3" end="3"/>
+                                            </p:txEl>
+                                          </p:spTgt>
+                                        </p:tgtEl>
+                                        <p:attrNameLst>
+                                          <p:attrName>ppt_x</p:attrName>
+                                        </p:attrNameLst>
+                                      </p:cBhvr>
+                                      <p:tavLst>
+                                        <p:tav tm="0">
+                                          <p:val>
+                                            <p:strVal val="#ppt_x"/>
+                                          </p:val>
+                                        </p:tav>
+                                        <p:tav tm="100000">
+                                          <p:val>
+                                            <p:strVal val="#ppt_x"/>
+                                          </p:val>
+                                        </p:tav>
+                                      </p:tavLst>
+                                    </p:anim>
+                                    <p:anim calcmode="lin" valueType="num">
+                                      <p:cBhvr additive="base">
+                                        <p:cTn id="26" dur="500" fill="hold"/>
+                                        <p:tgtEl>
+                                          <p:spTgt spid="3">
+                                            <p:txEl>
+                                              <p:pRg st="3" end="3"/>
+                                            </p:txEl>
+                                          </p:spTgt>
+                                        </p:tgtEl>
+                                        <p:attrNameLst>
+                                          <p:attrName>ppt_y</p:attrName>
+                                        </p:attrNameLst>
+                                      </p:cBhvr>
+                                      <p:tavLst>
+                                        <p:tav tm="0">
+                                          <p:val>
+                                            <p:strVal val="1+#ppt_h/2"/>
+                                          </p:val>
+                                        </p:tav>
+                                        <p:tav tm="100000">
+                                          <p:val>
+                                            <p:strVal val="#ppt_y"/>
+                                          </p:val>
+                                        </p:tav>
+                                      </p:tavLst>
+                                    </p:anim>
+                                  </p:childTnLst>
+                                </p:cTn>
+                              </p:par>
+                            </p:childTnLst>
+                          </p:cTn>
+                        </p:par>
+                      </p:childTnLst>
+                    </p:cTn>
+                  </p:par>
+                  <p:par>
+                    <p:cTn id="27" fill="hold">
+                      <p:stCondLst>
+                        <p:cond delay="indefinite"/>
+                      </p:stCondLst>
+                      <p:childTnLst>
+                        <p:par>
+                          <p:cTn id="28" fill="hold">
+                            <p:stCondLst>
+                              <p:cond delay="0"/>
+                            </p:stCondLst>
+                            <p:childTnLst>
+                              <p:par>
+                                <p:cTn id="29" presetID="2" presetClass="entr" presetSubtype="4" fill="hold" grpId="0" nodeType="clickEffect">
+                                  <p:stCondLst>
+                                    <p:cond delay="0"/>
+                                  </p:stCondLst>
+                                  <p:childTnLst>
+                                    <p:set>
+                                      <p:cBhvr>
+                                        <p:cTn id="30" dur="1" fill="hold">
+                                          <p:stCondLst>
+                                            <p:cond delay="0"/>
+                                          </p:stCondLst>
+                                        </p:cTn>
+                                        <p:tgtEl>
+                                          <p:spTgt spid="3">
+                                            <p:txEl>
+                                              <p:pRg st="4" end="4"/>
+                                            </p:txEl>
+                                          </p:spTgt>
+                                        </p:tgtEl>
+                                        <p:attrNameLst>
+                                          <p:attrName>style.visibility</p:attrName>
+                                        </p:attrNameLst>
+                                      </p:cBhvr>
+                                      <p:to>
+                                        <p:strVal val="visible"/>
+                                      </p:to>
+                                    </p:set>
+                                    <p:anim calcmode="lin" valueType="num">
+                                      <p:cBhvr additive="base">
+                                        <p:cTn id="31" dur="500" fill="hold"/>
+                                        <p:tgtEl>
+                                          <p:spTgt spid="3">
+                                            <p:txEl>
+                                              <p:pRg st="4" end="4"/>
+                                            </p:txEl>
+                                          </p:spTgt>
+                                        </p:tgtEl>
+                                        <p:attrNameLst>
+                                          <p:attrName>ppt_x</p:attrName>
+                                        </p:attrNameLst>
+                                      </p:cBhvr>
+                                      <p:tavLst>
+                                        <p:tav tm="0">
+                                          <p:val>
+                                            <p:strVal val="#ppt_x"/>
+                                          </p:val>
+                                        </p:tav>
+                                        <p:tav tm="100000">
+                                          <p:val>
+                                            <p:strVal val="#ppt_x"/>
+                                          </p:val>
+                                        </p:tav>
+                                      </p:tavLst>
+                                    </p:anim>
+                                    <p:anim calcmode="lin" valueType="num">
+                                      <p:cBhvr additive="base">
+                                        <p:cTn id="32" dur="500" fill="hold"/>
+                                        <p:tgtEl>
+                                          <p:spTgt spid="3">
+                                            <p:txEl>
+                                              <p:pRg st="4" end="4"/>
+                                            </p:txEl>
+                                          </p:spTgt>
+                                        </p:tgtEl>
+                                        <p:attrNameLst>
+                                          <p:attrName>ppt_y</p:attrName>
+                                        </p:attrNameLst>
+                                      </p:cBhvr>
+                                      <p:tavLst>
+                                        <p:tav tm="0">
+                                          <p:val>
+                                            <p:strVal val="1+#ppt_h/2"/>
+                                          </p:val>
+                                        </p:tav>
+                                        <p:tav tm="100000">
+                                          <p:val>
+                                            <p:strVal val="#ppt_y"/>
+                                          </p:val>
+                                        </p:tav>
+                                      </p:tavLst>
+                                    </p:anim>
+                                  </p:childTnLst>
+                                </p:cTn>
+                              </p:par>
+                            </p:childTnLst>
+                          </p:cTn>
+                        </p:par>
+                      </p:childTnLst>
+                    </p:cTn>
+                  </p:par>
+                </p:childTnLst>
+              </p:cTn>
+              <p:prevCondLst>
+                <p:cond evt="onPrev" delay="0">
+                  <p:tgtEl>
+                    <p:sldTgt/>
+                  </p:tgtEl>
+                </p:cond>
+              </p:prevCondLst>
+              <p:nextCondLst>
+                <p:cond evt="onNext" delay="0">
+                  <p:tgtEl>
+                    <p:sldTgt/>
+                  </p:tgtEl>
+                </p:cond>
+              </p:nextCondLst>
+            </p:seq>
+          </p:childTnLst>
+        </p:cTn>
+      </p:par>
+    </p:tnLst>
+    <p:bldLst>
+      <p:bldP spid="3" grpId="0" build="p"/>
+    </p:bldLst>
+  </p:timing>
+</p:sld>
+</file>
+
+<file path=ppt/slides/slide4.xml><?xml version="1.0" encoding="utf-8"?>
+<p:sld xmlns:a="http://schemas.openxmlformats.org/drawingml/2006/main" xmlns:r="http://schemas.openxmlformats.org/officeDocument/2006/relationships" xmlns:p="http://schemas.openxmlformats.org/presentationml/2006/main">
+  <p:cSld>
+    <p:spTree>
+      <p:nvGrpSpPr>
+        <p:cNvPr id="1" name=""/>
+        <p:cNvGrpSpPr/>
+        <p:nvPr/>
+      </p:nvGrpSpPr>
+      <p:grpSpPr>
+        <a:xfrm>
+          <a:off x="0" y="0"/>
+          <a:ext cx="0" cy="0"/>
+          <a:chOff x="0" y="0"/>
+          <a:chExt cx="0" cy="0"/>
+        </a:xfrm>
+      </p:grpSpPr>
+      <p:sp>
+        <p:nvSpPr>
+          <p:cNvPr id="2" name="Title 1"/>
+          <p:cNvSpPr>
+            <a:spLocks noGrp="1"/>
+          </p:cNvSpPr>
+          <p:nvPr>
+            <p:ph type="title"/>
+          </p:nvPr>
+        </p:nvSpPr>
+        <p:spPr>
+          <a:xfrm>
+            <a:off x="0" y="0"/>
+            <a:ext cx="12191999" cy="1325563"/>
+          </a:xfrm>
+          <a:solidFill>
+            <a:srgbClr val="00B0F0"/>
+          </a:solidFill>
+        </p:spPr>
+        <p:txBody>
+          <a:bodyPr/>
+          <a:lstStyle/>
+          <a:p>
+            <a:r>
+              <a:rPr lang="en-US" dirty="0">
+                <a:solidFill>
+                  <a:schemeClr val="bg1"/>
+                </a:solidFill>
+              </a:rPr>
+              <a:t>2</a:t>
+            </a:r>
+            <a:r>
+              <a:rPr lang="en-US" dirty="0" smtClean="0">
+                <a:solidFill>
+                  <a:schemeClr val="bg1"/>
+                </a:solidFill>
+              </a:rPr>
+              <a:t>. Class Components</a:t>
+            </a:r>
+            <a:endParaRPr lang="en-US" dirty="0">
+              <a:solidFill>
+                <a:schemeClr val="bg1"/>
+              </a:solidFill>
+            </a:endParaRPr>
+          </a:p>
+        </p:txBody>
+      </p:sp>
+      <p:sp>
+        <p:nvSpPr>
+          <p:cNvPr id="3" name="Content Placeholder 2"/>
+          <p:cNvSpPr>
+            <a:spLocks noGrp="1"/>
+          </p:cNvSpPr>
+          <p:nvPr>
+            <p:ph idx="1"/>
+          </p:nvPr>
+        </p:nvSpPr>
+        <p:spPr/>
+        <p:txBody>
+          <a:bodyPr>
+            <a:normAutofit/>
+          </a:bodyPr>
+          <a:lstStyle/>
+          <a:p>
+            <a:pPr>
+              <a:lnSpc>
+                <a:spcPct val="150000"/>
+              </a:lnSpc>
+            </a:pPr>
+            <a:r>
+              <a:rPr lang="en-US" sz="3600" dirty="0" smtClean="0"/>
+              <a:t>Same logic between lifecycles.</a:t>
+            </a:r>
+          </a:p>
+          <a:p>
+            <a:pPr>
+              <a:lnSpc>
+                <a:spcPct val="150000"/>
+              </a:lnSpc>
+            </a:pPr>
+            <a:r>
+              <a:rPr lang="en-US" sz="3600" dirty="0" smtClean="0"/>
+              <a:t>HOC</a:t>
+            </a:r>
+          </a:p>
+          <a:p>
+            <a:pPr>
+              <a:lnSpc>
+                <a:spcPct val="150000"/>
+              </a:lnSpc>
+            </a:pPr>
+            <a:r>
+              <a:rPr lang="en-US" sz="3600" dirty="0" smtClean="0"/>
+              <a:t>Test</a:t>
+            </a:r>
+          </a:p>
+        </p:txBody>
+      </p:sp>
+    </p:spTree>
+    <p:extLst>
+      <p:ext uri="{BB962C8B-B14F-4D97-AF65-F5344CB8AC3E}">
+        <p14:creationId xmlns:p14="http://schemas.microsoft.com/office/powerpoint/2010/main" val="83894095"/>
       </p:ext>
     </p:extLst>
   </p:cSld>
@@ -7630,122 +8064,6 @@
 </p:sld>
 </file>
 
-<file path=ppt/slides/slide4.xml><?xml version="1.0" encoding="utf-8"?>
-<p:sld xmlns:a="http://schemas.openxmlformats.org/drawingml/2006/main" xmlns:r="http://schemas.openxmlformats.org/officeDocument/2006/relationships" xmlns:p="http://schemas.openxmlformats.org/presentationml/2006/main">
-  <p:cSld>
-    <p:spTree>
-      <p:nvGrpSpPr>
-        <p:cNvPr id="1" name=""/>
-        <p:cNvGrpSpPr/>
-        <p:nvPr/>
-      </p:nvGrpSpPr>
-      <p:grpSpPr>
-        <a:xfrm>
-          <a:off x="0" y="0"/>
-          <a:ext cx="0" cy="0"/>
-          <a:chOff x="0" y="0"/>
-          <a:chExt cx="0" cy="0"/>
-        </a:xfrm>
-      </p:grpSpPr>
-      <p:sp>
-        <p:nvSpPr>
-          <p:cNvPr id="2" name="Title 1"/>
-          <p:cNvSpPr>
-            <a:spLocks noGrp="1"/>
-          </p:cNvSpPr>
-          <p:nvPr>
-            <p:ph type="title"/>
-          </p:nvPr>
-        </p:nvSpPr>
-        <p:spPr>
-          <a:xfrm>
-            <a:off x="0" y="0"/>
-            <a:ext cx="12192000" cy="1325563"/>
-          </a:xfrm>
-          <a:solidFill>
-            <a:srgbClr val="00B0F0"/>
-          </a:solidFill>
-        </p:spPr>
-        <p:txBody>
-          <a:bodyPr/>
-          <a:lstStyle/>
-          <a:p>
-            <a:r>
-              <a:rPr lang="en-US" smtClean="0">
-                <a:solidFill>
-                  <a:schemeClr val="bg1"/>
-                </a:solidFill>
-              </a:rPr>
-              <a:t>2. </a:t>
-            </a:r>
-            <a:r>
-              <a:rPr lang="en-US">
-                <a:solidFill>
-                  <a:schemeClr val="bg1"/>
-                </a:solidFill>
-              </a:rPr>
-              <a:t>Class </a:t>
-            </a:r>
-            <a:r>
-              <a:rPr lang="en-US" smtClean="0">
-                <a:solidFill>
-                  <a:schemeClr val="bg1"/>
-                </a:solidFill>
-              </a:rPr>
-              <a:t>Components</a:t>
-            </a:r>
-            <a:endParaRPr lang="en-US">
-              <a:solidFill>
-                <a:schemeClr val="bg1"/>
-              </a:solidFill>
-            </a:endParaRPr>
-          </a:p>
-        </p:txBody>
-      </p:sp>
-      <p:pic>
-        <p:nvPicPr>
-          <p:cNvPr id="11" name="Picture 10"/>
-          <p:cNvPicPr>
-            <a:picLocks noChangeAspect="1"/>
-          </p:cNvPicPr>
-          <p:nvPr/>
-        </p:nvPicPr>
-        <p:blipFill>
-          <a:blip r:embed="rId3"/>
-          <a:stretch>
-            <a:fillRect/>
-          </a:stretch>
-        </p:blipFill>
-        <p:spPr>
-          <a:xfrm>
-            <a:off x="429123" y="1657234"/>
-            <a:ext cx="10956271" cy="4486275"/>
-          </a:xfrm>
-          <a:prstGeom prst="rect">
-            <a:avLst/>
-          </a:prstGeom>
-        </p:spPr>
-      </p:pic>
-    </p:spTree>
-    <p:extLst>
-      <p:ext uri="{BB962C8B-B14F-4D97-AF65-F5344CB8AC3E}">
-        <p14:creationId xmlns:p14="http://schemas.microsoft.com/office/powerpoint/2010/main" val="2472684257"/>
-      </p:ext>
-    </p:extLst>
-  </p:cSld>
-  <p:clrMapOvr>
-    <a:masterClrMapping/>
-  </p:clrMapOvr>
-  <p:timing>
-    <p:tnLst>
-      <p:par>
-        <p:cTn id="1" dur="indefinite" restart="never" nodeType="tmRoot"/>
-      </p:par>
-    </p:tnLst>
-  </p:timing>
-</p:sld>
-</file>
-
 <file path=ppt/slides/slide5.xml><?xml version="1.0" encoding="utf-8"?>
 <p:sld xmlns:a="http://schemas.openxmlformats.org/drawingml/2006/main" xmlns:r="http://schemas.openxmlformats.org/officeDocument/2006/relationships" xmlns:p="http://schemas.openxmlformats.org/presentationml/2006/main">
   <p:cSld>
@@ -8182,15 +8500,7 @@
                   <a:schemeClr val="bg1"/>
                 </a:solidFill>
               </a:rPr>
-              <a:t>2. </a:t>
-            </a:r>
-            <a:r>
-              <a:rPr lang="en-US" smtClean="0">
-                <a:solidFill>
-                  <a:schemeClr val="bg1"/>
-                </a:solidFill>
-              </a:rPr>
-              <a:t>Function Components</a:t>
+              <a:t>2. Function Components</a:t>
             </a:r>
             <a:endParaRPr lang="en-US">
               <a:solidFill>

--- a/ReactHooks.pptx
+++ b/ReactHooks.pptx
@@ -5,24 +5,22 @@
     <p:sldMasterId id="2147483648" r:id="rId1"/>
   </p:sldMasterIdLst>
   <p:notesMasterIdLst>
-    <p:notesMasterId r:id="rId14"/>
+    <p:notesMasterId r:id="rId12"/>
   </p:notesMasterIdLst>
   <p:handoutMasterIdLst>
-    <p:handoutMasterId r:id="rId15"/>
+    <p:handoutMasterId r:id="rId13"/>
   </p:handoutMasterIdLst>
   <p:sldIdLst>
     <p:sldId id="269" r:id="rId2"/>
     <p:sldId id="268" r:id="rId3"/>
     <p:sldId id="257" r:id="rId4"/>
     <p:sldId id="274" r:id="rId5"/>
-    <p:sldId id="270" r:id="rId6"/>
-    <p:sldId id="272" r:id="rId7"/>
-    <p:sldId id="273" r:id="rId8"/>
-    <p:sldId id="261" r:id="rId9"/>
-    <p:sldId id="262" r:id="rId10"/>
-    <p:sldId id="264" r:id="rId11"/>
-    <p:sldId id="265" r:id="rId12"/>
-    <p:sldId id="266" r:id="rId13"/>
+    <p:sldId id="273" r:id="rId6"/>
+    <p:sldId id="261" r:id="rId7"/>
+    <p:sldId id="262" r:id="rId8"/>
+    <p:sldId id="264" r:id="rId9"/>
+    <p:sldId id="265" r:id="rId10"/>
+    <p:sldId id="266" r:id="rId11"/>
   </p:sldIdLst>
   <p:sldSz cx="12192000" cy="6858000"/>
   <p:notesSz cx="6858000" cy="9144000"/>
@@ -211,7 +209,7 @@
           <a:p>
             <a:fld id="{9178D1A1-91A7-4B77-A692-87D3F8B9A420}" type="datetimeFigureOut">
               <a:rPr lang="en-US" smtClean="0"/>
-              <a:t>5/11/2019</a:t>
+              <a:t>5/14/2019</a:t>
             </a:fld>
             <a:endParaRPr lang="en-US"/>
           </a:p>
@@ -377,7 +375,7 @@
           <a:p>
             <a:fld id="{B4948491-EFE7-41DA-B945-73D2DFE774B9}" type="datetimeFigureOut">
               <a:rPr lang="en-US" smtClean="0"/>
-              <a:t>5/11/2019</a:t>
+              <a:t>5/14/2019</a:t>
             </a:fld>
             <a:endParaRPr lang="en-US"/>
           </a:p>
@@ -982,7 +980,7 @@
     </p:spTree>
     <p:extLst>
       <p:ext uri="{BB962C8B-B14F-4D97-AF65-F5344CB8AC3E}">
-        <p14:creationId xmlns:p14="http://schemas.microsoft.com/office/powerpoint/2010/main" val="2801379702"/>
+        <p14:creationId xmlns:p14="http://schemas.microsoft.com/office/powerpoint/2010/main" val="3854836216"/>
       </p:ext>
     </p:extLst>
   </p:cSld>
@@ -1053,156 +1051,6 @@
               <a:tabLst/>
               <a:defRPr/>
             </a:pPr>
-            <a:r>
-              <a:rPr lang="en-US" smtClean="0"/>
-              <a:t>- </a:t>
-            </a:r>
-            <a:r>
-              <a:rPr lang="en-US" sz="1200" smtClean="0"/>
-              <a:t>Require you to restructure your components.</a:t>
-            </a:r>
-            <a:br>
-              <a:rPr lang="en-US" sz="1200" smtClean="0"/>
-            </a:br>
-            <a:r>
-              <a:rPr lang="en-US" sz="1200" smtClean="0"/>
-              <a:t>- Cumbersome, code hard to follow.</a:t>
-            </a:r>
-            <a:br>
-              <a:rPr lang="en-US" sz="1200" smtClean="0"/>
-            </a:br>
-            <a:r>
-              <a:rPr lang="en-US" sz="1200" smtClean="0"/>
-              <a:t>- With Hooks, Can be tested independently and reused</a:t>
-            </a:r>
-            <a:r>
-              <a:rPr lang="en-US" smtClean="0"/>
-              <a:t>. </a:t>
-            </a:r>
-          </a:p>
-          <a:p>
-            <a:pPr marL="0" marR="0" lvl="0" indent="0" algn="l" defTabSz="914400" rtl="0" eaLnBrk="1" fontAlgn="auto" latinLnBrk="0" hangingPunct="1">
-              <a:lnSpc>
-                <a:spcPct val="100000"/>
-              </a:lnSpc>
-              <a:spcBef>
-                <a:spcPts val="0"/>
-              </a:spcBef>
-              <a:spcAft>
-                <a:spcPts val="0"/>
-              </a:spcAft>
-              <a:buClrTx/>
-              <a:buSzTx/>
-              <a:buFontTx/>
-              <a:buNone/>
-              <a:tabLst/>
-              <a:defRPr/>
-            </a:pPr>
-            <a:endParaRPr lang="en-US" sz="1200" smtClean="0"/>
-          </a:p>
-          <a:p>
-            <a:pPr marL="0" marR="0" lvl="0" indent="0" algn="l" defTabSz="914400" rtl="0" eaLnBrk="1" fontAlgn="auto" latinLnBrk="0" hangingPunct="1">
-              <a:lnSpc>
-                <a:spcPct val="100000"/>
-              </a:lnSpc>
-              <a:spcBef>
-                <a:spcPts val="0"/>
-              </a:spcBef>
-              <a:spcAft>
-                <a:spcPts val="0"/>
-              </a:spcAft>
-              <a:buClrTx/>
-              <a:buSzTx/>
-              <a:buFontTx/>
-              <a:buNone/>
-              <a:tabLst/>
-              <a:defRPr/>
-            </a:pPr>
-            <a:r>
-              <a:rPr lang="en-US" sz="1200" smtClean="0"/>
-              <a:t>- Hooks let you split one component into smaller functions based on what pieces are related (such as setting up a subscription or fetching data)</a:t>
-            </a:r>
-            <a:br>
-              <a:rPr lang="en-US" sz="1200" smtClean="0"/>
-            </a:br>
-            <a:endParaRPr lang="en-US" sz="1200" smtClean="0"/>
-          </a:p>
-          <a:p>
-            <a:pPr marL="171450" indent="-171450">
-              <a:buFontTx/>
-              <a:buChar char="-"/>
-            </a:pPr>
-            <a:r>
-              <a:rPr lang="en-US" smtClean="0"/>
-              <a:t>How </a:t>
-            </a:r>
-            <a:r>
-              <a:rPr lang="en-US" i="1" smtClean="0"/>
-              <a:t>this</a:t>
-            </a:r>
-            <a:r>
-              <a:rPr lang="en-US" smtClean="0"/>
-              <a:t> works, remember bind the event handlers…</a:t>
-            </a:r>
-            <a:r>
-              <a:rPr lang="en-US" b="1" smtClean="0"/>
-              <a:t/>
-            </a:r>
-            <a:br>
-              <a:rPr lang="en-US" b="1" smtClean="0"/>
-            </a:br>
-            <a:r>
-              <a:rPr lang="en-US" sz="1200" smtClean="0"/>
-              <a:t>- Hooks let you use more of </a:t>
-            </a:r>
-            <a:r>
-              <a:rPr lang="en-US" sz="1200" err="1" smtClean="0"/>
-              <a:t>React’s</a:t>
-            </a:r>
-            <a:r>
-              <a:rPr lang="en-US" sz="1200" smtClean="0"/>
-              <a:t> features without classes.</a:t>
-            </a:r>
-          </a:p>
-          <a:p>
-            <a:pPr>
-              <a:lnSpc>
-                <a:spcPct val="150000"/>
-              </a:lnSpc>
-            </a:pPr>
-            <a:r>
-              <a:rPr lang="en-US" smtClean="0"/>
-              <a:t>Class is hard to Reuse stateful logic between components.</a:t>
-            </a:r>
-          </a:p>
-          <a:p>
-            <a:pPr>
-              <a:lnSpc>
-                <a:spcPct val="150000"/>
-              </a:lnSpc>
-            </a:pPr>
-            <a:r>
-              <a:rPr lang="en-US" smtClean="0"/>
-              <a:t>Complex components become hard to understand.</a:t>
-            </a:r>
-          </a:p>
-          <a:p>
-            <a:pPr>
-              <a:lnSpc>
-                <a:spcPct val="150000"/>
-              </a:lnSpc>
-            </a:pPr>
-            <a:r>
-              <a:rPr lang="en-US" smtClean="0"/>
-              <a:t>Classes confuse both people and machines.</a:t>
-            </a:r>
-            <a:endParaRPr lang="en-US" sz="1100" smtClean="0"/>
-          </a:p>
-          <a:p>
-            <a:pPr marL="171450" indent="-171450">
-              <a:buFontTx/>
-              <a:buChar char="-"/>
-            </a:pPr>
             <a:endParaRPr lang="en-US"/>
           </a:p>
         </p:txBody>
@@ -1233,7 +1081,7 @@
     </p:spTree>
     <p:extLst>
       <p:ext uri="{BB962C8B-B14F-4D97-AF65-F5344CB8AC3E}">
-        <p14:creationId xmlns:p14="http://schemas.microsoft.com/office/powerpoint/2010/main" val="1615583293"/>
+        <p14:creationId xmlns:p14="http://schemas.microsoft.com/office/powerpoint/2010/main" val="2668052865"/>
       </p:ext>
     </p:extLst>
   </p:cSld>
@@ -1306,29 +1154,11 @@
             </a:pPr>
             <a:r>
               <a:rPr lang="en-US" smtClean="0"/>
-              <a:t>- </a:t>
-            </a:r>
-            <a:r>
-              <a:rPr lang="en-US" sz="1200" smtClean="0"/>
-              <a:t>Require you to restructure your components.</a:t>
-            </a:r>
-            <a:br>
-              <a:rPr lang="en-US" sz="1200" smtClean="0"/>
-            </a:br>
-            <a:r>
-              <a:rPr lang="en-US" sz="1200" smtClean="0"/>
-              <a:t>- Cumbersome, code hard to follow.</a:t>
-            </a:r>
-            <a:br>
-              <a:rPr lang="en-US" sz="1200" smtClean="0"/>
-            </a:br>
-            <a:r>
-              <a:rPr lang="en-US" sz="1200" smtClean="0"/>
-              <a:t>- With Hooks, Can be tested independently and reused</a:t>
-            </a:r>
-            <a:r>
-              <a:rPr lang="en-US" smtClean="0"/>
-              <a:t>. </a:t>
+              <a:t>Combine</a:t>
+            </a:r>
+            <a:r>
+              <a:rPr lang="en-US" baseline="0" smtClean="0"/>
+              <a:t> with where questions.</a:t>
             </a:r>
           </a:p>
           <a:p>
@@ -1349,10 +1179,10 @@
               <a:tabLst/>
               <a:defRPr/>
             </a:pPr>
-            <a:endParaRPr lang="en-US" sz="1200" smtClean="0"/>
-          </a:p>
-          <a:p>
-            <a:pPr marL="0" marR="0" lvl="0" indent="0" algn="l" defTabSz="914400" rtl="0" eaLnBrk="1" fontAlgn="auto" latinLnBrk="0" hangingPunct="1">
+            <a:endParaRPr lang="en-US" smtClean="0"/>
+          </a:p>
+          <a:p>
+            <a:pPr marL="228600" marR="0" lvl="0" indent="-228600" algn="l" defTabSz="914400" rtl="0" eaLnBrk="1" fontAlgn="auto" latinLnBrk="0" hangingPunct="1">
               <a:lnSpc>
                 <a:spcPct val="100000"/>
               </a:lnSpc>
@@ -1365,96 +1195,105 @@
               <a:buClrTx/>
               <a:buSzTx/>
               <a:buFontTx/>
-              <a:buNone/>
+              <a:buAutoNum type="alphaLcPeriod"/>
               <a:tabLst/>
               <a:defRPr/>
             </a:pPr>
             <a:r>
-              <a:rPr lang="en-US" sz="1200" smtClean="0"/>
-              <a:t>- Hooks let you split one component into smaller functions based on what pieces are related (such as setting up a subscription or fetching data)</a:t>
+              <a:rPr lang="en-US" baseline="0" smtClean="0"/>
+              <a:t>Rules of hooks:</a:t>
             </a:r>
             <a:br>
-              <a:rPr lang="en-US" sz="1200" smtClean="0"/>
+              <a:rPr lang="en-US" baseline="0" smtClean="0"/>
             </a:br>
-            <a:endParaRPr lang="en-US" sz="1200" smtClean="0"/>
-          </a:p>
-          <a:p>
-            <a:pPr marL="171450" indent="-171450">
-              <a:buFontTx/>
-              <a:buChar char="-"/>
-            </a:pPr>
-            <a:r>
-              <a:rPr lang="en-US" smtClean="0"/>
-              <a:t>How </a:t>
-            </a:r>
-            <a:r>
-              <a:rPr lang="en-US" i="1" smtClean="0"/>
-              <a:t>this</a:t>
-            </a:r>
-            <a:r>
-              <a:rPr lang="en-US" smtClean="0"/>
-              <a:t> works, remember bind the event handlers…</a:t>
-            </a:r>
-            <a:r>
-              <a:rPr lang="en-US" b="1" smtClean="0"/>
-              <a:t/>
+            <a:r>
+              <a:rPr lang="en-US" baseline="0" smtClean="0"/>
+              <a:t>- </a:t>
+            </a:r>
+            <a:r>
+              <a:rPr lang="en-US" sz="1200" b="0" i="0" kern="1200" smtClean="0">
+                <a:solidFill>
+                  <a:schemeClr val="tx1"/>
+                </a:solidFill>
+                <a:effectLst/>
+                <a:latin typeface="+mn-lt"/>
+                <a:ea typeface="+mn-ea"/>
+                <a:cs typeface="+mn-cs"/>
+              </a:rPr>
+              <a:t>Ensure that Hooks are called in the same order each time a component renders. </a:t>
+            </a:r>
+            <a:r>
+              <a:rPr lang="en-US" baseline="0" smtClean="0"/>
+              <a:t>Make Hooks preserve the state of Hooks between multiple </a:t>
+            </a:r>
+            <a:r>
+              <a:rPr lang="en-US" i="1" baseline="0" err="1" smtClean="0"/>
+              <a:t>useState</a:t>
+            </a:r>
+            <a:r>
+              <a:rPr lang="en-US" i="0" baseline="0" smtClean="0"/>
+              <a:t> and </a:t>
+            </a:r>
+            <a:r>
+              <a:rPr lang="en-US" i="1" baseline="0" err="1" smtClean="0"/>
+              <a:t>useEffect</a:t>
+            </a:r>
+            <a:r>
+              <a:rPr lang="en-US" i="0" baseline="0" smtClean="0"/>
+              <a:t>.</a:t>
             </a:r>
             <a:br>
-              <a:rPr lang="en-US" b="1" smtClean="0"/>
+              <a:rPr lang="en-US" i="0" baseline="0" smtClean="0"/>
             </a:br>
             <a:r>
-              <a:rPr lang="en-US" sz="1200" smtClean="0"/>
-              <a:t>- Hooks let you use more of </a:t>
-            </a:r>
-            <a:r>
-              <a:rPr lang="en-US" sz="1200" err="1" smtClean="0"/>
-              <a:t>React’s</a:t>
-            </a:r>
-            <a:r>
-              <a:rPr lang="en-US" sz="1200" smtClean="0"/>
-              <a:t> features without classes.</a:t>
-            </a:r>
-          </a:p>
-          <a:p>
-            <a:pPr>
-              <a:lnSpc>
-                <a:spcPct val="150000"/>
-              </a:lnSpc>
-            </a:pPr>
-            <a:r>
-              <a:rPr lang="en-US" smtClean="0"/>
-              <a:t>Class is hard to Reuse stateful logic between components.</a:t>
-            </a:r>
-          </a:p>
-          <a:p>
-            <a:pPr>
-              <a:lnSpc>
-                <a:spcPct val="150000"/>
-              </a:lnSpc>
-            </a:pPr>
-            <a:r>
-              <a:rPr lang="en-US" smtClean="0"/>
-              <a:t>Complex components become hard to understand.</a:t>
-            </a:r>
-          </a:p>
-          <a:p>
-            <a:pPr>
-              <a:lnSpc>
-                <a:spcPct val="150000"/>
-              </a:lnSpc>
-            </a:pPr>
-            <a:r>
-              <a:rPr lang="en-US" smtClean="0"/>
-              <a:t>Classes confuse both people and machines.</a:t>
-            </a:r>
-            <a:endParaRPr lang="en-US" sz="1100" smtClean="0"/>
-          </a:p>
-          <a:p>
-            <a:pPr marL="171450" indent="-171450">
-              <a:buFontTx/>
-              <a:buChar char="-"/>
-            </a:pPr>
-            <a:endParaRPr lang="en-US"/>
+              <a:rPr lang="en-US" i="0" baseline="0" smtClean="0"/>
+              <a:t>- Regular </a:t>
+            </a:r>
+            <a:r>
+              <a:rPr lang="en-US" i="0" baseline="0" err="1" smtClean="0"/>
+              <a:t>Js</a:t>
+            </a:r>
+            <a:r>
+              <a:rPr lang="en-US" i="0" baseline="0" smtClean="0"/>
+              <a:t> functions: ajax …. This rule</a:t>
+            </a:r>
+            <a:r>
+              <a:rPr lang="en-US" sz="1200" b="0" i="0" kern="1200" smtClean="0">
+                <a:solidFill>
+                  <a:schemeClr val="tx1"/>
+                </a:solidFill>
+                <a:effectLst/>
+                <a:latin typeface="+mn-lt"/>
+                <a:ea typeface="+mn-ea"/>
+                <a:cs typeface="+mn-cs"/>
+              </a:rPr>
+              <a:t> ensure that all </a:t>
+            </a:r>
+            <a:r>
+              <a:rPr lang="en-US" sz="1200" b="0" i="0" kern="1200" err="1" smtClean="0">
+                <a:solidFill>
+                  <a:schemeClr val="tx1"/>
+                </a:solidFill>
+                <a:effectLst/>
+                <a:latin typeface="+mn-lt"/>
+                <a:ea typeface="+mn-ea"/>
+                <a:cs typeface="+mn-cs"/>
+              </a:rPr>
+              <a:t>stateful</a:t>
+            </a:r>
+            <a:r>
+              <a:rPr lang="en-US" sz="1200" b="0" i="0" kern="1200" smtClean="0">
+                <a:solidFill>
+                  <a:schemeClr val="tx1"/>
+                </a:solidFill>
+                <a:effectLst/>
+                <a:latin typeface="+mn-lt"/>
+                <a:ea typeface="+mn-ea"/>
+                <a:cs typeface="+mn-cs"/>
+              </a:rPr>
+              <a:t> logic in a component is clearly visible from its source code.</a:t>
+            </a:r>
+            <a:endParaRPr lang="en-US" baseline="0" smtClean="0"/>
           </a:p>
         </p:txBody>
       </p:sp>
@@ -1484,7 +1323,7 @@
     </p:spTree>
     <p:extLst>
       <p:ext uri="{BB962C8B-B14F-4D97-AF65-F5344CB8AC3E}">
-        <p14:creationId xmlns:p14="http://schemas.microsoft.com/office/powerpoint/2010/main" val="3854836216"/>
+        <p14:creationId xmlns:p14="http://schemas.microsoft.com/office/powerpoint/2010/main" val="882481392"/>
       </p:ext>
     </p:extLst>
   </p:cSld>
@@ -1555,7 +1394,148 @@
               <a:tabLst/>
               <a:defRPr/>
             </a:pPr>
-            <a:endParaRPr lang="en-US"/>
+            <a:r>
+              <a:rPr lang="en-US" smtClean="0"/>
+              <a:t>Combine</a:t>
+            </a:r>
+            <a:r>
+              <a:rPr lang="en-US" baseline="0" smtClean="0"/>
+              <a:t> with where questions.</a:t>
+            </a:r>
+          </a:p>
+          <a:p>
+            <a:pPr marL="0" marR="0" lvl="0" indent="0" algn="l" defTabSz="914400" rtl="0" eaLnBrk="1" fontAlgn="auto" latinLnBrk="0" hangingPunct="1">
+              <a:lnSpc>
+                <a:spcPct val="100000"/>
+              </a:lnSpc>
+              <a:spcBef>
+                <a:spcPts val="0"/>
+              </a:spcBef>
+              <a:spcAft>
+                <a:spcPts val="0"/>
+              </a:spcAft>
+              <a:buClrTx/>
+              <a:buSzTx/>
+              <a:buFontTx/>
+              <a:buNone/>
+              <a:tabLst/>
+              <a:defRPr/>
+            </a:pPr>
+            <a:endParaRPr lang="en-US" smtClean="0"/>
+          </a:p>
+          <a:p>
+            <a:pPr marL="228600" marR="0" lvl="0" indent="-228600" algn="l" defTabSz="914400" rtl="0" eaLnBrk="1" fontAlgn="auto" latinLnBrk="0" hangingPunct="1">
+              <a:lnSpc>
+                <a:spcPct val="100000"/>
+              </a:lnSpc>
+              <a:spcBef>
+                <a:spcPts val="0"/>
+              </a:spcBef>
+              <a:spcAft>
+                <a:spcPts val="0"/>
+              </a:spcAft>
+              <a:buClrTx/>
+              <a:buSzTx/>
+              <a:buFontTx/>
+              <a:buAutoNum type="alphaLcPeriod"/>
+              <a:tabLst/>
+              <a:defRPr/>
+            </a:pPr>
+            <a:r>
+              <a:rPr lang="en-US" baseline="0" smtClean="0"/>
+              <a:t>Rules of hooks:</a:t>
+            </a:r>
+            <a:br>
+              <a:rPr lang="en-US" baseline="0" smtClean="0"/>
+            </a:br>
+            <a:r>
+              <a:rPr lang="en-US" baseline="0" smtClean="0"/>
+              <a:t>- </a:t>
+            </a:r>
+            <a:r>
+              <a:rPr lang="en-US" sz="1200" b="0" i="0" kern="1200" smtClean="0">
+                <a:solidFill>
+                  <a:schemeClr val="tx1"/>
+                </a:solidFill>
+                <a:effectLst/>
+                <a:latin typeface="+mn-lt"/>
+                <a:ea typeface="+mn-ea"/>
+                <a:cs typeface="+mn-cs"/>
+              </a:rPr>
+              <a:t>Ensure that Hooks are called in the same order each time a component renders. </a:t>
+            </a:r>
+            <a:r>
+              <a:rPr lang="en-US" baseline="0" smtClean="0"/>
+              <a:t>Make Hooks preserve the state of Hooks between multiple </a:t>
+            </a:r>
+            <a:r>
+              <a:rPr lang="en-US" i="1" baseline="0" err="1" smtClean="0"/>
+              <a:t>useState</a:t>
+            </a:r>
+            <a:r>
+              <a:rPr lang="en-US" i="0" baseline="0" smtClean="0"/>
+              <a:t> and </a:t>
+            </a:r>
+            <a:r>
+              <a:rPr lang="en-US" i="1" baseline="0" err="1" smtClean="0"/>
+              <a:t>useEffect</a:t>
+            </a:r>
+            <a:r>
+              <a:rPr lang="en-US" i="0" baseline="0" smtClean="0"/>
+              <a:t>.</a:t>
+            </a:r>
+            <a:br>
+              <a:rPr lang="en-US" i="0" baseline="0" smtClean="0"/>
+            </a:br>
+            <a:r>
+              <a:rPr lang="en-US" i="0" baseline="0" smtClean="0"/>
+              <a:t>- Regular </a:t>
+            </a:r>
+            <a:r>
+              <a:rPr lang="en-US" i="0" baseline="0" err="1" smtClean="0"/>
+              <a:t>Js</a:t>
+            </a:r>
+            <a:r>
+              <a:rPr lang="en-US" i="0" baseline="0" smtClean="0"/>
+              <a:t> functions: ajax …. This rule</a:t>
+            </a:r>
+            <a:r>
+              <a:rPr lang="en-US" sz="1200" b="0" i="0" kern="1200" smtClean="0">
+                <a:solidFill>
+                  <a:schemeClr val="tx1"/>
+                </a:solidFill>
+                <a:effectLst/>
+                <a:latin typeface="+mn-lt"/>
+                <a:ea typeface="+mn-ea"/>
+                <a:cs typeface="+mn-cs"/>
+              </a:rPr>
+              <a:t> ensure that all </a:t>
+            </a:r>
+            <a:r>
+              <a:rPr lang="en-US" sz="1200" b="0" i="0" kern="1200" err="1" smtClean="0">
+                <a:solidFill>
+                  <a:schemeClr val="tx1"/>
+                </a:solidFill>
+                <a:effectLst/>
+                <a:latin typeface="+mn-lt"/>
+                <a:ea typeface="+mn-ea"/>
+                <a:cs typeface="+mn-cs"/>
+              </a:rPr>
+              <a:t>stateful</a:t>
+            </a:r>
+            <a:r>
+              <a:rPr lang="en-US" sz="1200" b="0" i="0" kern="1200" smtClean="0">
+                <a:solidFill>
+                  <a:schemeClr val="tx1"/>
+                </a:solidFill>
+                <a:effectLst/>
+                <a:latin typeface="+mn-lt"/>
+                <a:ea typeface="+mn-ea"/>
+                <a:cs typeface="+mn-cs"/>
+              </a:rPr>
+              <a:t> logic in a component is clearly visible from its source code.</a:t>
+            </a:r>
+            <a:endParaRPr lang="en-US" baseline="0" smtClean="0"/>
           </a:p>
         </p:txBody>
       </p:sp>
@@ -1585,7 +1565,7 @@
     </p:spTree>
     <p:extLst>
       <p:ext uri="{BB962C8B-B14F-4D97-AF65-F5344CB8AC3E}">
-        <p14:creationId xmlns:p14="http://schemas.microsoft.com/office/powerpoint/2010/main" val="2668052865"/>
+        <p14:creationId xmlns:p14="http://schemas.microsoft.com/office/powerpoint/2010/main" val="3141670522"/>
       </p:ext>
     </p:extLst>
   </p:cSld>
@@ -1827,7 +1807,7 @@
     </p:spTree>
     <p:extLst>
       <p:ext uri="{BB962C8B-B14F-4D97-AF65-F5344CB8AC3E}">
-        <p14:creationId xmlns:p14="http://schemas.microsoft.com/office/powerpoint/2010/main" val="882481392"/>
+        <p14:creationId xmlns:p14="http://schemas.microsoft.com/office/powerpoint/2010/main" val="1735810926"/>
       </p:ext>
     </p:extLst>
   </p:cSld>
@@ -2061,490 +2041,6 @@
             <a:fld id="{FBF31ECA-FEBF-416A-9457-D684578178CB}" type="slidenum">
               <a:rPr lang="en-US" smtClean="0"/>
               <a:t>10</a:t>
-            </a:fld>
-            <a:endParaRPr lang="en-US"/>
-          </a:p>
-        </p:txBody>
-      </p:sp>
-    </p:spTree>
-    <p:extLst>
-      <p:ext uri="{BB962C8B-B14F-4D97-AF65-F5344CB8AC3E}">
-        <p14:creationId xmlns:p14="http://schemas.microsoft.com/office/powerpoint/2010/main" val="3141670522"/>
-      </p:ext>
-    </p:extLst>
-  </p:cSld>
-  <p:clrMapOvr>
-    <a:masterClrMapping/>
-  </p:clrMapOvr>
-</p:notes>
-</file>
-
-<file path=ppt/notesSlides/notesSlide8.xml><?xml version="1.0" encoding="utf-8"?>
-<p:notes xmlns:a="http://schemas.openxmlformats.org/drawingml/2006/main" xmlns:r="http://schemas.openxmlformats.org/officeDocument/2006/relationships" xmlns:p="http://schemas.openxmlformats.org/presentationml/2006/main">
-  <p:cSld>
-    <p:spTree>
-      <p:nvGrpSpPr>
-        <p:cNvPr id="1" name=""/>
-        <p:cNvGrpSpPr/>
-        <p:nvPr/>
-      </p:nvGrpSpPr>
-      <p:grpSpPr>
-        <a:xfrm>
-          <a:off x="0" y="0"/>
-          <a:ext cx="0" cy="0"/>
-          <a:chOff x="0" y="0"/>
-          <a:chExt cx="0" cy="0"/>
-        </a:xfrm>
-      </p:grpSpPr>
-      <p:sp>
-        <p:nvSpPr>
-          <p:cNvPr id="2" name="Slide Image Placeholder 1"/>
-          <p:cNvSpPr>
-            <a:spLocks noGrp="1" noRot="1" noChangeAspect="1"/>
-          </p:cNvSpPr>
-          <p:nvPr>
-            <p:ph type="sldImg"/>
-          </p:nvPr>
-        </p:nvSpPr>
-        <p:spPr/>
-      </p:sp>
-      <p:sp>
-        <p:nvSpPr>
-          <p:cNvPr id="3" name="Notes Placeholder 2"/>
-          <p:cNvSpPr>
-            <a:spLocks noGrp="1"/>
-          </p:cNvSpPr>
-          <p:nvPr>
-            <p:ph type="body" idx="1"/>
-          </p:nvPr>
-        </p:nvSpPr>
-        <p:spPr/>
-        <p:txBody>
-          <a:bodyPr/>
-          <a:lstStyle/>
-          <a:p>
-            <a:pPr marL="0" marR="0" lvl="0" indent="0" algn="l" defTabSz="914400" rtl="0" eaLnBrk="1" fontAlgn="auto" latinLnBrk="0" hangingPunct="1">
-              <a:lnSpc>
-                <a:spcPct val="100000"/>
-              </a:lnSpc>
-              <a:spcBef>
-                <a:spcPts val="0"/>
-              </a:spcBef>
-              <a:spcAft>
-                <a:spcPts val="0"/>
-              </a:spcAft>
-              <a:buClrTx/>
-              <a:buSzTx/>
-              <a:buFontTx/>
-              <a:buNone/>
-              <a:tabLst/>
-              <a:defRPr/>
-            </a:pPr>
-            <a:r>
-              <a:rPr lang="en-US" smtClean="0"/>
-              <a:t>Combine</a:t>
-            </a:r>
-            <a:r>
-              <a:rPr lang="en-US" baseline="0" smtClean="0"/>
-              <a:t> with where questions.</a:t>
-            </a:r>
-          </a:p>
-          <a:p>
-            <a:pPr marL="0" marR="0" lvl="0" indent="0" algn="l" defTabSz="914400" rtl="0" eaLnBrk="1" fontAlgn="auto" latinLnBrk="0" hangingPunct="1">
-              <a:lnSpc>
-                <a:spcPct val="100000"/>
-              </a:lnSpc>
-              <a:spcBef>
-                <a:spcPts val="0"/>
-              </a:spcBef>
-              <a:spcAft>
-                <a:spcPts val="0"/>
-              </a:spcAft>
-              <a:buClrTx/>
-              <a:buSzTx/>
-              <a:buFontTx/>
-              <a:buNone/>
-              <a:tabLst/>
-              <a:defRPr/>
-            </a:pPr>
-            <a:endParaRPr lang="en-US" smtClean="0"/>
-          </a:p>
-          <a:p>
-            <a:pPr marL="228600" marR="0" lvl="0" indent="-228600" algn="l" defTabSz="914400" rtl="0" eaLnBrk="1" fontAlgn="auto" latinLnBrk="0" hangingPunct="1">
-              <a:lnSpc>
-                <a:spcPct val="100000"/>
-              </a:lnSpc>
-              <a:spcBef>
-                <a:spcPts val="0"/>
-              </a:spcBef>
-              <a:spcAft>
-                <a:spcPts val="0"/>
-              </a:spcAft>
-              <a:buClrTx/>
-              <a:buSzTx/>
-              <a:buFontTx/>
-              <a:buAutoNum type="alphaLcPeriod"/>
-              <a:tabLst/>
-              <a:defRPr/>
-            </a:pPr>
-            <a:r>
-              <a:rPr lang="en-US" baseline="0" smtClean="0"/>
-              <a:t>Rules of hooks:</a:t>
-            </a:r>
-            <a:br>
-              <a:rPr lang="en-US" baseline="0" smtClean="0"/>
-            </a:br>
-            <a:r>
-              <a:rPr lang="en-US" baseline="0" smtClean="0"/>
-              <a:t>- </a:t>
-            </a:r>
-            <a:r>
-              <a:rPr lang="en-US" sz="1200" b="0" i="0" kern="1200" smtClean="0">
-                <a:solidFill>
-                  <a:schemeClr val="tx1"/>
-                </a:solidFill>
-                <a:effectLst/>
-                <a:latin typeface="+mn-lt"/>
-                <a:ea typeface="+mn-ea"/>
-                <a:cs typeface="+mn-cs"/>
-              </a:rPr>
-              <a:t>Ensure that Hooks are called in the same order each time a component renders. </a:t>
-            </a:r>
-            <a:r>
-              <a:rPr lang="en-US" baseline="0" smtClean="0"/>
-              <a:t>Make Hooks preserve the state of Hooks between multiple </a:t>
-            </a:r>
-            <a:r>
-              <a:rPr lang="en-US" i="1" baseline="0" err="1" smtClean="0"/>
-              <a:t>useState</a:t>
-            </a:r>
-            <a:r>
-              <a:rPr lang="en-US" i="0" baseline="0" smtClean="0"/>
-              <a:t> and </a:t>
-            </a:r>
-            <a:r>
-              <a:rPr lang="en-US" i="1" baseline="0" err="1" smtClean="0"/>
-              <a:t>useEffect</a:t>
-            </a:r>
-            <a:r>
-              <a:rPr lang="en-US" i="0" baseline="0" smtClean="0"/>
-              <a:t>.</a:t>
-            </a:r>
-            <a:br>
-              <a:rPr lang="en-US" i="0" baseline="0" smtClean="0"/>
-            </a:br>
-            <a:r>
-              <a:rPr lang="en-US" i="0" baseline="0" smtClean="0"/>
-              <a:t>- Regular </a:t>
-            </a:r>
-            <a:r>
-              <a:rPr lang="en-US" i="0" baseline="0" err="1" smtClean="0"/>
-              <a:t>Js</a:t>
-            </a:r>
-            <a:r>
-              <a:rPr lang="en-US" i="0" baseline="0" smtClean="0"/>
-              <a:t> functions: ajax …. This rule</a:t>
-            </a:r>
-            <a:r>
-              <a:rPr lang="en-US" sz="1200" b="0" i="0" kern="1200" smtClean="0">
-                <a:solidFill>
-                  <a:schemeClr val="tx1"/>
-                </a:solidFill>
-                <a:effectLst/>
-                <a:latin typeface="+mn-lt"/>
-                <a:ea typeface="+mn-ea"/>
-                <a:cs typeface="+mn-cs"/>
-              </a:rPr>
-              <a:t> ensure that all </a:t>
-            </a:r>
-            <a:r>
-              <a:rPr lang="en-US" sz="1200" b="0" i="0" kern="1200" err="1" smtClean="0">
-                <a:solidFill>
-                  <a:schemeClr val="tx1"/>
-                </a:solidFill>
-                <a:effectLst/>
-                <a:latin typeface="+mn-lt"/>
-                <a:ea typeface="+mn-ea"/>
-                <a:cs typeface="+mn-cs"/>
-              </a:rPr>
-              <a:t>stateful</a:t>
-            </a:r>
-            <a:r>
-              <a:rPr lang="en-US" sz="1200" b="0" i="0" kern="1200" smtClean="0">
-                <a:solidFill>
-                  <a:schemeClr val="tx1"/>
-                </a:solidFill>
-                <a:effectLst/>
-                <a:latin typeface="+mn-lt"/>
-                <a:ea typeface="+mn-ea"/>
-                <a:cs typeface="+mn-cs"/>
-              </a:rPr>
-              <a:t> logic in a component is clearly visible from its source code.</a:t>
-            </a:r>
-            <a:endParaRPr lang="en-US" baseline="0" smtClean="0"/>
-          </a:p>
-        </p:txBody>
-      </p:sp>
-      <p:sp>
-        <p:nvSpPr>
-          <p:cNvPr id="5" name="Slide Number Placeholder 4"/>
-          <p:cNvSpPr>
-            <a:spLocks noGrp="1"/>
-          </p:cNvSpPr>
-          <p:nvPr>
-            <p:ph type="sldNum" sz="quarter" idx="10"/>
-          </p:nvPr>
-        </p:nvSpPr>
-        <p:spPr/>
-        <p:txBody>
-          <a:bodyPr/>
-          <a:lstStyle/>
-          <a:p>
-            <a:fld id="{FBF31ECA-FEBF-416A-9457-D684578178CB}" type="slidenum">
-              <a:rPr lang="en-US" smtClean="0"/>
-              <a:t>11</a:t>
-            </a:fld>
-            <a:endParaRPr lang="en-US"/>
-          </a:p>
-        </p:txBody>
-      </p:sp>
-    </p:spTree>
-    <p:extLst>
-      <p:ext uri="{BB962C8B-B14F-4D97-AF65-F5344CB8AC3E}">
-        <p14:creationId xmlns:p14="http://schemas.microsoft.com/office/powerpoint/2010/main" val="1735810926"/>
-      </p:ext>
-    </p:extLst>
-  </p:cSld>
-  <p:clrMapOvr>
-    <a:masterClrMapping/>
-  </p:clrMapOvr>
-</p:notes>
-</file>
-
-<file path=ppt/notesSlides/notesSlide9.xml><?xml version="1.0" encoding="utf-8"?>
-<p:notes xmlns:a="http://schemas.openxmlformats.org/drawingml/2006/main" xmlns:r="http://schemas.openxmlformats.org/officeDocument/2006/relationships" xmlns:p="http://schemas.openxmlformats.org/presentationml/2006/main">
-  <p:cSld>
-    <p:spTree>
-      <p:nvGrpSpPr>
-        <p:cNvPr id="1" name=""/>
-        <p:cNvGrpSpPr/>
-        <p:nvPr/>
-      </p:nvGrpSpPr>
-      <p:grpSpPr>
-        <a:xfrm>
-          <a:off x="0" y="0"/>
-          <a:ext cx="0" cy="0"/>
-          <a:chOff x="0" y="0"/>
-          <a:chExt cx="0" cy="0"/>
-        </a:xfrm>
-      </p:grpSpPr>
-      <p:sp>
-        <p:nvSpPr>
-          <p:cNvPr id="2" name="Slide Image Placeholder 1"/>
-          <p:cNvSpPr>
-            <a:spLocks noGrp="1" noRot="1" noChangeAspect="1"/>
-          </p:cNvSpPr>
-          <p:nvPr>
-            <p:ph type="sldImg"/>
-          </p:nvPr>
-        </p:nvSpPr>
-        <p:spPr/>
-      </p:sp>
-      <p:sp>
-        <p:nvSpPr>
-          <p:cNvPr id="3" name="Notes Placeholder 2"/>
-          <p:cNvSpPr>
-            <a:spLocks noGrp="1"/>
-          </p:cNvSpPr>
-          <p:nvPr>
-            <p:ph type="body" idx="1"/>
-          </p:nvPr>
-        </p:nvSpPr>
-        <p:spPr/>
-        <p:txBody>
-          <a:bodyPr/>
-          <a:lstStyle/>
-          <a:p>
-            <a:pPr marL="0" marR="0" lvl="0" indent="0" algn="l" defTabSz="914400" rtl="0" eaLnBrk="1" fontAlgn="auto" latinLnBrk="0" hangingPunct="1">
-              <a:lnSpc>
-                <a:spcPct val="100000"/>
-              </a:lnSpc>
-              <a:spcBef>
-                <a:spcPts val="0"/>
-              </a:spcBef>
-              <a:spcAft>
-                <a:spcPts val="0"/>
-              </a:spcAft>
-              <a:buClrTx/>
-              <a:buSzTx/>
-              <a:buFontTx/>
-              <a:buNone/>
-              <a:tabLst/>
-              <a:defRPr/>
-            </a:pPr>
-            <a:r>
-              <a:rPr lang="en-US" smtClean="0"/>
-              <a:t>Combine</a:t>
-            </a:r>
-            <a:r>
-              <a:rPr lang="en-US" baseline="0" smtClean="0"/>
-              <a:t> with where questions.</a:t>
-            </a:r>
-          </a:p>
-          <a:p>
-            <a:pPr marL="0" marR="0" lvl="0" indent="0" algn="l" defTabSz="914400" rtl="0" eaLnBrk="1" fontAlgn="auto" latinLnBrk="0" hangingPunct="1">
-              <a:lnSpc>
-                <a:spcPct val="100000"/>
-              </a:lnSpc>
-              <a:spcBef>
-                <a:spcPts val="0"/>
-              </a:spcBef>
-              <a:spcAft>
-                <a:spcPts val="0"/>
-              </a:spcAft>
-              <a:buClrTx/>
-              <a:buSzTx/>
-              <a:buFontTx/>
-              <a:buNone/>
-              <a:tabLst/>
-              <a:defRPr/>
-            </a:pPr>
-            <a:endParaRPr lang="en-US" smtClean="0"/>
-          </a:p>
-          <a:p>
-            <a:pPr marL="228600" marR="0" lvl="0" indent="-228600" algn="l" defTabSz="914400" rtl="0" eaLnBrk="1" fontAlgn="auto" latinLnBrk="0" hangingPunct="1">
-              <a:lnSpc>
-                <a:spcPct val="100000"/>
-              </a:lnSpc>
-              <a:spcBef>
-                <a:spcPts val="0"/>
-              </a:spcBef>
-              <a:spcAft>
-                <a:spcPts val="0"/>
-              </a:spcAft>
-              <a:buClrTx/>
-              <a:buSzTx/>
-              <a:buFontTx/>
-              <a:buAutoNum type="alphaLcPeriod"/>
-              <a:tabLst/>
-              <a:defRPr/>
-            </a:pPr>
-            <a:r>
-              <a:rPr lang="en-US" baseline="0" smtClean="0"/>
-              <a:t>Rules of hooks:</a:t>
-            </a:r>
-            <a:br>
-              <a:rPr lang="en-US" baseline="0" smtClean="0"/>
-            </a:br>
-            <a:r>
-              <a:rPr lang="en-US" baseline="0" smtClean="0"/>
-              <a:t>- </a:t>
-            </a:r>
-            <a:r>
-              <a:rPr lang="en-US" sz="1200" b="0" i="0" kern="1200" smtClean="0">
-                <a:solidFill>
-                  <a:schemeClr val="tx1"/>
-                </a:solidFill>
-                <a:effectLst/>
-                <a:latin typeface="+mn-lt"/>
-                <a:ea typeface="+mn-ea"/>
-                <a:cs typeface="+mn-cs"/>
-              </a:rPr>
-              <a:t>Ensure that Hooks are called in the same order each time a component renders. </a:t>
-            </a:r>
-            <a:r>
-              <a:rPr lang="en-US" baseline="0" smtClean="0"/>
-              <a:t>Make Hooks preserve the state of Hooks between multiple </a:t>
-            </a:r>
-            <a:r>
-              <a:rPr lang="en-US" i="1" baseline="0" err="1" smtClean="0"/>
-              <a:t>useState</a:t>
-            </a:r>
-            <a:r>
-              <a:rPr lang="en-US" i="0" baseline="0" smtClean="0"/>
-              <a:t> and </a:t>
-            </a:r>
-            <a:r>
-              <a:rPr lang="en-US" i="1" baseline="0" err="1" smtClean="0"/>
-              <a:t>useEffect</a:t>
-            </a:r>
-            <a:r>
-              <a:rPr lang="en-US" i="0" baseline="0" smtClean="0"/>
-              <a:t>.</a:t>
-            </a:r>
-            <a:br>
-              <a:rPr lang="en-US" i="0" baseline="0" smtClean="0"/>
-            </a:br>
-            <a:r>
-              <a:rPr lang="en-US" i="0" baseline="0" smtClean="0"/>
-              <a:t>- Regular </a:t>
-            </a:r>
-            <a:r>
-              <a:rPr lang="en-US" i="0" baseline="0" err="1" smtClean="0"/>
-              <a:t>Js</a:t>
-            </a:r>
-            <a:r>
-              <a:rPr lang="en-US" i="0" baseline="0" smtClean="0"/>
-              <a:t> functions: ajax …. This rule</a:t>
-            </a:r>
-            <a:r>
-              <a:rPr lang="en-US" sz="1200" b="0" i="0" kern="1200" smtClean="0">
-                <a:solidFill>
-                  <a:schemeClr val="tx1"/>
-                </a:solidFill>
-                <a:effectLst/>
-                <a:latin typeface="+mn-lt"/>
-                <a:ea typeface="+mn-ea"/>
-                <a:cs typeface="+mn-cs"/>
-              </a:rPr>
-              <a:t> ensure that all </a:t>
-            </a:r>
-            <a:r>
-              <a:rPr lang="en-US" sz="1200" b="0" i="0" kern="1200" err="1" smtClean="0">
-                <a:solidFill>
-                  <a:schemeClr val="tx1"/>
-                </a:solidFill>
-                <a:effectLst/>
-                <a:latin typeface="+mn-lt"/>
-                <a:ea typeface="+mn-ea"/>
-                <a:cs typeface="+mn-cs"/>
-              </a:rPr>
-              <a:t>stateful</a:t>
-            </a:r>
-            <a:r>
-              <a:rPr lang="en-US" sz="1200" b="0" i="0" kern="1200" smtClean="0">
-                <a:solidFill>
-                  <a:schemeClr val="tx1"/>
-                </a:solidFill>
-                <a:effectLst/>
-                <a:latin typeface="+mn-lt"/>
-                <a:ea typeface="+mn-ea"/>
-                <a:cs typeface="+mn-cs"/>
-              </a:rPr>
-              <a:t> logic in a component is clearly visible from its source code.</a:t>
-            </a:r>
-            <a:endParaRPr lang="en-US" baseline="0" smtClean="0"/>
-          </a:p>
-        </p:txBody>
-      </p:sp>
-      <p:sp>
-        <p:nvSpPr>
-          <p:cNvPr id="5" name="Slide Number Placeholder 4"/>
-          <p:cNvSpPr>
-            <a:spLocks noGrp="1"/>
-          </p:cNvSpPr>
-          <p:nvPr>
-            <p:ph type="sldNum" sz="quarter" idx="10"/>
-          </p:nvPr>
-        </p:nvSpPr>
-        <p:spPr/>
-        <p:txBody>
-          <a:bodyPr/>
-          <a:lstStyle/>
-          <a:p>
-            <a:fld id="{FBF31ECA-FEBF-416A-9457-D684578178CB}" type="slidenum">
-              <a:rPr lang="en-US" smtClean="0"/>
-              <a:t>12</a:t>
             </a:fld>
             <a:endParaRPr lang="en-US"/>
           </a:p>
@@ -2694,7 +2190,7 @@
           <a:p>
             <a:fld id="{5C76B33F-923F-404A-96A8-EE08FCFE28B1}" type="datetime1">
               <a:rPr lang="en-US" smtClean="0"/>
-              <a:t>5/11/2019</a:t>
+              <a:t>5/14/2019</a:t>
             </a:fld>
             <a:endParaRPr lang="en-US"/>
           </a:p>
@@ -2864,7 +2360,7 @@
           <a:p>
             <a:fld id="{7505B9A2-C4B5-4C0A-B9E4-C9D5E245AEEB}" type="datetime1">
               <a:rPr lang="en-US" smtClean="0"/>
-              <a:t>5/11/2019</a:t>
+              <a:t>5/14/2019</a:t>
             </a:fld>
             <a:endParaRPr lang="en-US"/>
           </a:p>
@@ -3044,7 +2540,7 @@
           <a:p>
             <a:fld id="{EB3DCC1B-A690-4F74-A264-FD3A1D17A9CE}" type="datetime1">
               <a:rPr lang="en-US" smtClean="0"/>
-              <a:t>5/11/2019</a:t>
+              <a:t>5/14/2019</a:t>
             </a:fld>
             <a:endParaRPr lang="en-US"/>
           </a:p>
@@ -3214,7 +2710,7 @@
           <a:p>
             <a:fld id="{493B62D7-F942-4CEE-8BF1-CE9A61FDCF12}" type="datetime1">
               <a:rPr lang="en-US" smtClean="0"/>
-              <a:t>5/11/2019</a:t>
+              <a:t>5/14/2019</a:t>
             </a:fld>
             <a:endParaRPr lang="en-US"/>
           </a:p>
@@ -3460,7 +2956,7 @@
           <a:p>
             <a:fld id="{56F54805-F090-44B9-822C-99D47EF8D2F1}" type="datetime1">
               <a:rPr lang="en-US" smtClean="0"/>
-              <a:t>5/11/2019</a:t>
+              <a:t>5/14/2019</a:t>
             </a:fld>
             <a:endParaRPr lang="en-US"/>
           </a:p>
@@ -3692,7 +3188,7 @@
           <a:p>
             <a:fld id="{834B8418-18EF-46F4-A725-7B88CA0DAD6E}" type="datetime1">
               <a:rPr lang="en-US" smtClean="0"/>
-              <a:t>5/11/2019</a:t>
+              <a:t>5/14/2019</a:t>
             </a:fld>
             <a:endParaRPr lang="en-US"/>
           </a:p>
@@ -4059,7 +3555,7 @@
           <a:p>
             <a:fld id="{ED6F3301-DB27-465C-BFCE-FBB5A52BCC2F}" type="datetime1">
               <a:rPr lang="en-US" smtClean="0"/>
-              <a:t>5/11/2019</a:t>
+              <a:t>5/14/2019</a:t>
             </a:fld>
             <a:endParaRPr lang="en-US"/>
           </a:p>
@@ -4177,7 +3673,7 @@
           <a:p>
             <a:fld id="{F77C35EA-58AD-4897-99AB-10D8399629E7}" type="datetime1">
               <a:rPr lang="en-US" smtClean="0"/>
-              <a:t>5/11/2019</a:t>
+              <a:t>5/14/2019</a:t>
             </a:fld>
             <a:endParaRPr lang="en-US"/>
           </a:p>
@@ -4272,7 +3768,7 @@
           <a:p>
             <a:fld id="{E6D0365A-1AEE-4F4C-98E0-4DF924A908CD}" type="datetime1">
               <a:rPr lang="en-US" smtClean="0"/>
-              <a:t>5/11/2019</a:t>
+              <a:t>5/14/2019</a:t>
             </a:fld>
             <a:endParaRPr lang="en-US"/>
           </a:p>
@@ -4549,7 +4045,7 @@
           <a:p>
             <a:fld id="{AA8A4D5D-09C2-4E42-A5BF-325FB8D0CC51}" type="datetime1">
               <a:rPr lang="en-US" smtClean="0"/>
-              <a:t>5/11/2019</a:t>
+              <a:t>5/14/2019</a:t>
             </a:fld>
             <a:endParaRPr lang="en-US"/>
           </a:p>
@@ -4802,7 +4298,7 @@
           <a:p>
             <a:fld id="{765CFDFF-19DB-40ED-8541-16B9B0B27FE1}" type="datetime1">
               <a:rPr lang="en-US" smtClean="0"/>
-              <a:t>5/11/2019</a:t>
+              <a:t>5/14/2019</a:t>
             </a:fld>
             <a:endParaRPr lang="en-US"/>
           </a:p>
@@ -5015,7 +4511,7 @@
           <a:p>
             <a:fld id="{95867D15-22AC-4BD8-A649-6FE153BB5E2E}" type="datetime1">
               <a:rPr lang="en-US" smtClean="0"/>
-              <a:t>5/11/2019</a:t>
+              <a:t>5/14/2019</a:t>
             </a:fld>
             <a:endParaRPr lang="en-US"/>
           </a:p>
@@ -5512,486 +5008,6 @@
 </file>
 
 <file path=ppt/slides/slide10.xml><?xml version="1.0" encoding="utf-8"?>
-<p:sld xmlns:a="http://schemas.openxmlformats.org/drawingml/2006/main" xmlns:r="http://schemas.openxmlformats.org/officeDocument/2006/relationships" xmlns:p="http://schemas.openxmlformats.org/presentationml/2006/main">
-  <p:cSld>
-    <p:spTree>
-      <p:nvGrpSpPr>
-        <p:cNvPr id="1" name=""/>
-        <p:cNvGrpSpPr/>
-        <p:nvPr/>
-      </p:nvGrpSpPr>
-      <p:grpSpPr>
-        <a:xfrm>
-          <a:off x="0" y="0"/>
-          <a:ext cx="0" cy="0"/>
-          <a:chOff x="0" y="0"/>
-          <a:chExt cx="0" cy="0"/>
-        </a:xfrm>
-      </p:grpSpPr>
-      <p:sp>
-        <p:nvSpPr>
-          <p:cNvPr id="2" name="Title 1"/>
-          <p:cNvSpPr>
-            <a:spLocks noGrp="1"/>
-          </p:cNvSpPr>
-          <p:nvPr>
-            <p:ph type="title"/>
-          </p:nvPr>
-        </p:nvSpPr>
-        <p:spPr>
-          <a:xfrm>
-            <a:off x="347546" y="365125"/>
-            <a:ext cx="10515600" cy="1325563"/>
-          </a:xfrm>
-        </p:spPr>
-        <p:txBody>
-          <a:bodyPr/>
-          <a:lstStyle/>
-          <a:p>
-            <a:r>
-              <a:rPr lang="en-US"/>
-              <a:t>4</a:t>
-            </a:r>
-            <a:r>
-              <a:rPr lang="en-US" smtClean="0"/>
-              <a:t>. How to use Hooks?</a:t>
-            </a:r>
-            <a:endParaRPr lang="en-US"/>
-          </a:p>
-        </p:txBody>
-      </p:sp>
-      <p:sp>
-        <p:nvSpPr>
-          <p:cNvPr id="3" name="Content Placeholder 2"/>
-          <p:cNvSpPr>
-            <a:spLocks noGrp="1"/>
-          </p:cNvSpPr>
-          <p:nvPr>
-            <p:ph idx="1"/>
-          </p:nvPr>
-        </p:nvSpPr>
-        <p:spPr/>
-        <p:txBody>
-          <a:bodyPr>
-            <a:normAutofit/>
-          </a:bodyPr>
-          <a:lstStyle/>
-          <a:p>
-            <a:pPr marL="0" indent="0">
-              <a:lnSpc>
-                <a:spcPct val="150000"/>
-              </a:lnSpc>
-              <a:buNone/>
-            </a:pPr>
-            <a:r>
-              <a:rPr lang="en-US" b="1" smtClean="0"/>
-              <a:t>4.2 Using The State Hooks.</a:t>
-            </a:r>
-            <a:br>
-              <a:rPr lang="en-US" b="1" smtClean="0"/>
-            </a:br>
-            <a:r>
-              <a:rPr lang="en-US" b="1" smtClean="0"/>
-              <a:t>	</a:t>
-            </a:r>
-          </a:p>
-        </p:txBody>
-      </p:sp>
-    </p:spTree>
-    <p:extLst>
-      <p:ext uri="{BB962C8B-B14F-4D97-AF65-F5344CB8AC3E}">
-        <p14:creationId xmlns:p14="http://schemas.microsoft.com/office/powerpoint/2010/main" val="1008856109"/>
-      </p:ext>
-    </p:extLst>
-  </p:cSld>
-  <p:clrMapOvr>
-    <a:masterClrMapping/>
-  </p:clrMapOvr>
-  <p:timing>
-    <p:tnLst>
-      <p:par>
-        <p:cTn id="1" dur="indefinite" restart="never" nodeType="tmRoot">
-          <p:childTnLst>
-            <p:seq concurrent="1" nextAc="seek">
-              <p:cTn id="2" dur="indefinite" nodeType="mainSeq">
-                <p:childTnLst>
-                  <p:par>
-                    <p:cTn id="3" fill="hold">
-                      <p:stCondLst>
-                        <p:cond delay="indefinite"/>
-                      </p:stCondLst>
-                      <p:childTnLst>
-                        <p:par>
-                          <p:cTn id="4" fill="hold">
-                            <p:stCondLst>
-                              <p:cond delay="0"/>
-                            </p:stCondLst>
-                            <p:childTnLst>
-                              <p:par>
-                                <p:cTn id="5" presetID="2" presetClass="entr" presetSubtype="4" fill="hold" grpId="0" nodeType="clickEffect">
-                                  <p:stCondLst>
-                                    <p:cond delay="0"/>
-                                  </p:stCondLst>
-                                  <p:childTnLst>
-                                    <p:set>
-                                      <p:cBhvr>
-                                        <p:cTn id="6" dur="1" fill="hold">
-                                          <p:stCondLst>
-                                            <p:cond delay="0"/>
-                                          </p:stCondLst>
-                                        </p:cTn>
-                                        <p:tgtEl>
-                                          <p:spTgt spid="3">
-                                            <p:txEl>
-                                              <p:pRg st="0" end="0"/>
-                                            </p:txEl>
-                                          </p:spTgt>
-                                        </p:tgtEl>
-                                        <p:attrNameLst>
-                                          <p:attrName>style.visibility</p:attrName>
-                                        </p:attrNameLst>
-                                      </p:cBhvr>
-                                      <p:to>
-                                        <p:strVal val="visible"/>
-                                      </p:to>
-                                    </p:set>
-                                    <p:anim calcmode="lin" valueType="num">
-                                      <p:cBhvr additive="base">
-                                        <p:cTn id="7" dur="500" fill="hold"/>
-                                        <p:tgtEl>
-                                          <p:spTgt spid="3">
-                                            <p:txEl>
-                                              <p:pRg st="0" end="0"/>
-                                            </p:txEl>
-                                          </p:spTgt>
-                                        </p:tgtEl>
-                                        <p:attrNameLst>
-                                          <p:attrName>ppt_x</p:attrName>
-                                        </p:attrNameLst>
-                                      </p:cBhvr>
-                                      <p:tavLst>
-                                        <p:tav tm="0">
-                                          <p:val>
-                                            <p:strVal val="#ppt_x"/>
-                                          </p:val>
-                                        </p:tav>
-                                        <p:tav tm="100000">
-                                          <p:val>
-                                            <p:strVal val="#ppt_x"/>
-                                          </p:val>
-                                        </p:tav>
-                                      </p:tavLst>
-                                    </p:anim>
-                                    <p:anim calcmode="lin" valueType="num">
-                                      <p:cBhvr additive="base">
-                                        <p:cTn id="8" dur="500" fill="hold"/>
-                                        <p:tgtEl>
-                                          <p:spTgt spid="3">
-                                            <p:txEl>
-                                              <p:pRg st="0" end="0"/>
-                                            </p:txEl>
-                                          </p:spTgt>
-                                        </p:tgtEl>
-                                        <p:attrNameLst>
-                                          <p:attrName>ppt_y</p:attrName>
-                                        </p:attrNameLst>
-                                      </p:cBhvr>
-                                      <p:tavLst>
-                                        <p:tav tm="0">
-                                          <p:val>
-                                            <p:strVal val="1+#ppt_h/2"/>
-                                          </p:val>
-                                        </p:tav>
-                                        <p:tav tm="100000">
-                                          <p:val>
-                                            <p:strVal val="#ppt_y"/>
-                                          </p:val>
-                                        </p:tav>
-                                      </p:tavLst>
-                                    </p:anim>
-                                  </p:childTnLst>
-                                </p:cTn>
-                              </p:par>
-                            </p:childTnLst>
-                          </p:cTn>
-                        </p:par>
-                      </p:childTnLst>
-                    </p:cTn>
-                  </p:par>
-                </p:childTnLst>
-              </p:cTn>
-              <p:prevCondLst>
-                <p:cond evt="onPrev" delay="0">
-                  <p:tgtEl>
-                    <p:sldTgt/>
-                  </p:tgtEl>
-                </p:cond>
-              </p:prevCondLst>
-              <p:nextCondLst>
-                <p:cond evt="onNext" delay="0">
-                  <p:tgtEl>
-                    <p:sldTgt/>
-                  </p:tgtEl>
-                </p:cond>
-              </p:nextCondLst>
-            </p:seq>
-          </p:childTnLst>
-        </p:cTn>
-      </p:par>
-    </p:tnLst>
-    <p:bldLst>
-      <p:bldP spid="3" grpId="0" build="p"/>
-    </p:bldLst>
-  </p:timing>
-</p:sld>
-</file>
-
-<file path=ppt/slides/slide11.xml><?xml version="1.0" encoding="utf-8"?>
-<p:sld xmlns:a="http://schemas.openxmlformats.org/drawingml/2006/main" xmlns:r="http://schemas.openxmlformats.org/officeDocument/2006/relationships" xmlns:p="http://schemas.openxmlformats.org/presentationml/2006/main">
-  <p:cSld>
-    <p:spTree>
-      <p:nvGrpSpPr>
-        <p:cNvPr id="1" name=""/>
-        <p:cNvGrpSpPr/>
-        <p:nvPr/>
-      </p:nvGrpSpPr>
-      <p:grpSpPr>
-        <a:xfrm>
-          <a:off x="0" y="0"/>
-          <a:ext cx="0" cy="0"/>
-          <a:chOff x="0" y="0"/>
-          <a:chExt cx="0" cy="0"/>
-        </a:xfrm>
-      </p:grpSpPr>
-      <p:sp>
-        <p:nvSpPr>
-          <p:cNvPr id="2" name="Title 1"/>
-          <p:cNvSpPr>
-            <a:spLocks noGrp="1"/>
-          </p:cNvSpPr>
-          <p:nvPr>
-            <p:ph type="title"/>
-          </p:nvPr>
-        </p:nvSpPr>
-        <p:spPr>
-          <a:xfrm>
-            <a:off x="347546" y="365125"/>
-            <a:ext cx="10515600" cy="1325563"/>
-          </a:xfrm>
-        </p:spPr>
-        <p:txBody>
-          <a:bodyPr/>
-          <a:lstStyle/>
-          <a:p>
-            <a:r>
-              <a:rPr lang="en-US"/>
-              <a:t>4</a:t>
-            </a:r>
-            <a:r>
-              <a:rPr lang="en-US" smtClean="0"/>
-              <a:t>. How to use Hooks?</a:t>
-            </a:r>
-            <a:endParaRPr lang="en-US"/>
-          </a:p>
-        </p:txBody>
-      </p:sp>
-      <p:sp>
-        <p:nvSpPr>
-          <p:cNvPr id="3" name="Content Placeholder 2"/>
-          <p:cNvSpPr>
-            <a:spLocks noGrp="1"/>
-          </p:cNvSpPr>
-          <p:nvPr>
-            <p:ph idx="1"/>
-          </p:nvPr>
-        </p:nvSpPr>
-        <p:spPr/>
-        <p:txBody>
-          <a:bodyPr>
-            <a:normAutofit/>
-          </a:bodyPr>
-          <a:lstStyle/>
-          <a:p>
-            <a:pPr marL="514350" indent="-514350">
-              <a:lnSpc>
-                <a:spcPct val="150000"/>
-              </a:lnSpc>
-              <a:buAutoNum type="alphaLcPeriod"/>
-            </a:pPr>
-            <a:r>
-              <a:rPr lang="en-US" b="1" err="1" smtClean="0"/>
-              <a:t>useState</a:t>
-            </a:r>
-            <a:r>
-              <a:rPr lang="en-US" b="1" smtClean="0"/>
-              <a:t/>
-            </a:r>
-            <a:br>
-              <a:rPr lang="en-US" b="1" smtClean="0"/>
-            </a:br>
-            <a:endParaRPr lang="en-US" smtClean="0"/>
-          </a:p>
-          <a:p>
-            <a:pPr marL="0" indent="0">
-              <a:lnSpc>
-                <a:spcPct val="150000"/>
-              </a:lnSpc>
-              <a:buNone/>
-            </a:pPr>
-            <a:endParaRPr lang="en-US" b="1"/>
-          </a:p>
-        </p:txBody>
-      </p:sp>
-    </p:spTree>
-    <p:extLst>
-      <p:ext uri="{BB962C8B-B14F-4D97-AF65-F5344CB8AC3E}">
-        <p14:creationId xmlns:p14="http://schemas.microsoft.com/office/powerpoint/2010/main" val="4022983786"/>
-      </p:ext>
-    </p:extLst>
-  </p:cSld>
-  <p:clrMapOvr>
-    <a:masterClrMapping/>
-  </p:clrMapOvr>
-  <p:timing>
-    <p:tnLst>
-      <p:par>
-        <p:cTn id="1" dur="indefinite" restart="never" nodeType="tmRoot">
-          <p:childTnLst>
-            <p:seq concurrent="1" nextAc="seek">
-              <p:cTn id="2" dur="indefinite" nodeType="mainSeq">
-                <p:childTnLst>
-                  <p:par>
-                    <p:cTn id="3" fill="hold">
-                      <p:stCondLst>
-                        <p:cond delay="indefinite"/>
-                      </p:stCondLst>
-                      <p:childTnLst>
-                        <p:par>
-                          <p:cTn id="4" fill="hold">
-                            <p:stCondLst>
-                              <p:cond delay="0"/>
-                            </p:stCondLst>
-                            <p:childTnLst>
-                              <p:par>
-                                <p:cTn id="5" presetID="2" presetClass="entr" presetSubtype="4" fill="hold" grpId="0" nodeType="clickEffect">
-                                  <p:stCondLst>
-                                    <p:cond delay="0"/>
-                                  </p:stCondLst>
-                                  <p:childTnLst>
-                                    <p:set>
-                                      <p:cBhvr>
-                                        <p:cTn id="6" dur="1" fill="hold">
-                                          <p:stCondLst>
-                                            <p:cond delay="0"/>
-                                          </p:stCondLst>
-                                        </p:cTn>
-                                        <p:tgtEl>
-                                          <p:spTgt spid="3">
-                                            <p:txEl>
-                                              <p:pRg st="0" end="0"/>
-                                            </p:txEl>
-                                          </p:spTgt>
-                                        </p:tgtEl>
-                                        <p:attrNameLst>
-                                          <p:attrName>style.visibility</p:attrName>
-                                        </p:attrNameLst>
-                                      </p:cBhvr>
-                                      <p:to>
-                                        <p:strVal val="visible"/>
-                                      </p:to>
-                                    </p:set>
-                                    <p:anim calcmode="lin" valueType="num">
-                                      <p:cBhvr additive="base">
-                                        <p:cTn id="7" dur="500" fill="hold"/>
-                                        <p:tgtEl>
-                                          <p:spTgt spid="3">
-                                            <p:txEl>
-                                              <p:pRg st="0" end="0"/>
-                                            </p:txEl>
-                                          </p:spTgt>
-                                        </p:tgtEl>
-                                        <p:attrNameLst>
-                                          <p:attrName>ppt_x</p:attrName>
-                                        </p:attrNameLst>
-                                      </p:cBhvr>
-                                      <p:tavLst>
-                                        <p:tav tm="0">
-                                          <p:val>
-                                            <p:strVal val="#ppt_x"/>
-                                          </p:val>
-                                        </p:tav>
-                                        <p:tav tm="100000">
-                                          <p:val>
-                                            <p:strVal val="#ppt_x"/>
-                                          </p:val>
-                                        </p:tav>
-                                      </p:tavLst>
-                                    </p:anim>
-                                    <p:anim calcmode="lin" valueType="num">
-                                      <p:cBhvr additive="base">
-                                        <p:cTn id="8" dur="500" fill="hold"/>
-                                        <p:tgtEl>
-                                          <p:spTgt spid="3">
-                                            <p:txEl>
-                                              <p:pRg st="0" end="0"/>
-                                            </p:txEl>
-                                          </p:spTgt>
-                                        </p:tgtEl>
-                                        <p:attrNameLst>
-                                          <p:attrName>ppt_y</p:attrName>
-                                        </p:attrNameLst>
-                                      </p:cBhvr>
-                                      <p:tavLst>
-                                        <p:tav tm="0">
-                                          <p:val>
-                                            <p:strVal val="1+#ppt_h/2"/>
-                                          </p:val>
-                                        </p:tav>
-                                        <p:tav tm="100000">
-                                          <p:val>
-                                            <p:strVal val="#ppt_y"/>
-                                          </p:val>
-                                        </p:tav>
-                                      </p:tavLst>
-                                    </p:anim>
-                                  </p:childTnLst>
-                                </p:cTn>
-                              </p:par>
-                            </p:childTnLst>
-                          </p:cTn>
-                        </p:par>
-                      </p:childTnLst>
-                    </p:cTn>
-                  </p:par>
-                </p:childTnLst>
-              </p:cTn>
-              <p:prevCondLst>
-                <p:cond evt="onPrev" delay="0">
-                  <p:tgtEl>
-                    <p:sldTgt/>
-                  </p:tgtEl>
-                </p:cond>
-              </p:prevCondLst>
-              <p:nextCondLst>
-                <p:cond evt="onNext" delay="0">
-                  <p:tgtEl>
-                    <p:sldTgt/>
-                  </p:tgtEl>
-                </p:cond>
-              </p:nextCondLst>
-            </p:seq>
-          </p:childTnLst>
-        </p:cTn>
-      </p:par>
-    </p:tnLst>
-    <p:bldLst>
-      <p:bldP spid="3" grpId="0" build="p"/>
-    </p:bldLst>
-  </p:timing>
-</p:sld>
-</file>
-
-<file path=ppt/slides/slide12.xml><?xml version="1.0" encoding="utf-8"?>
 <p:sld xmlns:a="http://schemas.openxmlformats.org/drawingml/2006/main" xmlns:r="http://schemas.openxmlformats.org/officeDocument/2006/relationships" xmlns:p="http://schemas.openxmlformats.org/presentationml/2006/main">
   <p:cSld>
     <p:spTree>
@@ -6969,7 +5985,6 @@
               <a:rPr lang="en-US" dirty="0" smtClean="0"/>
               <a:t>.</a:t>
             </a:r>
-            <a:endParaRPr lang="en-US" dirty="0" smtClean="0"/>
           </a:p>
           <a:p>
             <a:pPr>
@@ -7681,8 +6696,8 @@
               </a:lnSpc>
             </a:pPr>
             <a:r>
-              <a:rPr lang="en-US" sz="3600" dirty="0" smtClean="0"/>
-              <a:t>Same logic between lifecycles.</a:t>
+              <a:rPr lang="en-US" sz="3600" smtClean="0"/>
+              <a:t>Huge components</a:t>
             </a:r>
           </a:p>
           <a:p>
@@ -7692,8 +6707,8 @@
               </a:lnSpc>
             </a:pPr>
             <a:r>
-              <a:rPr lang="en-US" sz="3600" dirty="0" smtClean="0"/>
-              <a:t>HOC</a:t>
+              <a:rPr lang="en-US" sz="3600" smtClean="0"/>
+              <a:t>Duplicated logic</a:t>
             </a:r>
           </a:p>
           <a:p>
@@ -7703,9 +6718,10 @@
               </a:lnSpc>
             </a:pPr>
             <a:r>
-              <a:rPr lang="en-US" sz="3600" dirty="0" smtClean="0"/>
-              <a:t>Test</a:t>
-            </a:r>
+              <a:rPr lang="en-US" sz="3600" smtClean="0"/>
+              <a:t>Complex patterns</a:t>
+            </a:r>
+            <a:endParaRPr lang="en-US" sz="3600" dirty="0" smtClean="0"/>
           </a:p>
         </p:txBody>
       </p:sp>
@@ -8083,157 +7099,6 @@
       </p:grpSpPr>
       <p:sp>
         <p:nvSpPr>
-          <p:cNvPr id="7" name="TextBox 6"/>
-          <p:cNvSpPr txBox="1"/>
-          <p:nvPr/>
-        </p:nvSpPr>
-        <p:spPr>
-          <a:xfrm>
-            <a:off x="1237786" y="6110869"/>
-            <a:ext cx="5784019" cy="461665"/>
-          </a:xfrm>
-          <a:prstGeom prst="rect">
-            <a:avLst/>
-          </a:prstGeom>
-          <a:noFill/>
-        </p:spPr>
-        <p:txBody>
-          <a:bodyPr wrap="none" rtlCol="0">
-            <a:spAutoFit/>
-          </a:bodyPr>
-          <a:lstStyle/>
-          <a:p>
-            <a:r>
-              <a:rPr lang="en-US" sz="2400" smtClean="0"/>
-              <a:t>What’s to be logged when clicks the button ?</a:t>
-            </a:r>
-            <a:endParaRPr lang="en-US" sz="2400"/>
-          </a:p>
-        </p:txBody>
-      </p:sp>
-      <p:pic>
-        <p:nvPicPr>
-          <p:cNvPr id="8" name="Picture 7"/>
-          <p:cNvPicPr>
-            <a:picLocks noChangeAspect="1"/>
-          </p:cNvPicPr>
-          <p:nvPr/>
-        </p:nvPicPr>
-        <p:blipFill>
-          <a:blip r:embed="rId3"/>
-          <a:stretch>
-            <a:fillRect/>
-          </a:stretch>
-        </p:blipFill>
-        <p:spPr>
-          <a:xfrm>
-            <a:off x="89210" y="1505415"/>
-            <a:ext cx="5898994" cy="4148137"/>
-          </a:xfrm>
-          <a:prstGeom prst="rect">
-            <a:avLst/>
-          </a:prstGeom>
-        </p:spPr>
-      </p:pic>
-      <p:sp>
-        <p:nvSpPr>
-          <p:cNvPr id="12" name="Title 1"/>
-          <p:cNvSpPr txBox="1">
-            <a:spLocks/>
-          </p:cNvSpPr>
-          <p:nvPr/>
-        </p:nvSpPr>
-        <p:spPr>
-          <a:xfrm>
-            <a:off x="0" y="0"/>
-            <a:ext cx="12192000" cy="1325563"/>
-          </a:xfrm>
-          <a:prstGeom prst="rect">
-            <a:avLst/>
-          </a:prstGeom>
-          <a:solidFill>
-            <a:srgbClr val="00B0F0"/>
-          </a:solidFill>
-        </p:spPr>
-        <p:txBody>
-          <a:bodyPr vert="horz" lIns="91440" tIns="45720" rIns="91440" bIns="45720" rtlCol="0" anchor="ctr">
-            <a:normAutofit/>
-          </a:bodyPr>
-          <a:lstStyle>
-            <a:lvl1pPr algn="l" defTabSz="914400" rtl="0" eaLnBrk="1" latinLnBrk="0" hangingPunct="1">
-              <a:lnSpc>
-                <a:spcPct val="90000"/>
-              </a:lnSpc>
-              <a:spcBef>
-                <a:spcPct val="0"/>
-              </a:spcBef>
-              <a:buNone/>
-              <a:defRPr sz="4400" kern="1200">
-                <a:solidFill>
-                  <a:schemeClr val="tx1"/>
-                </a:solidFill>
-                <a:latin typeface="+mj-lt"/>
-                <a:ea typeface="+mj-ea"/>
-                <a:cs typeface="+mj-cs"/>
-              </a:defRPr>
-            </a:lvl1pPr>
-          </a:lstStyle>
-          <a:p>
-            <a:r>
-              <a:rPr lang="en-US" smtClean="0">
-                <a:solidFill>
-                  <a:schemeClr val="bg1"/>
-                </a:solidFill>
-              </a:rPr>
-              <a:t>2. Class Components</a:t>
-            </a:r>
-            <a:endParaRPr lang="en-US">
-              <a:solidFill>
-                <a:schemeClr val="bg1"/>
-              </a:solidFill>
-            </a:endParaRPr>
-          </a:p>
-        </p:txBody>
-      </p:sp>
-    </p:spTree>
-    <p:extLst>
-      <p:ext uri="{BB962C8B-B14F-4D97-AF65-F5344CB8AC3E}">
-        <p14:creationId xmlns:p14="http://schemas.microsoft.com/office/powerpoint/2010/main" val="1394016599"/>
-      </p:ext>
-    </p:extLst>
-  </p:cSld>
-  <p:clrMapOvr>
-    <a:masterClrMapping/>
-  </p:clrMapOvr>
-  <p:timing>
-    <p:tnLst>
-      <p:par>
-        <p:cTn id="1" dur="indefinite" restart="never" nodeType="tmRoot"/>
-      </p:par>
-    </p:tnLst>
-  </p:timing>
-</p:sld>
-</file>
-
-<file path=ppt/slides/slide6.xml><?xml version="1.0" encoding="utf-8"?>
-<p:sld xmlns:a="http://schemas.openxmlformats.org/drawingml/2006/main" xmlns:r="http://schemas.openxmlformats.org/officeDocument/2006/relationships" xmlns:p="http://schemas.openxmlformats.org/presentationml/2006/main">
-  <p:cSld>
-    <p:spTree>
-      <p:nvGrpSpPr>
-        <p:cNvPr id="1" name=""/>
-        <p:cNvGrpSpPr/>
-        <p:nvPr/>
-      </p:nvGrpSpPr>
-      <p:grpSpPr>
-        <a:xfrm>
-          <a:off x="0" y="0"/>
-          <a:ext cx="0" cy="0"/>
-          <a:chOff x="0" y="0"/>
-          <a:chExt cx="0" cy="0"/>
-        </a:xfrm>
-      </p:grpSpPr>
-      <p:sp>
-        <p:nvSpPr>
           <p:cNvPr id="9" name="Title 1"/>
           <p:cNvSpPr>
             <a:spLocks noGrp="1"/>
@@ -8261,414 +7126,12 @@
                   <a:schemeClr val="bg1"/>
                 </a:solidFill>
               </a:rPr>
-              <a:t>2. </a:t>
-            </a:r>
-            <a:r>
-              <a:rPr lang="en-US">
-                <a:solidFill>
-                  <a:schemeClr val="bg1"/>
-                </a:solidFill>
-              </a:rPr>
-              <a:t>Class </a:t>
-            </a:r>
-            <a:r>
-              <a:rPr lang="en-US" smtClean="0">
-                <a:solidFill>
-                  <a:schemeClr val="bg1"/>
-                </a:solidFill>
-              </a:rPr>
-              <a:t>Components</a:t>
+              <a:t>2. Function Components</a:t>
             </a:r>
             <a:endParaRPr lang="en-US">
               <a:solidFill>
                 <a:schemeClr val="bg1"/>
               </a:solidFill>
-            </a:endParaRPr>
-          </a:p>
-        </p:txBody>
-      </p:sp>
-      <p:pic>
-        <p:nvPicPr>
-          <p:cNvPr id="5" name="Picture 4"/>
-          <p:cNvPicPr>
-            <a:picLocks noChangeAspect="1"/>
-          </p:cNvPicPr>
-          <p:nvPr/>
-        </p:nvPicPr>
-        <p:blipFill>
-          <a:blip r:embed="rId3"/>
-          <a:stretch>
-            <a:fillRect/>
-          </a:stretch>
-        </p:blipFill>
-        <p:spPr>
-          <a:xfrm>
-            <a:off x="4962293" y="2331767"/>
-            <a:ext cx="7129346" cy="2038350"/>
-          </a:xfrm>
-          <a:prstGeom prst="rect">
-            <a:avLst/>
-          </a:prstGeom>
-        </p:spPr>
-      </p:pic>
-      <p:sp>
-        <p:nvSpPr>
-          <p:cNvPr id="6" name="Right Arrow 5"/>
-          <p:cNvSpPr/>
-          <p:nvPr/>
-        </p:nvSpPr>
-        <p:spPr>
-          <a:xfrm>
-            <a:off x="4059044" y="3245005"/>
-            <a:ext cx="735980" cy="345688"/>
-          </a:xfrm>
-          <a:prstGeom prst="rightArrow">
-            <a:avLst/>
-          </a:prstGeom>
-        </p:spPr>
-        <p:style>
-          <a:lnRef idx="2">
-            <a:schemeClr val="accent1">
-              <a:shade val="50000"/>
-            </a:schemeClr>
-          </a:lnRef>
-          <a:fillRef idx="1">
-            <a:schemeClr val="accent1"/>
-          </a:fillRef>
-          <a:effectRef idx="0">
-            <a:schemeClr val="accent1"/>
-          </a:effectRef>
-          <a:fontRef idx="minor">
-            <a:schemeClr val="lt1"/>
-          </a:fontRef>
-        </p:style>
-        <p:txBody>
-          <a:bodyPr rtlCol="0" anchor="ctr"/>
-          <a:lstStyle/>
-          <a:p>
-            <a:pPr algn="ctr"/>
-            <a:endParaRPr lang="en-US"/>
-          </a:p>
-        </p:txBody>
-      </p:sp>
-      <p:sp>
-        <p:nvSpPr>
-          <p:cNvPr id="8" name="TextBox 7"/>
-          <p:cNvSpPr txBox="1"/>
-          <p:nvPr/>
-        </p:nvSpPr>
-        <p:spPr>
-          <a:xfrm>
-            <a:off x="529450" y="5140803"/>
-            <a:ext cx="9900082" cy="461665"/>
-          </a:xfrm>
-          <a:prstGeom prst="rect">
-            <a:avLst/>
-          </a:prstGeom>
-          <a:noFill/>
-        </p:spPr>
-        <p:txBody>
-          <a:bodyPr wrap="none" rtlCol="0">
-            <a:spAutoFit/>
-          </a:bodyPr>
-          <a:lstStyle/>
-          <a:p>
-            <a:r>
-              <a:rPr lang="en-US" sz="2400" smtClean="0"/>
-              <a:t>Hold on, </a:t>
-            </a:r>
-            <a:r>
-              <a:rPr lang="en-US" sz="2400" smtClean="0">
-                <a:latin typeface="Courier New" panose="02070309020205020404" pitchFamily="49" charset="0"/>
-                <a:cs typeface="Courier New" panose="02070309020205020404" pitchFamily="49" charset="0"/>
-              </a:rPr>
-              <a:t>this.props</a:t>
-            </a:r>
-            <a:r>
-              <a:rPr lang="en-US" sz="2400" smtClean="0">
-                <a:cs typeface="Courier New" panose="02070309020205020404" pitchFamily="49" charset="0"/>
-              </a:rPr>
-              <a:t> did not passes to </a:t>
-            </a:r>
-            <a:r>
-              <a:rPr lang="en-US" sz="2400" smtClean="0">
-                <a:latin typeface="Courier New" panose="02070309020205020404" pitchFamily="49" charset="0"/>
-                <a:cs typeface="Courier New" panose="02070309020205020404" pitchFamily="49" charset="0"/>
-              </a:rPr>
-              <a:t>ClassComponent</a:t>
-            </a:r>
-            <a:r>
-              <a:rPr lang="en-US" sz="2400" smtClean="0">
-                <a:cs typeface="Courier New" panose="02070309020205020404" pitchFamily="49" charset="0"/>
-              </a:rPr>
-              <a:t>. How it works?</a:t>
-            </a:r>
-            <a:endParaRPr lang="en-US" sz="2400">
-              <a:latin typeface="Courier New" panose="02070309020205020404" pitchFamily="49" charset="0"/>
-              <a:cs typeface="Courier New" panose="02070309020205020404" pitchFamily="49" charset="0"/>
-            </a:endParaRPr>
-          </a:p>
-        </p:txBody>
-      </p:sp>
-      <p:pic>
-        <p:nvPicPr>
-          <p:cNvPr id="11" name="Picture 10"/>
-          <p:cNvPicPr>
-            <a:picLocks noChangeAspect="1"/>
-          </p:cNvPicPr>
-          <p:nvPr/>
-        </p:nvPicPr>
-        <p:blipFill>
-          <a:blip r:embed="rId4"/>
-          <a:stretch>
-            <a:fillRect/>
-          </a:stretch>
-        </p:blipFill>
-        <p:spPr>
-          <a:xfrm>
-            <a:off x="529450" y="2331767"/>
-            <a:ext cx="3362325" cy="2038350"/>
-          </a:xfrm>
-          <a:prstGeom prst="rect">
-            <a:avLst/>
-          </a:prstGeom>
-        </p:spPr>
-      </p:pic>
-    </p:spTree>
-    <p:extLst>
-      <p:ext uri="{BB962C8B-B14F-4D97-AF65-F5344CB8AC3E}">
-        <p14:creationId xmlns:p14="http://schemas.microsoft.com/office/powerpoint/2010/main" val="4082646745"/>
-      </p:ext>
-    </p:extLst>
-  </p:cSld>
-  <p:clrMapOvr>
-    <a:masterClrMapping/>
-  </p:clrMapOvr>
-  <p:timing>
-    <p:tnLst>
-      <p:par>
-        <p:cTn id="1" dur="indefinite" restart="never" nodeType="tmRoot"/>
-      </p:par>
-    </p:tnLst>
-  </p:timing>
-</p:sld>
-</file>
-
-<file path=ppt/slides/slide7.xml><?xml version="1.0" encoding="utf-8"?>
-<p:sld xmlns:a="http://schemas.openxmlformats.org/drawingml/2006/main" xmlns:r="http://schemas.openxmlformats.org/officeDocument/2006/relationships" xmlns:p="http://schemas.openxmlformats.org/presentationml/2006/main">
-  <p:cSld>
-    <p:spTree>
-      <p:nvGrpSpPr>
-        <p:cNvPr id="1" name=""/>
-        <p:cNvGrpSpPr/>
-        <p:nvPr/>
-      </p:nvGrpSpPr>
-      <p:grpSpPr>
-        <a:xfrm>
-          <a:off x="0" y="0"/>
-          <a:ext cx="0" cy="0"/>
-          <a:chOff x="0" y="0"/>
-          <a:chExt cx="0" cy="0"/>
-        </a:xfrm>
-      </p:grpSpPr>
-      <p:sp>
-        <p:nvSpPr>
-          <p:cNvPr id="9" name="Title 1"/>
-          <p:cNvSpPr>
-            <a:spLocks noGrp="1"/>
-          </p:cNvSpPr>
-          <p:nvPr>
-            <p:ph type="title"/>
-          </p:nvPr>
-        </p:nvSpPr>
-        <p:spPr>
-          <a:xfrm>
-            <a:off x="0" y="0"/>
-            <a:ext cx="12192000" cy="1325563"/>
-          </a:xfrm>
-          <a:solidFill>
-            <a:srgbClr val="00B0F0"/>
-          </a:solidFill>
-        </p:spPr>
-        <p:txBody>
-          <a:bodyPr/>
-          <a:lstStyle/>
-          <a:p>
-            <a:r>
-              <a:rPr lang="en-US" smtClean="0">
-                <a:solidFill>
-                  <a:schemeClr val="bg1"/>
-                </a:solidFill>
-              </a:rPr>
-              <a:t>2. Function Components</a:t>
-            </a:r>
-            <a:endParaRPr lang="en-US">
-              <a:solidFill>
-                <a:schemeClr val="bg1"/>
-              </a:solidFill>
-            </a:endParaRPr>
-          </a:p>
-        </p:txBody>
-      </p:sp>
-      <p:pic>
-        <p:nvPicPr>
-          <p:cNvPr id="2" name="Picture 1"/>
-          <p:cNvPicPr>
-            <a:picLocks noChangeAspect="1"/>
-          </p:cNvPicPr>
-          <p:nvPr/>
-        </p:nvPicPr>
-        <p:blipFill>
-          <a:blip r:embed="rId3"/>
-          <a:stretch>
-            <a:fillRect/>
-          </a:stretch>
-        </p:blipFill>
-        <p:spPr>
-          <a:xfrm>
-            <a:off x="595775" y="1724604"/>
-            <a:ext cx="8938749" cy="2322400"/>
-          </a:xfrm>
-          <a:prstGeom prst="rect">
-            <a:avLst/>
-          </a:prstGeom>
-        </p:spPr>
-      </p:pic>
-      <p:sp>
-        <p:nvSpPr>
-          <p:cNvPr id="3" name="TextBox 2"/>
-          <p:cNvSpPr txBox="1"/>
-          <p:nvPr/>
-        </p:nvSpPr>
-        <p:spPr>
-          <a:xfrm>
-            <a:off x="595776" y="4393580"/>
-            <a:ext cx="9717788" cy="523220"/>
-          </a:xfrm>
-          <a:prstGeom prst="rect">
-            <a:avLst/>
-          </a:prstGeom>
-          <a:noFill/>
-        </p:spPr>
-        <p:txBody>
-          <a:bodyPr wrap="none" rtlCol="0">
-            <a:spAutoFit/>
-          </a:bodyPr>
-          <a:lstStyle/>
-          <a:p>
-            <a:r>
-              <a:rPr lang="en-US" sz="2800" smtClean="0"/>
-              <a:t>Effect Hook lets you perform side effects in function components.</a:t>
-            </a:r>
-          </a:p>
-        </p:txBody>
-      </p:sp>
-      <p:sp>
-        <p:nvSpPr>
-          <p:cNvPr id="4" name="TextBox 3"/>
-          <p:cNvSpPr txBox="1"/>
-          <p:nvPr/>
-        </p:nvSpPr>
-        <p:spPr>
-          <a:xfrm>
-            <a:off x="595776" y="5263376"/>
-            <a:ext cx="10594823" cy="954107"/>
-          </a:xfrm>
-          <a:prstGeom prst="rect">
-            <a:avLst/>
-          </a:prstGeom>
-          <a:noFill/>
-        </p:spPr>
-        <p:txBody>
-          <a:bodyPr wrap="none" rtlCol="0">
-            <a:spAutoFit/>
-          </a:bodyPr>
-          <a:lstStyle/>
-          <a:p>
-            <a:r>
-              <a:rPr lang="en-US" sz="2800" smtClean="0"/>
-              <a:t>You can think </a:t>
-            </a:r>
-            <a:r>
-              <a:rPr lang="en-US" sz="2800" b="1" smtClean="0">
-                <a:solidFill>
-                  <a:schemeClr val="accent5">
-                    <a:lumMod val="75000"/>
-                  </a:schemeClr>
-                </a:solidFill>
-                <a:latin typeface="Courier New" panose="02070309020205020404" pitchFamily="49" charset="0"/>
-                <a:cs typeface="Courier New" panose="02070309020205020404" pitchFamily="49" charset="0"/>
-              </a:rPr>
-              <a:t>useEffect</a:t>
-            </a:r>
-            <a:r>
-              <a:rPr lang="en-US" sz="2800" smtClean="0">
-                <a:cs typeface="Courier New" panose="02070309020205020404" pitchFamily="49" charset="0"/>
-              </a:rPr>
-              <a:t> Hook as </a:t>
-            </a:r>
-            <a:r>
-              <a:rPr lang="en-US" sz="2800" b="1" smtClean="0">
-                <a:solidFill>
-                  <a:schemeClr val="accent5">
-                    <a:lumMod val="75000"/>
-                  </a:schemeClr>
-                </a:solidFill>
-                <a:latin typeface="Courier New" panose="02070309020205020404" pitchFamily="49" charset="0"/>
-                <a:cs typeface="Courier New" panose="02070309020205020404" pitchFamily="49" charset="0"/>
-              </a:rPr>
-              <a:t>componentDidMount</a:t>
-            </a:r>
-            <a:r>
-              <a:rPr lang="en-US" sz="2800" smtClean="0">
-                <a:cs typeface="Courier New" panose="02070309020205020404" pitchFamily="49" charset="0"/>
-              </a:rPr>
-              <a:t>,</a:t>
-            </a:r>
-            <a:br>
-              <a:rPr lang="en-US" sz="2800" smtClean="0">
-                <a:cs typeface="Courier New" panose="02070309020205020404" pitchFamily="49" charset="0"/>
-              </a:rPr>
-            </a:br>
-            <a:r>
-              <a:rPr lang="en-US" sz="2800" b="1" smtClean="0">
-                <a:solidFill>
-                  <a:schemeClr val="accent5">
-                    <a:lumMod val="75000"/>
-                  </a:schemeClr>
-                </a:solidFill>
-                <a:latin typeface="Courier New" panose="02070309020205020404" pitchFamily="49" charset="0"/>
-                <a:cs typeface="Courier New" panose="02070309020205020404" pitchFamily="49" charset="0"/>
-              </a:rPr>
-              <a:t>componentDidUpdate</a:t>
-            </a:r>
-            <a:r>
-              <a:rPr lang="en-US" sz="2800" smtClean="0">
-                <a:cs typeface="Courier New" panose="02070309020205020404" pitchFamily="49" charset="0"/>
-              </a:rPr>
-              <a:t> and </a:t>
-            </a:r>
-            <a:r>
-              <a:rPr lang="en-US" sz="2800" b="1" smtClean="0">
-                <a:solidFill>
-                  <a:schemeClr val="accent5">
-                    <a:lumMod val="75000"/>
-                  </a:schemeClr>
-                </a:solidFill>
-                <a:latin typeface="Courier New" panose="02070309020205020404" pitchFamily="49" charset="0"/>
-                <a:cs typeface="Courier New" panose="02070309020205020404" pitchFamily="49" charset="0"/>
-              </a:rPr>
-              <a:t>componentWillUnmount</a:t>
-            </a:r>
-            <a:r>
-              <a:rPr lang="en-US" sz="2800" smtClean="0">
-                <a:cs typeface="Courier New" panose="02070309020205020404" pitchFamily="49" charset="0"/>
-              </a:rPr>
-              <a:t> combined</a:t>
-            </a:r>
-            <a:endParaRPr lang="en-US" sz="2800">
-              <a:latin typeface="Courier New" panose="02070309020205020404" pitchFamily="49" charset="0"/>
-              <a:cs typeface="Courier New" panose="02070309020205020404" pitchFamily="49" charset="0"/>
             </a:endParaRPr>
           </a:p>
         </p:txBody>
@@ -8693,7 +7156,7 @@
 </p:sld>
 </file>
 
-<file path=ppt/slides/slide8.xml><?xml version="1.0" encoding="utf-8"?>
+<file path=ppt/slides/slide6.xml><?xml version="1.0" encoding="utf-8"?>
 <p:sld xmlns:a="http://schemas.openxmlformats.org/drawingml/2006/main" xmlns:r="http://schemas.openxmlformats.org/officeDocument/2006/relationships" xmlns:p="http://schemas.openxmlformats.org/presentationml/2006/main">
   <p:cSld>
     <p:spTree>
@@ -9263,6 +7726,538 @@
 </p:sld>
 </file>
 
+<file path=ppt/slides/slide7.xml><?xml version="1.0" encoding="utf-8"?>
+<p:sld xmlns:a="http://schemas.openxmlformats.org/drawingml/2006/main" xmlns:r="http://schemas.openxmlformats.org/officeDocument/2006/relationships" xmlns:p="http://schemas.openxmlformats.org/presentationml/2006/main">
+  <p:cSld>
+    <p:spTree>
+      <p:nvGrpSpPr>
+        <p:cNvPr id="1" name=""/>
+        <p:cNvGrpSpPr/>
+        <p:nvPr/>
+      </p:nvGrpSpPr>
+      <p:grpSpPr>
+        <a:xfrm>
+          <a:off x="0" y="0"/>
+          <a:ext cx="0" cy="0"/>
+          <a:chOff x="0" y="0"/>
+          <a:chExt cx="0" cy="0"/>
+        </a:xfrm>
+      </p:grpSpPr>
+      <p:sp>
+        <p:nvSpPr>
+          <p:cNvPr id="2" name="Title 1"/>
+          <p:cNvSpPr>
+            <a:spLocks noGrp="1"/>
+          </p:cNvSpPr>
+          <p:nvPr>
+            <p:ph type="title"/>
+          </p:nvPr>
+        </p:nvSpPr>
+        <p:spPr>
+          <a:xfrm>
+            <a:off x="347546" y="365125"/>
+            <a:ext cx="10515600" cy="1325563"/>
+          </a:xfrm>
+        </p:spPr>
+        <p:txBody>
+          <a:bodyPr/>
+          <a:lstStyle/>
+          <a:p>
+            <a:r>
+              <a:rPr lang="en-US"/>
+              <a:t>4</a:t>
+            </a:r>
+            <a:r>
+              <a:rPr lang="en-US" smtClean="0"/>
+              <a:t>. How to use Hooks?</a:t>
+            </a:r>
+            <a:endParaRPr lang="en-US"/>
+          </a:p>
+        </p:txBody>
+      </p:sp>
+      <p:sp>
+        <p:nvSpPr>
+          <p:cNvPr id="3" name="Content Placeholder 2"/>
+          <p:cNvSpPr>
+            <a:spLocks noGrp="1"/>
+          </p:cNvSpPr>
+          <p:nvPr>
+            <p:ph idx="1"/>
+          </p:nvPr>
+        </p:nvSpPr>
+        <p:spPr/>
+        <p:txBody>
+          <a:bodyPr>
+            <a:normAutofit/>
+          </a:bodyPr>
+          <a:lstStyle/>
+          <a:p>
+            <a:pPr marL="0" indent="0">
+              <a:lnSpc>
+                <a:spcPct val="150000"/>
+              </a:lnSpc>
+              <a:buNone/>
+            </a:pPr>
+            <a:r>
+              <a:rPr lang="en-US" b="1" smtClean="0"/>
+              <a:t>4.1 Rules of Hooks</a:t>
+            </a:r>
+            <a:r>
+              <a:rPr lang="en-US" sz="2400" b="1" smtClean="0"/>
+              <a:t/>
+            </a:r>
+            <a:br>
+              <a:rPr lang="en-US" sz="2400" b="1" smtClean="0"/>
+            </a:br>
+            <a:r>
+              <a:rPr lang="en-US" sz="2400" smtClean="0"/>
+              <a:t>- Only </a:t>
+            </a:r>
+            <a:r>
+              <a:rPr lang="en-US" sz="2400"/>
+              <a:t>Call Hooks at the Top </a:t>
+            </a:r>
+            <a:r>
+              <a:rPr lang="en-US" sz="2400" smtClean="0"/>
+              <a:t>Level: </a:t>
+            </a:r>
+            <a:r>
+              <a:rPr lang="en-US" sz="2400" b="1"/>
+              <a:t>Don’t call Hooks inside loops, conditions, or nested functions.</a:t>
+            </a:r>
+            <a:r>
+              <a:rPr lang="en-US" sz="2400" smtClean="0"/>
+              <a:t/>
+            </a:r>
+            <a:br>
+              <a:rPr lang="en-US" sz="2400" smtClean="0"/>
+            </a:br>
+            <a:r>
+              <a:rPr lang="en-US" sz="2400" smtClean="0"/>
+              <a:t>- </a:t>
+            </a:r>
+            <a:r>
+              <a:rPr lang="en-US" smtClean="0"/>
+              <a:t>Only </a:t>
+            </a:r>
+            <a:r>
+              <a:rPr lang="en-US"/>
+              <a:t>call Hooks from React functions or custom hooks </a:t>
+            </a:r>
+            <a:r>
+              <a:rPr lang="en-US" sz="2400" smtClean="0"/>
+              <a:t>:</a:t>
+            </a:r>
+            <a:r>
+              <a:rPr lang="en-US" sz="2400" b="1" smtClean="0"/>
+              <a:t> </a:t>
+            </a:r>
+            <a:r>
+              <a:rPr lang="en-US" sz="2400" b="1"/>
+              <a:t>Don’t call Hooks from regular JavaScript functions</a:t>
+            </a:r>
+            <a:r>
+              <a:rPr lang="en-US" sz="2400" b="1" smtClean="0"/>
+              <a:t>.</a:t>
+            </a:r>
+            <a:endParaRPr lang="en-US" sz="2400" smtClean="0"/>
+          </a:p>
+          <a:p>
+            <a:pPr marL="457200" indent="-457200">
+              <a:lnSpc>
+                <a:spcPct val="150000"/>
+              </a:lnSpc>
+              <a:buFont typeface="+mj-lt"/>
+              <a:buAutoNum type="alphaLcPeriod"/>
+            </a:pPr>
+            <a:endParaRPr lang="en-US" sz="2400"/>
+          </a:p>
+        </p:txBody>
+      </p:sp>
+    </p:spTree>
+    <p:extLst>
+      <p:ext uri="{BB962C8B-B14F-4D97-AF65-F5344CB8AC3E}">
+        <p14:creationId xmlns:p14="http://schemas.microsoft.com/office/powerpoint/2010/main" val="2608481287"/>
+      </p:ext>
+    </p:extLst>
+  </p:cSld>
+  <p:clrMapOvr>
+    <a:masterClrMapping/>
+  </p:clrMapOvr>
+  <p:timing>
+    <p:tnLst>
+      <p:par>
+        <p:cTn id="1" dur="indefinite" restart="never" nodeType="tmRoot">
+          <p:childTnLst>
+            <p:seq concurrent="1" nextAc="seek">
+              <p:cTn id="2" dur="indefinite" nodeType="mainSeq">
+                <p:childTnLst>
+                  <p:par>
+                    <p:cTn id="3" fill="hold">
+                      <p:stCondLst>
+                        <p:cond delay="indefinite"/>
+                      </p:stCondLst>
+                      <p:childTnLst>
+                        <p:par>
+                          <p:cTn id="4" fill="hold">
+                            <p:stCondLst>
+                              <p:cond delay="0"/>
+                            </p:stCondLst>
+                            <p:childTnLst>
+                              <p:par>
+                                <p:cTn id="5" presetID="2" presetClass="entr" presetSubtype="4" fill="hold" grpId="0" nodeType="clickEffect">
+                                  <p:stCondLst>
+                                    <p:cond delay="0"/>
+                                  </p:stCondLst>
+                                  <p:childTnLst>
+                                    <p:set>
+                                      <p:cBhvr>
+                                        <p:cTn id="6" dur="1" fill="hold">
+                                          <p:stCondLst>
+                                            <p:cond delay="0"/>
+                                          </p:stCondLst>
+                                        </p:cTn>
+                                        <p:tgtEl>
+                                          <p:spTgt spid="3">
+                                            <p:txEl>
+                                              <p:pRg st="0" end="0"/>
+                                            </p:txEl>
+                                          </p:spTgt>
+                                        </p:tgtEl>
+                                        <p:attrNameLst>
+                                          <p:attrName>style.visibility</p:attrName>
+                                        </p:attrNameLst>
+                                      </p:cBhvr>
+                                      <p:to>
+                                        <p:strVal val="visible"/>
+                                      </p:to>
+                                    </p:set>
+                                    <p:anim calcmode="lin" valueType="num">
+                                      <p:cBhvr additive="base">
+                                        <p:cTn id="7" dur="500" fill="hold"/>
+                                        <p:tgtEl>
+                                          <p:spTgt spid="3">
+                                            <p:txEl>
+                                              <p:pRg st="0" end="0"/>
+                                            </p:txEl>
+                                          </p:spTgt>
+                                        </p:tgtEl>
+                                        <p:attrNameLst>
+                                          <p:attrName>ppt_x</p:attrName>
+                                        </p:attrNameLst>
+                                      </p:cBhvr>
+                                      <p:tavLst>
+                                        <p:tav tm="0">
+                                          <p:val>
+                                            <p:strVal val="#ppt_x"/>
+                                          </p:val>
+                                        </p:tav>
+                                        <p:tav tm="100000">
+                                          <p:val>
+                                            <p:strVal val="#ppt_x"/>
+                                          </p:val>
+                                        </p:tav>
+                                      </p:tavLst>
+                                    </p:anim>
+                                    <p:anim calcmode="lin" valueType="num">
+                                      <p:cBhvr additive="base">
+                                        <p:cTn id="8" dur="500" fill="hold"/>
+                                        <p:tgtEl>
+                                          <p:spTgt spid="3">
+                                            <p:txEl>
+                                              <p:pRg st="0" end="0"/>
+                                            </p:txEl>
+                                          </p:spTgt>
+                                        </p:tgtEl>
+                                        <p:attrNameLst>
+                                          <p:attrName>ppt_y</p:attrName>
+                                        </p:attrNameLst>
+                                      </p:cBhvr>
+                                      <p:tavLst>
+                                        <p:tav tm="0">
+                                          <p:val>
+                                            <p:strVal val="1+#ppt_h/2"/>
+                                          </p:val>
+                                        </p:tav>
+                                        <p:tav tm="100000">
+                                          <p:val>
+                                            <p:strVal val="#ppt_y"/>
+                                          </p:val>
+                                        </p:tav>
+                                      </p:tavLst>
+                                    </p:anim>
+                                  </p:childTnLst>
+                                </p:cTn>
+                              </p:par>
+                            </p:childTnLst>
+                          </p:cTn>
+                        </p:par>
+                      </p:childTnLst>
+                    </p:cTn>
+                  </p:par>
+                </p:childTnLst>
+              </p:cTn>
+              <p:prevCondLst>
+                <p:cond evt="onPrev" delay="0">
+                  <p:tgtEl>
+                    <p:sldTgt/>
+                  </p:tgtEl>
+                </p:cond>
+              </p:prevCondLst>
+              <p:nextCondLst>
+                <p:cond evt="onNext" delay="0">
+                  <p:tgtEl>
+                    <p:sldTgt/>
+                  </p:tgtEl>
+                </p:cond>
+              </p:nextCondLst>
+            </p:seq>
+          </p:childTnLst>
+        </p:cTn>
+      </p:par>
+    </p:tnLst>
+    <p:bldLst>
+      <p:bldP spid="3" grpId="0" build="p"/>
+    </p:bldLst>
+  </p:timing>
+</p:sld>
+</file>
+
+<file path=ppt/slides/slide8.xml><?xml version="1.0" encoding="utf-8"?>
+<p:sld xmlns:a="http://schemas.openxmlformats.org/drawingml/2006/main" xmlns:r="http://schemas.openxmlformats.org/officeDocument/2006/relationships" xmlns:p="http://schemas.openxmlformats.org/presentationml/2006/main">
+  <p:cSld>
+    <p:spTree>
+      <p:nvGrpSpPr>
+        <p:cNvPr id="1" name=""/>
+        <p:cNvGrpSpPr/>
+        <p:nvPr/>
+      </p:nvGrpSpPr>
+      <p:grpSpPr>
+        <a:xfrm>
+          <a:off x="0" y="0"/>
+          <a:ext cx="0" cy="0"/>
+          <a:chOff x="0" y="0"/>
+          <a:chExt cx="0" cy="0"/>
+        </a:xfrm>
+      </p:grpSpPr>
+      <p:sp>
+        <p:nvSpPr>
+          <p:cNvPr id="2" name="Title 1"/>
+          <p:cNvSpPr>
+            <a:spLocks noGrp="1"/>
+          </p:cNvSpPr>
+          <p:nvPr>
+            <p:ph type="title"/>
+          </p:nvPr>
+        </p:nvSpPr>
+        <p:spPr>
+          <a:xfrm>
+            <a:off x="347546" y="365125"/>
+            <a:ext cx="10515600" cy="1325563"/>
+          </a:xfrm>
+        </p:spPr>
+        <p:txBody>
+          <a:bodyPr/>
+          <a:lstStyle/>
+          <a:p>
+            <a:r>
+              <a:rPr lang="en-US"/>
+              <a:t>4</a:t>
+            </a:r>
+            <a:r>
+              <a:rPr lang="en-US" smtClean="0"/>
+              <a:t>. How to use Hooks?</a:t>
+            </a:r>
+            <a:endParaRPr lang="en-US"/>
+          </a:p>
+        </p:txBody>
+      </p:sp>
+      <p:sp>
+        <p:nvSpPr>
+          <p:cNvPr id="3" name="Content Placeholder 2"/>
+          <p:cNvSpPr>
+            <a:spLocks noGrp="1"/>
+          </p:cNvSpPr>
+          <p:nvPr>
+            <p:ph idx="1"/>
+          </p:nvPr>
+        </p:nvSpPr>
+        <p:spPr/>
+        <p:txBody>
+          <a:bodyPr>
+            <a:normAutofit/>
+          </a:bodyPr>
+          <a:lstStyle/>
+          <a:p>
+            <a:pPr marL="0" indent="0">
+              <a:lnSpc>
+                <a:spcPct val="150000"/>
+              </a:lnSpc>
+              <a:buNone/>
+            </a:pPr>
+            <a:r>
+              <a:rPr lang="en-US" b="1" smtClean="0"/>
+              <a:t>4.2 Using The State Hooks.</a:t>
+            </a:r>
+            <a:br>
+              <a:rPr lang="en-US" b="1" smtClean="0"/>
+            </a:br>
+            <a:r>
+              <a:rPr lang="en-US" b="1" smtClean="0"/>
+              <a:t>	</a:t>
+            </a:r>
+          </a:p>
+        </p:txBody>
+      </p:sp>
+    </p:spTree>
+    <p:extLst>
+      <p:ext uri="{BB962C8B-B14F-4D97-AF65-F5344CB8AC3E}">
+        <p14:creationId xmlns:p14="http://schemas.microsoft.com/office/powerpoint/2010/main" val="1008856109"/>
+      </p:ext>
+    </p:extLst>
+  </p:cSld>
+  <p:clrMapOvr>
+    <a:masterClrMapping/>
+  </p:clrMapOvr>
+  <p:timing>
+    <p:tnLst>
+      <p:par>
+        <p:cTn id="1" dur="indefinite" restart="never" nodeType="tmRoot">
+          <p:childTnLst>
+            <p:seq concurrent="1" nextAc="seek">
+              <p:cTn id="2" dur="indefinite" nodeType="mainSeq">
+                <p:childTnLst>
+                  <p:par>
+                    <p:cTn id="3" fill="hold">
+                      <p:stCondLst>
+                        <p:cond delay="indefinite"/>
+                      </p:stCondLst>
+                      <p:childTnLst>
+                        <p:par>
+                          <p:cTn id="4" fill="hold">
+                            <p:stCondLst>
+                              <p:cond delay="0"/>
+                            </p:stCondLst>
+                            <p:childTnLst>
+                              <p:par>
+                                <p:cTn id="5" presetID="2" presetClass="entr" presetSubtype="4" fill="hold" grpId="0" nodeType="clickEffect">
+                                  <p:stCondLst>
+                                    <p:cond delay="0"/>
+                                  </p:stCondLst>
+                                  <p:childTnLst>
+                                    <p:set>
+                                      <p:cBhvr>
+                                        <p:cTn id="6" dur="1" fill="hold">
+                                          <p:stCondLst>
+                                            <p:cond delay="0"/>
+                                          </p:stCondLst>
+                                        </p:cTn>
+                                        <p:tgtEl>
+                                          <p:spTgt spid="3">
+                                            <p:txEl>
+                                              <p:pRg st="0" end="0"/>
+                                            </p:txEl>
+                                          </p:spTgt>
+                                        </p:tgtEl>
+                                        <p:attrNameLst>
+                                          <p:attrName>style.visibility</p:attrName>
+                                        </p:attrNameLst>
+                                      </p:cBhvr>
+                                      <p:to>
+                                        <p:strVal val="visible"/>
+                                      </p:to>
+                                    </p:set>
+                                    <p:anim calcmode="lin" valueType="num">
+                                      <p:cBhvr additive="base">
+                                        <p:cTn id="7" dur="500" fill="hold"/>
+                                        <p:tgtEl>
+                                          <p:spTgt spid="3">
+                                            <p:txEl>
+                                              <p:pRg st="0" end="0"/>
+                                            </p:txEl>
+                                          </p:spTgt>
+                                        </p:tgtEl>
+                                        <p:attrNameLst>
+                                          <p:attrName>ppt_x</p:attrName>
+                                        </p:attrNameLst>
+                                      </p:cBhvr>
+                                      <p:tavLst>
+                                        <p:tav tm="0">
+                                          <p:val>
+                                            <p:strVal val="#ppt_x"/>
+                                          </p:val>
+                                        </p:tav>
+                                        <p:tav tm="100000">
+                                          <p:val>
+                                            <p:strVal val="#ppt_x"/>
+                                          </p:val>
+                                        </p:tav>
+                                      </p:tavLst>
+                                    </p:anim>
+                                    <p:anim calcmode="lin" valueType="num">
+                                      <p:cBhvr additive="base">
+                                        <p:cTn id="8" dur="500" fill="hold"/>
+                                        <p:tgtEl>
+                                          <p:spTgt spid="3">
+                                            <p:txEl>
+                                              <p:pRg st="0" end="0"/>
+                                            </p:txEl>
+                                          </p:spTgt>
+                                        </p:tgtEl>
+                                        <p:attrNameLst>
+                                          <p:attrName>ppt_y</p:attrName>
+                                        </p:attrNameLst>
+                                      </p:cBhvr>
+                                      <p:tavLst>
+                                        <p:tav tm="0">
+                                          <p:val>
+                                            <p:strVal val="1+#ppt_h/2"/>
+                                          </p:val>
+                                        </p:tav>
+                                        <p:tav tm="100000">
+                                          <p:val>
+                                            <p:strVal val="#ppt_y"/>
+                                          </p:val>
+                                        </p:tav>
+                                      </p:tavLst>
+                                    </p:anim>
+                                  </p:childTnLst>
+                                </p:cTn>
+                              </p:par>
+                            </p:childTnLst>
+                          </p:cTn>
+                        </p:par>
+                      </p:childTnLst>
+                    </p:cTn>
+                  </p:par>
+                </p:childTnLst>
+              </p:cTn>
+              <p:prevCondLst>
+                <p:cond evt="onPrev" delay="0">
+                  <p:tgtEl>
+                    <p:sldTgt/>
+                  </p:tgtEl>
+                </p:cond>
+              </p:prevCondLst>
+              <p:nextCondLst>
+                <p:cond evt="onNext" delay="0">
+                  <p:tgtEl>
+                    <p:sldTgt/>
+                  </p:tgtEl>
+                </p:cond>
+              </p:nextCondLst>
+            </p:seq>
+          </p:childTnLst>
+        </p:cTn>
+      </p:par>
+    </p:tnLst>
+    <p:bldLst>
+      <p:bldP spid="3" grpId="0" build="p"/>
+    </p:bldLst>
+  </p:timing>
+</p:sld>
+</file>
+
 <file path=ppt/slides/slide9.xml><?xml version="1.0" encoding="utf-8"?>
 <p:sld xmlns:a="http://schemas.openxmlformats.org/drawingml/2006/main" xmlns:r="http://schemas.openxmlformats.org/officeDocument/2006/relationships" xmlns:p="http://schemas.openxmlformats.org/presentationml/2006/main">
   <p:cSld>
@@ -9329,92 +8324,40 @@
           </a:bodyPr>
           <a:lstStyle/>
           <a:p>
+            <a:pPr marL="514350" indent="-514350">
+              <a:lnSpc>
+                <a:spcPct val="150000"/>
+              </a:lnSpc>
+              <a:buAutoNum type="alphaLcPeriod"/>
+            </a:pPr>
+            <a:r>
+              <a:rPr lang="en-US" b="1" err="1" smtClean="0"/>
+              <a:t>useState</a:t>
+            </a:r>
+            <a:r>
+              <a:rPr lang="en-US" b="1" smtClean="0"/>
+              <a:t/>
+            </a:r>
+            <a:br>
+              <a:rPr lang="en-US" b="1" smtClean="0"/>
+            </a:br>
+            <a:endParaRPr lang="en-US" smtClean="0"/>
+          </a:p>
+          <a:p>
             <a:pPr marL="0" indent="0">
               <a:lnSpc>
                 <a:spcPct val="150000"/>
               </a:lnSpc>
               <a:buNone/>
             </a:pPr>
-            <a:r>
-              <a:rPr lang="en-US" b="1" smtClean="0"/>
-              <a:t>4.1 Rules of Hooks</a:t>
-            </a:r>
-            <a:r>
-              <a:rPr lang="en-US" sz="2400" b="1" smtClean="0"/>
-              <a:t/>
-            </a:r>
-            <a:br>
-              <a:rPr lang="en-US" sz="2400" b="1" smtClean="0"/>
-            </a:br>
-            <a:r>
-              <a:rPr lang="en-US" sz="2400" smtClean="0"/>
-              <a:t>- Only </a:t>
-            </a:r>
-            <a:r>
-              <a:rPr lang="en-US" sz="2400"/>
-              <a:t>Call Hooks at the Top </a:t>
-            </a:r>
-            <a:r>
-              <a:rPr lang="en-US" sz="2400" smtClean="0"/>
-              <a:t>Level: </a:t>
-            </a:r>
-            <a:r>
-              <a:rPr lang="en-US" sz="2400" b="1"/>
-              <a:t>Don’t call Hooks inside loops, conditions, or nested functions.</a:t>
-            </a:r>
-            <a:r>
-              <a:rPr lang="en-US" sz="2400" smtClean="0"/>
-              <a:t/>
-            </a:r>
-            <a:br>
-              <a:rPr lang="en-US" sz="2400" smtClean="0"/>
-            </a:br>
-            <a:r>
-              <a:rPr lang="en-US" sz="2400" smtClean="0"/>
-              <a:t>- </a:t>
-            </a:r>
-            <a:r>
-              <a:rPr lang="en-US" smtClean="0"/>
-              <a:t>Only </a:t>
-            </a:r>
-            <a:r>
-              <a:rPr lang="en-US"/>
-              <a:t>call Hooks from React functions or custom hooks </a:t>
-            </a:r>
-            <a:r>
-              <a:rPr lang="en-US" sz="2400" smtClean="0"/>
-              <a:t>:</a:t>
-            </a:r>
-            <a:r>
-              <a:rPr lang="en-US" sz="2400" b="1" smtClean="0"/>
-              <a:t> </a:t>
-            </a:r>
-            <a:r>
-              <a:rPr lang="en-US" sz="2400" b="1"/>
-              <a:t>Don’t call Hooks from regular JavaScript functions</a:t>
-            </a:r>
-            <a:r>
-              <a:rPr lang="en-US" sz="2400" b="1" smtClean="0"/>
-              <a:t>.</a:t>
-            </a:r>
-            <a:endParaRPr lang="en-US" sz="2400" smtClean="0"/>
-          </a:p>
-          <a:p>
-            <a:pPr marL="457200" indent="-457200">
-              <a:lnSpc>
-                <a:spcPct val="150000"/>
-              </a:lnSpc>
-              <a:buFont typeface="+mj-lt"/>
-              <a:buAutoNum type="alphaLcPeriod"/>
-            </a:pPr>
-            <a:endParaRPr lang="en-US" sz="2400"/>
+            <a:endParaRPr lang="en-US" b="1"/>
           </a:p>
         </p:txBody>
       </p:sp>
     </p:spTree>
     <p:extLst>
       <p:ext uri="{BB962C8B-B14F-4D97-AF65-F5344CB8AC3E}">
-        <p14:creationId xmlns:p14="http://schemas.microsoft.com/office/powerpoint/2010/main" val="2608481287"/>
+        <p14:creationId xmlns:p14="http://schemas.microsoft.com/office/powerpoint/2010/main" val="4022983786"/>
       </p:ext>
     </p:extLst>
   </p:cSld>

--- a/ReactHooks.pptx
+++ b/ReactHooks.pptx
@@ -439,38 +439,37 @@
           <a:p>
             <a:pPr lvl="0"/>
             <a:r>
-              <a:rPr lang="en-US" smtClean="0"/>
+              <a:rPr lang="en-US"/>
               <a:t>Edit Master text styles</a:t>
             </a:r>
           </a:p>
           <a:p>
             <a:pPr lvl="1"/>
             <a:r>
-              <a:rPr lang="en-US" smtClean="0"/>
+              <a:rPr lang="en-US"/>
               <a:t>Second level</a:t>
             </a:r>
           </a:p>
           <a:p>
             <a:pPr lvl="2"/>
             <a:r>
-              <a:rPr lang="en-US" smtClean="0"/>
+              <a:rPr lang="en-US"/>
               <a:t>Third level</a:t>
             </a:r>
           </a:p>
           <a:p>
             <a:pPr lvl="3"/>
             <a:r>
-              <a:rPr lang="en-US" smtClean="0"/>
+              <a:rPr lang="en-US"/>
               <a:t>Fourth level</a:t>
             </a:r>
           </a:p>
           <a:p>
             <a:pPr lvl="4"/>
             <a:r>
-              <a:rPr lang="en-US" smtClean="0"/>
+              <a:rPr lang="en-US"/>
               <a:t>Fifth level</a:t>
             </a:r>
-            <a:endParaRPr lang="en-US"/>
           </a:p>
         </p:txBody>
       </p:sp>
@@ -692,11 +691,11 @@
               <a:buAutoNum type="arabicPeriod"/>
             </a:pPr>
             <a:r>
-              <a:rPr lang="en-US" dirty="0" smtClean="0"/>
+              <a:rPr lang="en-US" dirty="0"/>
               <a:t>Talk</a:t>
             </a:r>
             <a:r>
-              <a:rPr lang="en-US" baseline="0" dirty="0" smtClean="0"/>
+              <a:rPr lang="en-US" baseline="0" dirty="0"/>
               <a:t> about </a:t>
             </a:r>
             <a:endParaRPr lang="en-US" dirty="0"/>
@@ -801,29 +800,29 @@
               <a:defRPr/>
             </a:pPr>
             <a:r>
-              <a:rPr lang="en-US" smtClean="0"/>
+              <a:rPr lang="en-US" dirty="0"/>
               <a:t>- </a:t>
             </a:r>
             <a:r>
-              <a:rPr lang="en-US" sz="1200" smtClean="0"/>
+              <a:rPr lang="en-US" sz="1200" dirty="0"/>
               <a:t>Require you to restructure your components.</a:t>
             </a:r>
             <a:br>
-              <a:rPr lang="en-US" sz="1200" smtClean="0"/>
+              <a:rPr lang="en-US" sz="1200" dirty="0"/>
             </a:br>
             <a:r>
-              <a:rPr lang="en-US" sz="1200" smtClean="0"/>
+              <a:rPr lang="en-US" sz="1200" dirty="0"/>
               <a:t>- Cumbersome, code hard to follow.</a:t>
             </a:r>
             <a:br>
-              <a:rPr lang="en-US" sz="1200" smtClean="0"/>
+              <a:rPr lang="en-US" sz="1200" dirty="0"/>
             </a:br>
             <a:r>
-              <a:rPr lang="en-US" sz="1200" smtClean="0"/>
+              <a:rPr lang="en-US" sz="1200" dirty="0"/>
               <a:t>- With Hooks, Can be tested independently and reused</a:t>
             </a:r>
             <a:r>
-              <a:rPr lang="en-US" smtClean="0"/>
+              <a:rPr lang="en-US" dirty="0"/>
               <a:t>. </a:t>
             </a:r>
           </a:p>
@@ -845,7 +844,7 @@
               <a:tabLst/>
               <a:defRPr/>
             </a:pPr>
-            <a:endParaRPr lang="en-US" sz="1200" smtClean="0"/>
+            <a:endParaRPr lang="en-US" sz="1200" dirty="0"/>
           </a:p>
           <a:p>
             <a:pPr marL="0" marR="0" lvl="0" indent="0" algn="l" defTabSz="914400" rtl="0" eaLnBrk="1" fontAlgn="auto" latinLnBrk="0" hangingPunct="1">
@@ -866,13 +865,13 @@
               <a:defRPr/>
             </a:pPr>
             <a:r>
-              <a:rPr lang="en-US" sz="1200" smtClean="0"/>
+              <a:rPr lang="en-US" sz="1200" dirty="0"/>
               <a:t>- Hooks let you split one component into smaller functions based on what pieces are related (such as setting up a subscription or fetching data)</a:t>
             </a:r>
             <a:br>
-              <a:rPr lang="en-US" sz="1200" smtClean="0"/>
+              <a:rPr lang="en-US" sz="1200" dirty="0"/>
             </a:br>
-            <a:endParaRPr lang="en-US" sz="1200" smtClean="0"/>
+            <a:endParaRPr lang="en-US" sz="1200" dirty="0"/>
           </a:p>
           <a:p>
             <a:pPr marL="171450" indent="-171450">
@@ -880,34 +879,30 @@
               <a:buChar char="-"/>
             </a:pPr>
             <a:r>
-              <a:rPr lang="en-US" smtClean="0"/>
+              <a:rPr lang="en-US" dirty="0"/>
               <a:t>How </a:t>
             </a:r>
             <a:r>
-              <a:rPr lang="en-US" i="1" smtClean="0"/>
+              <a:rPr lang="en-US" i="1" dirty="0"/>
               <a:t>this</a:t>
             </a:r>
             <a:r>
-              <a:rPr lang="en-US" smtClean="0"/>
+              <a:rPr lang="en-US" dirty="0"/>
               <a:t> works, remember bind the event handlers…</a:t>
             </a:r>
-            <a:r>
-              <a:rPr lang="en-US" b="1" smtClean="0"/>
-              <a:t/>
-            </a:r>
             <a:br>
-              <a:rPr lang="en-US" b="1" smtClean="0"/>
+              <a:rPr lang="en-US" b="1" dirty="0"/>
             </a:br>
             <a:r>
-              <a:rPr lang="en-US" sz="1200" smtClean="0"/>
+              <a:rPr lang="en-US" sz="1200" dirty="0"/>
               <a:t>- Hooks let you use more of </a:t>
             </a:r>
             <a:r>
-              <a:rPr lang="en-US" sz="1200" err="1" smtClean="0"/>
+              <a:rPr lang="en-US" sz="1200" dirty="0" err="1"/>
               <a:t>React’s</a:t>
             </a:r>
             <a:r>
-              <a:rPr lang="en-US" sz="1200" smtClean="0"/>
+              <a:rPr lang="en-US" sz="1200" dirty="0"/>
               <a:t> features without classes.</a:t>
             </a:r>
           </a:p>
@@ -918,7 +913,7 @@
               </a:lnSpc>
             </a:pPr>
             <a:r>
-              <a:rPr lang="en-US" smtClean="0"/>
+              <a:rPr lang="en-US" dirty="0"/>
               <a:t>Class is hard to Reuse stateful logic between components.</a:t>
             </a:r>
           </a:p>
@@ -929,7 +924,7 @@
               </a:lnSpc>
             </a:pPr>
             <a:r>
-              <a:rPr lang="en-US" smtClean="0"/>
+              <a:rPr lang="en-US" dirty="0"/>
               <a:t>Complex components become hard to understand.</a:t>
             </a:r>
           </a:p>
@@ -940,17 +935,17 @@
               </a:lnSpc>
             </a:pPr>
             <a:r>
-              <a:rPr lang="en-US" smtClean="0"/>
+              <a:rPr lang="en-US" dirty="0"/>
               <a:t>Classes confuse both people and machines.</a:t>
             </a:r>
-            <a:endParaRPr lang="en-US" sz="1100" smtClean="0"/>
+            <a:endParaRPr lang="en-US" sz="1100" dirty="0"/>
           </a:p>
           <a:p>
             <a:pPr marL="171450" indent="-171450">
               <a:buFontTx/>
               <a:buChar char="-"/>
             </a:pPr>
-            <a:endParaRPr lang="en-US"/>
+            <a:endParaRPr lang="en-US" dirty="0"/>
           </a:p>
         </p:txBody>
       </p:sp>
@@ -1153,11 +1148,11 @@
               <a:defRPr/>
             </a:pPr>
             <a:r>
-              <a:rPr lang="en-US" smtClean="0"/>
+              <a:rPr lang="en-US"/>
               <a:t>Combine</a:t>
             </a:r>
             <a:r>
-              <a:rPr lang="en-US" baseline="0" smtClean="0"/>
+              <a:rPr lang="en-US" baseline="0"/>
               <a:t> with where questions.</a:t>
             </a:r>
           </a:p>
@@ -1179,7 +1174,7 @@
               <a:tabLst/>
               <a:defRPr/>
             </a:pPr>
-            <a:endParaRPr lang="en-US" smtClean="0"/>
+            <a:endParaRPr lang="en-US"/>
           </a:p>
           <a:p>
             <a:pPr marL="228600" marR="0" lvl="0" indent="-228600" algn="l" defTabSz="914400" rtl="0" eaLnBrk="1" fontAlgn="auto" latinLnBrk="0" hangingPunct="1">
@@ -1200,18 +1195,18 @@
               <a:defRPr/>
             </a:pPr>
             <a:r>
-              <a:rPr lang="en-US" baseline="0" smtClean="0"/>
+              <a:rPr lang="en-US" baseline="0"/>
               <a:t>Rules of hooks:</a:t>
             </a:r>
             <a:br>
-              <a:rPr lang="en-US" baseline="0" smtClean="0"/>
+              <a:rPr lang="en-US" baseline="0"/>
             </a:br>
             <a:r>
-              <a:rPr lang="en-US" baseline="0" smtClean="0"/>
+              <a:rPr lang="en-US" baseline="0"/>
               <a:t>- </a:t>
             </a:r>
             <a:r>
-              <a:rPr lang="en-US" sz="1200" b="0" i="0" kern="1200" smtClean="0">
+              <a:rPr lang="en-US" sz="1200" b="0" i="0" kern="1200">
                 <a:solidFill>
                   <a:schemeClr val="tx1"/>
                 </a:solidFill>
@@ -1223,42 +1218,42 @@
               <a:t>Ensure that Hooks are called in the same order each time a component renders. </a:t>
             </a:r>
             <a:r>
-              <a:rPr lang="en-US" baseline="0" smtClean="0"/>
+              <a:rPr lang="en-US" baseline="0"/>
               <a:t>Make Hooks preserve the state of Hooks between multiple </a:t>
             </a:r>
             <a:r>
-              <a:rPr lang="en-US" i="1" baseline="0" err="1" smtClean="0"/>
+              <a:rPr lang="en-US" i="1" baseline="0" err="1"/>
               <a:t>useState</a:t>
             </a:r>
             <a:r>
-              <a:rPr lang="en-US" i="0" baseline="0" smtClean="0"/>
+              <a:rPr lang="en-US" i="0" baseline="0"/>
               <a:t> and </a:t>
             </a:r>
             <a:r>
-              <a:rPr lang="en-US" i="1" baseline="0" err="1" smtClean="0"/>
+              <a:rPr lang="en-US" i="1" baseline="0" err="1"/>
               <a:t>useEffect</a:t>
             </a:r>
             <a:r>
-              <a:rPr lang="en-US" i="0" baseline="0" smtClean="0"/>
+              <a:rPr lang="en-US" i="0" baseline="0"/>
               <a:t>.</a:t>
             </a:r>
             <a:br>
-              <a:rPr lang="en-US" i="0" baseline="0" smtClean="0"/>
+              <a:rPr lang="en-US" i="0" baseline="0"/>
             </a:br>
             <a:r>
-              <a:rPr lang="en-US" i="0" baseline="0" smtClean="0"/>
+              <a:rPr lang="en-US" i="0" baseline="0"/>
               <a:t>- Regular </a:t>
             </a:r>
             <a:r>
-              <a:rPr lang="en-US" i="0" baseline="0" err="1" smtClean="0"/>
+              <a:rPr lang="en-US" i="0" baseline="0" err="1"/>
               <a:t>Js</a:t>
             </a:r>
             <a:r>
-              <a:rPr lang="en-US" i="0" baseline="0" smtClean="0"/>
+              <a:rPr lang="en-US" i="0" baseline="0"/>
               <a:t> functions: ajax …. This rule</a:t>
             </a:r>
             <a:r>
-              <a:rPr lang="en-US" sz="1200" b="0" i="0" kern="1200" smtClean="0">
+              <a:rPr lang="en-US" sz="1200" b="0" i="0" kern="1200">
                 <a:solidFill>
                   <a:schemeClr val="tx1"/>
                 </a:solidFill>
@@ -1270,7 +1265,7 @@
               <a:t> ensure that all </a:t>
             </a:r>
             <a:r>
-              <a:rPr lang="en-US" sz="1200" b="0" i="0" kern="1200" err="1" smtClean="0">
+              <a:rPr lang="en-US" sz="1200" b="0" i="0" kern="1200" err="1">
                 <a:solidFill>
                   <a:schemeClr val="tx1"/>
                 </a:solidFill>
@@ -1282,7 +1277,7 @@
               <a:t>stateful</a:t>
             </a:r>
             <a:r>
-              <a:rPr lang="en-US" sz="1200" b="0" i="0" kern="1200" smtClean="0">
+              <a:rPr lang="en-US" sz="1200" b="0" i="0" kern="1200">
                 <a:solidFill>
                   <a:schemeClr val="tx1"/>
                 </a:solidFill>
@@ -1293,7 +1288,7 @@
               </a:rPr>
               <a:t> logic in a component is clearly visible from its source code.</a:t>
             </a:r>
-            <a:endParaRPr lang="en-US" baseline="0" smtClean="0"/>
+            <a:endParaRPr lang="en-US" baseline="0"/>
           </a:p>
         </p:txBody>
       </p:sp>
@@ -1395,11 +1390,11 @@
               <a:defRPr/>
             </a:pPr>
             <a:r>
-              <a:rPr lang="en-US" smtClean="0"/>
+              <a:rPr lang="en-US"/>
               <a:t>Combine</a:t>
             </a:r>
             <a:r>
-              <a:rPr lang="en-US" baseline="0" smtClean="0"/>
+              <a:rPr lang="en-US" baseline="0"/>
               <a:t> with where questions.</a:t>
             </a:r>
           </a:p>
@@ -1421,7 +1416,7 @@
               <a:tabLst/>
               <a:defRPr/>
             </a:pPr>
-            <a:endParaRPr lang="en-US" smtClean="0"/>
+            <a:endParaRPr lang="en-US"/>
           </a:p>
           <a:p>
             <a:pPr marL="228600" marR="0" lvl="0" indent="-228600" algn="l" defTabSz="914400" rtl="0" eaLnBrk="1" fontAlgn="auto" latinLnBrk="0" hangingPunct="1">
@@ -1442,18 +1437,18 @@
               <a:defRPr/>
             </a:pPr>
             <a:r>
-              <a:rPr lang="en-US" baseline="0" smtClean="0"/>
+              <a:rPr lang="en-US" baseline="0"/>
               <a:t>Rules of hooks:</a:t>
             </a:r>
             <a:br>
-              <a:rPr lang="en-US" baseline="0" smtClean="0"/>
+              <a:rPr lang="en-US" baseline="0"/>
             </a:br>
             <a:r>
-              <a:rPr lang="en-US" baseline="0" smtClean="0"/>
+              <a:rPr lang="en-US" baseline="0"/>
               <a:t>- </a:t>
             </a:r>
             <a:r>
-              <a:rPr lang="en-US" sz="1200" b="0" i="0" kern="1200" smtClean="0">
+              <a:rPr lang="en-US" sz="1200" b="0" i="0" kern="1200">
                 <a:solidFill>
                   <a:schemeClr val="tx1"/>
                 </a:solidFill>
@@ -1465,42 +1460,42 @@
               <a:t>Ensure that Hooks are called in the same order each time a component renders. </a:t>
             </a:r>
             <a:r>
-              <a:rPr lang="en-US" baseline="0" smtClean="0"/>
+              <a:rPr lang="en-US" baseline="0"/>
               <a:t>Make Hooks preserve the state of Hooks between multiple </a:t>
             </a:r>
             <a:r>
-              <a:rPr lang="en-US" i="1" baseline="0" err="1" smtClean="0"/>
+              <a:rPr lang="en-US" i="1" baseline="0" err="1"/>
               <a:t>useState</a:t>
             </a:r>
             <a:r>
-              <a:rPr lang="en-US" i="0" baseline="0" smtClean="0"/>
+              <a:rPr lang="en-US" i="0" baseline="0"/>
               <a:t> and </a:t>
             </a:r>
             <a:r>
-              <a:rPr lang="en-US" i="1" baseline="0" err="1" smtClean="0"/>
+              <a:rPr lang="en-US" i="1" baseline="0" err="1"/>
               <a:t>useEffect</a:t>
             </a:r>
             <a:r>
-              <a:rPr lang="en-US" i="0" baseline="0" smtClean="0"/>
+              <a:rPr lang="en-US" i="0" baseline="0"/>
               <a:t>.</a:t>
             </a:r>
             <a:br>
-              <a:rPr lang="en-US" i="0" baseline="0" smtClean="0"/>
+              <a:rPr lang="en-US" i="0" baseline="0"/>
             </a:br>
             <a:r>
-              <a:rPr lang="en-US" i="0" baseline="0" smtClean="0"/>
+              <a:rPr lang="en-US" i="0" baseline="0"/>
               <a:t>- Regular </a:t>
             </a:r>
             <a:r>
-              <a:rPr lang="en-US" i="0" baseline="0" err="1" smtClean="0"/>
+              <a:rPr lang="en-US" i="0" baseline="0" err="1"/>
               <a:t>Js</a:t>
             </a:r>
             <a:r>
-              <a:rPr lang="en-US" i="0" baseline="0" smtClean="0"/>
+              <a:rPr lang="en-US" i="0" baseline="0"/>
               <a:t> functions: ajax …. This rule</a:t>
             </a:r>
             <a:r>
-              <a:rPr lang="en-US" sz="1200" b="0" i="0" kern="1200" smtClean="0">
+              <a:rPr lang="en-US" sz="1200" b="0" i="0" kern="1200">
                 <a:solidFill>
                   <a:schemeClr val="tx1"/>
                 </a:solidFill>
@@ -1512,7 +1507,7 @@
               <a:t> ensure that all </a:t>
             </a:r>
             <a:r>
-              <a:rPr lang="en-US" sz="1200" b="0" i="0" kern="1200" err="1" smtClean="0">
+              <a:rPr lang="en-US" sz="1200" b="0" i="0" kern="1200" err="1">
                 <a:solidFill>
                   <a:schemeClr val="tx1"/>
                 </a:solidFill>
@@ -1524,7 +1519,7 @@
               <a:t>stateful</a:t>
             </a:r>
             <a:r>
-              <a:rPr lang="en-US" sz="1200" b="0" i="0" kern="1200" smtClean="0">
+              <a:rPr lang="en-US" sz="1200" b="0" i="0" kern="1200">
                 <a:solidFill>
                   <a:schemeClr val="tx1"/>
                 </a:solidFill>
@@ -1535,7 +1530,7 @@
               </a:rPr>
               <a:t> logic in a component is clearly visible from its source code.</a:t>
             </a:r>
-            <a:endParaRPr lang="en-US" baseline="0" smtClean="0"/>
+            <a:endParaRPr lang="en-US" baseline="0"/>
           </a:p>
         </p:txBody>
       </p:sp>
@@ -1637,11 +1632,11 @@
               <a:defRPr/>
             </a:pPr>
             <a:r>
-              <a:rPr lang="en-US" smtClean="0"/>
+              <a:rPr lang="en-US"/>
               <a:t>Combine</a:t>
             </a:r>
             <a:r>
-              <a:rPr lang="en-US" baseline="0" smtClean="0"/>
+              <a:rPr lang="en-US" baseline="0"/>
               <a:t> with where questions.</a:t>
             </a:r>
           </a:p>
@@ -1663,7 +1658,7 @@
               <a:tabLst/>
               <a:defRPr/>
             </a:pPr>
-            <a:endParaRPr lang="en-US" smtClean="0"/>
+            <a:endParaRPr lang="en-US"/>
           </a:p>
           <a:p>
             <a:pPr marL="228600" marR="0" lvl="0" indent="-228600" algn="l" defTabSz="914400" rtl="0" eaLnBrk="1" fontAlgn="auto" latinLnBrk="0" hangingPunct="1">
@@ -1684,18 +1679,18 @@
               <a:defRPr/>
             </a:pPr>
             <a:r>
-              <a:rPr lang="en-US" baseline="0" smtClean="0"/>
+              <a:rPr lang="en-US" baseline="0"/>
               <a:t>Rules of hooks:</a:t>
             </a:r>
             <a:br>
-              <a:rPr lang="en-US" baseline="0" smtClean="0"/>
+              <a:rPr lang="en-US" baseline="0"/>
             </a:br>
             <a:r>
-              <a:rPr lang="en-US" baseline="0" smtClean="0"/>
+              <a:rPr lang="en-US" baseline="0"/>
               <a:t>- </a:t>
             </a:r>
             <a:r>
-              <a:rPr lang="en-US" sz="1200" b="0" i="0" kern="1200" smtClean="0">
+              <a:rPr lang="en-US" sz="1200" b="0" i="0" kern="1200">
                 <a:solidFill>
                   <a:schemeClr val="tx1"/>
                 </a:solidFill>
@@ -1707,42 +1702,42 @@
               <a:t>Ensure that Hooks are called in the same order each time a component renders. </a:t>
             </a:r>
             <a:r>
-              <a:rPr lang="en-US" baseline="0" smtClean="0"/>
+              <a:rPr lang="en-US" baseline="0"/>
               <a:t>Make Hooks preserve the state of Hooks between multiple </a:t>
             </a:r>
             <a:r>
-              <a:rPr lang="en-US" i="1" baseline="0" err="1" smtClean="0"/>
+              <a:rPr lang="en-US" i="1" baseline="0" err="1"/>
               <a:t>useState</a:t>
             </a:r>
             <a:r>
-              <a:rPr lang="en-US" i="0" baseline="0" smtClean="0"/>
+              <a:rPr lang="en-US" i="0" baseline="0"/>
               <a:t> and </a:t>
             </a:r>
             <a:r>
-              <a:rPr lang="en-US" i="1" baseline="0" err="1" smtClean="0"/>
+              <a:rPr lang="en-US" i="1" baseline="0" err="1"/>
               <a:t>useEffect</a:t>
             </a:r>
             <a:r>
-              <a:rPr lang="en-US" i="0" baseline="0" smtClean="0"/>
+              <a:rPr lang="en-US" i="0" baseline="0"/>
               <a:t>.</a:t>
             </a:r>
             <a:br>
-              <a:rPr lang="en-US" i="0" baseline="0" smtClean="0"/>
+              <a:rPr lang="en-US" i="0" baseline="0"/>
             </a:br>
             <a:r>
-              <a:rPr lang="en-US" i="0" baseline="0" smtClean="0"/>
+              <a:rPr lang="en-US" i="0" baseline="0"/>
               <a:t>- Regular </a:t>
             </a:r>
             <a:r>
-              <a:rPr lang="en-US" i="0" baseline="0" err="1" smtClean="0"/>
+              <a:rPr lang="en-US" i="0" baseline="0" err="1"/>
               <a:t>Js</a:t>
             </a:r>
             <a:r>
-              <a:rPr lang="en-US" i="0" baseline="0" smtClean="0"/>
+              <a:rPr lang="en-US" i="0" baseline="0"/>
               <a:t> functions: ajax …. This rule</a:t>
             </a:r>
             <a:r>
-              <a:rPr lang="en-US" sz="1200" b="0" i="0" kern="1200" smtClean="0">
+              <a:rPr lang="en-US" sz="1200" b="0" i="0" kern="1200">
                 <a:solidFill>
                   <a:schemeClr val="tx1"/>
                 </a:solidFill>
@@ -1754,7 +1749,7 @@
               <a:t> ensure that all </a:t>
             </a:r>
             <a:r>
-              <a:rPr lang="en-US" sz="1200" b="0" i="0" kern="1200" err="1" smtClean="0">
+              <a:rPr lang="en-US" sz="1200" b="0" i="0" kern="1200" err="1">
                 <a:solidFill>
                   <a:schemeClr val="tx1"/>
                 </a:solidFill>
@@ -1766,7 +1761,7 @@
               <a:t>stateful</a:t>
             </a:r>
             <a:r>
-              <a:rPr lang="en-US" sz="1200" b="0" i="0" kern="1200" smtClean="0">
+              <a:rPr lang="en-US" sz="1200" b="0" i="0" kern="1200">
                 <a:solidFill>
                   <a:schemeClr val="tx1"/>
                 </a:solidFill>
@@ -1777,7 +1772,7 @@
               </a:rPr>
               <a:t> logic in a component is clearly visible from its source code.</a:t>
             </a:r>
-            <a:endParaRPr lang="en-US" baseline="0" smtClean="0"/>
+            <a:endParaRPr lang="en-US" baseline="0"/>
           </a:p>
         </p:txBody>
       </p:sp>
@@ -1879,11 +1874,11 @@
               <a:defRPr/>
             </a:pPr>
             <a:r>
-              <a:rPr lang="en-US" smtClean="0"/>
+              <a:rPr lang="en-US"/>
               <a:t>Combine</a:t>
             </a:r>
             <a:r>
-              <a:rPr lang="en-US" baseline="0" smtClean="0"/>
+              <a:rPr lang="en-US" baseline="0"/>
               <a:t> with where questions.</a:t>
             </a:r>
           </a:p>
@@ -1905,7 +1900,7 @@
               <a:tabLst/>
               <a:defRPr/>
             </a:pPr>
-            <a:endParaRPr lang="en-US" smtClean="0"/>
+            <a:endParaRPr lang="en-US"/>
           </a:p>
           <a:p>
             <a:pPr marL="228600" marR="0" lvl="0" indent="-228600" algn="l" defTabSz="914400" rtl="0" eaLnBrk="1" fontAlgn="auto" latinLnBrk="0" hangingPunct="1">
@@ -1926,18 +1921,18 @@
               <a:defRPr/>
             </a:pPr>
             <a:r>
-              <a:rPr lang="en-US" baseline="0" smtClean="0"/>
+              <a:rPr lang="en-US" baseline="0"/>
               <a:t>Rules of hooks:</a:t>
             </a:r>
             <a:br>
-              <a:rPr lang="en-US" baseline="0" smtClean="0"/>
+              <a:rPr lang="en-US" baseline="0"/>
             </a:br>
             <a:r>
-              <a:rPr lang="en-US" baseline="0" smtClean="0"/>
+              <a:rPr lang="en-US" baseline="0"/>
               <a:t>- </a:t>
             </a:r>
             <a:r>
-              <a:rPr lang="en-US" sz="1200" b="0" i="0" kern="1200" smtClean="0">
+              <a:rPr lang="en-US" sz="1200" b="0" i="0" kern="1200">
                 <a:solidFill>
                   <a:schemeClr val="tx1"/>
                 </a:solidFill>
@@ -1949,42 +1944,42 @@
               <a:t>Ensure that Hooks are called in the same order each time a component renders. </a:t>
             </a:r>
             <a:r>
-              <a:rPr lang="en-US" baseline="0" smtClean="0"/>
+              <a:rPr lang="en-US" baseline="0"/>
               <a:t>Make Hooks preserve the state of Hooks between multiple </a:t>
             </a:r>
             <a:r>
-              <a:rPr lang="en-US" i="1" baseline="0" err="1" smtClean="0"/>
+              <a:rPr lang="en-US" i="1" baseline="0" err="1"/>
               <a:t>useState</a:t>
             </a:r>
             <a:r>
-              <a:rPr lang="en-US" i="0" baseline="0" smtClean="0"/>
+              <a:rPr lang="en-US" i="0" baseline="0"/>
               <a:t> and </a:t>
             </a:r>
             <a:r>
-              <a:rPr lang="en-US" i="1" baseline="0" err="1" smtClean="0"/>
+              <a:rPr lang="en-US" i="1" baseline="0" err="1"/>
               <a:t>useEffect</a:t>
             </a:r>
             <a:r>
-              <a:rPr lang="en-US" i="0" baseline="0" smtClean="0"/>
+              <a:rPr lang="en-US" i="0" baseline="0"/>
               <a:t>.</a:t>
             </a:r>
             <a:br>
-              <a:rPr lang="en-US" i="0" baseline="0" smtClean="0"/>
+              <a:rPr lang="en-US" i="0" baseline="0"/>
             </a:br>
             <a:r>
-              <a:rPr lang="en-US" i="0" baseline="0" smtClean="0"/>
+              <a:rPr lang="en-US" i="0" baseline="0"/>
               <a:t>- Regular </a:t>
             </a:r>
             <a:r>
-              <a:rPr lang="en-US" i="0" baseline="0" err="1" smtClean="0"/>
+              <a:rPr lang="en-US" i="0" baseline="0" err="1"/>
               <a:t>Js</a:t>
             </a:r>
             <a:r>
-              <a:rPr lang="en-US" i="0" baseline="0" smtClean="0"/>
+              <a:rPr lang="en-US" i="0" baseline="0"/>
               <a:t> functions: ajax …. This rule</a:t>
             </a:r>
             <a:r>
-              <a:rPr lang="en-US" sz="1200" b="0" i="0" kern="1200" smtClean="0">
+              <a:rPr lang="en-US" sz="1200" b="0" i="0" kern="1200">
                 <a:solidFill>
                   <a:schemeClr val="tx1"/>
                 </a:solidFill>
@@ -1996,7 +1991,7 @@
               <a:t> ensure that all </a:t>
             </a:r>
             <a:r>
-              <a:rPr lang="en-US" sz="1200" b="0" i="0" kern="1200" err="1" smtClean="0">
+              <a:rPr lang="en-US" sz="1200" b="0" i="0" kern="1200" err="1">
                 <a:solidFill>
                   <a:schemeClr val="tx1"/>
                 </a:solidFill>
@@ -2008,7 +2003,7 @@
               <a:t>stateful</a:t>
             </a:r>
             <a:r>
-              <a:rPr lang="en-US" sz="1200" b="0" i="0" kern="1200" smtClean="0">
+              <a:rPr lang="en-US" sz="1200" b="0" i="0" kern="1200">
                 <a:solidFill>
                   <a:schemeClr val="tx1"/>
                 </a:solidFill>
@@ -2019,7 +2014,7 @@
               </a:rPr>
               <a:t> logic in a component is clearly visible from its source code.</a:t>
             </a:r>
-            <a:endParaRPr lang="en-US" baseline="0" smtClean="0"/>
+            <a:endParaRPr lang="en-US" baseline="0"/>
           </a:p>
         </p:txBody>
       </p:sp>
@@ -2101,10 +2096,9 @@
           </a:lstStyle>
           <a:p>
             <a:r>
-              <a:rPr lang="en-US" smtClean="0"/>
+              <a:rPr lang="en-US"/>
               <a:t>Click to edit Master title style</a:t>
             </a:r>
-            <a:endParaRPr lang="en-US"/>
           </a:p>
         </p:txBody>
       </p:sp>
@@ -2166,10 +2160,9 @@
           </a:lstStyle>
           <a:p>
             <a:r>
-              <a:rPr lang="en-US" smtClean="0"/>
+              <a:rPr lang="en-US"/>
               <a:t>Click to edit Master subtitle style</a:t>
             </a:r>
-            <a:endParaRPr lang="en-US"/>
           </a:p>
         </p:txBody>
       </p:sp>
@@ -2284,10 +2277,9 @@
           <a:lstStyle/>
           <a:p>
             <a:r>
-              <a:rPr lang="en-US" smtClean="0"/>
+              <a:rPr lang="en-US"/>
               <a:t>Click to edit Master title style</a:t>
             </a:r>
-            <a:endParaRPr lang="en-US"/>
           </a:p>
         </p:txBody>
       </p:sp>
@@ -2308,38 +2300,37 @@
           <a:p>
             <a:pPr lvl="0"/>
             <a:r>
-              <a:rPr lang="en-US" smtClean="0"/>
+              <a:rPr lang="en-US"/>
               <a:t>Edit Master text styles</a:t>
             </a:r>
           </a:p>
           <a:p>
             <a:pPr lvl="1"/>
             <a:r>
-              <a:rPr lang="en-US" smtClean="0"/>
+              <a:rPr lang="en-US"/>
               <a:t>Second level</a:t>
             </a:r>
           </a:p>
           <a:p>
             <a:pPr lvl="2"/>
             <a:r>
-              <a:rPr lang="en-US" smtClean="0"/>
+              <a:rPr lang="en-US"/>
               <a:t>Third level</a:t>
             </a:r>
           </a:p>
           <a:p>
             <a:pPr lvl="3"/>
             <a:r>
-              <a:rPr lang="en-US" smtClean="0"/>
+              <a:rPr lang="en-US"/>
               <a:t>Fourth level</a:t>
             </a:r>
           </a:p>
           <a:p>
             <a:pPr lvl="4"/>
             <a:r>
-              <a:rPr lang="en-US" smtClean="0"/>
+              <a:rPr lang="en-US"/>
               <a:t>Fifth level</a:t>
             </a:r>
-            <a:endParaRPr lang="en-US"/>
           </a:p>
         </p:txBody>
       </p:sp>
@@ -2459,10 +2450,9 @@
           <a:lstStyle/>
           <a:p>
             <a:r>
-              <a:rPr lang="en-US" smtClean="0"/>
+              <a:rPr lang="en-US"/>
               <a:t>Click to edit Master title style</a:t>
             </a:r>
-            <a:endParaRPr lang="en-US"/>
           </a:p>
         </p:txBody>
       </p:sp>
@@ -2488,38 +2478,37 @@
           <a:p>
             <a:pPr lvl="0"/>
             <a:r>
-              <a:rPr lang="en-US" smtClean="0"/>
+              <a:rPr lang="en-US"/>
               <a:t>Edit Master text styles</a:t>
             </a:r>
           </a:p>
           <a:p>
             <a:pPr lvl="1"/>
             <a:r>
-              <a:rPr lang="en-US" smtClean="0"/>
+              <a:rPr lang="en-US"/>
               <a:t>Second level</a:t>
             </a:r>
           </a:p>
           <a:p>
             <a:pPr lvl="2"/>
             <a:r>
-              <a:rPr lang="en-US" smtClean="0"/>
+              <a:rPr lang="en-US"/>
               <a:t>Third level</a:t>
             </a:r>
           </a:p>
           <a:p>
             <a:pPr lvl="3"/>
             <a:r>
-              <a:rPr lang="en-US" smtClean="0"/>
+              <a:rPr lang="en-US"/>
               <a:t>Fourth level</a:t>
             </a:r>
           </a:p>
           <a:p>
             <a:pPr lvl="4"/>
             <a:r>
-              <a:rPr lang="en-US" smtClean="0"/>
+              <a:rPr lang="en-US"/>
               <a:t>Fifth level</a:t>
             </a:r>
-            <a:endParaRPr lang="en-US"/>
           </a:p>
         </p:txBody>
       </p:sp>
@@ -2634,10 +2623,9 @@
           <a:lstStyle/>
           <a:p>
             <a:r>
-              <a:rPr lang="en-US" smtClean="0"/>
+              <a:rPr lang="en-US"/>
               <a:t>Click to edit Master title style</a:t>
             </a:r>
-            <a:endParaRPr lang="en-US"/>
           </a:p>
         </p:txBody>
       </p:sp>
@@ -2658,38 +2646,37 @@
           <a:p>
             <a:pPr lvl="0"/>
             <a:r>
-              <a:rPr lang="en-US" smtClean="0"/>
+              <a:rPr lang="en-US"/>
               <a:t>Edit Master text styles</a:t>
             </a:r>
           </a:p>
           <a:p>
             <a:pPr lvl="1"/>
             <a:r>
-              <a:rPr lang="en-US" smtClean="0"/>
+              <a:rPr lang="en-US"/>
               <a:t>Second level</a:t>
             </a:r>
           </a:p>
           <a:p>
             <a:pPr lvl="2"/>
             <a:r>
-              <a:rPr lang="en-US" smtClean="0"/>
+              <a:rPr lang="en-US"/>
               <a:t>Third level</a:t>
             </a:r>
           </a:p>
           <a:p>
             <a:pPr lvl="3"/>
             <a:r>
-              <a:rPr lang="en-US" smtClean="0"/>
+              <a:rPr lang="en-US"/>
               <a:t>Fourth level</a:t>
             </a:r>
           </a:p>
           <a:p>
             <a:pPr lvl="4"/>
             <a:r>
-              <a:rPr lang="en-US" smtClean="0"/>
+              <a:rPr lang="en-US"/>
               <a:t>Fifth level</a:t>
             </a:r>
-            <a:endParaRPr lang="en-US"/>
           </a:p>
         </p:txBody>
       </p:sp>
@@ -2813,10 +2800,9 @@
           </a:lstStyle>
           <a:p>
             <a:r>
-              <a:rPr lang="en-US" smtClean="0"/>
+              <a:rPr lang="en-US"/>
               <a:t>Click to edit Master title style</a:t>
             </a:r>
-            <a:endParaRPr lang="en-US"/>
           </a:p>
         </p:txBody>
       </p:sp>
@@ -2933,7 +2919,7 @@
           <a:p>
             <a:pPr lvl="0"/>
             <a:r>
-              <a:rPr lang="en-US" smtClean="0"/>
+              <a:rPr lang="en-US"/>
               <a:t>Edit Master text styles</a:t>
             </a:r>
           </a:p>
@@ -3050,10 +3036,9 @@
           <a:lstStyle/>
           <a:p>
             <a:r>
-              <a:rPr lang="en-US" smtClean="0"/>
+              <a:rPr lang="en-US"/>
               <a:t>Click to edit Master title style</a:t>
             </a:r>
-            <a:endParaRPr lang="en-US"/>
           </a:p>
         </p:txBody>
       </p:sp>
@@ -3079,38 +3064,37 @@
           <a:p>
             <a:pPr lvl="0"/>
             <a:r>
-              <a:rPr lang="en-US" smtClean="0"/>
+              <a:rPr lang="en-US"/>
               <a:t>Edit Master text styles</a:t>
             </a:r>
           </a:p>
           <a:p>
             <a:pPr lvl="1"/>
             <a:r>
-              <a:rPr lang="en-US" smtClean="0"/>
+              <a:rPr lang="en-US"/>
               <a:t>Second level</a:t>
             </a:r>
           </a:p>
           <a:p>
             <a:pPr lvl="2"/>
             <a:r>
-              <a:rPr lang="en-US" smtClean="0"/>
+              <a:rPr lang="en-US"/>
               <a:t>Third level</a:t>
             </a:r>
           </a:p>
           <a:p>
             <a:pPr lvl="3"/>
             <a:r>
-              <a:rPr lang="en-US" smtClean="0"/>
+              <a:rPr lang="en-US"/>
               <a:t>Fourth level</a:t>
             </a:r>
           </a:p>
           <a:p>
             <a:pPr lvl="4"/>
             <a:r>
-              <a:rPr lang="en-US" smtClean="0"/>
+              <a:rPr lang="en-US"/>
               <a:t>Fifth level</a:t>
             </a:r>
-            <a:endParaRPr lang="en-US"/>
           </a:p>
         </p:txBody>
       </p:sp>
@@ -3136,38 +3120,37 @@
           <a:p>
             <a:pPr lvl="0"/>
             <a:r>
-              <a:rPr lang="en-US" smtClean="0"/>
+              <a:rPr lang="en-US"/>
               <a:t>Edit Master text styles</a:t>
             </a:r>
           </a:p>
           <a:p>
             <a:pPr lvl="1"/>
             <a:r>
-              <a:rPr lang="en-US" smtClean="0"/>
+              <a:rPr lang="en-US"/>
               <a:t>Second level</a:t>
             </a:r>
           </a:p>
           <a:p>
             <a:pPr lvl="2"/>
             <a:r>
-              <a:rPr lang="en-US" smtClean="0"/>
+              <a:rPr lang="en-US"/>
               <a:t>Third level</a:t>
             </a:r>
           </a:p>
           <a:p>
             <a:pPr lvl="3"/>
             <a:r>
-              <a:rPr lang="en-US" smtClean="0"/>
+              <a:rPr lang="en-US"/>
               <a:t>Fourth level</a:t>
             </a:r>
           </a:p>
           <a:p>
             <a:pPr lvl="4"/>
             <a:r>
-              <a:rPr lang="en-US" smtClean="0"/>
+              <a:rPr lang="en-US"/>
               <a:t>Fifth level</a:t>
             </a:r>
-            <a:endParaRPr lang="en-US"/>
           </a:p>
         </p:txBody>
       </p:sp>
@@ -3287,10 +3270,9 @@
           <a:lstStyle/>
           <a:p>
             <a:r>
-              <a:rPr lang="en-US" smtClean="0"/>
+              <a:rPr lang="en-US"/>
               <a:t>Click to edit Master title style</a:t>
             </a:r>
-            <a:endParaRPr lang="en-US"/>
           </a:p>
         </p:txBody>
       </p:sp>
@@ -3353,7 +3335,7 @@
           <a:p>
             <a:pPr lvl="0"/>
             <a:r>
-              <a:rPr lang="en-US" smtClean="0"/>
+              <a:rPr lang="en-US"/>
               <a:t>Edit Master text styles</a:t>
             </a:r>
           </a:p>
@@ -3381,38 +3363,37 @@
           <a:p>
             <a:pPr lvl="0"/>
             <a:r>
-              <a:rPr lang="en-US" smtClean="0"/>
+              <a:rPr lang="en-US"/>
               <a:t>Edit Master text styles</a:t>
             </a:r>
           </a:p>
           <a:p>
             <a:pPr lvl="1"/>
             <a:r>
-              <a:rPr lang="en-US" smtClean="0"/>
+              <a:rPr lang="en-US"/>
               <a:t>Second level</a:t>
             </a:r>
           </a:p>
           <a:p>
             <a:pPr lvl="2"/>
             <a:r>
-              <a:rPr lang="en-US" smtClean="0"/>
+              <a:rPr lang="en-US"/>
               <a:t>Third level</a:t>
             </a:r>
           </a:p>
           <a:p>
             <a:pPr lvl="3"/>
             <a:r>
-              <a:rPr lang="en-US" smtClean="0"/>
+              <a:rPr lang="en-US"/>
               <a:t>Fourth level</a:t>
             </a:r>
           </a:p>
           <a:p>
             <a:pPr lvl="4"/>
             <a:r>
-              <a:rPr lang="en-US" smtClean="0"/>
+              <a:rPr lang="en-US"/>
               <a:t>Fifth level</a:t>
             </a:r>
-            <a:endParaRPr lang="en-US"/>
           </a:p>
         </p:txBody>
       </p:sp>
@@ -3475,7 +3456,7 @@
           <a:p>
             <a:pPr lvl="0"/>
             <a:r>
-              <a:rPr lang="en-US" smtClean="0"/>
+              <a:rPr lang="en-US"/>
               <a:t>Edit Master text styles</a:t>
             </a:r>
           </a:p>
@@ -3503,38 +3484,37 @@
           <a:p>
             <a:pPr lvl="0"/>
             <a:r>
-              <a:rPr lang="en-US" smtClean="0"/>
+              <a:rPr lang="en-US"/>
               <a:t>Edit Master text styles</a:t>
             </a:r>
           </a:p>
           <a:p>
             <a:pPr lvl="1"/>
             <a:r>
-              <a:rPr lang="en-US" smtClean="0"/>
+              <a:rPr lang="en-US"/>
               <a:t>Second level</a:t>
             </a:r>
           </a:p>
           <a:p>
             <a:pPr lvl="2"/>
             <a:r>
-              <a:rPr lang="en-US" smtClean="0"/>
+              <a:rPr lang="en-US"/>
               <a:t>Third level</a:t>
             </a:r>
           </a:p>
           <a:p>
             <a:pPr lvl="3"/>
             <a:r>
-              <a:rPr lang="en-US" smtClean="0"/>
+              <a:rPr lang="en-US"/>
               <a:t>Fourth level</a:t>
             </a:r>
           </a:p>
           <a:p>
             <a:pPr lvl="4"/>
             <a:r>
-              <a:rPr lang="en-US" smtClean="0"/>
+              <a:rPr lang="en-US"/>
               <a:t>Fifth level</a:t>
             </a:r>
-            <a:endParaRPr lang="en-US"/>
           </a:p>
         </p:txBody>
       </p:sp>
@@ -3649,10 +3629,9 @@
           <a:lstStyle/>
           <a:p>
             <a:r>
-              <a:rPr lang="en-US" smtClean="0"/>
+              <a:rPr lang="en-US"/>
               <a:t>Click to edit Master title style</a:t>
             </a:r>
-            <a:endParaRPr lang="en-US"/>
           </a:p>
         </p:txBody>
       </p:sp>
@@ -3871,10 +3850,9 @@
           </a:lstStyle>
           <a:p>
             <a:r>
-              <a:rPr lang="en-US" smtClean="0"/>
+              <a:rPr lang="en-US"/>
               <a:t>Click to edit Master title style</a:t>
             </a:r>
-            <a:endParaRPr lang="en-US"/>
           </a:p>
         </p:txBody>
       </p:sp>
@@ -3928,38 +3906,37 @@
           <a:p>
             <a:pPr lvl="0"/>
             <a:r>
-              <a:rPr lang="en-US" smtClean="0"/>
+              <a:rPr lang="en-US"/>
               <a:t>Edit Master text styles</a:t>
             </a:r>
           </a:p>
           <a:p>
             <a:pPr lvl="1"/>
             <a:r>
-              <a:rPr lang="en-US" smtClean="0"/>
+              <a:rPr lang="en-US"/>
               <a:t>Second level</a:t>
             </a:r>
           </a:p>
           <a:p>
             <a:pPr lvl="2"/>
             <a:r>
-              <a:rPr lang="en-US" smtClean="0"/>
+              <a:rPr lang="en-US"/>
               <a:t>Third level</a:t>
             </a:r>
           </a:p>
           <a:p>
             <a:pPr lvl="3"/>
             <a:r>
-              <a:rPr lang="en-US" smtClean="0"/>
+              <a:rPr lang="en-US"/>
               <a:t>Fourth level</a:t>
             </a:r>
           </a:p>
           <a:p>
             <a:pPr lvl="4"/>
             <a:r>
-              <a:rPr lang="en-US" smtClean="0"/>
+              <a:rPr lang="en-US"/>
               <a:t>Fifth level</a:t>
             </a:r>
-            <a:endParaRPr lang="en-US"/>
           </a:p>
         </p:txBody>
       </p:sp>
@@ -4022,7 +3999,7 @@
           <a:p>
             <a:pPr lvl="0"/>
             <a:r>
-              <a:rPr lang="en-US" smtClean="0"/>
+              <a:rPr lang="en-US"/>
               <a:t>Edit Master text styles</a:t>
             </a:r>
           </a:p>
@@ -4148,10 +4125,9 @@
           </a:lstStyle>
           <a:p>
             <a:r>
-              <a:rPr lang="en-US" smtClean="0"/>
+              <a:rPr lang="en-US"/>
               <a:t>Click to edit Master title style</a:t>
             </a:r>
-            <a:endParaRPr lang="en-US"/>
           </a:p>
         </p:txBody>
       </p:sp>
@@ -4275,7 +4251,7 @@
           <a:p>
             <a:pPr lvl="0"/>
             <a:r>
-              <a:rPr lang="en-US" smtClean="0"/>
+              <a:rPr lang="en-US"/>
               <a:t>Edit Master text styles</a:t>
             </a:r>
           </a:p>
@@ -4407,10 +4383,9 @@
           <a:lstStyle/>
           <a:p>
             <a:r>
-              <a:rPr lang="en-US" smtClean="0"/>
+              <a:rPr lang="en-US"/>
               <a:t>Click to edit Master title style</a:t>
             </a:r>
-            <a:endParaRPr lang="en-US"/>
           </a:p>
         </p:txBody>
       </p:sp>
@@ -4441,38 +4416,37 @@
           <a:p>
             <a:pPr lvl="0"/>
             <a:r>
-              <a:rPr lang="en-US" smtClean="0"/>
+              <a:rPr lang="en-US"/>
               <a:t>Edit Master text styles</a:t>
             </a:r>
           </a:p>
           <a:p>
             <a:pPr lvl="1"/>
             <a:r>
-              <a:rPr lang="en-US" smtClean="0"/>
+              <a:rPr lang="en-US"/>
               <a:t>Second level</a:t>
             </a:r>
           </a:p>
           <a:p>
             <a:pPr lvl="2"/>
             <a:r>
-              <a:rPr lang="en-US" smtClean="0"/>
+              <a:rPr lang="en-US"/>
               <a:t>Third level</a:t>
             </a:r>
           </a:p>
           <a:p>
             <a:pPr lvl="3"/>
             <a:r>
-              <a:rPr lang="en-US" smtClean="0"/>
+              <a:rPr lang="en-US"/>
               <a:t>Fourth level</a:t>
             </a:r>
           </a:p>
           <a:p>
             <a:pPr lvl="4"/>
             <a:r>
-              <a:rPr lang="en-US" smtClean="0"/>
+              <a:rPr lang="en-US"/>
               <a:t>Fifth level</a:t>
             </a:r>
-            <a:endParaRPr lang="en-US"/>
           </a:p>
         </p:txBody>
       </p:sp>
@@ -4972,18 +4946,13 @@
           <a:p>
             <a:pPr algn="ctr"/>
             <a:r>
-              <a:rPr lang="en-US" sz="6000" smtClean="0">
+              <a:rPr lang="en-US" sz="6000">
                 <a:solidFill>
                   <a:schemeClr val="bg1"/>
                 </a:solidFill>
               </a:rPr>
               <a:t>REACT HOOKS</a:t>
             </a:r>
-            <a:endParaRPr lang="en-US" sz="6000">
-              <a:solidFill>
-                <a:schemeClr val="bg1"/>
-              </a:solidFill>
-            </a:endParaRPr>
           </a:p>
         </p:txBody>
       </p:sp>
@@ -4997,13 +4966,6 @@
   <p:clrMapOvr>
     <a:masterClrMapping/>
   </p:clrMapOvr>
-  <p:timing>
-    <p:tnLst>
-      <p:par>
-        <p:cTn id="1" dur="indefinite" restart="never" nodeType="tmRoot"/>
-      </p:par>
-    </p:tnLst>
-  </p:timing>
 </p:sld>
 </file>
 
@@ -5046,13 +5008,8 @@
           <a:p>
             <a:r>
               <a:rPr lang="en-US"/>
-              <a:t>4</a:t>
-            </a:r>
-            <a:r>
-              <a:rPr lang="en-US" smtClean="0"/>
-              <a:t>. How to use Hooks</a:t>
-            </a:r>
-            <a:endParaRPr lang="en-US"/>
+              <a:t>4. How to use Hooks</a:t>
+            </a:r>
           </a:p>
         </p:txBody>
       </p:sp>
@@ -5080,11 +5037,11 @@
               <a:buNone/>
             </a:pPr>
             <a:r>
-              <a:rPr lang="en-US" smtClean="0"/>
+              <a:rPr lang="en-US"/>
               <a:t>1. </a:t>
             </a:r>
             <a:r>
-              <a:rPr lang="en-US" err="1" smtClean="0"/>
+              <a:rPr lang="en-US" err="1"/>
               <a:t>useState</a:t>
             </a:r>
             <a:endParaRPr lang="en-US"/>
@@ -5281,18 +5238,13 @@
           <a:lstStyle/>
           <a:p>
             <a:r>
-              <a:rPr lang="en-US" smtClean="0">
+              <a:rPr lang="en-US">
                 <a:solidFill>
                   <a:schemeClr val="bg1"/>
                 </a:solidFill>
               </a:rPr>
               <a:t>AGENDA</a:t>
             </a:r>
-            <a:endParaRPr lang="en-US">
-              <a:solidFill>
-                <a:schemeClr val="bg1"/>
-              </a:solidFill>
-            </a:endParaRPr>
           </a:p>
         </p:txBody>
       </p:sp>
@@ -5326,7 +5278,7 @@
               <a:buAutoNum type="arabicPeriod"/>
             </a:pPr>
             <a:r>
-              <a:rPr lang="en-US" sz="3200" dirty="0" smtClean="0"/>
+              <a:rPr lang="en-US" sz="3200" dirty="0"/>
               <a:t>Introduction</a:t>
             </a:r>
           </a:p>
@@ -5339,7 +5291,7 @@
               <a:buAutoNum type="arabicPeriod"/>
             </a:pPr>
             <a:r>
-              <a:rPr lang="en-US" sz="3200" dirty="0" smtClean="0"/>
+              <a:rPr lang="en-US" sz="3200" dirty="0"/>
               <a:t>Class Components</a:t>
             </a:r>
           </a:p>
@@ -5352,8 +5304,8 @@
               <a:buAutoNum type="arabicPeriod"/>
             </a:pPr>
             <a:r>
-              <a:rPr lang="en-US" sz="3200" dirty="0" smtClean="0"/>
-              <a:t>Function Components</a:t>
+              <a:rPr lang="en-US" sz="3200" dirty="0"/>
+              <a:t>Function Components with Hooks</a:t>
             </a:r>
           </a:p>
           <a:p>
@@ -5365,7 +5317,7 @@
               <a:buAutoNum type="arabicPeriod"/>
             </a:pPr>
             <a:r>
-              <a:rPr lang="en-US" sz="3200" dirty="0" smtClean="0"/>
+              <a:rPr lang="en-US" sz="3200" dirty="0"/>
               <a:t>Conclusion &amp; demo</a:t>
             </a:r>
           </a:p>
@@ -5870,18 +5822,13 @@
           <a:lstStyle/>
           <a:p>
             <a:r>
-              <a:rPr lang="en-US" smtClean="0">
+              <a:rPr lang="en-US">
                 <a:solidFill>
                   <a:schemeClr val="bg1"/>
                 </a:solidFill>
               </a:rPr>
               <a:t>1. Introduction</a:t>
             </a:r>
-            <a:endParaRPr lang="en-US">
-              <a:solidFill>
-                <a:schemeClr val="bg1"/>
-              </a:solidFill>
-            </a:endParaRPr>
           </a:p>
         </p:txBody>
       </p:sp>
@@ -5908,15 +5855,15 @@
               </a:lnSpc>
             </a:pPr>
             <a:r>
-              <a:rPr lang="en-US" dirty="0" smtClean="0"/>
+              <a:rPr lang="en-US" dirty="0"/>
               <a:t>Hooks are </a:t>
             </a:r>
             <a:r>
-              <a:rPr lang="en-US" b="1" dirty="0" smtClean="0"/>
+              <a:rPr lang="en-US" b="1" dirty="0"/>
               <a:t>functions</a:t>
             </a:r>
             <a:r>
-              <a:rPr lang="en-US" dirty="0" smtClean="0"/>
+              <a:rPr lang="en-US" dirty="0"/>
               <a:t>.</a:t>
             </a:r>
           </a:p>
@@ -5927,35 +5874,35 @@
               </a:lnSpc>
             </a:pPr>
             <a:r>
-              <a:rPr lang="en-US" b="1" dirty="0" smtClean="0"/>
+              <a:rPr lang="en-US" b="1" dirty="0"/>
               <a:t>Use state</a:t>
             </a:r>
             <a:r>
-              <a:rPr lang="en-US" dirty="0" smtClean="0"/>
+              <a:rPr lang="en-US" dirty="0"/>
               <a:t> and </a:t>
             </a:r>
             <a:r>
-              <a:rPr lang="en-US" b="1" dirty="0" smtClean="0"/>
+              <a:rPr lang="en-US" b="1" dirty="0"/>
               <a:t>lifecycle features </a:t>
             </a:r>
             <a:r>
-              <a:rPr lang="en-US" dirty="0" smtClean="0"/>
+              <a:rPr lang="en-US" dirty="0"/>
               <a:t>from </a:t>
             </a:r>
             <a:r>
-              <a:rPr lang="en-US" b="1" dirty="0" smtClean="0"/>
+              <a:rPr lang="en-US" b="1" dirty="0"/>
               <a:t>function components without</a:t>
             </a:r>
             <a:r>
-              <a:rPr lang="en-US" dirty="0" smtClean="0"/>
+              <a:rPr lang="en-US" dirty="0"/>
               <a:t> writing a </a:t>
             </a:r>
             <a:r>
-              <a:rPr lang="en-US" b="1" dirty="0" smtClean="0"/>
+              <a:rPr lang="en-US" b="1" dirty="0"/>
               <a:t>class</a:t>
             </a:r>
             <a:r>
-              <a:rPr lang="en-US" dirty="0" smtClean="0"/>
+              <a:rPr lang="en-US" dirty="0"/>
               <a:t>.</a:t>
             </a:r>
           </a:p>
@@ -5966,23 +5913,23 @@
               </a:lnSpc>
             </a:pPr>
             <a:r>
-              <a:rPr lang="en-US" dirty="0" smtClean="0"/>
+              <a:rPr lang="en-US" dirty="0"/>
               <a:t>Available in </a:t>
             </a:r>
             <a:r>
-              <a:rPr lang="en-US" b="1" dirty="0" smtClean="0"/>
+              <a:rPr lang="en-US" b="1" dirty="0"/>
               <a:t>16.8</a:t>
             </a:r>
             <a:r>
-              <a:rPr lang="en-US" dirty="0" smtClean="0"/>
+              <a:rPr lang="en-US" dirty="0"/>
               <a:t> and </a:t>
             </a:r>
             <a:r>
-              <a:rPr lang="en-US" b="1" dirty="0" smtClean="0"/>
+              <a:rPr lang="en-US" b="1" dirty="0"/>
               <a:t>above</a:t>
             </a:r>
             <a:r>
-              <a:rPr lang="en-US" dirty="0" smtClean="0"/>
+              <a:rPr lang="en-US" dirty="0"/>
               <a:t>.</a:t>
             </a:r>
           </a:p>
@@ -5993,30 +5940,30 @@
               </a:lnSpc>
             </a:pPr>
             <a:r>
-              <a:rPr lang="en-US" dirty="0" smtClean="0"/>
+              <a:rPr lang="en-US" dirty="0"/>
               <a:t>Some basic Hooks: </a:t>
             </a:r>
             <a:r>
-              <a:rPr lang="en-US" b="1" i="1" dirty="0" err="1" smtClean="0"/>
+              <a:rPr lang="en-US" b="1" i="1" dirty="0" err="1"/>
               <a:t>useState</a:t>
             </a:r>
             <a:r>
-              <a:rPr lang="en-US" b="1" i="1" dirty="0" smtClean="0"/>
+              <a:rPr lang="en-US" b="1" i="1" dirty="0"/>
               <a:t>, </a:t>
             </a:r>
             <a:r>
-              <a:rPr lang="en-US" b="1" i="1" dirty="0" err="1" smtClean="0"/>
+              <a:rPr lang="en-US" b="1" i="1" dirty="0" err="1"/>
               <a:t>useEffect</a:t>
             </a:r>
             <a:r>
-              <a:rPr lang="en-US" b="1" i="1" dirty="0" smtClean="0"/>
+              <a:rPr lang="en-US" b="1" i="1" dirty="0"/>
               <a:t>, </a:t>
             </a:r>
             <a:r>
-              <a:rPr lang="en-US" b="1" i="1" dirty="0" err="1" smtClean="0"/>
+              <a:rPr lang="en-US" b="1" i="1" dirty="0" err="1"/>
               <a:t>useContext</a:t>
             </a:r>
-            <a:endParaRPr lang="en-US" b="1" i="1" dirty="0" smtClean="0"/>
+            <a:endParaRPr lang="en-US" b="1" i="1" dirty="0"/>
           </a:p>
           <a:p>
             <a:pPr>
@@ -6025,26 +5972,26 @@
               </a:lnSpc>
             </a:pPr>
             <a:r>
-              <a:rPr lang="en-US" dirty="0" smtClean="0"/>
+              <a:rPr lang="en-US" dirty="0"/>
               <a:t>Additional Hooks: </a:t>
             </a:r>
             <a:r>
-              <a:rPr lang="en-US" i="1" dirty="0" err="1" smtClean="0"/>
+              <a:rPr lang="en-US" i="1" dirty="0" err="1"/>
               <a:t>useMemo</a:t>
             </a:r>
             <a:r>
-              <a:rPr lang="en-US" i="1" dirty="0" smtClean="0"/>
+              <a:rPr lang="en-US" i="1" dirty="0"/>
               <a:t>, </a:t>
             </a:r>
             <a:r>
-              <a:rPr lang="en-US" i="1" dirty="0" err="1" smtClean="0"/>
+              <a:rPr lang="en-US" i="1" dirty="0" err="1"/>
               <a:t>useReducer</a:t>
             </a:r>
             <a:r>
-              <a:rPr lang="en-US" i="1" dirty="0" smtClean="0"/>
+              <a:rPr lang="en-US" i="1" dirty="0"/>
               <a:t>…</a:t>
             </a:r>
-            <a:endParaRPr lang="en-US" dirty="0" smtClean="0"/>
+            <a:endParaRPr lang="en-US" dirty="0"/>
           </a:p>
         </p:txBody>
       </p:sp>
@@ -6655,21 +6602,8 @@
                   <a:schemeClr val="bg1"/>
                 </a:solidFill>
               </a:rPr>
-              <a:t>2</a:t>
-            </a:r>
-            <a:r>
-              <a:rPr lang="en-US" dirty="0" smtClean="0">
-                <a:solidFill>
-                  <a:schemeClr val="bg1"/>
-                </a:solidFill>
-              </a:rPr>
-              <a:t>. Class Components</a:t>
-            </a:r>
-            <a:endParaRPr lang="en-US" dirty="0">
-              <a:solidFill>
-                <a:schemeClr val="bg1"/>
-              </a:solidFill>
-            </a:endParaRPr>
+              <a:t>2. Class Components</a:t>
+            </a:r>
           </a:p>
         </p:txBody>
       </p:sp>
@@ -6696,7 +6630,7 @@
               </a:lnSpc>
             </a:pPr>
             <a:r>
-              <a:rPr lang="en-US" sz="3600" smtClean="0"/>
+              <a:rPr lang="en-US" sz="3600" dirty="0"/>
               <a:t>Huge components</a:t>
             </a:r>
           </a:p>
@@ -6707,7 +6641,7 @@
               </a:lnSpc>
             </a:pPr>
             <a:r>
-              <a:rPr lang="en-US" sz="3600" smtClean="0"/>
+              <a:rPr lang="en-US" sz="3600" dirty="0"/>
               <a:t>Duplicated logic</a:t>
             </a:r>
           </a:p>
@@ -6718,10 +6652,9 @@
               </a:lnSpc>
             </a:pPr>
             <a:r>
-              <a:rPr lang="en-US" sz="3600" smtClean="0"/>
+              <a:rPr lang="en-US" sz="3600" dirty="0"/>
               <a:t>Complex patterns</a:t>
             </a:r>
-            <a:endParaRPr lang="en-US" sz="3600" dirty="0" smtClean="0"/>
           </a:p>
         </p:txBody>
       </p:sp>
@@ -7121,18 +7054,69 @@
           <a:lstStyle/>
           <a:p>
             <a:r>
-              <a:rPr lang="en-US" smtClean="0">
+              <a:rPr lang="en-US" dirty="0">
                 <a:solidFill>
                   <a:schemeClr val="bg1"/>
                 </a:solidFill>
               </a:rPr>
-              <a:t>2. Function Components</a:t>
-            </a:r>
-            <a:endParaRPr lang="en-US">
-              <a:solidFill>
-                <a:schemeClr val="bg1"/>
-              </a:solidFill>
-            </a:endParaRPr>
+              <a:t>2. Function components with Hooks</a:t>
+            </a:r>
+          </a:p>
+        </p:txBody>
+      </p:sp>
+      <p:sp>
+        <p:nvSpPr>
+          <p:cNvPr id="3" name="Content Placeholder 2">
+            <a:extLst>
+              <a:ext uri="{FF2B5EF4-FFF2-40B4-BE49-F238E27FC236}">
+                <a16:creationId xmlns:a16="http://schemas.microsoft.com/office/drawing/2014/main" id="{2477ACA9-4BDF-409C-865E-7649FF4968A9}"/>
+              </a:ext>
+            </a:extLst>
+          </p:cNvPr>
+          <p:cNvSpPr>
+            <a:spLocks noGrp="1"/>
+          </p:cNvSpPr>
+          <p:nvPr>
+            <p:ph idx="1"/>
+          </p:nvPr>
+        </p:nvSpPr>
+        <p:spPr>
+          <a:xfrm>
+            <a:off x="838200" y="1825625"/>
+            <a:ext cx="10515600" cy="4351338"/>
+          </a:xfrm>
+        </p:spPr>
+        <p:txBody>
+          <a:bodyPr>
+            <a:normAutofit/>
+          </a:bodyPr>
+          <a:lstStyle/>
+          <a:p>
+            <a:pPr>
+              <a:lnSpc>
+                <a:spcPct val="150000"/>
+              </a:lnSpc>
+            </a:pPr>
+            <a:r>
+              <a:rPr lang="en-US" sz="3600" dirty="0"/>
+              <a:t>Logic inside a component can reusable isolated units.</a:t>
+            </a:r>
+          </a:p>
+          <a:p>
+            <a:pPr>
+              <a:lnSpc>
+                <a:spcPct val="150000"/>
+              </a:lnSpc>
+            </a:pPr>
+            <a:endParaRPr lang="en-US" sz="3600" dirty="0"/>
+          </a:p>
+          <a:p>
+            <a:pPr>
+              <a:lnSpc>
+                <a:spcPct val="150000"/>
+              </a:lnSpc>
+            </a:pPr>
+            <a:endParaRPr lang="en-US" sz="3600" dirty="0"/>
           </a:p>
         </p:txBody>
       </p:sp>
@@ -7149,9 +7133,138 @@
   <p:timing>
     <p:tnLst>
       <p:par>
-        <p:cTn id="1" dur="indefinite" restart="never" nodeType="tmRoot"/>
+        <p:cTn id="1" dur="indefinite" restart="never" nodeType="tmRoot">
+          <p:childTnLst>
+            <p:seq concurrent="1" nextAc="seek">
+              <p:cTn id="2" dur="indefinite" nodeType="mainSeq">
+                <p:childTnLst>
+                  <p:par>
+                    <p:cTn id="3" fill="hold">
+                      <p:stCondLst>
+                        <p:cond delay="indefinite"/>
+                      </p:stCondLst>
+                      <p:childTnLst>
+                        <p:par>
+                          <p:cTn id="4" fill="hold">
+                            <p:stCondLst>
+                              <p:cond delay="0"/>
+                            </p:stCondLst>
+                            <p:childTnLst>
+                              <p:par>
+                                <p:cTn id="5" presetID="2" presetClass="entr" presetSubtype="4" fill="hold" grpId="0" nodeType="clickEffect">
+                                  <p:stCondLst>
+                                    <p:cond delay="0"/>
+                                  </p:stCondLst>
+                                  <p:childTnLst>
+                                    <p:set>
+                                      <p:cBhvr>
+                                        <p:cTn id="6" dur="1" fill="hold">
+                                          <p:stCondLst>
+                                            <p:cond delay="0"/>
+                                          </p:stCondLst>
+                                        </p:cTn>
+                                        <p:tgtEl>
+                                          <p:spTgt spid="3">
+                                            <p:txEl>
+                                              <p:pRg st="0" end="0"/>
+                                            </p:txEl>
+                                          </p:spTgt>
+                                        </p:tgtEl>
+                                        <p:attrNameLst>
+                                          <p:attrName>style.visibility</p:attrName>
+                                        </p:attrNameLst>
+                                      </p:cBhvr>
+                                      <p:to>
+                                        <p:strVal val="visible"/>
+                                      </p:to>
+                                    </p:set>
+                                    <p:anim calcmode="lin" valueType="num">
+                                      <p:cBhvr additive="base">
+                                        <p:cTn id="7" dur="500" fill="hold"/>
+                                        <p:tgtEl>
+                                          <p:spTgt spid="3">
+                                            <p:txEl>
+                                              <p:pRg st="0" end="0"/>
+                                            </p:txEl>
+                                          </p:spTgt>
+                                        </p:tgtEl>
+                                        <p:attrNameLst>
+                                          <p:attrName>ppt_x</p:attrName>
+                                        </p:attrNameLst>
+                                      </p:cBhvr>
+                                      <p:tavLst>
+                                        <p:tav tm="0">
+                                          <p:val>
+                                            <p:strVal val="#ppt_x"/>
+                                          </p:val>
+                                        </p:tav>
+                                        <p:tav tm="100000">
+                                          <p:val>
+                                            <p:strVal val="#ppt_x"/>
+                                          </p:val>
+                                        </p:tav>
+                                      </p:tavLst>
+                                    </p:anim>
+                                    <p:anim calcmode="lin" valueType="num">
+                                      <p:cBhvr additive="base">
+                                        <p:cTn id="8" dur="500" fill="hold"/>
+                                        <p:tgtEl>
+                                          <p:spTgt spid="3">
+                                            <p:txEl>
+                                              <p:pRg st="0" end="0"/>
+                                            </p:txEl>
+                                          </p:spTgt>
+                                        </p:tgtEl>
+                                        <p:attrNameLst>
+                                          <p:attrName>ppt_y</p:attrName>
+                                        </p:attrNameLst>
+                                      </p:cBhvr>
+                                      <p:tavLst>
+                                        <p:tav tm="0">
+                                          <p:val>
+                                            <p:strVal val="1+#ppt_h/2"/>
+                                          </p:val>
+                                        </p:tav>
+                                        <p:tav tm="100000">
+                                          <p:val>
+                                            <p:strVal val="#ppt_y"/>
+                                          </p:val>
+                                        </p:tav>
+                                      </p:tavLst>
+                                    </p:anim>
+                                  </p:childTnLst>
+                                </p:cTn>
+                              </p:par>
+                            </p:childTnLst>
+                          </p:cTn>
+                        </p:par>
+                      </p:childTnLst>
+                    </p:cTn>
+                  </p:par>
+                </p:childTnLst>
+              </p:cTn>
+              <p:prevCondLst>
+                <p:cond evt="onPrev" delay="0">
+                  <p:tgtEl>
+                    <p:sldTgt/>
+                  </p:tgtEl>
+                </p:cond>
+              </p:prevCondLst>
+              <p:nextCondLst>
+                <p:cond evt="onNext" delay="0">
+                  <p:tgtEl>
+                    <p:sldTgt/>
+                  </p:tgtEl>
+                </p:cond>
+              </p:nextCondLst>
+            </p:seq>
+          </p:childTnLst>
+        </p:cTn>
       </p:par>
     </p:tnLst>
+    <p:bldLst>
+      <p:bldP spid="3" grpId="0" build="p"/>
+    </p:bldLst>
   </p:timing>
 </p:sld>
 </file>
@@ -7194,10 +7307,9 @@
           <a:lstStyle/>
           <a:p>
             <a:r>
-              <a:rPr lang="en-US" smtClean="0"/>
+              <a:rPr lang="en-US"/>
               <a:t>3. When to use Hooks?</a:t>
             </a:r>
-            <a:endParaRPr lang="en-US"/>
           </a:p>
         </p:txBody>
       </p:sp>
@@ -7224,12 +7336,8 @@
               </a:lnSpc>
             </a:pPr>
             <a:r>
-              <a:rPr lang="en-US"/>
-              <a:t>If you write a function component and realize you need to add some state to it, previously you had to convert it to a class. Now you can use a Hook inside the existing function component</a:t>
-            </a:r>
-            <a:r>
-              <a:rPr lang="en-US" smtClean="0"/>
-              <a:t>.</a:t>
+              <a:rPr lang="en-US" dirty="0"/>
+              <a:t>If you write a function component and realize you need to add some state to it, previously you had to convert it to a class. Now you can use a Hook inside the existing function component.</a:t>
             </a:r>
           </a:p>
           <a:p>
@@ -7239,7 +7347,7 @@
               </a:lnSpc>
             </a:pPr>
             <a:r>
-              <a:rPr lang="en-US" sz="2400" b="1" smtClean="0"/>
+              <a:rPr lang="en-US" sz="2400" b="1" dirty="0"/>
               <a:t>Add state</a:t>
             </a:r>
           </a:p>
@@ -7250,7 +7358,7 @@
               </a:lnSpc>
             </a:pPr>
             <a:r>
-              <a:rPr lang="en-US" sz="2400" b="1" smtClean="0"/>
+              <a:rPr lang="en-US" sz="2400" b="1" dirty="0"/>
               <a:t>Convert to class</a:t>
             </a:r>
           </a:p>
@@ -7261,10 +7369,9 @@
               </a:lnSpc>
             </a:pPr>
             <a:r>
-              <a:rPr lang="en-US" sz="2400" b="1" smtClean="0"/>
+              <a:rPr lang="en-US" sz="2400" b="1" dirty="0"/>
               <a:t>Inside existing component</a:t>
             </a:r>
-            <a:endParaRPr lang="en-US" sz="2400" b="1"/>
           </a:p>
         </p:txBody>
       </p:sp>
@@ -7765,13 +7872,8 @@
           <a:p>
             <a:r>
               <a:rPr lang="en-US"/>
-              <a:t>4</a:t>
-            </a:r>
-            <a:r>
-              <a:rPr lang="en-US" smtClean="0"/>
-              <a:t>. How to use Hooks?</a:t>
-            </a:r>
-            <a:endParaRPr lang="en-US"/>
+              <a:t>4. How to use Hooks?</a:t>
+            </a:r>
           </a:p>
         </p:txBody>
       </p:sp>
@@ -7799,68 +7901,40 @@
               <a:buNone/>
             </a:pPr>
             <a:r>
-              <a:rPr lang="en-US" b="1" smtClean="0"/>
+              <a:rPr lang="en-US" b="1"/>
               <a:t>4.1 Rules of Hooks</a:t>
             </a:r>
-            <a:r>
-              <a:rPr lang="en-US" sz="2400" b="1" smtClean="0"/>
-              <a:t/>
-            </a:r>
             <a:br>
-              <a:rPr lang="en-US" sz="2400" b="1" smtClean="0"/>
+              <a:rPr lang="en-US" sz="2400" b="1"/>
             </a:br>
             <a:r>
-              <a:rPr lang="en-US" sz="2400" smtClean="0"/>
-              <a:t>- Only </a:t>
-            </a:r>
-            <a:r>
               <a:rPr lang="en-US" sz="2400"/>
-              <a:t>Call Hooks at the Top </a:t>
-            </a:r>
-            <a:r>
-              <a:rPr lang="en-US" sz="2400" smtClean="0"/>
-              <a:t>Level: </a:t>
+              <a:t>- Only Call Hooks at the Top Level: </a:t>
             </a:r>
             <a:r>
               <a:rPr lang="en-US" sz="2400" b="1"/>
               <a:t>Don’t call Hooks inside loops, conditions, or nested functions.</a:t>
             </a:r>
-            <a:r>
-              <a:rPr lang="en-US" sz="2400" smtClean="0"/>
-              <a:t/>
-            </a:r>
             <a:br>
-              <a:rPr lang="en-US" sz="2400" smtClean="0"/>
+              <a:rPr lang="en-US" sz="2400"/>
             </a:br>
             <a:r>
-              <a:rPr lang="en-US" sz="2400" smtClean="0"/>
+              <a:rPr lang="en-US" sz="2400"/>
               <a:t>- </a:t>
             </a:r>
             <a:r>
-              <a:rPr lang="en-US" smtClean="0"/>
-              <a:t>Only </a:t>
-            </a:r>
-            <a:r>
               <a:rPr lang="en-US"/>
-              <a:t>call Hooks from React functions or custom hooks </a:t>
-            </a:r>
-            <a:r>
-              <a:rPr lang="en-US" sz="2400" smtClean="0"/>
+              <a:t>Only call Hooks from React functions or custom hooks </a:t>
+            </a:r>
+            <a:r>
+              <a:rPr lang="en-US" sz="2400"/>
               <a:t>:</a:t>
             </a:r>
             <a:r>
-              <a:rPr lang="en-US" sz="2400" b="1" smtClean="0"/>
-              <a:t> </a:t>
-            </a:r>
-            <a:r>
               <a:rPr lang="en-US" sz="2400" b="1"/>
-              <a:t>Don’t call Hooks from regular JavaScript functions</a:t>
-            </a:r>
-            <a:r>
-              <a:rPr lang="en-US" sz="2400" b="1" smtClean="0"/>
-              <a:t>.</a:t>
-            </a:r>
-            <a:endParaRPr lang="en-US" sz="2400" smtClean="0"/>
+              <a:t> Don’t call Hooks from regular JavaScript functions.</a:t>
+            </a:r>
+            <a:endParaRPr lang="en-US" sz="2400"/>
           </a:p>
           <a:p>
             <a:pPr marL="457200" indent="-457200">
@@ -8062,13 +8136,8 @@
           <a:p>
             <a:r>
               <a:rPr lang="en-US"/>
-              <a:t>4</a:t>
-            </a:r>
-            <a:r>
-              <a:rPr lang="en-US" smtClean="0"/>
-              <a:t>. How to use Hooks?</a:t>
-            </a:r>
-            <a:endParaRPr lang="en-US"/>
+              <a:t>4. How to use Hooks?</a:t>
+            </a:r>
           </a:p>
         </p:txBody>
       </p:sp>
@@ -8096,14 +8165,14 @@
               <a:buNone/>
             </a:pPr>
             <a:r>
-              <a:rPr lang="en-US" b="1" smtClean="0"/>
+              <a:rPr lang="en-US" b="1"/>
               <a:t>4.2 Using The State Hooks.</a:t>
             </a:r>
             <a:br>
-              <a:rPr lang="en-US" b="1" smtClean="0"/>
+              <a:rPr lang="en-US" b="1"/>
             </a:br>
             <a:r>
-              <a:rPr lang="en-US" b="1" smtClean="0"/>
+              <a:rPr lang="en-US" b="1"/>
               <a:t>	</a:t>
             </a:r>
           </a:p>
@@ -8297,13 +8366,8 @@
           <a:p>
             <a:r>
               <a:rPr lang="en-US"/>
-              <a:t>4</a:t>
-            </a:r>
-            <a:r>
-              <a:rPr lang="en-US" smtClean="0"/>
-              <a:t>. How to use Hooks?</a:t>
-            </a:r>
-            <a:endParaRPr lang="en-US"/>
+              <a:t>4. How to use Hooks?</a:t>
+            </a:r>
           </a:p>
         </p:txBody>
       </p:sp>
@@ -8331,17 +8395,13 @@
               <a:buAutoNum type="alphaLcPeriod"/>
             </a:pPr>
             <a:r>
-              <a:rPr lang="en-US" b="1" err="1" smtClean="0"/>
+              <a:rPr lang="en-US" b="1" err="1"/>
               <a:t>useState</a:t>
             </a:r>
-            <a:r>
-              <a:rPr lang="en-US" b="1" smtClean="0"/>
-              <a:t/>
-            </a:r>
             <a:br>
-              <a:rPr lang="en-US" b="1" smtClean="0"/>
+              <a:rPr lang="en-US" b="1"/>
             </a:br>
-            <a:endParaRPr lang="en-US" smtClean="0"/>
+            <a:endParaRPr lang="en-US"/>
           </a:p>
           <a:p>
             <a:pPr marL="0" indent="0">

--- a/ReactHooks.pptx
+++ b/ReactHooks.pptx
@@ -2,25 +2,24 @@
 <file path=ppt/presentation.xml><?xml version="1.0" encoding="utf-8"?>
 <p:presentation xmlns:a="http://schemas.openxmlformats.org/drawingml/2006/main" xmlns:r="http://schemas.openxmlformats.org/officeDocument/2006/relationships" xmlns:p="http://schemas.openxmlformats.org/presentationml/2006/main" showSpecialPlsOnTitleSld="0" saveSubsetFonts="1">
   <p:sldMasterIdLst>
-    <p:sldMasterId id="2147483648" r:id="rId1"/>
+    <p:sldMasterId id="2147483672" r:id="rId1"/>
   </p:sldMasterIdLst>
   <p:notesMasterIdLst>
-    <p:notesMasterId r:id="rId12"/>
+    <p:notesMasterId r:id="rId11"/>
   </p:notesMasterIdLst>
   <p:handoutMasterIdLst>
-    <p:handoutMasterId r:id="rId13"/>
+    <p:handoutMasterId r:id="rId12"/>
   </p:handoutMasterIdLst>
   <p:sldIdLst>
     <p:sldId id="269" r:id="rId2"/>
     <p:sldId id="268" r:id="rId3"/>
-    <p:sldId id="257" r:id="rId4"/>
-    <p:sldId id="274" r:id="rId5"/>
-    <p:sldId id="273" r:id="rId6"/>
-    <p:sldId id="261" r:id="rId7"/>
-    <p:sldId id="262" r:id="rId8"/>
-    <p:sldId id="264" r:id="rId9"/>
-    <p:sldId id="265" r:id="rId10"/>
-    <p:sldId id="266" r:id="rId11"/>
+    <p:sldId id="274" r:id="rId4"/>
+    <p:sldId id="257" r:id="rId5"/>
+    <p:sldId id="275" r:id="rId6"/>
+    <p:sldId id="277" r:id="rId7"/>
+    <p:sldId id="276" r:id="rId8"/>
+    <p:sldId id="278" r:id="rId9"/>
+    <p:sldId id="279" r:id="rId10"/>
   </p:sldIdLst>
   <p:sldSz cx="12192000" cy="6858000"/>
   <p:notesSz cx="6858000" cy="9144000"/>
@@ -28,7 +27,7 @@
     <a:defPPr>
       <a:defRPr lang="en-US"/>
     </a:defPPr>
-    <a:lvl1pPr marL="0" algn="l" defTabSz="914400" rtl="0" eaLnBrk="1" latinLnBrk="0" hangingPunct="1">
+    <a:lvl1pPr marL="0" algn="l" defTabSz="457200" rtl="0" eaLnBrk="1" latinLnBrk="0" hangingPunct="1">
       <a:defRPr sz="1800" kern="1200">
         <a:solidFill>
           <a:schemeClr val="tx1"/>
@@ -38,7 +37,7 @@
         <a:cs typeface="+mn-cs"/>
       </a:defRPr>
     </a:lvl1pPr>
-    <a:lvl2pPr marL="457200" algn="l" defTabSz="914400" rtl="0" eaLnBrk="1" latinLnBrk="0" hangingPunct="1">
+    <a:lvl2pPr marL="457200" algn="l" defTabSz="457200" rtl="0" eaLnBrk="1" latinLnBrk="0" hangingPunct="1">
       <a:defRPr sz="1800" kern="1200">
         <a:solidFill>
           <a:schemeClr val="tx1"/>
@@ -48,7 +47,7 @@
         <a:cs typeface="+mn-cs"/>
       </a:defRPr>
     </a:lvl2pPr>
-    <a:lvl3pPr marL="914400" algn="l" defTabSz="914400" rtl="0" eaLnBrk="1" latinLnBrk="0" hangingPunct="1">
+    <a:lvl3pPr marL="914400" algn="l" defTabSz="457200" rtl="0" eaLnBrk="1" latinLnBrk="0" hangingPunct="1">
       <a:defRPr sz="1800" kern="1200">
         <a:solidFill>
           <a:schemeClr val="tx1"/>
@@ -58,7 +57,7 @@
         <a:cs typeface="+mn-cs"/>
       </a:defRPr>
     </a:lvl3pPr>
-    <a:lvl4pPr marL="1371600" algn="l" defTabSz="914400" rtl="0" eaLnBrk="1" latinLnBrk="0" hangingPunct="1">
+    <a:lvl4pPr marL="1371600" algn="l" defTabSz="457200" rtl="0" eaLnBrk="1" latinLnBrk="0" hangingPunct="1">
       <a:defRPr sz="1800" kern="1200">
         <a:solidFill>
           <a:schemeClr val="tx1"/>
@@ -68,7 +67,7 @@
         <a:cs typeface="+mn-cs"/>
       </a:defRPr>
     </a:lvl4pPr>
-    <a:lvl5pPr marL="1828800" algn="l" defTabSz="914400" rtl="0" eaLnBrk="1" latinLnBrk="0" hangingPunct="1">
+    <a:lvl5pPr marL="1828800" algn="l" defTabSz="457200" rtl="0" eaLnBrk="1" latinLnBrk="0" hangingPunct="1">
       <a:defRPr sz="1800" kern="1200">
         <a:solidFill>
           <a:schemeClr val="tx1"/>
@@ -78,7 +77,7 @@
         <a:cs typeface="+mn-cs"/>
       </a:defRPr>
     </a:lvl5pPr>
-    <a:lvl6pPr marL="2286000" algn="l" defTabSz="914400" rtl="0" eaLnBrk="1" latinLnBrk="0" hangingPunct="1">
+    <a:lvl6pPr marL="2286000" algn="l" defTabSz="457200" rtl="0" eaLnBrk="1" latinLnBrk="0" hangingPunct="1">
       <a:defRPr sz="1800" kern="1200">
         <a:solidFill>
           <a:schemeClr val="tx1"/>
@@ -88,7 +87,7 @@
         <a:cs typeface="+mn-cs"/>
       </a:defRPr>
     </a:lvl6pPr>
-    <a:lvl7pPr marL="2743200" algn="l" defTabSz="914400" rtl="0" eaLnBrk="1" latinLnBrk="0" hangingPunct="1">
+    <a:lvl7pPr marL="2743200" algn="l" defTabSz="457200" rtl="0" eaLnBrk="1" latinLnBrk="0" hangingPunct="1">
       <a:defRPr sz="1800" kern="1200">
         <a:solidFill>
           <a:schemeClr val="tx1"/>
@@ -98,7 +97,7 @@
         <a:cs typeface="+mn-cs"/>
       </a:defRPr>
     </a:lvl7pPr>
-    <a:lvl8pPr marL="3200400" algn="l" defTabSz="914400" rtl="0" eaLnBrk="1" latinLnBrk="0" hangingPunct="1">
+    <a:lvl8pPr marL="3200400" algn="l" defTabSz="457200" rtl="0" eaLnBrk="1" latinLnBrk="0" hangingPunct="1">
       <a:defRPr sz="1800" kern="1200">
         <a:solidFill>
           <a:schemeClr val="tx1"/>
@@ -108,7 +107,7 @@
         <a:cs typeface="+mn-cs"/>
       </a:defRPr>
     </a:lvl8pPr>
-    <a:lvl9pPr marL="3657600" algn="l" defTabSz="914400" rtl="0" eaLnBrk="1" latinLnBrk="0" hangingPunct="1">
+    <a:lvl9pPr marL="3657600" algn="l" defTabSz="457200" rtl="0" eaLnBrk="1" latinLnBrk="0" hangingPunct="1">
       <a:defRPr sz="1800" kern="1200">
         <a:solidFill>
           <a:schemeClr val="tx1"/>
@@ -209,7 +208,7 @@
           <a:p>
             <a:fld id="{9178D1A1-91A7-4B77-A692-87D3F8B9A420}" type="datetimeFigureOut">
               <a:rPr lang="en-US" smtClean="0"/>
-              <a:t>5/14/2019</a:t>
+              <a:t>5/17/2019</a:t>
             </a:fld>
             <a:endParaRPr lang="en-US"/>
           </a:p>
@@ -375,7 +374,7 @@
           <a:p>
             <a:fld id="{B4948491-EFE7-41DA-B945-73D2DFE774B9}" type="datetimeFigureOut">
               <a:rPr lang="en-US" smtClean="0"/>
-              <a:t>5/14/2019</a:t>
+              <a:t>5/17/2019</a:t>
             </a:fld>
             <a:endParaRPr lang="en-US"/>
           </a:p>
@@ -662,7 +661,7 @@
       </p:grpSpPr>
       <p:sp>
         <p:nvSpPr>
-          <p:cNvPr id="2" name="Slide Image Placeholder 1"/>
+          <p:cNvPr id="2" name="Chỗ dành sẵn cho Hình ảnh của Bản chiếu 1"/>
           <p:cNvSpPr>
             <a:spLocks noGrp="1" noRot="1" noChangeAspect="1"/>
           </p:cNvSpPr>
@@ -674,7 +673,7 @@
       </p:sp>
       <p:sp>
         <p:nvSpPr>
-          <p:cNvPr id="3" name="Notes Placeholder 2"/>
+          <p:cNvPr id="3" name="Chỗ dành sẵn cho Ghi chú 2"/>
           <p:cNvSpPr>
             <a:spLocks noGrp="1"/>
           </p:cNvSpPr>
@@ -687,16 +686,13 @@
           <a:bodyPr/>
           <a:lstStyle/>
           <a:p>
-            <a:pPr marL="228600" indent="-228600">
-              <a:buAutoNum type="arabicPeriod"/>
-            </a:pPr>
             <a:r>
               <a:rPr lang="en-US" dirty="0"/>
-              <a:t>Talk</a:t>
-            </a:r>
-            <a:r>
-              <a:rPr lang="en-US" baseline="0" dirty="0"/>
-              <a:t> about </a:t>
+              <a:t>Hello everyone, today, ill </a:t>
+            </a:r>
+            <a:r>
+              <a:rPr lang="en-US" dirty="0" err="1"/>
+              <a:t>introd</a:t>
             </a:r>
             <a:endParaRPr lang="en-US" dirty="0"/>
           </a:p>
@@ -704,12 +700,18 @@
       </p:sp>
       <p:sp>
         <p:nvSpPr>
-          <p:cNvPr id="5" name="Slide Number Placeholder 4"/>
-          <p:cNvSpPr>
-            <a:spLocks noGrp="1"/>
-          </p:cNvSpPr>
-          <p:nvPr>
-            <p:ph type="sldNum" sz="quarter" idx="10"/>
+          <p:cNvPr id="6" name="Chỗ dành sẵn cho Số hiệu Bản chiếu 5">
+            <a:extLst>
+              <a:ext uri="{FF2B5EF4-FFF2-40B4-BE49-F238E27FC236}">
+                <a16:creationId xmlns:a16="http://schemas.microsoft.com/office/drawing/2014/main" id="{1824A0A3-5FA7-47FE-89CA-86135AADA6DF}"/>
+              </a:ext>
+            </a:extLst>
+          </p:cNvPr>
+          <p:cNvSpPr>
+            <a:spLocks noGrp="1"/>
+          </p:cNvSpPr>
+          <p:nvPr>
+            <p:ph type="sldNum" sz="quarter" idx="5"/>
           </p:nvPr>
         </p:nvSpPr>
         <p:spPr/>
@@ -719,7 +721,7 @@
           <a:p>
             <a:fld id="{FBF31ECA-FEBF-416A-9457-D684578178CB}" type="slidenum">
               <a:rPr lang="en-US" smtClean="0"/>
-              <a:t>2</a:t>
+              <a:t>1</a:t>
             </a:fld>
             <a:endParaRPr lang="en-US"/>
           </a:p>
@@ -728,7 +730,7 @@
     </p:spTree>
     <p:extLst>
       <p:ext uri="{BB962C8B-B14F-4D97-AF65-F5344CB8AC3E}">
-        <p14:creationId xmlns:p14="http://schemas.microsoft.com/office/powerpoint/2010/main" val="2567672251"/>
+        <p14:creationId xmlns:p14="http://schemas.microsoft.com/office/powerpoint/2010/main" val="3208167836"/>
       </p:ext>
     </p:extLst>
   </p:cSld>
@@ -782,168 +784,8 @@
           <a:bodyPr/>
           <a:lstStyle/>
           <a:p>
-            <a:pPr marL="0" marR="0" lvl="0" indent="0" algn="l" defTabSz="914400" rtl="0" eaLnBrk="1" fontAlgn="auto" latinLnBrk="0" hangingPunct="1">
-              <a:lnSpc>
-                <a:spcPct val="100000"/>
-              </a:lnSpc>
-              <a:spcBef>
-                <a:spcPts val="0"/>
-              </a:spcBef>
-              <a:spcAft>
-                <a:spcPts val="0"/>
-              </a:spcAft>
-              <a:buClrTx/>
-              <a:buSzTx/>
-              <a:buFontTx/>
+            <a:pPr marL="0" indent="0">
               <a:buNone/>
-              <a:tabLst/>
-              <a:defRPr/>
-            </a:pPr>
-            <a:r>
-              <a:rPr lang="en-US" dirty="0"/>
-              <a:t>- </a:t>
-            </a:r>
-            <a:r>
-              <a:rPr lang="en-US" sz="1200" dirty="0"/>
-              <a:t>Require you to restructure your components.</a:t>
-            </a:r>
-            <a:br>
-              <a:rPr lang="en-US" sz="1200" dirty="0"/>
-            </a:br>
-            <a:r>
-              <a:rPr lang="en-US" sz="1200" dirty="0"/>
-              <a:t>- Cumbersome, code hard to follow.</a:t>
-            </a:r>
-            <a:br>
-              <a:rPr lang="en-US" sz="1200" dirty="0"/>
-            </a:br>
-            <a:r>
-              <a:rPr lang="en-US" sz="1200" dirty="0"/>
-              <a:t>- With Hooks, Can be tested independently and reused</a:t>
-            </a:r>
-            <a:r>
-              <a:rPr lang="en-US" dirty="0"/>
-              <a:t>. </a:t>
-            </a:r>
-          </a:p>
-          <a:p>
-            <a:pPr marL="0" marR="0" lvl="0" indent="0" algn="l" defTabSz="914400" rtl="0" eaLnBrk="1" fontAlgn="auto" latinLnBrk="0" hangingPunct="1">
-              <a:lnSpc>
-                <a:spcPct val="100000"/>
-              </a:lnSpc>
-              <a:spcBef>
-                <a:spcPts val="0"/>
-              </a:spcBef>
-              <a:spcAft>
-                <a:spcPts val="0"/>
-              </a:spcAft>
-              <a:buClrTx/>
-              <a:buSzTx/>
-              <a:buFontTx/>
-              <a:buNone/>
-              <a:tabLst/>
-              <a:defRPr/>
-            </a:pPr>
-            <a:endParaRPr lang="en-US" sz="1200" dirty="0"/>
-          </a:p>
-          <a:p>
-            <a:pPr marL="0" marR="0" lvl="0" indent="0" algn="l" defTabSz="914400" rtl="0" eaLnBrk="1" fontAlgn="auto" latinLnBrk="0" hangingPunct="1">
-              <a:lnSpc>
-                <a:spcPct val="100000"/>
-              </a:lnSpc>
-              <a:spcBef>
-                <a:spcPts val="0"/>
-              </a:spcBef>
-              <a:spcAft>
-                <a:spcPts val="0"/>
-              </a:spcAft>
-              <a:buClrTx/>
-              <a:buSzTx/>
-              <a:buFontTx/>
-              <a:buNone/>
-              <a:tabLst/>
-              <a:defRPr/>
-            </a:pPr>
-            <a:r>
-              <a:rPr lang="en-US" sz="1200" dirty="0"/>
-              <a:t>- Hooks let you split one component into smaller functions based on what pieces are related (such as setting up a subscription or fetching data)</a:t>
-            </a:r>
-            <a:br>
-              <a:rPr lang="en-US" sz="1200" dirty="0"/>
-            </a:br>
-            <a:endParaRPr lang="en-US" sz="1200" dirty="0"/>
-          </a:p>
-          <a:p>
-            <a:pPr marL="171450" indent="-171450">
-              <a:buFontTx/>
-              <a:buChar char="-"/>
-            </a:pPr>
-            <a:r>
-              <a:rPr lang="en-US" dirty="0"/>
-              <a:t>How </a:t>
-            </a:r>
-            <a:r>
-              <a:rPr lang="en-US" i="1" dirty="0"/>
-              <a:t>this</a:t>
-            </a:r>
-            <a:r>
-              <a:rPr lang="en-US" dirty="0"/>
-              <a:t> works, remember bind the event handlers…</a:t>
-            </a:r>
-            <a:br>
-              <a:rPr lang="en-US" b="1" dirty="0"/>
-            </a:br>
-            <a:r>
-              <a:rPr lang="en-US" sz="1200" dirty="0"/>
-              <a:t>- Hooks let you use more of </a:t>
-            </a:r>
-            <a:r>
-              <a:rPr lang="en-US" sz="1200" dirty="0" err="1"/>
-              <a:t>React’s</a:t>
-            </a:r>
-            <a:r>
-              <a:rPr lang="en-US" sz="1200" dirty="0"/>
-              <a:t> features without classes.</a:t>
-            </a:r>
-          </a:p>
-          <a:p>
-            <a:pPr>
-              <a:lnSpc>
-                <a:spcPct val="150000"/>
-              </a:lnSpc>
-            </a:pPr>
-            <a:r>
-              <a:rPr lang="en-US" dirty="0"/>
-              <a:t>Class is hard to Reuse stateful logic between components.</a:t>
-            </a:r>
-          </a:p>
-          <a:p>
-            <a:pPr>
-              <a:lnSpc>
-                <a:spcPct val="150000"/>
-              </a:lnSpc>
-            </a:pPr>
-            <a:r>
-              <a:rPr lang="en-US" dirty="0"/>
-              <a:t>Complex components become hard to understand.</a:t>
-            </a:r>
-          </a:p>
-          <a:p>
-            <a:pPr>
-              <a:lnSpc>
-                <a:spcPct val="150000"/>
-              </a:lnSpc>
-            </a:pPr>
-            <a:r>
-              <a:rPr lang="en-US" dirty="0"/>
-              <a:t>Classes confuse both people and machines.</a:t>
-            </a:r>
-            <a:endParaRPr lang="en-US" sz="1100" dirty="0"/>
-          </a:p>
-          <a:p>
-            <a:pPr marL="171450" indent="-171450">
-              <a:buFontTx/>
-              <a:buChar char="-"/>
             </a:pPr>
             <a:endParaRPr lang="en-US" dirty="0"/>
           </a:p>
@@ -951,12 +793,18 @@
       </p:sp>
       <p:sp>
         <p:nvSpPr>
-          <p:cNvPr id="5" name="Slide Number Placeholder 4"/>
-          <p:cNvSpPr>
-            <a:spLocks noGrp="1"/>
-          </p:cNvSpPr>
-          <p:nvPr>
-            <p:ph type="sldNum" sz="quarter" idx="10"/>
+          <p:cNvPr id="6" name="Chỗ dành sẵn cho Số hiệu Bản chiếu 5">
+            <a:extLst>
+              <a:ext uri="{FF2B5EF4-FFF2-40B4-BE49-F238E27FC236}">
+                <a16:creationId xmlns:a16="http://schemas.microsoft.com/office/drawing/2014/main" id="{9B8DFBA6-74FD-41D9-B1F8-21E77DD1A033}"/>
+              </a:ext>
+            </a:extLst>
+          </p:cNvPr>
+          <p:cNvSpPr>
+            <a:spLocks noGrp="1"/>
+          </p:cNvSpPr>
+          <p:nvPr>
+            <p:ph type="sldNum" sz="quarter" idx="5"/>
           </p:nvPr>
         </p:nvSpPr>
         <p:spPr/>
@@ -966,7 +814,7 @@
           <a:p>
             <a:fld id="{FBF31ECA-FEBF-416A-9457-D684578178CB}" type="slidenum">
               <a:rPr lang="en-US" smtClean="0"/>
-              <a:t>5</a:t>
+              <a:t>2</a:t>
             </a:fld>
             <a:endParaRPr lang="en-US"/>
           </a:p>
@@ -975,7 +823,7 @@
     </p:spTree>
     <p:extLst>
       <p:ext uri="{BB962C8B-B14F-4D97-AF65-F5344CB8AC3E}">
-        <p14:creationId xmlns:p14="http://schemas.microsoft.com/office/powerpoint/2010/main" val="3854836216"/>
+        <p14:creationId xmlns:p14="http://schemas.microsoft.com/office/powerpoint/2010/main" val="2567672251"/>
       </p:ext>
     </p:extLst>
   </p:cSld>
@@ -1004,7 +852,7 @@
       </p:grpSpPr>
       <p:sp>
         <p:nvSpPr>
-          <p:cNvPr id="2" name="Slide Image Placeholder 1"/>
+          <p:cNvPr id="2" name="Chỗ dành sẵn cho Hình ảnh của Bản chiếu 1"/>
           <p:cNvSpPr>
             <a:spLocks noGrp="1" noRot="1" noChangeAspect="1"/>
           </p:cNvSpPr>
@@ -1016,7 +864,7 @@
       </p:sp>
       <p:sp>
         <p:nvSpPr>
-          <p:cNvPr id="3" name="Notes Placeholder 2"/>
+          <p:cNvPr id="3" name="Chỗ dành sẵn cho Ghi chú 2"/>
           <p:cNvSpPr>
             <a:spLocks noGrp="1"/>
           </p:cNvSpPr>
@@ -1029,35 +877,24 @@
           <a:bodyPr/>
           <a:lstStyle/>
           <a:p>
-            <a:pPr marL="0" marR="0" lvl="0" indent="0" algn="l" defTabSz="914400" rtl="0" eaLnBrk="1" fontAlgn="auto" latinLnBrk="0" hangingPunct="1">
-              <a:lnSpc>
-                <a:spcPct val="100000"/>
-              </a:lnSpc>
-              <a:spcBef>
-                <a:spcPts val="0"/>
-              </a:spcBef>
-              <a:spcAft>
-                <a:spcPts val="0"/>
-              </a:spcAft>
-              <a:buClrTx/>
-              <a:buSzTx/>
-              <a:buFontTx/>
-              <a:buNone/>
-              <a:tabLst/>
-              <a:defRPr/>
-            </a:pPr>
-            <a:endParaRPr lang="en-US"/>
-          </a:p>
-        </p:txBody>
-      </p:sp>
-      <p:sp>
-        <p:nvSpPr>
-          <p:cNvPr id="5" name="Slide Number Placeholder 4"/>
-          <p:cNvSpPr>
-            <a:spLocks noGrp="1"/>
-          </p:cNvSpPr>
-          <p:nvPr>
-            <p:ph type="sldNum" sz="quarter" idx="10"/>
+            <a:endParaRPr lang="en-US" dirty="0"/>
+          </a:p>
+        </p:txBody>
+      </p:sp>
+      <p:sp>
+        <p:nvSpPr>
+          <p:cNvPr id="6" name="Chỗ dành sẵn cho Số hiệu Bản chiếu 5">
+            <a:extLst>
+              <a:ext uri="{FF2B5EF4-FFF2-40B4-BE49-F238E27FC236}">
+                <a16:creationId xmlns:a16="http://schemas.microsoft.com/office/drawing/2014/main" id="{A4260DC9-C079-4D3A-8535-EB8C6CDD07A8}"/>
+              </a:ext>
+            </a:extLst>
+          </p:cNvPr>
+          <p:cNvSpPr>
+            <a:spLocks noGrp="1"/>
+          </p:cNvSpPr>
+          <p:nvPr>
+            <p:ph type="sldNum" sz="quarter" idx="5"/>
           </p:nvPr>
         </p:nvSpPr>
         <p:spPr/>
@@ -1067,7 +904,7 @@
           <a:p>
             <a:fld id="{FBF31ECA-FEBF-416A-9457-D684578178CB}" type="slidenum">
               <a:rPr lang="en-US" smtClean="0"/>
-              <a:t>6</a:t>
+              <a:t>4</a:t>
             </a:fld>
             <a:endParaRPr lang="en-US"/>
           </a:p>
@@ -1076,7 +913,7 @@
     </p:spTree>
     <p:extLst>
       <p:ext uri="{BB962C8B-B14F-4D97-AF65-F5344CB8AC3E}">
-        <p14:creationId xmlns:p14="http://schemas.microsoft.com/office/powerpoint/2010/main" val="2668052865"/>
+        <p14:creationId xmlns:p14="http://schemas.microsoft.com/office/powerpoint/2010/main" val="1236801624"/>
       </p:ext>
     </p:extLst>
   </p:cSld>
@@ -1105,7 +942,7 @@
       </p:grpSpPr>
       <p:sp>
         <p:nvSpPr>
-          <p:cNvPr id="2" name="Slide Image Placeholder 1"/>
+          <p:cNvPr id="2" name="Chỗ dành sẵn cho Hình ảnh của Bản chiếu 1"/>
           <p:cNvSpPr>
             <a:spLocks noGrp="1" noRot="1" noChangeAspect="1"/>
           </p:cNvSpPr>
@@ -1117,7 +954,7 @@
       </p:sp>
       <p:sp>
         <p:nvSpPr>
-          <p:cNvPr id="3" name="Notes Placeholder 2"/>
+          <p:cNvPr id="3" name="Chỗ dành sẵn cho Ghi chú 2"/>
           <p:cNvSpPr>
             <a:spLocks noGrp="1"/>
           </p:cNvSpPr>
@@ -1130,176 +967,24 @@
           <a:bodyPr/>
           <a:lstStyle/>
           <a:p>
-            <a:pPr marL="0" marR="0" lvl="0" indent="0" algn="l" defTabSz="914400" rtl="0" eaLnBrk="1" fontAlgn="auto" latinLnBrk="0" hangingPunct="1">
-              <a:lnSpc>
-                <a:spcPct val="100000"/>
-              </a:lnSpc>
-              <a:spcBef>
-                <a:spcPts val="0"/>
-              </a:spcBef>
-              <a:spcAft>
-                <a:spcPts val="0"/>
-              </a:spcAft>
-              <a:buClrTx/>
-              <a:buSzTx/>
-              <a:buFontTx/>
-              <a:buNone/>
-              <a:tabLst/>
-              <a:defRPr/>
-            </a:pPr>
-            <a:r>
-              <a:rPr lang="en-US"/>
-              <a:t>Combine</a:t>
-            </a:r>
-            <a:r>
-              <a:rPr lang="en-US" baseline="0"/>
-              <a:t> with where questions.</a:t>
-            </a:r>
-          </a:p>
-          <a:p>
-            <a:pPr marL="0" marR="0" lvl="0" indent="0" algn="l" defTabSz="914400" rtl="0" eaLnBrk="1" fontAlgn="auto" latinLnBrk="0" hangingPunct="1">
-              <a:lnSpc>
-                <a:spcPct val="100000"/>
-              </a:lnSpc>
-              <a:spcBef>
-                <a:spcPts val="0"/>
-              </a:spcBef>
-              <a:spcAft>
-                <a:spcPts val="0"/>
-              </a:spcAft>
-              <a:buClrTx/>
-              <a:buSzTx/>
-              <a:buFontTx/>
-              <a:buNone/>
-              <a:tabLst/>
-              <a:defRPr/>
-            </a:pPr>
-            <a:endParaRPr lang="en-US"/>
-          </a:p>
-          <a:p>
-            <a:pPr marL="228600" marR="0" lvl="0" indent="-228600" algn="l" defTabSz="914400" rtl="0" eaLnBrk="1" fontAlgn="auto" latinLnBrk="0" hangingPunct="1">
-              <a:lnSpc>
-                <a:spcPct val="100000"/>
-              </a:lnSpc>
-              <a:spcBef>
-                <a:spcPts val="0"/>
-              </a:spcBef>
-              <a:spcAft>
-                <a:spcPts val="0"/>
-              </a:spcAft>
-              <a:buClrTx/>
-              <a:buSzTx/>
-              <a:buFontTx/>
-              <a:buAutoNum type="alphaLcPeriod"/>
-              <a:tabLst/>
-              <a:defRPr/>
-            </a:pPr>
-            <a:r>
-              <a:rPr lang="en-US" baseline="0"/>
-              <a:t>Rules of hooks:</a:t>
-            </a:r>
-            <a:br>
-              <a:rPr lang="en-US" baseline="0"/>
-            </a:br>
-            <a:r>
-              <a:rPr lang="en-US" baseline="0"/>
-              <a:t>- </a:t>
-            </a:r>
-            <a:r>
-              <a:rPr lang="en-US" sz="1200" b="0" i="0" kern="1200">
-                <a:solidFill>
-                  <a:schemeClr val="tx1"/>
-                </a:solidFill>
-                <a:effectLst/>
-                <a:latin typeface="+mn-lt"/>
-                <a:ea typeface="+mn-ea"/>
-                <a:cs typeface="+mn-cs"/>
-              </a:rPr>
-              <a:t>Ensure that Hooks are called in the same order each time a component renders. </a:t>
-            </a:r>
-            <a:r>
-              <a:rPr lang="en-US" baseline="0"/>
-              <a:t>Make Hooks preserve the state of Hooks between multiple </a:t>
-            </a:r>
-            <a:r>
-              <a:rPr lang="en-US" i="1" baseline="0" err="1"/>
-              <a:t>useState</a:t>
-            </a:r>
-            <a:r>
-              <a:rPr lang="en-US" i="0" baseline="0"/>
-              <a:t> and </a:t>
-            </a:r>
-            <a:r>
-              <a:rPr lang="en-US" i="1" baseline="0" err="1"/>
-              <a:t>useEffect</a:t>
-            </a:r>
-            <a:r>
-              <a:rPr lang="en-US" i="0" baseline="0"/>
-              <a:t>.</a:t>
-            </a:r>
-            <a:br>
-              <a:rPr lang="en-US" i="0" baseline="0"/>
-            </a:br>
-            <a:r>
-              <a:rPr lang="en-US" i="0" baseline="0"/>
-              <a:t>- Regular </a:t>
-            </a:r>
-            <a:r>
-              <a:rPr lang="en-US" i="0" baseline="0" err="1"/>
-              <a:t>Js</a:t>
-            </a:r>
-            <a:r>
-              <a:rPr lang="en-US" i="0" baseline="0"/>
-              <a:t> functions: ajax …. This rule</a:t>
-            </a:r>
-            <a:r>
-              <a:rPr lang="en-US" sz="1200" b="0" i="0" kern="1200">
-                <a:solidFill>
-                  <a:schemeClr val="tx1"/>
-                </a:solidFill>
-                <a:effectLst/>
-                <a:latin typeface="+mn-lt"/>
-                <a:ea typeface="+mn-ea"/>
-                <a:cs typeface="+mn-cs"/>
-              </a:rPr>
-              <a:t> ensure that all </a:t>
-            </a:r>
-            <a:r>
-              <a:rPr lang="en-US" sz="1200" b="0" i="0" kern="1200" err="1">
-                <a:solidFill>
-                  <a:schemeClr val="tx1"/>
-                </a:solidFill>
-                <a:effectLst/>
-                <a:latin typeface="+mn-lt"/>
-                <a:ea typeface="+mn-ea"/>
-                <a:cs typeface="+mn-cs"/>
-              </a:rPr>
-              <a:t>stateful</a:t>
-            </a:r>
-            <a:r>
-              <a:rPr lang="en-US" sz="1200" b="0" i="0" kern="1200">
-                <a:solidFill>
-                  <a:schemeClr val="tx1"/>
-                </a:solidFill>
-                <a:effectLst/>
-                <a:latin typeface="+mn-lt"/>
-                <a:ea typeface="+mn-ea"/>
-                <a:cs typeface="+mn-cs"/>
-              </a:rPr>
-              <a:t> logic in a component is clearly visible from its source code.</a:t>
-            </a:r>
-            <a:endParaRPr lang="en-US" baseline="0"/>
-          </a:p>
-        </p:txBody>
-      </p:sp>
-      <p:sp>
-        <p:nvSpPr>
-          <p:cNvPr id="5" name="Slide Number Placeholder 4"/>
-          <p:cNvSpPr>
-            <a:spLocks noGrp="1"/>
-          </p:cNvSpPr>
-          <p:nvPr>
-            <p:ph type="sldNum" sz="quarter" idx="10"/>
+            <a:endParaRPr lang="en-US" dirty="0"/>
+          </a:p>
+        </p:txBody>
+      </p:sp>
+      <p:sp>
+        <p:nvSpPr>
+          <p:cNvPr id="6" name="Chỗ dành sẵn cho Số hiệu Bản chiếu 5">
+            <a:extLst>
+              <a:ext uri="{FF2B5EF4-FFF2-40B4-BE49-F238E27FC236}">
+                <a16:creationId xmlns:a16="http://schemas.microsoft.com/office/drawing/2014/main" id="{8D6A7775-82BE-44B1-A29D-7A2B9102C619}"/>
+              </a:ext>
+            </a:extLst>
+          </p:cNvPr>
+          <p:cNvSpPr>
+            <a:spLocks noGrp="1"/>
+          </p:cNvSpPr>
+          <p:nvPr>
+            <p:ph type="sldNum" sz="quarter" idx="5"/>
           </p:nvPr>
         </p:nvSpPr>
         <p:spPr/>
@@ -1309,7 +994,7 @@
           <a:p>
             <a:fld id="{FBF31ECA-FEBF-416A-9457-D684578178CB}" type="slidenum">
               <a:rPr lang="en-US" smtClean="0"/>
-              <a:t>7</a:t>
+              <a:t>5</a:t>
             </a:fld>
             <a:endParaRPr lang="en-US"/>
           </a:p>
@@ -1318,7 +1003,7 @@
     </p:spTree>
     <p:extLst>
       <p:ext uri="{BB962C8B-B14F-4D97-AF65-F5344CB8AC3E}">
-        <p14:creationId xmlns:p14="http://schemas.microsoft.com/office/powerpoint/2010/main" val="882481392"/>
+        <p14:creationId xmlns:p14="http://schemas.microsoft.com/office/powerpoint/2010/main" val="823420838"/>
       </p:ext>
     </p:extLst>
   </p:cSld>
@@ -1347,7 +1032,7 @@
       </p:grpSpPr>
       <p:sp>
         <p:nvSpPr>
-          <p:cNvPr id="2" name="Slide Image Placeholder 1"/>
+          <p:cNvPr id="2" name="Chỗ dành sẵn cho Hình ảnh của Bản chiếu 1"/>
           <p:cNvSpPr>
             <a:spLocks noGrp="1" noRot="1" noChangeAspect="1"/>
           </p:cNvSpPr>
@@ -1359,7 +1044,7 @@
       </p:sp>
       <p:sp>
         <p:nvSpPr>
-          <p:cNvPr id="3" name="Notes Placeholder 2"/>
+          <p:cNvPr id="3" name="Chỗ dành sẵn cho Ghi chú 2"/>
           <p:cNvSpPr>
             <a:spLocks noGrp="1"/>
           </p:cNvSpPr>
@@ -1372,176 +1057,24 @@
           <a:bodyPr/>
           <a:lstStyle/>
           <a:p>
-            <a:pPr marL="0" marR="0" lvl="0" indent="0" algn="l" defTabSz="914400" rtl="0" eaLnBrk="1" fontAlgn="auto" latinLnBrk="0" hangingPunct="1">
-              <a:lnSpc>
-                <a:spcPct val="100000"/>
-              </a:lnSpc>
-              <a:spcBef>
-                <a:spcPts val="0"/>
-              </a:spcBef>
-              <a:spcAft>
-                <a:spcPts val="0"/>
-              </a:spcAft>
-              <a:buClrTx/>
-              <a:buSzTx/>
-              <a:buFontTx/>
-              <a:buNone/>
-              <a:tabLst/>
-              <a:defRPr/>
-            </a:pPr>
-            <a:r>
-              <a:rPr lang="en-US"/>
-              <a:t>Combine</a:t>
-            </a:r>
-            <a:r>
-              <a:rPr lang="en-US" baseline="0"/>
-              <a:t> with where questions.</a:t>
-            </a:r>
-          </a:p>
-          <a:p>
-            <a:pPr marL="0" marR="0" lvl="0" indent="0" algn="l" defTabSz="914400" rtl="0" eaLnBrk="1" fontAlgn="auto" latinLnBrk="0" hangingPunct="1">
-              <a:lnSpc>
-                <a:spcPct val="100000"/>
-              </a:lnSpc>
-              <a:spcBef>
-                <a:spcPts val="0"/>
-              </a:spcBef>
-              <a:spcAft>
-                <a:spcPts val="0"/>
-              </a:spcAft>
-              <a:buClrTx/>
-              <a:buSzTx/>
-              <a:buFontTx/>
-              <a:buNone/>
-              <a:tabLst/>
-              <a:defRPr/>
-            </a:pPr>
-            <a:endParaRPr lang="en-US"/>
-          </a:p>
-          <a:p>
-            <a:pPr marL="228600" marR="0" lvl="0" indent="-228600" algn="l" defTabSz="914400" rtl="0" eaLnBrk="1" fontAlgn="auto" latinLnBrk="0" hangingPunct="1">
-              <a:lnSpc>
-                <a:spcPct val="100000"/>
-              </a:lnSpc>
-              <a:spcBef>
-                <a:spcPts val="0"/>
-              </a:spcBef>
-              <a:spcAft>
-                <a:spcPts val="0"/>
-              </a:spcAft>
-              <a:buClrTx/>
-              <a:buSzTx/>
-              <a:buFontTx/>
-              <a:buAutoNum type="alphaLcPeriod"/>
-              <a:tabLst/>
-              <a:defRPr/>
-            </a:pPr>
-            <a:r>
-              <a:rPr lang="en-US" baseline="0"/>
-              <a:t>Rules of hooks:</a:t>
-            </a:r>
-            <a:br>
-              <a:rPr lang="en-US" baseline="0"/>
-            </a:br>
-            <a:r>
-              <a:rPr lang="en-US" baseline="0"/>
-              <a:t>- </a:t>
-            </a:r>
-            <a:r>
-              <a:rPr lang="en-US" sz="1200" b="0" i="0" kern="1200">
-                <a:solidFill>
-                  <a:schemeClr val="tx1"/>
-                </a:solidFill>
-                <a:effectLst/>
-                <a:latin typeface="+mn-lt"/>
-                <a:ea typeface="+mn-ea"/>
-                <a:cs typeface="+mn-cs"/>
-              </a:rPr>
-              <a:t>Ensure that Hooks are called in the same order each time a component renders. </a:t>
-            </a:r>
-            <a:r>
-              <a:rPr lang="en-US" baseline="0"/>
-              <a:t>Make Hooks preserve the state of Hooks between multiple </a:t>
-            </a:r>
-            <a:r>
-              <a:rPr lang="en-US" i="1" baseline="0" err="1"/>
-              <a:t>useState</a:t>
-            </a:r>
-            <a:r>
-              <a:rPr lang="en-US" i="0" baseline="0"/>
-              <a:t> and </a:t>
-            </a:r>
-            <a:r>
-              <a:rPr lang="en-US" i="1" baseline="0" err="1"/>
-              <a:t>useEffect</a:t>
-            </a:r>
-            <a:r>
-              <a:rPr lang="en-US" i="0" baseline="0"/>
-              <a:t>.</a:t>
-            </a:r>
-            <a:br>
-              <a:rPr lang="en-US" i="0" baseline="0"/>
-            </a:br>
-            <a:r>
-              <a:rPr lang="en-US" i="0" baseline="0"/>
-              <a:t>- Regular </a:t>
-            </a:r>
-            <a:r>
-              <a:rPr lang="en-US" i="0" baseline="0" err="1"/>
-              <a:t>Js</a:t>
-            </a:r>
-            <a:r>
-              <a:rPr lang="en-US" i="0" baseline="0"/>
-              <a:t> functions: ajax …. This rule</a:t>
-            </a:r>
-            <a:r>
-              <a:rPr lang="en-US" sz="1200" b="0" i="0" kern="1200">
-                <a:solidFill>
-                  <a:schemeClr val="tx1"/>
-                </a:solidFill>
-                <a:effectLst/>
-                <a:latin typeface="+mn-lt"/>
-                <a:ea typeface="+mn-ea"/>
-                <a:cs typeface="+mn-cs"/>
-              </a:rPr>
-              <a:t> ensure that all </a:t>
-            </a:r>
-            <a:r>
-              <a:rPr lang="en-US" sz="1200" b="0" i="0" kern="1200" err="1">
-                <a:solidFill>
-                  <a:schemeClr val="tx1"/>
-                </a:solidFill>
-                <a:effectLst/>
-                <a:latin typeface="+mn-lt"/>
-                <a:ea typeface="+mn-ea"/>
-                <a:cs typeface="+mn-cs"/>
-              </a:rPr>
-              <a:t>stateful</a:t>
-            </a:r>
-            <a:r>
-              <a:rPr lang="en-US" sz="1200" b="0" i="0" kern="1200">
-                <a:solidFill>
-                  <a:schemeClr val="tx1"/>
-                </a:solidFill>
-                <a:effectLst/>
-                <a:latin typeface="+mn-lt"/>
-                <a:ea typeface="+mn-ea"/>
-                <a:cs typeface="+mn-cs"/>
-              </a:rPr>
-              <a:t> logic in a component is clearly visible from its source code.</a:t>
-            </a:r>
-            <a:endParaRPr lang="en-US" baseline="0"/>
-          </a:p>
-        </p:txBody>
-      </p:sp>
-      <p:sp>
-        <p:nvSpPr>
-          <p:cNvPr id="5" name="Slide Number Placeholder 4"/>
-          <p:cNvSpPr>
-            <a:spLocks noGrp="1"/>
-          </p:cNvSpPr>
-          <p:nvPr>
-            <p:ph type="sldNum" sz="quarter" idx="10"/>
+            <a:endParaRPr lang="en-US" dirty="0"/>
+          </a:p>
+        </p:txBody>
+      </p:sp>
+      <p:sp>
+        <p:nvSpPr>
+          <p:cNvPr id="6" name="Chỗ dành sẵn cho Số hiệu Bản chiếu 5">
+            <a:extLst>
+              <a:ext uri="{FF2B5EF4-FFF2-40B4-BE49-F238E27FC236}">
+                <a16:creationId xmlns:a16="http://schemas.microsoft.com/office/drawing/2014/main" id="{F8FE5100-05F0-418B-9092-02EC49587628}"/>
+              </a:ext>
+            </a:extLst>
+          </p:cNvPr>
+          <p:cNvSpPr>
+            <a:spLocks noGrp="1"/>
+          </p:cNvSpPr>
+          <p:nvPr>
+            <p:ph type="sldNum" sz="quarter" idx="5"/>
           </p:nvPr>
         </p:nvSpPr>
         <p:spPr/>
@@ -1551,7 +1084,7 @@
           <a:p>
             <a:fld id="{FBF31ECA-FEBF-416A-9457-D684578178CB}" type="slidenum">
               <a:rPr lang="en-US" smtClean="0"/>
-              <a:t>8</a:t>
+              <a:t>6</a:t>
             </a:fld>
             <a:endParaRPr lang="en-US"/>
           </a:p>
@@ -1560,7 +1093,7 @@
     </p:spTree>
     <p:extLst>
       <p:ext uri="{BB962C8B-B14F-4D97-AF65-F5344CB8AC3E}">
-        <p14:creationId xmlns:p14="http://schemas.microsoft.com/office/powerpoint/2010/main" val="3141670522"/>
+        <p14:creationId xmlns:p14="http://schemas.microsoft.com/office/powerpoint/2010/main" val="3722104338"/>
       </p:ext>
     </p:extLst>
   </p:cSld>
@@ -1589,7 +1122,7 @@
       </p:grpSpPr>
       <p:sp>
         <p:nvSpPr>
-          <p:cNvPr id="2" name="Slide Image Placeholder 1"/>
+          <p:cNvPr id="2" name="Chỗ dành sẵn cho Hình ảnh của Bản chiếu 1"/>
           <p:cNvSpPr>
             <a:spLocks noGrp="1" noRot="1" noChangeAspect="1"/>
           </p:cNvSpPr>
@@ -1601,7 +1134,7 @@
       </p:sp>
       <p:sp>
         <p:nvSpPr>
-          <p:cNvPr id="3" name="Notes Placeholder 2"/>
+          <p:cNvPr id="3" name="Chỗ dành sẵn cho Ghi chú 2"/>
           <p:cNvSpPr>
             <a:spLocks noGrp="1"/>
           </p:cNvSpPr>
@@ -1614,176 +1147,24 @@
           <a:bodyPr/>
           <a:lstStyle/>
           <a:p>
-            <a:pPr marL="0" marR="0" lvl="0" indent="0" algn="l" defTabSz="914400" rtl="0" eaLnBrk="1" fontAlgn="auto" latinLnBrk="0" hangingPunct="1">
-              <a:lnSpc>
-                <a:spcPct val="100000"/>
-              </a:lnSpc>
-              <a:spcBef>
-                <a:spcPts val="0"/>
-              </a:spcBef>
-              <a:spcAft>
-                <a:spcPts val="0"/>
-              </a:spcAft>
-              <a:buClrTx/>
-              <a:buSzTx/>
-              <a:buFontTx/>
-              <a:buNone/>
-              <a:tabLst/>
-              <a:defRPr/>
-            </a:pPr>
-            <a:r>
-              <a:rPr lang="en-US"/>
-              <a:t>Combine</a:t>
-            </a:r>
-            <a:r>
-              <a:rPr lang="en-US" baseline="0"/>
-              <a:t> with where questions.</a:t>
-            </a:r>
-          </a:p>
-          <a:p>
-            <a:pPr marL="0" marR="0" lvl="0" indent="0" algn="l" defTabSz="914400" rtl="0" eaLnBrk="1" fontAlgn="auto" latinLnBrk="0" hangingPunct="1">
-              <a:lnSpc>
-                <a:spcPct val="100000"/>
-              </a:lnSpc>
-              <a:spcBef>
-                <a:spcPts val="0"/>
-              </a:spcBef>
-              <a:spcAft>
-                <a:spcPts val="0"/>
-              </a:spcAft>
-              <a:buClrTx/>
-              <a:buSzTx/>
-              <a:buFontTx/>
-              <a:buNone/>
-              <a:tabLst/>
-              <a:defRPr/>
-            </a:pPr>
-            <a:endParaRPr lang="en-US"/>
-          </a:p>
-          <a:p>
-            <a:pPr marL="228600" marR="0" lvl="0" indent="-228600" algn="l" defTabSz="914400" rtl="0" eaLnBrk="1" fontAlgn="auto" latinLnBrk="0" hangingPunct="1">
-              <a:lnSpc>
-                <a:spcPct val="100000"/>
-              </a:lnSpc>
-              <a:spcBef>
-                <a:spcPts val="0"/>
-              </a:spcBef>
-              <a:spcAft>
-                <a:spcPts val="0"/>
-              </a:spcAft>
-              <a:buClrTx/>
-              <a:buSzTx/>
-              <a:buFontTx/>
-              <a:buAutoNum type="alphaLcPeriod"/>
-              <a:tabLst/>
-              <a:defRPr/>
-            </a:pPr>
-            <a:r>
-              <a:rPr lang="en-US" baseline="0"/>
-              <a:t>Rules of hooks:</a:t>
-            </a:r>
-            <a:br>
-              <a:rPr lang="en-US" baseline="0"/>
-            </a:br>
-            <a:r>
-              <a:rPr lang="en-US" baseline="0"/>
-              <a:t>- </a:t>
-            </a:r>
-            <a:r>
-              <a:rPr lang="en-US" sz="1200" b="0" i="0" kern="1200">
-                <a:solidFill>
-                  <a:schemeClr val="tx1"/>
-                </a:solidFill>
-                <a:effectLst/>
-                <a:latin typeface="+mn-lt"/>
-                <a:ea typeface="+mn-ea"/>
-                <a:cs typeface="+mn-cs"/>
-              </a:rPr>
-              <a:t>Ensure that Hooks are called in the same order each time a component renders. </a:t>
-            </a:r>
-            <a:r>
-              <a:rPr lang="en-US" baseline="0"/>
-              <a:t>Make Hooks preserve the state of Hooks between multiple </a:t>
-            </a:r>
-            <a:r>
-              <a:rPr lang="en-US" i="1" baseline="0" err="1"/>
-              <a:t>useState</a:t>
-            </a:r>
-            <a:r>
-              <a:rPr lang="en-US" i="0" baseline="0"/>
-              <a:t> and </a:t>
-            </a:r>
-            <a:r>
-              <a:rPr lang="en-US" i="1" baseline="0" err="1"/>
-              <a:t>useEffect</a:t>
-            </a:r>
-            <a:r>
-              <a:rPr lang="en-US" i="0" baseline="0"/>
-              <a:t>.</a:t>
-            </a:r>
-            <a:br>
-              <a:rPr lang="en-US" i="0" baseline="0"/>
-            </a:br>
-            <a:r>
-              <a:rPr lang="en-US" i="0" baseline="0"/>
-              <a:t>- Regular </a:t>
-            </a:r>
-            <a:r>
-              <a:rPr lang="en-US" i="0" baseline="0" err="1"/>
-              <a:t>Js</a:t>
-            </a:r>
-            <a:r>
-              <a:rPr lang="en-US" i="0" baseline="0"/>
-              <a:t> functions: ajax …. This rule</a:t>
-            </a:r>
-            <a:r>
-              <a:rPr lang="en-US" sz="1200" b="0" i="0" kern="1200">
-                <a:solidFill>
-                  <a:schemeClr val="tx1"/>
-                </a:solidFill>
-                <a:effectLst/>
-                <a:latin typeface="+mn-lt"/>
-                <a:ea typeface="+mn-ea"/>
-                <a:cs typeface="+mn-cs"/>
-              </a:rPr>
-              <a:t> ensure that all </a:t>
-            </a:r>
-            <a:r>
-              <a:rPr lang="en-US" sz="1200" b="0" i="0" kern="1200" err="1">
-                <a:solidFill>
-                  <a:schemeClr val="tx1"/>
-                </a:solidFill>
-                <a:effectLst/>
-                <a:latin typeface="+mn-lt"/>
-                <a:ea typeface="+mn-ea"/>
-                <a:cs typeface="+mn-cs"/>
-              </a:rPr>
-              <a:t>stateful</a:t>
-            </a:r>
-            <a:r>
-              <a:rPr lang="en-US" sz="1200" b="0" i="0" kern="1200">
-                <a:solidFill>
-                  <a:schemeClr val="tx1"/>
-                </a:solidFill>
-                <a:effectLst/>
-                <a:latin typeface="+mn-lt"/>
-                <a:ea typeface="+mn-ea"/>
-                <a:cs typeface="+mn-cs"/>
-              </a:rPr>
-              <a:t> logic in a component is clearly visible from its source code.</a:t>
-            </a:r>
-            <a:endParaRPr lang="en-US" baseline="0"/>
-          </a:p>
-        </p:txBody>
-      </p:sp>
-      <p:sp>
-        <p:nvSpPr>
-          <p:cNvPr id="5" name="Slide Number Placeholder 4"/>
-          <p:cNvSpPr>
-            <a:spLocks noGrp="1"/>
-          </p:cNvSpPr>
-          <p:nvPr>
-            <p:ph type="sldNum" sz="quarter" idx="10"/>
+            <a:endParaRPr lang="en-US" dirty="0"/>
+          </a:p>
+        </p:txBody>
+      </p:sp>
+      <p:sp>
+        <p:nvSpPr>
+          <p:cNvPr id="6" name="Chỗ dành sẵn cho Số hiệu Bản chiếu 5">
+            <a:extLst>
+              <a:ext uri="{FF2B5EF4-FFF2-40B4-BE49-F238E27FC236}">
+                <a16:creationId xmlns:a16="http://schemas.microsoft.com/office/drawing/2014/main" id="{E18BD639-84A8-42F5-AE9C-5CD909D901AD}"/>
+              </a:ext>
+            </a:extLst>
+          </p:cNvPr>
+          <p:cNvSpPr>
+            <a:spLocks noGrp="1"/>
+          </p:cNvSpPr>
+          <p:nvPr>
+            <p:ph type="sldNum" sz="quarter" idx="5"/>
           </p:nvPr>
         </p:nvSpPr>
         <p:spPr/>
@@ -1793,7 +1174,7 @@
           <a:p>
             <a:fld id="{FBF31ECA-FEBF-416A-9457-D684578178CB}" type="slidenum">
               <a:rPr lang="en-US" smtClean="0"/>
-              <a:t>9</a:t>
+              <a:t>8</a:t>
             </a:fld>
             <a:endParaRPr lang="en-US"/>
           </a:p>
@@ -1802,7 +1183,7 @@
     </p:spTree>
     <p:extLst>
       <p:ext uri="{BB962C8B-B14F-4D97-AF65-F5344CB8AC3E}">
-        <p14:creationId xmlns:p14="http://schemas.microsoft.com/office/powerpoint/2010/main" val="1735810926"/>
+        <p14:creationId xmlns:p14="http://schemas.microsoft.com/office/powerpoint/2010/main" val="391258314"/>
       </p:ext>
     </p:extLst>
   </p:cSld>
@@ -1831,7 +1212,7 @@
       </p:grpSpPr>
       <p:sp>
         <p:nvSpPr>
-          <p:cNvPr id="2" name="Slide Image Placeholder 1"/>
+          <p:cNvPr id="2" name="Chỗ dành sẵn cho Hình ảnh của Bản chiếu 1"/>
           <p:cNvSpPr>
             <a:spLocks noGrp="1" noRot="1" noChangeAspect="1"/>
           </p:cNvSpPr>
@@ -1843,7 +1224,7 @@
       </p:sp>
       <p:sp>
         <p:nvSpPr>
-          <p:cNvPr id="3" name="Notes Placeholder 2"/>
+          <p:cNvPr id="3" name="Chỗ dành sẵn cho Ghi chú 2"/>
           <p:cNvSpPr>
             <a:spLocks noGrp="1"/>
           </p:cNvSpPr>
@@ -1856,176 +1237,24 @@
           <a:bodyPr/>
           <a:lstStyle/>
           <a:p>
-            <a:pPr marL="0" marR="0" lvl="0" indent="0" algn="l" defTabSz="914400" rtl="0" eaLnBrk="1" fontAlgn="auto" latinLnBrk="0" hangingPunct="1">
-              <a:lnSpc>
-                <a:spcPct val="100000"/>
-              </a:lnSpc>
-              <a:spcBef>
-                <a:spcPts val="0"/>
-              </a:spcBef>
-              <a:spcAft>
-                <a:spcPts val="0"/>
-              </a:spcAft>
-              <a:buClrTx/>
-              <a:buSzTx/>
-              <a:buFontTx/>
-              <a:buNone/>
-              <a:tabLst/>
-              <a:defRPr/>
-            </a:pPr>
-            <a:r>
-              <a:rPr lang="en-US"/>
-              <a:t>Combine</a:t>
-            </a:r>
-            <a:r>
-              <a:rPr lang="en-US" baseline="0"/>
-              <a:t> with where questions.</a:t>
-            </a:r>
-          </a:p>
-          <a:p>
-            <a:pPr marL="0" marR="0" lvl="0" indent="0" algn="l" defTabSz="914400" rtl="0" eaLnBrk="1" fontAlgn="auto" latinLnBrk="0" hangingPunct="1">
-              <a:lnSpc>
-                <a:spcPct val="100000"/>
-              </a:lnSpc>
-              <a:spcBef>
-                <a:spcPts val="0"/>
-              </a:spcBef>
-              <a:spcAft>
-                <a:spcPts val="0"/>
-              </a:spcAft>
-              <a:buClrTx/>
-              <a:buSzTx/>
-              <a:buFontTx/>
-              <a:buNone/>
-              <a:tabLst/>
-              <a:defRPr/>
-            </a:pPr>
-            <a:endParaRPr lang="en-US"/>
-          </a:p>
-          <a:p>
-            <a:pPr marL="228600" marR="0" lvl="0" indent="-228600" algn="l" defTabSz="914400" rtl="0" eaLnBrk="1" fontAlgn="auto" latinLnBrk="0" hangingPunct="1">
-              <a:lnSpc>
-                <a:spcPct val="100000"/>
-              </a:lnSpc>
-              <a:spcBef>
-                <a:spcPts val="0"/>
-              </a:spcBef>
-              <a:spcAft>
-                <a:spcPts val="0"/>
-              </a:spcAft>
-              <a:buClrTx/>
-              <a:buSzTx/>
-              <a:buFontTx/>
-              <a:buAutoNum type="alphaLcPeriod"/>
-              <a:tabLst/>
-              <a:defRPr/>
-            </a:pPr>
-            <a:r>
-              <a:rPr lang="en-US" baseline="0"/>
-              <a:t>Rules of hooks:</a:t>
-            </a:r>
-            <a:br>
-              <a:rPr lang="en-US" baseline="0"/>
-            </a:br>
-            <a:r>
-              <a:rPr lang="en-US" baseline="0"/>
-              <a:t>- </a:t>
-            </a:r>
-            <a:r>
-              <a:rPr lang="en-US" sz="1200" b="0" i="0" kern="1200">
-                <a:solidFill>
-                  <a:schemeClr val="tx1"/>
-                </a:solidFill>
-                <a:effectLst/>
-                <a:latin typeface="+mn-lt"/>
-                <a:ea typeface="+mn-ea"/>
-                <a:cs typeface="+mn-cs"/>
-              </a:rPr>
-              <a:t>Ensure that Hooks are called in the same order each time a component renders. </a:t>
-            </a:r>
-            <a:r>
-              <a:rPr lang="en-US" baseline="0"/>
-              <a:t>Make Hooks preserve the state of Hooks between multiple </a:t>
-            </a:r>
-            <a:r>
-              <a:rPr lang="en-US" i="1" baseline="0" err="1"/>
-              <a:t>useState</a:t>
-            </a:r>
-            <a:r>
-              <a:rPr lang="en-US" i="0" baseline="0"/>
-              <a:t> and </a:t>
-            </a:r>
-            <a:r>
-              <a:rPr lang="en-US" i="1" baseline="0" err="1"/>
-              <a:t>useEffect</a:t>
-            </a:r>
-            <a:r>
-              <a:rPr lang="en-US" i="0" baseline="0"/>
-              <a:t>.</a:t>
-            </a:r>
-            <a:br>
-              <a:rPr lang="en-US" i="0" baseline="0"/>
-            </a:br>
-            <a:r>
-              <a:rPr lang="en-US" i="0" baseline="0"/>
-              <a:t>- Regular </a:t>
-            </a:r>
-            <a:r>
-              <a:rPr lang="en-US" i="0" baseline="0" err="1"/>
-              <a:t>Js</a:t>
-            </a:r>
-            <a:r>
-              <a:rPr lang="en-US" i="0" baseline="0"/>
-              <a:t> functions: ajax …. This rule</a:t>
-            </a:r>
-            <a:r>
-              <a:rPr lang="en-US" sz="1200" b="0" i="0" kern="1200">
-                <a:solidFill>
-                  <a:schemeClr val="tx1"/>
-                </a:solidFill>
-                <a:effectLst/>
-                <a:latin typeface="+mn-lt"/>
-                <a:ea typeface="+mn-ea"/>
-                <a:cs typeface="+mn-cs"/>
-              </a:rPr>
-              <a:t> ensure that all </a:t>
-            </a:r>
-            <a:r>
-              <a:rPr lang="en-US" sz="1200" b="0" i="0" kern="1200" err="1">
-                <a:solidFill>
-                  <a:schemeClr val="tx1"/>
-                </a:solidFill>
-                <a:effectLst/>
-                <a:latin typeface="+mn-lt"/>
-                <a:ea typeface="+mn-ea"/>
-                <a:cs typeface="+mn-cs"/>
-              </a:rPr>
-              <a:t>stateful</a:t>
-            </a:r>
-            <a:r>
-              <a:rPr lang="en-US" sz="1200" b="0" i="0" kern="1200">
-                <a:solidFill>
-                  <a:schemeClr val="tx1"/>
-                </a:solidFill>
-                <a:effectLst/>
-                <a:latin typeface="+mn-lt"/>
-                <a:ea typeface="+mn-ea"/>
-                <a:cs typeface="+mn-cs"/>
-              </a:rPr>
-              <a:t> logic in a component is clearly visible from its source code.</a:t>
-            </a:r>
-            <a:endParaRPr lang="en-US" baseline="0"/>
-          </a:p>
-        </p:txBody>
-      </p:sp>
-      <p:sp>
-        <p:nvSpPr>
-          <p:cNvPr id="5" name="Slide Number Placeholder 4"/>
-          <p:cNvSpPr>
-            <a:spLocks noGrp="1"/>
-          </p:cNvSpPr>
-          <p:nvPr>
-            <p:ph type="sldNum" sz="quarter" idx="10"/>
+            <a:endParaRPr lang="en-US" dirty="0"/>
+          </a:p>
+        </p:txBody>
+      </p:sp>
+      <p:sp>
+        <p:nvSpPr>
+          <p:cNvPr id="6" name="Chỗ dành sẵn cho Số hiệu Bản chiếu 5">
+            <a:extLst>
+              <a:ext uri="{FF2B5EF4-FFF2-40B4-BE49-F238E27FC236}">
+                <a16:creationId xmlns:a16="http://schemas.microsoft.com/office/drawing/2014/main" id="{8D2D37D3-3DCE-40A5-93A5-AE82176C8D0D}"/>
+              </a:ext>
+            </a:extLst>
+          </p:cNvPr>
+          <p:cNvSpPr>
+            <a:spLocks noGrp="1"/>
+          </p:cNvSpPr>
+          <p:nvPr>
+            <p:ph type="sldNum" sz="quarter" idx="5"/>
           </p:nvPr>
         </p:nvSpPr>
         <p:spPr/>
@@ -2035,7 +1264,7 @@
           <a:p>
             <a:fld id="{FBF31ECA-FEBF-416A-9457-D684578178CB}" type="slidenum">
               <a:rPr lang="en-US" smtClean="0"/>
-              <a:t>10</a:t>
+              <a:t>9</a:t>
             </a:fld>
             <a:endParaRPr lang="en-US"/>
           </a:p>
@@ -2044,7 +1273,7 @@
     </p:spTree>
     <p:extLst>
       <p:ext uri="{BB962C8B-B14F-4D97-AF65-F5344CB8AC3E}">
-        <p14:creationId xmlns:p14="http://schemas.microsoft.com/office/powerpoint/2010/main" val="2969476635"/>
+        <p14:creationId xmlns:p14="http://schemas.microsoft.com/office/powerpoint/2010/main" val="3337359721"/>
       </p:ext>
     </p:extLst>
   </p:cSld>
@@ -2056,7 +1285,7 @@
 
 <file path=ppt/slideLayouts/slideLayout1.xml><?xml version="1.0" encoding="utf-8"?>
 <p:sldLayout xmlns:a="http://schemas.openxmlformats.org/drawingml/2006/main" xmlns:r="http://schemas.openxmlformats.org/officeDocument/2006/relationships" xmlns:p="http://schemas.openxmlformats.org/presentationml/2006/main" type="title" preserve="1">
-  <p:cSld name="Title Slide">
+  <p:cSld name="Tiêu đề Bản chiếu">
     <p:spTree>
       <p:nvGrpSpPr>
         <p:cNvPr id="1" name=""/>
@@ -2096,9 +1325,10 @@
           </a:lstStyle>
           <a:p>
             <a:r>
-              <a:rPr lang="en-US"/>
-              <a:t>Click to edit Master title style</a:t>
-            </a:r>
+              <a:rPr lang="vi-VN"/>
+              <a:t>Bấm để sửa kiểu tiêu đề Bản cái</a:t>
+            </a:r>
+            <a:endParaRPr lang="en-US" dirty="0"/>
           </a:p>
         </p:txBody>
       </p:sp>
@@ -2160,9 +1390,10 @@
           </a:lstStyle>
           <a:p>
             <a:r>
-              <a:rPr lang="en-US"/>
-              <a:t>Click to edit Master subtitle style</a:t>
-            </a:r>
+              <a:rPr lang="vi-VN"/>
+              <a:t>Bấm để chỉnh sửa kiểu tiêu đề phụ của Bản cái</a:t>
+            </a:r>
+            <a:endParaRPr lang="en-US" dirty="0"/>
           </a:p>
         </p:txBody>
       </p:sp>
@@ -2181,9 +1412,9 @@
           <a:bodyPr/>
           <a:lstStyle/>
           <a:p>
-            <a:fld id="{5C76B33F-923F-404A-96A8-EE08FCFE28B1}" type="datetime1">
+            <a:fld id="{E8740874-2C3D-4464-9C0F-879C2604FAEB}" type="datetime1">
               <a:rPr lang="en-US" smtClean="0"/>
-              <a:t>5/14/2019</a:t>
+              <a:t>5/17/2019</a:t>
             </a:fld>
             <a:endParaRPr lang="en-US"/>
           </a:p>
@@ -2234,19 +1465,20 @@
     </p:spTree>
     <p:extLst>
       <p:ext uri="{BB962C8B-B14F-4D97-AF65-F5344CB8AC3E}">
-        <p14:creationId xmlns:p14="http://schemas.microsoft.com/office/powerpoint/2010/main" val="2626156396"/>
+        <p14:creationId xmlns:p14="http://schemas.microsoft.com/office/powerpoint/2010/main" val="51293065"/>
       </p:ext>
     </p:extLst>
   </p:cSld>
   <p:clrMapOvr>
     <a:masterClrMapping/>
   </p:clrMapOvr>
+  <p:hf hdr="0" ftr="0" dt="0"/>
 </p:sldLayout>
 </file>
 
 <file path=ppt/slideLayouts/slideLayout10.xml><?xml version="1.0" encoding="utf-8"?>
 <p:sldLayout xmlns:a="http://schemas.openxmlformats.org/drawingml/2006/main" xmlns:r="http://schemas.openxmlformats.org/officeDocument/2006/relationships" xmlns:p="http://schemas.openxmlformats.org/presentationml/2006/main" type="vertTx" preserve="1">
-  <p:cSld name="Title and Vertical Text">
+  <p:cSld name="Tiêu đề và Văn bản Dọc">
     <p:spTree>
       <p:nvGrpSpPr>
         <p:cNvPr id="1" name=""/>
@@ -2277,9 +1509,10 @@
           <a:lstStyle/>
           <a:p>
             <a:r>
-              <a:rPr lang="en-US"/>
-              <a:t>Click to edit Master title style</a:t>
-            </a:r>
+              <a:rPr lang="vi-VN"/>
+              <a:t>Bấm để sửa kiểu tiêu đề Bản cái</a:t>
+            </a:r>
+            <a:endParaRPr lang="en-US" dirty="0"/>
           </a:p>
         </p:txBody>
       </p:sp>
@@ -2300,37 +1533,38 @@
           <a:p>
             <a:pPr lvl="0"/>
             <a:r>
-              <a:rPr lang="en-US"/>
-              <a:t>Edit Master text styles</a:t>
+              <a:rPr lang="vi-VN"/>
+              <a:t>Bấm để chỉnh sửa kiểu văn bản của Bản cái</a:t>
             </a:r>
           </a:p>
           <a:p>
             <a:pPr lvl="1"/>
             <a:r>
-              <a:rPr lang="en-US"/>
-              <a:t>Second level</a:t>
+              <a:rPr lang="vi-VN"/>
+              <a:t>Mức hai</a:t>
             </a:r>
           </a:p>
           <a:p>
             <a:pPr lvl="2"/>
             <a:r>
-              <a:rPr lang="en-US"/>
-              <a:t>Third level</a:t>
+              <a:rPr lang="vi-VN"/>
+              <a:t>Mức ba</a:t>
             </a:r>
           </a:p>
           <a:p>
             <a:pPr lvl="3"/>
             <a:r>
-              <a:rPr lang="en-US"/>
-              <a:t>Fourth level</a:t>
+              <a:rPr lang="vi-VN"/>
+              <a:t>Mức bốn</a:t>
             </a:r>
           </a:p>
           <a:p>
             <a:pPr lvl="4"/>
             <a:r>
-              <a:rPr lang="en-US"/>
-              <a:t>Fifth level</a:t>
-            </a:r>
+              <a:rPr lang="vi-VN"/>
+              <a:t>Mức năm</a:t>
+            </a:r>
+            <a:endParaRPr lang="en-US" dirty="0"/>
           </a:p>
         </p:txBody>
       </p:sp>
@@ -2349,9 +1583,9 @@
           <a:bodyPr/>
           <a:lstStyle/>
           <a:p>
-            <a:fld id="{7505B9A2-C4B5-4C0A-B9E4-C9D5E245AEEB}" type="datetime1">
+            <a:fld id="{E8740874-2C3D-4464-9C0F-879C2604FAEB}" type="datetime1">
               <a:rPr lang="en-US" smtClean="0"/>
-              <a:t>5/14/2019</a:t>
+              <a:t>5/17/2019</a:t>
             </a:fld>
             <a:endParaRPr lang="en-US"/>
           </a:p>
@@ -2402,19 +1636,20 @@
     </p:spTree>
     <p:extLst>
       <p:ext uri="{BB962C8B-B14F-4D97-AF65-F5344CB8AC3E}">
-        <p14:creationId xmlns:p14="http://schemas.microsoft.com/office/powerpoint/2010/main" val="32845785"/>
+        <p14:creationId xmlns:p14="http://schemas.microsoft.com/office/powerpoint/2010/main" val="3388054164"/>
       </p:ext>
     </p:extLst>
   </p:cSld>
   <p:clrMapOvr>
     <a:masterClrMapping/>
   </p:clrMapOvr>
+  <p:hf hdr="0" ftr="0" dt="0"/>
 </p:sldLayout>
 </file>
 
 <file path=ppt/slideLayouts/slideLayout11.xml><?xml version="1.0" encoding="utf-8"?>
 <p:sldLayout xmlns:a="http://schemas.openxmlformats.org/drawingml/2006/main" xmlns:r="http://schemas.openxmlformats.org/officeDocument/2006/relationships" xmlns:p="http://schemas.openxmlformats.org/presentationml/2006/main" type="vertTitleAndTx" preserve="1">
-  <p:cSld name="Vertical Title and Text">
+  <p:cSld name="Tiêu đề Dọc và Văn bản">
     <p:spTree>
       <p:nvGrpSpPr>
         <p:cNvPr id="1" name=""/>
@@ -2450,9 +1685,10 @@
           <a:lstStyle/>
           <a:p>
             <a:r>
-              <a:rPr lang="en-US"/>
-              <a:t>Click to edit Master title style</a:t>
-            </a:r>
+              <a:rPr lang="vi-VN"/>
+              <a:t>Bấm để sửa kiểu tiêu đề Bản cái</a:t>
+            </a:r>
+            <a:endParaRPr lang="en-US" dirty="0"/>
           </a:p>
         </p:txBody>
       </p:sp>
@@ -2478,37 +1714,38 @@
           <a:p>
             <a:pPr lvl="0"/>
             <a:r>
-              <a:rPr lang="en-US"/>
-              <a:t>Edit Master text styles</a:t>
+              <a:rPr lang="vi-VN"/>
+              <a:t>Bấm để chỉnh sửa kiểu văn bản của Bản cái</a:t>
             </a:r>
           </a:p>
           <a:p>
             <a:pPr lvl="1"/>
             <a:r>
-              <a:rPr lang="en-US"/>
-              <a:t>Second level</a:t>
+              <a:rPr lang="vi-VN"/>
+              <a:t>Mức hai</a:t>
             </a:r>
           </a:p>
           <a:p>
             <a:pPr lvl="2"/>
             <a:r>
-              <a:rPr lang="en-US"/>
-              <a:t>Third level</a:t>
+              <a:rPr lang="vi-VN"/>
+              <a:t>Mức ba</a:t>
             </a:r>
           </a:p>
           <a:p>
             <a:pPr lvl="3"/>
             <a:r>
-              <a:rPr lang="en-US"/>
-              <a:t>Fourth level</a:t>
+              <a:rPr lang="vi-VN"/>
+              <a:t>Mức bốn</a:t>
             </a:r>
           </a:p>
           <a:p>
             <a:pPr lvl="4"/>
             <a:r>
-              <a:rPr lang="en-US"/>
-              <a:t>Fifth level</a:t>
-            </a:r>
+              <a:rPr lang="vi-VN"/>
+              <a:t>Mức năm</a:t>
+            </a:r>
+            <a:endParaRPr lang="en-US" dirty="0"/>
           </a:p>
         </p:txBody>
       </p:sp>
@@ -2527,9 +1764,9 @@
           <a:bodyPr/>
           <a:lstStyle/>
           <a:p>
-            <a:fld id="{EB3DCC1B-A690-4F74-A264-FD3A1D17A9CE}" type="datetime1">
+            <a:fld id="{E8740874-2C3D-4464-9C0F-879C2604FAEB}" type="datetime1">
               <a:rPr lang="en-US" smtClean="0"/>
-              <a:t>5/14/2019</a:t>
+              <a:t>5/17/2019</a:t>
             </a:fld>
             <a:endParaRPr lang="en-US"/>
           </a:p>
@@ -2580,19 +1817,20 @@
     </p:spTree>
     <p:extLst>
       <p:ext uri="{BB962C8B-B14F-4D97-AF65-F5344CB8AC3E}">
-        <p14:creationId xmlns:p14="http://schemas.microsoft.com/office/powerpoint/2010/main" val="3837609014"/>
+        <p14:creationId xmlns:p14="http://schemas.microsoft.com/office/powerpoint/2010/main" val="355853925"/>
       </p:ext>
     </p:extLst>
   </p:cSld>
   <p:clrMapOvr>
     <a:masterClrMapping/>
   </p:clrMapOvr>
+  <p:hf hdr="0" ftr="0" dt="0"/>
 </p:sldLayout>
 </file>
 
 <file path=ppt/slideLayouts/slideLayout2.xml><?xml version="1.0" encoding="utf-8"?>
 <p:sldLayout xmlns:a="http://schemas.openxmlformats.org/drawingml/2006/main" xmlns:r="http://schemas.openxmlformats.org/officeDocument/2006/relationships" xmlns:p="http://schemas.openxmlformats.org/presentationml/2006/main" type="obj" preserve="1">
-  <p:cSld name="Title and Content">
+  <p:cSld name="Tiêu đề và Nội dung">
     <p:spTree>
       <p:nvGrpSpPr>
         <p:cNvPr id="1" name=""/>
@@ -2623,9 +1861,10 @@
           <a:lstStyle/>
           <a:p>
             <a:r>
-              <a:rPr lang="en-US"/>
-              <a:t>Click to edit Master title style</a:t>
-            </a:r>
+              <a:rPr lang="vi-VN"/>
+              <a:t>Bấm để sửa kiểu tiêu đề Bản cái</a:t>
+            </a:r>
+            <a:endParaRPr lang="en-US" dirty="0"/>
           </a:p>
         </p:txBody>
       </p:sp>
@@ -2646,37 +1885,38 @@
           <a:p>
             <a:pPr lvl="0"/>
             <a:r>
-              <a:rPr lang="en-US"/>
-              <a:t>Edit Master text styles</a:t>
+              <a:rPr lang="vi-VN"/>
+              <a:t>Bấm để chỉnh sửa kiểu văn bản của Bản cái</a:t>
             </a:r>
           </a:p>
           <a:p>
             <a:pPr lvl="1"/>
             <a:r>
-              <a:rPr lang="en-US"/>
-              <a:t>Second level</a:t>
+              <a:rPr lang="vi-VN"/>
+              <a:t>Mức hai</a:t>
             </a:r>
           </a:p>
           <a:p>
             <a:pPr lvl="2"/>
             <a:r>
-              <a:rPr lang="en-US"/>
-              <a:t>Third level</a:t>
+              <a:rPr lang="vi-VN"/>
+              <a:t>Mức ba</a:t>
             </a:r>
           </a:p>
           <a:p>
             <a:pPr lvl="3"/>
             <a:r>
-              <a:rPr lang="en-US"/>
-              <a:t>Fourth level</a:t>
+              <a:rPr lang="vi-VN"/>
+              <a:t>Mức bốn</a:t>
             </a:r>
           </a:p>
           <a:p>
             <a:pPr lvl="4"/>
             <a:r>
-              <a:rPr lang="en-US"/>
-              <a:t>Fifth level</a:t>
-            </a:r>
+              <a:rPr lang="vi-VN"/>
+              <a:t>Mức năm</a:t>
+            </a:r>
+            <a:endParaRPr lang="en-US" dirty="0"/>
           </a:p>
         </p:txBody>
       </p:sp>
@@ -2695,9 +1935,9 @@
           <a:bodyPr/>
           <a:lstStyle/>
           <a:p>
-            <a:fld id="{493B62D7-F942-4CEE-8BF1-CE9A61FDCF12}" type="datetime1">
+            <a:fld id="{E8740874-2C3D-4464-9C0F-879C2604FAEB}" type="datetime1">
               <a:rPr lang="en-US" smtClean="0"/>
-              <a:t>5/14/2019</a:t>
+              <a:t>5/17/2019</a:t>
             </a:fld>
             <a:endParaRPr lang="en-US"/>
           </a:p>
@@ -2748,19 +1988,20 @@
     </p:spTree>
     <p:extLst>
       <p:ext uri="{BB962C8B-B14F-4D97-AF65-F5344CB8AC3E}">
-        <p14:creationId xmlns:p14="http://schemas.microsoft.com/office/powerpoint/2010/main" val="4103484698"/>
+        <p14:creationId xmlns:p14="http://schemas.microsoft.com/office/powerpoint/2010/main" val="2865272189"/>
       </p:ext>
     </p:extLst>
   </p:cSld>
   <p:clrMapOvr>
     <a:masterClrMapping/>
   </p:clrMapOvr>
+  <p:hf hdr="0" ftr="0" dt="0"/>
 </p:sldLayout>
 </file>
 
 <file path=ppt/slideLayouts/slideLayout3.xml><?xml version="1.0" encoding="utf-8"?>
 <p:sldLayout xmlns:a="http://schemas.openxmlformats.org/drawingml/2006/main" xmlns:r="http://schemas.openxmlformats.org/officeDocument/2006/relationships" xmlns:p="http://schemas.openxmlformats.org/presentationml/2006/main" type="secHead" preserve="1">
-  <p:cSld name="Section Header">
+  <p:cSld name="Đầu trang của Phần">
     <p:spTree>
       <p:nvGrpSpPr>
         <p:cNvPr id="1" name=""/>
@@ -2800,9 +2041,10 @@
           </a:lstStyle>
           <a:p>
             <a:r>
-              <a:rPr lang="en-US"/>
-              <a:t>Click to edit Master title style</a:t>
-            </a:r>
+              <a:rPr lang="vi-VN"/>
+              <a:t>Bấm để sửa kiểu tiêu đề Bản cái</a:t>
+            </a:r>
+            <a:endParaRPr lang="en-US" dirty="0"/>
           </a:p>
         </p:txBody>
       </p:sp>
@@ -2919,8 +2161,8 @@
           <a:p>
             <a:pPr lvl="0"/>
             <a:r>
-              <a:rPr lang="en-US"/>
-              <a:t>Edit Master text styles</a:t>
+              <a:rPr lang="vi-VN"/>
+              <a:t>Bấm để chỉnh sửa kiểu văn bản của Bản cái</a:t>
             </a:r>
           </a:p>
         </p:txBody>
@@ -2940,9 +2182,9 @@
           <a:bodyPr/>
           <a:lstStyle/>
           <a:p>
-            <a:fld id="{56F54805-F090-44B9-822C-99D47EF8D2F1}" type="datetime1">
+            <a:fld id="{E8740874-2C3D-4464-9C0F-879C2604FAEB}" type="datetime1">
               <a:rPr lang="en-US" smtClean="0"/>
-              <a:t>5/14/2019</a:t>
+              <a:t>5/17/2019</a:t>
             </a:fld>
             <a:endParaRPr lang="en-US"/>
           </a:p>
@@ -2993,19 +2235,20 @@
     </p:spTree>
     <p:extLst>
       <p:ext uri="{BB962C8B-B14F-4D97-AF65-F5344CB8AC3E}">
-        <p14:creationId xmlns:p14="http://schemas.microsoft.com/office/powerpoint/2010/main" val="3624254772"/>
+        <p14:creationId xmlns:p14="http://schemas.microsoft.com/office/powerpoint/2010/main" val="159232746"/>
       </p:ext>
     </p:extLst>
   </p:cSld>
   <p:clrMapOvr>
     <a:masterClrMapping/>
   </p:clrMapOvr>
+  <p:hf hdr="0" ftr="0" dt="0"/>
 </p:sldLayout>
 </file>
 
 <file path=ppt/slideLayouts/slideLayout4.xml><?xml version="1.0" encoding="utf-8"?>
 <p:sldLayout xmlns:a="http://schemas.openxmlformats.org/drawingml/2006/main" xmlns:r="http://schemas.openxmlformats.org/officeDocument/2006/relationships" xmlns:p="http://schemas.openxmlformats.org/presentationml/2006/main" type="twoObj" preserve="1">
-  <p:cSld name="Two Content">
+  <p:cSld name="Hai Nội dung">
     <p:spTree>
       <p:nvGrpSpPr>
         <p:cNvPr id="1" name=""/>
@@ -3036,9 +2279,10 @@
           <a:lstStyle/>
           <a:p>
             <a:r>
-              <a:rPr lang="en-US"/>
-              <a:t>Click to edit Master title style</a:t>
-            </a:r>
+              <a:rPr lang="vi-VN"/>
+              <a:t>Bấm để sửa kiểu tiêu đề Bản cái</a:t>
+            </a:r>
+            <a:endParaRPr lang="en-US" dirty="0"/>
           </a:p>
         </p:txBody>
       </p:sp>
@@ -3064,37 +2308,38 @@
           <a:p>
             <a:pPr lvl="0"/>
             <a:r>
-              <a:rPr lang="en-US"/>
-              <a:t>Edit Master text styles</a:t>
+              <a:rPr lang="vi-VN"/>
+              <a:t>Bấm để chỉnh sửa kiểu văn bản của Bản cái</a:t>
             </a:r>
           </a:p>
           <a:p>
             <a:pPr lvl="1"/>
             <a:r>
-              <a:rPr lang="en-US"/>
-              <a:t>Second level</a:t>
+              <a:rPr lang="vi-VN"/>
+              <a:t>Mức hai</a:t>
             </a:r>
           </a:p>
           <a:p>
             <a:pPr lvl="2"/>
             <a:r>
-              <a:rPr lang="en-US"/>
-              <a:t>Third level</a:t>
+              <a:rPr lang="vi-VN"/>
+              <a:t>Mức ba</a:t>
             </a:r>
           </a:p>
           <a:p>
             <a:pPr lvl="3"/>
             <a:r>
-              <a:rPr lang="en-US"/>
-              <a:t>Fourth level</a:t>
+              <a:rPr lang="vi-VN"/>
+              <a:t>Mức bốn</a:t>
             </a:r>
           </a:p>
           <a:p>
             <a:pPr lvl="4"/>
             <a:r>
-              <a:rPr lang="en-US"/>
-              <a:t>Fifth level</a:t>
-            </a:r>
+              <a:rPr lang="vi-VN"/>
+              <a:t>Mức năm</a:t>
+            </a:r>
+            <a:endParaRPr lang="en-US" dirty="0"/>
           </a:p>
         </p:txBody>
       </p:sp>
@@ -3120,37 +2365,38 @@
           <a:p>
             <a:pPr lvl="0"/>
             <a:r>
-              <a:rPr lang="en-US"/>
-              <a:t>Edit Master text styles</a:t>
+              <a:rPr lang="vi-VN"/>
+              <a:t>Bấm để chỉnh sửa kiểu văn bản của Bản cái</a:t>
             </a:r>
           </a:p>
           <a:p>
             <a:pPr lvl="1"/>
             <a:r>
-              <a:rPr lang="en-US"/>
-              <a:t>Second level</a:t>
+              <a:rPr lang="vi-VN"/>
+              <a:t>Mức hai</a:t>
             </a:r>
           </a:p>
           <a:p>
             <a:pPr lvl="2"/>
             <a:r>
-              <a:rPr lang="en-US"/>
-              <a:t>Third level</a:t>
+              <a:rPr lang="vi-VN"/>
+              <a:t>Mức ba</a:t>
             </a:r>
           </a:p>
           <a:p>
             <a:pPr lvl="3"/>
             <a:r>
-              <a:rPr lang="en-US"/>
-              <a:t>Fourth level</a:t>
+              <a:rPr lang="vi-VN"/>
+              <a:t>Mức bốn</a:t>
             </a:r>
           </a:p>
           <a:p>
             <a:pPr lvl="4"/>
             <a:r>
-              <a:rPr lang="en-US"/>
-              <a:t>Fifth level</a:t>
-            </a:r>
+              <a:rPr lang="vi-VN"/>
+              <a:t>Mức năm</a:t>
+            </a:r>
+            <a:endParaRPr lang="en-US" dirty="0"/>
           </a:p>
         </p:txBody>
       </p:sp>
@@ -3169,9 +2415,9 @@
           <a:bodyPr/>
           <a:lstStyle/>
           <a:p>
-            <a:fld id="{834B8418-18EF-46F4-A725-7B88CA0DAD6E}" type="datetime1">
+            <a:fld id="{E8740874-2C3D-4464-9C0F-879C2604FAEB}" type="datetime1">
               <a:rPr lang="en-US" smtClean="0"/>
-              <a:t>5/14/2019</a:t>
+              <a:t>5/17/2019</a:t>
             </a:fld>
             <a:endParaRPr lang="en-US"/>
           </a:p>
@@ -3222,19 +2468,20 @@
     </p:spTree>
     <p:extLst>
       <p:ext uri="{BB962C8B-B14F-4D97-AF65-F5344CB8AC3E}">
-        <p14:creationId xmlns:p14="http://schemas.microsoft.com/office/powerpoint/2010/main" val="1285241911"/>
+        <p14:creationId xmlns:p14="http://schemas.microsoft.com/office/powerpoint/2010/main" val="1447274248"/>
       </p:ext>
     </p:extLst>
   </p:cSld>
   <p:clrMapOvr>
     <a:masterClrMapping/>
   </p:clrMapOvr>
+  <p:hf hdr="0" ftr="0" dt="0"/>
 </p:sldLayout>
 </file>
 
 <file path=ppt/slideLayouts/slideLayout5.xml><?xml version="1.0" encoding="utf-8"?>
 <p:sldLayout xmlns:a="http://schemas.openxmlformats.org/drawingml/2006/main" xmlns:r="http://schemas.openxmlformats.org/officeDocument/2006/relationships" xmlns:p="http://schemas.openxmlformats.org/presentationml/2006/main" type="twoTxTwoObj" preserve="1">
-  <p:cSld name="Comparison">
+  <p:cSld name="Phép so sánh">
     <p:spTree>
       <p:nvGrpSpPr>
         <p:cNvPr id="1" name=""/>
@@ -3270,9 +2517,10 @@
           <a:lstStyle/>
           <a:p>
             <a:r>
-              <a:rPr lang="en-US"/>
-              <a:t>Click to edit Master title style</a:t>
-            </a:r>
+              <a:rPr lang="vi-VN"/>
+              <a:t>Bấm để sửa kiểu tiêu đề Bản cái</a:t>
+            </a:r>
+            <a:endParaRPr lang="en-US" dirty="0"/>
           </a:p>
         </p:txBody>
       </p:sp>
@@ -3335,8 +2583,8 @@
           <a:p>
             <a:pPr lvl="0"/>
             <a:r>
-              <a:rPr lang="en-US"/>
-              <a:t>Edit Master text styles</a:t>
+              <a:rPr lang="vi-VN"/>
+              <a:t>Bấm để chỉnh sửa kiểu văn bản của Bản cái</a:t>
             </a:r>
           </a:p>
         </p:txBody>
@@ -3363,37 +2611,38 @@
           <a:p>
             <a:pPr lvl="0"/>
             <a:r>
-              <a:rPr lang="en-US"/>
-              <a:t>Edit Master text styles</a:t>
+              <a:rPr lang="vi-VN"/>
+              <a:t>Bấm để chỉnh sửa kiểu văn bản của Bản cái</a:t>
             </a:r>
           </a:p>
           <a:p>
             <a:pPr lvl="1"/>
             <a:r>
-              <a:rPr lang="en-US"/>
-              <a:t>Second level</a:t>
+              <a:rPr lang="vi-VN"/>
+              <a:t>Mức hai</a:t>
             </a:r>
           </a:p>
           <a:p>
             <a:pPr lvl="2"/>
             <a:r>
-              <a:rPr lang="en-US"/>
-              <a:t>Third level</a:t>
+              <a:rPr lang="vi-VN"/>
+              <a:t>Mức ba</a:t>
             </a:r>
           </a:p>
           <a:p>
             <a:pPr lvl="3"/>
             <a:r>
-              <a:rPr lang="en-US"/>
-              <a:t>Fourth level</a:t>
+              <a:rPr lang="vi-VN"/>
+              <a:t>Mức bốn</a:t>
             </a:r>
           </a:p>
           <a:p>
             <a:pPr lvl="4"/>
             <a:r>
-              <a:rPr lang="en-US"/>
-              <a:t>Fifth level</a:t>
-            </a:r>
+              <a:rPr lang="vi-VN"/>
+              <a:t>Mức năm</a:t>
+            </a:r>
+            <a:endParaRPr lang="en-US" dirty="0"/>
           </a:p>
         </p:txBody>
       </p:sp>
@@ -3456,8 +2705,8 @@
           <a:p>
             <a:pPr lvl="0"/>
             <a:r>
-              <a:rPr lang="en-US"/>
-              <a:t>Edit Master text styles</a:t>
+              <a:rPr lang="vi-VN"/>
+              <a:t>Bấm để chỉnh sửa kiểu văn bản của Bản cái</a:t>
             </a:r>
           </a:p>
         </p:txBody>
@@ -3484,37 +2733,38 @@
           <a:p>
             <a:pPr lvl="0"/>
             <a:r>
-              <a:rPr lang="en-US"/>
-              <a:t>Edit Master text styles</a:t>
+              <a:rPr lang="vi-VN"/>
+              <a:t>Bấm để chỉnh sửa kiểu văn bản của Bản cái</a:t>
             </a:r>
           </a:p>
           <a:p>
             <a:pPr lvl="1"/>
             <a:r>
-              <a:rPr lang="en-US"/>
-              <a:t>Second level</a:t>
+              <a:rPr lang="vi-VN"/>
+              <a:t>Mức hai</a:t>
             </a:r>
           </a:p>
           <a:p>
             <a:pPr lvl="2"/>
             <a:r>
-              <a:rPr lang="en-US"/>
-              <a:t>Third level</a:t>
+              <a:rPr lang="vi-VN"/>
+              <a:t>Mức ba</a:t>
             </a:r>
           </a:p>
           <a:p>
             <a:pPr lvl="3"/>
             <a:r>
-              <a:rPr lang="en-US"/>
-              <a:t>Fourth level</a:t>
+              <a:rPr lang="vi-VN"/>
+              <a:t>Mức bốn</a:t>
             </a:r>
           </a:p>
           <a:p>
             <a:pPr lvl="4"/>
             <a:r>
-              <a:rPr lang="en-US"/>
-              <a:t>Fifth level</a:t>
-            </a:r>
+              <a:rPr lang="vi-VN"/>
+              <a:t>Mức năm</a:t>
+            </a:r>
+            <a:endParaRPr lang="en-US" dirty="0"/>
           </a:p>
         </p:txBody>
       </p:sp>
@@ -3533,9 +2783,9 @@
           <a:bodyPr/>
           <a:lstStyle/>
           <a:p>
-            <a:fld id="{ED6F3301-DB27-465C-BFCE-FBB5A52BCC2F}" type="datetime1">
+            <a:fld id="{E8740874-2C3D-4464-9C0F-879C2604FAEB}" type="datetime1">
               <a:rPr lang="en-US" smtClean="0"/>
-              <a:t>5/14/2019</a:t>
+              <a:t>5/17/2019</a:t>
             </a:fld>
             <a:endParaRPr lang="en-US"/>
           </a:p>
@@ -3586,19 +2836,20 @@
     </p:spTree>
     <p:extLst>
       <p:ext uri="{BB962C8B-B14F-4D97-AF65-F5344CB8AC3E}">
-        <p14:creationId xmlns:p14="http://schemas.microsoft.com/office/powerpoint/2010/main" val="1767884735"/>
+        <p14:creationId xmlns:p14="http://schemas.microsoft.com/office/powerpoint/2010/main" val="2295232749"/>
       </p:ext>
     </p:extLst>
   </p:cSld>
   <p:clrMapOvr>
     <a:masterClrMapping/>
   </p:clrMapOvr>
+  <p:hf hdr="0" ftr="0" dt="0"/>
 </p:sldLayout>
 </file>
 
 <file path=ppt/slideLayouts/slideLayout6.xml><?xml version="1.0" encoding="utf-8"?>
 <p:sldLayout xmlns:a="http://schemas.openxmlformats.org/drawingml/2006/main" xmlns:r="http://schemas.openxmlformats.org/officeDocument/2006/relationships" xmlns:p="http://schemas.openxmlformats.org/presentationml/2006/main" type="titleOnly" preserve="1">
-  <p:cSld name="Title Only">
+  <p:cSld name="Chỉ Tiêu đề">
     <p:spTree>
       <p:nvGrpSpPr>
         <p:cNvPr id="1" name=""/>
@@ -3629,9 +2880,10 @@
           <a:lstStyle/>
           <a:p>
             <a:r>
-              <a:rPr lang="en-US"/>
-              <a:t>Click to edit Master title style</a:t>
-            </a:r>
+              <a:rPr lang="vi-VN"/>
+              <a:t>Bấm để sửa kiểu tiêu đề Bản cái</a:t>
+            </a:r>
+            <a:endParaRPr lang="en-US" dirty="0"/>
           </a:p>
         </p:txBody>
       </p:sp>
@@ -3650,9 +2902,9 @@
           <a:bodyPr/>
           <a:lstStyle/>
           <a:p>
-            <a:fld id="{F77C35EA-58AD-4897-99AB-10D8399629E7}" type="datetime1">
+            <a:fld id="{E8740874-2C3D-4464-9C0F-879C2604FAEB}" type="datetime1">
               <a:rPr lang="en-US" smtClean="0"/>
-              <a:t>5/14/2019</a:t>
+              <a:t>5/17/2019</a:t>
             </a:fld>
             <a:endParaRPr lang="en-US"/>
           </a:p>
@@ -3703,19 +2955,20 @@
     </p:spTree>
     <p:extLst>
       <p:ext uri="{BB962C8B-B14F-4D97-AF65-F5344CB8AC3E}">
-        <p14:creationId xmlns:p14="http://schemas.microsoft.com/office/powerpoint/2010/main" val="676332374"/>
+        <p14:creationId xmlns:p14="http://schemas.microsoft.com/office/powerpoint/2010/main" val="2012109813"/>
       </p:ext>
     </p:extLst>
   </p:cSld>
   <p:clrMapOvr>
     <a:masterClrMapping/>
   </p:clrMapOvr>
+  <p:hf hdr="0" ftr="0" dt="0"/>
 </p:sldLayout>
 </file>
 
 <file path=ppt/slideLayouts/slideLayout7.xml><?xml version="1.0" encoding="utf-8"?>
 <p:sldLayout xmlns:a="http://schemas.openxmlformats.org/drawingml/2006/main" xmlns:r="http://schemas.openxmlformats.org/officeDocument/2006/relationships" xmlns:p="http://schemas.openxmlformats.org/presentationml/2006/main" type="blank" preserve="1">
-  <p:cSld name="Blank">
+  <p:cSld name="Trống">
     <p:spTree>
       <p:nvGrpSpPr>
         <p:cNvPr id="1" name=""/>
@@ -3745,9 +2998,9 @@
           <a:bodyPr/>
           <a:lstStyle/>
           <a:p>
-            <a:fld id="{E6D0365A-1AEE-4F4C-98E0-4DF924A908CD}" type="datetime1">
+            <a:fld id="{E8740874-2C3D-4464-9C0F-879C2604FAEB}" type="datetime1">
               <a:rPr lang="en-US" smtClean="0"/>
-              <a:t>5/14/2019</a:t>
+              <a:t>5/17/2019</a:t>
             </a:fld>
             <a:endParaRPr lang="en-US"/>
           </a:p>
@@ -3798,19 +3051,20 @@
     </p:spTree>
     <p:extLst>
       <p:ext uri="{BB962C8B-B14F-4D97-AF65-F5344CB8AC3E}">
-        <p14:creationId xmlns:p14="http://schemas.microsoft.com/office/powerpoint/2010/main" val="450127718"/>
+        <p14:creationId xmlns:p14="http://schemas.microsoft.com/office/powerpoint/2010/main" val="1700687603"/>
       </p:ext>
     </p:extLst>
   </p:cSld>
   <p:clrMapOvr>
     <a:masterClrMapping/>
   </p:clrMapOvr>
+  <p:hf hdr="0" ftr="0" dt="0"/>
 </p:sldLayout>
 </file>
 
 <file path=ppt/slideLayouts/slideLayout8.xml><?xml version="1.0" encoding="utf-8"?>
 <p:sldLayout xmlns:a="http://schemas.openxmlformats.org/drawingml/2006/main" xmlns:r="http://schemas.openxmlformats.org/officeDocument/2006/relationships" xmlns:p="http://schemas.openxmlformats.org/presentationml/2006/main" type="objTx" preserve="1">
-  <p:cSld name="Content with Caption">
+  <p:cSld name="Nội dung với Chú thích">
     <p:spTree>
       <p:nvGrpSpPr>
         <p:cNvPr id="1" name=""/>
@@ -3850,9 +3104,10 @@
           </a:lstStyle>
           <a:p>
             <a:r>
-              <a:rPr lang="en-US"/>
-              <a:t>Click to edit Master title style</a:t>
-            </a:r>
+              <a:rPr lang="vi-VN"/>
+              <a:t>Bấm để sửa kiểu tiêu đề Bản cái</a:t>
+            </a:r>
+            <a:endParaRPr lang="en-US" dirty="0"/>
           </a:p>
         </p:txBody>
       </p:sp>
@@ -3906,37 +3161,38 @@
           <a:p>
             <a:pPr lvl="0"/>
             <a:r>
-              <a:rPr lang="en-US"/>
-              <a:t>Edit Master text styles</a:t>
+              <a:rPr lang="vi-VN"/>
+              <a:t>Bấm để chỉnh sửa kiểu văn bản của Bản cái</a:t>
             </a:r>
           </a:p>
           <a:p>
             <a:pPr lvl="1"/>
             <a:r>
-              <a:rPr lang="en-US"/>
-              <a:t>Second level</a:t>
+              <a:rPr lang="vi-VN"/>
+              <a:t>Mức hai</a:t>
             </a:r>
           </a:p>
           <a:p>
             <a:pPr lvl="2"/>
             <a:r>
-              <a:rPr lang="en-US"/>
-              <a:t>Third level</a:t>
+              <a:rPr lang="vi-VN"/>
+              <a:t>Mức ba</a:t>
             </a:r>
           </a:p>
           <a:p>
             <a:pPr lvl="3"/>
             <a:r>
-              <a:rPr lang="en-US"/>
-              <a:t>Fourth level</a:t>
+              <a:rPr lang="vi-VN"/>
+              <a:t>Mức bốn</a:t>
             </a:r>
           </a:p>
           <a:p>
             <a:pPr lvl="4"/>
             <a:r>
-              <a:rPr lang="en-US"/>
-              <a:t>Fifth level</a:t>
-            </a:r>
+              <a:rPr lang="vi-VN"/>
+              <a:t>Mức năm</a:t>
+            </a:r>
+            <a:endParaRPr lang="en-US" dirty="0"/>
           </a:p>
         </p:txBody>
       </p:sp>
@@ -3999,8 +3255,8 @@
           <a:p>
             <a:pPr lvl="0"/>
             <a:r>
-              <a:rPr lang="en-US"/>
-              <a:t>Edit Master text styles</a:t>
+              <a:rPr lang="vi-VN"/>
+              <a:t>Bấm để chỉnh sửa kiểu văn bản của Bản cái</a:t>
             </a:r>
           </a:p>
         </p:txBody>
@@ -4020,9 +3276,9 @@
           <a:bodyPr/>
           <a:lstStyle/>
           <a:p>
-            <a:fld id="{AA8A4D5D-09C2-4E42-A5BF-325FB8D0CC51}" type="datetime1">
+            <a:fld id="{E8740874-2C3D-4464-9C0F-879C2604FAEB}" type="datetime1">
               <a:rPr lang="en-US" smtClean="0"/>
-              <a:t>5/14/2019</a:t>
+              <a:t>5/17/2019</a:t>
             </a:fld>
             <a:endParaRPr lang="en-US"/>
           </a:p>
@@ -4073,19 +3329,20 @@
     </p:spTree>
     <p:extLst>
       <p:ext uri="{BB962C8B-B14F-4D97-AF65-F5344CB8AC3E}">
-        <p14:creationId xmlns:p14="http://schemas.microsoft.com/office/powerpoint/2010/main" val="397963859"/>
+        <p14:creationId xmlns:p14="http://schemas.microsoft.com/office/powerpoint/2010/main" val="792480531"/>
       </p:ext>
     </p:extLst>
   </p:cSld>
   <p:clrMapOvr>
     <a:masterClrMapping/>
   </p:clrMapOvr>
+  <p:hf hdr="0" ftr="0" dt="0"/>
 </p:sldLayout>
 </file>
 
 <file path=ppt/slideLayouts/slideLayout9.xml><?xml version="1.0" encoding="utf-8"?>
 <p:sldLayout xmlns:a="http://schemas.openxmlformats.org/drawingml/2006/main" xmlns:r="http://schemas.openxmlformats.org/officeDocument/2006/relationships" xmlns:p="http://schemas.openxmlformats.org/presentationml/2006/main" type="picTx" preserve="1">
-  <p:cSld name="Picture with Caption">
+  <p:cSld name="Ảnh với Chú thích">
     <p:spTree>
       <p:nvGrpSpPr>
         <p:cNvPr id="1" name=""/>
@@ -4125,9 +3382,10 @@
           </a:lstStyle>
           <a:p>
             <a:r>
-              <a:rPr lang="en-US"/>
-              <a:t>Click to edit Master title style</a:t>
-            </a:r>
+              <a:rPr lang="vi-VN"/>
+              <a:t>Bấm để sửa kiểu tiêu đề Bản cái</a:t>
+            </a:r>
+            <a:endParaRPr lang="en-US" dirty="0"/>
           </a:p>
         </p:txBody>
       </p:sp>
@@ -4135,7 +3393,7 @@
         <p:nvSpPr>
           <p:cNvPr id="3" name="Picture Placeholder 2"/>
           <p:cNvSpPr>
-            <a:spLocks noGrp="1"/>
+            <a:spLocks noGrp="1" noChangeAspect="1"/>
           </p:cNvSpPr>
           <p:nvPr>
             <p:ph type="pic" idx="1"/>
@@ -4148,7 +3406,7 @@
           </a:xfrm>
         </p:spPr>
         <p:txBody>
-          <a:bodyPr/>
+          <a:bodyPr anchor="t"/>
           <a:lstStyle>
             <a:lvl1pPr marL="0" indent="0">
               <a:buNone/>
@@ -4188,7 +3446,11 @@
             </a:lvl9pPr>
           </a:lstStyle>
           <a:p>
-            <a:endParaRPr lang="en-US"/>
+            <a:r>
+              <a:rPr lang="vi-VN"/>
+              <a:t>Bấm biểu tượng để thêm hình ảnh</a:t>
+            </a:r>
+            <a:endParaRPr lang="en-US" dirty="0"/>
           </a:p>
         </p:txBody>
       </p:sp>
@@ -4251,8 +3513,8 @@
           <a:p>
             <a:pPr lvl="0"/>
             <a:r>
-              <a:rPr lang="en-US"/>
-              <a:t>Edit Master text styles</a:t>
+              <a:rPr lang="vi-VN"/>
+              <a:t>Bấm để chỉnh sửa kiểu văn bản của Bản cái</a:t>
             </a:r>
           </a:p>
         </p:txBody>
@@ -4272,9 +3534,9 @@
           <a:bodyPr/>
           <a:lstStyle/>
           <a:p>
-            <a:fld id="{765CFDFF-19DB-40ED-8541-16B9B0B27FE1}" type="datetime1">
+            <a:fld id="{E8740874-2C3D-4464-9C0F-879C2604FAEB}" type="datetime1">
               <a:rPr lang="en-US" smtClean="0"/>
-              <a:t>5/14/2019</a:t>
+              <a:t>5/17/2019</a:t>
             </a:fld>
             <a:endParaRPr lang="en-US"/>
           </a:p>
@@ -4325,13 +3587,14 @@
     </p:spTree>
     <p:extLst>
       <p:ext uri="{BB962C8B-B14F-4D97-AF65-F5344CB8AC3E}">
-        <p14:creationId xmlns:p14="http://schemas.microsoft.com/office/powerpoint/2010/main" val="905595872"/>
+        <p14:creationId xmlns:p14="http://schemas.microsoft.com/office/powerpoint/2010/main" val="900629582"/>
       </p:ext>
     </p:extLst>
   </p:cSld>
   <p:clrMapOvr>
     <a:masterClrMapping/>
   </p:clrMapOvr>
+  <p:hf hdr="0" ftr="0" dt="0"/>
 </p:sldLayout>
 </file>
 
@@ -4383,9 +3646,10 @@
           <a:lstStyle/>
           <a:p>
             <a:r>
-              <a:rPr lang="en-US"/>
-              <a:t>Click to edit Master title style</a:t>
-            </a:r>
+              <a:rPr lang="vi-VN"/>
+              <a:t>Bấm để sửa kiểu tiêu đề Bản cái</a:t>
+            </a:r>
+            <a:endParaRPr lang="en-US" dirty="0"/>
           </a:p>
         </p:txBody>
       </p:sp>
@@ -4416,37 +3680,38 @@
           <a:p>
             <a:pPr lvl="0"/>
             <a:r>
-              <a:rPr lang="en-US"/>
-              <a:t>Edit Master text styles</a:t>
+              <a:rPr lang="vi-VN"/>
+              <a:t>Bấm để chỉnh sửa kiểu văn bản của Bản cái</a:t>
             </a:r>
           </a:p>
           <a:p>
             <a:pPr lvl="1"/>
             <a:r>
-              <a:rPr lang="en-US"/>
-              <a:t>Second level</a:t>
+              <a:rPr lang="vi-VN"/>
+              <a:t>Mức hai</a:t>
             </a:r>
           </a:p>
           <a:p>
             <a:pPr lvl="2"/>
             <a:r>
-              <a:rPr lang="en-US"/>
-              <a:t>Third level</a:t>
+              <a:rPr lang="vi-VN"/>
+              <a:t>Mức ba</a:t>
             </a:r>
           </a:p>
           <a:p>
             <a:pPr lvl="3"/>
             <a:r>
-              <a:rPr lang="en-US"/>
-              <a:t>Fourth level</a:t>
+              <a:rPr lang="vi-VN"/>
+              <a:t>Mức bốn</a:t>
             </a:r>
           </a:p>
           <a:p>
             <a:pPr lvl="4"/>
             <a:r>
-              <a:rPr lang="en-US"/>
-              <a:t>Fifth level</a:t>
-            </a:r>
+              <a:rPr lang="vi-VN"/>
+              <a:t>Mức năm</a:t>
+            </a:r>
+            <a:endParaRPr lang="en-US" dirty="0"/>
           </a:p>
         </p:txBody>
       </p:sp>
@@ -4483,9 +3748,9 @@
             </a:lvl1pPr>
           </a:lstStyle>
           <a:p>
-            <a:fld id="{95867D15-22AC-4BD8-A649-6FE153BB5E2E}" type="datetime1">
+            <a:fld id="{E8740874-2C3D-4464-9C0F-879C2604FAEB}" type="datetime1">
               <a:rPr lang="en-US" smtClean="0"/>
-              <a:t>5/14/2019</a:t>
+              <a:t>5/17/2019</a:t>
             </a:fld>
             <a:endParaRPr lang="en-US"/>
           </a:p>
@@ -4572,25 +3837,25 @@
     </p:spTree>
     <p:extLst>
       <p:ext uri="{BB962C8B-B14F-4D97-AF65-F5344CB8AC3E}">
-        <p14:creationId xmlns:p14="http://schemas.microsoft.com/office/powerpoint/2010/main" val="832244955"/>
+        <p14:creationId xmlns:p14="http://schemas.microsoft.com/office/powerpoint/2010/main" val="646560496"/>
       </p:ext>
     </p:extLst>
   </p:cSld>
   <p:clrMap bg1="lt1" tx1="dk1" bg2="lt2" tx2="dk2" accent1="accent1" accent2="accent2" accent3="accent3" accent4="accent4" accent5="accent5" accent6="accent6" hlink="hlink" folHlink="folHlink"/>
   <p:sldLayoutIdLst>
-    <p:sldLayoutId id="2147483649" r:id="rId1"/>
-    <p:sldLayoutId id="2147483650" r:id="rId2"/>
-    <p:sldLayoutId id="2147483651" r:id="rId3"/>
-    <p:sldLayoutId id="2147483652" r:id="rId4"/>
-    <p:sldLayoutId id="2147483653" r:id="rId5"/>
-    <p:sldLayoutId id="2147483654" r:id="rId6"/>
-    <p:sldLayoutId id="2147483655" r:id="rId7"/>
-    <p:sldLayoutId id="2147483656" r:id="rId8"/>
-    <p:sldLayoutId id="2147483657" r:id="rId9"/>
-    <p:sldLayoutId id="2147483658" r:id="rId10"/>
-    <p:sldLayoutId id="2147483659" r:id="rId11"/>
+    <p:sldLayoutId id="2147483673" r:id="rId1"/>
+    <p:sldLayoutId id="2147483674" r:id="rId2"/>
+    <p:sldLayoutId id="2147483675" r:id="rId3"/>
+    <p:sldLayoutId id="2147483676" r:id="rId4"/>
+    <p:sldLayoutId id="2147483677" r:id="rId5"/>
+    <p:sldLayoutId id="2147483678" r:id="rId6"/>
+    <p:sldLayoutId id="2147483679" r:id="rId7"/>
+    <p:sldLayoutId id="2147483680" r:id="rId8"/>
+    <p:sldLayoutId id="2147483681" r:id="rId9"/>
+    <p:sldLayoutId id="2147483682" r:id="rId10"/>
+    <p:sldLayoutId id="2147483683" r:id="rId11"/>
   </p:sldLayoutIdLst>
-  <p:hf sldNum="0" hdr="0" ftr="0" dt="0"/>
+  <p:hf hdr="0" ftr="0" dt="0"/>
   <p:txStyles>
     <p:titleStyle>
       <a:lvl1pPr algn="l" defTabSz="914400" rtl="0" eaLnBrk="1" latinLnBrk="0" hangingPunct="1">
@@ -4891,9 +4156,101 @@
           <a:chExt cx="0" cy="0"/>
         </a:xfrm>
       </p:grpSpPr>
+      <p:sp>
+        <p:nvSpPr>
+          <p:cNvPr id="6" name="Hộp Văn bản 5">
+            <a:extLst>
+              <a:ext uri="{FF2B5EF4-FFF2-40B4-BE49-F238E27FC236}">
+                <a16:creationId xmlns:a16="http://schemas.microsoft.com/office/drawing/2014/main" id="{F8ED8731-4974-4E0C-8D05-41ABBB2B3FD1}"/>
+              </a:ext>
+            </a:extLst>
+          </p:cNvPr>
+          <p:cNvSpPr txBox="1"/>
+          <p:nvPr/>
+        </p:nvSpPr>
+        <p:spPr>
+          <a:xfrm>
+            <a:off x="8019535" y="6182324"/>
+            <a:ext cx="3704860" cy="523220"/>
+          </a:xfrm>
+          <a:prstGeom prst="rect">
+            <a:avLst/>
+          </a:prstGeom>
+          <a:noFill/>
+        </p:spPr>
+        <p:txBody>
+          <a:bodyPr wrap="none" rtlCol="0">
+            <a:spAutoFit/>
+          </a:bodyPr>
+          <a:lstStyle/>
+          <a:p>
+            <a:r>
+              <a:rPr lang="en-US" sz="2800" dirty="0"/>
+              <a:t>Nhan Hoang - </a:t>
+            </a:r>
+            <a:r>
+              <a:rPr lang="en-US" sz="2800" dirty="0" err="1"/>
+              <a:t>Dynagility</a:t>
+            </a:r>
+            <a:endParaRPr lang="en-US" sz="2800" dirty="0"/>
+          </a:p>
+        </p:txBody>
+      </p:sp>
+      <p:sp>
+        <p:nvSpPr>
+          <p:cNvPr id="11" name="TextBox 4">
+            <a:extLst>
+              <a:ext uri="{FF2B5EF4-FFF2-40B4-BE49-F238E27FC236}">
+                <a16:creationId xmlns:a16="http://schemas.microsoft.com/office/drawing/2014/main" id="{F7D0EF53-6C6E-4A96-990B-7E107DA3116E}"/>
+              </a:ext>
+            </a:extLst>
+          </p:cNvPr>
+          <p:cNvSpPr txBox="1">
+            <a:spLocks noGrp="1"/>
+          </p:cNvSpPr>
+          <p:nvPr>
+            <p:ph type="title"/>
+          </p:nvPr>
+        </p:nvSpPr>
+        <p:spPr>
+          <a:xfrm>
+            <a:off x="0" y="5221288"/>
+            <a:ext cx="12192000" cy="846137"/>
+          </a:xfrm>
+          <a:prstGeom prst="rect">
+            <a:avLst/>
+          </a:prstGeom>
+          <a:solidFill>
+            <a:srgbClr val="00B0F0"/>
+          </a:solidFill>
+        </p:spPr>
+        <p:txBody>
+          <a:bodyPr wrap="square" rtlCol="0">
+            <a:spAutoFit/>
+          </a:bodyPr>
+          <a:lstStyle/>
+          <a:p>
+            <a:pPr algn="ctr"/>
+            <a:r>
+              <a:rPr lang="en-US" sz="6000" dirty="0">
+                <a:solidFill>
+                  <a:schemeClr val="bg1"/>
+                </a:solidFill>
+              </a:rPr>
+              <a:t>REACT HOOKS</a:t>
+            </a:r>
+          </a:p>
+        </p:txBody>
+      </p:sp>
       <p:pic>
         <p:nvPicPr>
-          <p:cNvPr id="4" name="Content Placeholder 3"/>
+          <p:cNvPr id="10" name="Content Placeholder 3">
+            <a:extLst>
+              <a:ext uri="{FF2B5EF4-FFF2-40B4-BE49-F238E27FC236}">
+                <a16:creationId xmlns:a16="http://schemas.microsoft.com/office/drawing/2014/main" id="{3E2139FE-C472-49FF-AFEC-68AC6A75BC01}"/>
+              </a:ext>
+            </a:extLst>
+          </p:cNvPr>
           <p:cNvPicPr>
             <a:picLocks noGrp="1" noChangeAspect="1"/>
           </p:cNvPicPr>
@@ -4902,7 +4259,7 @@
           </p:nvPr>
         </p:nvPicPr>
         <p:blipFill>
-          <a:blip r:embed="rId2">
+          <a:blip r:embed="rId3">
             <a:extLst>
               <a:ext uri="{28A0092B-C50C-407E-A947-70E740481C1C}">
                 <a14:useLocalDpi xmlns:a14="http://schemas.microsoft.com/office/drawing/2010/main" val="0"/>
@@ -4915,47 +4272,11 @@
         </p:blipFill>
         <p:spPr>
           <a:xfrm>
-            <a:off x="2423764" y="675676"/>
+            <a:off x="2524125" y="1027172"/>
             <a:ext cx="7143750" cy="4019550"/>
           </a:xfrm>
         </p:spPr>
       </p:pic>
-      <p:sp>
-        <p:nvSpPr>
-          <p:cNvPr id="5" name="TextBox 4"/>
-          <p:cNvSpPr txBox="1"/>
-          <p:nvPr/>
-        </p:nvSpPr>
-        <p:spPr>
-          <a:xfrm>
-            <a:off x="0" y="5062653"/>
-            <a:ext cx="12192000" cy="1015663"/>
-          </a:xfrm>
-          <a:prstGeom prst="rect">
-            <a:avLst/>
-          </a:prstGeom>
-          <a:solidFill>
-            <a:srgbClr val="00B0F0"/>
-          </a:solidFill>
-        </p:spPr>
-        <p:txBody>
-          <a:bodyPr wrap="square" rtlCol="0">
-            <a:spAutoFit/>
-          </a:bodyPr>
-          <a:lstStyle/>
-          <a:p>
-            <a:pPr algn="ctr"/>
-            <a:r>
-              <a:rPr lang="en-US" sz="6000">
-                <a:solidFill>
-                  <a:schemeClr val="bg1"/>
-                </a:solidFill>
-              </a:rPr>
-              <a:t>REACT HOOKS</a:t>
-            </a:r>
-          </a:p>
-        </p:txBody>
-      </p:sp>
     </p:spTree>
     <p:extLst>
       <p:ext uri="{BB962C8B-B14F-4D97-AF65-F5344CB8AC3E}">
@@ -4969,7 +4290,7 @@
 </p:sld>
 </file>
 
-<file path=ppt/slides/slide10.xml><?xml version="1.0" encoding="utf-8"?>
+<file path=ppt/slides/slide2.xml><?xml version="1.0" encoding="utf-8"?>
 <p:sld xmlns:a="http://schemas.openxmlformats.org/drawingml/2006/main" xmlns:r="http://schemas.openxmlformats.org/officeDocument/2006/relationships" xmlns:p="http://schemas.openxmlformats.org/presentationml/2006/main">
   <p:cSld>
     <p:spTree>
@@ -4993,23 +4314,223 @@
             <a:spLocks noGrp="1"/>
           </p:cNvSpPr>
           <p:nvPr>
-            <p:ph type="title"/>
+            <p:ph type="ctrTitle"/>
           </p:nvPr>
         </p:nvSpPr>
         <p:spPr>
           <a:xfrm>
-            <a:off x="347546" y="365125"/>
-            <a:ext cx="10515600" cy="1325563"/>
+            <a:off x="0" y="0"/>
+            <a:ext cx="12192000" cy="1067274"/>
+          </a:xfrm>
+          <a:solidFill>
+            <a:srgbClr val="00B0F0"/>
+          </a:solidFill>
+        </p:spPr>
+        <p:txBody>
+          <a:bodyPr/>
+          <a:lstStyle/>
+          <a:p>
+            <a:r>
+              <a:rPr lang="en-US">
+                <a:solidFill>
+                  <a:schemeClr val="bg1"/>
+                </a:solidFill>
+              </a:rPr>
+              <a:t>AGENDA</a:t>
+            </a:r>
+          </a:p>
+        </p:txBody>
+      </p:sp>
+      <p:sp>
+        <p:nvSpPr>
+          <p:cNvPr id="3" name="Subtitle 2"/>
+          <p:cNvSpPr>
+            <a:spLocks noGrp="1"/>
+          </p:cNvSpPr>
+          <p:nvPr>
+            <p:ph type="subTitle" idx="1"/>
+          </p:nvPr>
+        </p:nvSpPr>
+        <p:spPr>
+          <a:xfrm>
+            <a:off x="1252151" y="1389797"/>
+            <a:ext cx="9144000" cy="4759949"/>
           </a:xfrm>
         </p:spPr>
         <p:txBody>
-          <a:bodyPr/>
-          <a:lstStyle/>
-          <a:p>
-            <a:r>
-              <a:rPr lang="en-US"/>
-              <a:t>4. How to use Hooks</a:t>
-            </a:r>
+          <a:bodyPr>
+            <a:noAutofit/>
+          </a:bodyPr>
+          <a:lstStyle/>
+          <a:p>
+            <a:pPr marL="457200" indent="-457200" algn="l">
+              <a:lnSpc>
+                <a:spcPct val="150000"/>
+              </a:lnSpc>
+              <a:buFont typeface="+mj-lt"/>
+              <a:buAutoNum type="arabicPeriod"/>
+            </a:pPr>
+            <a:r>
+              <a:rPr lang="en-US" sz="3200" dirty="0"/>
+              <a:t>Current problems</a:t>
+            </a:r>
+          </a:p>
+          <a:p>
+            <a:pPr marL="457200" indent="-457200" algn="l">
+              <a:lnSpc>
+                <a:spcPct val="150000"/>
+              </a:lnSpc>
+              <a:buFont typeface="+mj-lt"/>
+              <a:buAutoNum type="arabicPeriod"/>
+            </a:pPr>
+            <a:r>
+              <a:rPr lang="en-US" sz="3200" dirty="0"/>
+              <a:t>Hooks Introduction</a:t>
+            </a:r>
+          </a:p>
+          <a:p>
+            <a:pPr marL="457200" indent="-457200" algn="l">
+              <a:lnSpc>
+                <a:spcPct val="150000"/>
+              </a:lnSpc>
+              <a:buFont typeface="+mj-lt"/>
+              <a:buAutoNum type="arabicPeriod"/>
+            </a:pPr>
+            <a:r>
+              <a:rPr lang="en-US" sz="3200" dirty="0"/>
+              <a:t>Demo</a:t>
+            </a:r>
+          </a:p>
+          <a:p>
+            <a:pPr marL="457200" indent="-457200" algn="l">
+              <a:lnSpc>
+                <a:spcPct val="150000"/>
+              </a:lnSpc>
+              <a:buFont typeface="+mj-lt"/>
+              <a:buAutoNum type="arabicPeriod"/>
+            </a:pPr>
+            <a:r>
+              <a:rPr lang="en-US" sz="3200" dirty="0"/>
+              <a:t>Rules of Hooks</a:t>
+            </a:r>
+          </a:p>
+          <a:p>
+            <a:pPr marL="457200" indent="-457200" algn="l">
+              <a:lnSpc>
+                <a:spcPct val="150000"/>
+              </a:lnSpc>
+              <a:buFont typeface="+mj-lt"/>
+              <a:buAutoNum type="arabicPeriod"/>
+            </a:pPr>
+            <a:r>
+              <a:rPr lang="en-US" sz="3200" dirty="0"/>
+              <a:t>Conclusion.</a:t>
+            </a:r>
+          </a:p>
+        </p:txBody>
+      </p:sp>
+      <p:sp>
+        <p:nvSpPr>
+          <p:cNvPr id="4" name="Chỗ dành sẵn cho Số hiệu Bản chiếu 5">
+            <a:extLst>
+              <a:ext uri="{FF2B5EF4-FFF2-40B4-BE49-F238E27FC236}">
+                <a16:creationId xmlns:a16="http://schemas.microsoft.com/office/drawing/2014/main" id="{38E24676-B411-4543-94F8-09F514688091}"/>
+              </a:ext>
+            </a:extLst>
+          </p:cNvPr>
+          <p:cNvSpPr>
+            <a:spLocks noGrp="1"/>
+          </p:cNvSpPr>
+          <p:nvPr>
+            <p:ph type="sldNum" sz="quarter" idx="12"/>
+          </p:nvPr>
+        </p:nvSpPr>
+        <p:spPr>
+          <a:xfrm>
+            <a:off x="8622957" y="6373415"/>
+            <a:ext cx="2743200" cy="365125"/>
+          </a:xfrm>
+          <a:solidFill>
+            <a:schemeClr val="bg1"/>
+          </a:solidFill>
+        </p:spPr>
+        <p:txBody>
+          <a:bodyPr/>
+          <a:lstStyle/>
+          <a:p>
+            <a:r>
+              <a:rPr lang="en-US" sz="1600" dirty="0"/>
+              <a:t>2</a:t>
+            </a:r>
+          </a:p>
+        </p:txBody>
+      </p:sp>
+    </p:spTree>
+    <p:extLst>
+      <p:ext uri="{BB962C8B-B14F-4D97-AF65-F5344CB8AC3E}">
+        <p14:creationId xmlns:p14="http://schemas.microsoft.com/office/powerpoint/2010/main" val="2216423864"/>
+      </p:ext>
+    </p:extLst>
+  </p:cSld>
+  <p:clrMapOvr>
+    <a:masterClrMapping/>
+  </p:clrMapOvr>
+</p:sld>
+</file>
+
+<file path=ppt/slides/slide3.xml><?xml version="1.0" encoding="utf-8"?>
+<p:sld xmlns:a="http://schemas.openxmlformats.org/drawingml/2006/main" xmlns:r="http://schemas.openxmlformats.org/officeDocument/2006/relationships" xmlns:p="http://schemas.openxmlformats.org/presentationml/2006/main">
+  <p:cSld>
+    <p:spTree>
+      <p:nvGrpSpPr>
+        <p:cNvPr id="1" name=""/>
+        <p:cNvGrpSpPr/>
+        <p:nvPr/>
+      </p:nvGrpSpPr>
+      <p:grpSpPr>
+        <a:xfrm>
+          <a:off x="0" y="0"/>
+          <a:ext cx="0" cy="0"/>
+          <a:chOff x="0" y="0"/>
+          <a:chExt cx="0" cy="0"/>
+        </a:xfrm>
+      </p:grpSpPr>
+      <p:sp>
+        <p:nvSpPr>
+          <p:cNvPr id="2" name="Title 1"/>
+          <p:cNvSpPr>
+            <a:spLocks noGrp="1"/>
+          </p:cNvSpPr>
+          <p:nvPr>
+            <p:ph type="title"/>
+          </p:nvPr>
+        </p:nvSpPr>
+        <p:spPr>
+          <a:xfrm>
+            <a:off x="0" y="0"/>
+            <a:ext cx="12191999" cy="1325563"/>
+          </a:xfrm>
+          <a:solidFill>
+            <a:srgbClr val="00B0F0"/>
+          </a:solidFill>
+        </p:spPr>
+        <p:txBody>
+          <a:bodyPr/>
+          <a:lstStyle/>
+          <a:p>
+            <a:r>
+              <a:rPr lang="en-US">
+                <a:solidFill>
+                  <a:schemeClr val="bg1"/>
+                </a:solidFill>
+              </a:rPr>
+              <a:t>1. Current problems</a:t>
+            </a:r>
+            <a:endParaRPr lang="en-US" dirty="0">
+              <a:solidFill>
+                <a:schemeClr val="bg1"/>
+              </a:solidFill>
+            </a:endParaRPr>
           </a:p>
         </p:txBody>
       </p:sp>
@@ -5030,28 +4551,880 @@
           </a:bodyPr>
           <a:lstStyle/>
           <a:p>
-            <a:pPr marL="0" indent="0">
+            <a:pPr>
               <a:lnSpc>
                 <a:spcPct val="150000"/>
               </a:lnSpc>
-              <a:buNone/>
             </a:pPr>
             <a:r>
-              <a:rPr lang="en-US"/>
-              <a:t>1. </a:t>
-            </a:r>
-            <a:r>
-              <a:rPr lang="en-US" err="1"/>
-              <a:t>useState</a:t>
-            </a:r>
-            <a:endParaRPr lang="en-US"/>
+              <a:rPr lang="en-US" sz="3600"/>
+              <a:t>Huge components</a:t>
+            </a:r>
+          </a:p>
+          <a:p>
+            <a:pPr>
+              <a:lnSpc>
+                <a:spcPct val="150000"/>
+              </a:lnSpc>
+            </a:pPr>
+            <a:r>
+              <a:rPr lang="en-US" sz="3600"/>
+              <a:t>Duplicated logic</a:t>
+            </a:r>
+          </a:p>
+          <a:p>
+            <a:pPr>
+              <a:lnSpc>
+                <a:spcPct val="150000"/>
+              </a:lnSpc>
+            </a:pPr>
+            <a:r>
+              <a:rPr lang="en-US" sz="3600"/>
+              <a:t>Complex patterns</a:t>
+            </a:r>
+            <a:endParaRPr lang="en-US" sz="3600" dirty="0"/>
+          </a:p>
+        </p:txBody>
+      </p:sp>
+      <p:sp>
+        <p:nvSpPr>
+          <p:cNvPr id="6" name="Chỗ dành sẵn cho Số hiệu Bản chiếu 5">
+            <a:extLst>
+              <a:ext uri="{FF2B5EF4-FFF2-40B4-BE49-F238E27FC236}">
+                <a16:creationId xmlns:a16="http://schemas.microsoft.com/office/drawing/2014/main" id="{48BCBF5B-4A7D-4B6E-A87E-678E5EA5350D}"/>
+              </a:ext>
+            </a:extLst>
+          </p:cNvPr>
+          <p:cNvSpPr>
+            <a:spLocks noGrp="1"/>
+          </p:cNvSpPr>
+          <p:nvPr>
+            <p:ph type="sldNum" sz="quarter" idx="12"/>
+          </p:nvPr>
+        </p:nvSpPr>
+        <p:spPr/>
+        <p:txBody>
+          <a:bodyPr/>
+          <a:lstStyle/>
+          <a:p>
+            <a:fld id="{3A69157F-CD08-46F1-9836-FD5DCB267EAF}" type="slidenum">
+              <a:rPr lang="en-US" smtClean="0"/>
+              <a:t>3</a:t>
+            </a:fld>
+            <a:endParaRPr lang="en-US" dirty="0"/>
           </a:p>
         </p:txBody>
       </p:sp>
     </p:spTree>
     <p:extLst>
       <p:ext uri="{BB962C8B-B14F-4D97-AF65-F5344CB8AC3E}">
-        <p14:creationId xmlns:p14="http://schemas.microsoft.com/office/powerpoint/2010/main" val="2107021493"/>
+        <p14:creationId xmlns:p14="http://schemas.microsoft.com/office/powerpoint/2010/main" val="83894095"/>
+      </p:ext>
+    </p:extLst>
+  </p:cSld>
+  <p:clrMapOvr>
+    <a:masterClrMapping/>
+  </p:clrMapOvr>
+</p:sld>
+</file>
+
+<file path=ppt/slides/slide4.xml><?xml version="1.0" encoding="utf-8"?>
+<p:sld xmlns:a="http://schemas.openxmlformats.org/drawingml/2006/main" xmlns:r="http://schemas.openxmlformats.org/officeDocument/2006/relationships" xmlns:p="http://schemas.openxmlformats.org/presentationml/2006/main">
+  <p:cSld>
+    <p:spTree>
+      <p:nvGrpSpPr>
+        <p:cNvPr id="1" name=""/>
+        <p:cNvGrpSpPr/>
+        <p:nvPr/>
+      </p:nvGrpSpPr>
+      <p:grpSpPr>
+        <a:xfrm>
+          <a:off x="0" y="0"/>
+          <a:ext cx="0" cy="0"/>
+          <a:chOff x="0" y="0"/>
+          <a:chExt cx="0" cy="0"/>
+        </a:xfrm>
+      </p:grpSpPr>
+      <p:sp>
+        <p:nvSpPr>
+          <p:cNvPr id="2" name="Title 1"/>
+          <p:cNvSpPr>
+            <a:spLocks noGrp="1"/>
+          </p:cNvSpPr>
+          <p:nvPr>
+            <p:ph type="title"/>
+          </p:nvPr>
+        </p:nvSpPr>
+        <p:spPr>
+          <a:xfrm>
+            <a:off x="0" y="0"/>
+            <a:ext cx="12191999" cy="1325563"/>
+          </a:xfrm>
+          <a:solidFill>
+            <a:srgbClr val="00B0F0"/>
+          </a:solidFill>
+        </p:spPr>
+        <p:txBody>
+          <a:bodyPr/>
+          <a:lstStyle/>
+          <a:p>
+            <a:r>
+              <a:rPr lang="en-US" dirty="0">
+                <a:solidFill>
+                  <a:schemeClr val="bg1"/>
+                </a:solidFill>
+              </a:rPr>
+              <a:t>2. Hooks Introduction</a:t>
+            </a:r>
+          </a:p>
+        </p:txBody>
+      </p:sp>
+      <p:pic>
+        <p:nvPicPr>
+          <p:cNvPr id="5" name="Chỗ dành sẵn cho Nội dung 4" descr="Ảnh có chứa đối tượng&#10;&#10;Mô tả được tạo tự động">
+            <a:extLst>
+              <a:ext uri="{FF2B5EF4-FFF2-40B4-BE49-F238E27FC236}">
+                <a16:creationId xmlns:a16="http://schemas.microsoft.com/office/drawing/2014/main" id="{662F4C8D-6220-41B4-B2B3-7DD2C72777F2}"/>
+              </a:ext>
+            </a:extLst>
+          </p:cNvPr>
+          <p:cNvPicPr>
+            <a:picLocks noGrp="1" noChangeAspect="1"/>
+          </p:cNvPicPr>
+          <p:nvPr>
+            <p:ph idx="1"/>
+          </p:nvPr>
+        </p:nvPicPr>
+        <p:blipFill>
+          <a:blip r:embed="rId3">
+            <a:extLst>
+              <a:ext uri="{28A0092B-C50C-407E-A947-70E740481C1C}">
+                <a14:useLocalDpi xmlns:a14="http://schemas.microsoft.com/office/drawing/2010/main" val="0"/>
+              </a:ext>
+            </a:extLst>
+          </a:blip>
+          <a:stretch>
+            <a:fillRect/>
+          </a:stretch>
+        </p:blipFill>
+        <p:spPr>
+          <a:xfrm>
+            <a:off x="4296036" y="2828155"/>
+            <a:ext cx="3249826" cy="2809746"/>
+          </a:xfrm>
+        </p:spPr>
+      </p:pic>
+      <p:sp>
+        <p:nvSpPr>
+          <p:cNvPr id="11" name="Chỗ dành sẵn cho Số hiệu Bản chiếu 10">
+            <a:extLst>
+              <a:ext uri="{FF2B5EF4-FFF2-40B4-BE49-F238E27FC236}">
+                <a16:creationId xmlns:a16="http://schemas.microsoft.com/office/drawing/2014/main" id="{4968BA5C-6ADE-4B12-B96A-784EFD189793}"/>
+              </a:ext>
+            </a:extLst>
+          </p:cNvPr>
+          <p:cNvSpPr>
+            <a:spLocks noGrp="1"/>
+          </p:cNvSpPr>
+          <p:nvPr>
+            <p:ph type="sldNum" sz="quarter" idx="12"/>
+          </p:nvPr>
+        </p:nvSpPr>
+        <p:spPr/>
+        <p:txBody>
+          <a:bodyPr/>
+          <a:lstStyle/>
+          <a:p>
+            <a:fld id="{3A69157F-CD08-46F1-9836-FD5DCB267EAF}" type="slidenum">
+              <a:rPr lang="en-US" smtClean="0"/>
+              <a:t>4</a:t>
+            </a:fld>
+            <a:endParaRPr lang="en-US" dirty="0"/>
+          </a:p>
+        </p:txBody>
+      </p:sp>
+      <p:sp>
+        <p:nvSpPr>
+          <p:cNvPr id="6" name="Hộp Văn bản 5">
+            <a:extLst>
+              <a:ext uri="{FF2B5EF4-FFF2-40B4-BE49-F238E27FC236}">
+                <a16:creationId xmlns:a16="http://schemas.microsoft.com/office/drawing/2014/main" id="{377C2DB4-478B-4C5F-BA21-CF72C4A83764}"/>
+              </a:ext>
+            </a:extLst>
+          </p:cNvPr>
+          <p:cNvSpPr txBox="1"/>
+          <p:nvPr/>
+        </p:nvSpPr>
+        <p:spPr>
+          <a:xfrm>
+            <a:off x="5094763" y="1807005"/>
+            <a:ext cx="2002471" cy="646331"/>
+          </a:xfrm>
+          <a:prstGeom prst="rect">
+            <a:avLst/>
+          </a:prstGeom>
+          <a:noFill/>
+        </p:spPr>
+        <p:txBody>
+          <a:bodyPr wrap="none" rtlCol="0">
+            <a:spAutoFit/>
+          </a:bodyPr>
+          <a:lstStyle/>
+          <a:p>
+            <a:r>
+              <a:rPr lang="en-US" sz="3600" dirty="0"/>
+              <a:t>Functions</a:t>
+            </a:r>
+          </a:p>
+        </p:txBody>
+      </p:sp>
+      <p:sp>
+        <p:nvSpPr>
+          <p:cNvPr id="7" name="Hộp Văn bản 6">
+            <a:extLst>
+              <a:ext uri="{FF2B5EF4-FFF2-40B4-BE49-F238E27FC236}">
+                <a16:creationId xmlns:a16="http://schemas.microsoft.com/office/drawing/2014/main" id="{7785D237-D4E3-4E2D-B6B3-D59243937BB4}"/>
+              </a:ext>
+            </a:extLst>
+          </p:cNvPr>
+          <p:cNvSpPr txBox="1"/>
+          <p:nvPr/>
+        </p:nvSpPr>
+        <p:spPr>
+          <a:xfrm>
+            <a:off x="861873" y="3059439"/>
+            <a:ext cx="3784267" cy="1200329"/>
+          </a:xfrm>
+          <a:prstGeom prst="rect">
+            <a:avLst/>
+          </a:prstGeom>
+          <a:noFill/>
+        </p:spPr>
+        <p:txBody>
+          <a:bodyPr wrap="square" rtlCol="0">
+            <a:spAutoFit/>
+          </a:bodyPr>
+          <a:lstStyle/>
+          <a:p>
+            <a:r>
+              <a:rPr lang="en-US" sz="3600" b="1" dirty="0"/>
+              <a:t>Use React features without Class</a:t>
+            </a:r>
+          </a:p>
+        </p:txBody>
+      </p:sp>
+      <p:sp>
+        <p:nvSpPr>
+          <p:cNvPr id="8" name="Hộp Văn bản 7">
+            <a:extLst>
+              <a:ext uri="{FF2B5EF4-FFF2-40B4-BE49-F238E27FC236}">
+                <a16:creationId xmlns:a16="http://schemas.microsoft.com/office/drawing/2014/main" id="{5C4B7992-F342-49A0-8B5A-5AC77A6B10BB}"/>
+              </a:ext>
+            </a:extLst>
+          </p:cNvPr>
+          <p:cNvSpPr txBox="1"/>
+          <p:nvPr/>
+        </p:nvSpPr>
+        <p:spPr>
+          <a:xfrm>
+            <a:off x="8321538" y="3194625"/>
+            <a:ext cx="1233030" cy="646331"/>
+          </a:xfrm>
+          <a:prstGeom prst="rect">
+            <a:avLst/>
+          </a:prstGeom>
+          <a:noFill/>
+        </p:spPr>
+        <p:txBody>
+          <a:bodyPr wrap="none" rtlCol="0">
+            <a:spAutoFit/>
+          </a:bodyPr>
+          <a:lstStyle/>
+          <a:p>
+            <a:r>
+              <a:rPr lang="en-US" sz="3600" dirty="0"/>
+              <a:t>16.8+</a:t>
+            </a:r>
+          </a:p>
+        </p:txBody>
+      </p:sp>
+      <p:sp>
+        <p:nvSpPr>
+          <p:cNvPr id="3" name="Hộp Văn bản 2">
+            <a:extLst>
+              <a:ext uri="{FF2B5EF4-FFF2-40B4-BE49-F238E27FC236}">
+                <a16:creationId xmlns:a16="http://schemas.microsoft.com/office/drawing/2014/main" id="{A5D84EF8-B10F-4BC6-A58B-1B676710B914}"/>
+              </a:ext>
+            </a:extLst>
+          </p:cNvPr>
+          <p:cNvSpPr txBox="1"/>
+          <p:nvPr/>
+        </p:nvSpPr>
+        <p:spPr>
+          <a:xfrm>
+            <a:off x="1509587" y="5741209"/>
+            <a:ext cx="4411362" cy="646331"/>
+          </a:xfrm>
+          <a:prstGeom prst="rect">
+            <a:avLst/>
+          </a:prstGeom>
+          <a:noFill/>
+        </p:spPr>
+        <p:txBody>
+          <a:bodyPr wrap="square" rtlCol="0">
+            <a:spAutoFit/>
+          </a:bodyPr>
+          <a:lstStyle/>
+          <a:p>
+            <a:r>
+              <a:rPr lang="en-US" sz="3600" b="1" dirty="0"/>
+              <a:t>Reuse stateful logic</a:t>
+            </a:r>
+          </a:p>
+        </p:txBody>
+      </p:sp>
+      <p:sp>
+        <p:nvSpPr>
+          <p:cNvPr id="4" name="Hộp Văn bản 3">
+            <a:extLst>
+              <a:ext uri="{FF2B5EF4-FFF2-40B4-BE49-F238E27FC236}">
+                <a16:creationId xmlns:a16="http://schemas.microsoft.com/office/drawing/2014/main" id="{2042BDC2-DF61-41D9-B8C0-01D2F04160DB}"/>
+              </a:ext>
+            </a:extLst>
+          </p:cNvPr>
+          <p:cNvSpPr txBox="1"/>
+          <p:nvPr/>
+        </p:nvSpPr>
+        <p:spPr>
+          <a:xfrm>
+            <a:off x="7051369" y="5637901"/>
+            <a:ext cx="4114007" cy="646331"/>
+          </a:xfrm>
+          <a:prstGeom prst="rect">
+            <a:avLst/>
+          </a:prstGeom>
+          <a:noFill/>
+        </p:spPr>
+        <p:txBody>
+          <a:bodyPr wrap="square" rtlCol="0">
+            <a:spAutoFit/>
+          </a:bodyPr>
+          <a:lstStyle/>
+          <a:p>
+            <a:r>
+              <a:rPr lang="en-US" sz="3600" dirty="0"/>
+              <a:t>Test independently</a:t>
+            </a:r>
+          </a:p>
+        </p:txBody>
+      </p:sp>
+    </p:spTree>
+    <p:extLst>
+      <p:ext uri="{BB962C8B-B14F-4D97-AF65-F5344CB8AC3E}">
+        <p14:creationId xmlns:p14="http://schemas.microsoft.com/office/powerpoint/2010/main" val="2638453489"/>
+      </p:ext>
+    </p:extLst>
+  </p:cSld>
+  <p:clrMapOvr>
+    <a:masterClrMapping/>
+  </p:clrMapOvr>
+</p:sld>
+</file>
+
+<file path=ppt/slides/slide5.xml><?xml version="1.0" encoding="utf-8"?>
+<p:sld xmlns:a="http://schemas.openxmlformats.org/drawingml/2006/main" xmlns:r="http://schemas.openxmlformats.org/officeDocument/2006/relationships" xmlns:p="http://schemas.openxmlformats.org/presentationml/2006/main">
+  <p:cSld>
+    <p:spTree>
+      <p:nvGrpSpPr>
+        <p:cNvPr id="1" name=""/>
+        <p:cNvGrpSpPr/>
+        <p:nvPr/>
+      </p:nvGrpSpPr>
+      <p:grpSpPr>
+        <a:xfrm>
+          <a:off x="0" y="0"/>
+          <a:ext cx="0" cy="0"/>
+          <a:chOff x="0" y="0"/>
+          <a:chExt cx="0" cy="0"/>
+        </a:xfrm>
+      </p:grpSpPr>
+      <p:sp>
+        <p:nvSpPr>
+          <p:cNvPr id="2" name="Title 1"/>
+          <p:cNvSpPr>
+            <a:spLocks noGrp="1"/>
+          </p:cNvSpPr>
+          <p:nvPr>
+            <p:ph type="title"/>
+          </p:nvPr>
+        </p:nvSpPr>
+        <p:spPr>
+          <a:xfrm>
+            <a:off x="0" y="0"/>
+            <a:ext cx="12191999" cy="1325563"/>
+          </a:xfrm>
+          <a:solidFill>
+            <a:srgbClr val="00B0F0"/>
+          </a:solidFill>
+        </p:spPr>
+        <p:txBody>
+          <a:bodyPr/>
+          <a:lstStyle/>
+          <a:p>
+            <a:r>
+              <a:rPr lang="en-US">
+                <a:solidFill>
+                  <a:schemeClr val="bg1"/>
+                </a:solidFill>
+              </a:rPr>
+              <a:t>3. Demo</a:t>
+            </a:r>
+            <a:endParaRPr lang="en-US" dirty="0">
+              <a:solidFill>
+                <a:schemeClr val="bg1"/>
+              </a:solidFill>
+            </a:endParaRPr>
+          </a:p>
+        </p:txBody>
+      </p:sp>
+      <p:sp>
+        <p:nvSpPr>
+          <p:cNvPr id="4" name="Content Placeholder 2">
+            <a:extLst>
+              <a:ext uri="{FF2B5EF4-FFF2-40B4-BE49-F238E27FC236}">
+                <a16:creationId xmlns:a16="http://schemas.microsoft.com/office/drawing/2014/main" id="{964408D1-3452-4CD8-A5AF-77D74F0CF5A5}"/>
+              </a:ext>
+            </a:extLst>
+          </p:cNvPr>
+          <p:cNvSpPr>
+            <a:spLocks noGrp="1"/>
+          </p:cNvSpPr>
+          <p:nvPr>
+            <p:ph idx="1"/>
+          </p:nvPr>
+        </p:nvSpPr>
+        <p:spPr/>
+        <p:txBody>
+          <a:bodyPr>
+            <a:noAutofit/>
+          </a:bodyPr>
+          <a:lstStyle/>
+          <a:p>
+            <a:pPr>
+              <a:lnSpc>
+                <a:spcPct val="150000"/>
+              </a:lnSpc>
+            </a:pPr>
+            <a:r>
+              <a:rPr lang="en-US" sz="3200"/>
+              <a:t> </a:t>
+            </a:r>
+            <a:r>
+              <a:rPr lang="en-US" sz="3200" b="1"/>
+              <a:t>useState</a:t>
+            </a:r>
+            <a:r>
+              <a:rPr lang="en-US" sz="3200"/>
+              <a:t>: use state inside function component.</a:t>
+            </a:r>
+            <a:endParaRPr lang="en-US" sz="3200" b="1"/>
+          </a:p>
+          <a:p>
+            <a:pPr>
+              <a:lnSpc>
+                <a:spcPct val="150000"/>
+              </a:lnSpc>
+            </a:pPr>
+            <a:r>
+              <a:rPr lang="en-US" sz="3200"/>
+              <a:t> </a:t>
+            </a:r>
+            <a:r>
+              <a:rPr lang="en-US" sz="3200" b="1"/>
+              <a:t>useEffect</a:t>
+            </a:r>
+            <a:r>
+              <a:rPr lang="en-US" sz="3200"/>
+              <a:t>: as </a:t>
+            </a:r>
+            <a:r>
+              <a:rPr lang="en-US" sz="3200" b="1"/>
+              <a:t>componentDidMount, componentDidUpdate, componentWillUnmount</a:t>
+            </a:r>
+            <a:r>
+              <a:rPr lang="en-US" sz="3200"/>
+              <a:t> combine.</a:t>
+            </a:r>
+          </a:p>
+          <a:p>
+            <a:pPr>
+              <a:lnSpc>
+                <a:spcPct val="150000"/>
+              </a:lnSpc>
+            </a:pPr>
+            <a:r>
+              <a:rPr lang="en-US" sz="3200" b="1"/>
+              <a:t>useContext</a:t>
+            </a:r>
+            <a:r>
+              <a:rPr lang="en-US" sz="3200"/>
+              <a:t>: get current value of context object.</a:t>
+            </a:r>
+            <a:endParaRPr lang="en-US" sz="3200" b="1" dirty="0"/>
+          </a:p>
+        </p:txBody>
+      </p:sp>
+      <p:sp>
+        <p:nvSpPr>
+          <p:cNvPr id="6" name="Chỗ dành sẵn cho Số hiệu Bản chiếu 5">
+            <a:extLst>
+              <a:ext uri="{FF2B5EF4-FFF2-40B4-BE49-F238E27FC236}">
+                <a16:creationId xmlns:a16="http://schemas.microsoft.com/office/drawing/2014/main" id="{6444DA78-903F-40A0-85AD-C78B33400AFC}"/>
+              </a:ext>
+            </a:extLst>
+          </p:cNvPr>
+          <p:cNvSpPr>
+            <a:spLocks noGrp="1"/>
+          </p:cNvSpPr>
+          <p:nvPr>
+            <p:ph type="sldNum" sz="quarter" idx="12"/>
+          </p:nvPr>
+        </p:nvSpPr>
+        <p:spPr/>
+        <p:txBody>
+          <a:bodyPr/>
+          <a:lstStyle/>
+          <a:p>
+            <a:fld id="{3A69157F-CD08-46F1-9836-FD5DCB267EAF}" type="slidenum">
+              <a:rPr lang="en-US" smtClean="0"/>
+              <a:t>5</a:t>
+            </a:fld>
+            <a:endParaRPr lang="en-US"/>
+          </a:p>
+        </p:txBody>
+      </p:sp>
+    </p:spTree>
+    <p:extLst>
+      <p:ext uri="{BB962C8B-B14F-4D97-AF65-F5344CB8AC3E}">
+        <p14:creationId xmlns:p14="http://schemas.microsoft.com/office/powerpoint/2010/main" val="1529764381"/>
+      </p:ext>
+    </p:extLst>
+  </p:cSld>
+  <p:clrMapOvr>
+    <a:masterClrMapping/>
+  </p:clrMapOvr>
+</p:sld>
+</file>
+
+<file path=ppt/slides/slide6.xml><?xml version="1.0" encoding="utf-8"?>
+<p:sld xmlns:a="http://schemas.openxmlformats.org/drawingml/2006/main" xmlns:r="http://schemas.openxmlformats.org/officeDocument/2006/relationships" xmlns:p="http://schemas.openxmlformats.org/presentationml/2006/main">
+  <p:cSld>
+    <p:spTree>
+      <p:nvGrpSpPr>
+        <p:cNvPr id="1" name=""/>
+        <p:cNvGrpSpPr/>
+        <p:nvPr/>
+      </p:nvGrpSpPr>
+      <p:grpSpPr>
+        <a:xfrm>
+          <a:off x="0" y="0"/>
+          <a:ext cx="0" cy="0"/>
+          <a:chOff x="0" y="0"/>
+          <a:chExt cx="0" cy="0"/>
+        </a:xfrm>
+      </p:grpSpPr>
+      <p:sp>
+        <p:nvSpPr>
+          <p:cNvPr id="2" name="Title 1"/>
+          <p:cNvSpPr>
+            <a:spLocks noGrp="1"/>
+          </p:cNvSpPr>
+          <p:nvPr>
+            <p:ph type="title"/>
+          </p:nvPr>
+        </p:nvSpPr>
+        <p:spPr>
+          <a:xfrm>
+            <a:off x="0" y="0"/>
+            <a:ext cx="12191999" cy="1325563"/>
+          </a:xfrm>
+          <a:solidFill>
+            <a:srgbClr val="00B0F0"/>
+          </a:solidFill>
+        </p:spPr>
+        <p:txBody>
+          <a:bodyPr/>
+          <a:lstStyle/>
+          <a:p>
+            <a:r>
+              <a:rPr lang="en-US" dirty="0">
+                <a:solidFill>
+                  <a:schemeClr val="bg1"/>
+                </a:solidFill>
+              </a:rPr>
+              <a:t>4. Rules of Hooks</a:t>
+            </a:r>
+          </a:p>
+        </p:txBody>
+      </p:sp>
+      <p:sp>
+        <p:nvSpPr>
+          <p:cNvPr id="3" name="Content Placeholder 2">
+            <a:extLst>
+              <a:ext uri="{FF2B5EF4-FFF2-40B4-BE49-F238E27FC236}">
+                <a16:creationId xmlns:a16="http://schemas.microsoft.com/office/drawing/2014/main" id="{ACE54735-DAB9-4D1D-AAB3-38DAC93F1B0E}"/>
+              </a:ext>
+            </a:extLst>
+          </p:cNvPr>
+          <p:cNvSpPr>
+            <a:spLocks noGrp="1"/>
+          </p:cNvSpPr>
+          <p:nvPr>
+            <p:ph idx="1"/>
+          </p:nvPr>
+        </p:nvSpPr>
+        <p:spPr/>
+        <p:txBody>
+          <a:bodyPr>
+            <a:normAutofit/>
+          </a:bodyPr>
+          <a:lstStyle/>
+          <a:p>
+            <a:pPr>
+              <a:lnSpc>
+                <a:spcPct val="150000"/>
+              </a:lnSpc>
+            </a:pPr>
+            <a:r>
+              <a:rPr lang="en-US" sz="3600" b="1" dirty="0"/>
+              <a:t> Don’t call Hooks inside loops, conditions, or nested functions.</a:t>
+            </a:r>
+            <a:endParaRPr lang="en-US" sz="3600" dirty="0"/>
+          </a:p>
+          <a:p>
+            <a:pPr>
+              <a:lnSpc>
+                <a:spcPct val="150000"/>
+              </a:lnSpc>
+            </a:pPr>
+            <a:r>
+              <a:rPr lang="en-US" sz="3600" dirty="0"/>
+              <a:t> Only call Hooks from React functions or custom hooks :</a:t>
+            </a:r>
+            <a:r>
+              <a:rPr lang="en-US" sz="3600" b="1" dirty="0"/>
+              <a:t> Don’t call Hooks from regular JavaScript functions.</a:t>
+            </a:r>
+            <a:endParaRPr lang="en-US" sz="3600" dirty="0"/>
+          </a:p>
+          <a:p>
+            <a:pPr marL="457200" indent="-457200">
+              <a:lnSpc>
+                <a:spcPct val="150000"/>
+              </a:lnSpc>
+              <a:buFont typeface="+mj-lt"/>
+              <a:buAutoNum type="alphaLcPeriod"/>
+            </a:pPr>
+            <a:endParaRPr lang="en-US" sz="3600" dirty="0"/>
+          </a:p>
+        </p:txBody>
+      </p:sp>
+      <p:sp>
+        <p:nvSpPr>
+          <p:cNvPr id="6" name="Chỗ dành sẵn cho Số hiệu Bản chiếu 5">
+            <a:extLst>
+              <a:ext uri="{FF2B5EF4-FFF2-40B4-BE49-F238E27FC236}">
+                <a16:creationId xmlns:a16="http://schemas.microsoft.com/office/drawing/2014/main" id="{0DFD9481-5C52-4274-A018-553A3BE909BB}"/>
+              </a:ext>
+            </a:extLst>
+          </p:cNvPr>
+          <p:cNvSpPr>
+            <a:spLocks noGrp="1"/>
+          </p:cNvSpPr>
+          <p:nvPr>
+            <p:ph type="sldNum" sz="quarter" idx="12"/>
+          </p:nvPr>
+        </p:nvSpPr>
+        <p:spPr/>
+        <p:txBody>
+          <a:bodyPr/>
+          <a:lstStyle/>
+          <a:p>
+            <a:fld id="{3A69157F-CD08-46F1-9836-FD5DCB267EAF}" type="slidenum">
+              <a:rPr lang="en-US" smtClean="0"/>
+              <a:t>6</a:t>
+            </a:fld>
+            <a:endParaRPr lang="en-US"/>
+          </a:p>
+        </p:txBody>
+      </p:sp>
+    </p:spTree>
+    <p:extLst>
+      <p:ext uri="{BB962C8B-B14F-4D97-AF65-F5344CB8AC3E}">
+        <p14:creationId xmlns:p14="http://schemas.microsoft.com/office/powerpoint/2010/main" val="1339346582"/>
+      </p:ext>
+    </p:extLst>
+  </p:cSld>
+  <p:clrMapOvr>
+    <a:masterClrMapping/>
+  </p:clrMapOvr>
+</p:sld>
+</file>
+
+<file path=ppt/slides/slide7.xml><?xml version="1.0" encoding="utf-8"?>
+<p:sld xmlns:a="http://schemas.openxmlformats.org/drawingml/2006/main" xmlns:r="http://schemas.openxmlformats.org/officeDocument/2006/relationships" xmlns:p="http://schemas.openxmlformats.org/presentationml/2006/main">
+  <p:cSld>
+    <p:spTree>
+      <p:nvGrpSpPr>
+        <p:cNvPr id="1" name=""/>
+        <p:cNvGrpSpPr/>
+        <p:nvPr/>
+      </p:nvGrpSpPr>
+      <p:grpSpPr>
+        <a:xfrm>
+          <a:off x="0" y="0"/>
+          <a:ext cx="0" cy="0"/>
+          <a:chOff x="0" y="0"/>
+          <a:chExt cx="0" cy="0"/>
+        </a:xfrm>
+      </p:grpSpPr>
+      <p:sp>
+        <p:nvSpPr>
+          <p:cNvPr id="2" name="Title 1"/>
+          <p:cNvSpPr>
+            <a:spLocks noGrp="1"/>
+          </p:cNvSpPr>
+          <p:nvPr>
+            <p:ph type="title"/>
+          </p:nvPr>
+        </p:nvSpPr>
+        <p:spPr>
+          <a:xfrm>
+            <a:off x="0" y="0"/>
+            <a:ext cx="12191999" cy="1325563"/>
+          </a:xfrm>
+          <a:solidFill>
+            <a:srgbClr val="00B0F0"/>
+          </a:solidFill>
+        </p:spPr>
+        <p:txBody>
+          <a:bodyPr/>
+          <a:lstStyle/>
+          <a:p>
+            <a:r>
+              <a:rPr lang="en-US" dirty="0">
+                <a:solidFill>
+                  <a:schemeClr val="bg1"/>
+                </a:solidFill>
+              </a:rPr>
+              <a:t>5. Conclusion</a:t>
+            </a:r>
+          </a:p>
+        </p:txBody>
+      </p:sp>
+      <p:sp>
+        <p:nvSpPr>
+          <p:cNvPr id="3" name="Content Placeholder 2"/>
+          <p:cNvSpPr>
+            <a:spLocks noGrp="1"/>
+          </p:cNvSpPr>
+          <p:nvPr>
+            <p:ph idx="1"/>
+          </p:nvPr>
+        </p:nvSpPr>
+        <p:spPr/>
+        <p:txBody>
+          <a:bodyPr>
+            <a:normAutofit/>
+          </a:bodyPr>
+          <a:lstStyle/>
+          <a:p>
+            <a:pPr>
+              <a:lnSpc>
+                <a:spcPct val="150000"/>
+              </a:lnSpc>
+            </a:pPr>
+            <a:r>
+              <a:rPr lang="en-US" sz="3600" dirty="0"/>
+              <a:t> Hooks are functions.</a:t>
+            </a:r>
+          </a:p>
+          <a:p>
+            <a:pPr>
+              <a:lnSpc>
+                <a:spcPct val="150000"/>
+              </a:lnSpc>
+            </a:pPr>
+            <a:r>
+              <a:rPr lang="en-US" sz="3600" dirty="0"/>
+              <a:t> Use React features without writing class.</a:t>
+            </a:r>
+          </a:p>
+          <a:p>
+            <a:pPr>
+              <a:lnSpc>
+                <a:spcPct val="150000"/>
+              </a:lnSpc>
+            </a:pPr>
+            <a:r>
+              <a:rPr lang="en-US" sz="3600" dirty="0"/>
+              <a:t> Extracted stateful logics to isolated units.</a:t>
+            </a:r>
+          </a:p>
+          <a:p>
+            <a:pPr>
+              <a:lnSpc>
+                <a:spcPct val="150000"/>
+              </a:lnSpc>
+            </a:pPr>
+            <a:r>
+              <a:rPr lang="en-US" sz="3600" dirty="0"/>
+              <a:t> Need follow rules.</a:t>
+            </a:r>
+          </a:p>
+          <a:p>
+            <a:pPr>
+              <a:lnSpc>
+                <a:spcPct val="150000"/>
+              </a:lnSpc>
+            </a:pPr>
+            <a:endParaRPr lang="en-US" sz="3600" dirty="0"/>
+          </a:p>
+        </p:txBody>
+      </p:sp>
+      <p:sp>
+        <p:nvSpPr>
+          <p:cNvPr id="6" name="Chỗ dành sẵn cho Số hiệu Bản chiếu 5">
+            <a:extLst>
+              <a:ext uri="{FF2B5EF4-FFF2-40B4-BE49-F238E27FC236}">
+                <a16:creationId xmlns:a16="http://schemas.microsoft.com/office/drawing/2014/main" id="{6412D558-436A-4E0A-956B-C35E39AA33F7}"/>
+              </a:ext>
+            </a:extLst>
+          </p:cNvPr>
+          <p:cNvSpPr>
+            <a:spLocks noGrp="1"/>
+          </p:cNvSpPr>
+          <p:nvPr>
+            <p:ph type="sldNum" sz="quarter" idx="12"/>
+          </p:nvPr>
+        </p:nvSpPr>
+        <p:spPr/>
+        <p:txBody>
+          <a:bodyPr/>
+          <a:lstStyle/>
+          <a:p>
+            <a:fld id="{3A69157F-CD08-46F1-9836-FD5DCB267EAF}" type="slidenum">
+              <a:rPr lang="en-US" smtClean="0"/>
+              <a:t>7</a:t>
+            </a:fld>
+            <a:endParaRPr lang="en-US"/>
+          </a:p>
+        </p:txBody>
+      </p:sp>
+    </p:spTree>
+    <p:extLst>
+      <p:ext uri="{BB962C8B-B14F-4D97-AF65-F5344CB8AC3E}">
+        <p14:creationId xmlns:p14="http://schemas.microsoft.com/office/powerpoint/2010/main" val="2791120312"/>
       </p:ext>
     </p:extLst>
   </p:cSld>
@@ -5094,7 +5467,7 @@
                                         <p:tgtEl>
                                           <p:spTgt spid="3">
                                             <p:txEl>
-                                              <p:pRg st="0" end="0"/>
+                                              <p:pRg st="1" end="1"/>
                                             </p:txEl>
                                           </p:spTgt>
                                         </p:tgtEl>
@@ -5112,7 +5485,7 @@
                                         <p:tgtEl>
                                           <p:spTgt spid="3">
                                             <p:txEl>
-                                              <p:pRg st="0" end="0"/>
+                                              <p:pRg st="1" end="1"/>
                                             </p:txEl>
                                           </p:spTgt>
                                         </p:tgtEl>
@@ -5139,282 +5512,7 @@
                                         <p:tgtEl>
                                           <p:spTgt spid="3">
                                             <p:txEl>
-                                              <p:pRg st="0" end="0"/>
-                                            </p:txEl>
-                                          </p:spTgt>
-                                        </p:tgtEl>
-                                        <p:attrNameLst>
-                                          <p:attrName>ppt_y</p:attrName>
-                                        </p:attrNameLst>
-                                      </p:cBhvr>
-                                      <p:tavLst>
-                                        <p:tav tm="0">
-                                          <p:val>
-                                            <p:strVal val="1+#ppt_h/2"/>
-                                          </p:val>
-                                        </p:tav>
-                                        <p:tav tm="100000">
-                                          <p:val>
-                                            <p:strVal val="#ppt_y"/>
-                                          </p:val>
-                                        </p:tav>
-                                      </p:tavLst>
-                                    </p:anim>
-                                  </p:childTnLst>
-                                </p:cTn>
-                              </p:par>
-                            </p:childTnLst>
-                          </p:cTn>
-                        </p:par>
-                      </p:childTnLst>
-                    </p:cTn>
-                  </p:par>
-                </p:childTnLst>
-              </p:cTn>
-              <p:prevCondLst>
-                <p:cond evt="onPrev" delay="0">
-                  <p:tgtEl>
-                    <p:sldTgt/>
-                  </p:tgtEl>
-                </p:cond>
-              </p:prevCondLst>
-              <p:nextCondLst>
-                <p:cond evt="onNext" delay="0">
-                  <p:tgtEl>
-                    <p:sldTgt/>
-                  </p:tgtEl>
-                </p:cond>
-              </p:nextCondLst>
-            </p:seq>
-          </p:childTnLst>
-        </p:cTn>
-      </p:par>
-    </p:tnLst>
-    <p:bldLst>
-      <p:bldP spid="3" grpId="0" build="p"/>
-    </p:bldLst>
-  </p:timing>
-</p:sld>
-</file>
-
-<file path=ppt/slides/slide2.xml><?xml version="1.0" encoding="utf-8"?>
-<p:sld xmlns:a="http://schemas.openxmlformats.org/drawingml/2006/main" xmlns:r="http://schemas.openxmlformats.org/officeDocument/2006/relationships" xmlns:p="http://schemas.openxmlformats.org/presentationml/2006/main">
-  <p:cSld>
-    <p:spTree>
-      <p:nvGrpSpPr>
-        <p:cNvPr id="1" name=""/>
-        <p:cNvGrpSpPr/>
-        <p:nvPr/>
-      </p:nvGrpSpPr>
-      <p:grpSpPr>
-        <a:xfrm>
-          <a:off x="0" y="0"/>
-          <a:ext cx="0" cy="0"/>
-          <a:chOff x="0" y="0"/>
-          <a:chExt cx="0" cy="0"/>
-        </a:xfrm>
-      </p:grpSpPr>
-      <p:sp>
-        <p:nvSpPr>
-          <p:cNvPr id="2" name="Title 1"/>
-          <p:cNvSpPr>
-            <a:spLocks noGrp="1"/>
-          </p:cNvSpPr>
-          <p:nvPr>
-            <p:ph type="ctrTitle"/>
-          </p:nvPr>
-        </p:nvSpPr>
-        <p:spPr>
-          <a:xfrm>
-            <a:off x="0" y="0"/>
-            <a:ext cx="12192000" cy="1067274"/>
-          </a:xfrm>
-          <a:solidFill>
-            <a:srgbClr val="00B0F0"/>
-          </a:solidFill>
-        </p:spPr>
-        <p:txBody>
-          <a:bodyPr/>
-          <a:lstStyle/>
-          <a:p>
-            <a:r>
-              <a:rPr lang="en-US">
-                <a:solidFill>
-                  <a:schemeClr val="bg1"/>
-                </a:solidFill>
-              </a:rPr>
-              <a:t>AGENDA</a:t>
-            </a:r>
-          </a:p>
-        </p:txBody>
-      </p:sp>
-      <p:sp>
-        <p:nvSpPr>
-          <p:cNvPr id="3" name="Subtitle 2"/>
-          <p:cNvSpPr>
-            <a:spLocks noGrp="1"/>
-          </p:cNvSpPr>
-          <p:nvPr>
-            <p:ph type="subTitle" idx="1"/>
-          </p:nvPr>
-        </p:nvSpPr>
-        <p:spPr>
-          <a:xfrm>
-            <a:off x="1524000" y="1562792"/>
-            <a:ext cx="9144000" cy="4759949"/>
-          </a:xfrm>
-        </p:spPr>
-        <p:txBody>
-          <a:bodyPr>
-            <a:noAutofit/>
-          </a:bodyPr>
-          <a:lstStyle/>
-          <a:p>
-            <a:pPr marL="457200" indent="-457200" algn="l">
-              <a:lnSpc>
-                <a:spcPct val="150000"/>
-              </a:lnSpc>
-              <a:buFont typeface="+mj-lt"/>
-              <a:buAutoNum type="arabicPeriod"/>
-            </a:pPr>
-            <a:r>
-              <a:rPr lang="en-US" sz="3200" dirty="0"/>
-              <a:t>Introduction</a:t>
-            </a:r>
-          </a:p>
-          <a:p>
-            <a:pPr marL="457200" indent="-457200" algn="l">
-              <a:lnSpc>
-                <a:spcPct val="150000"/>
-              </a:lnSpc>
-              <a:buFont typeface="+mj-lt"/>
-              <a:buAutoNum type="arabicPeriod"/>
-            </a:pPr>
-            <a:r>
-              <a:rPr lang="en-US" sz="3200" dirty="0"/>
-              <a:t>Class Components</a:t>
-            </a:r>
-          </a:p>
-          <a:p>
-            <a:pPr marL="457200" indent="-457200" algn="l">
-              <a:lnSpc>
-                <a:spcPct val="150000"/>
-              </a:lnSpc>
-              <a:buFont typeface="+mj-lt"/>
-              <a:buAutoNum type="arabicPeriod"/>
-            </a:pPr>
-            <a:r>
-              <a:rPr lang="en-US" sz="3200" dirty="0"/>
-              <a:t>Function Components with Hooks</a:t>
-            </a:r>
-          </a:p>
-          <a:p>
-            <a:pPr marL="457200" indent="-457200" algn="l">
-              <a:lnSpc>
-                <a:spcPct val="150000"/>
-              </a:lnSpc>
-              <a:buFont typeface="+mj-lt"/>
-              <a:buAutoNum type="arabicPeriod"/>
-            </a:pPr>
-            <a:r>
-              <a:rPr lang="en-US" sz="3200" dirty="0"/>
-              <a:t>Conclusion &amp; demo</a:t>
-            </a:r>
-          </a:p>
-        </p:txBody>
-      </p:sp>
-    </p:spTree>
-    <p:extLst>
-      <p:ext uri="{BB962C8B-B14F-4D97-AF65-F5344CB8AC3E}">
-        <p14:creationId xmlns:p14="http://schemas.microsoft.com/office/powerpoint/2010/main" val="2216423864"/>
-      </p:ext>
-    </p:extLst>
-  </p:cSld>
-  <p:clrMapOvr>
-    <a:masterClrMapping/>
-  </p:clrMapOvr>
-  <p:timing>
-    <p:tnLst>
-      <p:par>
-        <p:cTn id="1" dur="indefinite" restart="never" nodeType="tmRoot">
-          <p:childTnLst>
-            <p:seq concurrent="1" nextAc="seek">
-              <p:cTn id="2" dur="indefinite" nodeType="mainSeq">
-                <p:childTnLst>
-                  <p:par>
-                    <p:cTn id="3" fill="hold">
-                      <p:stCondLst>
-                        <p:cond delay="indefinite"/>
-                      </p:stCondLst>
-                      <p:childTnLst>
-                        <p:par>
-                          <p:cTn id="4" fill="hold">
-                            <p:stCondLst>
-                              <p:cond delay="0"/>
-                            </p:stCondLst>
-                            <p:childTnLst>
-                              <p:par>
-                                <p:cTn id="5" presetID="2" presetClass="entr" presetSubtype="4" fill="hold" grpId="0" nodeType="clickEffect">
-                                  <p:stCondLst>
-                                    <p:cond delay="0"/>
-                                  </p:stCondLst>
-                                  <p:childTnLst>
-                                    <p:set>
-                                      <p:cBhvr>
-                                        <p:cTn id="6" dur="1" fill="hold">
-                                          <p:stCondLst>
-                                            <p:cond delay="0"/>
-                                          </p:stCondLst>
-                                        </p:cTn>
-                                        <p:tgtEl>
-                                          <p:spTgt spid="3">
-                                            <p:txEl>
-                                              <p:pRg st="0" end="0"/>
-                                            </p:txEl>
-                                          </p:spTgt>
-                                        </p:tgtEl>
-                                        <p:attrNameLst>
-                                          <p:attrName>style.visibility</p:attrName>
-                                        </p:attrNameLst>
-                                      </p:cBhvr>
-                                      <p:to>
-                                        <p:strVal val="visible"/>
-                                      </p:to>
-                                    </p:set>
-                                    <p:anim calcmode="lin" valueType="num">
-                                      <p:cBhvr additive="base">
-                                        <p:cTn id="7" dur="500" fill="hold"/>
-                                        <p:tgtEl>
-                                          <p:spTgt spid="3">
-                                            <p:txEl>
-                                              <p:pRg st="0" end="0"/>
-                                            </p:txEl>
-                                          </p:spTgt>
-                                        </p:tgtEl>
-                                        <p:attrNameLst>
-                                          <p:attrName>ppt_x</p:attrName>
-                                        </p:attrNameLst>
-                                      </p:cBhvr>
-                                      <p:tavLst>
-                                        <p:tav tm="0">
-                                          <p:val>
-                                            <p:strVal val="#ppt_x"/>
-                                          </p:val>
-                                        </p:tav>
-                                        <p:tav tm="100000">
-                                          <p:val>
-                                            <p:strVal val="#ppt_x"/>
-                                          </p:val>
-                                        </p:tav>
-                                      </p:tavLst>
-                                    </p:anim>
-                                    <p:anim calcmode="lin" valueType="num">
-                                      <p:cBhvr additive="base">
-                                        <p:cTn id="8" dur="500" fill="hold"/>
-                                        <p:tgtEl>
-                                          <p:spTgt spid="3">
-                                            <p:txEl>
-                                              <p:pRg st="0" end="0"/>
+                                              <p:pRg st="1" end="1"/>
                                             </p:txEl>
                                           </p:spTgt>
                                         </p:tgtEl>
@@ -5472,7 +5570,7 @@
                                         <p:tgtEl>
                                           <p:spTgt spid="3">
                                             <p:txEl>
-                                              <p:pRg st="1" end="1"/>
+                                              <p:pRg st="2" end="2"/>
                                             </p:txEl>
                                           </p:spTgt>
                                         </p:tgtEl>
@@ -5490,7 +5588,7 @@
                                         <p:tgtEl>
                                           <p:spTgt spid="3">
                                             <p:txEl>
-                                              <p:pRg st="1" end="1"/>
+                                              <p:pRg st="2" end="2"/>
                                             </p:txEl>
                                           </p:spTgt>
                                         </p:tgtEl>
@@ -5517,7 +5615,7 @@
                                         <p:tgtEl>
                                           <p:spTgt spid="3">
                                             <p:txEl>
-                                              <p:pRg st="1" end="1"/>
+                                              <p:pRg st="2" end="2"/>
                                             </p:txEl>
                                           </p:spTgt>
                                         </p:tgtEl>
@@ -5575,7 +5673,7 @@
                                         <p:tgtEl>
                                           <p:spTgt spid="3">
                                             <p:txEl>
-                                              <p:pRg st="2" end="2"/>
+                                              <p:pRg st="3" end="3"/>
                                             </p:txEl>
                                           </p:spTgt>
                                         </p:tgtEl>
@@ -5593,7 +5691,7 @@
                                         <p:tgtEl>
                                           <p:spTgt spid="3">
                                             <p:txEl>
-                                              <p:pRg st="2" end="2"/>
+                                              <p:pRg st="3" end="3"/>
                                             </p:txEl>
                                           </p:spTgt>
                                         </p:tgtEl>
@@ -5620,2426 +5718,7 @@
                                         <p:tgtEl>
                                           <p:spTgt spid="3">
                                             <p:txEl>
-                                              <p:pRg st="2" end="2"/>
-                                            </p:txEl>
-                                          </p:spTgt>
-                                        </p:tgtEl>
-                                        <p:attrNameLst>
-                                          <p:attrName>ppt_y</p:attrName>
-                                        </p:attrNameLst>
-                                      </p:cBhvr>
-                                      <p:tavLst>
-                                        <p:tav tm="0">
-                                          <p:val>
-                                            <p:strVal val="1+#ppt_h/2"/>
-                                          </p:val>
-                                        </p:tav>
-                                        <p:tav tm="100000">
-                                          <p:val>
-                                            <p:strVal val="#ppt_y"/>
-                                          </p:val>
-                                        </p:tav>
-                                      </p:tavLst>
-                                    </p:anim>
-                                  </p:childTnLst>
-                                </p:cTn>
-                              </p:par>
-                            </p:childTnLst>
-                          </p:cTn>
-                        </p:par>
-                      </p:childTnLst>
-                    </p:cTn>
-                  </p:par>
-                  <p:par>
-                    <p:cTn id="21" fill="hold">
-                      <p:stCondLst>
-                        <p:cond delay="indefinite"/>
-                      </p:stCondLst>
-                      <p:childTnLst>
-                        <p:par>
-                          <p:cTn id="22" fill="hold">
-                            <p:stCondLst>
-                              <p:cond delay="0"/>
-                            </p:stCondLst>
-                            <p:childTnLst>
-                              <p:par>
-                                <p:cTn id="23" presetID="2" presetClass="entr" presetSubtype="4" fill="hold" grpId="0" nodeType="clickEffect">
-                                  <p:stCondLst>
-                                    <p:cond delay="0"/>
-                                  </p:stCondLst>
-                                  <p:childTnLst>
-                                    <p:set>
-                                      <p:cBhvr>
-                                        <p:cTn id="24" dur="1" fill="hold">
-                                          <p:stCondLst>
-                                            <p:cond delay="0"/>
-                                          </p:stCondLst>
-                                        </p:cTn>
-                                        <p:tgtEl>
-                                          <p:spTgt spid="3">
-                                            <p:txEl>
                                               <p:pRg st="3" end="3"/>
-                                            </p:txEl>
-                                          </p:spTgt>
-                                        </p:tgtEl>
-                                        <p:attrNameLst>
-                                          <p:attrName>style.visibility</p:attrName>
-                                        </p:attrNameLst>
-                                      </p:cBhvr>
-                                      <p:to>
-                                        <p:strVal val="visible"/>
-                                      </p:to>
-                                    </p:set>
-                                    <p:anim calcmode="lin" valueType="num">
-                                      <p:cBhvr additive="base">
-                                        <p:cTn id="25" dur="500" fill="hold"/>
-                                        <p:tgtEl>
-                                          <p:spTgt spid="3">
-                                            <p:txEl>
-                                              <p:pRg st="3" end="3"/>
-                                            </p:txEl>
-                                          </p:spTgt>
-                                        </p:tgtEl>
-                                        <p:attrNameLst>
-                                          <p:attrName>ppt_x</p:attrName>
-                                        </p:attrNameLst>
-                                      </p:cBhvr>
-                                      <p:tavLst>
-                                        <p:tav tm="0">
-                                          <p:val>
-                                            <p:strVal val="#ppt_x"/>
-                                          </p:val>
-                                        </p:tav>
-                                        <p:tav tm="100000">
-                                          <p:val>
-                                            <p:strVal val="#ppt_x"/>
-                                          </p:val>
-                                        </p:tav>
-                                      </p:tavLst>
-                                    </p:anim>
-                                    <p:anim calcmode="lin" valueType="num">
-                                      <p:cBhvr additive="base">
-                                        <p:cTn id="26" dur="500" fill="hold"/>
-                                        <p:tgtEl>
-                                          <p:spTgt spid="3">
-                                            <p:txEl>
-                                              <p:pRg st="3" end="3"/>
-                                            </p:txEl>
-                                          </p:spTgt>
-                                        </p:tgtEl>
-                                        <p:attrNameLst>
-                                          <p:attrName>ppt_y</p:attrName>
-                                        </p:attrNameLst>
-                                      </p:cBhvr>
-                                      <p:tavLst>
-                                        <p:tav tm="0">
-                                          <p:val>
-                                            <p:strVal val="1+#ppt_h/2"/>
-                                          </p:val>
-                                        </p:tav>
-                                        <p:tav tm="100000">
-                                          <p:val>
-                                            <p:strVal val="#ppt_y"/>
-                                          </p:val>
-                                        </p:tav>
-                                      </p:tavLst>
-                                    </p:anim>
-                                  </p:childTnLst>
-                                </p:cTn>
-                              </p:par>
-                            </p:childTnLst>
-                          </p:cTn>
-                        </p:par>
-                      </p:childTnLst>
-                    </p:cTn>
-                  </p:par>
-                </p:childTnLst>
-              </p:cTn>
-              <p:prevCondLst>
-                <p:cond evt="onPrev" delay="0">
-                  <p:tgtEl>
-                    <p:sldTgt/>
-                  </p:tgtEl>
-                </p:cond>
-              </p:prevCondLst>
-              <p:nextCondLst>
-                <p:cond evt="onNext" delay="0">
-                  <p:tgtEl>
-                    <p:sldTgt/>
-                  </p:tgtEl>
-                </p:cond>
-              </p:nextCondLst>
-            </p:seq>
-          </p:childTnLst>
-        </p:cTn>
-      </p:par>
-    </p:tnLst>
-    <p:bldLst>
-      <p:bldP spid="3" grpId="0" build="p"/>
-    </p:bldLst>
-  </p:timing>
-</p:sld>
-</file>
-
-<file path=ppt/slides/slide3.xml><?xml version="1.0" encoding="utf-8"?>
-<p:sld xmlns:a="http://schemas.openxmlformats.org/drawingml/2006/main" xmlns:r="http://schemas.openxmlformats.org/officeDocument/2006/relationships" xmlns:p="http://schemas.openxmlformats.org/presentationml/2006/main">
-  <p:cSld>
-    <p:spTree>
-      <p:nvGrpSpPr>
-        <p:cNvPr id="1" name=""/>
-        <p:cNvGrpSpPr/>
-        <p:nvPr/>
-      </p:nvGrpSpPr>
-      <p:grpSpPr>
-        <a:xfrm>
-          <a:off x="0" y="0"/>
-          <a:ext cx="0" cy="0"/>
-          <a:chOff x="0" y="0"/>
-          <a:chExt cx="0" cy="0"/>
-        </a:xfrm>
-      </p:grpSpPr>
-      <p:sp>
-        <p:nvSpPr>
-          <p:cNvPr id="2" name="Title 1"/>
-          <p:cNvSpPr>
-            <a:spLocks noGrp="1"/>
-          </p:cNvSpPr>
-          <p:nvPr>
-            <p:ph type="title"/>
-          </p:nvPr>
-        </p:nvSpPr>
-        <p:spPr>
-          <a:xfrm>
-            <a:off x="0" y="0"/>
-            <a:ext cx="12191999" cy="1325563"/>
-          </a:xfrm>
-          <a:solidFill>
-            <a:srgbClr val="00B0F0"/>
-          </a:solidFill>
-        </p:spPr>
-        <p:txBody>
-          <a:bodyPr/>
-          <a:lstStyle/>
-          <a:p>
-            <a:r>
-              <a:rPr lang="en-US">
-                <a:solidFill>
-                  <a:schemeClr val="bg1"/>
-                </a:solidFill>
-              </a:rPr>
-              <a:t>1. Introduction</a:t>
-            </a:r>
-          </a:p>
-        </p:txBody>
-      </p:sp>
-      <p:sp>
-        <p:nvSpPr>
-          <p:cNvPr id="3" name="Content Placeholder 2"/>
-          <p:cNvSpPr>
-            <a:spLocks noGrp="1"/>
-          </p:cNvSpPr>
-          <p:nvPr>
-            <p:ph idx="1"/>
-          </p:nvPr>
-        </p:nvSpPr>
-        <p:spPr/>
-        <p:txBody>
-          <a:bodyPr>
-            <a:normAutofit lnSpcReduction="10000"/>
-          </a:bodyPr>
-          <a:lstStyle/>
-          <a:p>
-            <a:pPr>
-              <a:lnSpc>
-                <a:spcPct val="150000"/>
-              </a:lnSpc>
-            </a:pPr>
-            <a:r>
-              <a:rPr lang="en-US" dirty="0"/>
-              <a:t>Hooks are </a:t>
-            </a:r>
-            <a:r>
-              <a:rPr lang="en-US" b="1" dirty="0"/>
-              <a:t>functions</a:t>
-            </a:r>
-            <a:r>
-              <a:rPr lang="en-US" dirty="0"/>
-              <a:t>.</a:t>
-            </a:r>
-          </a:p>
-          <a:p>
-            <a:pPr>
-              <a:lnSpc>
-                <a:spcPct val="150000"/>
-              </a:lnSpc>
-            </a:pPr>
-            <a:r>
-              <a:rPr lang="en-US" b="1" dirty="0"/>
-              <a:t>Use state</a:t>
-            </a:r>
-            <a:r>
-              <a:rPr lang="en-US" dirty="0"/>
-              <a:t> and </a:t>
-            </a:r>
-            <a:r>
-              <a:rPr lang="en-US" b="1" dirty="0"/>
-              <a:t>lifecycle features </a:t>
-            </a:r>
-            <a:r>
-              <a:rPr lang="en-US" dirty="0"/>
-              <a:t>from </a:t>
-            </a:r>
-            <a:r>
-              <a:rPr lang="en-US" b="1" dirty="0"/>
-              <a:t>function components without</a:t>
-            </a:r>
-            <a:r>
-              <a:rPr lang="en-US" dirty="0"/>
-              <a:t> writing a </a:t>
-            </a:r>
-            <a:r>
-              <a:rPr lang="en-US" b="1" dirty="0"/>
-              <a:t>class</a:t>
-            </a:r>
-            <a:r>
-              <a:rPr lang="en-US" dirty="0"/>
-              <a:t>.</a:t>
-            </a:r>
-          </a:p>
-          <a:p>
-            <a:pPr>
-              <a:lnSpc>
-                <a:spcPct val="150000"/>
-              </a:lnSpc>
-            </a:pPr>
-            <a:r>
-              <a:rPr lang="en-US" dirty="0"/>
-              <a:t>Available in </a:t>
-            </a:r>
-            <a:r>
-              <a:rPr lang="en-US" b="1" dirty="0"/>
-              <a:t>16.8</a:t>
-            </a:r>
-            <a:r>
-              <a:rPr lang="en-US" dirty="0"/>
-              <a:t> and </a:t>
-            </a:r>
-            <a:r>
-              <a:rPr lang="en-US" b="1" dirty="0"/>
-              <a:t>above</a:t>
-            </a:r>
-            <a:r>
-              <a:rPr lang="en-US" dirty="0"/>
-              <a:t>.</a:t>
-            </a:r>
-          </a:p>
-          <a:p>
-            <a:pPr>
-              <a:lnSpc>
-                <a:spcPct val="150000"/>
-              </a:lnSpc>
-            </a:pPr>
-            <a:r>
-              <a:rPr lang="en-US" dirty="0"/>
-              <a:t>Some basic Hooks: </a:t>
-            </a:r>
-            <a:r>
-              <a:rPr lang="en-US" b="1" i="1" dirty="0" err="1"/>
-              <a:t>useState</a:t>
-            </a:r>
-            <a:r>
-              <a:rPr lang="en-US" b="1" i="1" dirty="0"/>
-              <a:t>, </a:t>
-            </a:r>
-            <a:r>
-              <a:rPr lang="en-US" b="1" i="1" dirty="0" err="1"/>
-              <a:t>useEffect</a:t>
-            </a:r>
-            <a:r>
-              <a:rPr lang="en-US" b="1" i="1" dirty="0"/>
-              <a:t>, </a:t>
-            </a:r>
-            <a:r>
-              <a:rPr lang="en-US" b="1" i="1" dirty="0" err="1"/>
-              <a:t>useContext</a:t>
-            </a:r>
-            <a:endParaRPr lang="en-US" b="1" i="1" dirty="0"/>
-          </a:p>
-          <a:p>
-            <a:pPr>
-              <a:lnSpc>
-                <a:spcPct val="150000"/>
-              </a:lnSpc>
-            </a:pPr>
-            <a:r>
-              <a:rPr lang="en-US" dirty="0"/>
-              <a:t>Additional Hooks: </a:t>
-            </a:r>
-            <a:r>
-              <a:rPr lang="en-US" i="1" dirty="0" err="1"/>
-              <a:t>useMemo</a:t>
-            </a:r>
-            <a:r>
-              <a:rPr lang="en-US" i="1" dirty="0"/>
-              <a:t>, </a:t>
-            </a:r>
-            <a:r>
-              <a:rPr lang="en-US" i="1" dirty="0" err="1"/>
-              <a:t>useReducer</a:t>
-            </a:r>
-            <a:r>
-              <a:rPr lang="en-US" i="1" dirty="0"/>
-              <a:t>…</a:t>
-            </a:r>
-            <a:endParaRPr lang="en-US" dirty="0"/>
-          </a:p>
-        </p:txBody>
-      </p:sp>
-    </p:spTree>
-    <p:extLst>
-      <p:ext uri="{BB962C8B-B14F-4D97-AF65-F5344CB8AC3E}">
-        <p14:creationId xmlns:p14="http://schemas.microsoft.com/office/powerpoint/2010/main" val="2638453489"/>
-      </p:ext>
-    </p:extLst>
-  </p:cSld>
-  <p:clrMapOvr>
-    <a:masterClrMapping/>
-  </p:clrMapOvr>
-  <p:timing>
-    <p:tnLst>
-      <p:par>
-        <p:cTn id="1" dur="indefinite" restart="never" nodeType="tmRoot">
-          <p:childTnLst>
-            <p:seq concurrent="1" nextAc="seek">
-              <p:cTn id="2" dur="indefinite" nodeType="mainSeq">
-                <p:childTnLst>
-                  <p:par>
-                    <p:cTn id="3" fill="hold">
-                      <p:stCondLst>
-                        <p:cond delay="indefinite"/>
-                      </p:stCondLst>
-                      <p:childTnLst>
-                        <p:par>
-                          <p:cTn id="4" fill="hold">
-                            <p:stCondLst>
-                              <p:cond delay="0"/>
-                            </p:stCondLst>
-                            <p:childTnLst>
-                              <p:par>
-                                <p:cTn id="5" presetID="2" presetClass="entr" presetSubtype="4" fill="hold" grpId="0" nodeType="clickEffect">
-                                  <p:stCondLst>
-                                    <p:cond delay="0"/>
-                                  </p:stCondLst>
-                                  <p:childTnLst>
-                                    <p:set>
-                                      <p:cBhvr>
-                                        <p:cTn id="6" dur="1" fill="hold">
-                                          <p:stCondLst>
-                                            <p:cond delay="0"/>
-                                          </p:stCondLst>
-                                        </p:cTn>
-                                        <p:tgtEl>
-                                          <p:spTgt spid="3">
-                                            <p:txEl>
-                                              <p:pRg st="0" end="0"/>
-                                            </p:txEl>
-                                          </p:spTgt>
-                                        </p:tgtEl>
-                                        <p:attrNameLst>
-                                          <p:attrName>style.visibility</p:attrName>
-                                        </p:attrNameLst>
-                                      </p:cBhvr>
-                                      <p:to>
-                                        <p:strVal val="visible"/>
-                                      </p:to>
-                                    </p:set>
-                                    <p:anim calcmode="lin" valueType="num">
-                                      <p:cBhvr additive="base">
-                                        <p:cTn id="7" dur="500" fill="hold"/>
-                                        <p:tgtEl>
-                                          <p:spTgt spid="3">
-                                            <p:txEl>
-                                              <p:pRg st="0" end="0"/>
-                                            </p:txEl>
-                                          </p:spTgt>
-                                        </p:tgtEl>
-                                        <p:attrNameLst>
-                                          <p:attrName>ppt_x</p:attrName>
-                                        </p:attrNameLst>
-                                      </p:cBhvr>
-                                      <p:tavLst>
-                                        <p:tav tm="0">
-                                          <p:val>
-                                            <p:strVal val="#ppt_x"/>
-                                          </p:val>
-                                        </p:tav>
-                                        <p:tav tm="100000">
-                                          <p:val>
-                                            <p:strVal val="#ppt_x"/>
-                                          </p:val>
-                                        </p:tav>
-                                      </p:tavLst>
-                                    </p:anim>
-                                    <p:anim calcmode="lin" valueType="num">
-                                      <p:cBhvr additive="base">
-                                        <p:cTn id="8" dur="500" fill="hold"/>
-                                        <p:tgtEl>
-                                          <p:spTgt spid="3">
-                                            <p:txEl>
-                                              <p:pRg st="0" end="0"/>
-                                            </p:txEl>
-                                          </p:spTgt>
-                                        </p:tgtEl>
-                                        <p:attrNameLst>
-                                          <p:attrName>ppt_y</p:attrName>
-                                        </p:attrNameLst>
-                                      </p:cBhvr>
-                                      <p:tavLst>
-                                        <p:tav tm="0">
-                                          <p:val>
-                                            <p:strVal val="1+#ppt_h/2"/>
-                                          </p:val>
-                                        </p:tav>
-                                        <p:tav tm="100000">
-                                          <p:val>
-                                            <p:strVal val="#ppt_y"/>
-                                          </p:val>
-                                        </p:tav>
-                                      </p:tavLst>
-                                    </p:anim>
-                                  </p:childTnLst>
-                                </p:cTn>
-                              </p:par>
-                            </p:childTnLst>
-                          </p:cTn>
-                        </p:par>
-                      </p:childTnLst>
-                    </p:cTn>
-                  </p:par>
-                  <p:par>
-                    <p:cTn id="9" fill="hold">
-                      <p:stCondLst>
-                        <p:cond delay="indefinite"/>
-                      </p:stCondLst>
-                      <p:childTnLst>
-                        <p:par>
-                          <p:cTn id="10" fill="hold">
-                            <p:stCondLst>
-                              <p:cond delay="0"/>
-                            </p:stCondLst>
-                            <p:childTnLst>
-                              <p:par>
-                                <p:cTn id="11" presetID="2" presetClass="entr" presetSubtype="4" fill="hold" grpId="0" nodeType="clickEffect">
-                                  <p:stCondLst>
-                                    <p:cond delay="0"/>
-                                  </p:stCondLst>
-                                  <p:childTnLst>
-                                    <p:set>
-                                      <p:cBhvr>
-                                        <p:cTn id="12" dur="1" fill="hold">
-                                          <p:stCondLst>
-                                            <p:cond delay="0"/>
-                                          </p:stCondLst>
-                                        </p:cTn>
-                                        <p:tgtEl>
-                                          <p:spTgt spid="3">
-                                            <p:txEl>
-                                              <p:pRg st="1" end="1"/>
-                                            </p:txEl>
-                                          </p:spTgt>
-                                        </p:tgtEl>
-                                        <p:attrNameLst>
-                                          <p:attrName>style.visibility</p:attrName>
-                                        </p:attrNameLst>
-                                      </p:cBhvr>
-                                      <p:to>
-                                        <p:strVal val="visible"/>
-                                      </p:to>
-                                    </p:set>
-                                    <p:anim calcmode="lin" valueType="num">
-                                      <p:cBhvr additive="base">
-                                        <p:cTn id="13" dur="500" fill="hold"/>
-                                        <p:tgtEl>
-                                          <p:spTgt spid="3">
-                                            <p:txEl>
-                                              <p:pRg st="1" end="1"/>
-                                            </p:txEl>
-                                          </p:spTgt>
-                                        </p:tgtEl>
-                                        <p:attrNameLst>
-                                          <p:attrName>ppt_x</p:attrName>
-                                        </p:attrNameLst>
-                                      </p:cBhvr>
-                                      <p:tavLst>
-                                        <p:tav tm="0">
-                                          <p:val>
-                                            <p:strVal val="#ppt_x"/>
-                                          </p:val>
-                                        </p:tav>
-                                        <p:tav tm="100000">
-                                          <p:val>
-                                            <p:strVal val="#ppt_x"/>
-                                          </p:val>
-                                        </p:tav>
-                                      </p:tavLst>
-                                    </p:anim>
-                                    <p:anim calcmode="lin" valueType="num">
-                                      <p:cBhvr additive="base">
-                                        <p:cTn id="14" dur="500" fill="hold"/>
-                                        <p:tgtEl>
-                                          <p:spTgt spid="3">
-                                            <p:txEl>
-                                              <p:pRg st="1" end="1"/>
-                                            </p:txEl>
-                                          </p:spTgt>
-                                        </p:tgtEl>
-                                        <p:attrNameLst>
-                                          <p:attrName>ppt_y</p:attrName>
-                                        </p:attrNameLst>
-                                      </p:cBhvr>
-                                      <p:tavLst>
-                                        <p:tav tm="0">
-                                          <p:val>
-                                            <p:strVal val="1+#ppt_h/2"/>
-                                          </p:val>
-                                        </p:tav>
-                                        <p:tav tm="100000">
-                                          <p:val>
-                                            <p:strVal val="#ppt_y"/>
-                                          </p:val>
-                                        </p:tav>
-                                      </p:tavLst>
-                                    </p:anim>
-                                  </p:childTnLst>
-                                </p:cTn>
-                              </p:par>
-                            </p:childTnLst>
-                          </p:cTn>
-                        </p:par>
-                      </p:childTnLst>
-                    </p:cTn>
-                  </p:par>
-                  <p:par>
-                    <p:cTn id="15" fill="hold">
-                      <p:stCondLst>
-                        <p:cond delay="indefinite"/>
-                      </p:stCondLst>
-                      <p:childTnLst>
-                        <p:par>
-                          <p:cTn id="16" fill="hold">
-                            <p:stCondLst>
-                              <p:cond delay="0"/>
-                            </p:stCondLst>
-                            <p:childTnLst>
-                              <p:par>
-                                <p:cTn id="17" presetID="2" presetClass="entr" presetSubtype="4" fill="hold" grpId="0" nodeType="clickEffect">
-                                  <p:stCondLst>
-                                    <p:cond delay="0"/>
-                                  </p:stCondLst>
-                                  <p:childTnLst>
-                                    <p:set>
-                                      <p:cBhvr>
-                                        <p:cTn id="18" dur="1" fill="hold">
-                                          <p:stCondLst>
-                                            <p:cond delay="0"/>
-                                          </p:stCondLst>
-                                        </p:cTn>
-                                        <p:tgtEl>
-                                          <p:spTgt spid="3">
-                                            <p:txEl>
-                                              <p:pRg st="2" end="2"/>
-                                            </p:txEl>
-                                          </p:spTgt>
-                                        </p:tgtEl>
-                                        <p:attrNameLst>
-                                          <p:attrName>style.visibility</p:attrName>
-                                        </p:attrNameLst>
-                                      </p:cBhvr>
-                                      <p:to>
-                                        <p:strVal val="visible"/>
-                                      </p:to>
-                                    </p:set>
-                                    <p:anim calcmode="lin" valueType="num">
-                                      <p:cBhvr additive="base">
-                                        <p:cTn id="19" dur="500" fill="hold"/>
-                                        <p:tgtEl>
-                                          <p:spTgt spid="3">
-                                            <p:txEl>
-                                              <p:pRg st="2" end="2"/>
-                                            </p:txEl>
-                                          </p:spTgt>
-                                        </p:tgtEl>
-                                        <p:attrNameLst>
-                                          <p:attrName>ppt_x</p:attrName>
-                                        </p:attrNameLst>
-                                      </p:cBhvr>
-                                      <p:tavLst>
-                                        <p:tav tm="0">
-                                          <p:val>
-                                            <p:strVal val="#ppt_x"/>
-                                          </p:val>
-                                        </p:tav>
-                                        <p:tav tm="100000">
-                                          <p:val>
-                                            <p:strVal val="#ppt_x"/>
-                                          </p:val>
-                                        </p:tav>
-                                      </p:tavLst>
-                                    </p:anim>
-                                    <p:anim calcmode="lin" valueType="num">
-                                      <p:cBhvr additive="base">
-                                        <p:cTn id="20" dur="500" fill="hold"/>
-                                        <p:tgtEl>
-                                          <p:spTgt spid="3">
-                                            <p:txEl>
-                                              <p:pRg st="2" end="2"/>
-                                            </p:txEl>
-                                          </p:spTgt>
-                                        </p:tgtEl>
-                                        <p:attrNameLst>
-                                          <p:attrName>ppt_y</p:attrName>
-                                        </p:attrNameLst>
-                                      </p:cBhvr>
-                                      <p:tavLst>
-                                        <p:tav tm="0">
-                                          <p:val>
-                                            <p:strVal val="1+#ppt_h/2"/>
-                                          </p:val>
-                                        </p:tav>
-                                        <p:tav tm="100000">
-                                          <p:val>
-                                            <p:strVal val="#ppt_y"/>
-                                          </p:val>
-                                        </p:tav>
-                                      </p:tavLst>
-                                    </p:anim>
-                                  </p:childTnLst>
-                                </p:cTn>
-                              </p:par>
-                            </p:childTnLst>
-                          </p:cTn>
-                        </p:par>
-                      </p:childTnLst>
-                    </p:cTn>
-                  </p:par>
-                  <p:par>
-                    <p:cTn id="21" fill="hold">
-                      <p:stCondLst>
-                        <p:cond delay="indefinite"/>
-                      </p:stCondLst>
-                      <p:childTnLst>
-                        <p:par>
-                          <p:cTn id="22" fill="hold">
-                            <p:stCondLst>
-                              <p:cond delay="0"/>
-                            </p:stCondLst>
-                            <p:childTnLst>
-                              <p:par>
-                                <p:cTn id="23" presetID="2" presetClass="entr" presetSubtype="4" fill="hold" grpId="0" nodeType="clickEffect">
-                                  <p:stCondLst>
-                                    <p:cond delay="0"/>
-                                  </p:stCondLst>
-                                  <p:childTnLst>
-                                    <p:set>
-                                      <p:cBhvr>
-                                        <p:cTn id="24" dur="1" fill="hold">
-                                          <p:stCondLst>
-                                            <p:cond delay="0"/>
-                                          </p:stCondLst>
-                                        </p:cTn>
-                                        <p:tgtEl>
-                                          <p:spTgt spid="3">
-                                            <p:txEl>
-                                              <p:pRg st="3" end="3"/>
-                                            </p:txEl>
-                                          </p:spTgt>
-                                        </p:tgtEl>
-                                        <p:attrNameLst>
-                                          <p:attrName>style.visibility</p:attrName>
-                                        </p:attrNameLst>
-                                      </p:cBhvr>
-                                      <p:to>
-                                        <p:strVal val="visible"/>
-                                      </p:to>
-                                    </p:set>
-                                    <p:anim calcmode="lin" valueType="num">
-                                      <p:cBhvr additive="base">
-                                        <p:cTn id="25" dur="500" fill="hold"/>
-                                        <p:tgtEl>
-                                          <p:spTgt spid="3">
-                                            <p:txEl>
-                                              <p:pRg st="3" end="3"/>
-                                            </p:txEl>
-                                          </p:spTgt>
-                                        </p:tgtEl>
-                                        <p:attrNameLst>
-                                          <p:attrName>ppt_x</p:attrName>
-                                        </p:attrNameLst>
-                                      </p:cBhvr>
-                                      <p:tavLst>
-                                        <p:tav tm="0">
-                                          <p:val>
-                                            <p:strVal val="#ppt_x"/>
-                                          </p:val>
-                                        </p:tav>
-                                        <p:tav tm="100000">
-                                          <p:val>
-                                            <p:strVal val="#ppt_x"/>
-                                          </p:val>
-                                        </p:tav>
-                                      </p:tavLst>
-                                    </p:anim>
-                                    <p:anim calcmode="lin" valueType="num">
-                                      <p:cBhvr additive="base">
-                                        <p:cTn id="26" dur="500" fill="hold"/>
-                                        <p:tgtEl>
-                                          <p:spTgt spid="3">
-                                            <p:txEl>
-                                              <p:pRg st="3" end="3"/>
-                                            </p:txEl>
-                                          </p:spTgt>
-                                        </p:tgtEl>
-                                        <p:attrNameLst>
-                                          <p:attrName>ppt_y</p:attrName>
-                                        </p:attrNameLst>
-                                      </p:cBhvr>
-                                      <p:tavLst>
-                                        <p:tav tm="0">
-                                          <p:val>
-                                            <p:strVal val="1+#ppt_h/2"/>
-                                          </p:val>
-                                        </p:tav>
-                                        <p:tav tm="100000">
-                                          <p:val>
-                                            <p:strVal val="#ppt_y"/>
-                                          </p:val>
-                                        </p:tav>
-                                      </p:tavLst>
-                                    </p:anim>
-                                  </p:childTnLst>
-                                </p:cTn>
-                              </p:par>
-                            </p:childTnLst>
-                          </p:cTn>
-                        </p:par>
-                      </p:childTnLst>
-                    </p:cTn>
-                  </p:par>
-                  <p:par>
-                    <p:cTn id="27" fill="hold">
-                      <p:stCondLst>
-                        <p:cond delay="indefinite"/>
-                      </p:stCondLst>
-                      <p:childTnLst>
-                        <p:par>
-                          <p:cTn id="28" fill="hold">
-                            <p:stCondLst>
-                              <p:cond delay="0"/>
-                            </p:stCondLst>
-                            <p:childTnLst>
-                              <p:par>
-                                <p:cTn id="29" presetID="2" presetClass="entr" presetSubtype="4" fill="hold" grpId="0" nodeType="clickEffect">
-                                  <p:stCondLst>
-                                    <p:cond delay="0"/>
-                                  </p:stCondLst>
-                                  <p:childTnLst>
-                                    <p:set>
-                                      <p:cBhvr>
-                                        <p:cTn id="30" dur="1" fill="hold">
-                                          <p:stCondLst>
-                                            <p:cond delay="0"/>
-                                          </p:stCondLst>
-                                        </p:cTn>
-                                        <p:tgtEl>
-                                          <p:spTgt spid="3">
-                                            <p:txEl>
-                                              <p:pRg st="4" end="4"/>
-                                            </p:txEl>
-                                          </p:spTgt>
-                                        </p:tgtEl>
-                                        <p:attrNameLst>
-                                          <p:attrName>style.visibility</p:attrName>
-                                        </p:attrNameLst>
-                                      </p:cBhvr>
-                                      <p:to>
-                                        <p:strVal val="visible"/>
-                                      </p:to>
-                                    </p:set>
-                                    <p:anim calcmode="lin" valueType="num">
-                                      <p:cBhvr additive="base">
-                                        <p:cTn id="31" dur="500" fill="hold"/>
-                                        <p:tgtEl>
-                                          <p:spTgt spid="3">
-                                            <p:txEl>
-                                              <p:pRg st="4" end="4"/>
-                                            </p:txEl>
-                                          </p:spTgt>
-                                        </p:tgtEl>
-                                        <p:attrNameLst>
-                                          <p:attrName>ppt_x</p:attrName>
-                                        </p:attrNameLst>
-                                      </p:cBhvr>
-                                      <p:tavLst>
-                                        <p:tav tm="0">
-                                          <p:val>
-                                            <p:strVal val="#ppt_x"/>
-                                          </p:val>
-                                        </p:tav>
-                                        <p:tav tm="100000">
-                                          <p:val>
-                                            <p:strVal val="#ppt_x"/>
-                                          </p:val>
-                                        </p:tav>
-                                      </p:tavLst>
-                                    </p:anim>
-                                    <p:anim calcmode="lin" valueType="num">
-                                      <p:cBhvr additive="base">
-                                        <p:cTn id="32" dur="500" fill="hold"/>
-                                        <p:tgtEl>
-                                          <p:spTgt spid="3">
-                                            <p:txEl>
-                                              <p:pRg st="4" end="4"/>
-                                            </p:txEl>
-                                          </p:spTgt>
-                                        </p:tgtEl>
-                                        <p:attrNameLst>
-                                          <p:attrName>ppt_y</p:attrName>
-                                        </p:attrNameLst>
-                                      </p:cBhvr>
-                                      <p:tavLst>
-                                        <p:tav tm="0">
-                                          <p:val>
-                                            <p:strVal val="1+#ppt_h/2"/>
-                                          </p:val>
-                                        </p:tav>
-                                        <p:tav tm="100000">
-                                          <p:val>
-                                            <p:strVal val="#ppt_y"/>
-                                          </p:val>
-                                        </p:tav>
-                                      </p:tavLst>
-                                    </p:anim>
-                                  </p:childTnLst>
-                                </p:cTn>
-                              </p:par>
-                            </p:childTnLst>
-                          </p:cTn>
-                        </p:par>
-                      </p:childTnLst>
-                    </p:cTn>
-                  </p:par>
-                </p:childTnLst>
-              </p:cTn>
-              <p:prevCondLst>
-                <p:cond evt="onPrev" delay="0">
-                  <p:tgtEl>
-                    <p:sldTgt/>
-                  </p:tgtEl>
-                </p:cond>
-              </p:prevCondLst>
-              <p:nextCondLst>
-                <p:cond evt="onNext" delay="0">
-                  <p:tgtEl>
-                    <p:sldTgt/>
-                  </p:tgtEl>
-                </p:cond>
-              </p:nextCondLst>
-            </p:seq>
-          </p:childTnLst>
-        </p:cTn>
-      </p:par>
-    </p:tnLst>
-    <p:bldLst>
-      <p:bldP spid="3" grpId="0" build="p"/>
-    </p:bldLst>
-  </p:timing>
-</p:sld>
-</file>
-
-<file path=ppt/slides/slide4.xml><?xml version="1.0" encoding="utf-8"?>
-<p:sld xmlns:a="http://schemas.openxmlformats.org/drawingml/2006/main" xmlns:r="http://schemas.openxmlformats.org/officeDocument/2006/relationships" xmlns:p="http://schemas.openxmlformats.org/presentationml/2006/main">
-  <p:cSld>
-    <p:spTree>
-      <p:nvGrpSpPr>
-        <p:cNvPr id="1" name=""/>
-        <p:cNvGrpSpPr/>
-        <p:nvPr/>
-      </p:nvGrpSpPr>
-      <p:grpSpPr>
-        <a:xfrm>
-          <a:off x="0" y="0"/>
-          <a:ext cx="0" cy="0"/>
-          <a:chOff x="0" y="0"/>
-          <a:chExt cx="0" cy="0"/>
-        </a:xfrm>
-      </p:grpSpPr>
-      <p:sp>
-        <p:nvSpPr>
-          <p:cNvPr id="2" name="Title 1"/>
-          <p:cNvSpPr>
-            <a:spLocks noGrp="1"/>
-          </p:cNvSpPr>
-          <p:nvPr>
-            <p:ph type="title"/>
-          </p:nvPr>
-        </p:nvSpPr>
-        <p:spPr>
-          <a:xfrm>
-            <a:off x="0" y="0"/>
-            <a:ext cx="12191999" cy="1325563"/>
-          </a:xfrm>
-          <a:solidFill>
-            <a:srgbClr val="00B0F0"/>
-          </a:solidFill>
-        </p:spPr>
-        <p:txBody>
-          <a:bodyPr/>
-          <a:lstStyle/>
-          <a:p>
-            <a:r>
-              <a:rPr lang="en-US" dirty="0">
-                <a:solidFill>
-                  <a:schemeClr val="bg1"/>
-                </a:solidFill>
-              </a:rPr>
-              <a:t>2. Class Components</a:t>
-            </a:r>
-          </a:p>
-        </p:txBody>
-      </p:sp>
-      <p:sp>
-        <p:nvSpPr>
-          <p:cNvPr id="3" name="Content Placeholder 2"/>
-          <p:cNvSpPr>
-            <a:spLocks noGrp="1"/>
-          </p:cNvSpPr>
-          <p:nvPr>
-            <p:ph idx="1"/>
-          </p:nvPr>
-        </p:nvSpPr>
-        <p:spPr/>
-        <p:txBody>
-          <a:bodyPr>
-            <a:normAutofit/>
-          </a:bodyPr>
-          <a:lstStyle/>
-          <a:p>
-            <a:pPr>
-              <a:lnSpc>
-                <a:spcPct val="150000"/>
-              </a:lnSpc>
-            </a:pPr>
-            <a:r>
-              <a:rPr lang="en-US" sz="3600" dirty="0"/>
-              <a:t>Huge components</a:t>
-            </a:r>
-          </a:p>
-          <a:p>
-            <a:pPr>
-              <a:lnSpc>
-                <a:spcPct val="150000"/>
-              </a:lnSpc>
-            </a:pPr>
-            <a:r>
-              <a:rPr lang="en-US" sz="3600" dirty="0"/>
-              <a:t>Duplicated logic</a:t>
-            </a:r>
-          </a:p>
-          <a:p>
-            <a:pPr>
-              <a:lnSpc>
-                <a:spcPct val="150000"/>
-              </a:lnSpc>
-            </a:pPr>
-            <a:r>
-              <a:rPr lang="en-US" sz="3600" dirty="0"/>
-              <a:t>Complex patterns</a:t>
-            </a:r>
-          </a:p>
-        </p:txBody>
-      </p:sp>
-    </p:spTree>
-    <p:extLst>
-      <p:ext uri="{BB962C8B-B14F-4D97-AF65-F5344CB8AC3E}">
-        <p14:creationId xmlns:p14="http://schemas.microsoft.com/office/powerpoint/2010/main" val="83894095"/>
-      </p:ext>
-    </p:extLst>
-  </p:cSld>
-  <p:clrMapOvr>
-    <a:masterClrMapping/>
-  </p:clrMapOvr>
-  <p:timing>
-    <p:tnLst>
-      <p:par>
-        <p:cTn id="1" dur="indefinite" restart="never" nodeType="tmRoot">
-          <p:childTnLst>
-            <p:seq concurrent="1" nextAc="seek">
-              <p:cTn id="2" dur="indefinite" nodeType="mainSeq">
-                <p:childTnLst>
-                  <p:par>
-                    <p:cTn id="3" fill="hold">
-                      <p:stCondLst>
-                        <p:cond delay="indefinite"/>
-                      </p:stCondLst>
-                      <p:childTnLst>
-                        <p:par>
-                          <p:cTn id="4" fill="hold">
-                            <p:stCondLst>
-                              <p:cond delay="0"/>
-                            </p:stCondLst>
-                            <p:childTnLst>
-                              <p:par>
-                                <p:cTn id="5" presetID="2" presetClass="entr" presetSubtype="4" fill="hold" grpId="0" nodeType="clickEffect">
-                                  <p:stCondLst>
-                                    <p:cond delay="0"/>
-                                  </p:stCondLst>
-                                  <p:childTnLst>
-                                    <p:set>
-                                      <p:cBhvr>
-                                        <p:cTn id="6" dur="1" fill="hold">
-                                          <p:stCondLst>
-                                            <p:cond delay="0"/>
-                                          </p:stCondLst>
-                                        </p:cTn>
-                                        <p:tgtEl>
-                                          <p:spTgt spid="3">
-                                            <p:txEl>
-                                              <p:pRg st="0" end="0"/>
-                                            </p:txEl>
-                                          </p:spTgt>
-                                        </p:tgtEl>
-                                        <p:attrNameLst>
-                                          <p:attrName>style.visibility</p:attrName>
-                                        </p:attrNameLst>
-                                      </p:cBhvr>
-                                      <p:to>
-                                        <p:strVal val="visible"/>
-                                      </p:to>
-                                    </p:set>
-                                    <p:anim calcmode="lin" valueType="num">
-                                      <p:cBhvr additive="base">
-                                        <p:cTn id="7" dur="500" fill="hold"/>
-                                        <p:tgtEl>
-                                          <p:spTgt spid="3">
-                                            <p:txEl>
-                                              <p:pRg st="0" end="0"/>
-                                            </p:txEl>
-                                          </p:spTgt>
-                                        </p:tgtEl>
-                                        <p:attrNameLst>
-                                          <p:attrName>ppt_x</p:attrName>
-                                        </p:attrNameLst>
-                                      </p:cBhvr>
-                                      <p:tavLst>
-                                        <p:tav tm="0">
-                                          <p:val>
-                                            <p:strVal val="#ppt_x"/>
-                                          </p:val>
-                                        </p:tav>
-                                        <p:tav tm="100000">
-                                          <p:val>
-                                            <p:strVal val="#ppt_x"/>
-                                          </p:val>
-                                        </p:tav>
-                                      </p:tavLst>
-                                    </p:anim>
-                                    <p:anim calcmode="lin" valueType="num">
-                                      <p:cBhvr additive="base">
-                                        <p:cTn id="8" dur="500" fill="hold"/>
-                                        <p:tgtEl>
-                                          <p:spTgt spid="3">
-                                            <p:txEl>
-                                              <p:pRg st="0" end="0"/>
-                                            </p:txEl>
-                                          </p:spTgt>
-                                        </p:tgtEl>
-                                        <p:attrNameLst>
-                                          <p:attrName>ppt_y</p:attrName>
-                                        </p:attrNameLst>
-                                      </p:cBhvr>
-                                      <p:tavLst>
-                                        <p:tav tm="0">
-                                          <p:val>
-                                            <p:strVal val="1+#ppt_h/2"/>
-                                          </p:val>
-                                        </p:tav>
-                                        <p:tav tm="100000">
-                                          <p:val>
-                                            <p:strVal val="#ppt_y"/>
-                                          </p:val>
-                                        </p:tav>
-                                      </p:tavLst>
-                                    </p:anim>
-                                  </p:childTnLst>
-                                </p:cTn>
-                              </p:par>
-                            </p:childTnLst>
-                          </p:cTn>
-                        </p:par>
-                      </p:childTnLst>
-                    </p:cTn>
-                  </p:par>
-                  <p:par>
-                    <p:cTn id="9" fill="hold">
-                      <p:stCondLst>
-                        <p:cond delay="indefinite"/>
-                      </p:stCondLst>
-                      <p:childTnLst>
-                        <p:par>
-                          <p:cTn id="10" fill="hold">
-                            <p:stCondLst>
-                              <p:cond delay="0"/>
-                            </p:stCondLst>
-                            <p:childTnLst>
-                              <p:par>
-                                <p:cTn id="11" presetID="2" presetClass="entr" presetSubtype="4" fill="hold" grpId="0" nodeType="clickEffect">
-                                  <p:stCondLst>
-                                    <p:cond delay="0"/>
-                                  </p:stCondLst>
-                                  <p:childTnLst>
-                                    <p:set>
-                                      <p:cBhvr>
-                                        <p:cTn id="12" dur="1" fill="hold">
-                                          <p:stCondLst>
-                                            <p:cond delay="0"/>
-                                          </p:stCondLst>
-                                        </p:cTn>
-                                        <p:tgtEl>
-                                          <p:spTgt spid="3">
-                                            <p:txEl>
-                                              <p:pRg st="1" end="1"/>
-                                            </p:txEl>
-                                          </p:spTgt>
-                                        </p:tgtEl>
-                                        <p:attrNameLst>
-                                          <p:attrName>style.visibility</p:attrName>
-                                        </p:attrNameLst>
-                                      </p:cBhvr>
-                                      <p:to>
-                                        <p:strVal val="visible"/>
-                                      </p:to>
-                                    </p:set>
-                                    <p:anim calcmode="lin" valueType="num">
-                                      <p:cBhvr additive="base">
-                                        <p:cTn id="13" dur="500" fill="hold"/>
-                                        <p:tgtEl>
-                                          <p:spTgt spid="3">
-                                            <p:txEl>
-                                              <p:pRg st="1" end="1"/>
-                                            </p:txEl>
-                                          </p:spTgt>
-                                        </p:tgtEl>
-                                        <p:attrNameLst>
-                                          <p:attrName>ppt_x</p:attrName>
-                                        </p:attrNameLst>
-                                      </p:cBhvr>
-                                      <p:tavLst>
-                                        <p:tav tm="0">
-                                          <p:val>
-                                            <p:strVal val="#ppt_x"/>
-                                          </p:val>
-                                        </p:tav>
-                                        <p:tav tm="100000">
-                                          <p:val>
-                                            <p:strVal val="#ppt_x"/>
-                                          </p:val>
-                                        </p:tav>
-                                      </p:tavLst>
-                                    </p:anim>
-                                    <p:anim calcmode="lin" valueType="num">
-                                      <p:cBhvr additive="base">
-                                        <p:cTn id="14" dur="500" fill="hold"/>
-                                        <p:tgtEl>
-                                          <p:spTgt spid="3">
-                                            <p:txEl>
-                                              <p:pRg st="1" end="1"/>
-                                            </p:txEl>
-                                          </p:spTgt>
-                                        </p:tgtEl>
-                                        <p:attrNameLst>
-                                          <p:attrName>ppt_y</p:attrName>
-                                        </p:attrNameLst>
-                                      </p:cBhvr>
-                                      <p:tavLst>
-                                        <p:tav tm="0">
-                                          <p:val>
-                                            <p:strVal val="1+#ppt_h/2"/>
-                                          </p:val>
-                                        </p:tav>
-                                        <p:tav tm="100000">
-                                          <p:val>
-                                            <p:strVal val="#ppt_y"/>
-                                          </p:val>
-                                        </p:tav>
-                                      </p:tavLst>
-                                    </p:anim>
-                                  </p:childTnLst>
-                                </p:cTn>
-                              </p:par>
-                            </p:childTnLst>
-                          </p:cTn>
-                        </p:par>
-                      </p:childTnLst>
-                    </p:cTn>
-                  </p:par>
-                  <p:par>
-                    <p:cTn id="15" fill="hold">
-                      <p:stCondLst>
-                        <p:cond delay="indefinite"/>
-                      </p:stCondLst>
-                      <p:childTnLst>
-                        <p:par>
-                          <p:cTn id="16" fill="hold">
-                            <p:stCondLst>
-                              <p:cond delay="0"/>
-                            </p:stCondLst>
-                            <p:childTnLst>
-                              <p:par>
-                                <p:cTn id="17" presetID="2" presetClass="entr" presetSubtype="4" fill="hold" grpId="0" nodeType="clickEffect">
-                                  <p:stCondLst>
-                                    <p:cond delay="0"/>
-                                  </p:stCondLst>
-                                  <p:childTnLst>
-                                    <p:set>
-                                      <p:cBhvr>
-                                        <p:cTn id="18" dur="1" fill="hold">
-                                          <p:stCondLst>
-                                            <p:cond delay="0"/>
-                                          </p:stCondLst>
-                                        </p:cTn>
-                                        <p:tgtEl>
-                                          <p:spTgt spid="3">
-                                            <p:txEl>
-                                              <p:pRg st="2" end="2"/>
-                                            </p:txEl>
-                                          </p:spTgt>
-                                        </p:tgtEl>
-                                        <p:attrNameLst>
-                                          <p:attrName>style.visibility</p:attrName>
-                                        </p:attrNameLst>
-                                      </p:cBhvr>
-                                      <p:to>
-                                        <p:strVal val="visible"/>
-                                      </p:to>
-                                    </p:set>
-                                    <p:anim calcmode="lin" valueType="num">
-                                      <p:cBhvr additive="base">
-                                        <p:cTn id="19" dur="500" fill="hold"/>
-                                        <p:tgtEl>
-                                          <p:spTgt spid="3">
-                                            <p:txEl>
-                                              <p:pRg st="2" end="2"/>
-                                            </p:txEl>
-                                          </p:spTgt>
-                                        </p:tgtEl>
-                                        <p:attrNameLst>
-                                          <p:attrName>ppt_x</p:attrName>
-                                        </p:attrNameLst>
-                                      </p:cBhvr>
-                                      <p:tavLst>
-                                        <p:tav tm="0">
-                                          <p:val>
-                                            <p:strVal val="#ppt_x"/>
-                                          </p:val>
-                                        </p:tav>
-                                        <p:tav tm="100000">
-                                          <p:val>
-                                            <p:strVal val="#ppt_x"/>
-                                          </p:val>
-                                        </p:tav>
-                                      </p:tavLst>
-                                    </p:anim>
-                                    <p:anim calcmode="lin" valueType="num">
-                                      <p:cBhvr additive="base">
-                                        <p:cTn id="20" dur="500" fill="hold"/>
-                                        <p:tgtEl>
-                                          <p:spTgt spid="3">
-                                            <p:txEl>
-                                              <p:pRg st="2" end="2"/>
-                                            </p:txEl>
-                                          </p:spTgt>
-                                        </p:tgtEl>
-                                        <p:attrNameLst>
-                                          <p:attrName>ppt_y</p:attrName>
-                                        </p:attrNameLst>
-                                      </p:cBhvr>
-                                      <p:tavLst>
-                                        <p:tav tm="0">
-                                          <p:val>
-                                            <p:strVal val="1+#ppt_h/2"/>
-                                          </p:val>
-                                        </p:tav>
-                                        <p:tav tm="100000">
-                                          <p:val>
-                                            <p:strVal val="#ppt_y"/>
-                                          </p:val>
-                                        </p:tav>
-                                      </p:tavLst>
-                                    </p:anim>
-                                  </p:childTnLst>
-                                </p:cTn>
-                              </p:par>
-                            </p:childTnLst>
-                          </p:cTn>
-                        </p:par>
-                      </p:childTnLst>
-                    </p:cTn>
-                  </p:par>
-                </p:childTnLst>
-              </p:cTn>
-              <p:prevCondLst>
-                <p:cond evt="onPrev" delay="0">
-                  <p:tgtEl>
-                    <p:sldTgt/>
-                  </p:tgtEl>
-                </p:cond>
-              </p:prevCondLst>
-              <p:nextCondLst>
-                <p:cond evt="onNext" delay="0">
-                  <p:tgtEl>
-                    <p:sldTgt/>
-                  </p:tgtEl>
-                </p:cond>
-              </p:nextCondLst>
-            </p:seq>
-          </p:childTnLst>
-        </p:cTn>
-      </p:par>
-    </p:tnLst>
-    <p:bldLst>
-      <p:bldP spid="3" grpId="0" build="p"/>
-    </p:bldLst>
-  </p:timing>
-</p:sld>
-</file>
-
-<file path=ppt/slides/slide5.xml><?xml version="1.0" encoding="utf-8"?>
-<p:sld xmlns:a="http://schemas.openxmlformats.org/drawingml/2006/main" xmlns:r="http://schemas.openxmlformats.org/officeDocument/2006/relationships" xmlns:p="http://schemas.openxmlformats.org/presentationml/2006/main">
-  <p:cSld>
-    <p:spTree>
-      <p:nvGrpSpPr>
-        <p:cNvPr id="1" name=""/>
-        <p:cNvGrpSpPr/>
-        <p:nvPr/>
-      </p:nvGrpSpPr>
-      <p:grpSpPr>
-        <a:xfrm>
-          <a:off x="0" y="0"/>
-          <a:ext cx="0" cy="0"/>
-          <a:chOff x="0" y="0"/>
-          <a:chExt cx="0" cy="0"/>
-        </a:xfrm>
-      </p:grpSpPr>
-      <p:sp>
-        <p:nvSpPr>
-          <p:cNvPr id="9" name="Title 1"/>
-          <p:cNvSpPr>
-            <a:spLocks noGrp="1"/>
-          </p:cNvSpPr>
-          <p:nvPr>
-            <p:ph type="title"/>
-          </p:nvPr>
-        </p:nvSpPr>
-        <p:spPr>
-          <a:xfrm>
-            <a:off x="0" y="0"/>
-            <a:ext cx="12192000" cy="1325563"/>
-          </a:xfrm>
-          <a:solidFill>
-            <a:srgbClr val="00B0F0"/>
-          </a:solidFill>
-        </p:spPr>
-        <p:txBody>
-          <a:bodyPr/>
-          <a:lstStyle/>
-          <a:p>
-            <a:r>
-              <a:rPr lang="en-US" dirty="0">
-                <a:solidFill>
-                  <a:schemeClr val="bg1"/>
-                </a:solidFill>
-              </a:rPr>
-              <a:t>2. Function components with Hooks</a:t>
-            </a:r>
-          </a:p>
-        </p:txBody>
-      </p:sp>
-      <p:sp>
-        <p:nvSpPr>
-          <p:cNvPr id="3" name="Content Placeholder 2">
-            <a:extLst>
-              <a:ext uri="{FF2B5EF4-FFF2-40B4-BE49-F238E27FC236}">
-                <a16:creationId xmlns:a16="http://schemas.microsoft.com/office/drawing/2014/main" id="{2477ACA9-4BDF-409C-865E-7649FF4968A9}"/>
-              </a:ext>
-            </a:extLst>
-          </p:cNvPr>
-          <p:cNvSpPr>
-            <a:spLocks noGrp="1"/>
-          </p:cNvSpPr>
-          <p:nvPr>
-            <p:ph idx="1"/>
-          </p:nvPr>
-        </p:nvSpPr>
-        <p:spPr>
-          <a:xfrm>
-            <a:off x="838200" y="1825625"/>
-            <a:ext cx="10515600" cy="4351338"/>
-          </a:xfrm>
-        </p:spPr>
-        <p:txBody>
-          <a:bodyPr>
-            <a:normAutofit/>
-          </a:bodyPr>
-          <a:lstStyle/>
-          <a:p>
-            <a:pPr>
-              <a:lnSpc>
-                <a:spcPct val="150000"/>
-              </a:lnSpc>
-            </a:pPr>
-            <a:r>
-              <a:rPr lang="en-US" sz="3600" dirty="0"/>
-              <a:t>Logic inside a component can reusable isolated units.</a:t>
-            </a:r>
-          </a:p>
-          <a:p>
-            <a:pPr>
-              <a:lnSpc>
-                <a:spcPct val="150000"/>
-              </a:lnSpc>
-            </a:pPr>
-            <a:endParaRPr lang="en-US" sz="3600" dirty="0"/>
-          </a:p>
-          <a:p>
-            <a:pPr>
-              <a:lnSpc>
-                <a:spcPct val="150000"/>
-              </a:lnSpc>
-            </a:pPr>
-            <a:endParaRPr lang="en-US" sz="3600" dirty="0"/>
-          </a:p>
-        </p:txBody>
-      </p:sp>
-    </p:spTree>
-    <p:extLst>
-      <p:ext uri="{BB962C8B-B14F-4D97-AF65-F5344CB8AC3E}">
-        <p14:creationId xmlns:p14="http://schemas.microsoft.com/office/powerpoint/2010/main" val="2072521007"/>
-      </p:ext>
-    </p:extLst>
-  </p:cSld>
-  <p:clrMapOvr>
-    <a:masterClrMapping/>
-  </p:clrMapOvr>
-  <p:timing>
-    <p:tnLst>
-      <p:par>
-        <p:cTn id="1" dur="indefinite" restart="never" nodeType="tmRoot">
-          <p:childTnLst>
-            <p:seq concurrent="1" nextAc="seek">
-              <p:cTn id="2" dur="indefinite" nodeType="mainSeq">
-                <p:childTnLst>
-                  <p:par>
-                    <p:cTn id="3" fill="hold">
-                      <p:stCondLst>
-                        <p:cond delay="indefinite"/>
-                      </p:stCondLst>
-                      <p:childTnLst>
-                        <p:par>
-                          <p:cTn id="4" fill="hold">
-                            <p:stCondLst>
-                              <p:cond delay="0"/>
-                            </p:stCondLst>
-                            <p:childTnLst>
-                              <p:par>
-                                <p:cTn id="5" presetID="2" presetClass="entr" presetSubtype="4" fill="hold" grpId="0" nodeType="clickEffect">
-                                  <p:stCondLst>
-                                    <p:cond delay="0"/>
-                                  </p:stCondLst>
-                                  <p:childTnLst>
-                                    <p:set>
-                                      <p:cBhvr>
-                                        <p:cTn id="6" dur="1" fill="hold">
-                                          <p:stCondLst>
-                                            <p:cond delay="0"/>
-                                          </p:stCondLst>
-                                        </p:cTn>
-                                        <p:tgtEl>
-                                          <p:spTgt spid="3">
-                                            <p:txEl>
-                                              <p:pRg st="0" end="0"/>
-                                            </p:txEl>
-                                          </p:spTgt>
-                                        </p:tgtEl>
-                                        <p:attrNameLst>
-                                          <p:attrName>style.visibility</p:attrName>
-                                        </p:attrNameLst>
-                                      </p:cBhvr>
-                                      <p:to>
-                                        <p:strVal val="visible"/>
-                                      </p:to>
-                                    </p:set>
-                                    <p:anim calcmode="lin" valueType="num">
-                                      <p:cBhvr additive="base">
-                                        <p:cTn id="7" dur="500" fill="hold"/>
-                                        <p:tgtEl>
-                                          <p:spTgt spid="3">
-                                            <p:txEl>
-                                              <p:pRg st="0" end="0"/>
-                                            </p:txEl>
-                                          </p:spTgt>
-                                        </p:tgtEl>
-                                        <p:attrNameLst>
-                                          <p:attrName>ppt_x</p:attrName>
-                                        </p:attrNameLst>
-                                      </p:cBhvr>
-                                      <p:tavLst>
-                                        <p:tav tm="0">
-                                          <p:val>
-                                            <p:strVal val="#ppt_x"/>
-                                          </p:val>
-                                        </p:tav>
-                                        <p:tav tm="100000">
-                                          <p:val>
-                                            <p:strVal val="#ppt_x"/>
-                                          </p:val>
-                                        </p:tav>
-                                      </p:tavLst>
-                                    </p:anim>
-                                    <p:anim calcmode="lin" valueType="num">
-                                      <p:cBhvr additive="base">
-                                        <p:cTn id="8" dur="500" fill="hold"/>
-                                        <p:tgtEl>
-                                          <p:spTgt spid="3">
-                                            <p:txEl>
-                                              <p:pRg st="0" end="0"/>
-                                            </p:txEl>
-                                          </p:spTgt>
-                                        </p:tgtEl>
-                                        <p:attrNameLst>
-                                          <p:attrName>ppt_y</p:attrName>
-                                        </p:attrNameLst>
-                                      </p:cBhvr>
-                                      <p:tavLst>
-                                        <p:tav tm="0">
-                                          <p:val>
-                                            <p:strVal val="1+#ppt_h/2"/>
-                                          </p:val>
-                                        </p:tav>
-                                        <p:tav tm="100000">
-                                          <p:val>
-                                            <p:strVal val="#ppt_y"/>
-                                          </p:val>
-                                        </p:tav>
-                                      </p:tavLst>
-                                    </p:anim>
-                                  </p:childTnLst>
-                                </p:cTn>
-                              </p:par>
-                            </p:childTnLst>
-                          </p:cTn>
-                        </p:par>
-                      </p:childTnLst>
-                    </p:cTn>
-                  </p:par>
-                </p:childTnLst>
-              </p:cTn>
-              <p:prevCondLst>
-                <p:cond evt="onPrev" delay="0">
-                  <p:tgtEl>
-                    <p:sldTgt/>
-                  </p:tgtEl>
-                </p:cond>
-              </p:prevCondLst>
-              <p:nextCondLst>
-                <p:cond evt="onNext" delay="0">
-                  <p:tgtEl>
-                    <p:sldTgt/>
-                  </p:tgtEl>
-                </p:cond>
-              </p:nextCondLst>
-            </p:seq>
-          </p:childTnLst>
-        </p:cTn>
-      </p:par>
-    </p:tnLst>
-    <p:bldLst>
-      <p:bldP spid="3" grpId="0" build="p"/>
-    </p:bldLst>
-  </p:timing>
-</p:sld>
-</file>
-
-<file path=ppt/slides/slide6.xml><?xml version="1.0" encoding="utf-8"?>
-<p:sld xmlns:a="http://schemas.openxmlformats.org/drawingml/2006/main" xmlns:r="http://schemas.openxmlformats.org/officeDocument/2006/relationships" xmlns:p="http://schemas.openxmlformats.org/presentationml/2006/main">
-  <p:cSld>
-    <p:spTree>
-      <p:nvGrpSpPr>
-        <p:cNvPr id="1" name=""/>
-        <p:cNvGrpSpPr/>
-        <p:nvPr/>
-      </p:nvGrpSpPr>
-      <p:grpSpPr>
-        <a:xfrm>
-          <a:off x="0" y="0"/>
-          <a:ext cx="0" cy="0"/>
-          <a:chOff x="0" y="0"/>
-          <a:chExt cx="0" cy="0"/>
-        </a:xfrm>
-      </p:grpSpPr>
-      <p:sp>
-        <p:nvSpPr>
-          <p:cNvPr id="2" name="Title 1"/>
-          <p:cNvSpPr>
-            <a:spLocks noGrp="1"/>
-          </p:cNvSpPr>
-          <p:nvPr>
-            <p:ph type="title"/>
-          </p:nvPr>
-        </p:nvSpPr>
-        <p:spPr>
-          <a:xfrm>
-            <a:off x="347546" y="365125"/>
-            <a:ext cx="10515600" cy="1325563"/>
-          </a:xfrm>
-        </p:spPr>
-        <p:txBody>
-          <a:bodyPr/>
-          <a:lstStyle/>
-          <a:p>
-            <a:r>
-              <a:rPr lang="en-US"/>
-              <a:t>3. When to use Hooks?</a:t>
-            </a:r>
-          </a:p>
-        </p:txBody>
-      </p:sp>
-      <p:sp>
-        <p:nvSpPr>
-          <p:cNvPr id="3" name="Content Placeholder 2"/>
-          <p:cNvSpPr>
-            <a:spLocks noGrp="1"/>
-          </p:cNvSpPr>
-          <p:nvPr>
-            <p:ph idx="1"/>
-          </p:nvPr>
-        </p:nvSpPr>
-        <p:spPr/>
-        <p:txBody>
-          <a:bodyPr>
-            <a:normAutofit/>
-          </a:bodyPr>
-          <a:lstStyle/>
-          <a:p>
-            <a:pPr>
-              <a:lnSpc>
-                <a:spcPct val="150000"/>
-              </a:lnSpc>
-            </a:pPr>
-            <a:r>
-              <a:rPr lang="en-US" dirty="0"/>
-              <a:t>If you write a function component and realize you need to add some state to it, previously you had to convert it to a class. Now you can use a Hook inside the existing function component.</a:t>
-            </a:r>
-          </a:p>
-          <a:p>
-            <a:pPr>
-              <a:lnSpc>
-                <a:spcPct val="150000"/>
-              </a:lnSpc>
-            </a:pPr>
-            <a:r>
-              <a:rPr lang="en-US" sz="2400" b="1" dirty="0"/>
-              <a:t>Add state</a:t>
-            </a:r>
-          </a:p>
-          <a:p>
-            <a:pPr>
-              <a:lnSpc>
-                <a:spcPct val="150000"/>
-              </a:lnSpc>
-            </a:pPr>
-            <a:r>
-              <a:rPr lang="en-US" sz="2400" b="1" dirty="0"/>
-              <a:t>Convert to class</a:t>
-            </a:r>
-          </a:p>
-          <a:p>
-            <a:pPr>
-              <a:lnSpc>
-                <a:spcPct val="150000"/>
-              </a:lnSpc>
-            </a:pPr>
-            <a:r>
-              <a:rPr lang="en-US" sz="2400" b="1" dirty="0"/>
-              <a:t>Inside existing component</a:t>
-            </a:r>
-          </a:p>
-        </p:txBody>
-      </p:sp>
-    </p:spTree>
-    <p:extLst>
-      <p:ext uri="{BB962C8B-B14F-4D97-AF65-F5344CB8AC3E}">
-        <p14:creationId xmlns:p14="http://schemas.microsoft.com/office/powerpoint/2010/main" val="1155366601"/>
-      </p:ext>
-    </p:extLst>
-  </p:cSld>
-  <p:clrMapOvr>
-    <a:masterClrMapping/>
-  </p:clrMapOvr>
-  <p:timing>
-    <p:tnLst>
-      <p:par>
-        <p:cTn id="1" dur="indefinite" restart="never" nodeType="tmRoot">
-          <p:childTnLst>
-            <p:seq concurrent="1" nextAc="seek">
-              <p:cTn id="2" dur="indefinite" nodeType="mainSeq">
-                <p:childTnLst>
-                  <p:par>
-                    <p:cTn id="3" fill="hold">
-                      <p:stCondLst>
-                        <p:cond delay="indefinite"/>
-                      </p:stCondLst>
-                      <p:childTnLst>
-                        <p:par>
-                          <p:cTn id="4" fill="hold">
-                            <p:stCondLst>
-                              <p:cond delay="0"/>
-                            </p:stCondLst>
-                            <p:childTnLst>
-                              <p:par>
-                                <p:cTn id="5" presetID="2" presetClass="entr" presetSubtype="4" fill="hold" grpId="0" nodeType="clickEffect">
-                                  <p:stCondLst>
-                                    <p:cond delay="0"/>
-                                  </p:stCondLst>
-                                  <p:childTnLst>
-                                    <p:set>
-                                      <p:cBhvr>
-                                        <p:cTn id="6" dur="1" fill="hold">
-                                          <p:stCondLst>
-                                            <p:cond delay="0"/>
-                                          </p:stCondLst>
-                                        </p:cTn>
-                                        <p:tgtEl>
-                                          <p:spTgt spid="3">
-                                            <p:txEl>
-                                              <p:pRg st="0" end="0"/>
-                                            </p:txEl>
-                                          </p:spTgt>
-                                        </p:tgtEl>
-                                        <p:attrNameLst>
-                                          <p:attrName>style.visibility</p:attrName>
-                                        </p:attrNameLst>
-                                      </p:cBhvr>
-                                      <p:to>
-                                        <p:strVal val="visible"/>
-                                      </p:to>
-                                    </p:set>
-                                    <p:anim calcmode="lin" valueType="num">
-                                      <p:cBhvr additive="base">
-                                        <p:cTn id="7" dur="500" fill="hold"/>
-                                        <p:tgtEl>
-                                          <p:spTgt spid="3">
-                                            <p:txEl>
-                                              <p:pRg st="0" end="0"/>
-                                            </p:txEl>
-                                          </p:spTgt>
-                                        </p:tgtEl>
-                                        <p:attrNameLst>
-                                          <p:attrName>ppt_x</p:attrName>
-                                        </p:attrNameLst>
-                                      </p:cBhvr>
-                                      <p:tavLst>
-                                        <p:tav tm="0">
-                                          <p:val>
-                                            <p:strVal val="#ppt_x"/>
-                                          </p:val>
-                                        </p:tav>
-                                        <p:tav tm="100000">
-                                          <p:val>
-                                            <p:strVal val="#ppt_x"/>
-                                          </p:val>
-                                        </p:tav>
-                                      </p:tavLst>
-                                    </p:anim>
-                                    <p:anim calcmode="lin" valueType="num">
-                                      <p:cBhvr additive="base">
-                                        <p:cTn id="8" dur="500" fill="hold"/>
-                                        <p:tgtEl>
-                                          <p:spTgt spid="3">
-                                            <p:txEl>
-                                              <p:pRg st="0" end="0"/>
-                                            </p:txEl>
-                                          </p:spTgt>
-                                        </p:tgtEl>
-                                        <p:attrNameLst>
-                                          <p:attrName>ppt_y</p:attrName>
-                                        </p:attrNameLst>
-                                      </p:cBhvr>
-                                      <p:tavLst>
-                                        <p:tav tm="0">
-                                          <p:val>
-                                            <p:strVal val="1+#ppt_h/2"/>
-                                          </p:val>
-                                        </p:tav>
-                                        <p:tav tm="100000">
-                                          <p:val>
-                                            <p:strVal val="#ppt_y"/>
-                                          </p:val>
-                                        </p:tav>
-                                      </p:tavLst>
-                                    </p:anim>
-                                  </p:childTnLst>
-                                </p:cTn>
-                              </p:par>
-                            </p:childTnLst>
-                          </p:cTn>
-                        </p:par>
-                      </p:childTnLst>
-                    </p:cTn>
-                  </p:par>
-                  <p:par>
-                    <p:cTn id="9" fill="hold">
-                      <p:stCondLst>
-                        <p:cond delay="indefinite"/>
-                      </p:stCondLst>
-                      <p:childTnLst>
-                        <p:par>
-                          <p:cTn id="10" fill="hold">
-                            <p:stCondLst>
-                              <p:cond delay="0"/>
-                            </p:stCondLst>
-                            <p:childTnLst>
-                              <p:par>
-                                <p:cTn id="11" presetID="2" presetClass="entr" presetSubtype="4" fill="hold" grpId="0" nodeType="clickEffect">
-                                  <p:stCondLst>
-                                    <p:cond delay="0"/>
-                                  </p:stCondLst>
-                                  <p:childTnLst>
-                                    <p:set>
-                                      <p:cBhvr>
-                                        <p:cTn id="12" dur="1" fill="hold">
-                                          <p:stCondLst>
-                                            <p:cond delay="0"/>
-                                          </p:stCondLst>
-                                        </p:cTn>
-                                        <p:tgtEl>
-                                          <p:spTgt spid="3">
-                                            <p:txEl>
-                                              <p:pRg st="1" end="1"/>
-                                            </p:txEl>
-                                          </p:spTgt>
-                                        </p:tgtEl>
-                                        <p:attrNameLst>
-                                          <p:attrName>style.visibility</p:attrName>
-                                        </p:attrNameLst>
-                                      </p:cBhvr>
-                                      <p:to>
-                                        <p:strVal val="visible"/>
-                                      </p:to>
-                                    </p:set>
-                                    <p:anim calcmode="lin" valueType="num">
-                                      <p:cBhvr additive="base">
-                                        <p:cTn id="13" dur="500" fill="hold"/>
-                                        <p:tgtEl>
-                                          <p:spTgt spid="3">
-                                            <p:txEl>
-                                              <p:pRg st="1" end="1"/>
-                                            </p:txEl>
-                                          </p:spTgt>
-                                        </p:tgtEl>
-                                        <p:attrNameLst>
-                                          <p:attrName>ppt_x</p:attrName>
-                                        </p:attrNameLst>
-                                      </p:cBhvr>
-                                      <p:tavLst>
-                                        <p:tav tm="0">
-                                          <p:val>
-                                            <p:strVal val="#ppt_x"/>
-                                          </p:val>
-                                        </p:tav>
-                                        <p:tav tm="100000">
-                                          <p:val>
-                                            <p:strVal val="#ppt_x"/>
-                                          </p:val>
-                                        </p:tav>
-                                      </p:tavLst>
-                                    </p:anim>
-                                    <p:anim calcmode="lin" valueType="num">
-                                      <p:cBhvr additive="base">
-                                        <p:cTn id="14" dur="500" fill="hold"/>
-                                        <p:tgtEl>
-                                          <p:spTgt spid="3">
-                                            <p:txEl>
-                                              <p:pRg st="1" end="1"/>
-                                            </p:txEl>
-                                          </p:spTgt>
-                                        </p:tgtEl>
-                                        <p:attrNameLst>
-                                          <p:attrName>ppt_y</p:attrName>
-                                        </p:attrNameLst>
-                                      </p:cBhvr>
-                                      <p:tavLst>
-                                        <p:tav tm="0">
-                                          <p:val>
-                                            <p:strVal val="1+#ppt_h/2"/>
-                                          </p:val>
-                                        </p:tav>
-                                        <p:tav tm="100000">
-                                          <p:val>
-                                            <p:strVal val="#ppt_y"/>
-                                          </p:val>
-                                        </p:tav>
-                                      </p:tavLst>
-                                    </p:anim>
-                                  </p:childTnLst>
-                                </p:cTn>
-                              </p:par>
-                            </p:childTnLst>
-                          </p:cTn>
-                        </p:par>
-                      </p:childTnLst>
-                    </p:cTn>
-                  </p:par>
-                  <p:par>
-                    <p:cTn id="15" fill="hold">
-                      <p:stCondLst>
-                        <p:cond delay="indefinite"/>
-                      </p:stCondLst>
-                      <p:childTnLst>
-                        <p:par>
-                          <p:cTn id="16" fill="hold">
-                            <p:stCondLst>
-                              <p:cond delay="0"/>
-                            </p:stCondLst>
-                            <p:childTnLst>
-                              <p:par>
-                                <p:cTn id="17" presetID="2" presetClass="entr" presetSubtype="4" fill="hold" grpId="0" nodeType="clickEffect">
-                                  <p:stCondLst>
-                                    <p:cond delay="0"/>
-                                  </p:stCondLst>
-                                  <p:childTnLst>
-                                    <p:set>
-                                      <p:cBhvr>
-                                        <p:cTn id="18" dur="1" fill="hold">
-                                          <p:stCondLst>
-                                            <p:cond delay="0"/>
-                                          </p:stCondLst>
-                                        </p:cTn>
-                                        <p:tgtEl>
-                                          <p:spTgt spid="3">
-                                            <p:txEl>
-                                              <p:pRg st="2" end="2"/>
-                                            </p:txEl>
-                                          </p:spTgt>
-                                        </p:tgtEl>
-                                        <p:attrNameLst>
-                                          <p:attrName>style.visibility</p:attrName>
-                                        </p:attrNameLst>
-                                      </p:cBhvr>
-                                      <p:to>
-                                        <p:strVal val="visible"/>
-                                      </p:to>
-                                    </p:set>
-                                    <p:anim calcmode="lin" valueType="num">
-                                      <p:cBhvr additive="base">
-                                        <p:cTn id="19" dur="500" fill="hold"/>
-                                        <p:tgtEl>
-                                          <p:spTgt spid="3">
-                                            <p:txEl>
-                                              <p:pRg st="2" end="2"/>
-                                            </p:txEl>
-                                          </p:spTgt>
-                                        </p:tgtEl>
-                                        <p:attrNameLst>
-                                          <p:attrName>ppt_x</p:attrName>
-                                        </p:attrNameLst>
-                                      </p:cBhvr>
-                                      <p:tavLst>
-                                        <p:tav tm="0">
-                                          <p:val>
-                                            <p:strVal val="#ppt_x"/>
-                                          </p:val>
-                                        </p:tav>
-                                        <p:tav tm="100000">
-                                          <p:val>
-                                            <p:strVal val="#ppt_x"/>
-                                          </p:val>
-                                        </p:tav>
-                                      </p:tavLst>
-                                    </p:anim>
-                                    <p:anim calcmode="lin" valueType="num">
-                                      <p:cBhvr additive="base">
-                                        <p:cTn id="20" dur="500" fill="hold"/>
-                                        <p:tgtEl>
-                                          <p:spTgt spid="3">
-                                            <p:txEl>
-                                              <p:pRg st="2" end="2"/>
-                                            </p:txEl>
-                                          </p:spTgt>
-                                        </p:tgtEl>
-                                        <p:attrNameLst>
-                                          <p:attrName>ppt_y</p:attrName>
-                                        </p:attrNameLst>
-                                      </p:cBhvr>
-                                      <p:tavLst>
-                                        <p:tav tm="0">
-                                          <p:val>
-                                            <p:strVal val="1+#ppt_h/2"/>
-                                          </p:val>
-                                        </p:tav>
-                                        <p:tav tm="100000">
-                                          <p:val>
-                                            <p:strVal val="#ppt_y"/>
-                                          </p:val>
-                                        </p:tav>
-                                      </p:tavLst>
-                                    </p:anim>
-                                  </p:childTnLst>
-                                </p:cTn>
-                              </p:par>
-                            </p:childTnLst>
-                          </p:cTn>
-                        </p:par>
-                      </p:childTnLst>
-                    </p:cTn>
-                  </p:par>
-                  <p:par>
-                    <p:cTn id="21" fill="hold">
-                      <p:stCondLst>
-                        <p:cond delay="indefinite"/>
-                      </p:stCondLst>
-                      <p:childTnLst>
-                        <p:par>
-                          <p:cTn id="22" fill="hold">
-                            <p:stCondLst>
-                              <p:cond delay="0"/>
-                            </p:stCondLst>
-                            <p:childTnLst>
-                              <p:par>
-                                <p:cTn id="23" presetID="2" presetClass="entr" presetSubtype="4" fill="hold" grpId="0" nodeType="clickEffect">
-                                  <p:stCondLst>
-                                    <p:cond delay="0"/>
-                                  </p:stCondLst>
-                                  <p:childTnLst>
-                                    <p:set>
-                                      <p:cBhvr>
-                                        <p:cTn id="24" dur="1" fill="hold">
-                                          <p:stCondLst>
-                                            <p:cond delay="0"/>
-                                          </p:stCondLst>
-                                        </p:cTn>
-                                        <p:tgtEl>
-                                          <p:spTgt spid="3">
-                                            <p:txEl>
-                                              <p:pRg st="3" end="3"/>
-                                            </p:txEl>
-                                          </p:spTgt>
-                                        </p:tgtEl>
-                                        <p:attrNameLst>
-                                          <p:attrName>style.visibility</p:attrName>
-                                        </p:attrNameLst>
-                                      </p:cBhvr>
-                                      <p:to>
-                                        <p:strVal val="visible"/>
-                                      </p:to>
-                                    </p:set>
-                                    <p:anim calcmode="lin" valueType="num">
-                                      <p:cBhvr additive="base">
-                                        <p:cTn id="25" dur="500" fill="hold"/>
-                                        <p:tgtEl>
-                                          <p:spTgt spid="3">
-                                            <p:txEl>
-                                              <p:pRg st="3" end="3"/>
-                                            </p:txEl>
-                                          </p:spTgt>
-                                        </p:tgtEl>
-                                        <p:attrNameLst>
-                                          <p:attrName>ppt_x</p:attrName>
-                                        </p:attrNameLst>
-                                      </p:cBhvr>
-                                      <p:tavLst>
-                                        <p:tav tm="0">
-                                          <p:val>
-                                            <p:strVal val="#ppt_x"/>
-                                          </p:val>
-                                        </p:tav>
-                                        <p:tav tm="100000">
-                                          <p:val>
-                                            <p:strVal val="#ppt_x"/>
-                                          </p:val>
-                                        </p:tav>
-                                      </p:tavLst>
-                                    </p:anim>
-                                    <p:anim calcmode="lin" valueType="num">
-                                      <p:cBhvr additive="base">
-                                        <p:cTn id="26" dur="500" fill="hold"/>
-                                        <p:tgtEl>
-                                          <p:spTgt spid="3">
-                                            <p:txEl>
-                                              <p:pRg st="3" end="3"/>
-                                            </p:txEl>
-                                          </p:spTgt>
-                                        </p:tgtEl>
-                                        <p:attrNameLst>
-                                          <p:attrName>ppt_y</p:attrName>
-                                        </p:attrNameLst>
-                                      </p:cBhvr>
-                                      <p:tavLst>
-                                        <p:tav tm="0">
-                                          <p:val>
-                                            <p:strVal val="1+#ppt_h/2"/>
-                                          </p:val>
-                                        </p:tav>
-                                        <p:tav tm="100000">
-                                          <p:val>
-                                            <p:strVal val="#ppt_y"/>
-                                          </p:val>
-                                        </p:tav>
-                                      </p:tavLst>
-                                    </p:anim>
-                                  </p:childTnLst>
-                                </p:cTn>
-                              </p:par>
-                            </p:childTnLst>
-                          </p:cTn>
-                        </p:par>
-                      </p:childTnLst>
-                    </p:cTn>
-                  </p:par>
-                </p:childTnLst>
-              </p:cTn>
-              <p:prevCondLst>
-                <p:cond evt="onPrev" delay="0">
-                  <p:tgtEl>
-                    <p:sldTgt/>
-                  </p:tgtEl>
-                </p:cond>
-              </p:prevCondLst>
-              <p:nextCondLst>
-                <p:cond evt="onNext" delay="0">
-                  <p:tgtEl>
-                    <p:sldTgt/>
-                  </p:tgtEl>
-                </p:cond>
-              </p:nextCondLst>
-            </p:seq>
-          </p:childTnLst>
-        </p:cTn>
-      </p:par>
-    </p:tnLst>
-    <p:bldLst>
-      <p:bldP spid="3" grpId="0" build="p"/>
-    </p:bldLst>
-  </p:timing>
-</p:sld>
-</file>
-
-<file path=ppt/slides/slide7.xml><?xml version="1.0" encoding="utf-8"?>
-<p:sld xmlns:a="http://schemas.openxmlformats.org/drawingml/2006/main" xmlns:r="http://schemas.openxmlformats.org/officeDocument/2006/relationships" xmlns:p="http://schemas.openxmlformats.org/presentationml/2006/main">
-  <p:cSld>
-    <p:spTree>
-      <p:nvGrpSpPr>
-        <p:cNvPr id="1" name=""/>
-        <p:cNvGrpSpPr/>
-        <p:nvPr/>
-      </p:nvGrpSpPr>
-      <p:grpSpPr>
-        <a:xfrm>
-          <a:off x="0" y="0"/>
-          <a:ext cx="0" cy="0"/>
-          <a:chOff x="0" y="0"/>
-          <a:chExt cx="0" cy="0"/>
-        </a:xfrm>
-      </p:grpSpPr>
-      <p:sp>
-        <p:nvSpPr>
-          <p:cNvPr id="2" name="Title 1"/>
-          <p:cNvSpPr>
-            <a:spLocks noGrp="1"/>
-          </p:cNvSpPr>
-          <p:nvPr>
-            <p:ph type="title"/>
-          </p:nvPr>
-        </p:nvSpPr>
-        <p:spPr>
-          <a:xfrm>
-            <a:off x="347546" y="365125"/>
-            <a:ext cx="10515600" cy="1325563"/>
-          </a:xfrm>
-        </p:spPr>
-        <p:txBody>
-          <a:bodyPr/>
-          <a:lstStyle/>
-          <a:p>
-            <a:r>
-              <a:rPr lang="en-US"/>
-              <a:t>4. How to use Hooks?</a:t>
-            </a:r>
-          </a:p>
-        </p:txBody>
-      </p:sp>
-      <p:sp>
-        <p:nvSpPr>
-          <p:cNvPr id="3" name="Content Placeholder 2"/>
-          <p:cNvSpPr>
-            <a:spLocks noGrp="1"/>
-          </p:cNvSpPr>
-          <p:nvPr>
-            <p:ph idx="1"/>
-          </p:nvPr>
-        </p:nvSpPr>
-        <p:spPr/>
-        <p:txBody>
-          <a:bodyPr>
-            <a:normAutofit/>
-          </a:bodyPr>
-          <a:lstStyle/>
-          <a:p>
-            <a:pPr marL="0" indent="0">
-              <a:lnSpc>
-                <a:spcPct val="150000"/>
-              </a:lnSpc>
-              <a:buNone/>
-            </a:pPr>
-            <a:r>
-              <a:rPr lang="en-US" b="1"/>
-              <a:t>4.1 Rules of Hooks</a:t>
-            </a:r>
-            <a:br>
-              <a:rPr lang="en-US" sz="2400" b="1"/>
-            </a:br>
-            <a:r>
-              <a:rPr lang="en-US" sz="2400"/>
-              <a:t>- Only Call Hooks at the Top Level: </a:t>
-            </a:r>
-            <a:r>
-              <a:rPr lang="en-US" sz="2400" b="1"/>
-              <a:t>Don’t call Hooks inside loops, conditions, or nested functions.</a:t>
-            </a:r>
-            <a:br>
-              <a:rPr lang="en-US" sz="2400"/>
-            </a:br>
-            <a:r>
-              <a:rPr lang="en-US" sz="2400"/>
-              <a:t>- </a:t>
-            </a:r>
-            <a:r>
-              <a:rPr lang="en-US"/>
-              <a:t>Only call Hooks from React functions or custom hooks </a:t>
-            </a:r>
-            <a:r>
-              <a:rPr lang="en-US" sz="2400"/>
-              <a:t>:</a:t>
-            </a:r>
-            <a:r>
-              <a:rPr lang="en-US" sz="2400" b="1"/>
-              <a:t> Don’t call Hooks from regular JavaScript functions.</a:t>
-            </a:r>
-            <a:endParaRPr lang="en-US" sz="2400"/>
-          </a:p>
-          <a:p>
-            <a:pPr marL="457200" indent="-457200">
-              <a:lnSpc>
-                <a:spcPct val="150000"/>
-              </a:lnSpc>
-              <a:buFont typeface="+mj-lt"/>
-              <a:buAutoNum type="alphaLcPeriod"/>
-            </a:pPr>
-            <a:endParaRPr lang="en-US" sz="2400"/>
-          </a:p>
-        </p:txBody>
-      </p:sp>
-    </p:spTree>
-    <p:extLst>
-      <p:ext uri="{BB962C8B-B14F-4D97-AF65-F5344CB8AC3E}">
-        <p14:creationId xmlns:p14="http://schemas.microsoft.com/office/powerpoint/2010/main" val="2608481287"/>
-      </p:ext>
-    </p:extLst>
-  </p:cSld>
-  <p:clrMapOvr>
-    <a:masterClrMapping/>
-  </p:clrMapOvr>
-  <p:timing>
-    <p:tnLst>
-      <p:par>
-        <p:cTn id="1" dur="indefinite" restart="never" nodeType="tmRoot">
-          <p:childTnLst>
-            <p:seq concurrent="1" nextAc="seek">
-              <p:cTn id="2" dur="indefinite" nodeType="mainSeq">
-                <p:childTnLst>
-                  <p:par>
-                    <p:cTn id="3" fill="hold">
-                      <p:stCondLst>
-                        <p:cond delay="indefinite"/>
-                      </p:stCondLst>
-                      <p:childTnLst>
-                        <p:par>
-                          <p:cTn id="4" fill="hold">
-                            <p:stCondLst>
-                              <p:cond delay="0"/>
-                            </p:stCondLst>
-                            <p:childTnLst>
-                              <p:par>
-                                <p:cTn id="5" presetID="2" presetClass="entr" presetSubtype="4" fill="hold" grpId="0" nodeType="clickEffect">
-                                  <p:stCondLst>
-                                    <p:cond delay="0"/>
-                                  </p:stCondLst>
-                                  <p:childTnLst>
-                                    <p:set>
-                                      <p:cBhvr>
-                                        <p:cTn id="6" dur="1" fill="hold">
-                                          <p:stCondLst>
-                                            <p:cond delay="0"/>
-                                          </p:stCondLst>
-                                        </p:cTn>
-                                        <p:tgtEl>
-                                          <p:spTgt spid="3">
-                                            <p:txEl>
-                                              <p:pRg st="0" end="0"/>
-                                            </p:txEl>
-                                          </p:spTgt>
-                                        </p:tgtEl>
-                                        <p:attrNameLst>
-                                          <p:attrName>style.visibility</p:attrName>
-                                        </p:attrNameLst>
-                                      </p:cBhvr>
-                                      <p:to>
-                                        <p:strVal val="visible"/>
-                                      </p:to>
-                                    </p:set>
-                                    <p:anim calcmode="lin" valueType="num">
-                                      <p:cBhvr additive="base">
-                                        <p:cTn id="7" dur="500" fill="hold"/>
-                                        <p:tgtEl>
-                                          <p:spTgt spid="3">
-                                            <p:txEl>
-                                              <p:pRg st="0" end="0"/>
-                                            </p:txEl>
-                                          </p:spTgt>
-                                        </p:tgtEl>
-                                        <p:attrNameLst>
-                                          <p:attrName>ppt_x</p:attrName>
-                                        </p:attrNameLst>
-                                      </p:cBhvr>
-                                      <p:tavLst>
-                                        <p:tav tm="0">
-                                          <p:val>
-                                            <p:strVal val="#ppt_x"/>
-                                          </p:val>
-                                        </p:tav>
-                                        <p:tav tm="100000">
-                                          <p:val>
-                                            <p:strVal val="#ppt_x"/>
-                                          </p:val>
-                                        </p:tav>
-                                      </p:tavLst>
-                                    </p:anim>
-                                    <p:anim calcmode="lin" valueType="num">
-                                      <p:cBhvr additive="base">
-                                        <p:cTn id="8" dur="500" fill="hold"/>
-                                        <p:tgtEl>
-                                          <p:spTgt spid="3">
-                                            <p:txEl>
-                                              <p:pRg st="0" end="0"/>
                                             </p:txEl>
                                           </p:spTgt>
                                         </p:tgtEl>
@@ -8126,17 +5805,24 @@
         </p:nvSpPr>
         <p:spPr>
           <a:xfrm>
-            <a:off x="347546" y="365125"/>
-            <a:ext cx="10515600" cy="1325563"/>
+            <a:off x="0" y="0"/>
+            <a:ext cx="12191999" cy="1325563"/>
           </a:xfrm>
+          <a:solidFill>
+            <a:srgbClr val="00B0F0"/>
+          </a:solidFill>
         </p:spPr>
         <p:txBody>
           <a:bodyPr/>
           <a:lstStyle/>
           <a:p>
             <a:r>
-              <a:rPr lang="en-US"/>
-              <a:t>4. How to use Hooks?</a:t>
+              <a:rPr lang="en-US" dirty="0">
+                <a:solidFill>
+                  <a:schemeClr val="bg1"/>
+                </a:solidFill>
+              </a:rPr>
+              <a:t>6. References</a:t>
             </a:r>
           </a:p>
         </p:txBody>
@@ -8154,182 +5840,106 @@
         <p:spPr/>
         <p:txBody>
           <a:bodyPr>
-            <a:normAutofit/>
+            <a:normAutofit fontScale="92500" lnSpcReduction="20000"/>
           </a:bodyPr>
           <a:lstStyle/>
           <a:p>
-            <a:pPr marL="0" indent="0">
+            <a:pPr>
               <a:lnSpc>
                 <a:spcPct val="150000"/>
               </a:lnSpc>
-              <a:buNone/>
             </a:pPr>
             <a:r>
-              <a:rPr lang="en-US" b="1"/>
-              <a:t>4.2 Using The State Hooks.</a:t>
-            </a:r>
-            <a:br>
-              <a:rPr lang="en-US" b="1"/>
-            </a:br>
-            <a:r>
-              <a:rPr lang="en-US" b="1"/>
-              <a:t>	</a:t>
-            </a:r>
+              <a:rPr lang="en-US" sz="3600" dirty="0">
+                <a:hlinkClick r:id="rId3"/>
+              </a:rPr>
+              <a:t>https://reactjs.org/docs/hooks-intro.html</a:t>
+            </a:r>
+            <a:endParaRPr lang="en-US" sz="3600" dirty="0"/>
+          </a:p>
+          <a:p>
+            <a:pPr>
+              <a:lnSpc>
+                <a:spcPct val="150000"/>
+              </a:lnSpc>
+            </a:pPr>
+            <a:r>
+              <a:rPr lang="en-US" sz="3600" dirty="0">
+                <a:hlinkClick r:id="rId4"/>
+              </a:rPr>
+              <a:t>https://medium.com/@dan_abramov/making-sense-of-react-hooks-fdbde8803889</a:t>
+            </a:r>
+            <a:endParaRPr lang="en-US" sz="3600" dirty="0"/>
+          </a:p>
+          <a:p>
+            <a:pPr>
+              <a:lnSpc>
+                <a:spcPct val="150000"/>
+              </a:lnSpc>
+            </a:pPr>
+            <a:r>
+              <a:rPr lang="en-US" sz="3600" dirty="0">
+                <a:hlinkClick r:id="rId5"/>
+              </a:rPr>
+              <a:t>https://overreacted.io/a-complete-guide-to-useeffect/?fbclid=IwAR37FAwcGOpE2DWJwD7tN8v4UeIq1qg1UO96pC2TpeUmFOQdAIPs3wNnzZk</a:t>
+            </a:r>
+            <a:endParaRPr lang="en-US" sz="3600" dirty="0"/>
+          </a:p>
+        </p:txBody>
+      </p:sp>
+      <p:sp>
+        <p:nvSpPr>
+          <p:cNvPr id="6" name="Chỗ dành sẵn cho Số hiệu Bản chiếu 5">
+            <a:extLst>
+              <a:ext uri="{FF2B5EF4-FFF2-40B4-BE49-F238E27FC236}">
+                <a16:creationId xmlns:a16="http://schemas.microsoft.com/office/drawing/2014/main" id="{07455EE1-164D-438E-88F5-1527778EB925}"/>
+              </a:ext>
+            </a:extLst>
+          </p:cNvPr>
+          <p:cNvSpPr>
+            <a:spLocks noGrp="1"/>
+          </p:cNvSpPr>
+          <p:nvPr>
+            <p:ph type="sldNum" sz="quarter" idx="12"/>
+          </p:nvPr>
+        </p:nvSpPr>
+        <p:spPr/>
+        <p:txBody>
+          <a:bodyPr/>
+          <a:lstStyle/>
+          <a:p>
+            <a:fld id="{3A69157F-CD08-46F1-9836-FD5DCB267EAF}" type="slidenum">
+              <a:rPr lang="en-US" smtClean="0"/>
+              <a:t>8</a:t>
+            </a:fld>
+            <a:endParaRPr lang="en-US"/>
           </a:p>
         </p:txBody>
       </p:sp>
     </p:spTree>
     <p:extLst>
       <p:ext uri="{BB962C8B-B14F-4D97-AF65-F5344CB8AC3E}">
-        <p14:creationId xmlns:p14="http://schemas.microsoft.com/office/powerpoint/2010/main" val="1008856109"/>
+        <p14:creationId xmlns:p14="http://schemas.microsoft.com/office/powerpoint/2010/main" val="19207162"/>
       </p:ext>
     </p:extLst>
   </p:cSld>
   <p:clrMapOvr>
     <a:masterClrMapping/>
   </p:clrMapOvr>
-  <p:timing>
-    <p:tnLst>
-      <p:par>
-        <p:cTn id="1" dur="indefinite" restart="never" nodeType="tmRoot">
-          <p:childTnLst>
-            <p:seq concurrent="1" nextAc="seek">
-              <p:cTn id="2" dur="indefinite" nodeType="mainSeq">
-                <p:childTnLst>
-                  <p:par>
-                    <p:cTn id="3" fill="hold">
-                      <p:stCondLst>
-                        <p:cond delay="indefinite"/>
-                      </p:stCondLst>
-                      <p:childTnLst>
-                        <p:par>
-                          <p:cTn id="4" fill="hold">
-                            <p:stCondLst>
-                              <p:cond delay="0"/>
-                            </p:stCondLst>
-                            <p:childTnLst>
-                              <p:par>
-                                <p:cTn id="5" presetID="2" presetClass="entr" presetSubtype="4" fill="hold" grpId="0" nodeType="clickEffect">
-                                  <p:stCondLst>
-                                    <p:cond delay="0"/>
-                                  </p:stCondLst>
-                                  <p:childTnLst>
-                                    <p:set>
-                                      <p:cBhvr>
-                                        <p:cTn id="6" dur="1" fill="hold">
-                                          <p:stCondLst>
-                                            <p:cond delay="0"/>
-                                          </p:stCondLst>
-                                        </p:cTn>
-                                        <p:tgtEl>
-                                          <p:spTgt spid="3">
-                                            <p:txEl>
-                                              <p:pRg st="0" end="0"/>
-                                            </p:txEl>
-                                          </p:spTgt>
-                                        </p:tgtEl>
-                                        <p:attrNameLst>
-                                          <p:attrName>style.visibility</p:attrName>
-                                        </p:attrNameLst>
-                                      </p:cBhvr>
-                                      <p:to>
-                                        <p:strVal val="visible"/>
-                                      </p:to>
-                                    </p:set>
-                                    <p:anim calcmode="lin" valueType="num">
-                                      <p:cBhvr additive="base">
-                                        <p:cTn id="7" dur="500" fill="hold"/>
-                                        <p:tgtEl>
-                                          <p:spTgt spid="3">
-                                            <p:txEl>
-                                              <p:pRg st="0" end="0"/>
-                                            </p:txEl>
-                                          </p:spTgt>
-                                        </p:tgtEl>
-                                        <p:attrNameLst>
-                                          <p:attrName>ppt_x</p:attrName>
-                                        </p:attrNameLst>
-                                      </p:cBhvr>
-                                      <p:tavLst>
-                                        <p:tav tm="0">
-                                          <p:val>
-                                            <p:strVal val="#ppt_x"/>
-                                          </p:val>
-                                        </p:tav>
-                                        <p:tav tm="100000">
-                                          <p:val>
-                                            <p:strVal val="#ppt_x"/>
-                                          </p:val>
-                                        </p:tav>
-                                      </p:tavLst>
-                                    </p:anim>
-                                    <p:anim calcmode="lin" valueType="num">
-                                      <p:cBhvr additive="base">
-                                        <p:cTn id="8" dur="500" fill="hold"/>
-                                        <p:tgtEl>
-                                          <p:spTgt spid="3">
-                                            <p:txEl>
-                                              <p:pRg st="0" end="0"/>
-                                            </p:txEl>
-                                          </p:spTgt>
-                                        </p:tgtEl>
-                                        <p:attrNameLst>
-                                          <p:attrName>ppt_y</p:attrName>
-                                        </p:attrNameLst>
-                                      </p:cBhvr>
-                                      <p:tavLst>
-                                        <p:tav tm="0">
-                                          <p:val>
-                                            <p:strVal val="1+#ppt_h/2"/>
-                                          </p:val>
-                                        </p:tav>
-                                        <p:tav tm="100000">
-                                          <p:val>
-                                            <p:strVal val="#ppt_y"/>
-                                          </p:val>
-                                        </p:tav>
-                                      </p:tavLst>
-                                    </p:anim>
-                                  </p:childTnLst>
-                                </p:cTn>
-                              </p:par>
-                            </p:childTnLst>
-                          </p:cTn>
-                        </p:par>
-                      </p:childTnLst>
-                    </p:cTn>
-                  </p:par>
-                </p:childTnLst>
-              </p:cTn>
-              <p:prevCondLst>
-                <p:cond evt="onPrev" delay="0">
-                  <p:tgtEl>
-                    <p:sldTgt/>
-                  </p:tgtEl>
-                </p:cond>
-              </p:prevCondLst>
-              <p:nextCondLst>
-                <p:cond evt="onNext" delay="0">
-                  <p:tgtEl>
-                    <p:sldTgt/>
-                  </p:tgtEl>
-                </p:cond>
-              </p:nextCondLst>
-            </p:seq>
-          </p:childTnLst>
-        </p:cTn>
-      </p:par>
-    </p:tnLst>
-    <p:bldLst>
-      <p:bldP spid="3" grpId="0" build="p"/>
-    </p:bldLst>
-  </p:timing>
 </p:sld>
 </file>
 
 <file path=ppt/slides/slide9.xml><?xml version="1.0" encoding="utf-8"?>
 <p:sld xmlns:a="http://schemas.openxmlformats.org/drawingml/2006/main" xmlns:r="http://schemas.openxmlformats.org/officeDocument/2006/relationships" xmlns:p="http://schemas.openxmlformats.org/presentationml/2006/main">
   <p:cSld>
+    <p:bg>
+      <p:bgPr>
+        <a:solidFill>
+          <a:schemeClr val="accent3"/>
+        </a:solidFill>
+        <a:effectLst/>
+      </p:bgPr>
+    </p:bg>
     <p:spTree>
       <p:nvGrpSpPr>
         <p:cNvPr id="1" name=""/>
@@ -8346,227 +5956,102 @@
       </p:grpSpPr>
       <p:sp>
         <p:nvSpPr>
-          <p:cNvPr id="2" name="Title 1"/>
-          <p:cNvSpPr>
-            <a:spLocks noGrp="1"/>
-          </p:cNvSpPr>
-          <p:nvPr>
-            <p:ph type="title"/>
+          <p:cNvPr id="5" name="Chỗ dành sẵn cho Nội dung 4">
+            <a:extLst>
+              <a:ext uri="{FF2B5EF4-FFF2-40B4-BE49-F238E27FC236}">
+                <a16:creationId xmlns:a16="http://schemas.microsoft.com/office/drawing/2014/main" id="{1A55A3C0-2247-461B-9901-E1541EC783EE}"/>
+              </a:ext>
+            </a:extLst>
+          </p:cNvPr>
+          <p:cNvSpPr>
+            <a:spLocks noGrp="1"/>
+          </p:cNvSpPr>
+          <p:nvPr>
+            <p:ph idx="1"/>
           </p:nvPr>
         </p:nvSpPr>
         <p:spPr>
           <a:xfrm>
-            <a:off x="347546" y="365125"/>
-            <a:ext cx="10515600" cy="1325563"/>
+            <a:off x="838200" y="1841156"/>
+            <a:ext cx="10515600" cy="2761735"/>
           </a:xfrm>
         </p:spPr>
-        <p:txBody>
-          <a:bodyPr/>
-          <a:lstStyle/>
-          <a:p>
-            <a:r>
-              <a:rPr lang="en-US"/>
-              <a:t>4. How to use Hooks?</a:t>
-            </a:r>
-          </a:p>
-        </p:txBody>
-      </p:sp>
-      <p:sp>
-        <p:nvSpPr>
-          <p:cNvPr id="3" name="Content Placeholder 2"/>
-          <p:cNvSpPr>
-            <a:spLocks noGrp="1"/>
-          </p:cNvSpPr>
-          <p:nvPr>
-            <p:ph idx="1"/>
-          </p:nvPr>
-        </p:nvSpPr>
-        <p:spPr/>
         <p:txBody>
           <a:bodyPr>
             <a:normAutofit/>
           </a:bodyPr>
           <a:lstStyle/>
           <a:p>
-            <a:pPr marL="514350" indent="-514350">
-              <a:lnSpc>
-                <a:spcPct val="150000"/>
-              </a:lnSpc>
-              <a:buAutoNum type="alphaLcPeriod"/>
-            </a:pPr>
-            <a:r>
-              <a:rPr lang="en-US" b="1" err="1"/>
-              <a:t>useState</a:t>
-            </a:r>
-            <a:br>
-              <a:rPr lang="en-US" b="1"/>
-            </a:br>
-            <a:endParaRPr lang="en-US"/>
-          </a:p>
-          <a:p>
-            <a:pPr marL="0" indent="0">
-              <a:lnSpc>
-                <a:spcPct val="150000"/>
-              </a:lnSpc>
+            <a:pPr marL="0" indent="0" algn="ctr">
               <a:buNone/>
             </a:pPr>
-            <a:endParaRPr lang="en-US" b="1"/>
+            <a:endParaRPr lang="en-US" sz="4800" dirty="0">
+              <a:solidFill>
+                <a:schemeClr val="bg1"/>
+              </a:solidFill>
+            </a:endParaRPr>
+          </a:p>
+          <a:p>
+            <a:pPr marL="0" indent="0" algn="ctr">
+              <a:buNone/>
+            </a:pPr>
+            <a:r>
+              <a:rPr lang="en-US" sz="11500" dirty="0">
+                <a:solidFill>
+                  <a:schemeClr val="bg1"/>
+                </a:solidFill>
+              </a:rPr>
+              <a:t>THANK YOU</a:t>
+            </a:r>
+          </a:p>
+        </p:txBody>
+      </p:sp>
+      <p:sp>
+        <p:nvSpPr>
+          <p:cNvPr id="4" name="Chỗ dành sẵn cho Số hiệu Bản chiếu 3">
+            <a:extLst>
+              <a:ext uri="{FF2B5EF4-FFF2-40B4-BE49-F238E27FC236}">
+                <a16:creationId xmlns:a16="http://schemas.microsoft.com/office/drawing/2014/main" id="{91C2B51B-83DA-4D31-97D0-78C7343C5FB4}"/>
+              </a:ext>
+            </a:extLst>
+          </p:cNvPr>
+          <p:cNvSpPr>
+            <a:spLocks noGrp="1"/>
+          </p:cNvSpPr>
+          <p:nvPr>
+            <p:ph type="sldNum" sz="quarter" idx="12"/>
+          </p:nvPr>
+        </p:nvSpPr>
+        <p:spPr/>
+        <p:txBody>
+          <a:bodyPr/>
+          <a:lstStyle/>
+          <a:p>
+            <a:fld id="{3A69157F-CD08-46F1-9836-FD5DCB267EAF}" type="slidenum">
+              <a:rPr lang="en-US" smtClean="0"/>
+              <a:t>9</a:t>
+            </a:fld>
+            <a:endParaRPr lang="en-US"/>
           </a:p>
         </p:txBody>
       </p:sp>
     </p:spTree>
     <p:extLst>
       <p:ext uri="{BB962C8B-B14F-4D97-AF65-F5344CB8AC3E}">
-        <p14:creationId xmlns:p14="http://schemas.microsoft.com/office/powerpoint/2010/main" val="4022983786"/>
+        <p14:creationId xmlns:p14="http://schemas.microsoft.com/office/powerpoint/2010/main" val="3646060077"/>
       </p:ext>
     </p:extLst>
   </p:cSld>
   <p:clrMapOvr>
     <a:masterClrMapping/>
   </p:clrMapOvr>
-  <p:timing>
-    <p:tnLst>
-      <p:par>
-        <p:cTn id="1" dur="indefinite" restart="never" nodeType="tmRoot">
-          <p:childTnLst>
-            <p:seq concurrent="1" nextAc="seek">
-              <p:cTn id="2" dur="indefinite" nodeType="mainSeq">
-                <p:childTnLst>
-                  <p:par>
-                    <p:cTn id="3" fill="hold">
-                      <p:stCondLst>
-                        <p:cond delay="indefinite"/>
-                      </p:stCondLst>
-                      <p:childTnLst>
-                        <p:par>
-                          <p:cTn id="4" fill="hold">
-                            <p:stCondLst>
-                              <p:cond delay="0"/>
-                            </p:stCondLst>
-                            <p:childTnLst>
-                              <p:par>
-                                <p:cTn id="5" presetID="2" presetClass="entr" presetSubtype="4" fill="hold" grpId="0" nodeType="clickEffect">
-                                  <p:stCondLst>
-                                    <p:cond delay="0"/>
-                                  </p:stCondLst>
-                                  <p:childTnLst>
-                                    <p:set>
-                                      <p:cBhvr>
-                                        <p:cTn id="6" dur="1" fill="hold">
-                                          <p:stCondLst>
-                                            <p:cond delay="0"/>
-                                          </p:stCondLst>
-                                        </p:cTn>
-                                        <p:tgtEl>
-                                          <p:spTgt spid="3">
-                                            <p:txEl>
-                                              <p:pRg st="0" end="0"/>
-                                            </p:txEl>
-                                          </p:spTgt>
-                                        </p:tgtEl>
-                                        <p:attrNameLst>
-                                          <p:attrName>style.visibility</p:attrName>
-                                        </p:attrNameLst>
-                                      </p:cBhvr>
-                                      <p:to>
-                                        <p:strVal val="visible"/>
-                                      </p:to>
-                                    </p:set>
-                                    <p:anim calcmode="lin" valueType="num">
-                                      <p:cBhvr additive="base">
-                                        <p:cTn id="7" dur="500" fill="hold"/>
-                                        <p:tgtEl>
-                                          <p:spTgt spid="3">
-                                            <p:txEl>
-                                              <p:pRg st="0" end="0"/>
-                                            </p:txEl>
-                                          </p:spTgt>
-                                        </p:tgtEl>
-                                        <p:attrNameLst>
-                                          <p:attrName>ppt_x</p:attrName>
-                                        </p:attrNameLst>
-                                      </p:cBhvr>
-                                      <p:tavLst>
-                                        <p:tav tm="0">
-                                          <p:val>
-                                            <p:strVal val="#ppt_x"/>
-                                          </p:val>
-                                        </p:tav>
-                                        <p:tav tm="100000">
-                                          <p:val>
-                                            <p:strVal val="#ppt_x"/>
-                                          </p:val>
-                                        </p:tav>
-                                      </p:tavLst>
-                                    </p:anim>
-                                    <p:anim calcmode="lin" valueType="num">
-                                      <p:cBhvr additive="base">
-                                        <p:cTn id="8" dur="500" fill="hold"/>
-                                        <p:tgtEl>
-                                          <p:spTgt spid="3">
-                                            <p:txEl>
-                                              <p:pRg st="0" end="0"/>
-                                            </p:txEl>
-                                          </p:spTgt>
-                                        </p:tgtEl>
-                                        <p:attrNameLst>
-                                          <p:attrName>ppt_y</p:attrName>
-                                        </p:attrNameLst>
-                                      </p:cBhvr>
-                                      <p:tavLst>
-                                        <p:tav tm="0">
-                                          <p:val>
-                                            <p:strVal val="1+#ppt_h/2"/>
-                                          </p:val>
-                                        </p:tav>
-                                        <p:tav tm="100000">
-                                          <p:val>
-                                            <p:strVal val="#ppt_y"/>
-                                          </p:val>
-                                        </p:tav>
-                                      </p:tavLst>
-                                    </p:anim>
-                                  </p:childTnLst>
-                                </p:cTn>
-                              </p:par>
-                            </p:childTnLst>
-                          </p:cTn>
-                        </p:par>
-                      </p:childTnLst>
-                    </p:cTn>
-                  </p:par>
-                </p:childTnLst>
-              </p:cTn>
-              <p:prevCondLst>
-                <p:cond evt="onPrev" delay="0">
-                  <p:tgtEl>
-                    <p:sldTgt/>
-                  </p:tgtEl>
-                </p:cond>
-              </p:prevCondLst>
-              <p:nextCondLst>
-                <p:cond evt="onNext" delay="0">
-                  <p:tgtEl>
-                    <p:sldTgt/>
-                  </p:tgtEl>
-                </p:cond>
-              </p:nextCondLst>
-            </p:seq>
-          </p:childTnLst>
-        </p:cTn>
-      </p:par>
-    </p:tnLst>
-    <p:bldLst>
-      <p:bldP spid="3" grpId="0" build="p"/>
-    </p:bldLst>
-  </p:timing>
 </p:sld>
 </file>
 
 <file path=ppt/theme/theme1.xml><?xml version="1.0" encoding="utf-8"?>
 <a:theme xmlns:a="http://schemas.openxmlformats.org/drawingml/2006/main" name="Office Theme">
   <a:themeElements>
-    <a:clrScheme name="Office">
+    <a:clrScheme name="Office Theme">
       <a:dk1>
         <a:sysClr val="windowText" lastClr="000000"/>
       </a:dk1>
@@ -8580,22 +6065,22 @@
         <a:srgbClr val="E7E6E6"/>
       </a:lt2>
       <a:accent1>
-        <a:srgbClr val="5B9BD5"/>
+        <a:srgbClr val="29AF8C"/>
       </a:accent1>
       <a:accent2>
-        <a:srgbClr val="ED7D31"/>
+        <a:srgbClr val="97BE49"/>
       </a:accent2>
       <a:accent3>
-        <a:srgbClr val="A5A5A5"/>
+        <a:srgbClr val="3D9CCC"/>
       </a:accent3>
       <a:accent4>
-        <a:srgbClr val="FFC000"/>
+        <a:srgbClr val="7C60C6"/>
       </a:accent4>
       <a:accent5>
-        <a:srgbClr val="4472C4"/>
+        <a:srgbClr val="C9492C"/>
       </a:accent5>
       <a:accent6>
-        <a:srgbClr val="70AD47"/>
+        <a:srgbClr val="D58C2E"/>
       </a:accent6>
       <a:hlink>
         <a:srgbClr val="0563C1"/>
@@ -8604,7 +6089,7 @@
         <a:srgbClr val="954F72"/>
       </a:folHlink>
     </a:clrScheme>
-    <a:fontScheme name="Office">
+    <a:fontScheme name="Office Theme">
       <a:majorFont>
         <a:latin typeface="Calibri Light" panose="020F0302020204030204"/>
         <a:ea typeface=""/>
@@ -8676,7 +6161,7 @@
         <a:font script="Geor" typeface="Sylfaen"/>
       </a:minorFont>
     </a:fontScheme>
-    <a:fmtScheme name="Office">
+    <a:fmtScheme name="Office Theme">
       <a:fillStyleLst>
         <a:solidFill>
           <a:schemeClr val="phClr"/>
@@ -8818,7 +6303,7 @@
   <a:extraClrSchemeLst/>
   <a:extLst>
     <a:ext uri="{05A4C25C-085E-4340-85A3-A5531E510DB2}">
-      <thm15:themeFamily xmlns:thm15="http://schemas.microsoft.com/office/thememl/2012/main" name="Office Theme" id="{62F939B6-93AF-4DB8-9C6B-D6C7DFDC589F}" vid="{4A3C46E8-61CC-4603-A589-7422A47A8E4A}"/>
+      <thm15:themeFamily xmlns:thm15="http://schemas.microsoft.com/office/thememl/2012/main" name="Office Theme" id="{62F939B6-93AF-4DB8-9C6B-D6C7DFDC589F}" vid="{3E4F19A7-A959-40BB-972C-4880BAF8EB09}"/>
     </a:ext>
   </a:extLst>
 </a:theme>

--- a/ReactHooks.pptx
+++ b/ReactHooks.pptx
@@ -5,21 +5,22 @@
     <p:sldMasterId id="2147483672" r:id="rId1"/>
   </p:sldMasterIdLst>
   <p:notesMasterIdLst>
-    <p:notesMasterId r:id="rId11"/>
+    <p:notesMasterId r:id="rId12"/>
   </p:notesMasterIdLst>
   <p:handoutMasterIdLst>
-    <p:handoutMasterId r:id="rId12"/>
+    <p:handoutMasterId r:id="rId13"/>
   </p:handoutMasterIdLst>
   <p:sldIdLst>
     <p:sldId id="269" r:id="rId2"/>
     <p:sldId id="268" r:id="rId3"/>
     <p:sldId id="274" r:id="rId4"/>
     <p:sldId id="257" r:id="rId5"/>
-    <p:sldId id="275" r:id="rId6"/>
-    <p:sldId id="277" r:id="rId7"/>
-    <p:sldId id="276" r:id="rId8"/>
-    <p:sldId id="278" r:id="rId9"/>
-    <p:sldId id="279" r:id="rId10"/>
+    <p:sldId id="280" r:id="rId6"/>
+    <p:sldId id="275" r:id="rId7"/>
+    <p:sldId id="277" r:id="rId8"/>
+    <p:sldId id="276" r:id="rId9"/>
+    <p:sldId id="278" r:id="rId10"/>
+    <p:sldId id="279" r:id="rId11"/>
   </p:sldIdLst>
   <p:sldSz cx="12192000" cy="6858000"/>
   <p:notesSz cx="6858000" cy="9144000"/>
@@ -994,7 +995,7 @@
           <a:p>
             <a:fld id="{FBF31ECA-FEBF-416A-9457-D684578178CB}" type="slidenum">
               <a:rPr lang="en-US" smtClean="0"/>
-              <a:t>5</a:t>
+              <a:t>6</a:t>
             </a:fld>
             <a:endParaRPr lang="en-US"/>
           </a:p>
@@ -1084,7 +1085,7 @@
           <a:p>
             <a:fld id="{FBF31ECA-FEBF-416A-9457-D684578178CB}" type="slidenum">
               <a:rPr lang="en-US" smtClean="0"/>
-              <a:t>6</a:t>
+              <a:t>7</a:t>
             </a:fld>
             <a:endParaRPr lang="en-US"/>
           </a:p>
@@ -1174,7 +1175,7 @@
           <a:p>
             <a:fld id="{FBF31ECA-FEBF-416A-9457-D684578178CB}" type="slidenum">
               <a:rPr lang="en-US" smtClean="0"/>
-              <a:t>8</a:t>
+              <a:t>9</a:t>
             </a:fld>
             <a:endParaRPr lang="en-US"/>
           </a:p>
@@ -1264,7 +1265,7 @@
           <a:p>
             <a:fld id="{FBF31ECA-FEBF-416A-9457-D684578178CB}" type="slidenum">
               <a:rPr lang="en-US" smtClean="0"/>
-              <a:t>9</a:t>
+              <a:t>10</a:t>
             </a:fld>
             <a:endParaRPr lang="en-US"/>
           </a:p>
@@ -4290,6 +4291,125 @@
 </p:sld>
 </file>
 
+<file path=ppt/slides/slide10.xml><?xml version="1.0" encoding="utf-8"?>
+<p:sld xmlns:a="http://schemas.openxmlformats.org/drawingml/2006/main" xmlns:r="http://schemas.openxmlformats.org/officeDocument/2006/relationships" xmlns:p="http://schemas.openxmlformats.org/presentationml/2006/main">
+  <p:cSld>
+    <p:bg>
+      <p:bgPr>
+        <a:solidFill>
+          <a:schemeClr val="accent3"/>
+        </a:solidFill>
+        <a:effectLst/>
+      </p:bgPr>
+    </p:bg>
+    <p:spTree>
+      <p:nvGrpSpPr>
+        <p:cNvPr id="1" name=""/>
+        <p:cNvGrpSpPr/>
+        <p:nvPr/>
+      </p:nvGrpSpPr>
+      <p:grpSpPr>
+        <a:xfrm>
+          <a:off x="0" y="0"/>
+          <a:ext cx="0" cy="0"/>
+          <a:chOff x="0" y="0"/>
+          <a:chExt cx="0" cy="0"/>
+        </a:xfrm>
+      </p:grpSpPr>
+      <p:sp>
+        <p:nvSpPr>
+          <p:cNvPr id="5" name="Chỗ dành sẵn cho Nội dung 4">
+            <a:extLst>
+              <a:ext uri="{FF2B5EF4-FFF2-40B4-BE49-F238E27FC236}">
+                <a16:creationId xmlns:a16="http://schemas.microsoft.com/office/drawing/2014/main" id="{1A55A3C0-2247-461B-9901-E1541EC783EE}"/>
+              </a:ext>
+            </a:extLst>
+          </p:cNvPr>
+          <p:cNvSpPr>
+            <a:spLocks noGrp="1"/>
+          </p:cNvSpPr>
+          <p:nvPr>
+            <p:ph idx="1"/>
+          </p:nvPr>
+        </p:nvSpPr>
+        <p:spPr>
+          <a:xfrm>
+            <a:off x="838200" y="1841156"/>
+            <a:ext cx="10515600" cy="2761735"/>
+          </a:xfrm>
+        </p:spPr>
+        <p:txBody>
+          <a:bodyPr>
+            <a:normAutofit/>
+          </a:bodyPr>
+          <a:lstStyle/>
+          <a:p>
+            <a:pPr marL="0" indent="0" algn="ctr">
+              <a:buNone/>
+            </a:pPr>
+            <a:endParaRPr lang="en-US" sz="4800" dirty="0">
+              <a:solidFill>
+                <a:schemeClr val="bg1"/>
+              </a:solidFill>
+            </a:endParaRPr>
+          </a:p>
+          <a:p>
+            <a:pPr marL="0" indent="0" algn="ctr">
+              <a:buNone/>
+            </a:pPr>
+            <a:r>
+              <a:rPr lang="en-US" sz="11500" dirty="0">
+                <a:solidFill>
+                  <a:schemeClr val="bg1"/>
+                </a:solidFill>
+              </a:rPr>
+              <a:t>THANK YOU</a:t>
+            </a:r>
+          </a:p>
+        </p:txBody>
+      </p:sp>
+      <p:sp>
+        <p:nvSpPr>
+          <p:cNvPr id="4" name="Chỗ dành sẵn cho Số hiệu Bản chiếu 3">
+            <a:extLst>
+              <a:ext uri="{FF2B5EF4-FFF2-40B4-BE49-F238E27FC236}">
+                <a16:creationId xmlns:a16="http://schemas.microsoft.com/office/drawing/2014/main" id="{91C2B51B-83DA-4D31-97D0-78C7343C5FB4}"/>
+              </a:ext>
+            </a:extLst>
+          </p:cNvPr>
+          <p:cNvSpPr>
+            <a:spLocks noGrp="1"/>
+          </p:cNvSpPr>
+          <p:nvPr>
+            <p:ph type="sldNum" sz="quarter" idx="12"/>
+          </p:nvPr>
+        </p:nvSpPr>
+        <p:spPr/>
+        <p:txBody>
+          <a:bodyPr/>
+          <a:lstStyle/>
+          <a:p>
+            <a:fld id="{3A69157F-CD08-46F1-9836-FD5DCB267EAF}" type="slidenum">
+              <a:rPr lang="en-US" smtClean="0"/>
+              <a:t>10</a:t>
+            </a:fld>
+            <a:endParaRPr lang="en-US"/>
+          </a:p>
+        </p:txBody>
+      </p:sp>
+    </p:spTree>
+    <p:extLst>
+      <p:ext uri="{BB962C8B-B14F-4D97-AF65-F5344CB8AC3E}">
+        <p14:creationId xmlns:p14="http://schemas.microsoft.com/office/powerpoint/2010/main" val="3646060077"/>
+      </p:ext>
+    </p:extLst>
+  </p:cSld>
+  <p:clrMapOvr>
+    <a:masterClrMapping/>
+  </p:clrMapOvr>
+</p:sld>
+</file>
+
 <file path=ppt/slides/slide2.xml><?xml version="1.0" encoding="utf-8"?>
 <p:sld xmlns:a="http://schemas.openxmlformats.org/drawingml/2006/main" xmlns:r="http://schemas.openxmlformats.org/officeDocument/2006/relationships" xmlns:p="http://schemas.openxmlformats.org/presentationml/2006/main">
   <p:cSld>
@@ -4972,27 +5092,22 @@
           <a:lstStyle/>
           <a:p>
             <a:r>
-              <a:rPr lang="en-US">
+              <a:rPr lang="en-US" dirty="0">
                 <a:solidFill>
                   <a:schemeClr val="bg1"/>
                 </a:solidFill>
               </a:rPr>
-              <a:t>3. Demo</a:t>
-            </a:r>
-            <a:endParaRPr lang="en-US" dirty="0">
-              <a:solidFill>
-                <a:schemeClr val="bg1"/>
-              </a:solidFill>
-            </a:endParaRPr>
-          </a:p>
-        </p:txBody>
-      </p:sp>
-      <p:sp>
-        <p:nvSpPr>
-          <p:cNvPr id="4" name="Content Placeholder 2">
+              <a:t>2. Hooks introduction</a:t>
+            </a:r>
+          </a:p>
+        </p:txBody>
+      </p:sp>
+      <p:sp>
+        <p:nvSpPr>
+          <p:cNvPr id="6" name="Chỗ dành sẵn cho Số hiệu Bản chiếu 5">
             <a:extLst>
               <a:ext uri="{FF2B5EF4-FFF2-40B4-BE49-F238E27FC236}">
-                <a16:creationId xmlns:a16="http://schemas.microsoft.com/office/drawing/2014/main" id="{964408D1-3452-4CD8-A5AF-77D74F0CF5A5}"/>
+                <a16:creationId xmlns:a16="http://schemas.microsoft.com/office/drawing/2014/main" id="{48BCBF5B-4A7D-4B6E-A87E-678E5EA5350D}"/>
               </a:ext>
             </a:extLst>
           </p:cNvPr>
@@ -5000,10 +5115,44 @@
             <a:spLocks noGrp="1"/>
           </p:cNvSpPr>
           <p:nvPr>
+            <p:ph type="sldNum" sz="quarter" idx="12"/>
+          </p:nvPr>
+        </p:nvSpPr>
+        <p:spPr/>
+        <p:txBody>
+          <a:bodyPr/>
+          <a:lstStyle/>
+          <a:p>
+            <a:fld id="{3A69157F-CD08-46F1-9836-FD5DCB267EAF}" type="slidenum">
+              <a:rPr lang="en-US" smtClean="0"/>
+              <a:t>5</a:t>
+            </a:fld>
+            <a:endParaRPr lang="en-US" dirty="0"/>
+          </a:p>
+        </p:txBody>
+      </p:sp>
+      <p:sp>
+        <p:nvSpPr>
+          <p:cNvPr id="8" name="Content Placeholder 2">
+            <a:extLst>
+              <a:ext uri="{FF2B5EF4-FFF2-40B4-BE49-F238E27FC236}">
+                <a16:creationId xmlns:a16="http://schemas.microsoft.com/office/drawing/2014/main" id="{54EFE5F1-6286-4AD1-9951-7BCAABAC8A0B}"/>
+              </a:ext>
+            </a:extLst>
+          </p:cNvPr>
+          <p:cNvSpPr>
+            <a:spLocks noGrp="1"/>
+          </p:cNvSpPr>
+          <p:nvPr>
             <p:ph idx="1"/>
           </p:nvPr>
         </p:nvSpPr>
-        <p:spPr/>
+        <p:spPr>
+          <a:xfrm>
+            <a:off x="838200" y="1825625"/>
+            <a:ext cx="10515600" cy="4351338"/>
+          </a:xfrm>
+        </p:spPr>
         <p:txBody>
           <a:bodyPr>
             <a:noAutofit/>
@@ -5016,18 +5165,18 @@
               </a:lnSpc>
             </a:pPr>
             <a:r>
-              <a:rPr lang="en-US" sz="3200"/>
+              <a:rPr lang="en-US" sz="3200" dirty="0"/>
               <a:t> </a:t>
             </a:r>
             <a:r>
-              <a:rPr lang="en-US" sz="3200" b="1"/>
+              <a:rPr lang="en-US" sz="3200" b="1" dirty="0" err="1"/>
               <a:t>useState</a:t>
             </a:r>
             <a:r>
-              <a:rPr lang="en-US" sz="3200"/>
+              <a:rPr lang="en-US" sz="3200" dirty="0"/>
               <a:t>: use state inside function component.</a:t>
             </a:r>
-            <a:endParaRPr lang="en-US" sz="3200" b="1"/>
+            <a:endParaRPr lang="en-US" sz="3200" b="1" dirty="0"/>
           </a:p>
           <a:p>
             <a:pPr>
@@ -5036,23 +5185,39 @@
               </a:lnSpc>
             </a:pPr>
             <a:r>
-              <a:rPr lang="en-US" sz="3200"/>
+              <a:rPr lang="en-US" sz="3200" dirty="0"/>
               <a:t> </a:t>
             </a:r>
             <a:r>
-              <a:rPr lang="en-US" sz="3200" b="1"/>
+              <a:rPr lang="en-US" sz="3200" b="1" dirty="0" err="1"/>
               <a:t>useEffect</a:t>
             </a:r>
             <a:r>
-              <a:rPr lang="en-US" sz="3200"/>
+              <a:rPr lang="en-US" sz="3200" dirty="0"/>
               <a:t>: as </a:t>
             </a:r>
             <a:r>
-              <a:rPr lang="en-US" sz="3200" b="1"/>
-              <a:t>componentDidMount, componentDidUpdate, componentWillUnmount</a:t>
-            </a:r>
-            <a:r>
-              <a:rPr lang="en-US" sz="3200"/>
+              <a:rPr lang="en-US" sz="3200" b="1" dirty="0" err="1"/>
+              <a:t>componentDidMount</a:t>
+            </a:r>
+            <a:r>
+              <a:rPr lang="en-US" sz="3200" b="1" dirty="0"/>
+              <a:t>, </a:t>
+            </a:r>
+            <a:r>
+              <a:rPr lang="en-US" sz="3200" b="1" dirty="0" err="1"/>
+              <a:t>componentDidUpdate</a:t>
+            </a:r>
+            <a:r>
+              <a:rPr lang="en-US" sz="3200" b="1" dirty="0"/>
+              <a:t>, </a:t>
+            </a:r>
+            <a:r>
+              <a:rPr lang="en-US" sz="3200" b="1" dirty="0" err="1"/>
+              <a:t>componentWillUnmount</a:t>
+            </a:r>
+            <a:r>
+              <a:rPr lang="en-US" sz="3200" dirty="0"/>
               <a:t> combine.</a:t>
             </a:r>
           </a:p>
@@ -5063,50 +5228,31 @@
               </a:lnSpc>
             </a:pPr>
             <a:r>
-              <a:rPr lang="en-US" sz="3200" b="1"/>
+              <a:rPr lang="en-US" sz="3200" b="1" dirty="0" err="1"/>
               <a:t>useContext</a:t>
             </a:r>
             <a:r>
-              <a:rPr lang="en-US" sz="3200"/>
+              <a:rPr lang="en-US" sz="3200" dirty="0"/>
               <a:t>: get current value of context object.</a:t>
             </a:r>
-            <a:endParaRPr lang="en-US" sz="3200" b="1" dirty="0"/>
-          </a:p>
-        </p:txBody>
-      </p:sp>
-      <p:sp>
-        <p:nvSpPr>
-          <p:cNvPr id="6" name="Chỗ dành sẵn cho Số hiệu Bản chiếu 5">
-            <a:extLst>
-              <a:ext uri="{FF2B5EF4-FFF2-40B4-BE49-F238E27FC236}">
-                <a16:creationId xmlns:a16="http://schemas.microsoft.com/office/drawing/2014/main" id="{6444DA78-903F-40A0-85AD-C78B33400AFC}"/>
-              </a:ext>
-            </a:extLst>
-          </p:cNvPr>
-          <p:cNvSpPr>
-            <a:spLocks noGrp="1"/>
-          </p:cNvSpPr>
-          <p:nvPr>
-            <p:ph type="sldNum" sz="quarter" idx="12"/>
-          </p:nvPr>
-        </p:nvSpPr>
-        <p:spPr/>
-        <p:txBody>
-          <a:bodyPr/>
-          <a:lstStyle/>
-          <a:p>
-            <a:fld id="{3A69157F-CD08-46F1-9836-FD5DCB267EAF}" type="slidenum">
-              <a:rPr lang="en-US" smtClean="0"/>
-              <a:t>5</a:t>
-            </a:fld>
-            <a:endParaRPr lang="en-US"/>
+          </a:p>
+          <a:p>
+            <a:pPr>
+              <a:lnSpc>
+                <a:spcPct val="150000"/>
+              </a:lnSpc>
+            </a:pPr>
+            <a:r>
+              <a:rPr lang="en-US" sz="3200" b="1" dirty="0"/>
+              <a:t>Custom Hooks.</a:t>
+            </a:r>
           </a:p>
         </p:txBody>
       </p:sp>
     </p:spTree>
     <p:extLst>
       <p:ext uri="{BB962C8B-B14F-4D97-AF65-F5344CB8AC3E}">
-        <p14:creationId xmlns:p14="http://schemas.microsoft.com/office/powerpoint/2010/main" val="1529764381"/>
+        <p14:creationId xmlns:p14="http://schemas.microsoft.com/office/powerpoint/2010/main" val="643798446"/>
       </p:ext>
     </p:extLst>
   </p:cSld>
@@ -5157,75 +5303,18 @@
           <a:lstStyle/>
           <a:p>
             <a:r>
-              <a:rPr lang="en-US" dirty="0">
+              <a:rPr lang="en-US">
                 <a:solidFill>
                   <a:schemeClr val="bg1"/>
                 </a:solidFill>
               </a:rPr>
-              <a:t>4. Rules of Hooks</a:t>
-            </a:r>
-          </a:p>
-        </p:txBody>
-      </p:sp>
-      <p:sp>
-        <p:nvSpPr>
-          <p:cNvPr id="3" name="Content Placeholder 2">
-            <a:extLst>
-              <a:ext uri="{FF2B5EF4-FFF2-40B4-BE49-F238E27FC236}">
-                <a16:creationId xmlns:a16="http://schemas.microsoft.com/office/drawing/2014/main" id="{ACE54735-DAB9-4D1D-AAB3-38DAC93F1B0E}"/>
-              </a:ext>
-            </a:extLst>
-          </p:cNvPr>
-          <p:cNvSpPr>
-            <a:spLocks noGrp="1"/>
-          </p:cNvSpPr>
-          <p:nvPr>
-            <p:ph idx="1"/>
-          </p:nvPr>
-        </p:nvSpPr>
-        <p:spPr/>
-        <p:txBody>
-          <a:bodyPr>
-            <a:normAutofit/>
-          </a:bodyPr>
-          <a:lstStyle/>
-          <a:p>
-            <a:pPr>
-              <a:lnSpc>
-                <a:spcPct val="150000"/>
-              </a:lnSpc>
-            </a:pPr>
-            <a:r>
-              <a:rPr lang="en-US" sz="3600" b="1" dirty="0"/>
-              <a:t> Don’t call Hooks inside loops, conditions, or nested functions.</a:t>
-            </a:r>
-            <a:endParaRPr lang="en-US" sz="3600" dirty="0"/>
-          </a:p>
-          <a:p>
-            <a:pPr>
-              <a:lnSpc>
-                <a:spcPct val="150000"/>
-              </a:lnSpc>
-            </a:pPr>
-            <a:r>
-              <a:rPr lang="en-US" sz="3600" dirty="0"/>
-              <a:t> Only call Hooks from React functions or custom hooks :</a:t>
-            </a:r>
-            <a:r>
-              <a:rPr lang="en-US" sz="3600" b="1" dirty="0"/>
-              <a:t> Don’t call Hooks from regular JavaScript functions.</a:t>
-            </a:r>
-            <a:endParaRPr lang="en-US" sz="3600" dirty="0"/>
-          </a:p>
-          <a:p>
-            <a:pPr marL="457200" indent="-457200">
-              <a:lnSpc>
-                <a:spcPct val="150000"/>
-              </a:lnSpc>
-              <a:buFont typeface="+mj-lt"/>
-              <a:buAutoNum type="alphaLcPeriod"/>
-            </a:pPr>
-            <a:endParaRPr lang="en-US" sz="3600" dirty="0"/>
+              <a:t>3. Demo</a:t>
+            </a:r>
+            <a:endParaRPr lang="en-US" dirty="0">
+              <a:solidFill>
+                <a:schemeClr val="bg1"/>
+              </a:solidFill>
+            </a:endParaRPr>
           </a:p>
         </p:txBody>
       </p:sp>
@@ -5234,7 +5323,7 @@
           <p:cNvPr id="6" name="Chỗ dành sẵn cho Số hiệu Bản chiếu 5">
             <a:extLst>
               <a:ext uri="{FF2B5EF4-FFF2-40B4-BE49-F238E27FC236}">
-                <a16:creationId xmlns:a16="http://schemas.microsoft.com/office/drawing/2014/main" id="{0DFD9481-5C52-4274-A018-553A3BE909BB}"/>
+                <a16:creationId xmlns:a16="http://schemas.microsoft.com/office/drawing/2014/main" id="{6444DA78-903F-40A0-85AD-C78B33400AFC}"/>
               </a:ext>
             </a:extLst>
           </p:cNvPr>
@@ -5261,7 +5350,7 @@
     </p:spTree>
     <p:extLst>
       <p:ext uri="{BB962C8B-B14F-4D97-AF65-F5344CB8AC3E}">
-        <p14:creationId xmlns:p14="http://schemas.microsoft.com/office/powerpoint/2010/main" val="1339346582"/>
+        <p14:creationId xmlns:p14="http://schemas.microsoft.com/office/powerpoint/2010/main" val="1529764381"/>
       </p:ext>
     </p:extLst>
   </p:cSld>
@@ -5317,6 +5406,146 @@
                   <a:schemeClr val="bg1"/>
                 </a:solidFill>
               </a:rPr>
+              <a:t>4. Rules of Hooks</a:t>
+            </a:r>
+          </a:p>
+        </p:txBody>
+      </p:sp>
+      <p:sp>
+        <p:nvSpPr>
+          <p:cNvPr id="3" name="Content Placeholder 2">
+            <a:extLst>
+              <a:ext uri="{FF2B5EF4-FFF2-40B4-BE49-F238E27FC236}">
+                <a16:creationId xmlns:a16="http://schemas.microsoft.com/office/drawing/2014/main" id="{ACE54735-DAB9-4D1D-AAB3-38DAC93F1B0E}"/>
+              </a:ext>
+            </a:extLst>
+          </p:cNvPr>
+          <p:cNvSpPr>
+            <a:spLocks noGrp="1"/>
+          </p:cNvSpPr>
+          <p:nvPr>
+            <p:ph idx="1"/>
+          </p:nvPr>
+        </p:nvSpPr>
+        <p:spPr/>
+        <p:txBody>
+          <a:bodyPr>
+            <a:normAutofit/>
+          </a:bodyPr>
+          <a:lstStyle/>
+          <a:p>
+            <a:pPr>
+              <a:lnSpc>
+                <a:spcPct val="150000"/>
+              </a:lnSpc>
+            </a:pPr>
+            <a:r>
+              <a:rPr lang="en-US" sz="3600" b="1" dirty="0"/>
+              <a:t> Don’t call Hooks inside loops, conditions, or nested functions.</a:t>
+            </a:r>
+            <a:endParaRPr lang="en-US" sz="3600" dirty="0"/>
+          </a:p>
+          <a:p>
+            <a:pPr>
+              <a:lnSpc>
+                <a:spcPct val="150000"/>
+              </a:lnSpc>
+            </a:pPr>
+            <a:r>
+              <a:rPr lang="en-US" sz="3600" dirty="0"/>
+              <a:t> Only call Hooks from React functions or custom hooks</a:t>
+            </a:r>
+          </a:p>
+        </p:txBody>
+      </p:sp>
+      <p:sp>
+        <p:nvSpPr>
+          <p:cNvPr id="6" name="Chỗ dành sẵn cho Số hiệu Bản chiếu 5">
+            <a:extLst>
+              <a:ext uri="{FF2B5EF4-FFF2-40B4-BE49-F238E27FC236}">
+                <a16:creationId xmlns:a16="http://schemas.microsoft.com/office/drawing/2014/main" id="{0DFD9481-5C52-4274-A018-553A3BE909BB}"/>
+              </a:ext>
+            </a:extLst>
+          </p:cNvPr>
+          <p:cNvSpPr>
+            <a:spLocks noGrp="1"/>
+          </p:cNvSpPr>
+          <p:nvPr>
+            <p:ph type="sldNum" sz="quarter" idx="12"/>
+          </p:nvPr>
+        </p:nvSpPr>
+        <p:spPr/>
+        <p:txBody>
+          <a:bodyPr/>
+          <a:lstStyle/>
+          <a:p>
+            <a:fld id="{3A69157F-CD08-46F1-9836-FD5DCB267EAF}" type="slidenum">
+              <a:rPr lang="en-US" smtClean="0"/>
+              <a:t>7</a:t>
+            </a:fld>
+            <a:endParaRPr lang="en-US"/>
+          </a:p>
+        </p:txBody>
+      </p:sp>
+    </p:spTree>
+    <p:extLst>
+      <p:ext uri="{BB962C8B-B14F-4D97-AF65-F5344CB8AC3E}">
+        <p14:creationId xmlns:p14="http://schemas.microsoft.com/office/powerpoint/2010/main" val="1339346582"/>
+      </p:ext>
+    </p:extLst>
+  </p:cSld>
+  <p:clrMapOvr>
+    <a:masterClrMapping/>
+  </p:clrMapOvr>
+</p:sld>
+</file>
+
+<file path=ppt/slides/slide8.xml><?xml version="1.0" encoding="utf-8"?>
+<p:sld xmlns:a="http://schemas.openxmlformats.org/drawingml/2006/main" xmlns:r="http://schemas.openxmlformats.org/officeDocument/2006/relationships" xmlns:p="http://schemas.openxmlformats.org/presentationml/2006/main">
+  <p:cSld>
+    <p:spTree>
+      <p:nvGrpSpPr>
+        <p:cNvPr id="1" name=""/>
+        <p:cNvGrpSpPr/>
+        <p:nvPr/>
+      </p:nvGrpSpPr>
+      <p:grpSpPr>
+        <a:xfrm>
+          <a:off x="0" y="0"/>
+          <a:ext cx="0" cy="0"/>
+          <a:chOff x="0" y="0"/>
+          <a:chExt cx="0" cy="0"/>
+        </a:xfrm>
+      </p:grpSpPr>
+      <p:sp>
+        <p:nvSpPr>
+          <p:cNvPr id="2" name="Title 1"/>
+          <p:cNvSpPr>
+            <a:spLocks noGrp="1"/>
+          </p:cNvSpPr>
+          <p:nvPr>
+            <p:ph type="title"/>
+          </p:nvPr>
+        </p:nvSpPr>
+        <p:spPr>
+          <a:xfrm>
+            <a:off x="0" y="0"/>
+            <a:ext cx="12191999" cy="1325563"/>
+          </a:xfrm>
+          <a:solidFill>
+            <a:srgbClr val="00B0F0"/>
+          </a:solidFill>
+        </p:spPr>
+        <p:txBody>
+          <a:bodyPr/>
+          <a:lstStyle/>
+          <a:p>
+            <a:r>
+              <a:rPr lang="en-US" dirty="0">
+                <a:solidFill>
+                  <a:schemeClr val="bg1"/>
+                </a:solidFill>
+              </a:rPr>
               <a:t>5. Conclusion</a:t>
             </a:r>
           </a:p>
@@ -5415,7 +5644,7 @@
           <a:p>
             <a:fld id="{3A69157F-CD08-46F1-9836-FD5DCB267EAF}" type="slidenum">
               <a:rPr lang="en-US" smtClean="0"/>
-              <a:t>7</a:t>
+              <a:t>8</a:t>
             </a:fld>
             <a:endParaRPr lang="en-US"/>
           </a:p>
@@ -5776,7 +6005,7 @@
 </p:sld>
 </file>
 
-<file path=ppt/slides/slide8.xml><?xml version="1.0" encoding="utf-8"?>
+<file path=ppt/slides/slide9.xml><?xml version="1.0" encoding="utf-8"?>
 <p:sld xmlns:a="http://schemas.openxmlformats.org/drawingml/2006/main" xmlns:r="http://schemas.openxmlformats.org/officeDocument/2006/relationships" xmlns:p="http://schemas.openxmlformats.org/presentationml/2006/main">
   <p:cSld>
     <p:spTree>
@@ -5910,7 +6139,7 @@
           <a:p>
             <a:fld id="{3A69157F-CD08-46F1-9836-FD5DCB267EAF}" type="slidenum">
               <a:rPr lang="en-US" smtClean="0"/>
-              <a:t>8</a:t>
+              <a:t>9</a:t>
             </a:fld>
             <a:endParaRPr lang="en-US"/>
           </a:p>
@@ -5920,125 +6149,6 @@
     <p:extLst>
       <p:ext uri="{BB962C8B-B14F-4D97-AF65-F5344CB8AC3E}">
         <p14:creationId xmlns:p14="http://schemas.microsoft.com/office/powerpoint/2010/main" val="19207162"/>
-      </p:ext>
-    </p:extLst>
-  </p:cSld>
-  <p:clrMapOvr>
-    <a:masterClrMapping/>
-  </p:clrMapOvr>
-</p:sld>
-</file>
-
-<file path=ppt/slides/slide9.xml><?xml version="1.0" encoding="utf-8"?>
-<p:sld xmlns:a="http://schemas.openxmlformats.org/drawingml/2006/main" xmlns:r="http://schemas.openxmlformats.org/officeDocument/2006/relationships" xmlns:p="http://schemas.openxmlformats.org/presentationml/2006/main">
-  <p:cSld>
-    <p:bg>
-      <p:bgPr>
-        <a:solidFill>
-          <a:schemeClr val="accent3"/>
-        </a:solidFill>
-        <a:effectLst/>
-      </p:bgPr>
-    </p:bg>
-    <p:spTree>
-      <p:nvGrpSpPr>
-        <p:cNvPr id="1" name=""/>
-        <p:cNvGrpSpPr/>
-        <p:nvPr/>
-      </p:nvGrpSpPr>
-      <p:grpSpPr>
-        <a:xfrm>
-          <a:off x="0" y="0"/>
-          <a:ext cx="0" cy="0"/>
-          <a:chOff x="0" y="0"/>
-          <a:chExt cx="0" cy="0"/>
-        </a:xfrm>
-      </p:grpSpPr>
-      <p:sp>
-        <p:nvSpPr>
-          <p:cNvPr id="5" name="Chỗ dành sẵn cho Nội dung 4">
-            <a:extLst>
-              <a:ext uri="{FF2B5EF4-FFF2-40B4-BE49-F238E27FC236}">
-                <a16:creationId xmlns:a16="http://schemas.microsoft.com/office/drawing/2014/main" id="{1A55A3C0-2247-461B-9901-E1541EC783EE}"/>
-              </a:ext>
-            </a:extLst>
-          </p:cNvPr>
-          <p:cNvSpPr>
-            <a:spLocks noGrp="1"/>
-          </p:cNvSpPr>
-          <p:nvPr>
-            <p:ph idx="1"/>
-          </p:nvPr>
-        </p:nvSpPr>
-        <p:spPr>
-          <a:xfrm>
-            <a:off x="838200" y="1841156"/>
-            <a:ext cx="10515600" cy="2761735"/>
-          </a:xfrm>
-        </p:spPr>
-        <p:txBody>
-          <a:bodyPr>
-            <a:normAutofit/>
-          </a:bodyPr>
-          <a:lstStyle/>
-          <a:p>
-            <a:pPr marL="0" indent="0" algn="ctr">
-              <a:buNone/>
-            </a:pPr>
-            <a:endParaRPr lang="en-US" sz="4800" dirty="0">
-              <a:solidFill>
-                <a:schemeClr val="bg1"/>
-              </a:solidFill>
-            </a:endParaRPr>
-          </a:p>
-          <a:p>
-            <a:pPr marL="0" indent="0" algn="ctr">
-              <a:buNone/>
-            </a:pPr>
-            <a:r>
-              <a:rPr lang="en-US" sz="11500" dirty="0">
-                <a:solidFill>
-                  <a:schemeClr val="bg1"/>
-                </a:solidFill>
-              </a:rPr>
-              <a:t>THANK YOU</a:t>
-            </a:r>
-          </a:p>
-        </p:txBody>
-      </p:sp>
-      <p:sp>
-        <p:nvSpPr>
-          <p:cNvPr id="4" name="Chỗ dành sẵn cho Số hiệu Bản chiếu 3">
-            <a:extLst>
-              <a:ext uri="{FF2B5EF4-FFF2-40B4-BE49-F238E27FC236}">
-                <a16:creationId xmlns:a16="http://schemas.microsoft.com/office/drawing/2014/main" id="{91C2B51B-83DA-4D31-97D0-78C7343C5FB4}"/>
-              </a:ext>
-            </a:extLst>
-          </p:cNvPr>
-          <p:cNvSpPr>
-            <a:spLocks noGrp="1"/>
-          </p:cNvSpPr>
-          <p:nvPr>
-            <p:ph type="sldNum" sz="quarter" idx="12"/>
-          </p:nvPr>
-        </p:nvSpPr>
-        <p:spPr/>
-        <p:txBody>
-          <a:bodyPr/>
-          <a:lstStyle/>
-          <a:p>
-            <a:fld id="{3A69157F-CD08-46F1-9836-FD5DCB267EAF}" type="slidenum">
-              <a:rPr lang="en-US" smtClean="0"/>
-              <a:t>9</a:t>
-            </a:fld>
-            <a:endParaRPr lang="en-US"/>
-          </a:p>
-        </p:txBody>
-      </p:sp>
-    </p:spTree>
-    <p:extLst>
-      <p:ext uri="{BB962C8B-B14F-4D97-AF65-F5344CB8AC3E}">
-        <p14:creationId xmlns:p14="http://schemas.microsoft.com/office/powerpoint/2010/main" val="3646060077"/>
       </p:ext>
     </p:extLst>
   </p:cSld>
